--- a/output_presentation.pptx
+++ b/output_presentation.pptx
@@ -12,6 +12,13 @@
     <p:sldId id="260" r:id="rId11"/>
     <p:sldId id="261" r:id="rId12"/>
     <p:sldId id="262" r:id="rId13"/>
+    <p:sldId id="263" r:id="rId14"/>
+    <p:sldId id="264" r:id="rId15"/>
+    <p:sldId id="265" r:id="rId16"/>
+    <p:sldId id="266" r:id="rId17"/>
+    <p:sldId id="267" r:id="rId18"/>
+    <p:sldId id="268" r:id="rId19"/>
+    <p:sldId id="269" r:id="rId20"/>
   </p:sldIdLst>
   <p:sldSz cx="12191695" cy="6858000" type="screen4x3"/>
   <p:notesSz cx="6858000" cy="9144000"/>
@@ -111,6 +118,431 @@
     </a:lvl9pPr>
   </p:defaultTextStyle>
 </p:presentation>
+</file>
+
+<file path=ppt/charts/chart1.xml><?xml version="1.0" encoding="utf-8"?>
+<c:chartSpace xmlns:c="http://schemas.openxmlformats.org/drawingml/2006/chart" xmlns:a="http://schemas.openxmlformats.org/drawingml/2006/main" xmlns:r="http://schemas.openxmlformats.org/officeDocument/2006/relationships">
+  <c:date1904 val="0"/>
+  <c:chart>
+    <c:autoTitleDeleted val="0"/>
+    <c:plotArea>
+      <c:barChart>
+        <c:barDir val="col"/>
+        <c:grouping val="clustered"/>
+        <c:ser>
+          <c:idx val="0"/>
+          <c:order val="0"/>
+          <c:tx>
+            <c:strRef>
+              <c:f>Sheet1!$B$1</c:f>
+              <c:strCache>
+                <c:ptCount val="1"/>
+                <c:pt idx="0">
+                  <c:v>Revenue (USD millions)</c:v>
+                </c:pt>
+              </c:strCache>
+            </c:strRef>
+          </c:tx>
+          <c:spPr>
+            <a:solidFill>
+              <a:srgbClr val="183A58"/>
+            </a:solidFill>
+          </c:spPr>
+          <c:dPt>
+            <c:idx val="0"/>
+            <c:spPr>
+              <a:solidFill>
+                <a:srgbClr val="183A58"/>
+              </a:solidFill>
+            </c:spPr>
+          </c:dPt>
+          <c:dPt>
+            <c:idx val="1"/>
+            <c:spPr>
+              <a:solidFill>
+                <a:srgbClr val="183A58"/>
+              </a:solidFill>
+            </c:spPr>
+          </c:dPt>
+          <c:dPt>
+            <c:idx val="2"/>
+            <c:spPr>
+              <a:solidFill>
+                <a:srgbClr val="183A58"/>
+              </a:solidFill>
+            </c:spPr>
+          </c:dPt>
+          <c:cat>
+            <c:strRef>
+              <c:f>Sheet1!$A$2:$A$4</c:f>
+              <c:strCache>
+                <c:ptCount val="3"/>
+                <c:pt idx="0">
+                  <c:v>2022</c:v>
+                </c:pt>
+                <c:pt idx="1">
+                  <c:v>2023</c:v>
+                </c:pt>
+                <c:pt idx="2">
+                  <c:v>2024</c:v>
+                </c:pt>
+              </c:strCache>
+            </c:strRef>
+          </c:cat>
+          <c:val>
+            <c:numRef>
+              <c:f>Sheet1!$B$2:$B$4</c:f>
+              <c:numCache>
+                <c:formatCode>General</c:formatCode>
+                <c:ptCount val="3"/>
+                <c:pt idx="0">
+                  <c:v>10.0</c:v>
+                </c:pt>
+                <c:pt idx="1">
+                  <c:v>25.0</c:v>
+                </c:pt>
+                <c:pt idx="2">
+                  <c:v>50.0</c:v>
+                </c:pt>
+              </c:numCache>
+            </c:numRef>
+          </c:val>
+        </c:ser>
+        <c:ser>
+          <c:idx val="1"/>
+          <c:order val="1"/>
+          <c:tx>
+            <c:strRef>
+              <c:f>Sheet1!$C$1</c:f>
+              <c:strCache>
+                <c:ptCount val="1"/>
+                <c:pt idx="0">
+                  <c:v>EBITDA (USD millions)</c:v>
+                </c:pt>
+              </c:strCache>
+            </c:strRef>
+          </c:tx>
+          <c:spPr>
+            <a:solidFill>
+              <a:srgbClr val="B5975B"/>
+            </a:solidFill>
+          </c:spPr>
+          <c:dPt>
+            <c:idx val="0"/>
+            <c:spPr>
+              <a:solidFill>
+                <a:srgbClr val="B5975B"/>
+              </a:solidFill>
+            </c:spPr>
+          </c:dPt>
+          <c:dPt>
+            <c:idx val="1"/>
+            <c:spPr>
+              <a:solidFill>
+                <a:srgbClr val="B5975B"/>
+              </a:solidFill>
+            </c:spPr>
+          </c:dPt>
+          <c:dPt>
+            <c:idx val="2"/>
+            <c:spPr>
+              <a:solidFill>
+                <a:srgbClr val="B5975B"/>
+              </a:solidFill>
+            </c:spPr>
+          </c:dPt>
+          <c:cat>
+            <c:strRef>
+              <c:f>Sheet1!$A$2:$A$4</c:f>
+              <c:strCache>
+                <c:ptCount val="3"/>
+                <c:pt idx="0">
+                  <c:v>2022</c:v>
+                </c:pt>
+                <c:pt idx="1">
+                  <c:v>2023</c:v>
+                </c:pt>
+                <c:pt idx="2">
+                  <c:v>2024</c:v>
+                </c:pt>
+              </c:strCache>
+            </c:strRef>
+          </c:cat>
+          <c:val>
+            <c:numRef>
+              <c:f>Sheet1!$C$2:$C$4</c:f>
+              <c:numCache>
+                <c:formatCode>General</c:formatCode>
+                <c:ptCount val="3"/>
+                <c:pt idx="0">
+                  <c:v>2.0</c:v>
+                </c:pt>
+                <c:pt idx="1">
+                  <c:v>8.0</c:v>
+                </c:pt>
+                <c:pt idx="2">
+                  <c:v>15.0</c:v>
+                </c:pt>
+              </c:numCache>
+            </c:numRef>
+          </c:val>
+        </c:ser>
+        <c:axId val="-2068027336"/>
+        <c:axId val="-2113994440"/>
+      </c:barChart>
+      <c:catAx>
+        <c:axId val="-2068027336"/>
+        <c:scaling>
+          <c:orientation val="minMax"/>
+        </c:scaling>
+        <c:delete val="0"/>
+        <c:axPos val="b"/>
+        <c:majorTickMark val="out"/>
+        <c:minorTickMark val="none"/>
+        <c:tickLblPos val="nextTo"/>
+        <c:txPr>
+          <a:bodyPr/>
+          <a:lstStyle/>
+          <a:p>
+            <a:pPr>
+              <a:defRPr sz="1000">
+                <a:latin typeface="Arial"/>
+              </a:defRPr>
+            </a:pPr>
+          </a:p>
+        </c:txPr>
+        <c:crossAx val="-2113994440"/>
+        <c:crosses val="autoZero"/>
+        <c:auto val="1"/>
+        <c:lblAlgn val="ctr"/>
+        <c:lblOffset val="100"/>
+        <c:noMultiLvlLbl val="0"/>
+      </c:catAx>
+      <c:valAx>
+        <c:axId val="-2113994440"/>
+        <c:scaling>
+          <c:max val="60.0"/>
+          <c:min val="0.0"/>
+        </c:scaling>
+        <c:delete val="0"/>
+        <c:axPos val="l"/>
+        <c:majorGridlines/>
+        <c:majorTickMark val="out"/>
+        <c:minorTickMark val="none"/>
+        <c:tickLblPos val="nextTo"/>
+        <c:txPr>
+          <a:bodyPr/>
+          <a:lstStyle/>
+          <a:p>
+            <a:pPr>
+              <a:defRPr sz="1000">
+                <a:latin typeface="Arial"/>
+              </a:defRPr>
+            </a:pPr>
+          </a:p>
+        </c:txPr>
+        <c:crossAx val="-2068027336"/>
+        <c:crosses val="autoZero"/>
+      </c:valAx>
+    </c:plotArea>
+    <c:legend>
+      <c:legendPos val="t"/>
+      <c:txPr>
+        <a:bodyPr/>
+        <a:lstStyle/>
+        <a:p>
+          <a:pPr>
+            <a:defRPr sz="1000"/>
+          </a:pPr>
+        </a:p>
+      </c:txPr>
+    </c:legend>
+    <c:dispBlanksAs val="gap"/>
+  </c:chart>
+  <c:txPr>
+    <a:bodyPr/>
+    <a:lstStyle/>
+    <a:p>
+      <a:pPr>
+        <a:defRPr sz="1800"/>
+      </a:pPr>
+      <a:endParaRPr lang="en-US"/>
+    </a:p>
+  </c:txPr>
+  <c:externalData r:id="rId1">
+    <c:autoUpdate val="0"/>
+  </c:externalData>
+</c:chartSpace>
+</file>
+
+<file path=ppt/charts/chart2.xml><?xml version="1.0" encoding="utf-8"?>
+<c:chartSpace xmlns:c="http://schemas.openxmlformats.org/drawingml/2006/chart" xmlns:a="http://schemas.openxmlformats.org/drawingml/2006/main" xmlns:r="http://schemas.openxmlformats.org/officeDocument/2006/relationships">
+  <c:date1904 val="0"/>
+  <c:chart>
+    <c:autoTitleDeleted val="0"/>
+    <c:plotArea>
+      <c:barChart>
+        <c:barDir val="col"/>
+        <c:grouping val="clustered"/>
+        <c:ser>
+          <c:idx val="0"/>
+          <c:order val="0"/>
+          <c:tx>
+            <c:strRef>
+              <c:f>Sheet1!$B$1</c:f>
+              <c:strCache>
+                <c:ptCount val="1"/>
+                <c:pt idx="0">
+                  <c:v>Revenue (USD millions)</c:v>
+                </c:pt>
+              </c:strCache>
+            </c:strRef>
+          </c:tx>
+          <c:spPr>
+            <a:solidFill>
+              <a:srgbClr val="183A58"/>
+            </a:solidFill>
+          </c:spPr>
+          <c:cat>
+            <c:strRef>
+              <c:f>Sheet1!$A$2:$A$4</c:f>
+              <c:strCache>
+                <c:ptCount val="3"/>
+                <c:pt idx="0">
+                  <c:v>2023</c:v>
+                </c:pt>
+                <c:pt idx="1">
+                  <c:v>2024</c:v>
+                </c:pt>
+                <c:pt idx="2">
+                  <c:v>2025</c:v>
+                </c:pt>
+              </c:strCache>
+            </c:strRef>
+          </c:cat>
+          <c:val>
+            <c:numRef>
+              <c:f>Sheet1!$B$2:$B$4</c:f>
+              <c:numCache>
+                <c:formatCode>General</c:formatCode>
+                <c:ptCount val="3"/>
+                <c:pt idx="0">
+                  <c:v>20</c:v>
+                </c:pt>
+                <c:pt idx="1">
+                  <c:v>35</c:v>
+                </c:pt>
+                <c:pt idx="2">
+                  <c:v>60</c:v>
+                </c:pt>
+              </c:numCache>
+            </c:numRef>
+          </c:val>
+        </c:ser>
+        <c:ser>
+          <c:idx val="1"/>
+          <c:order val="1"/>
+          <c:tx>
+            <c:strRef>
+              <c:f>Sheet1!$C$1</c:f>
+              <c:strCache>
+                <c:ptCount val="1"/>
+                <c:pt idx="0">
+                  <c:v>EBITDA (USD millions)</c:v>
+                </c:pt>
+              </c:strCache>
+            </c:strRef>
+          </c:tx>
+          <c:spPr>
+            <a:solidFill>
+              <a:srgbClr val="B5975B"/>
+            </a:solidFill>
+          </c:spPr>
+          <c:cat>
+            <c:strRef>
+              <c:f>Sheet1!$A$2:$A$4</c:f>
+              <c:strCache>
+                <c:ptCount val="3"/>
+                <c:pt idx="0">
+                  <c:v>2023</c:v>
+                </c:pt>
+                <c:pt idx="1">
+                  <c:v>2024</c:v>
+                </c:pt>
+                <c:pt idx="2">
+                  <c:v>2025</c:v>
+                </c:pt>
+              </c:strCache>
+            </c:strRef>
+          </c:cat>
+          <c:val>
+            <c:numRef>
+              <c:f>Sheet1!$C$2:$C$4</c:f>
+              <c:numCache>
+                <c:formatCode>General</c:formatCode>
+                <c:ptCount val="3"/>
+                <c:pt idx="0">
+                  <c:v>3</c:v>
+                </c:pt>
+                <c:pt idx="1">
+                  <c:v>8</c:v>
+                </c:pt>
+                <c:pt idx="2">
+                  <c:v>15</c:v>
+                </c:pt>
+              </c:numCache>
+            </c:numRef>
+          </c:val>
+        </c:ser>
+        <c:axId val="-2068027336"/>
+        <c:axId val="-2113994440"/>
+      </c:barChart>
+      <c:catAx>
+        <c:axId val="-2068027336"/>
+        <c:scaling>
+          <c:orientation val="minMax"/>
+        </c:scaling>
+        <c:delete val="0"/>
+        <c:axPos val="b"/>
+        <c:majorTickMark val="out"/>
+        <c:minorTickMark val="none"/>
+        <c:tickLblPos val="nextTo"/>
+        <c:crossAx val="-2113994440"/>
+        <c:crosses val="autoZero"/>
+        <c:auto val="1"/>
+        <c:lblAlgn val="ctr"/>
+        <c:lblOffset val="100"/>
+        <c:noMultiLvlLbl val="0"/>
+      </c:catAx>
+      <c:valAx>
+        <c:axId val="-2113994440"/>
+        <c:scaling/>
+        <c:delete val="0"/>
+        <c:axPos val="l"/>
+        <c:majorGridlines/>
+        <c:majorTickMark val="out"/>
+        <c:minorTickMark val="none"/>
+        <c:tickLblPos val="nextTo"/>
+        <c:crossAx val="-2068027336"/>
+        <c:crosses val="autoZero"/>
+      </c:valAx>
+    </c:plotArea>
+    <c:dispBlanksAs val="gap"/>
+  </c:chart>
+  <c:txPr>
+    <a:bodyPr/>
+    <a:lstStyle/>
+    <a:p>
+      <a:pPr>
+        <a:defRPr sz="1800"/>
+      </a:pPr>
+      <a:endParaRPr lang="en-US"/>
+    </a:p>
+  </c:txPr>
+  <c:externalData r:id="rId1">
+    <c:autoUpdate val="0"/>
+  </c:externalData>
+</c:chartSpace>
 </file>
 
 <file path=ppt/slideLayouts/slideLayout1.xml><?xml version="1.0" encoding="utf-8"?>
@@ -3087,6 +3519,14 @@
 <file path=ppt/slides/slide1.xml><?xml version="1.0" encoding="utf-8"?>
 <p:sld xmlns:a="http://schemas.openxmlformats.org/drawingml/2006/main" xmlns:p="http://schemas.openxmlformats.org/presentationml/2006/main" xmlns:r="http://schemas.openxmlformats.org/officeDocument/2006/relationships">
   <p:cSld>
+    <p:bg>
+      <p:bgPr>
+        <a:solidFill>
+          <a:srgbClr val="FFFFFF"/>
+        </a:solidFill>
+        <a:effectLst/>
+      </p:bgPr>
+    </p:bg>
     <p:spTree>
       <p:nvGrpSpPr>
         <p:cNvPr id="1" name=""/>
@@ -3102,8 +3542,817 @@
         </p:nvSpPr>
         <p:spPr>
           <a:xfrm>
-            <a:off x="640080" y="731520"/>
-            <a:ext cx="10515600" cy="1371600"/>
+            <a:off x="457200" y="274320"/>
+            <a:ext cx="11277295" cy="731520"/>
+          </a:xfrm>
+          <a:prstGeom prst="rect">
+            <a:avLst/>
+          </a:prstGeom>
+          <a:noFill/>
+        </p:spPr>
+        <p:txBody>
+          <a:bodyPr wrap="none" lIns="0" tIns="0" rIns="0" bIns="0">
+            <a:spAutoFit/>
+          </a:bodyPr>
+          <a:lstStyle/>
+          <a:p>
+            <a:pPr algn="l"/>
+            <a:r>
+              <a:rPr sz="2400" b="1">
+                <a:solidFill>
+                  <a:srgbClr val="183A58"/>
+                </a:solidFill>
+                <a:latin typeface="Arial"/>
+              </a:rPr>
+              <a:t>Business Overview - [Research Required]</a:t>
+            </a:r>
+          </a:p>
+        </p:txBody>
+      </p:sp>
+      <p:sp>
+        <p:nvSpPr>
+          <p:cNvPr id="3" name="Rectangle 2"/>
+          <p:cNvSpPr/>
+          <p:nvPr/>
+        </p:nvSpPr>
+        <p:spPr>
+          <a:xfrm>
+            <a:off x="457200" y="914400"/>
+            <a:ext cx="11277295" cy="45720"/>
+          </a:xfrm>
+          <a:prstGeom prst="rect">
+            <a:avLst/>
+          </a:prstGeom>
+          <a:solidFill>
+            <a:srgbClr val="183A58"/>
+          </a:solidFill>
+          <a:ln>
+            <a:noFill/>
+          </a:ln>
+        </p:spPr>
+        <p:style>
+          <a:lnRef idx="1">
+            <a:schemeClr val="accent1"/>
+          </a:lnRef>
+          <a:fillRef idx="3">
+            <a:schemeClr val="accent1"/>
+          </a:fillRef>
+          <a:effectRef idx="2">
+            <a:schemeClr val="accent1"/>
+          </a:effectRef>
+          <a:fontRef idx="minor">
+            <a:schemeClr val="lt1"/>
+          </a:fontRef>
+        </p:style>
+        <p:txBody>
+          <a:bodyPr rtlCol="0" anchor="ctr"/>
+          <a:lstStyle/>
+          <a:p>
+            <a:pPr algn="ctr"/>
+          </a:p>
+        </p:txBody>
+      </p:sp>
+      <p:sp>
+        <p:nvSpPr>
+          <p:cNvPr id="4" name="TextBox 3"/>
+          <p:cNvSpPr txBox="1"/>
+          <p:nvPr/>
+        </p:nvSpPr>
+        <p:spPr>
+          <a:xfrm>
+            <a:off x="731520" y="1188720"/>
+            <a:ext cx="5943600" cy="914400"/>
+          </a:xfrm>
+          <a:prstGeom prst="rect">
+            <a:avLst/>
+          </a:prstGeom>
+          <a:noFill/>
+          <a:ln>
+            <a:noFill/>
+          </a:ln>
+          <a:effectLst/>
+        </p:spPr>
+        <p:txBody>
+          <a:bodyPr wrap="square">
+            <a:spAutoFit/>
+          </a:bodyPr>
+          <a:lstStyle/>
+          <a:p>
+            <a:pPr algn="l"/>
+            <a:r>
+              <a:rPr sz="1200" b="0">
+                <a:solidFill>
+                  <a:srgbClr val="404040"/>
+                </a:solidFill>
+                <a:latin typeface="Arial"/>
+              </a:rPr>
+              <a:t>[Research Required] business description</a:t>
+            </a:r>
+          </a:p>
+        </p:txBody>
+      </p:sp>
+      <p:sp>
+        <p:nvSpPr>
+          <p:cNvPr id="5" name="Oval 4"/>
+          <p:cNvSpPr/>
+          <p:nvPr/>
+        </p:nvSpPr>
+        <p:spPr>
+          <a:xfrm>
+            <a:off x="914400" y="2377440"/>
+            <a:ext cx="109728" cy="109728"/>
+          </a:xfrm>
+          <a:prstGeom prst="ellipse">
+            <a:avLst/>
+          </a:prstGeom>
+          <a:solidFill>
+            <a:srgbClr val="B5975B"/>
+          </a:solidFill>
+          <a:ln>
+            <a:noFill/>
+          </a:ln>
+        </p:spPr>
+        <p:style>
+          <a:lnRef idx="1">
+            <a:schemeClr val="accent1"/>
+          </a:lnRef>
+          <a:fillRef idx="3">
+            <a:schemeClr val="accent1"/>
+          </a:fillRef>
+          <a:effectRef idx="2">
+            <a:schemeClr val="accent1"/>
+          </a:effectRef>
+          <a:fontRef idx="minor">
+            <a:schemeClr val="lt1"/>
+          </a:fontRef>
+        </p:style>
+        <p:txBody>
+          <a:bodyPr rtlCol="0" anchor="ctr"/>
+          <a:lstStyle/>
+          <a:p>
+            <a:pPr algn="ctr"/>
+          </a:p>
+        </p:txBody>
+      </p:sp>
+      <p:sp>
+        <p:nvSpPr>
+          <p:cNvPr id="6" name="Rectangle 5"/>
+          <p:cNvSpPr/>
+          <p:nvPr/>
+        </p:nvSpPr>
+        <p:spPr>
+          <a:xfrm>
+            <a:off x="1024128" y="2423160"/>
+            <a:ext cx="3657600" cy="18288"/>
+          </a:xfrm>
+          <a:prstGeom prst="rect">
+            <a:avLst/>
+          </a:prstGeom>
+          <a:solidFill>
+            <a:srgbClr val="B5975B"/>
+          </a:solidFill>
+          <a:ln>
+            <a:noFill/>
+          </a:ln>
+        </p:spPr>
+        <p:style>
+          <a:lnRef idx="1">
+            <a:schemeClr val="accent1"/>
+          </a:lnRef>
+          <a:fillRef idx="3">
+            <a:schemeClr val="accent1"/>
+          </a:fillRef>
+          <a:effectRef idx="2">
+            <a:schemeClr val="accent1"/>
+          </a:effectRef>
+          <a:fontRef idx="minor">
+            <a:schemeClr val="lt1"/>
+          </a:fontRef>
+        </p:style>
+        <p:txBody>
+          <a:bodyPr rtlCol="0" anchor="ctr"/>
+          <a:lstStyle/>
+          <a:p>
+            <a:pPr algn="ctr"/>
+          </a:p>
+        </p:txBody>
+      </p:sp>
+      <p:sp>
+        <p:nvSpPr>
+          <p:cNvPr id="7" name="Oval 6"/>
+          <p:cNvSpPr/>
+          <p:nvPr/>
+        </p:nvSpPr>
+        <p:spPr>
+          <a:xfrm>
+            <a:off x="4572000" y="2377440"/>
+            <a:ext cx="109728" cy="109728"/>
+          </a:xfrm>
+          <a:prstGeom prst="ellipse">
+            <a:avLst/>
+          </a:prstGeom>
+          <a:solidFill>
+            <a:srgbClr val="B5975B"/>
+          </a:solidFill>
+          <a:ln>
+            <a:noFill/>
+          </a:ln>
+        </p:spPr>
+        <p:style>
+          <a:lnRef idx="1">
+            <a:schemeClr val="accent1"/>
+          </a:lnRef>
+          <a:fillRef idx="3">
+            <a:schemeClr val="accent1"/>
+          </a:fillRef>
+          <a:effectRef idx="2">
+            <a:schemeClr val="accent1"/>
+          </a:effectRef>
+          <a:fontRef idx="minor">
+            <a:schemeClr val="lt1"/>
+          </a:fontRef>
+        </p:style>
+        <p:txBody>
+          <a:bodyPr rtlCol="0" anchor="ctr"/>
+          <a:lstStyle/>
+          <a:p>
+            <a:pPr algn="ctr"/>
+          </a:p>
+        </p:txBody>
+      </p:sp>
+      <p:sp>
+        <p:nvSpPr>
+          <p:cNvPr id="8" name="TextBox 7"/>
+          <p:cNvSpPr txBox="1"/>
+          <p:nvPr/>
+        </p:nvSpPr>
+        <p:spPr>
+          <a:xfrm>
+            <a:off x="822960" y="2103120"/>
+            <a:ext cx="457200" cy="182880"/>
+          </a:xfrm>
+          <a:prstGeom prst="rect">
+            <a:avLst/>
+          </a:prstGeom>
+          <a:noFill/>
+          <a:ln>
+            <a:noFill/>
+          </a:ln>
+          <a:effectLst/>
+        </p:spPr>
+        <p:txBody>
+          <a:bodyPr wrap="square">
+            <a:spAutoFit/>
+          </a:bodyPr>
+          <a:lstStyle/>
+          <a:p>
+            <a:pPr algn="ctr"/>
+            <a:r>
+              <a:rPr sz="1100" b="1">
+                <a:solidFill>
+                  <a:srgbClr val="183A58"/>
+                </a:solidFill>
+                <a:latin typeface="Arial"/>
+              </a:rPr>
+              <a:t>2022</a:t>
+            </a:r>
+          </a:p>
+        </p:txBody>
+      </p:sp>
+      <p:sp>
+        <p:nvSpPr>
+          <p:cNvPr id="9" name="TextBox 8"/>
+          <p:cNvSpPr txBox="1"/>
+          <p:nvPr/>
+        </p:nvSpPr>
+        <p:spPr>
+          <a:xfrm>
+            <a:off x="4480560" y="2103120"/>
+            <a:ext cx="457200" cy="182880"/>
+          </a:xfrm>
+          <a:prstGeom prst="rect">
+            <a:avLst/>
+          </a:prstGeom>
+          <a:noFill/>
+          <a:ln>
+            <a:noFill/>
+          </a:ln>
+          <a:effectLst/>
+        </p:spPr>
+        <p:txBody>
+          <a:bodyPr wrap="square">
+            <a:spAutoFit/>
+          </a:bodyPr>
+          <a:lstStyle/>
+          <a:p>
+            <a:pPr algn="ctr"/>
+            <a:r>
+              <a:rPr sz="1100" b="1">
+                <a:solidFill>
+                  <a:srgbClr val="183A58"/>
+                </a:solidFill>
+                <a:latin typeface="Arial"/>
+              </a:rPr>
+              <a:t>2024</a:t>
+            </a:r>
+          </a:p>
+        </p:txBody>
+      </p:sp>
+      <p:sp>
+        <p:nvSpPr>
+          <p:cNvPr id="10" name="TextBox 9"/>
+          <p:cNvSpPr txBox="1"/>
+          <p:nvPr/>
+        </p:nvSpPr>
+        <p:spPr>
+          <a:xfrm>
+            <a:off x="4937760" y="2286000"/>
+            <a:ext cx="2743200" cy="274320"/>
+          </a:xfrm>
+          <a:prstGeom prst="rect">
+            <a:avLst/>
+          </a:prstGeom>
+          <a:noFill/>
+          <a:ln>
+            <a:noFill/>
+          </a:ln>
+          <a:effectLst/>
+        </p:spPr>
+        <p:txBody>
+          <a:bodyPr wrap="square">
+            <a:spAutoFit/>
+          </a:bodyPr>
+          <a:lstStyle/>
+          <a:p>
+            <a:pPr algn="l"/>
+            <a:r>
+              <a:rPr sz="900" b="0">
+                <a:solidFill>
+                  <a:srgbClr val="404040"/>
+                </a:solidFill>
+                <a:latin typeface="Arial"/>
+              </a:rPr>
+              <a:t>(2+ years of operation)</a:t>
+            </a:r>
+          </a:p>
+        </p:txBody>
+      </p:sp>
+      <p:sp>
+        <p:nvSpPr>
+          <p:cNvPr id="11" name="Rectangle 10"/>
+          <p:cNvSpPr/>
+          <p:nvPr/>
+        </p:nvSpPr>
+        <p:spPr>
+          <a:xfrm>
+            <a:off x="7498079" y="1188720"/>
+            <a:ext cx="4206240" cy="5120640"/>
+          </a:xfrm>
+          <a:prstGeom prst="rect">
+            <a:avLst/>
+          </a:prstGeom>
+          <a:solidFill>
+            <a:srgbClr val="F0F0F0"/>
+          </a:solidFill>
+          <a:ln>
+            <a:noFill/>
+          </a:ln>
+          <a:effectLst/>
+        </p:spPr>
+        <p:style>
+          <a:lnRef idx="1">
+            <a:schemeClr val="accent1"/>
+          </a:lnRef>
+          <a:fillRef idx="3">
+            <a:schemeClr val="accent1"/>
+          </a:fillRef>
+          <a:effectRef idx="2">
+            <a:schemeClr val="accent1"/>
+          </a:effectRef>
+          <a:fontRef idx="minor">
+            <a:schemeClr val="lt1"/>
+          </a:fontRef>
+        </p:style>
+        <p:txBody>
+          <a:bodyPr rtlCol="0" anchor="ctr"/>
+          <a:lstStyle/>
+          <a:p>
+            <a:pPr algn="ctr"/>
+          </a:p>
+        </p:txBody>
+      </p:sp>
+      <p:sp>
+        <p:nvSpPr>
+          <p:cNvPr id="12" name="TextBox 11"/>
+          <p:cNvSpPr txBox="1"/>
+          <p:nvPr/>
+        </p:nvSpPr>
+        <p:spPr>
+          <a:xfrm>
+            <a:off x="7589520" y="1280160"/>
+            <a:ext cx="3840480" cy="274320"/>
+          </a:xfrm>
+          <a:prstGeom prst="rect">
+            <a:avLst/>
+          </a:prstGeom>
+          <a:noFill/>
+          <a:ln>
+            <a:noFill/>
+          </a:ln>
+          <a:effectLst/>
+        </p:spPr>
+        <p:txBody>
+          <a:bodyPr wrap="square">
+            <a:spAutoFit/>
+          </a:bodyPr>
+          <a:lstStyle/>
+          <a:p>
+            <a:pPr algn="ctr"/>
+            <a:r>
+              <a:rPr sz="1200" b="1">
+                <a:solidFill>
+                  <a:srgbClr val="183A58"/>
+                </a:solidFill>
+                <a:latin typeface="Arial"/>
+              </a:rPr>
+              <a:t>Key Operational Highlights</a:t>
+            </a:r>
+          </a:p>
+        </p:txBody>
+      </p:sp>
+      <p:sp>
+        <p:nvSpPr>
+          <p:cNvPr id="13" name="Oval 12"/>
+          <p:cNvSpPr/>
+          <p:nvPr/>
+        </p:nvSpPr>
+        <p:spPr>
+          <a:xfrm>
+            <a:off x="7589520" y="1673352"/>
+            <a:ext cx="36576" cy="36576"/>
+          </a:xfrm>
+          <a:prstGeom prst="ellipse">
+            <a:avLst/>
+          </a:prstGeom>
+          <a:solidFill>
+            <a:srgbClr val="B5975B"/>
+          </a:solidFill>
+          <a:ln>
+            <a:noFill/>
+          </a:ln>
+        </p:spPr>
+        <p:style>
+          <a:lnRef idx="1">
+            <a:schemeClr val="accent1"/>
+          </a:lnRef>
+          <a:fillRef idx="3">
+            <a:schemeClr val="accent1"/>
+          </a:fillRef>
+          <a:effectRef idx="2">
+            <a:schemeClr val="accent1"/>
+          </a:effectRef>
+          <a:fontRef idx="minor">
+            <a:schemeClr val="lt1"/>
+          </a:fontRef>
+        </p:style>
+        <p:txBody>
+          <a:bodyPr rtlCol="0" anchor="ctr"/>
+          <a:lstStyle/>
+          <a:p>
+            <a:pPr algn="ctr"/>
+          </a:p>
+        </p:txBody>
+      </p:sp>
+      <p:sp>
+        <p:nvSpPr>
+          <p:cNvPr id="14" name="TextBox 13"/>
+          <p:cNvSpPr txBox="1"/>
+          <p:nvPr/>
+        </p:nvSpPr>
+        <p:spPr>
+          <a:xfrm>
+            <a:off x="7699248" y="1600200"/>
+            <a:ext cx="3886200" cy="502920"/>
+          </a:xfrm>
+          <a:prstGeom prst="rect">
+            <a:avLst/>
+          </a:prstGeom>
+          <a:noFill/>
+          <a:ln>
+            <a:noFill/>
+          </a:ln>
+          <a:effectLst/>
+        </p:spPr>
+        <p:txBody>
+          <a:bodyPr wrap="square">
+            <a:spAutoFit/>
+          </a:bodyPr>
+          <a:lstStyle/>
+          <a:p>
+            <a:pPr algn="l"/>
+            <a:r>
+              <a:rPr sz="900" b="0">
+                <a:solidFill>
+                  <a:srgbClr val="404040"/>
+                </a:solidFill>
+                <a:latin typeface="Arial"/>
+              </a:rPr>
+              <a:t>[Research Required] established</a:t>
+            </a:r>
+          </a:p>
+        </p:txBody>
+      </p:sp>
+      <p:sp>
+        <p:nvSpPr>
+          <p:cNvPr id="15" name="Oval 14"/>
+          <p:cNvSpPr/>
+          <p:nvPr/>
+        </p:nvSpPr>
+        <p:spPr>
+          <a:xfrm>
+            <a:off x="7589520" y="2221992"/>
+            <a:ext cx="36576" cy="36576"/>
+          </a:xfrm>
+          <a:prstGeom prst="ellipse">
+            <a:avLst/>
+          </a:prstGeom>
+          <a:solidFill>
+            <a:srgbClr val="B5975B"/>
+          </a:solidFill>
+          <a:ln>
+            <a:noFill/>
+          </a:ln>
+        </p:spPr>
+        <p:style>
+          <a:lnRef idx="1">
+            <a:schemeClr val="accent1"/>
+          </a:lnRef>
+          <a:fillRef idx="3">
+            <a:schemeClr val="accent1"/>
+          </a:fillRef>
+          <a:effectRef idx="2">
+            <a:schemeClr val="accent1"/>
+          </a:effectRef>
+          <a:fontRef idx="minor">
+            <a:schemeClr val="lt1"/>
+          </a:fontRef>
+        </p:style>
+        <p:txBody>
+          <a:bodyPr rtlCol="0" anchor="ctr"/>
+          <a:lstStyle/>
+          <a:p>
+            <a:pPr algn="ctr"/>
+          </a:p>
+        </p:txBody>
+      </p:sp>
+      <p:sp>
+        <p:nvSpPr>
+          <p:cNvPr id="16" name="TextBox 15"/>
+          <p:cNvSpPr txBox="1"/>
+          <p:nvPr/>
+        </p:nvSpPr>
+        <p:spPr>
+          <a:xfrm>
+            <a:off x="7699248" y="2148840"/>
+            <a:ext cx="3886200" cy="502920"/>
+          </a:xfrm>
+          <a:prstGeom prst="rect">
+            <a:avLst/>
+          </a:prstGeom>
+          <a:noFill/>
+          <a:ln>
+            <a:noFill/>
+          </a:ln>
+          <a:effectLst/>
+        </p:spPr>
+        <p:txBody>
+          <a:bodyPr wrap="square">
+            <a:spAutoFit/>
+          </a:bodyPr>
+          <a:lstStyle/>
+          <a:p>
+            <a:pPr algn="l"/>
+            <a:r>
+              <a:rPr sz="900" b="0">
+                <a:solidFill>
+                  <a:srgbClr val="404040"/>
+                </a:solidFill>
+                <a:latin typeface="Arial"/>
+              </a:rPr>
+              <a:t>Platform launched</a:t>
+            </a:r>
+          </a:p>
+        </p:txBody>
+      </p:sp>
+      <p:sp>
+        <p:nvSpPr>
+          <p:cNvPr id="17" name="TextBox 16"/>
+          <p:cNvSpPr txBox="1"/>
+          <p:nvPr/>
+        </p:nvSpPr>
+        <p:spPr>
+          <a:xfrm>
+            <a:off x="731520" y="2743200"/>
+            <a:ext cx="5943600" cy="274320"/>
+          </a:xfrm>
+          <a:prstGeom prst="rect">
+            <a:avLst/>
+          </a:prstGeom>
+          <a:noFill/>
+          <a:ln>
+            <a:noFill/>
+          </a:ln>
+          <a:effectLst/>
+        </p:spPr>
+        <p:txBody>
+          <a:bodyPr wrap="square">
+            <a:spAutoFit/>
+          </a:bodyPr>
+          <a:lstStyle/>
+          <a:p>
+            <a:pPr algn="l"/>
+            <a:r>
+              <a:rPr sz="1200" b="1">
+                <a:solidFill>
+                  <a:srgbClr val="183A58"/>
+                </a:solidFill>
+                <a:latin typeface="Arial"/>
+              </a:rPr>
+              <a:t>Core Business Lines &amp; Capabilities</a:t>
+            </a:r>
+          </a:p>
+        </p:txBody>
+      </p:sp>
+      <p:sp>
+        <p:nvSpPr>
+          <p:cNvPr id="18" name="Oval 17"/>
+          <p:cNvSpPr/>
+          <p:nvPr/>
+        </p:nvSpPr>
+        <p:spPr>
+          <a:xfrm>
+            <a:off x="822960" y="3182112"/>
+            <a:ext cx="36576" cy="36576"/>
+          </a:xfrm>
+          <a:prstGeom prst="ellipse">
+            <a:avLst/>
+          </a:prstGeom>
+          <a:solidFill>
+            <a:srgbClr val="B5975B"/>
+          </a:solidFill>
+          <a:ln>
+            <a:noFill/>
+          </a:ln>
+        </p:spPr>
+        <p:style>
+          <a:lnRef idx="1">
+            <a:schemeClr val="accent1"/>
+          </a:lnRef>
+          <a:fillRef idx="3">
+            <a:schemeClr val="accent1"/>
+          </a:fillRef>
+          <a:effectRef idx="2">
+            <a:schemeClr val="accent1"/>
+          </a:effectRef>
+          <a:fontRef idx="minor">
+            <a:schemeClr val="lt1"/>
+          </a:fontRef>
+        </p:style>
+        <p:txBody>
+          <a:bodyPr rtlCol="0" anchor="ctr"/>
+          <a:lstStyle/>
+          <a:p>
+            <a:pPr algn="ctr"/>
+          </a:p>
+        </p:txBody>
+      </p:sp>
+      <p:sp>
+        <p:nvSpPr>
+          <p:cNvPr id="19" name="TextBox 18"/>
+          <p:cNvSpPr txBox="1"/>
+          <p:nvPr/>
+        </p:nvSpPr>
+        <p:spPr>
+          <a:xfrm>
+            <a:off x="932688" y="3108960"/>
+            <a:ext cx="3200400" cy="411480"/>
+          </a:xfrm>
+          <a:prstGeom prst="rect">
+            <a:avLst/>
+          </a:prstGeom>
+          <a:noFill/>
+          <a:ln>
+            <a:noFill/>
+          </a:ln>
+          <a:effectLst/>
+        </p:spPr>
+        <p:txBody>
+          <a:bodyPr wrap="square">
+            <a:spAutoFit/>
+          </a:bodyPr>
+          <a:lstStyle/>
+          <a:p>
+            <a:pPr algn="l"/>
+            <a:r>
+              <a:rPr sz="900" b="0">
+                <a:solidFill>
+                  <a:srgbClr val="404040"/>
+                </a:solidFill>
+                <a:latin typeface="Arial"/>
+              </a:rPr>
+              <a:t>[Research Required] platform services</a:t>
+            </a:r>
+          </a:p>
+        </p:txBody>
+      </p:sp>
+      <p:sp>
+        <p:nvSpPr>
+          <p:cNvPr id="20" name="TextBox 19"/>
+          <p:cNvSpPr txBox="1"/>
+          <p:nvPr/>
+        </p:nvSpPr>
+        <p:spPr>
+          <a:xfrm>
+            <a:off x="731520" y="5303520"/>
+            <a:ext cx="6400800" cy="274320"/>
+          </a:xfrm>
+          <a:prstGeom prst="rect">
+            <a:avLst/>
+          </a:prstGeom>
+          <a:noFill/>
+          <a:ln>
+            <a:noFill/>
+          </a:ln>
+          <a:effectLst/>
+        </p:spPr>
+        <p:txBody>
+          <a:bodyPr wrap="square">
+            <a:spAutoFit/>
+          </a:bodyPr>
+          <a:lstStyle/>
+          <a:p>
+            <a:pPr algn="l"/>
+            <a:r>
+              <a:rPr sz="1200" b="1">
+                <a:solidFill>
+                  <a:srgbClr val="183A58"/>
+                </a:solidFill>
+                <a:latin typeface="Arial"/>
+              </a:rPr>
+              <a:t>Strategic Market Positioning</a:t>
+            </a:r>
+          </a:p>
+        </p:txBody>
+      </p:sp>
+      <p:sp>
+        <p:nvSpPr>
+          <p:cNvPr id="21" name="TextBox 20"/>
+          <p:cNvSpPr txBox="1"/>
+          <p:nvPr/>
+        </p:nvSpPr>
+        <p:spPr>
+          <a:xfrm>
+            <a:off x="731520" y="5577840"/>
+            <a:ext cx="6400800" cy="731520"/>
+          </a:xfrm>
+          <a:prstGeom prst="rect">
+            <a:avLst/>
+          </a:prstGeom>
+          <a:noFill/>
+          <a:ln>
+            <a:noFill/>
+          </a:ln>
+          <a:effectLst/>
+        </p:spPr>
+        <p:txBody>
+          <a:bodyPr wrap="square">
+            <a:spAutoFit/>
+          </a:bodyPr>
+          <a:lstStyle/>
+          <a:p>
+            <a:pPr algn="l"/>
+            <a:r>
+              <a:rPr sz="1000" b="0">
+                <a:solidFill>
+                  <a:srgbClr val="404040"/>
+                </a:solidFill>
+                <a:latin typeface="Arial"/>
+              </a:rPr>
+              <a:t>[Research Required] business description</a:t>
+            </a:r>
+          </a:p>
+        </p:txBody>
+      </p:sp>
+      <p:sp>
+        <p:nvSpPr>
+          <p:cNvPr id="22" name="TextBox 21"/>
+          <p:cNvSpPr txBox="1"/>
+          <p:nvPr/>
+        </p:nvSpPr>
+        <p:spPr>
+          <a:xfrm>
+            <a:off x="731520" y="6400800"/>
+            <a:ext cx="3657600" cy="182880"/>
           </a:xfrm>
           <a:prstGeom prst="rect">
             <a:avLst/>
@@ -3118,8 +4367,2963 @@
           <a:p>
             <a:pPr algn="l"/>
             <a:r>
-              <a:rPr sz="1400"/>
-              <a:t>Renderer error: 'RGBColor' object has no attribute 'r'</a:t>
+              <a:rPr sz="900">
+                <a:solidFill>
+                  <a:srgbClr val="808080"/>
+                </a:solidFill>
+                <a:latin typeface="Arial"/>
+              </a:rPr>
+              <a:t>Confidential | September 11, 2025</a:t>
+            </a:r>
+          </a:p>
+        </p:txBody>
+      </p:sp>
+      <p:sp>
+        <p:nvSpPr>
+          <p:cNvPr id="23" name="TextBox 22"/>
+          <p:cNvSpPr txBox="1"/>
+          <p:nvPr/>
+        </p:nvSpPr>
+        <p:spPr>
+          <a:xfrm>
+            <a:off x="8686800" y="6400800"/>
+            <a:ext cx="3200400" cy="182880"/>
+          </a:xfrm>
+          <a:prstGeom prst="rect">
+            <a:avLst/>
+          </a:prstGeom>
+          <a:noFill/>
+        </p:spPr>
+        <p:txBody>
+          <a:bodyPr wrap="none">
+            <a:spAutoFit/>
+          </a:bodyPr>
+          <a:lstStyle/>
+          <a:p>
+            <a:pPr algn="r"/>
+            <a:r>
+              <a:rPr sz="900">
+                <a:solidFill>
+                  <a:srgbClr val="808080"/>
+                </a:solidFill>
+                <a:latin typeface="Arial"/>
+              </a:rPr>
+              <a:t>Databricks</a:t>
+            </a:r>
+          </a:p>
+        </p:txBody>
+      </p:sp>
+    </p:spTree>
+  </p:cSld>
+  <p:clrMapOvr>
+    <a:masterClrMapping/>
+  </p:clrMapOvr>
+</p:sld>
+</file>
+
+<file path=ppt/slides/slide10.xml><?xml version="1.0" encoding="utf-8"?>
+<p:sld xmlns:a="http://schemas.openxmlformats.org/drawingml/2006/main" xmlns:p="http://schemas.openxmlformats.org/presentationml/2006/main" xmlns:r="http://schemas.openxmlformats.org/officeDocument/2006/relationships">
+  <p:cSld>
+    <p:spTree>
+      <p:nvGrpSpPr>
+        <p:cNvPr id="1" name=""/>
+        <p:cNvGrpSpPr/>
+        <p:nvPr/>
+      </p:nvGrpSpPr>
+      <p:grpSpPr/>
+      <p:sp>
+        <p:nvSpPr>
+          <p:cNvPr id="2" name="TextBox 1"/>
+          <p:cNvSpPr txBox="1"/>
+          <p:nvPr/>
+        </p:nvSpPr>
+        <p:spPr>
+          <a:xfrm>
+            <a:off x="457200" y="274320"/>
+            <a:ext cx="11277295" cy="731520"/>
+          </a:xfrm>
+          <a:prstGeom prst="rect">
+            <a:avLst/>
+          </a:prstGeom>
+          <a:noFill/>
+        </p:spPr>
+        <p:txBody>
+          <a:bodyPr wrap="none" lIns="0" tIns="0" rIns="0" bIns="0">
+            <a:spAutoFit/>
+          </a:bodyPr>
+          <a:lstStyle/>
+          <a:p>
+            <a:pPr algn="l"/>
+            <a:r>
+              <a:rPr sz="2400" b="1">
+                <a:solidFill>
+                  <a:srgbClr val="183A58"/>
+                </a:solidFill>
+                <a:latin typeface="Arial"/>
+              </a:rPr>
+              <a:t>Strategic Buyers</a:t>
+            </a:r>
+          </a:p>
+        </p:txBody>
+      </p:sp>
+      <p:sp>
+        <p:nvSpPr>
+          <p:cNvPr id="3" name="Rectangle 2"/>
+          <p:cNvSpPr/>
+          <p:nvPr/>
+        </p:nvSpPr>
+        <p:spPr>
+          <a:xfrm>
+            <a:off x="457200" y="914400"/>
+            <a:ext cx="11277295" cy="45720"/>
+          </a:xfrm>
+          <a:prstGeom prst="rect">
+            <a:avLst/>
+          </a:prstGeom>
+          <a:solidFill>
+            <a:srgbClr val="183A58"/>
+          </a:solidFill>
+          <a:ln>
+            <a:noFill/>
+          </a:ln>
+        </p:spPr>
+        <p:style>
+          <a:lnRef idx="1">
+            <a:schemeClr val="accent1"/>
+          </a:lnRef>
+          <a:fillRef idx="3">
+            <a:schemeClr val="accent1"/>
+          </a:fillRef>
+          <a:effectRef idx="2">
+            <a:schemeClr val="accent1"/>
+          </a:effectRef>
+          <a:fontRef idx="minor">
+            <a:schemeClr val="lt1"/>
+          </a:fontRef>
+        </p:style>
+        <p:txBody>
+          <a:bodyPr rtlCol="0" anchor="ctr"/>
+          <a:lstStyle/>
+          <a:p>
+            <a:pPr algn="ctr"/>
+          </a:p>
+        </p:txBody>
+      </p:sp>
+      <p:sp>
+        <p:nvSpPr>
+          <p:cNvPr id="4" name="TextBox 3"/>
+          <p:cNvSpPr txBox="1"/>
+          <p:nvPr/>
+        </p:nvSpPr>
+        <p:spPr>
+          <a:xfrm>
+            <a:off x="1828800" y="2743200"/>
+            <a:ext cx="8229600" cy="914400"/>
+          </a:xfrm>
+          <a:prstGeom prst="rect">
+            <a:avLst/>
+          </a:prstGeom>
+          <a:noFill/>
+          <a:ln>
+            <a:noFill/>
+          </a:ln>
+          <a:effectLst/>
+        </p:spPr>
+        <p:txBody>
+          <a:bodyPr wrap="square">
+            <a:spAutoFit/>
+          </a:bodyPr>
+          <a:lstStyle/>
+          <a:p>
+            <a:pPr algn="ctr"/>
+            <a:r>
+              <a:rPr sz="1400" b="0">
+                <a:solidFill>
+                  <a:srgbClr val="404040"/>
+                </a:solidFill>
+                <a:latin typeface="Arial"/>
+              </a:rPr>
+              <a:t>Buyer profiles data will be displayed here when available.</a:t>
+            </a:r>
+          </a:p>
+        </p:txBody>
+      </p:sp>
+      <p:sp>
+        <p:nvSpPr>
+          <p:cNvPr id="5" name="TextBox 4"/>
+          <p:cNvSpPr txBox="1"/>
+          <p:nvPr/>
+        </p:nvSpPr>
+        <p:spPr>
+          <a:xfrm>
+            <a:off x="457200" y="6400800"/>
+            <a:ext cx="5486400" cy="365760"/>
+          </a:xfrm>
+          <a:prstGeom prst="rect">
+            <a:avLst/>
+          </a:prstGeom>
+          <a:noFill/>
+        </p:spPr>
+        <p:txBody>
+          <a:bodyPr wrap="none" anchor="ctr">
+            <a:spAutoFit/>
+          </a:bodyPr>
+          <a:lstStyle/>
+          <a:p>
+            <a:pPr algn="l">
+              <a:defRPr sz="900">
+                <a:solidFill>
+                  <a:srgbClr val="808080"/>
+                </a:solidFill>
+                <a:latin typeface="Arial"/>
+              </a:defRPr>
+            </a:pPr>
+            <a:r>
+              <a:t>Confidential | September 11, 2025</a:t>
+            </a:r>
+          </a:p>
+        </p:txBody>
+      </p:sp>
+      <p:sp>
+        <p:nvSpPr>
+          <p:cNvPr id="6" name="TextBox 5"/>
+          <p:cNvSpPr txBox="1"/>
+          <p:nvPr/>
+        </p:nvSpPr>
+        <p:spPr>
+          <a:xfrm>
+            <a:off x="9144000" y="6400800"/>
+            <a:ext cx="2743200" cy="365760"/>
+          </a:xfrm>
+          <a:prstGeom prst="rect">
+            <a:avLst/>
+          </a:prstGeom>
+          <a:noFill/>
+        </p:spPr>
+        <p:txBody>
+          <a:bodyPr wrap="none" anchor="ctr">
+            <a:spAutoFit/>
+          </a:bodyPr>
+          <a:lstStyle/>
+          <a:p>
+            <a:pPr algn="r">
+              <a:defRPr sz="900">
+                <a:solidFill>
+                  <a:srgbClr val="808080"/>
+                </a:solidFill>
+                <a:latin typeface="Arial"/>
+              </a:defRPr>
+            </a:pPr>
+            <a:r>
+              <a:t>Databricks</a:t>
+            </a:r>
+          </a:p>
+        </p:txBody>
+      </p:sp>
+    </p:spTree>
+  </p:cSld>
+  <p:clrMapOvr>
+    <a:masterClrMapping/>
+  </p:clrMapOvr>
+</p:sld>
+</file>
+
+<file path=ppt/slides/slide11.xml><?xml version="1.0" encoding="utf-8"?>
+<p:sld xmlns:a="http://schemas.openxmlformats.org/drawingml/2006/main" xmlns:p="http://schemas.openxmlformats.org/presentationml/2006/main" xmlns:r="http://schemas.openxmlformats.org/officeDocument/2006/relationships">
+  <p:cSld>
+    <p:spTree>
+      <p:nvGrpSpPr>
+        <p:cNvPr id="1" name=""/>
+        <p:cNvGrpSpPr/>
+        <p:nvPr/>
+      </p:nvGrpSpPr>
+      <p:grpSpPr/>
+      <p:sp>
+        <p:nvSpPr>
+          <p:cNvPr id="2" name="TextBox 1"/>
+          <p:cNvSpPr txBox="1"/>
+          <p:nvPr/>
+        </p:nvSpPr>
+        <p:spPr>
+          <a:xfrm>
+            <a:off x="457200" y="274320"/>
+            <a:ext cx="11277295" cy="731520"/>
+          </a:xfrm>
+          <a:prstGeom prst="rect">
+            <a:avLst/>
+          </a:prstGeom>
+          <a:noFill/>
+        </p:spPr>
+        <p:txBody>
+          <a:bodyPr wrap="none" lIns="0" tIns="0" rIns="0" bIns="0">
+            <a:spAutoFit/>
+          </a:bodyPr>
+          <a:lstStyle/>
+          <a:p>
+            <a:pPr algn="l"/>
+            <a:r>
+              <a:rPr sz="2400" b="1">
+                <a:solidFill>
+                  <a:srgbClr val="183A58"/>
+                </a:solidFill>
+                <a:latin typeface="Arial"/>
+              </a:rPr>
+              <a:t>Financial Buyers</a:t>
+            </a:r>
+          </a:p>
+        </p:txBody>
+      </p:sp>
+      <p:sp>
+        <p:nvSpPr>
+          <p:cNvPr id="3" name="Rectangle 2"/>
+          <p:cNvSpPr/>
+          <p:nvPr/>
+        </p:nvSpPr>
+        <p:spPr>
+          <a:xfrm>
+            <a:off x="457200" y="914400"/>
+            <a:ext cx="11277295" cy="45720"/>
+          </a:xfrm>
+          <a:prstGeom prst="rect">
+            <a:avLst/>
+          </a:prstGeom>
+          <a:solidFill>
+            <a:srgbClr val="183A58"/>
+          </a:solidFill>
+          <a:ln>
+            <a:noFill/>
+          </a:ln>
+        </p:spPr>
+        <p:style>
+          <a:lnRef idx="1">
+            <a:schemeClr val="accent1"/>
+          </a:lnRef>
+          <a:fillRef idx="3">
+            <a:schemeClr val="accent1"/>
+          </a:fillRef>
+          <a:effectRef idx="2">
+            <a:schemeClr val="accent1"/>
+          </a:effectRef>
+          <a:fontRef idx="minor">
+            <a:schemeClr val="lt1"/>
+          </a:fontRef>
+        </p:style>
+        <p:txBody>
+          <a:bodyPr rtlCol="0" anchor="ctr"/>
+          <a:lstStyle/>
+          <a:p>
+            <a:pPr algn="ctr"/>
+          </a:p>
+        </p:txBody>
+      </p:sp>
+      <p:sp>
+        <p:nvSpPr>
+          <p:cNvPr id="4" name="TextBox 3"/>
+          <p:cNvSpPr txBox="1"/>
+          <p:nvPr/>
+        </p:nvSpPr>
+        <p:spPr>
+          <a:xfrm>
+            <a:off x="1828800" y="2743200"/>
+            <a:ext cx="8229600" cy="914400"/>
+          </a:xfrm>
+          <a:prstGeom prst="rect">
+            <a:avLst/>
+          </a:prstGeom>
+          <a:noFill/>
+          <a:ln>
+            <a:noFill/>
+          </a:ln>
+          <a:effectLst/>
+        </p:spPr>
+        <p:txBody>
+          <a:bodyPr wrap="square">
+            <a:spAutoFit/>
+          </a:bodyPr>
+          <a:lstStyle/>
+          <a:p>
+            <a:pPr algn="ctr"/>
+            <a:r>
+              <a:rPr sz="1400" b="0">
+                <a:solidFill>
+                  <a:srgbClr val="404040"/>
+                </a:solidFill>
+                <a:latin typeface="Arial"/>
+              </a:rPr>
+              <a:t>Buyer profiles data will be displayed here when available.</a:t>
+            </a:r>
+          </a:p>
+        </p:txBody>
+      </p:sp>
+      <p:sp>
+        <p:nvSpPr>
+          <p:cNvPr id="5" name="TextBox 4"/>
+          <p:cNvSpPr txBox="1"/>
+          <p:nvPr/>
+        </p:nvSpPr>
+        <p:spPr>
+          <a:xfrm>
+            <a:off x="457200" y="6400800"/>
+            <a:ext cx="5486400" cy="365760"/>
+          </a:xfrm>
+          <a:prstGeom prst="rect">
+            <a:avLst/>
+          </a:prstGeom>
+          <a:noFill/>
+        </p:spPr>
+        <p:txBody>
+          <a:bodyPr wrap="none" anchor="ctr">
+            <a:spAutoFit/>
+          </a:bodyPr>
+          <a:lstStyle/>
+          <a:p>
+            <a:pPr algn="l">
+              <a:defRPr sz="900">
+                <a:solidFill>
+                  <a:srgbClr val="808080"/>
+                </a:solidFill>
+                <a:latin typeface="Arial"/>
+              </a:defRPr>
+            </a:pPr>
+            <a:r>
+              <a:t>Confidential | September 11, 2025</a:t>
+            </a:r>
+          </a:p>
+        </p:txBody>
+      </p:sp>
+      <p:sp>
+        <p:nvSpPr>
+          <p:cNvPr id="6" name="TextBox 5"/>
+          <p:cNvSpPr txBox="1"/>
+          <p:nvPr/>
+        </p:nvSpPr>
+        <p:spPr>
+          <a:xfrm>
+            <a:off x="9144000" y="6400800"/>
+            <a:ext cx="2743200" cy="365760"/>
+          </a:xfrm>
+          <a:prstGeom prst="rect">
+            <a:avLst/>
+          </a:prstGeom>
+          <a:noFill/>
+        </p:spPr>
+        <p:txBody>
+          <a:bodyPr wrap="none" anchor="ctr">
+            <a:spAutoFit/>
+          </a:bodyPr>
+          <a:lstStyle/>
+          <a:p>
+            <a:pPr algn="r">
+              <a:defRPr sz="900">
+                <a:solidFill>
+                  <a:srgbClr val="808080"/>
+                </a:solidFill>
+                <a:latin typeface="Arial"/>
+              </a:defRPr>
+            </a:pPr>
+            <a:r>
+              <a:t>Databricks</a:t>
+            </a:r>
+          </a:p>
+        </p:txBody>
+      </p:sp>
+    </p:spTree>
+  </p:cSld>
+  <p:clrMapOvr>
+    <a:masterClrMapping/>
+  </p:clrMapOvr>
+</p:sld>
+</file>
+
+<file path=ppt/slides/slide12.xml><?xml version="1.0" encoding="utf-8"?>
+<p:sld xmlns:a="http://schemas.openxmlformats.org/drawingml/2006/main" xmlns:p="http://schemas.openxmlformats.org/presentationml/2006/main" xmlns:r="http://schemas.openxmlformats.org/officeDocument/2006/relationships">
+  <p:cSld>
+    <p:spTree>
+      <p:nvGrpSpPr>
+        <p:cNvPr id="1" name=""/>
+        <p:cNvGrpSpPr/>
+        <p:nvPr/>
+      </p:nvGrpSpPr>
+      <p:grpSpPr/>
+      <p:sp>
+        <p:nvSpPr>
+          <p:cNvPr id="2" name="TextBox 1"/>
+          <p:cNvSpPr txBox="1"/>
+          <p:nvPr/>
+        </p:nvSpPr>
+        <p:spPr>
+          <a:xfrm>
+            <a:off x="457200" y="274320"/>
+            <a:ext cx="11277295" cy="731520"/>
+          </a:xfrm>
+          <a:prstGeom prst="rect">
+            <a:avLst/>
+          </a:prstGeom>
+          <a:noFill/>
+        </p:spPr>
+        <p:txBody>
+          <a:bodyPr wrap="none" lIns="0" tIns="0" rIns="0" bIns="0">
+            <a:spAutoFit/>
+          </a:bodyPr>
+          <a:lstStyle/>
+          <a:p>
+            <a:pPr algn="l"/>
+            <a:r>
+              <a:rPr sz="2400" b="1">
+                <a:solidFill>
+                  <a:srgbClr val="183A58"/>
+                </a:solidFill>
+                <a:latin typeface="Arial"/>
+              </a:rPr>
+              <a:t>Margin &amp; Cost Resilience</a:t>
+            </a:r>
+          </a:p>
+        </p:txBody>
+      </p:sp>
+      <p:sp>
+        <p:nvSpPr>
+          <p:cNvPr id="3" name="Rectangle 2"/>
+          <p:cNvSpPr/>
+          <p:nvPr/>
+        </p:nvSpPr>
+        <p:spPr>
+          <a:xfrm>
+            <a:off x="457200" y="914400"/>
+            <a:ext cx="11277295" cy="45720"/>
+          </a:xfrm>
+          <a:prstGeom prst="rect">
+            <a:avLst/>
+          </a:prstGeom>
+          <a:solidFill>
+            <a:srgbClr val="183A58"/>
+          </a:solidFill>
+          <a:ln>
+            <a:noFill/>
+          </a:ln>
+        </p:spPr>
+        <p:style>
+          <a:lnRef idx="1">
+            <a:schemeClr val="accent1"/>
+          </a:lnRef>
+          <a:fillRef idx="3">
+            <a:schemeClr val="accent1"/>
+          </a:fillRef>
+          <a:effectRef idx="2">
+            <a:schemeClr val="accent1"/>
+          </a:effectRef>
+          <a:fontRef idx="minor">
+            <a:schemeClr val="lt1"/>
+          </a:fontRef>
+        </p:style>
+        <p:txBody>
+          <a:bodyPr rtlCol="0" anchor="ctr"/>
+          <a:lstStyle/>
+          <a:p>
+            <a:pPr algn="ctr"/>
+          </a:p>
+        </p:txBody>
+      </p:sp>
+      <p:sp>
+        <p:nvSpPr>
+          <p:cNvPr id="4" name="TextBox 3"/>
+          <p:cNvSpPr txBox="1"/>
+          <p:nvPr/>
+        </p:nvSpPr>
+        <p:spPr>
+          <a:xfrm>
+            <a:off x="914400" y="1280160"/>
+            <a:ext cx="5486400" cy="274320"/>
+          </a:xfrm>
+          <a:prstGeom prst="rect">
+            <a:avLst/>
+          </a:prstGeom>
+          <a:noFill/>
+          <a:ln>
+            <a:noFill/>
+          </a:ln>
+          <a:effectLst/>
+        </p:spPr>
+        <p:txBody>
+          <a:bodyPr wrap="square">
+            <a:spAutoFit/>
+          </a:bodyPr>
+          <a:lstStyle/>
+          <a:p>
+            <a:pPr algn="l"/>
+            <a:r>
+              <a:rPr sz="1400" b="1">
+                <a:solidFill>
+                  <a:srgbClr val="183A58"/>
+                </a:solidFill>
+                <a:latin typeface="Arial"/>
+              </a:rPr>
+              <a:t>EBITDA Margin Trend</a:t>
+            </a:r>
+          </a:p>
+        </p:txBody>
+      </p:sp>
+      <p:sp>
+        <p:nvSpPr>
+          <p:cNvPr id="5" name="TextBox 4"/>
+          <p:cNvSpPr txBox="1"/>
+          <p:nvPr/>
+        </p:nvSpPr>
+        <p:spPr>
+          <a:xfrm>
+            <a:off x="914400" y="1828800"/>
+            <a:ext cx="5486400" cy="914400"/>
+          </a:xfrm>
+          <a:prstGeom prst="rect">
+            <a:avLst/>
+          </a:prstGeom>
+          <a:noFill/>
+          <a:ln>
+            <a:noFill/>
+          </a:ln>
+          <a:effectLst/>
+        </p:spPr>
+        <p:txBody>
+          <a:bodyPr wrap="square">
+            <a:spAutoFit/>
+          </a:bodyPr>
+          <a:lstStyle/>
+          <a:p>
+            <a:pPr algn="l"/>
+            <a:r>
+              <a:rPr sz="1200" b="0">
+                <a:solidFill>
+                  <a:srgbClr val="404040"/>
+                </a:solidFill>
+                <a:latin typeface="Arial"/>
+              </a:rPr>
+              <a:t>EBITDA margin trend chart will be displayed here.</a:t>
+            </a:r>
+          </a:p>
+        </p:txBody>
+      </p:sp>
+      <p:sp>
+        <p:nvSpPr>
+          <p:cNvPr id="6" name="TextBox 5"/>
+          <p:cNvSpPr txBox="1"/>
+          <p:nvPr/>
+        </p:nvSpPr>
+        <p:spPr>
+          <a:xfrm>
+            <a:off x="4572000" y="3749039"/>
+            <a:ext cx="2286000" cy="137160"/>
+          </a:xfrm>
+          <a:prstGeom prst="rect">
+            <a:avLst/>
+          </a:prstGeom>
+          <a:noFill/>
+          <a:ln>
+            <a:noFill/>
+          </a:ln>
+          <a:effectLst/>
+        </p:spPr>
+        <p:txBody>
+          <a:bodyPr wrap="square">
+            <a:spAutoFit/>
+          </a:bodyPr>
+          <a:lstStyle/>
+          <a:p>
+            <a:pPr algn="r"/>
+            <a:r>
+              <a:rPr sz="800" b="0">
+                <a:solidFill>
+                  <a:srgbClr val="404040"/>
+                </a:solidFill>
+                <a:latin typeface="Arial"/>
+              </a:rPr>
+              <a:t>Source: Company financials</a:t>
+            </a:r>
+          </a:p>
+        </p:txBody>
+      </p:sp>
+      <p:sp>
+        <p:nvSpPr>
+          <p:cNvPr id="7" name="TextBox 6"/>
+          <p:cNvSpPr txBox="1"/>
+          <p:nvPr/>
+        </p:nvSpPr>
+        <p:spPr>
+          <a:xfrm>
+            <a:off x="914400" y="4023360"/>
+            <a:ext cx="5486400" cy="274320"/>
+          </a:xfrm>
+          <a:prstGeom prst="rect">
+            <a:avLst/>
+          </a:prstGeom>
+          <a:noFill/>
+          <a:ln>
+            <a:noFill/>
+          </a:ln>
+          <a:effectLst/>
+        </p:spPr>
+        <p:txBody>
+          <a:bodyPr wrap="square">
+            <a:spAutoFit/>
+          </a:bodyPr>
+          <a:lstStyle/>
+          <a:p>
+            <a:pPr algn="l"/>
+            <a:r>
+              <a:rPr sz="1400" b="1">
+                <a:solidFill>
+                  <a:srgbClr val="183A58"/>
+                </a:solidFill>
+                <a:latin typeface="Arial"/>
+              </a:rPr>
+              <a:t>Cost Management &amp; Efficiency Initiatives</a:t>
+            </a:r>
+          </a:p>
+        </p:txBody>
+      </p:sp>
+      <p:sp>
+        <p:nvSpPr>
+          <p:cNvPr id="8" name="Oval 7"/>
+          <p:cNvSpPr/>
+          <p:nvPr/>
+        </p:nvSpPr>
+        <p:spPr>
+          <a:xfrm>
+            <a:off x="1097280" y="4389120"/>
+            <a:ext cx="54864" cy="54864"/>
+          </a:xfrm>
+          <a:prstGeom prst="ellipse">
+            <a:avLst/>
+          </a:prstGeom>
+          <a:solidFill>
+            <a:srgbClr val="B5975B"/>
+          </a:solidFill>
+          <a:ln>
+            <a:noFill/>
+          </a:ln>
+          <a:effectLst/>
+        </p:spPr>
+        <p:style>
+          <a:lnRef idx="1">
+            <a:schemeClr val="accent1"/>
+          </a:lnRef>
+          <a:fillRef idx="3">
+            <a:schemeClr val="accent1"/>
+          </a:fillRef>
+          <a:effectRef idx="2">
+            <a:schemeClr val="accent1"/>
+          </a:effectRef>
+          <a:fontRef idx="minor">
+            <a:schemeClr val="lt1"/>
+          </a:fontRef>
+        </p:style>
+        <p:txBody>
+          <a:bodyPr rtlCol="0" anchor="ctr"/>
+          <a:lstStyle/>
+          <a:p>
+            <a:pPr algn="ctr"/>
+          </a:p>
+        </p:txBody>
+      </p:sp>
+      <p:sp>
+        <p:nvSpPr>
+          <p:cNvPr id="9" name="TextBox 8"/>
+          <p:cNvSpPr txBox="1"/>
+          <p:nvPr/>
+        </p:nvSpPr>
+        <p:spPr>
+          <a:xfrm>
+            <a:off x="1234440" y="4343400"/>
+            <a:ext cx="5029200" cy="137160"/>
+          </a:xfrm>
+          <a:prstGeom prst="rect">
+            <a:avLst/>
+          </a:prstGeom>
+          <a:noFill/>
+          <a:ln>
+            <a:noFill/>
+          </a:ln>
+          <a:effectLst/>
+        </p:spPr>
+        <p:txBody>
+          <a:bodyPr wrap="square">
+            <a:spAutoFit/>
+          </a:bodyPr>
+          <a:lstStyle/>
+          <a:p>
+            <a:pPr algn="l"/>
+            <a:r>
+              <a:rPr sz="1000" b="1">
+                <a:solidFill>
+                  <a:srgbClr val="183A58"/>
+                </a:solidFill>
+                <a:latin typeface="Arial"/>
+              </a:rPr>
+              <a:t>Operational Efficiency</a:t>
+            </a:r>
+          </a:p>
+        </p:txBody>
+      </p:sp>
+      <p:sp>
+        <p:nvSpPr>
+          <p:cNvPr id="10" name="TextBox 9"/>
+          <p:cNvSpPr txBox="1"/>
+          <p:nvPr/>
+        </p:nvSpPr>
+        <p:spPr>
+          <a:xfrm>
+            <a:off x="1234440" y="4480560"/>
+            <a:ext cx="5029200" cy="256032"/>
+          </a:xfrm>
+          <a:prstGeom prst="rect">
+            <a:avLst/>
+          </a:prstGeom>
+          <a:noFill/>
+          <a:ln>
+            <a:noFill/>
+          </a:ln>
+          <a:effectLst/>
+        </p:spPr>
+        <p:txBody>
+          <a:bodyPr wrap="square">
+            <a:spAutoFit/>
+          </a:bodyPr>
+          <a:lstStyle/>
+          <a:p>
+            <a:pPr algn="l"/>
+            <a:r>
+              <a:rPr sz="900" b="0">
+                <a:solidFill>
+                  <a:srgbClr val="404040"/>
+                </a:solidFill>
+                <a:latin typeface="Arial"/>
+              </a:rPr>
+              <a:t>Streamlined processes and resource optimization initiatives</a:t>
+            </a:r>
+          </a:p>
+        </p:txBody>
+      </p:sp>
+      <p:sp>
+        <p:nvSpPr>
+          <p:cNvPr id="11" name="Oval 10"/>
+          <p:cNvSpPr/>
+          <p:nvPr/>
+        </p:nvSpPr>
+        <p:spPr>
+          <a:xfrm>
+            <a:off x="1097280" y="4800600"/>
+            <a:ext cx="54864" cy="54864"/>
+          </a:xfrm>
+          <a:prstGeom prst="ellipse">
+            <a:avLst/>
+          </a:prstGeom>
+          <a:solidFill>
+            <a:srgbClr val="B5975B"/>
+          </a:solidFill>
+          <a:ln>
+            <a:noFill/>
+          </a:ln>
+          <a:effectLst/>
+        </p:spPr>
+        <p:style>
+          <a:lnRef idx="1">
+            <a:schemeClr val="accent1"/>
+          </a:lnRef>
+          <a:fillRef idx="3">
+            <a:schemeClr val="accent1"/>
+          </a:fillRef>
+          <a:effectRef idx="2">
+            <a:schemeClr val="accent1"/>
+          </a:effectRef>
+          <a:fontRef idx="minor">
+            <a:schemeClr val="lt1"/>
+          </a:fontRef>
+        </p:style>
+        <p:txBody>
+          <a:bodyPr rtlCol="0" anchor="ctr"/>
+          <a:lstStyle/>
+          <a:p>
+            <a:pPr algn="ctr"/>
+          </a:p>
+        </p:txBody>
+      </p:sp>
+      <p:sp>
+        <p:nvSpPr>
+          <p:cNvPr id="12" name="TextBox 11"/>
+          <p:cNvSpPr txBox="1"/>
+          <p:nvPr/>
+        </p:nvSpPr>
+        <p:spPr>
+          <a:xfrm>
+            <a:off x="1234440" y="4754880"/>
+            <a:ext cx="5029200" cy="137160"/>
+          </a:xfrm>
+          <a:prstGeom prst="rect">
+            <a:avLst/>
+          </a:prstGeom>
+          <a:noFill/>
+          <a:ln>
+            <a:noFill/>
+          </a:ln>
+          <a:effectLst/>
+        </p:spPr>
+        <p:txBody>
+          <a:bodyPr wrap="square">
+            <a:spAutoFit/>
+          </a:bodyPr>
+          <a:lstStyle/>
+          <a:p>
+            <a:pPr algn="l"/>
+            <a:r>
+              <a:rPr sz="1000" b="1">
+                <a:solidFill>
+                  <a:srgbClr val="183A58"/>
+                </a:solidFill>
+                <a:latin typeface="Arial"/>
+              </a:rPr>
+              <a:t>Technology Investment</a:t>
+            </a:r>
+          </a:p>
+        </p:txBody>
+      </p:sp>
+      <p:sp>
+        <p:nvSpPr>
+          <p:cNvPr id="13" name="TextBox 12"/>
+          <p:cNvSpPr txBox="1"/>
+          <p:nvPr/>
+        </p:nvSpPr>
+        <p:spPr>
+          <a:xfrm>
+            <a:off x="1234440" y="4892040"/>
+            <a:ext cx="5029200" cy="256032"/>
+          </a:xfrm>
+          <a:prstGeom prst="rect">
+            <a:avLst/>
+          </a:prstGeom>
+          <a:noFill/>
+          <a:ln>
+            <a:noFill/>
+          </a:ln>
+          <a:effectLst/>
+        </p:spPr>
+        <p:txBody>
+          <a:bodyPr wrap="square">
+            <a:spAutoFit/>
+          </a:bodyPr>
+          <a:lstStyle/>
+          <a:p>
+            <a:pPr algn="l"/>
+            <a:r>
+              <a:rPr sz="900" b="0">
+                <a:solidFill>
+                  <a:srgbClr val="404040"/>
+                </a:solidFill>
+                <a:latin typeface="Arial"/>
+              </a:rPr>
+              <a:t>Digital transformation reducing administrative overhead</a:t>
+            </a:r>
+          </a:p>
+        </p:txBody>
+      </p:sp>
+      <p:sp>
+        <p:nvSpPr>
+          <p:cNvPr id="14" name="Oval 13"/>
+          <p:cNvSpPr/>
+          <p:nvPr/>
+        </p:nvSpPr>
+        <p:spPr>
+          <a:xfrm>
+            <a:off x="1097280" y="5212080"/>
+            <a:ext cx="54864" cy="54864"/>
+          </a:xfrm>
+          <a:prstGeom prst="ellipse">
+            <a:avLst/>
+          </a:prstGeom>
+          <a:solidFill>
+            <a:srgbClr val="B5975B"/>
+          </a:solidFill>
+          <a:ln>
+            <a:noFill/>
+          </a:ln>
+          <a:effectLst/>
+        </p:spPr>
+        <p:style>
+          <a:lnRef idx="1">
+            <a:schemeClr val="accent1"/>
+          </a:lnRef>
+          <a:fillRef idx="3">
+            <a:schemeClr val="accent1"/>
+          </a:fillRef>
+          <a:effectRef idx="2">
+            <a:schemeClr val="accent1"/>
+          </a:effectRef>
+          <a:fontRef idx="minor">
+            <a:schemeClr val="lt1"/>
+          </a:fontRef>
+        </p:style>
+        <p:txBody>
+          <a:bodyPr rtlCol="0" anchor="ctr"/>
+          <a:lstStyle/>
+          <a:p>
+            <a:pPr algn="ctr"/>
+          </a:p>
+        </p:txBody>
+      </p:sp>
+      <p:sp>
+        <p:nvSpPr>
+          <p:cNvPr id="15" name="TextBox 14"/>
+          <p:cNvSpPr txBox="1"/>
+          <p:nvPr/>
+        </p:nvSpPr>
+        <p:spPr>
+          <a:xfrm>
+            <a:off x="1234440" y="5166360"/>
+            <a:ext cx="5029200" cy="137160"/>
+          </a:xfrm>
+          <a:prstGeom prst="rect">
+            <a:avLst/>
+          </a:prstGeom>
+          <a:noFill/>
+          <a:ln>
+            <a:noFill/>
+          </a:ln>
+          <a:effectLst/>
+        </p:spPr>
+        <p:txBody>
+          <a:bodyPr wrap="square">
+            <a:spAutoFit/>
+          </a:bodyPr>
+          <a:lstStyle/>
+          <a:p>
+            <a:pPr algn="l"/>
+            <a:r>
+              <a:rPr sz="1000" b="1">
+                <a:solidFill>
+                  <a:srgbClr val="183A58"/>
+                </a:solidFill>
+                <a:latin typeface="Arial"/>
+              </a:rPr>
+              <a:t>Supply Chain Management</a:t>
+            </a:r>
+          </a:p>
+        </p:txBody>
+      </p:sp>
+      <p:sp>
+        <p:nvSpPr>
+          <p:cNvPr id="16" name="TextBox 15"/>
+          <p:cNvSpPr txBox="1"/>
+          <p:nvPr/>
+        </p:nvSpPr>
+        <p:spPr>
+          <a:xfrm>
+            <a:off x="1234440" y="5303520"/>
+            <a:ext cx="5029200" cy="256032"/>
+          </a:xfrm>
+          <a:prstGeom prst="rect">
+            <a:avLst/>
+          </a:prstGeom>
+          <a:noFill/>
+          <a:ln>
+            <a:noFill/>
+          </a:ln>
+          <a:effectLst/>
+        </p:spPr>
+        <p:txBody>
+          <a:bodyPr wrap="square">
+            <a:spAutoFit/>
+          </a:bodyPr>
+          <a:lstStyle/>
+          <a:p>
+            <a:pPr algn="l"/>
+            <a:r>
+              <a:rPr sz="900" b="0">
+                <a:solidFill>
+                  <a:srgbClr val="404040"/>
+                </a:solidFill>
+                <a:latin typeface="Arial"/>
+              </a:rPr>
+              <a:t>Centralized procurement and vendor consolidation</a:t>
+            </a:r>
+          </a:p>
+        </p:txBody>
+      </p:sp>
+      <p:sp>
+        <p:nvSpPr>
+          <p:cNvPr id="17" name="TextBox 16"/>
+          <p:cNvSpPr txBox="1"/>
+          <p:nvPr/>
+        </p:nvSpPr>
+        <p:spPr>
+          <a:xfrm>
+            <a:off x="7315200" y="1280160"/>
+            <a:ext cx="4572000" cy="274320"/>
+          </a:xfrm>
+          <a:prstGeom prst="rect">
+            <a:avLst/>
+          </a:prstGeom>
+          <a:noFill/>
+          <a:ln>
+            <a:noFill/>
+          </a:ln>
+          <a:effectLst/>
+        </p:spPr>
+        <p:txBody>
+          <a:bodyPr wrap="square">
+            <a:spAutoFit/>
+          </a:bodyPr>
+          <a:lstStyle/>
+          <a:p>
+            <a:pPr algn="l"/>
+            <a:r>
+              <a:rPr sz="1400" b="1">
+                <a:solidFill>
+                  <a:srgbClr val="183A58"/>
+                </a:solidFill>
+                <a:latin typeface="Arial"/>
+              </a:rPr>
+              <a:t>Risk Mitigation Strategies</a:t>
+            </a:r>
+          </a:p>
+        </p:txBody>
+      </p:sp>
+      <p:sp>
+        <p:nvSpPr>
+          <p:cNvPr id="18" name="Rectangle 17"/>
+          <p:cNvSpPr/>
+          <p:nvPr/>
+        </p:nvSpPr>
+        <p:spPr>
+          <a:xfrm>
+            <a:off x="7315200" y="1645920"/>
+            <a:ext cx="4572000" cy="1645920"/>
+          </a:xfrm>
+          <a:prstGeom prst="rect">
+            <a:avLst/>
+          </a:prstGeom>
+          <a:solidFill>
+            <a:srgbClr val="F0F0F0"/>
+          </a:solidFill>
+          <a:ln>
+            <a:noFill/>
+          </a:ln>
+          <a:effectLst/>
+        </p:spPr>
+        <p:style>
+          <a:lnRef idx="1">
+            <a:schemeClr val="accent1"/>
+          </a:lnRef>
+          <a:fillRef idx="3">
+            <a:schemeClr val="accent1"/>
+          </a:fillRef>
+          <a:effectRef idx="2">
+            <a:schemeClr val="accent1"/>
+          </a:effectRef>
+          <a:fontRef idx="minor">
+            <a:schemeClr val="lt1"/>
+          </a:fontRef>
+        </p:style>
+        <p:txBody>
+          <a:bodyPr rtlCol="0" anchor="ctr"/>
+          <a:lstStyle/>
+          <a:p>
+            <a:pPr algn="ctr"/>
+          </a:p>
+        </p:txBody>
+      </p:sp>
+      <p:sp>
+        <p:nvSpPr>
+          <p:cNvPr id="19" name="Rectangle 18"/>
+          <p:cNvSpPr/>
+          <p:nvPr/>
+        </p:nvSpPr>
+        <p:spPr>
+          <a:xfrm>
+            <a:off x="7315200" y="1645920"/>
+            <a:ext cx="91440" cy="1645920"/>
+          </a:xfrm>
+          <a:prstGeom prst="rect">
+            <a:avLst/>
+          </a:prstGeom>
+          <a:solidFill>
+            <a:srgbClr val="B5975B"/>
+          </a:solidFill>
+          <a:ln>
+            <a:noFill/>
+          </a:ln>
+          <a:effectLst/>
+        </p:spPr>
+        <p:style>
+          <a:lnRef idx="1">
+            <a:schemeClr val="accent1"/>
+          </a:lnRef>
+          <a:fillRef idx="3">
+            <a:schemeClr val="accent1"/>
+          </a:fillRef>
+          <a:effectRef idx="2">
+            <a:schemeClr val="accent1"/>
+          </a:effectRef>
+          <a:fontRef idx="minor">
+            <a:schemeClr val="lt1"/>
+          </a:fontRef>
+        </p:style>
+        <p:txBody>
+          <a:bodyPr rtlCol="0" anchor="ctr"/>
+          <a:lstStyle/>
+          <a:p>
+            <a:pPr algn="ctr"/>
+          </a:p>
+        </p:txBody>
+      </p:sp>
+      <p:sp>
+        <p:nvSpPr>
+          <p:cNvPr id="20" name="TextBox 19"/>
+          <p:cNvSpPr txBox="1"/>
+          <p:nvPr/>
+        </p:nvSpPr>
+        <p:spPr>
+          <a:xfrm>
+            <a:off x="7589520" y="1737360"/>
+            <a:ext cx="4114800" cy="228600"/>
+          </a:xfrm>
+          <a:prstGeom prst="rect">
+            <a:avLst/>
+          </a:prstGeom>
+          <a:noFill/>
+          <a:ln>
+            <a:noFill/>
+          </a:ln>
+          <a:effectLst/>
+        </p:spPr>
+        <p:txBody>
+          <a:bodyPr wrap="square">
+            <a:spAutoFit/>
+          </a:bodyPr>
+          <a:lstStyle/>
+          <a:p>
+            <a:pPr algn="l"/>
+            <a:r>
+              <a:rPr sz="1200" b="1">
+                <a:solidFill>
+                  <a:srgbClr val="B5975B"/>
+                </a:solidFill>
+                <a:latin typeface="Arial"/>
+              </a:rPr>
+              <a:t>Diversified Revenue Strategy</a:t>
+            </a:r>
+          </a:p>
+        </p:txBody>
+      </p:sp>
+      <p:sp>
+        <p:nvSpPr>
+          <p:cNvPr id="21" name="TextBox 20"/>
+          <p:cNvSpPr txBox="1"/>
+          <p:nvPr/>
+        </p:nvSpPr>
+        <p:spPr>
+          <a:xfrm>
+            <a:off x="7589520" y="1965960"/>
+            <a:ext cx="4114800" cy="320040"/>
+          </a:xfrm>
+          <a:prstGeom prst="rect">
+            <a:avLst/>
+          </a:prstGeom>
+          <a:noFill/>
+          <a:ln>
+            <a:noFill/>
+          </a:ln>
+          <a:effectLst/>
+        </p:spPr>
+        <p:txBody>
+          <a:bodyPr wrap="square">
+            <a:spAutoFit/>
+          </a:bodyPr>
+          <a:lstStyle/>
+          <a:p>
+            <a:pPr algn="l"/>
+            <a:r>
+              <a:rPr sz="1000" b="0">
+                <a:solidFill>
+                  <a:srgbClr val="404040"/>
+                </a:solidFill>
+                <a:latin typeface="Arial"/>
+              </a:rPr>
+              <a:t>Multiple revenue streams and operational efficiency measures provide resilience against market volatility and cost pressures</a:t>
+            </a:r>
+          </a:p>
+        </p:txBody>
+      </p:sp>
+      <p:sp>
+        <p:nvSpPr>
+          <p:cNvPr id="22" name="TextBox 21"/>
+          <p:cNvSpPr txBox="1"/>
+          <p:nvPr/>
+        </p:nvSpPr>
+        <p:spPr>
+          <a:xfrm>
+            <a:off x="7589520" y="2331720"/>
+            <a:ext cx="4114800" cy="164592"/>
+          </a:xfrm>
+          <a:prstGeom prst="rect">
+            <a:avLst/>
+          </a:prstGeom>
+          <a:noFill/>
+          <a:ln>
+            <a:noFill/>
+          </a:ln>
+          <a:effectLst/>
+        </p:spPr>
+        <p:txBody>
+          <a:bodyPr wrap="square">
+            <a:spAutoFit/>
+          </a:bodyPr>
+          <a:lstStyle/>
+          <a:p>
+            <a:pPr algn="l"/>
+            <a:r>
+              <a:rPr sz="1000" b="1">
+                <a:solidFill>
+                  <a:srgbClr val="183A58"/>
+                </a:solidFill>
+                <a:latin typeface="Arial"/>
+              </a:rPr>
+              <a:t>Key Benefits:</a:t>
+            </a:r>
+          </a:p>
+        </p:txBody>
+      </p:sp>
+      <p:sp>
+        <p:nvSpPr>
+          <p:cNvPr id="23" name="TextBox 22"/>
+          <p:cNvSpPr txBox="1"/>
+          <p:nvPr/>
+        </p:nvSpPr>
+        <p:spPr>
+          <a:xfrm>
+            <a:off x="7772400" y="2514600"/>
+            <a:ext cx="3931920" cy="100584"/>
+          </a:xfrm>
+          <a:prstGeom prst="rect">
+            <a:avLst/>
+          </a:prstGeom>
+          <a:noFill/>
+          <a:ln>
+            <a:noFill/>
+          </a:ln>
+          <a:effectLst/>
+        </p:spPr>
+        <p:txBody>
+          <a:bodyPr wrap="square">
+            <a:spAutoFit/>
+          </a:bodyPr>
+          <a:lstStyle/>
+          <a:p>
+            <a:pPr algn="l"/>
+            <a:r>
+              <a:rPr sz="900" b="0">
+                <a:solidFill>
+                  <a:srgbClr val="404040"/>
+                </a:solidFill>
+                <a:latin typeface="Arial"/>
+              </a:rPr>
+              <a:t>• Reduced earnings volatility</a:t>
+            </a:r>
+          </a:p>
+        </p:txBody>
+      </p:sp>
+      <p:sp>
+        <p:nvSpPr>
+          <p:cNvPr id="24" name="TextBox 23"/>
+          <p:cNvSpPr txBox="1"/>
+          <p:nvPr/>
+        </p:nvSpPr>
+        <p:spPr>
+          <a:xfrm>
+            <a:off x="7772400" y="2633472"/>
+            <a:ext cx="3931920" cy="100584"/>
+          </a:xfrm>
+          <a:prstGeom prst="rect">
+            <a:avLst/>
+          </a:prstGeom>
+          <a:noFill/>
+          <a:ln>
+            <a:noFill/>
+          </a:ln>
+          <a:effectLst/>
+        </p:spPr>
+        <p:txBody>
+          <a:bodyPr wrap="square">
+            <a:spAutoFit/>
+          </a:bodyPr>
+          <a:lstStyle/>
+          <a:p>
+            <a:pPr algn="l"/>
+            <a:r>
+              <a:rPr sz="900" b="0">
+                <a:solidFill>
+                  <a:srgbClr val="404040"/>
+                </a:solidFill>
+                <a:latin typeface="Arial"/>
+              </a:rPr>
+              <a:t>• Stable cash generation</a:t>
+            </a:r>
+          </a:p>
+        </p:txBody>
+      </p:sp>
+      <p:sp>
+        <p:nvSpPr>
+          <p:cNvPr id="25" name="TextBox 24"/>
+          <p:cNvSpPr txBox="1"/>
+          <p:nvPr/>
+        </p:nvSpPr>
+        <p:spPr>
+          <a:xfrm>
+            <a:off x="7772400" y="2752344"/>
+            <a:ext cx="3931920" cy="100584"/>
+          </a:xfrm>
+          <a:prstGeom prst="rect">
+            <a:avLst/>
+          </a:prstGeom>
+          <a:noFill/>
+          <a:ln>
+            <a:noFill/>
+          </a:ln>
+          <a:effectLst/>
+        </p:spPr>
+        <p:txBody>
+          <a:bodyPr wrap="square">
+            <a:spAutoFit/>
+          </a:bodyPr>
+          <a:lstStyle/>
+          <a:p>
+            <a:pPr algn="l"/>
+            <a:r>
+              <a:rPr sz="900" b="0">
+                <a:solidFill>
+                  <a:srgbClr val="404040"/>
+                </a:solidFill>
+                <a:latin typeface="Arial"/>
+              </a:rPr>
+              <a:t>• Operational flexibility</a:t>
+            </a:r>
+          </a:p>
+        </p:txBody>
+      </p:sp>
+      <p:sp>
+        <p:nvSpPr>
+          <p:cNvPr id="26" name="Rectangle 25"/>
+          <p:cNvSpPr/>
+          <p:nvPr/>
+        </p:nvSpPr>
+        <p:spPr>
+          <a:xfrm>
+            <a:off x="7315200" y="3474720"/>
+            <a:ext cx="4572000" cy="731520"/>
+          </a:xfrm>
+          <a:prstGeom prst="rect">
+            <a:avLst/>
+          </a:prstGeom>
+          <a:solidFill>
+            <a:srgbClr val="F0FFF0"/>
+          </a:solidFill>
+          <a:ln>
+            <a:noFill/>
+          </a:ln>
+          <a:effectLst/>
+        </p:spPr>
+        <p:style>
+          <a:lnRef idx="1">
+            <a:schemeClr val="accent1"/>
+          </a:lnRef>
+          <a:fillRef idx="3">
+            <a:schemeClr val="accent1"/>
+          </a:fillRef>
+          <a:effectRef idx="2">
+            <a:schemeClr val="accent1"/>
+          </a:effectRef>
+          <a:fontRef idx="minor">
+            <a:schemeClr val="lt1"/>
+          </a:fontRef>
+        </p:style>
+        <p:txBody>
+          <a:bodyPr rtlCol="0" anchor="ctr"/>
+          <a:lstStyle/>
+          <a:p>
+            <a:pPr algn="ctr"/>
+          </a:p>
+        </p:txBody>
+      </p:sp>
+      <p:sp>
+        <p:nvSpPr>
+          <p:cNvPr id="27" name="TextBox 26"/>
+          <p:cNvSpPr txBox="1"/>
+          <p:nvPr/>
+        </p:nvSpPr>
+        <p:spPr>
+          <a:xfrm>
+            <a:off x="7498079" y="3566160"/>
+            <a:ext cx="4206240" cy="137160"/>
+          </a:xfrm>
+          <a:prstGeom prst="rect">
+            <a:avLst/>
+          </a:prstGeom>
+          <a:noFill/>
+          <a:ln>
+            <a:noFill/>
+          </a:ln>
+          <a:effectLst/>
+        </p:spPr>
+        <p:txBody>
+          <a:bodyPr wrap="square">
+            <a:spAutoFit/>
+          </a:bodyPr>
+          <a:lstStyle/>
+          <a:p>
+            <a:pPr algn="l"/>
+            <a:r>
+              <a:rPr sz="1000" b="1">
+                <a:solidFill>
+                  <a:srgbClr val="228B22"/>
+                </a:solidFill>
+                <a:latin typeface="Arial"/>
+              </a:rPr>
+              <a:t>BANKER'S VIEW</a:t>
+            </a:r>
+          </a:p>
+        </p:txBody>
+      </p:sp>
+      <p:sp>
+        <p:nvSpPr>
+          <p:cNvPr id="28" name="TextBox 27"/>
+          <p:cNvSpPr txBox="1"/>
+          <p:nvPr/>
+        </p:nvSpPr>
+        <p:spPr>
+          <a:xfrm>
+            <a:off x="7498079" y="3703320"/>
+            <a:ext cx="4206240" cy="457200"/>
+          </a:xfrm>
+          <a:prstGeom prst="rect">
+            <a:avLst/>
+          </a:prstGeom>
+          <a:noFill/>
+          <a:ln>
+            <a:noFill/>
+          </a:ln>
+          <a:effectLst/>
+        </p:spPr>
+        <p:txBody>
+          <a:bodyPr wrap="square">
+            <a:spAutoFit/>
+          </a:bodyPr>
+          <a:lstStyle/>
+          <a:p>
+            <a:pPr algn="l"/>
+            <a:r>
+              <a:rPr sz="900" b="0">
+                <a:solidFill>
+                  <a:srgbClr val="404040"/>
+                </a:solidFill>
+                <a:latin typeface="Arial"/>
+              </a:rPr>
+              <a:t>Strong operational resilience through diversified revenue streams and disciplined cost management supports sustainable margin expansion and reduced business risk profile.</a:t>
+            </a:r>
+          </a:p>
+        </p:txBody>
+      </p:sp>
+      <p:sp>
+        <p:nvSpPr>
+          <p:cNvPr id="29" name="TextBox 28"/>
+          <p:cNvSpPr txBox="1"/>
+          <p:nvPr/>
+        </p:nvSpPr>
+        <p:spPr>
+          <a:xfrm>
+            <a:off x="457200" y="6309360"/>
+            <a:ext cx="5486400" cy="365760"/>
+          </a:xfrm>
+          <a:prstGeom prst="rect">
+            <a:avLst/>
+          </a:prstGeom>
+          <a:noFill/>
+        </p:spPr>
+        <p:txBody>
+          <a:bodyPr wrap="none" anchor="ctr">
+            <a:spAutoFit/>
+          </a:bodyPr>
+          <a:lstStyle/>
+          <a:p>
+            <a:pPr algn="l">
+              <a:defRPr sz="900">
+                <a:solidFill>
+                  <a:srgbClr val="808080"/>
+                </a:solidFill>
+                <a:latin typeface="Arial"/>
+              </a:defRPr>
+            </a:pPr>
+            <a:r>
+              <a:t>Confidential | September 11, 2025</a:t>
+            </a:r>
+          </a:p>
+        </p:txBody>
+      </p:sp>
+      <p:sp>
+        <p:nvSpPr>
+          <p:cNvPr id="30" name="TextBox 29"/>
+          <p:cNvSpPr txBox="1"/>
+          <p:nvPr/>
+        </p:nvSpPr>
+        <p:spPr>
+          <a:xfrm>
+            <a:off x="9144000" y="6309360"/>
+            <a:ext cx="2743200" cy="365760"/>
+          </a:xfrm>
+          <a:prstGeom prst="rect">
+            <a:avLst/>
+          </a:prstGeom>
+          <a:noFill/>
+        </p:spPr>
+        <p:txBody>
+          <a:bodyPr wrap="none" anchor="ctr">
+            <a:spAutoFit/>
+          </a:bodyPr>
+          <a:lstStyle/>
+          <a:p>
+            <a:pPr algn="r">
+              <a:defRPr sz="900">
+                <a:solidFill>
+                  <a:srgbClr val="808080"/>
+                </a:solidFill>
+                <a:latin typeface="Arial"/>
+              </a:defRPr>
+            </a:pPr>
+            <a:r>
+              <a:t>Databricks</a:t>
+            </a:r>
+          </a:p>
+        </p:txBody>
+      </p:sp>
+    </p:spTree>
+  </p:cSld>
+  <p:clrMapOvr>
+    <a:masterClrMapping/>
+  </p:clrMapOvr>
+</p:sld>
+</file>
+
+<file path=ppt/slides/slide13.xml><?xml version="1.0" encoding="utf-8"?>
+<p:sld xmlns:a="http://schemas.openxmlformats.org/drawingml/2006/main" xmlns:p="http://schemas.openxmlformats.org/presentationml/2006/main" xmlns:r="http://schemas.openxmlformats.org/officeDocument/2006/relationships">
+  <p:cSld>
+    <p:spTree>
+      <p:nvGrpSpPr>
+        <p:cNvPr id="1" name=""/>
+        <p:cNvGrpSpPr/>
+        <p:nvPr/>
+      </p:nvGrpSpPr>
+      <p:grpSpPr/>
+      <p:sp>
+        <p:nvSpPr>
+          <p:cNvPr id="2" name="TextBox 1"/>
+          <p:cNvSpPr txBox="1"/>
+          <p:nvPr/>
+        </p:nvSpPr>
+        <p:spPr>
+          <a:xfrm>
+            <a:off x="457200" y="274320"/>
+            <a:ext cx="11277295" cy="731520"/>
+          </a:xfrm>
+          <a:prstGeom prst="rect">
+            <a:avLst/>
+          </a:prstGeom>
+          <a:noFill/>
+        </p:spPr>
+        <p:txBody>
+          <a:bodyPr wrap="none" lIns="0" tIns="0" rIns="0" bIns="0">
+            <a:spAutoFit/>
+          </a:bodyPr>
+          <a:lstStyle/>
+          <a:p>
+            <a:pPr algn="l"/>
+            <a:r>
+              <a:rPr sz="2400" b="1">
+                <a:solidFill>
+                  <a:srgbClr val="183A58"/>
+                </a:solidFill>
+                <a:latin typeface="Arial"/>
+              </a:rPr>
+              <a:t>Investment Considerations</a:t>
+            </a:r>
+          </a:p>
+        </p:txBody>
+      </p:sp>
+      <p:sp>
+        <p:nvSpPr>
+          <p:cNvPr id="3" name="Rectangle 2"/>
+          <p:cNvSpPr/>
+          <p:nvPr/>
+        </p:nvSpPr>
+        <p:spPr>
+          <a:xfrm>
+            <a:off x="457200" y="914400"/>
+            <a:ext cx="11277295" cy="45720"/>
+          </a:xfrm>
+          <a:prstGeom prst="rect">
+            <a:avLst/>
+          </a:prstGeom>
+          <a:solidFill>
+            <a:srgbClr val="183A58"/>
+          </a:solidFill>
+          <a:ln>
+            <a:noFill/>
+          </a:ln>
+        </p:spPr>
+        <p:style>
+          <a:lnRef idx="1">
+            <a:schemeClr val="accent1"/>
+          </a:lnRef>
+          <a:fillRef idx="3">
+            <a:schemeClr val="accent1"/>
+          </a:fillRef>
+          <a:effectRef idx="2">
+            <a:schemeClr val="accent1"/>
+          </a:effectRef>
+          <a:fontRef idx="minor">
+            <a:schemeClr val="lt1"/>
+          </a:fontRef>
+        </p:style>
+        <p:txBody>
+          <a:bodyPr rtlCol="0" anchor="ctr"/>
+          <a:lstStyle/>
+          <a:p>
+            <a:pPr algn="ctr"/>
+          </a:p>
+        </p:txBody>
+      </p:sp>
+      <p:sp>
+        <p:nvSpPr>
+          <p:cNvPr id="4" name="TextBox 3"/>
+          <p:cNvSpPr txBox="1"/>
+          <p:nvPr/>
+        </p:nvSpPr>
+        <p:spPr>
+          <a:xfrm>
+            <a:off x="914400" y="1280160"/>
+            <a:ext cx="5029200" cy="457200"/>
+          </a:xfrm>
+          <a:prstGeom prst="rect">
+            <a:avLst/>
+          </a:prstGeom>
+          <a:noFill/>
+        </p:spPr>
+        <p:txBody>
+          <a:bodyPr wrap="none">
+            <a:spAutoFit/>
+          </a:bodyPr>
+          <a:lstStyle/>
+          <a:p>
+            <a:pPr algn="ctr">
+              <a:defRPr sz="1100" b="1">
+                <a:solidFill>
+                  <a:srgbClr val="183A58"/>
+                </a:solidFill>
+                <a:latin typeface="Arial"/>
+              </a:defRPr>
+            </a:pPr>
+            <a:r>
+              <a:t>Considerations</a:t>
+            </a:r>
+          </a:p>
+        </p:txBody>
+      </p:sp>
+      <p:sp>
+        <p:nvSpPr>
+          <p:cNvPr id="5" name="TextBox 4"/>
+          <p:cNvSpPr txBox="1"/>
+          <p:nvPr/>
+        </p:nvSpPr>
+        <p:spPr>
+          <a:xfrm>
+            <a:off x="6400800" y="1280160"/>
+            <a:ext cx="5029200" cy="457200"/>
+          </a:xfrm>
+          <a:prstGeom prst="rect">
+            <a:avLst/>
+          </a:prstGeom>
+          <a:noFill/>
+        </p:spPr>
+        <p:txBody>
+          <a:bodyPr wrap="none">
+            <a:spAutoFit/>
+          </a:bodyPr>
+          <a:lstStyle/>
+          <a:p>
+            <a:pPr algn="ctr">
+              <a:defRPr sz="1100" b="1">
+                <a:solidFill>
+                  <a:srgbClr val="183A58"/>
+                </a:solidFill>
+                <a:latin typeface="Arial"/>
+              </a:defRPr>
+            </a:pPr>
+            <a:r>
+              <a:t>Mitigants</a:t>
+            </a:r>
+          </a:p>
+        </p:txBody>
+      </p:sp>
+      <p:sp>
+        <p:nvSpPr>
+          <p:cNvPr id="6" name="TextBox 5"/>
+          <p:cNvSpPr txBox="1"/>
+          <p:nvPr/>
+        </p:nvSpPr>
+        <p:spPr>
+          <a:xfrm>
+            <a:off x="457200" y="6400800"/>
+            <a:ext cx="5486400" cy="365760"/>
+          </a:xfrm>
+          <a:prstGeom prst="rect">
+            <a:avLst/>
+          </a:prstGeom>
+          <a:noFill/>
+        </p:spPr>
+        <p:txBody>
+          <a:bodyPr wrap="none" anchor="ctr">
+            <a:spAutoFit/>
+          </a:bodyPr>
+          <a:lstStyle/>
+          <a:p>
+            <a:pPr algn="l">
+              <a:defRPr sz="900">
+                <a:solidFill>
+                  <a:srgbClr val="808080"/>
+                </a:solidFill>
+                <a:latin typeface="Arial"/>
+              </a:defRPr>
+            </a:pPr>
+            <a:r>
+              <a:t>Confidential | September 11, 2025</a:t>
+            </a:r>
+          </a:p>
+        </p:txBody>
+      </p:sp>
+      <p:sp>
+        <p:nvSpPr>
+          <p:cNvPr id="7" name="TextBox 6"/>
+          <p:cNvSpPr txBox="1"/>
+          <p:nvPr/>
+        </p:nvSpPr>
+        <p:spPr>
+          <a:xfrm>
+            <a:off x="9144000" y="6400800"/>
+            <a:ext cx="2743200" cy="365760"/>
+          </a:xfrm>
+          <a:prstGeom prst="rect">
+            <a:avLst/>
+          </a:prstGeom>
+          <a:noFill/>
+        </p:spPr>
+        <p:txBody>
+          <a:bodyPr wrap="none" anchor="ctr">
+            <a:spAutoFit/>
+          </a:bodyPr>
+          <a:lstStyle/>
+          <a:p>
+            <a:pPr algn="r">
+              <a:defRPr sz="900">
+                <a:solidFill>
+                  <a:srgbClr val="808080"/>
+                </a:solidFill>
+                <a:latin typeface="Arial"/>
+              </a:defRPr>
+            </a:pPr>
+            <a:r>
+              <a:t>Databricks</a:t>
+            </a:r>
+          </a:p>
+        </p:txBody>
+      </p:sp>
+    </p:spTree>
+  </p:cSld>
+  <p:clrMapOvr>
+    <a:masterClrMapping/>
+  </p:clrMapOvr>
+</p:sld>
+</file>
+
+<file path=ppt/slides/slide14.xml><?xml version="1.0" encoding="utf-8"?>
+<p:sld xmlns:a="http://schemas.openxmlformats.org/drawingml/2006/main" xmlns:p="http://schemas.openxmlformats.org/presentationml/2006/main" xmlns:r="http://schemas.openxmlformats.org/officeDocument/2006/relationships">
+  <p:cSld>
+    <p:spTree>
+      <p:nvGrpSpPr>
+        <p:cNvPr id="1" name=""/>
+        <p:cNvGrpSpPr/>
+        <p:nvPr/>
+      </p:nvGrpSpPr>
+      <p:grpSpPr/>
+      <p:sp>
+        <p:nvSpPr>
+          <p:cNvPr id="2" name="TextBox 1"/>
+          <p:cNvSpPr txBox="1"/>
+          <p:nvPr/>
+        </p:nvSpPr>
+        <p:spPr>
+          <a:xfrm>
+            <a:off x="457200" y="274320"/>
+            <a:ext cx="11277295" cy="731520"/>
+          </a:xfrm>
+          <a:prstGeom prst="rect">
+            <a:avLst/>
+          </a:prstGeom>
+          <a:noFill/>
+        </p:spPr>
+        <p:txBody>
+          <a:bodyPr wrap="none" lIns="0" tIns="0" rIns="0" bIns="0">
+            <a:spAutoFit/>
+          </a:bodyPr>
+          <a:lstStyle/>
+          <a:p>
+            <a:pPr algn="l"/>
+            <a:r>
+              <a:rPr sz="2400" b="1">
+                <a:solidFill>
+                  <a:srgbClr val="183A58"/>
+                </a:solidFill>
+                <a:latin typeface="Arial"/>
+              </a:rPr>
+              <a:t>Investment Process Overview</a:t>
+            </a:r>
+          </a:p>
+        </p:txBody>
+      </p:sp>
+      <p:sp>
+        <p:nvSpPr>
+          <p:cNvPr id="3" name="Rectangle 2"/>
+          <p:cNvSpPr/>
+          <p:nvPr/>
+        </p:nvSpPr>
+        <p:spPr>
+          <a:xfrm>
+            <a:off x="457200" y="914400"/>
+            <a:ext cx="11277295" cy="45720"/>
+          </a:xfrm>
+          <a:prstGeom prst="rect">
+            <a:avLst/>
+          </a:prstGeom>
+          <a:solidFill>
+            <a:srgbClr val="183A58"/>
+          </a:solidFill>
+          <a:ln>
+            <a:noFill/>
+          </a:ln>
+        </p:spPr>
+        <p:style>
+          <a:lnRef idx="1">
+            <a:schemeClr val="accent1"/>
+          </a:lnRef>
+          <a:fillRef idx="3">
+            <a:schemeClr val="accent1"/>
+          </a:fillRef>
+          <a:effectRef idx="2">
+            <a:schemeClr val="accent1"/>
+          </a:effectRef>
+          <a:fontRef idx="minor">
+            <a:schemeClr val="lt1"/>
+          </a:fontRef>
+        </p:style>
+        <p:txBody>
+          <a:bodyPr rtlCol="0" anchor="ctr"/>
+          <a:lstStyle/>
+          <a:p>
+            <a:pPr algn="ctr"/>
+          </a:p>
+        </p:txBody>
+      </p:sp>
+      <p:sp>
+        <p:nvSpPr>
+          <p:cNvPr id="4" name="TextBox 3"/>
+          <p:cNvSpPr txBox="1"/>
+          <p:nvPr/>
+        </p:nvSpPr>
+        <p:spPr>
+          <a:xfrm>
+            <a:off x="457200" y="1371600"/>
+            <a:ext cx="5486400" cy="274320"/>
+          </a:xfrm>
+          <a:prstGeom prst="rect">
+            <a:avLst/>
+          </a:prstGeom>
+          <a:noFill/>
+          <a:ln>
+            <a:noFill/>
+          </a:ln>
+          <a:effectLst/>
+        </p:spPr>
+        <p:txBody>
+          <a:bodyPr wrap="square" lIns="73152" rIns="73152"/>
+          <a:lstStyle/>
+          <a:p>
+            <a:pPr algn="l">
+              <a:lnSpc>
+                <a:spcPct val="110000"/>
+              </a:lnSpc>
+            </a:pPr>
+            <a:r>
+              <a:rPr sz="1400" b="1">
+                <a:solidFill>
+                  <a:srgbClr val="183A58"/>
+                </a:solidFill>
+                <a:latin typeface="Arial"/>
+              </a:rPr>
+              <a:t>Key Diligence Topics</a:t>
+            </a:r>
+          </a:p>
+        </p:txBody>
+      </p:sp>
+      <p:sp>
+        <p:nvSpPr>
+          <p:cNvPr id="5" name="Oval 4"/>
+          <p:cNvSpPr/>
+          <p:nvPr/>
+        </p:nvSpPr>
+        <p:spPr>
+          <a:xfrm>
+            <a:off x="594360" y="1764792"/>
+            <a:ext cx="54864" cy="54864"/>
+          </a:xfrm>
+          <a:prstGeom prst="ellipse">
+            <a:avLst/>
+          </a:prstGeom>
+          <a:solidFill>
+            <a:srgbClr val="B5975B"/>
+          </a:solidFill>
+          <a:ln>
+            <a:noFill/>
+          </a:ln>
+        </p:spPr>
+        <p:style>
+          <a:lnRef idx="1">
+            <a:schemeClr val="accent1"/>
+          </a:lnRef>
+          <a:fillRef idx="3">
+            <a:schemeClr val="accent1"/>
+          </a:fillRef>
+          <a:effectRef idx="2">
+            <a:schemeClr val="accent1"/>
+          </a:effectRef>
+          <a:fontRef idx="minor">
+            <a:schemeClr val="lt1"/>
+          </a:fontRef>
+        </p:style>
+        <p:txBody>
+          <a:bodyPr rtlCol="0" anchor="ctr"/>
+          <a:lstStyle/>
+          <a:p>
+            <a:pPr algn="ctr"/>
+          </a:p>
+        </p:txBody>
+      </p:sp>
+      <p:sp>
+        <p:nvSpPr>
+          <p:cNvPr id="6" name="TextBox 5"/>
+          <p:cNvSpPr txBox="1"/>
+          <p:nvPr/>
+        </p:nvSpPr>
+        <p:spPr>
+          <a:xfrm>
+            <a:off x="731520" y="1691640"/>
+            <a:ext cx="5120640" cy="256032"/>
+          </a:xfrm>
+          <a:prstGeom prst="rect">
+            <a:avLst/>
+          </a:prstGeom>
+          <a:noFill/>
+          <a:ln>
+            <a:noFill/>
+          </a:ln>
+          <a:effectLst/>
+        </p:spPr>
+        <p:txBody>
+          <a:bodyPr wrap="square" lIns="73152" rIns="73152"/>
+          <a:lstStyle/>
+          <a:p>
+            <a:pPr algn="l">
+              <a:lnSpc>
+                <a:spcPct val="110000"/>
+              </a:lnSpc>
+            </a:pPr>
+            <a:r>
+              <a:rPr sz="1000" b="0">
+                <a:solidFill>
+                  <a:srgbClr val="404040"/>
+                </a:solidFill>
+                <a:latin typeface="Arial"/>
+              </a:rPr>
+              <a:t>Financial Review: Financial analysis and projections</a:t>
+            </a:r>
+          </a:p>
+        </p:txBody>
+      </p:sp>
+      <p:sp>
+        <p:nvSpPr>
+          <p:cNvPr id="7" name="Oval 6"/>
+          <p:cNvSpPr/>
+          <p:nvPr/>
+        </p:nvSpPr>
+        <p:spPr>
+          <a:xfrm>
+            <a:off x="594360" y="2148840"/>
+            <a:ext cx="54864" cy="54864"/>
+          </a:xfrm>
+          <a:prstGeom prst="ellipse">
+            <a:avLst/>
+          </a:prstGeom>
+          <a:solidFill>
+            <a:srgbClr val="B5975B"/>
+          </a:solidFill>
+          <a:ln>
+            <a:noFill/>
+          </a:ln>
+        </p:spPr>
+        <p:style>
+          <a:lnRef idx="1">
+            <a:schemeClr val="accent1"/>
+          </a:lnRef>
+          <a:fillRef idx="3">
+            <a:schemeClr val="accent1"/>
+          </a:fillRef>
+          <a:effectRef idx="2">
+            <a:schemeClr val="accent1"/>
+          </a:effectRef>
+          <a:fontRef idx="minor">
+            <a:schemeClr val="lt1"/>
+          </a:fontRef>
+        </p:style>
+        <p:txBody>
+          <a:bodyPr rtlCol="0" anchor="ctr"/>
+          <a:lstStyle/>
+          <a:p>
+            <a:pPr algn="ctr"/>
+          </a:p>
+        </p:txBody>
+      </p:sp>
+      <p:sp>
+        <p:nvSpPr>
+          <p:cNvPr id="8" name="TextBox 7"/>
+          <p:cNvSpPr txBox="1"/>
+          <p:nvPr/>
+        </p:nvSpPr>
+        <p:spPr>
+          <a:xfrm>
+            <a:off x="731520" y="2075688"/>
+            <a:ext cx="5120640" cy="256032"/>
+          </a:xfrm>
+          <a:prstGeom prst="rect">
+            <a:avLst/>
+          </a:prstGeom>
+          <a:noFill/>
+          <a:ln>
+            <a:noFill/>
+          </a:ln>
+          <a:effectLst/>
+        </p:spPr>
+        <p:txBody>
+          <a:bodyPr wrap="square" lIns="73152" rIns="73152"/>
+          <a:lstStyle/>
+          <a:p>
+            <a:pPr algn="l">
+              <a:lnSpc>
+                <a:spcPct val="110000"/>
+              </a:lnSpc>
+            </a:pPr>
+            <a:r>
+              <a:rPr sz="1000" b="0">
+                <a:solidFill>
+                  <a:srgbClr val="404040"/>
+                </a:solidFill>
+                <a:latin typeface="Arial"/>
+              </a:rPr>
+              <a:t>Market Analysis: Market size and competitive landscape</a:t>
+            </a:r>
+          </a:p>
+        </p:txBody>
+      </p:sp>
+      <p:sp>
+        <p:nvSpPr>
+          <p:cNvPr id="9" name="TextBox 8"/>
+          <p:cNvSpPr txBox="1"/>
+          <p:nvPr/>
+        </p:nvSpPr>
+        <p:spPr>
+          <a:xfrm>
+            <a:off x="457200" y="3657600"/>
+            <a:ext cx="5486400" cy="274320"/>
+          </a:xfrm>
+          <a:prstGeom prst="rect">
+            <a:avLst/>
+          </a:prstGeom>
+          <a:noFill/>
+          <a:ln>
+            <a:noFill/>
+          </a:ln>
+          <a:effectLst/>
+        </p:spPr>
+        <p:txBody>
+          <a:bodyPr wrap="square" lIns="73152" rIns="73152"/>
+          <a:lstStyle/>
+          <a:p>
+            <a:pPr algn="l">
+              <a:lnSpc>
+                <a:spcPct val="110000"/>
+              </a:lnSpc>
+            </a:pPr>
+            <a:r>
+              <a:rPr sz="1400" b="1">
+                <a:solidFill>
+                  <a:srgbClr val="183A58"/>
+                </a:solidFill>
+                <a:latin typeface="Arial"/>
+              </a:rPr>
+              <a:t>Risk Factors &amp; Mitigants</a:t>
+            </a:r>
+          </a:p>
+        </p:txBody>
+      </p:sp>
+      <p:sp>
+        <p:nvSpPr>
+          <p:cNvPr id="10" name="Oval 9"/>
+          <p:cNvSpPr/>
+          <p:nvPr/>
+        </p:nvSpPr>
+        <p:spPr>
+          <a:xfrm>
+            <a:off x="594360" y="4032503"/>
+            <a:ext cx="54864" cy="54864"/>
+          </a:xfrm>
+          <a:prstGeom prst="ellipse">
+            <a:avLst/>
+          </a:prstGeom>
+          <a:solidFill>
+            <a:srgbClr val="DC143C"/>
+          </a:solidFill>
+          <a:ln>
+            <a:noFill/>
+          </a:ln>
+        </p:spPr>
+        <p:style>
+          <a:lnRef idx="1">
+            <a:schemeClr val="accent1"/>
+          </a:lnRef>
+          <a:fillRef idx="3">
+            <a:schemeClr val="accent1"/>
+          </a:fillRef>
+          <a:effectRef idx="2">
+            <a:schemeClr val="accent1"/>
+          </a:effectRef>
+          <a:fontRef idx="minor">
+            <a:schemeClr val="lt1"/>
+          </a:fontRef>
+        </p:style>
+        <p:txBody>
+          <a:bodyPr rtlCol="0" anchor="ctr"/>
+          <a:lstStyle/>
+          <a:p>
+            <a:pPr algn="ctr"/>
+          </a:p>
+        </p:txBody>
+      </p:sp>
+      <p:sp>
+        <p:nvSpPr>
+          <p:cNvPr id="11" name="TextBox 10"/>
+          <p:cNvSpPr txBox="1"/>
+          <p:nvPr/>
+        </p:nvSpPr>
+        <p:spPr>
+          <a:xfrm>
+            <a:off x="731520" y="3977639"/>
+            <a:ext cx="2377440" cy="201168"/>
+          </a:xfrm>
+          <a:prstGeom prst="rect">
+            <a:avLst/>
+          </a:prstGeom>
+          <a:noFill/>
+          <a:ln>
+            <a:noFill/>
+          </a:ln>
+          <a:effectLst/>
+        </p:spPr>
+        <p:txBody>
+          <a:bodyPr wrap="square" lIns="73152" rIns="73152"/>
+          <a:lstStyle/>
+          <a:p>
+            <a:pPr algn="l">
+              <a:lnSpc>
+                <a:spcPct val="110000"/>
+              </a:lnSpc>
+            </a:pPr>
+            <a:r>
+              <a:rPr sz="900" b="0">
+                <a:solidFill>
+                  <a:srgbClr val="DC143C"/>
+                </a:solidFill>
+                <a:latin typeface="Arial"/>
+              </a:rPr>
+              <a:t>Market volatility</a:t>
+            </a:r>
+          </a:p>
+        </p:txBody>
+      </p:sp>
+      <p:sp>
+        <p:nvSpPr>
+          <p:cNvPr id="12" name="Oval 11"/>
+          <p:cNvSpPr/>
+          <p:nvPr/>
+        </p:nvSpPr>
+        <p:spPr>
+          <a:xfrm>
+            <a:off x="3291840" y="4032503"/>
+            <a:ext cx="54864" cy="54864"/>
+          </a:xfrm>
+          <a:prstGeom prst="ellipse">
+            <a:avLst/>
+          </a:prstGeom>
+          <a:solidFill>
+            <a:srgbClr val="228B22"/>
+          </a:solidFill>
+          <a:ln>
+            <a:noFill/>
+          </a:ln>
+        </p:spPr>
+        <p:style>
+          <a:lnRef idx="1">
+            <a:schemeClr val="accent1"/>
+          </a:lnRef>
+          <a:fillRef idx="3">
+            <a:schemeClr val="accent1"/>
+          </a:fillRef>
+          <a:effectRef idx="2">
+            <a:schemeClr val="accent1"/>
+          </a:effectRef>
+          <a:fontRef idx="minor">
+            <a:schemeClr val="lt1"/>
+          </a:fontRef>
+        </p:style>
+        <p:txBody>
+          <a:bodyPr rtlCol="0" anchor="ctr"/>
+          <a:lstStyle/>
+          <a:p>
+            <a:pPr algn="ctr"/>
+          </a:p>
+        </p:txBody>
+      </p:sp>
+      <p:sp>
+        <p:nvSpPr>
+          <p:cNvPr id="13" name="TextBox 12"/>
+          <p:cNvSpPr txBox="1"/>
+          <p:nvPr/>
+        </p:nvSpPr>
+        <p:spPr>
+          <a:xfrm>
+            <a:off x="3429000" y="3977639"/>
+            <a:ext cx="2560320" cy="201168"/>
+          </a:xfrm>
+          <a:prstGeom prst="rect">
+            <a:avLst/>
+          </a:prstGeom>
+          <a:noFill/>
+          <a:ln>
+            <a:noFill/>
+          </a:ln>
+          <a:effectLst/>
+        </p:spPr>
+        <p:txBody>
+          <a:bodyPr wrap="square" lIns="73152" rIns="73152"/>
+          <a:lstStyle/>
+          <a:p>
+            <a:pPr algn="l">
+              <a:lnSpc>
+                <a:spcPct val="110000"/>
+              </a:lnSpc>
+            </a:pPr>
+            <a:r>
+              <a:rPr sz="900" b="0">
+                <a:solidFill>
+                  <a:srgbClr val="228B22"/>
+                </a:solidFill>
+                <a:latin typeface="Arial"/>
+              </a:rPr>
+              <a:t>Diversified portfolio</a:t>
+            </a:r>
+          </a:p>
+        </p:txBody>
+      </p:sp>
+      <p:sp>
+        <p:nvSpPr>
+          <p:cNvPr id="14" name="Oval 13"/>
+          <p:cNvSpPr/>
+          <p:nvPr/>
+        </p:nvSpPr>
+        <p:spPr>
+          <a:xfrm>
+            <a:off x="594360" y="4352543"/>
+            <a:ext cx="54864" cy="54864"/>
+          </a:xfrm>
+          <a:prstGeom prst="ellipse">
+            <a:avLst/>
+          </a:prstGeom>
+          <a:solidFill>
+            <a:srgbClr val="DC143C"/>
+          </a:solidFill>
+          <a:ln>
+            <a:noFill/>
+          </a:ln>
+        </p:spPr>
+        <p:style>
+          <a:lnRef idx="1">
+            <a:schemeClr val="accent1"/>
+          </a:lnRef>
+          <a:fillRef idx="3">
+            <a:schemeClr val="accent1"/>
+          </a:fillRef>
+          <a:effectRef idx="2">
+            <a:schemeClr val="accent1"/>
+          </a:effectRef>
+          <a:fontRef idx="minor">
+            <a:schemeClr val="lt1"/>
+          </a:fontRef>
+        </p:style>
+        <p:txBody>
+          <a:bodyPr rtlCol="0" anchor="ctr"/>
+          <a:lstStyle/>
+          <a:p>
+            <a:pPr algn="ctr"/>
+          </a:p>
+        </p:txBody>
+      </p:sp>
+      <p:sp>
+        <p:nvSpPr>
+          <p:cNvPr id="15" name="TextBox 14"/>
+          <p:cNvSpPr txBox="1"/>
+          <p:nvPr/>
+        </p:nvSpPr>
+        <p:spPr>
+          <a:xfrm>
+            <a:off x="731520" y="4297679"/>
+            <a:ext cx="2377440" cy="201168"/>
+          </a:xfrm>
+          <a:prstGeom prst="rect">
+            <a:avLst/>
+          </a:prstGeom>
+          <a:noFill/>
+          <a:ln>
+            <a:noFill/>
+          </a:ln>
+          <a:effectLst/>
+        </p:spPr>
+        <p:txBody>
+          <a:bodyPr wrap="square" lIns="73152" rIns="73152"/>
+          <a:lstStyle/>
+          <a:p>
+            <a:pPr algn="l">
+              <a:lnSpc>
+                <a:spcPct val="110000"/>
+              </a:lnSpc>
+            </a:pPr>
+            <a:r>
+              <a:rPr sz="900" b="0">
+                <a:solidFill>
+                  <a:srgbClr val="DC143C"/>
+                </a:solidFill>
+                <a:latin typeface="Arial"/>
+              </a:rPr>
+              <a:t>Competitive pressure</a:t>
+            </a:r>
+          </a:p>
+        </p:txBody>
+      </p:sp>
+      <p:sp>
+        <p:nvSpPr>
+          <p:cNvPr id="16" name="Oval 15"/>
+          <p:cNvSpPr/>
+          <p:nvPr/>
+        </p:nvSpPr>
+        <p:spPr>
+          <a:xfrm>
+            <a:off x="3291840" y="4352543"/>
+            <a:ext cx="54864" cy="54864"/>
+          </a:xfrm>
+          <a:prstGeom prst="ellipse">
+            <a:avLst/>
+          </a:prstGeom>
+          <a:solidFill>
+            <a:srgbClr val="228B22"/>
+          </a:solidFill>
+          <a:ln>
+            <a:noFill/>
+          </a:ln>
+        </p:spPr>
+        <p:style>
+          <a:lnRef idx="1">
+            <a:schemeClr val="accent1"/>
+          </a:lnRef>
+          <a:fillRef idx="3">
+            <a:schemeClr val="accent1"/>
+          </a:fillRef>
+          <a:effectRef idx="2">
+            <a:schemeClr val="accent1"/>
+          </a:effectRef>
+          <a:fontRef idx="minor">
+            <a:schemeClr val="lt1"/>
+          </a:fontRef>
+        </p:style>
+        <p:txBody>
+          <a:bodyPr rtlCol="0" anchor="ctr"/>
+          <a:lstStyle/>
+          <a:p>
+            <a:pPr algn="ctr"/>
+          </a:p>
+        </p:txBody>
+      </p:sp>
+      <p:sp>
+        <p:nvSpPr>
+          <p:cNvPr id="17" name="TextBox 16"/>
+          <p:cNvSpPr txBox="1"/>
+          <p:nvPr/>
+        </p:nvSpPr>
+        <p:spPr>
+          <a:xfrm>
+            <a:off x="3429000" y="4297679"/>
+            <a:ext cx="2560320" cy="201168"/>
+          </a:xfrm>
+          <a:prstGeom prst="rect">
+            <a:avLst/>
+          </a:prstGeom>
+          <a:noFill/>
+          <a:ln>
+            <a:noFill/>
+          </a:ln>
+          <a:effectLst/>
+        </p:spPr>
+        <p:txBody>
+          <a:bodyPr wrap="square" lIns="73152" rIns="73152"/>
+          <a:lstStyle/>
+          <a:p>
+            <a:pPr algn="l">
+              <a:lnSpc>
+                <a:spcPct val="110000"/>
+              </a:lnSpc>
+            </a:pPr>
+            <a:r>
+              <a:rPr sz="900" b="0">
+                <a:solidFill>
+                  <a:srgbClr val="228B22"/>
+                </a:solidFill>
+                <a:latin typeface="Arial"/>
+              </a:rPr>
+              <a:t>Strong market position</a:t>
+            </a:r>
+          </a:p>
+        </p:txBody>
+      </p:sp>
+      <p:sp>
+        <p:nvSpPr>
+          <p:cNvPr id="18" name="TextBox 17"/>
+          <p:cNvSpPr txBox="1"/>
+          <p:nvPr/>
+        </p:nvSpPr>
+        <p:spPr>
+          <a:xfrm>
+            <a:off x="6400800" y="1371600"/>
+            <a:ext cx="5303520" cy="274320"/>
+          </a:xfrm>
+          <a:prstGeom prst="rect">
+            <a:avLst/>
+          </a:prstGeom>
+          <a:noFill/>
+          <a:ln>
+            <a:noFill/>
+          </a:ln>
+          <a:effectLst/>
+        </p:spPr>
+        <p:txBody>
+          <a:bodyPr wrap="square" lIns="73152" rIns="73152"/>
+          <a:lstStyle/>
+          <a:p>
+            <a:pPr algn="l">
+              <a:lnSpc>
+                <a:spcPct val="110000"/>
+              </a:lnSpc>
+            </a:pPr>
+            <a:r>
+              <a:rPr sz="1400" b="1">
+                <a:solidFill>
+                  <a:srgbClr val="183A58"/>
+                </a:solidFill>
+                <a:latin typeface="Arial"/>
+              </a:rPr>
+              <a:t>Synergy Opportunities</a:t>
+            </a:r>
+          </a:p>
+        </p:txBody>
+      </p:sp>
+      <p:sp>
+        <p:nvSpPr>
+          <p:cNvPr id="19" name="Oval 18"/>
+          <p:cNvSpPr/>
+          <p:nvPr/>
+        </p:nvSpPr>
+        <p:spPr>
+          <a:xfrm>
+            <a:off x="6537960" y="1764792"/>
+            <a:ext cx="54864" cy="54864"/>
+          </a:xfrm>
+          <a:prstGeom prst="ellipse">
+            <a:avLst/>
+          </a:prstGeom>
+          <a:solidFill>
+            <a:srgbClr val="B5975B"/>
+          </a:solidFill>
+          <a:ln>
+            <a:noFill/>
+          </a:ln>
+        </p:spPr>
+        <p:style>
+          <a:lnRef idx="1">
+            <a:schemeClr val="accent1"/>
+          </a:lnRef>
+          <a:fillRef idx="3">
+            <a:schemeClr val="accent1"/>
+          </a:fillRef>
+          <a:effectRef idx="2">
+            <a:schemeClr val="accent1"/>
+          </a:effectRef>
+          <a:fontRef idx="minor">
+            <a:schemeClr val="lt1"/>
+          </a:fontRef>
+        </p:style>
+        <p:txBody>
+          <a:bodyPr rtlCol="0" anchor="ctr"/>
+          <a:lstStyle/>
+          <a:p>
+            <a:pPr algn="ctr"/>
+          </a:p>
+        </p:txBody>
+      </p:sp>
+      <p:sp>
+        <p:nvSpPr>
+          <p:cNvPr id="20" name="TextBox 19"/>
+          <p:cNvSpPr txBox="1"/>
+          <p:nvPr/>
+        </p:nvSpPr>
+        <p:spPr>
+          <a:xfrm>
+            <a:off x="6675120" y="1691640"/>
+            <a:ext cx="5029200" cy="256032"/>
+          </a:xfrm>
+          <a:prstGeom prst="rect">
+            <a:avLst/>
+          </a:prstGeom>
+          <a:noFill/>
+          <a:ln>
+            <a:noFill/>
+          </a:ln>
+          <a:effectLst/>
+        </p:spPr>
+        <p:txBody>
+          <a:bodyPr wrap="square" lIns="73152" rIns="73152"/>
+          <a:lstStyle/>
+          <a:p>
+            <a:pPr algn="l">
+              <a:lnSpc>
+                <a:spcPct val="110000"/>
+              </a:lnSpc>
+            </a:pPr>
+            <a:r>
+              <a:rPr sz="1000" b="0">
+                <a:solidFill>
+                  <a:srgbClr val="404040"/>
+                </a:solidFill>
+                <a:latin typeface="Arial"/>
+              </a:rPr>
+              <a:t>Revenue Synergies: Cross-selling opportunities</a:t>
+            </a:r>
+          </a:p>
+        </p:txBody>
+      </p:sp>
+      <p:sp>
+        <p:nvSpPr>
+          <p:cNvPr id="21" name="TextBox 20"/>
+          <p:cNvSpPr txBox="1"/>
+          <p:nvPr/>
+        </p:nvSpPr>
+        <p:spPr>
+          <a:xfrm>
+            <a:off x="6400800" y="3657600"/>
+            <a:ext cx="5303520" cy="274320"/>
+          </a:xfrm>
+          <a:prstGeom prst="rect">
+            <a:avLst/>
+          </a:prstGeom>
+          <a:noFill/>
+          <a:ln>
+            <a:noFill/>
+          </a:ln>
+          <a:effectLst/>
+        </p:spPr>
+        <p:txBody>
+          <a:bodyPr wrap="square" lIns="73152" rIns="73152"/>
+          <a:lstStyle/>
+          <a:p>
+            <a:pPr algn="l">
+              <a:lnSpc>
+                <a:spcPct val="110000"/>
+              </a:lnSpc>
+            </a:pPr>
+            <a:r>
+              <a:rPr sz="1400" b="1">
+                <a:solidFill>
+                  <a:srgbClr val="183A58"/>
+                </a:solidFill>
+                <a:latin typeface="Arial"/>
+              </a:rPr>
+              <a:t>Transaction Timeline</a:t>
+            </a:r>
+          </a:p>
+        </p:txBody>
+      </p:sp>
+      <p:sp>
+        <p:nvSpPr>
+          <p:cNvPr id="22" name="Oval 21"/>
+          <p:cNvSpPr/>
+          <p:nvPr/>
+        </p:nvSpPr>
+        <p:spPr>
+          <a:xfrm>
+            <a:off x="6537960" y="4032503"/>
+            <a:ext cx="54864" cy="54864"/>
+          </a:xfrm>
+          <a:prstGeom prst="ellipse">
+            <a:avLst/>
+          </a:prstGeom>
+          <a:solidFill>
+            <a:srgbClr val="B5975B"/>
+          </a:solidFill>
+          <a:ln>
+            <a:noFill/>
+          </a:ln>
+        </p:spPr>
+        <p:style>
+          <a:lnRef idx="1">
+            <a:schemeClr val="accent1"/>
+          </a:lnRef>
+          <a:fillRef idx="3">
+            <a:schemeClr val="accent1"/>
+          </a:fillRef>
+          <a:effectRef idx="2">
+            <a:schemeClr val="accent1"/>
+          </a:effectRef>
+          <a:fontRef idx="minor">
+            <a:schemeClr val="lt1"/>
+          </a:fontRef>
+        </p:style>
+        <p:txBody>
+          <a:bodyPr rtlCol="0" anchor="ctr"/>
+          <a:lstStyle/>
+          <a:p>
+            <a:pPr algn="ctr"/>
+          </a:p>
+        </p:txBody>
+      </p:sp>
+      <p:sp>
+        <p:nvSpPr>
+          <p:cNvPr id="23" name="TextBox 22"/>
+          <p:cNvSpPr txBox="1"/>
+          <p:nvPr/>
+        </p:nvSpPr>
+        <p:spPr>
+          <a:xfrm>
+            <a:off x="6675120" y="3977639"/>
+            <a:ext cx="5029200" cy="201168"/>
+          </a:xfrm>
+          <a:prstGeom prst="rect">
+            <a:avLst/>
+          </a:prstGeom>
+          <a:noFill/>
+          <a:ln>
+            <a:noFill/>
+          </a:ln>
+          <a:effectLst/>
+        </p:spPr>
+        <p:txBody>
+          <a:bodyPr wrap="square" lIns="73152" rIns="73152"/>
+          <a:lstStyle/>
+          <a:p>
+            <a:pPr algn="l">
+              <a:lnSpc>
+                <a:spcPct val="110000"/>
+              </a:lnSpc>
+            </a:pPr>
+            <a:r>
+              <a:rPr sz="900" b="0">
+                <a:solidFill>
+                  <a:srgbClr val="404040"/>
+                </a:solidFill>
+                <a:latin typeface="Arial"/>
+              </a:rPr>
+              <a:t>Week 1-2: Initial due diligence</a:t>
+            </a:r>
+          </a:p>
+        </p:txBody>
+      </p:sp>
+      <p:sp>
+        <p:nvSpPr>
+          <p:cNvPr id="24" name="Oval 23"/>
+          <p:cNvSpPr/>
+          <p:nvPr/>
+        </p:nvSpPr>
+        <p:spPr>
+          <a:xfrm>
+            <a:off x="6537960" y="4352543"/>
+            <a:ext cx="54864" cy="54864"/>
+          </a:xfrm>
+          <a:prstGeom prst="ellipse">
+            <a:avLst/>
+          </a:prstGeom>
+          <a:solidFill>
+            <a:srgbClr val="B5975B"/>
+          </a:solidFill>
+          <a:ln>
+            <a:noFill/>
+          </a:ln>
+        </p:spPr>
+        <p:style>
+          <a:lnRef idx="1">
+            <a:schemeClr val="accent1"/>
+          </a:lnRef>
+          <a:fillRef idx="3">
+            <a:schemeClr val="accent1"/>
+          </a:fillRef>
+          <a:effectRef idx="2">
+            <a:schemeClr val="accent1"/>
+          </a:effectRef>
+          <a:fontRef idx="minor">
+            <a:schemeClr val="lt1"/>
+          </a:fontRef>
+        </p:style>
+        <p:txBody>
+          <a:bodyPr rtlCol="0" anchor="ctr"/>
+          <a:lstStyle/>
+          <a:p>
+            <a:pPr algn="ctr"/>
+          </a:p>
+        </p:txBody>
+      </p:sp>
+      <p:sp>
+        <p:nvSpPr>
+          <p:cNvPr id="25" name="TextBox 24"/>
+          <p:cNvSpPr txBox="1"/>
+          <p:nvPr/>
+        </p:nvSpPr>
+        <p:spPr>
+          <a:xfrm>
+            <a:off x="6675120" y="4297679"/>
+            <a:ext cx="5029200" cy="201168"/>
+          </a:xfrm>
+          <a:prstGeom prst="rect">
+            <a:avLst/>
+          </a:prstGeom>
+          <a:noFill/>
+          <a:ln>
+            <a:noFill/>
+          </a:ln>
+          <a:effectLst/>
+        </p:spPr>
+        <p:txBody>
+          <a:bodyPr wrap="square" lIns="73152" rIns="73152"/>
+          <a:lstStyle/>
+          <a:p>
+            <a:pPr algn="l">
+              <a:lnSpc>
+                <a:spcPct val="110000"/>
+              </a:lnSpc>
+            </a:pPr>
+            <a:r>
+              <a:rPr sz="900" b="0">
+                <a:solidFill>
+                  <a:srgbClr val="404040"/>
+                </a:solidFill>
+                <a:latin typeface="Arial"/>
+              </a:rPr>
+              <a:t>Week 3-4: Management presentations</a:t>
+            </a:r>
+          </a:p>
+        </p:txBody>
+      </p:sp>
+      <p:sp>
+        <p:nvSpPr>
+          <p:cNvPr id="26" name="TextBox 25"/>
+          <p:cNvSpPr txBox="1"/>
+          <p:nvPr/>
+        </p:nvSpPr>
+        <p:spPr>
+          <a:xfrm>
+            <a:off x="457200" y="6309360"/>
+            <a:ext cx="5486400" cy="365760"/>
+          </a:xfrm>
+          <a:prstGeom prst="rect">
+            <a:avLst/>
+          </a:prstGeom>
+          <a:noFill/>
+        </p:spPr>
+        <p:txBody>
+          <a:bodyPr wrap="none" anchor="ctr">
+            <a:spAutoFit/>
+          </a:bodyPr>
+          <a:lstStyle/>
+          <a:p>
+            <a:pPr algn="l">
+              <a:defRPr sz="900">
+                <a:solidFill>
+                  <a:srgbClr val="808080"/>
+                </a:solidFill>
+                <a:latin typeface="Arial"/>
+              </a:defRPr>
+            </a:pPr>
+            <a:r>
+              <a:t>Confidential | September 11, 2025</a:t>
+            </a:r>
+          </a:p>
+        </p:txBody>
+      </p:sp>
+      <p:sp>
+        <p:nvSpPr>
+          <p:cNvPr id="27" name="TextBox 26"/>
+          <p:cNvSpPr txBox="1"/>
+          <p:nvPr/>
+        </p:nvSpPr>
+        <p:spPr>
+          <a:xfrm>
+            <a:off x="9144000" y="6309360"/>
+            <a:ext cx="2743200" cy="365760"/>
+          </a:xfrm>
+          <a:prstGeom prst="rect">
+            <a:avLst/>
+          </a:prstGeom>
+          <a:noFill/>
+        </p:spPr>
+        <p:txBody>
+          <a:bodyPr wrap="none" anchor="ctr">
+            <a:spAutoFit/>
+          </a:bodyPr>
+          <a:lstStyle/>
+          <a:p>
+            <a:pPr algn="r">
+              <a:defRPr sz="900">
+                <a:solidFill>
+                  <a:srgbClr val="808080"/>
+                </a:solidFill>
+                <a:latin typeface="Arial"/>
+              </a:defRPr>
+            </a:pPr>
+            <a:r>
+              <a:t>Databricks</a:t>
             </a:r>
           </a:p>
         </p:txBody>
@@ -3135,6 +7339,14 @@
 <file path=ppt/slides/slide2.xml><?xml version="1.0" encoding="utf-8"?>
 <p:sld xmlns:a="http://schemas.openxmlformats.org/drawingml/2006/main" xmlns:p="http://schemas.openxmlformats.org/presentationml/2006/main" xmlns:r="http://schemas.openxmlformats.org/officeDocument/2006/relationships">
   <p:cSld>
+    <p:bg>
+      <p:bgPr>
+        <a:solidFill>
+          <a:srgbClr val="FFFFFF"/>
+        </a:solidFill>
+        <a:effectLst/>
+      </p:bgPr>
+    </p:bg>
     <p:spTree>
       <p:nvGrpSpPr>
         <p:cNvPr id="1" name=""/>
@@ -3150,24 +7362,838 @@
         </p:nvSpPr>
         <p:spPr>
           <a:xfrm>
-            <a:off x="640080" y="731520"/>
-            <a:ext cx="10515600" cy="1371600"/>
-          </a:xfrm>
-          <a:prstGeom prst="rect">
-            <a:avLst/>
-          </a:prstGeom>
-          <a:noFill/>
-        </p:spPr>
-        <p:txBody>
-          <a:bodyPr wrap="none">
+            <a:off x="457200" y="274320"/>
+            <a:ext cx="11277295" cy="731520"/>
+          </a:xfrm>
+          <a:prstGeom prst="rect">
+            <a:avLst/>
+          </a:prstGeom>
+          <a:noFill/>
+        </p:spPr>
+        <p:txBody>
+          <a:bodyPr wrap="none" lIns="0" tIns="0" rIns="0" bIns="0">
             <a:spAutoFit/>
           </a:bodyPr>
           <a:lstStyle/>
           <a:p>
             <a:pPr algn="l"/>
             <a:r>
-              <a:rPr sz="1400"/>
-              <a:t>Renderer error: 'RGBColor' object has no attribute 'r'</a:t>
+              <a:rPr sz="2400" b="1">
+                <a:solidFill>
+                  <a:srgbClr val="183A58"/>
+                </a:solidFill>
+                <a:latin typeface="Arial"/>
+              </a:rPr>
+              <a:t>Product &amp; Service Footprint</a:t>
+            </a:r>
+          </a:p>
+        </p:txBody>
+      </p:sp>
+      <p:sp>
+        <p:nvSpPr>
+          <p:cNvPr id="3" name="Rectangle 2"/>
+          <p:cNvSpPr/>
+          <p:nvPr/>
+        </p:nvSpPr>
+        <p:spPr>
+          <a:xfrm>
+            <a:off x="457200" y="914400"/>
+            <a:ext cx="11277295" cy="45720"/>
+          </a:xfrm>
+          <a:prstGeom prst="rect">
+            <a:avLst/>
+          </a:prstGeom>
+          <a:solidFill>
+            <a:srgbClr val="183A58"/>
+          </a:solidFill>
+          <a:ln>
+            <a:noFill/>
+          </a:ln>
+        </p:spPr>
+        <p:style>
+          <a:lnRef idx="1">
+            <a:schemeClr val="accent1"/>
+          </a:lnRef>
+          <a:fillRef idx="3">
+            <a:schemeClr val="accent1"/>
+          </a:fillRef>
+          <a:effectRef idx="2">
+            <a:schemeClr val="accent1"/>
+          </a:effectRef>
+          <a:fontRef idx="minor">
+            <a:schemeClr val="lt1"/>
+          </a:fontRef>
+        </p:style>
+        <p:txBody>
+          <a:bodyPr rtlCol="0" anchor="ctr"/>
+          <a:lstStyle/>
+          <a:p>
+            <a:pPr algn="ctr"/>
+          </a:p>
+        </p:txBody>
+      </p:sp>
+      <p:sp>
+        <p:nvSpPr>
+          <p:cNvPr id="4" name="Oval 3"/>
+          <p:cNvSpPr/>
+          <p:nvPr/>
+        </p:nvSpPr>
+        <p:spPr>
+          <a:xfrm>
+            <a:off x="731520" y="1280160"/>
+            <a:ext cx="274320" cy="274320"/>
+          </a:xfrm>
+          <a:prstGeom prst="ellipse">
+            <a:avLst/>
+          </a:prstGeom>
+          <a:solidFill>
+            <a:srgbClr val="B5975B"/>
+          </a:solidFill>
+          <a:ln>
+            <a:noFill/>
+          </a:ln>
+        </p:spPr>
+        <p:style>
+          <a:lnRef idx="1">
+            <a:schemeClr val="accent1"/>
+          </a:lnRef>
+          <a:fillRef idx="3">
+            <a:schemeClr val="accent1"/>
+          </a:fillRef>
+          <a:effectRef idx="2">
+            <a:schemeClr val="accent1"/>
+          </a:effectRef>
+          <a:fontRef idx="minor">
+            <a:schemeClr val="lt1"/>
+          </a:fontRef>
+        </p:style>
+        <p:txBody>
+          <a:bodyPr rtlCol="0" anchor="ctr"/>
+          <a:lstStyle/>
+          <a:p>
+            <a:pPr algn="ctr"/>
+          </a:p>
+        </p:txBody>
+      </p:sp>
+      <p:sp>
+        <p:nvSpPr>
+          <p:cNvPr id="5" name="TextBox 4"/>
+          <p:cNvSpPr txBox="1"/>
+          <p:nvPr/>
+        </p:nvSpPr>
+        <p:spPr>
+          <a:xfrm>
+            <a:off x="1097280" y="1280160"/>
+            <a:ext cx="5029200" cy="228600"/>
+          </a:xfrm>
+          <a:prstGeom prst="rect">
+            <a:avLst/>
+          </a:prstGeom>
+          <a:noFill/>
+          <a:ln>
+            <a:noFill/>
+          </a:ln>
+          <a:effectLst/>
+        </p:spPr>
+        <p:txBody>
+          <a:bodyPr wrap="square">
+            <a:spAutoFit/>
+          </a:bodyPr>
+          <a:lstStyle/>
+          <a:p>
+            <a:pPr algn="l"/>
+            <a:r>
+              <a:rPr sz="1200" b="1">
+                <a:solidFill>
+                  <a:srgbClr val="183A58"/>
+                </a:solidFill>
+                <a:latin typeface="Arial"/>
+              </a:rPr>
+              <a:t>[Research Required] Platform</a:t>
+            </a:r>
+          </a:p>
+        </p:txBody>
+      </p:sp>
+      <p:sp>
+        <p:nvSpPr>
+          <p:cNvPr id="6" name="TextBox 5"/>
+          <p:cNvSpPr txBox="1"/>
+          <p:nvPr/>
+        </p:nvSpPr>
+        <p:spPr>
+          <a:xfrm>
+            <a:off x="1097280" y="1508760"/>
+            <a:ext cx="5029200" cy="502920"/>
+          </a:xfrm>
+          <a:prstGeom prst="rect">
+            <a:avLst/>
+          </a:prstGeom>
+          <a:noFill/>
+          <a:ln>
+            <a:noFill/>
+          </a:ln>
+          <a:effectLst/>
+        </p:spPr>
+        <p:txBody>
+          <a:bodyPr wrap="square">
+            <a:spAutoFit/>
+          </a:bodyPr>
+          <a:lstStyle/>
+          <a:p>
+            <a:pPr algn="l"/>
+            <a:r>
+              <a:rPr sz="1000" b="0">
+                <a:solidFill>
+                  <a:srgbClr val="404040"/>
+                </a:solidFill>
+                <a:latin typeface="Arial"/>
+              </a:rPr>
+              <a:t>Technology platform services</a:t>
+            </a:r>
+          </a:p>
+        </p:txBody>
+      </p:sp>
+      <p:sp>
+        <p:nvSpPr>
+          <p:cNvPr id="7" name="TextBox 6"/>
+          <p:cNvSpPr txBox="1"/>
+          <p:nvPr/>
+        </p:nvSpPr>
+        <p:spPr>
+          <a:xfrm>
+            <a:off x="6583680" y="1280160"/>
+            <a:ext cx="5029200" cy="274320"/>
+          </a:xfrm>
+          <a:prstGeom prst="rect">
+            <a:avLst/>
+          </a:prstGeom>
+          <a:noFill/>
+          <a:ln>
+            <a:noFill/>
+          </a:ln>
+          <a:effectLst/>
+        </p:spPr>
+        <p:txBody>
+          <a:bodyPr wrap="square">
+            <a:spAutoFit/>
+          </a:bodyPr>
+          <a:lstStyle/>
+          <a:p>
+            <a:pPr algn="ctr"/>
+            <a:r>
+              <a:rPr sz="1400" b="1">
+                <a:solidFill>
+                  <a:srgbClr val="183A58"/>
+                </a:solidFill>
+                <a:latin typeface="Arial"/>
+              </a:rPr>
+              <a:t>Product &amp; Service Market Coverage</a:t>
+            </a:r>
+          </a:p>
+        </p:txBody>
+      </p:sp>
+      <p:graphicFrame>
+        <p:nvGraphicFramePr>
+          <p:cNvPr id="8" name="Table 7"/>
+          <p:cNvGraphicFramePr>
+            <a:graphicFrameLocks noGrp="1"/>
+          </p:cNvGraphicFramePr>
+          <p:nvPr/>
+        </p:nvGraphicFramePr>
+        <p:xfrm>
+          <a:off x="6583680" y="1645920"/>
+          <a:ext cx="1828800" cy="2560320"/>
+        </p:xfrm>
+        <a:graphic>
+          <a:graphicData uri="http://schemas.openxmlformats.org/drawingml/2006/table">
+            <a:tbl>
+              <a:tblPr firstRow="1" bandRow="1">
+                <a:tableStyleId>{5C22544A-7EE6-4342-B048-85BDC9FD1C3A}</a:tableStyleId>
+              </a:tblPr>
+              <a:tblGrid>
+                <a:gridCol w="1097280"/>
+                <a:gridCol w="731520"/>
+              </a:tblGrid>
+              <a:tr h="640080">
+                <a:tc>
+                  <a:txBody>
+                    <a:bodyPr/>
+                    <a:lstStyle/>
+                    <a:p>
+                      <a:pPr algn="ctr"/>
+                      <a:r>
+                        <a:rPr sz="900" b="1">
+                          <a:solidFill>
+                            <a:srgbClr val="FFFFFF"/>
+                          </a:solidFill>
+                          <a:latin typeface="Arial"/>
+                        </a:rPr>
+                        <a:t>Region</a:t>
+                      </a:r>
+                    </a:p>
+                  </a:txBody>
+                  <a:tcPr marL="45720" marR="45720" marT="45720" marB="45720">
+                    <a:solidFill>
+                      <a:srgbClr val="183A58"/>
+                    </a:solidFill>
+                  </a:tcPr>
+                </a:tc>
+                <a:tc>
+                  <a:txBody>
+                    <a:bodyPr/>
+                    <a:lstStyle/>
+                    <a:p>
+                      <a:pPr algn="ctr"/>
+                      <a:r>
+                        <a:rPr sz="900" b="1">
+                          <a:solidFill>
+                            <a:srgbClr val="FFFFFF"/>
+                          </a:solidFill>
+                          <a:latin typeface="Arial"/>
+                        </a:rPr>
+                        <a:t>Coverage Status</a:t>
+                      </a:r>
+                    </a:p>
+                  </a:txBody>
+                  <a:tcPr marL="45720" marR="45720" marT="45720" marB="45720">
+                    <a:solidFill>
+                      <a:srgbClr val="183A58"/>
+                    </a:solidFill>
+                  </a:tcPr>
+                </a:tc>
+              </a:tr>
+              <a:tr h="640080">
+                <a:tc>
+                  <a:txBody>
+                    <a:bodyPr/>
+                    <a:lstStyle/>
+                    <a:p>
+                      <a:pPr algn="ctr"/>
+                      <a:r>
+                        <a:rPr sz="900">
+                          <a:solidFill>
+                            <a:srgbClr val="404040"/>
+                          </a:solidFill>
+                          <a:latin typeface="Arial"/>
+                        </a:rPr>
+                        <a:t>UAE</a:t>
+                      </a:r>
+                    </a:p>
+                  </a:txBody>
+                  <a:tcPr marL="45720" marR="45720" marT="45720" marB="45720">
+                    <a:solidFill>
+                      <a:srgbClr val="FFFFFF"/>
+                    </a:solidFill>
+                  </a:tcPr>
+                </a:tc>
+                <a:tc>
+                  <a:txBody>
+                    <a:bodyPr/>
+                    <a:lstStyle/>
+                    <a:p>
+                      <a:pPr algn="ctr"/>
+                      <a:r>
+                        <a:rPr sz="900">
+                          <a:solidFill>
+                            <a:srgbClr val="404040"/>
+                          </a:solidFill>
+                          <a:latin typeface="Arial"/>
+                        </a:rPr>
+                        <a:t>Primary market</a:t>
+                      </a:r>
+                    </a:p>
+                  </a:txBody>
+                  <a:tcPr marL="45720" marR="45720" marT="45720" marB="45720">
+                    <a:solidFill>
+                      <a:srgbClr val="FFFFFF"/>
+                    </a:solidFill>
+                  </a:tcPr>
+                </a:tc>
+              </a:tr>
+              <a:tr h="640080">
+                <a:tc>
+                  <a:txBody>
+                    <a:bodyPr/>
+                    <a:lstStyle/>
+                    <a:p>
+                      <a:pPr algn="ctr"/>
+                      <a:r>
+                        <a:rPr sz="900">
+                          <a:solidFill>
+                            <a:srgbClr val="404040"/>
+                          </a:solidFill>
+                          <a:latin typeface="Arial"/>
+                        </a:rPr>
+                        <a:t>MENA</a:t>
+                      </a:r>
+                    </a:p>
+                  </a:txBody>
+                  <a:tcPr marL="45720" marR="45720" marT="45720" marB="45720">
+                    <a:solidFill>
+                      <a:srgbClr val="F0F0F0"/>
+                    </a:solidFill>
+                  </a:tcPr>
+                </a:tc>
+                <a:tc>
+                  <a:txBody>
+                    <a:bodyPr/>
+                    <a:lstStyle/>
+                    <a:p>
+                      <a:pPr algn="ctr"/>
+                      <a:r>
+                        <a:rPr sz="900">
+                          <a:solidFill>
+                            <a:srgbClr val="404040"/>
+                          </a:solidFill>
+                          <a:latin typeface="Arial"/>
+                        </a:rPr>
+                        <a:t>Expanding</a:t>
+                      </a:r>
+                    </a:p>
+                  </a:txBody>
+                  <a:tcPr marL="45720" marR="45720" marT="45720" marB="45720">
+                    <a:solidFill>
+                      <a:srgbClr val="F0F0F0"/>
+                    </a:solidFill>
+                  </a:tcPr>
+                </a:tc>
+              </a:tr>
+              <a:tr h="640080">
+                <a:tc>
+                  <a:txBody>
+                    <a:bodyPr/>
+                    <a:lstStyle/>
+                    <a:p>
+                      <a:pPr algn="ctr"/>
+                      <a:r>
+                        <a:rPr sz="900">
+                          <a:solidFill>
+                            <a:srgbClr val="404040"/>
+                          </a:solidFill>
+                          <a:latin typeface="Arial"/>
+                        </a:rPr>
+                        <a:t>Global</a:t>
+                      </a:r>
+                    </a:p>
+                  </a:txBody>
+                  <a:tcPr marL="45720" marR="45720" marT="45720" marB="45720">
+                    <a:solidFill>
+                      <a:srgbClr val="FFFFFF"/>
+                    </a:solidFill>
+                  </a:tcPr>
+                </a:tc>
+                <a:tc>
+                  <a:txBody>
+                    <a:bodyPr/>
+                    <a:lstStyle/>
+                    <a:p>
+                      <a:pPr algn="ctr"/>
+                      <a:r>
+                        <a:rPr sz="900">
+                          <a:solidFill>
+                            <a:srgbClr val="404040"/>
+                          </a:solidFill>
+                          <a:latin typeface="Arial"/>
+                        </a:rPr>
+                        <a:t>Future expansion</a:t>
+                      </a:r>
+                    </a:p>
+                  </a:txBody>
+                  <a:tcPr marL="45720" marR="45720" marT="45720" marB="45720">
+                    <a:solidFill>
+                      <a:srgbClr val="FFFFFF"/>
+                    </a:solidFill>
+                  </a:tcPr>
+                </a:tc>
+              </a:tr>
+            </a:tbl>
+          </a:graphicData>
+        </a:graphic>
+      </p:graphicFrame>
+      <p:sp>
+        <p:nvSpPr>
+          <p:cNvPr id="9" name="TextBox 8"/>
+          <p:cNvSpPr txBox="1"/>
+          <p:nvPr/>
+        </p:nvSpPr>
+        <p:spPr>
+          <a:xfrm>
+            <a:off x="6583680" y="4389120"/>
+            <a:ext cx="5029200" cy="274320"/>
+          </a:xfrm>
+          <a:prstGeom prst="rect">
+            <a:avLst/>
+          </a:prstGeom>
+          <a:noFill/>
+          <a:ln>
+            <a:noFill/>
+          </a:ln>
+          <a:effectLst/>
+        </p:spPr>
+        <p:txBody>
+          <a:bodyPr wrap="square">
+            <a:spAutoFit/>
+          </a:bodyPr>
+          <a:lstStyle/>
+          <a:p>
+            <a:pPr algn="ctr"/>
+            <a:r>
+              <a:rPr sz="1400" b="1">
+                <a:solidFill>
+                  <a:srgbClr val="183A58"/>
+                </a:solidFill>
+                <a:latin typeface="Arial"/>
+              </a:rPr>
+              <a:t>Key Operational Metrics</a:t>
+            </a:r>
+          </a:p>
+        </p:txBody>
+      </p:sp>
+      <p:sp>
+        <p:nvSpPr>
+          <p:cNvPr id="10" name="Rectangle 9"/>
+          <p:cNvSpPr/>
+          <p:nvPr/>
+        </p:nvSpPr>
+        <p:spPr>
+          <a:xfrm>
+            <a:off x="6583680" y="4663440"/>
+            <a:ext cx="5029200" cy="1828800"/>
+          </a:xfrm>
+          <a:prstGeom prst="rect">
+            <a:avLst/>
+          </a:prstGeom>
+          <a:solidFill>
+            <a:srgbClr val="F0F0F0"/>
+          </a:solidFill>
+          <a:ln>
+            <a:noFill/>
+          </a:ln>
+        </p:spPr>
+        <p:style>
+          <a:lnRef idx="1">
+            <a:schemeClr val="accent1"/>
+          </a:lnRef>
+          <a:fillRef idx="3">
+            <a:schemeClr val="accent1"/>
+          </a:fillRef>
+          <a:effectRef idx="2">
+            <a:schemeClr val="accent1"/>
+          </a:effectRef>
+          <a:fontRef idx="minor">
+            <a:schemeClr val="lt1"/>
+          </a:fontRef>
+        </p:style>
+        <p:txBody>
+          <a:bodyPr rtlCol="0" anchor="ctr"/>
+          <a:lstStyle/>
+          <a:p>
+            <a:pPr algn="ctr"/>
+          </a:p>
+        </p:txBody>
+      </p:sp>
+      <p:sp>
+        <p:nvSpPr>
+          <p:cNvPr id="11" name="TextBox 10"/>
+          <p:cNvSpPr txBox="1"/>
+          <p:nvPr/>
+        </p:nvSpPr>
+        <p:spPr>
+          <a:xfrm>
+            <a:off x="6766560" y="4846320"/>
+            <a:ext cx="1828800" cy="164592"/>
+          </a:xfrm>
+          <a:prstGeom prst="rect">
+            <a:avLst/>
+          </a:prstGeom>
+          <a:noFill/>
+          <a:ln>
+            <a:noFill/>
+          </a:ln>
+          <a:effectLst/>
+        </p:spPr>
+        <p:txBody>
+          <a:bodyPr wrap="square">
+            <a:spAutoFit/>
+          </a:bodyPr>
+          <a:lstStyle/>
+          <a:p>
+            <a:pPr algn="l"/>
+            <a:r>
+              <a:rPr sz="900" b="0">
+                <a:solidFill>
+                  <a:srgbClr val="404040"/>
+                </a:solidFill>
+                <a:latin typeface="Arial"/>
+              </a:rPr>
+              <a:t>Market Coverage</a:t>
+            </a:r>
+          </a:p>
+        </p:txBody>
+      </p:sp>
+      <p:sp>
+        <p:nvSpPr>
+          <p:cNvPr id="12" name="TextBox 11"/>
+          <p:cNvSpPr txBox="1"/>
+          <p:nvPr/>
+        </p:nvSpPr>
+        <p:spPr>
+          <a:xfrm>
+            <a:off x="6766560" y="5010912"/>
+            <a:ext cx="1828800" cy="201168"/>
+          </a:xfrm>
+          <a:prstGeom prst="rect">
+            <a:avLst/>
+          </a:prstGeom>
+          <a:noFill/>
+          <a:ln>
+            <a:noFill/>
+          </a:ln>
+          <a:effectLst/>
+        </p:spPr>
+        <p:txBody>
+          <a:bodyPr wrap="square">
+            <a:spAutoFit/>
+          </a:bodyPr>
+          <a:lstStyle/>
+          <a:p>
+            <a:pPr algn="l"/>
+            <a:r>
+              <a:rPr sz="1600" b="1">
+                <a:solidFill>
+                  <a:srgbClr val="183A58"/>
+                </a:solidFill>
+                <a:latin typeface="Arial"/>
+              </a:rPr>
+              <a:t>UAE and MENA region</a:t>
+            </a:r>
+          </a:p>
+        </p:txBody>
+      </p:sp>
+      <p:sp>
+        <p:nvSpPr>
+          <p:cNvPr id="13" name="TextBox 12"/>
+          <p:cNvSpPr txBox="1"/>
+          <p:nvPr/>
+        </p:nvSpPr>
+        <p:spPr>
+          <a:xfrm>
+            <a:off x="9509760" y="4846320"/>
+            <a:ext cx="1828800" cy="164592"/>
+          </a:xfrm>
+          <a:prstGeom prst="rect">
+            <a:avLst/>
+          </a:prstGeom>
+          <a:noFill/>
+          <a:ln>
+            <a:noFill/>
+          </a:ln>
+          <a:effectLst/>
+        </p:spPr>
+        <p:txBody>
+          <a:bodyPr wrap="square">
+            <a:spAutoFit/>
+          </a:bodyPr>
+          <a:lstStyle/>
+          <a:p>
+            <a:pPr algn="l"/>
+            <a:r>
+              <a:rPr sz="900" b="0">
+                <a:solidFill>
+                  <a:srgbClr val="404040"/>
+                </a:solidFill>
+                <a:latin typeface="Arial"/>
+              </a:rPr>
+              <a:t>Primary Region</a:t>
+            </a:r>
+          </a:p>
+        </p:txBody>
+      </p:sp>
+      <p:sp>
+        <p:nvSpPr>
+          <p:cNvPr id="14" name="TextBox 13"/>
+          <p:cNvSpPr txBox="1"/>
+          <p:nvPr/>
+        </p:nvSpPr>
+        <p:spPr>
+          <a:xfrm>
+            <a:off x="9509760" y="5010912"/>
+            <a:ext cx="1828800" cy="201168"/>
+          </a:xfrm>
+          <a:prstGeom prst="rect">
+            <a:avLst/>
+          </a:prstGeom>
+          <a:noFill/>
+          <a:ln>
+            <a:noFill/>
+          </a:ln>
+          <a:effectLst/>
+        </p:spPr>
+        <p:txBody>
+          <a:bodyPr wrap="square">
+            <a:spAutoFit/>
+          </a:bodyPr>
+          <a:lstStyle/>
+          <a:p>
+            <a:pPr algn="l"/>
+            <a:r>
+              <a:rPr sz="1600" b="1">
+                <a:solidFill>
+                  <a:srgbClr val="183A58"/>
+                </a:solidFill>
+                <a:latin typeface="Arial"/>
+              </a:rPr>
+              <a:t>UAE</a:t>
+            </a:r>
+          </a:p>
+        </p:txBody>
+      </p:sp>
+      <p:sp>
+        <p:nvSpPr>
+          <p:cNvPr id="15" name="TextBox 14"/>
+          <p:cNvSpPr txBox="1"/>
+          <p:nvPr/>
+        </p:nvSpPr>
+        <p:spPr>
+          <a:xfrm>
+            <a:off x="9509760" y="5394960"/>
+            <a:ext cx="1828800" cy="164592"/>
+          </a:xfrm>
+          <a:prstGeom prst="rect">
+            <a:avLst/>
+          </a:prstGeom>
+          <a:noFill/>
+          <a:ln>
+            <a:noFill/>
+          </a:ln>
+          <a:effectLst/>
+        </p:spPr>
+        <p:txBody>
+          <a:bodyPr wrap="square">
+            <a:spAutoFit/>
+          </a:bodyPr>
+          <a:lstStyle/>
+          <a:p>
+            <a:pPr algn="l"/>
+            <a:r>
+              <a:rPr sz="900" b="0">
+                <a:solidFill>
+                  <a:srgbClr val="404040"/>
+                </a:solidFill>
+                <a:latin typeface="Arial"/>
+              </a:rPr>
+              <a:t>Expansion Areas</a:t>
+            </a:r>
+          </a:p>
+        </p:txBody>
+      </p:sp>
+      <p:sp>
+        <p:nvSpPr>
+          <p:cNvPr id="16" name="TextBox 15"/>
+          <p:cNvSpPr txBox="1"/>
+          <p:nvPr/>
+        </p:nvSpPr>
+        <p:spPr>
+          <a:xfrm>
+            <a:off x="9509760" y="5559552"/>
+            <a:ext cx="1828800" cy="201168"/>
+          </a:xfrm>
+          <a:prstGeom prst="rect">
+            <a:avLst/>
+          </a:prstGeom>
+          <a:noFill/>
+          <a:ln>
+            <a:noFill/>
+          </a:ln>
+          <a:effectLst/>
+        </p:spPr>
+        <p:txBody>
+          <a:bodyPr wrap="square">
+            <a:spAutoFit/>
+          </a:bodyPr>
+          <a:lstStyle/>
+          <a:p>
+            <a:pPr algn="l"/>
+            <a:r>
+              <a:rPr sz="1600" b="1">
+                <a:solidFill>
+                  <a:srgbClr val="183A58"/>
+                </a:solidFill>
+                <a:latin typeface="Arial"/>
+              </a:rPr>
+              <a:t>MENA region</a:t>
+            </a:r>
+          </a:p>
+        </p:txBody>
+      </p:sp>
+      <p:sp>
+        <p:nvSpPr>
+          <p:cNvPr id="17" name="TextBox 16"/>
+          <p:cNvSpPr txBox="1"/>
+          <p:nvPr/>
+        </p:nvSpPr>
+        <p:spPr>
+          <a:xfrm>
+            <a:off x="731520" y="6400800"/>
+            <a:ext cx="5486400" cy="365760"/>
+          </a:xfrm>
+          <a:prstGeom prst="rect">
+            <a:avLst/>
+          </a:prstGeom>
+          <a:noFill/>
+        </p:spPr>
+        <p:txBody>
+          <a:bodyPr wrap="none" anchor="ctr">
+            <a:spAutoFit/>
+          </a:bodyPr>
+          <a:lstStyle/>
+          <a:p>
+            <a:pPr algn="l">
+              <a:defRPr sz="900">
+                <a:solidFill>
+                  <a:srgbClr val="808080"/>
+                </a:solidFill>
+                <a:latin typeface="Arial"/>
+              </a:defRPr>
+            </a:pPr>
+            <a:r>
+              <a:t>Confidential | September 11, 2025</a:t>
+            </a:r>
+          </a:p>
+        </p:txBody>
+      </p:sp>
+      <p:sp>
+        <p:nvSpPr>
+          <p:cNvPr id="18" name="TextBox 17"/>
+          <p:cNvSpPr txBox="1"/>
+          <p:nvPr/>
+        </p:nvSpPr>
+        <p:spPr>
+          <a:xfrm>
+            <a:off x="8686800" y="6400800"/>
+            <a:ext cx="3200400" cy="365760"/>
+          </a:xfrm>
+          <a:prstGeom prst="rect">
+            <a:avLst/>
+          </a:prstGeom>
+          <a:noFill/>
+        </p:spPr>
+        <p:txBody>
+          <a:bodyPr wrap="none" anchor="ctr">
+            <a:spAutoFit/>
+          </a:bodyPr>
+          <a:lstStyle/>
+          <a:p>
+            <a:pPr algn="r">
+              <a:defRPr sz="900">
+                <a:solidFill>
+                  <a:srgbClr val="808080"/>
+                </a:solidFill>
+                <a:latin typeface="Arial"/>
+              </a:defRPr>
+            </a:pPr>
+            <a:r>
+              <a:t>Databricks</a:t>
             </a:r>
           </a:p>
         </p:txBody>
@@ -3183,6 +8209,14 @@
 <file path=ppt/slides/slide3.xml><?xml version="1.0" encoding="utf-8"?>
 <p:sld xmlns:a="http://schemas.openxmlformats.org/drawingml/2006/main" xmlns:p="http://schemas.openxmlformats.org/presentationml/2006/main" xmlns:r="http://schemas.openxmlformats.org/officeDocument/2006/relationships">
   <p:cSld>
+    <p:bg>
+      <p:bgPr>
+        <a:solidFill>
+          <a:srgbClr val="FFFFFF"/>
+        </a:solidFill>
+        <a:effectLst/>
+      </p:bgPr>
+    </p:bg>
     <p:spTree>
       <p:nvGrpSpPr>
         <p:cNvPr id="1" name=""/>
@@ -3198,24 +8232,598 @@
         </p:nvSpPr>
         <p:spPr>
           <a:xfrm>
-            <a:off x="640080" y="731520"/>
-            <a:ext cx="10515600" cy="1371600"/>
-          </a:xfrm>
-          <a:prstGeom prst="rect">
-            <a:avLst/>
-          </a:prstGeom>
-          <a:noFill/>
-        </p:spPr>
-        <p:txBody>
-          <a:bodyPr wrap="none">
+            <a:off x="457200" y="274320"/>
+            <a:ext cx="11277295" cy="731520"/>
+          </a:xfrm>
+          <a:prstGeom prst="rect">
+            <a:avLst/>
+          </a:prstGeom>
+          <a:noFill/>
+        </p:spPr>
+        <p:txBody>
+          <a:bodyPr wrap="none" lIns="0" tIns="0" rIns="0" bIns="0">
             <a:spAutoFit/>
           </a:bodyPr>
           <a:lstStyle/>
           <a:p>
             <a:pPr algn="l"/>
             <a:r>
-              <a:rPr sz="1400"/>
-              <a:t>Renderer error: 'RGBColor' object has no attribute 'r'</a:t>
+              <a:rPr sz="2400" b="1">
+                <a:solidFill>
+                  <a:srgbClr val="183A58"/>
+                </a:solidFill>
+                <a:latin typeface="Arial"/>
+              </a:rPr>
+              <a:t>Historical Financial Performance</a:t>
+            </a:r>
+          </a:p>
+        </p:txBody>
+      </p:sp>
+      <p:sp>
+        <p:nvSpPr>
+          <p:cNvPr id="3" name="Rectangle 2"/>
+          <p:cNvSpPr/>
+          <p:nvPr/>
+        </p:nvSpPr>
+        <p:spPr>
+          <a:xfrm>
+            <a:off x="457200" y="914400"/>
+            <a:ext cx="11277295" cy="45720"/>
+          </a:xfrm>
+          <a:prstGeom prst="rect">
+            <a:avLst/>
+          </a:prstGeom>
+          <a:solidFill>
+            <a:srgbClr val="183A58"/>
+          </a:solidFill>
+          <a:ln>
+            <a:noFill/>
+          </a:ln>
+        </p:spPr>
+        <p:style>
+          <a:lnRef idx="1">
+            <a:schemeClr val="accent1"/>
+          </a:lnRef>
+          <a:fillRef idx="3">
+            <a:schemeClr val="accent1"/>
+          </a:fillRef>
+          <a:effectRef idx="2">
+            <a:schemeClr val="accent1"/>
+          </a:effectRef>
+          <a:fontRef idx="minor">
+            <a:schemeClr val="lt1"/>
+          </a:fontRef>
+        </p:style>
+        <p:txBody>
+          <a:bodyPr rtlCol="0" anchor="ctr"/>
+          <a:lstStyle/>
+          <a:p>
+            <a:pPr algn="ctr"/>
+          </a:p>
+        </p:txBody>
+      </p:sp>
+      <p:sp>
+        <p:nvSpPr>
+          <p:cNvPr id="4" name="TextBox 3"/>
+          <p:cNvSpPr txBox="1"/>
+          <p:nvPr/>
+        </p:nvSpPr>
+        <p:spPr>
+          <a:xfrm>
+            <a:off x="914400" y="1188720"/>
+            <a:ext cx="10058400" cy="274320"/>
+          </a:xfrm>
+          <a:prstGeom prst="rect">
+            <a:avLst/>
+          </a:prstGeom>
+          <a:noFill/>
+          <a:ln>
+            <a:noFill/>
+          </a:ln>
+          <a:effectLst/>
+        </p:spPr>
+        <p:txBody>
+          <a:bodyPr wrap="square">
+            <a:spAutoFit/>
+          </a:bodyPr>
+          <a:lstStyle/>
+          <a:p>
+            <a:pPr algn="ctr"/>
+            <a:r>
+              <a:rPr sz="1600" b="1">
+                <a:solidFill>
+                  <a:srgbClr val="183A58"/>
+                </a:solidFill>
+                <a:latin typeface="Arial"/>
+              </a:rPr>
+              <a:t>Revenue &amp; EBITDA Growth</a:t>
+            </a:r>
+          </a:p>
+        </p:txBody>
+      </p:sp>
+      <p:graphicFrame>
+        <p:nvGraphicFramePr>
+          <p:cNvPr id="5" name="Chart 4"/>
+          <p:cNvGraphicFramePr>
+            <a:graphicFrameLocks noGrp="1"/>
+          </p:cNvGraphicFramePr>
+          <p:nvPr/>
+        </p:nvGraphicFramePr>
+        <p:xfrm>
+          <a:off x="1828800" y="1554480"/>
+          <a:ext cx="8229600" cy="2103120"/>
+        </p:xfrm>
+        <a:graphic>
+          <a:graphicData uri="http://schemas.openxmlformats.org/drawingml/2006/chart">
+            <c:chart xmlns:c="http://schemas.openxmlformats.org/drawingml/2006/chart" r:id="rId2"/>
+          </a:graphicData>
+        </a:graphic>
+      </p:graphicFrame>
+      <p:sp>
+        <p:nvSpPr>
+          <p:cNvPr id="6" name="TextBox 5"/>
+          <p:cNvSpPr txBox="1"/>
+          <p:nvPr/>
+        </p:nvSpPr>
+        <p:spPr>
+          <a:xfrm>
+            <a:off x="1828800" y="3749039"/>
+            <a:ext cx="8229600" cy="182880"/>
+          </a:xfrm>
+          <a:prstGeom prst="rect">
+            <a:avLst/>
+          </a:prstGeom>
+          <a:noFill/>
+          <a:ln>
+            <a:noFill/>
+          </a:ln>
+          <a:effectLst/>
+        </p:spPr>
+        <p:txBody>
+          <a:bodyPr wrap="square">
+            <a:spAutoFit/>
+          </a:bodyPr>
+          <a:lstStyle/>
+          <a:p>
+            <a:pPr algn="ctr"/>
+            <a:r>
+              <a:rPr sz="800" b="0">
+                <a:solidFill>
+                  <a:srgbClr val="404040"/>
+                </a:solidFill>
+                <a:latin typeface="Arial"/>
+              </a:rPr>
+              <a:t>*Historical figures represent estimated performance based on market trends.</a:t>
+            </a:r>
+          </a:p>
+        </p:txBody>
+      </p:sp>
+      <p:sp>
+        <p:nvSpPr>
+          <p:cNvPr id="7" name="Rectangle 6"/>
+          <p:cNvSpPr/>
+          <p:nvPr/>
+        </p:nvSpPr>
+        <p:spPr>
+          <a:xfrm>
+            <a:off x="694944" y="4023360"/>
+            <a:ext cx="2560320" cy="1005840"/>
+          </a:xfrm>
+          <a:prstGeom prst="rect">
+            <a:avLst/>
+          </a:prstGeom>
+          <a:solidFill>
+            <a:srgbClr val="F0F0F0"/>
+          </a:solidFill>
+          <a:ln>
+            <a:noFill/>
+          </a:ln>
+          <a:effectLst/>
+        </p:spPr>
+        <p:style>
+          <a:lnRef idx="1">
+            <a:schemeClr val="accent1"/>
+          </a:lnRef>
+          <a:fillRef idx="3">
+            <a:schemeClr val="accent1"/>
+          </a:fillRef>
+          <a:effectRef idx="2">
+            <a:schemeClr val="accent1"/>
+          </a:effectRef>
+          <a:fontRef idx="minor">
+            <a:schemeClr val="lt1"/>
+          </a:fontRef>
+        </p:style>
+        <p:txBody>
+          <a:bodyPr rtlCol="0" anchor="ctr"/>
+          <a:lstStyle/>
+          <a:p>
+            <a:pPr algn="ctr"/>
+          </a:p>
+        </p:txBody>
+      </p:sp>
+      <p:sp>
+        <p:nvSpPr>
+          <p:cNvPr id="8" name="TextBox 7"/>
+          <p:cNvSpPr txBox="1"/>
+          <p:nvPr/>
+        </p:nvSpPr>
+        <p:spPr>
+          <a:xfrm>
+            <a:off x="786384" y="4114800"/>
+            <a:ext cx="2377440" cy="182880"/>
+          </a:xfrm>
+          <a:prstGeom prst="rect">
+            <a:avLst/>
+          </a:prstGeom>
+          <a:noFill/>
+          <a:ln>
+            <a:noFill/>
+          </a:ln>
+          <a:effectLst/>
+        </p:spPr>
+        <p:txBody>
+          <a:bodyPr wrap="square">
+            <a:spAutoFit/>
+          </a:bodyPr>
+          <a:lstStyle/>
+          <a:p>
+            <a:pPr algn="l"/>
+            <a:r>
+              <a:rPr sz="1000" b="1">
+                <a:solidFill>
+                  <a:srgbClr val="404040"/>
+                </a:solidFill>
+                <a:latin typeface="Arial"/>
+              </a:rPr>
+              <a:t>Key Metric 1</a:t>
+            </a:r>
+          </a:p>
+        </p:txBody>
+      </p:sp>
+      <p:sp>
+        <p:nvSpPr>
+          <p:cNvPr id="9" name="TextBox 8"/>
+          <p:cNvSpPr txBox="1"/>
+          <p:nvPr/>
+        </p:nvSpPr>
+        <p:spPr>
+          <a:xfrm>
+            <a:off x="786384" y="4297680"/>
+            <a:ext cx="2377440" cy="228600"/>
+          </a:xfrm>
+          <a:prstGeom prst="rect">
+            <a:avLst/>
+          </a:prstGeom>
+          <a:noFill/>
+          <a:ln>
+            <a:noFill/>
+          </a:ln>
+          <a:effectLst/>
+        </p:spPr>
+        <p:txBody>
+          <a:bodyPr wrap="square">
+            <a:spAutoFit/>
+          </a:bodyPr>
+          <a:lstStyle/>
+          <a:p>
+            <a:pPr algn="l"/>
+            <a:r>
+              <a:rPr sz="1800" b="1">
+                <a:solidFill>
+                  <a:srgbClr val="183A58"/>
+                </a:solidFill>
+                <a:latin typeface="Arial"/>
+              </a:rPr>
+              <a:t>Expanding</a:t>
+            </a:r>
+          </a:p>
+        </p:txBody>
+      </p:sp>
+      <p:sp>
+        <p:nvSpPr>
+          <p:cNvPr id="10" name="TextBox 9"/>
+          <p:cNvSpPr txBox="1"/>
+          <p:nvPr/>
+        </p:nvSpPr>
+        <p:spPr>
+          <a:xfrm>
+            <a:off x="786384" y="4526280"/>
+            <a:ext cx="2377440" cy="137160"/>
+          </a:xfrm>
+          <a:prstGeom prst="rect">
+            <a:avLst/>
+          </a:prstGeom>
+          <a:noFill/>
+          <a:ln>
+            <a:noFill/>
+          </a:ln>
+          <a:effectLst/>
+        </p:spPr>
+        <p:txBody>
+          <a:bodyPr wrap="square">
+            <a:spAutoFit/>
+          </a:bodyPr>
+          <a:lstStyle/>
+          <a:p>
+            <a:pPr algn="l"/>
+            <a:r>
+              <a:rPr sz="900" b="0">
+                <a:solidFill>
+                  <a:srgbClr val="404040"/>
+                </a:solidFill>
+                <a:latin typeface="Arial"/>
+              </a:rPr>
+              <a:t>2024</a:t>
+            </a:r>
+          </a:p>
+        </p:txBody>
+      </p:sp>
+      <p:sp>
+        <p:nvSpPr>
+          <p:cNvPr id="11" name="TextBox 10"/>
+          <p:cNvSpPr txBox="1"/>
+          <p:nvPr/>
+        </p:nvSpPr>
+        <p:spPr>
+          <a:xfrm>
+            <a:off x="786384" y="4709160"/>
+            <a:ext cx="2377440" cy="228600"/>
+          </a:xfrm>
+          <a:prstGeom prst="rect">
+            <a:avLst/>
+          </a:prstGeom>
+          <a:noFill/>
+          <a:ln>
+            <a:noFill/>
+          </a:ln>
+          <a:effectLst/>
+        </p:spPr>
+        <p:txBody>
+          <a:bodyPr wrap="square">
+            <a:spAutoFit/>
+          </a:bodyPr>
+          <a:lstStyle/>
+          <a:p>
+            <a:pPr algn="l"/>
+            <a:r>
+              <a:rPr sz="800" b="0">
+                <a:solidFill>
+                  <a:srgbClr val="228B22"/>
+                </a:solidFill>
+                <a:latin typeface="Arial"/>
+              </a:rPr>
+              <a:t>Key performance indicator</a:t>
+            </a:r>
+          </a:p>
+        </p:txBody>
+      </p:sp>
+      <p:sp>
+        <p:nvSpPr>
+          <p:cNvPr id="12" name="TextBox 11"/>
+          <p:cNvSpPr txBox="1"/>
+          <p:nvPr/>
+        </p:nvSpPr>
+        <p:spPr>
+          <a:xfrm>
+            <a:off x="914400" y="5212080"/>
+            <a:ext cx="6400800" cy="182880"/>
+          </a:xfrm>
+          <a:prstGeom prst="rect">
+            <a:avLst/>
+          </a:prstGeom>
+          <a:noFill/>
+          <a:ln>
+            <a:noFill/>
+          </a:ln>
+          <a:effectLst/>
+        </p:spPr>
+        <p:txBody>
+          <a:bodyPr wrap="square">
+            <a:spAutoFit/>
+          </a:bodyPr>
+          <a:lstStyle/>
+          <a:p>
+            <a:pPr algn="l"/>
+            <a:r>
+              <a:rPr sz="1200" b="1">
+                <a:solidFill>
+                  <a:srgbClr val="183A58"/>
+                </a:solidFill>
+                <a:latin typeface="Arial"/>
+              </a:rPr>
+              <a:t>Key Growth Drivers</a:t>
+            </a:r>
+          </a:p>
+        </p:txBody>
+      </p:sp>
+      <p:sp>
+        <p:nvSpPr>
+          <p:cNvPr id="13" name="Rectangle 12"/>
+          <p:cNvSpPr/>
+          <p:nvPr/>
+        </p:nvSpPr>
+        <p:spPr>
+          <a:xfrm>
+            <a:off x="7498079" y="5120640"/>
+            <a:ext cx="4389120" cy="914400"/>
+          </a:xfrm>
+          <a:prstGeom prst="rect">
+            <a:avLst/>
+          </a:prstGeom>
+          <a:solidFill>
+            <a:srgbClr val="F0FFF0"/>
+          </a:solidFill>
+          <a:ln>
+            <a:noFill/>
+          </a:ln>
+          <a:effectLst/>
+        </p:spPr>
+        <p:style>
+          <a:lnRef idx="1">
+            <a:schemeClr val="accent1"/>
+          </a:lnRef>
+          <a:fillRef idx="3">
+            <a:schemeClr val="accent1"/>
+          </a:fillRef>
+          <a:effectRef idx="2">
+            <a:schemeClr val="accent1"/>
+          </a:effectRef>
+          <a:fontRef idx="minor">
+            <a:schemeClr val="lt1"/>
+          </a:fontRef>
+        </p:style>
+        <p:txBody>
+          <a:bodyPr rtlCol="0" anchor="ctr"/>
+          <a:lstStyle/>
+          <a:p>
+            <a:pPr algn="ctr"/>
+          </a:p>
+        </p:txBody>
+      </p:sp>
+      <p:sp>
+        <p:nvSpPr>
+          <p:cNvPr id="14" name="TextBox 13"/>
+          <p:cNvSpPr txBox="1"/>
+          <p:nvPr/>
+        </p:nvSpPr>
+        <p:spPr>
+          <a:xfrm>
+            <a:off x="7680960" y="5212080"/>
+            <a:ext cx="4023360" cy="137160"/>
+          </a:xfrm>
+          <a:prstGeom prst="rect">
+            <a:avLst/>
+          </a:prstGeom>
+          <a:noFill/>
+          <a:ln>
+            <a:noFill/>
+          </a:ln>
+          <a:effectLst/>
+        </p:spPr>
+        <p:txBody>
+          <a:bodyPr wrap="square">
+            <a:spAutoFit/>
+          </a:bodyPr>
+          <a:lstStyle/>
+          <a:p>
+            <a:pPr algn="l"/>
+            <a:r>
+              <a:rPr sz="1000" b="1">
+                <a:solidFill>
+                  <a:srgbClr val="228B22"/>
+                </a:solidFill>
+                <a:latin typeface="Arial"/>
+              </a:rPr>
+              <a:t>BANKER'S VIEW</a:t>
+            </a:r>
+          </a:p>
+        </p:txBody>
+      </p:sp>
+      <p:sp>
+        <p:nvSpPr>
+          <p:cNvPr id="15" name="TextBox 14"/>
+          <p:cNvSpPr txBox="1"/>
+          <p:nvPr/>
+        </p:nvSpPr>
+        <p:spPr>
+          <a:xfrm>
+            <a:off x="7680960" y="5394960"/>
+            <a:ext cx="4023360" cy="594360"/>
+          </a:xfrm>
+          <a:prstGeom prst="rect">
+            <a:avLst/>
+          </a:prstGeom>
+          <a:noFill/>
+          <a:ln>
+            <a:noFill/>
+          </a:ln>
+          <a:effectLst/>
+        </p:spPr>
+        <p:txBody>
+          <a:bodyPr wrap="square">
+            <a:spAutoFit/>
+          </a:bodyPr>
+          <a:lstStyle/>
+          <a:p>
+            <a:pPr algn="l"/>
+          </a:p>
+        </p:txBody>
+      </p:sp>
+      <p:sp>
+        <p:nvSpPr>
+          <p:cNvPr id="16" name="TextBox 15"/>
+          <p:cNvSpPr txBox="1"/>
+          <p:nvPr/>
+        </p:nvSpPr>
+        <p:spPr>
+          <a:xfrm>
+            <a:off x="457200" y="6309360"/>
+            <a:ext cx="3657600" cy="182880"/>
+          </a:xfrm>
+          <a:prstGeom prst="rect">
+            <a:avLst/>
+          </a:prstGeom>
+          <a:noFill/>
+          <a:ln>
+            <a:noFill/>
+          </a:ln>
+          <a:effectLst/>
+        </p:spPr>
+        <p:txBody>
+          <a:bodyPr wrap="square">
+            <a:spAutoFit/>
+          </a:bodyPr>
+          <a:lstStyle/>
+          <a:p>
+            <a:pPr algn="l"/>
+            <a:r>
+              <a:rPr sz="900" b="0">
+                <a:solidFill>
+                  <a:srgbClr val="808080"/>
+                </a:solidFill>
+                <a:latin typeface="Arial"/>
+              </a:rPr>
+              <a:t>Confidential | September 11, 2025</a:t>
+            </a:r>
+          </a:p>
+        </p:txBody>
+      </p:sp>
+      <p:sp>
+        <p:nvSpPr>
+          <p:cNvPr id="17" name="TextBox 16"/>
+          <p:cNvSpPr txBox="1"/>
+          <p:nvPr/>
+        </p:nvSpPr>
+        <p:spPr>
+          <a:xfrm>
+            <a:off x="8686800" y="6309360"/>
+            <a:ext cx="3200400" cy="182880"/>
+          </a:xfrm>
+          <a:prstGeom prst="rect">
+            <a:avLst/>
+          </a:prstGeom>
+          <a:noFill/>
+          <a:ln>
+            <a:noFill/>
+          </a:ln>
+          <a:effectLst/>
+        </p:spPr>
+        <p:txBody>
+          <a:bodyPr wrap="square">
+            <a:spAutoFit/>
+          </a:bodyPr>
+          <a:lstStyle/>
+          <a:p>
+            <a:pPr algn="r"/>
+            <a:r>
+              <a:rPr sz="900" b="0">
+                <a:solidFill>
+                  <a:srgbClr val="808080"/>
+                </a:solidFill>
+                <a:latin typeface="Arial"/>
+              </a:rPr>
+              <a:t>Databricks Investment Opportunity    6</a:t>
             </a:r>
           </a:p>
         </p:txBody>
@@ -3246,24 +8854,372 @@
         </p:nvSpPr>
         <p:spPr>
           <a:xfrm>
-            <a:off x="640080" y="731520"/>
-            <a:ext cx="10515600" cy="1371600"/>
-          </a:xfrm>
-          <a:prstGeom prst="rect">
-            <a:avLst/>
-          </a:prstGeom>
-          <a:noFill/>
-        </p:spPr>
-        <p:txBody>
-          <a:bodyPr wrap="none">
+            <a:off x="457200" y="274320"/>
+            <a:ext cx="11277295" cy="731520"/>
+          </a:xfrm>
+          <a:prstGeom prst="rect">
+            <a:avLst/>
+          </a:prstGeom>
+          <a:noFill/>
+        </p:spPr>
+        <p:txBody>
+          <a:bodyPr wrap="none" lIns="0" tIns="0" rIns="0" bIns="0">
             <a:spAutoFit/>
           </a:bodyPr>
           <a:lstStyle/>
           <a:p>
             <a:pPr algn="l"/>
             <a:r>
-              <a:rPr sz="1400"/>
-              <a:t>Renderer error: 'RGBColor' object has no attribute 'r'</a:t>
+              <a:rPr sz="2600" b="1">
+                <a:solidFill>
+                  <a:srgbClr val="1E3A8A"/>
+                </a:solidFill>
+                <a:latin typeface="Times New Roman"/>
+              </a:rPr>
+              <a:t>Management Team</a:t>
+            </a:r>
+          </a:p>
+        </p:txBody>
+      </p:sp>
+      <p:sp>
+        <p:nvSpPr>
+          <p:cNvPr id="3" name="Rectangle 2"/>
+          <p:cNvSpPr/>
+          <p:nvPr/>
+        </p:nvSpPr>
+        <p:spPr>
+          <a:xfrm>
+            <a:off x="457200" y="914400"/>
+            <a:ext cx="11277295" cy="45720"/>
+          </a:xfrm>
+          <a:prstGeom prst="rect">
+            <a:avLst/>
+          </a:prstGeom>
+          <a:solidFill>
+            <a:srgbClr val="1E3A8A"/>
+          </a:solidFill>
+          <a:ln>
+            <a:noFill/>
+          </a:ln>
+        </p:spPr>
+        <p:style>
+          <a:lnRef idx="1">
+            <a:schemeClr val="accent1"/>
+          </a:lnRef>
+          <a:fillRef idx="3">
+            <a:schemeClr val="accent1"/>
+          </a:fillRef>
+          <a:effectRef idx="2">
+            <a:schemeClr val="accent1"/>
+          </a:effectRef>
+          <a:fontRef idx="minor">
+            <a:schemeClr val="lt1"/>
+          </a:fontRef>
+        </p:style>
+        <p:txBody>
+          <a:bodyPr rtlCol="0" anchor="ctr"/>
+          <a:lstStyle/>
+          <a:p>
+            <a:pPr algn="ctr"/>
+          </a:p>
+        </p:txBody>
+      </p:sp>
+      <p:sp>
+        <p:nvSpPr>
+          <p:cNvPr id="4" name="TextBox 3"/>
+          <p:cNvSpPr txBox="1"/>
+          <p:nvPr/>
+        </p:nvSpPr>
+        <p:spPr>
+          <a:xfrm>
+            <a:off x="700887" y="1325880"/>
+            <a:ext cx="5029200" cy="320040"/>
+          </a:xfrm>
+          <a:prstGeom prst="rect">
+            <a:avLst/>
+          </a:prstGeom>
+          <a:noFill/>
+        </p:spPr>
+        <p:txBody>
+          <a:bodyPr wrap="square" lIns="36576" rIns="36576" tIns="14630" bIns="14630">
+            <a:spAutoFit/>
+          </a:bodyPr>
+          <a:lstStyle/>
+          <a:p>
+            <a:pPr algn="l">
+              <a:defRPr sz="1500" b="1">
+                <a:solidFill>
+                  <a:srgbClr val="1E3A8A"/>
+                </a:solidFill>
+                <a:latin typeface="Times New Roman"/>
+              </a:defRPr>
+            </a:pPr>
+            <a:r>
+              <a:t>CEO</a:t>
+            </a:r>
+            <a:br/>
+            <a:r>
+              <a:t>Chief Executive Officer</a:t>
+            </a:r>
+          </a:p>
+        </p:txBody>
+      </p:sp>
+      <p:sp>
+        <p:nvSpPr>
+          <p:cNvPr id="5" name="TextBox 4"/>
+          <p:cNvSpPr txBox="1"/>
+          <p:nvPr/>
+        </p:nvSpPr>
+        <p:spPr>
+          <a:xfrm>
+            <a:off x="700887" y="1691640"/>
+            <a:ext cx="5029200" cy="329184"/>
+          </a:xfrm>
+          <a:prstGeom prst="rect">
+            <a:avLst/>
+          </a:prstGeom>
+          <a:noFill/>
+        </p:spPr>
+        <p:txBody>
+          <a:bodyPr wrap="square" lIns="36576" rIns="36576" tIns="10972" bIns="10972"/>
+          <a:lstStyle/>
+          <a:p>
+            <a:pPr algn="l">
+              <a:lnSpc>
+                <a:spcPct val="120000"/>
+              </a:lnSpc>
+              <a:defRPr sz="1200">
+                <a:solidFill>
+                  <a:srgbClr val="374151"/>
+                </a:solidFill>
+                <a:latin typeface="Times New Roman"/>
+              </a:defRPr>
+            </a:pPr>
+            <a:r>
+              <a:t>• Founded [Research Required]</a:t>
+            </a:r>
+          </a:p>
+        </p:txBody>
+      </p:sp>
+      <p:sp>
+        <p:nvSpPr>
+          <p:cNvPr id="6" name="TextBox 5"/>
+          <p:cNvSpPr txBox="1"/>
+          <p:nvPr/>
+        </p:nvSpPr>
+        <p:spPr>
+          <a:xfrm>
+            <a:off x="700887" y="2075688"/>
+            <a:ext cx="5029200" cy="329184"/>
+          </a:xfrm>
+          <a:prstGeom prst="rect">
+            <a:avLst/>
+          </a:prstGeom>
+          <a:noFill/>
+        </p:spPr>
+        <p:txBody>
+          <a:bodyPr wrap="square" lIns="36576" rIns="36576" tIns="10972" bIns="10972"/>
+          <a:lstStyle/>
+          <a:p>
+            <a:pPr algn="l">
+              <a:lnSpc>
+                <a:spcPct val="120000"/>
+              </a:lnSpc>
+              <a:defRPr sz="1200">
+                <a:solidFill>
+                  <a:srgbClr val="374151"/>
+                </a:solidFill>
+                <a:latin typeface="Times New Roman"/>
+              </a:defRPr>
+            </a:pPr>
+            <a:r>
+              <a:t>• Industry expertise</a:t>
+            </a:r>
+          </a:p>
+        </p:txBody>
+      </p:sp>
+      <p:sp>
+        <p:nvSpPr>
+          <p:cNvPr id="7" name="TextBox 6"/>
+          <p:cNvSpPr txBox="1"/>
+          <p:nvPr/>
+        </p:nvSpPr>
+        <p:spPr>
+          <a:xfrm>
+            <a:off x="700887" y="2551176"/>
+            <a:ext cx="5029200" cy="320040"/>
+          </a:xfrm>
+          <a:prstGeom prst="rect">
+            <a:avLst/>
+          </a:prstGeom>
+          <a:noFill/>
+        </p:spPr>
+        <p:txBody>
+          <a:bodyPr wrap="square" lIns="36576" rIns="36576" tIns="14630" bIns="14630">
+            <a:spAutoFit/>
+          </a:bodyPr>
+          <a:lstStyle/>
+          <a:p>
+            <a:pPr algn="l">
+              <a:defRPr sz="1500" b="1">
+                <a:solidFill>
+                  <a:srgbClr val="1E3A8A"/>
+                </a:solidFill>
+                <a:latin typeface="Times New Roman"/>
+              </a:defRPr>
+            </a:pPr>
+            <a:r>
+              <a:t>Leadership Team</a:t>
+            </a:r>
+            <a:br/>
+            <a:r>
+              <a:t>Executive Team</a:t>
+            </a:r>
+          </a:p>
+        </p:txBody>
+      </p:sp>
+      <p:sp>
+        <p:nvSpPr>
+          <p:cNvPr id="8" name="TextBox 7"/>
+          <p:cNvSpPr txBox="1"/>
+          <p:nvPr/>
+        </p:nvSpPr>
+        <p:spPr>
+          <a:xfrm>
+            <a:off x="700887" y="2916936"/>
+            <a:ext cx="5029200" cy="329184"/>
+          </a:xfrm>
+          <a:prstGeom prst="rect">
+            <a:avLst/>
+          </a:prstGeom>
+          <a:noFill/>
+        </p:spPr>
+        <p:txBody>
+          <a:bodyPr wrap="square" lIns="36576" rIns="36576" tIns="10972" bIns="10972"/>
+          <a:lstStyle/>
+          <a:p>
+            <a:pPr algn="l">
+              <a:lnSpc>
+                <a:spcPct val="120000"/>
+              </a:lnSpc>
+              <a:defRPr sz="1200">
+                <a:solidFill>
+                  <a:srgbClr val="374151"/>
+                </a:solidFill>
+                <a:latin typeface="Times New Roman"/>
+              </a:defRPr>
+            </a:pPr>
+            <a:r>
+              <a:t>• Strategic leadership</a:t>
+            </a:r>
+          </a:p>
+        </p:txBody>
+      </p:sp>
+      <p:sp>
+        <p:nvSpPr>
+          <p:cNvPr id="9" name="TextBox 8"/>
+          <p:cNvSpPr txBox="1"/>
+          <p:nvPr/>
+        </p:nvSpPr>
+        <p:spPr>
+          <a:xfrm>
+            <a:off x="700887" y="3300984"/>
+            <a:ext cx="5029200" cy="329184"/>
+          </a:xfrm>
+          <a:prstGeom prst="rect">
+            <a:avLst/>
+          </a:prstGeom>
+          <a:noFill/>
+        </p:spPr>
+        <p:txBody>
+          <a:bodyPr wrap="square" lIns="36576" rIns="36576" tIns="10972" bIns="10972"/>
+          <a:lstStyle/>
+          <a:p>
+            <a:pPr algn="l">
+              <a:lnSpc>
+                <a:spcPct val="120000"/>
+              </a:lnSpc>
+              <a:defRPr sz="1200">
+                <a:solidFill>
+                  <a:srgbClr val="374151"/>
+                </a:solidFill>
+                <a:latin typeface="Times New Roman"/>
+              </a:defRPr>
+            </a:pPr>
+            <a:r>
+              <a:t>• Operational excellence</a:t>
+            </a:r>
+          </a:p>
+        </p:txBody>
+      </p:sp>
+      <p:sp>
+        <p:nvSpPr>
+          <p:cNvPr id="10" name="TextBox 9"/>
+          <p:cNvSpPr txBox="1"/>
+          <p:nvPr/>
+        </p:nvSpPr>
+        <p:spPr>
+          <a:xfrm>
+            <a:off x="365760" y="6355080"/>
+            <a:ext cx="5486400" cy="365760"/>
+          </a:xfrm>
+          <a:prstGeom prst="rect">
+            <a:avLst/>
+          </a:prstGeom>
+          <a:noFill/>
+        </p:spPr>
+        <p:txBody>
+          <a:bodyPr wrap="none" lIns="45720" rIns="45720" anchor="ctr">
+            <a:spAutoFit/>
+          </a:bodyPr>
+          <a:lstStyle/>
+          <a:p>
+            <a:pPr algn="l">
+              <a:defRPr sz="1000">
+                <a:solidFill>
+                  <a:srgbClr val="6B7280"/>
+                </a:solidFill>
+                <a:latin typeface="Times New Roman"/>
+              </a:defRPr>
+            </a:pPr>
+            <a:r>
+              <a:t>Confidential | September 11, 2025</a:t>
+            </a:r>
+          </a:p>
+        </p:txBody>
+      </p:sp>
+      <p:sp>
+        <p:nvSpPr>
+          <p:cNvPr id="11" name="TextBox 10"/>
+          <p:cNvSpPr txBox="1"/>
+          <p:nvPr/>
+        </p:nvSpPr>
+        <p:spPr>
+          <a:xfrm>
+            <a:off x="8686800" y="6355080"/>
+            <a:ext cx="2926080" cy="365760"/>
+          </a:xfrm>
+          <a:prstGeom prst="rect">
+            <a:avLst/>
+          </a:prstGeom>
+          <a:noFill/>
+        </p:spPr>
+        <p:txBody>
+          <a:bodyPr wrap="none" lIns="45720" rIns="45720" anchor="ctr">
+            <a:spAutoFit/>
+          </a:bodyPr>
+          <a:lstStyle/>
+          <a:p>
+            <a:pPr algn="r">
+              <a:defRPr sz="1000">
+                <a:solidFill>
+                  <a:srgbClr val="6B7280"/>
+                </a:solidFill>
+                <a:latin typeface="Times New Roman"/>
+              </a:defRPr>
+            </a:pPr>
+            <a:r>
+              <a:t>Databricks</a:t>
             </a:r>
           </a:p>
         </p:txBody>
@@ -3294,24 +9250,893 @@
         </p:nvSpPr>
         <p:spPr>
           <a:xfrm>
-            <a:off x="640080" y="731520"/>
-            <a:ext cx="10515600" cy="1371600"/>
-          </a:xfrm>
-          <a:prstGeom prst="rect">
-            <a:avLst/>
-          </a:prstGeom>
-          <a:noFill/>
-        </p:spPr>
-        <p:txBody>
-          <a:bodyPr wrap="none">
+            <a:off x="457200" y="274320"/>
+            <a:ext cx="11277295" cy="731520"/>
+          </a:xfrm>
+          <a:prstGeom prst="rect">
+            <a:avLst/>
+          </a:prstGeom>
+          <a:noFill/>
+        </p:spPr>
+        <p:txBody>
+          <a:bodyPr wrap="none" lIns="0" tIns="0" rIns="0" bIns="0">
             <a:spAutoFit/>
           </a:bodyPr>
           <a:lstStyle/>
           <a:p>
             <a:pPr algn="l"/>
             <a:r>
-              <a:rPr sz="1400"/>
-              <a:t>Renderer error: 'RGBColor' object has no attribute 'r'</a:t>
+              <a:rPr sz="2400" b="1">
+                <a:solidFill>
+                  <a:srgbClr val="183A58"/>
+                </a:solidFill>
+                <a:latin typeface="Arial"/>
+              </a:rPr>
+              <a:t>Growth Strategy &amp; Financial Projections</a:t>
+            </a:r>
+          </a:p>
+        </p:txBody>
+      </p:sp>
+      <p:sp>
+        <p:nvSpPr>
+          <p:cNvPr id="3" name="Rectangle 2"/>
+          <p:cNvSpPr/>
+          <p:nvPr/>
+        </p:nvSpPr>
+        <p:spPr>
+          <a:xfrm>
+            <a:off x="457200" y="914400"/>
+            <a:ext cx="11277295" cy="45720"/>
+          </a:xfrm>
+          <a:prstGeom prst="rect">
+            <a:avLst/>
+          </a:prstGeom>
+          <a:solidFill>
+            <a:srgbClr val="183A58"/>
+          </a:solidFill>
+          <a:ln>
+            <a:noFill/>
+          </a:ln>
+        </p:spPr>
+        <p:style>
+          <a:lnRef idx="1">
+            <a:schemeClr val="accent1"/>
+          </a:lnRef>
+          <a:fillRef idx="3">
+            <a:schemeClr val="accent1"/>
+          </a:fillRef>
+          <a:effectRef idx="2">
+            <a:schemeClr val="accent1"/>
+          </a:effectRef>
+          <a:fontRef idx="minor">
+            <a:schemeClr val="lt1"/>
+          </a:fontRef>
+        </p:style>
+        <p:txBody>
+          <a:bodyPr rtlCol="0" anchor="ctr"/>
+          <a:lstStyle/>
+          <a:p>
+            <a:pPr algn="ctr"/>
+          </a:p>
+        </p:txBody>
+      </p:sp>
+      <p:sp>
+        <p:nvSpPr>
+          <p:cNvPr id="4" name="TextBox 3"/>
+          <p:cNvSpPr txBox="1"/>
+          <p:nvPr/>
+        </p:nvSpPr>
+        <p:spPr>
+          <a:xfrm>
+            <a:off x="457200" y="1280160"/>
+            <a:ext cx="5486400" cy="274320"/>
+          </a:xfrm>
+          <a:prstGeom prst="rect">
+            <a:avLst/>
+          </a:prstGeom>
+          <a:noFill/>
+          <a:ln>
+            <a:noFill/>
+          </a:ln>
+          <a:effectLst/>
+        </p:spPr>
+        <p:txBody>
+          <a:bodyPr wrap="square">
+            <a:spAutoFit/>
+          </a:bodyPr>
+          <a:lstStyle/>
+          <a:p>
+            <a:pPr algn="l"/>
+            <a:r>
+              <a:rPr sz="1400" b="1">
+                <a:solidFill>
+                  <a:srgbClr val="183A58"/>
+                </a:solidFill>
+                <a:latin typeface="Arial"/>
+              </a:rPr>
+              <a:t>Multi-Pronged Growth Strategy</a:t>
+            </a:r>
+          </a:p>
+        </p:txBody>
+      </p:sp>
+      <p:sp>
+        <p:nvSpPr>
+          <p:cNvPr id="5" name="Oval 4"/>
+          <p:cNvSpPr/>
+          <p:nvPr/>
+        </p:nvSpPr>
+        <p:spPr>
+          <a:xfrm>
+            <a:off x="640080" y="1645920"/>
+            <a:ext cx="54864" cy="54864"/>
+          </a:xfrm>
+          <a:prstGeom prst="ellipse">
+            <a:avLst/>
+          </a:prstGeom>
+          <a:solidFill>
+            <a:srgbClr val="B5975B"/>
+          </a:solidFill>
+          <a:ln>
+            <a:noFill/>
+          </a:ln>
+          <a:effectLst/>
+        </p:spPr>
+        <p:style>
+          <a:lnRef idx="1">
+            <a:schemeClr val="accent1"/>
+          </a:lnRef>
+          <a:fillRef idx="3">
+            <a:schemeClr val="accent1"/>
+          </a:fillRef>
+          <a:effectRef idx="2">
+            <a:schemeClr val="accent1"/>
+          </a:effectRef>
+          <a:fontRef idx="minor">
+            <a:schemeClr val="lt1"/>
+          </a:fontRef>
+        </p:style>
+        <p:txBody>
+          <a:bodyPr rtlCol="0" anchor="ctr"/>
+          <a:lstStyle/>
+          <a:p>
+            <a:pPr algn="ctr"/>
+          </a:p>
+        </p:txBody>
+      </p:sp>
+      <p:sp>
+        <p:nvSpPr>
+          <p:cNvPr id="6" name="TextBox 5"/>
+          <p:cNvSpPr txBox="1"/>
+          <p:nvPr/>
+        </p:nvSpPr>
+        <p:spPr>
+          <a:xfrm>
+            <a:off x="777240" y="1600200"/>
+            <a:ext cx="5029200" cy="274320"/>
+          </a:xfrm>
+          <a:prstGeom prst="rect">
+            <a:avLst/>
+          </a:prstGeom>
+          <a:noFill/>
+          <a:ln>
+            <a:noFill/>
+          </a:ln>
+          <a:effectLst/>
+        </p:spPr>
+        <p:txBody>
+          <a:bodyPr wrap="square">
+            <a:spAutoFit/>
+          </a:bodyPr>
+          <a:lstStyle/>
+          <a:p>
+            <a:pPr algn="l"/>
+            <a:r>
+              <a:rPr sz="900" b="0">
+                <a:solidFill>
+                  <a:srgbClr val="404040"/>
+                </a:solidFill>
+                <a:latin typeface="Arial"/>
+              </a:rPr>
+              <a:t>Growth strategy 1</a:t>
+            </a:r>
+          </a:p>
+        </p:txBody>
+      </p:sp>
+      <p:graphicFrame>
+        <p:nvGraphicFramePr>
+          <p:cNvPr id="7" name="Chart 6"/>
+          <p:cNvGraphicFramePr>
+            <a:graphicFrameLocks noGrp="1"/>
+          </p:cNvGraphicFramePr>
+          <p:nvPr/>
+        </p:nvGraphicFramePr>
+        <p:xfrm>
+          <a:off x="6858000" y="1280160"/>
+          <a:ext cx="5029200" cy="2011680"/>
+        </p:xfrm>
+        <a:graphic>
+          <a:graphicData uri="http://schemas.openxmlformats.org/drawingml/2006/chart">
+            <c:chart xmlns:c="http://schemas.openxmlformats.org/drawingml/2006/chart" r:id="rId2"/>
+          </a:graphicData>
+        </a:graphic>
+      </p:graphicFrame>
+      <p:sp>
+        <p:nvSpPr>
+          <p:cNvPr id="8" name="TextBox 7"/>
+          <p:cNvSpPr txBox="1"/>
+          <p:nvPr/>
+        </p:nvSpPr>
+        <p:spPr>
+          <a:xfrm>
+            <a:off x="6858000" y="3291840"/>
+            <a:ext cx="5029200" cy="182880"/>
+          </a:xfrm>
+          <a:prstGeom prst="rect">
+            <a:avLst/>
+          </a:prstGeom>
+          <a:noFill/>
+          <a:ln>
+            <a:noFill/>
+          </a:ln>
+          <a:effectLst/>
+        </p:spPr>
+        <p:txBody>
+          <a:bodyPr wrap="square">
+            <a:spAutoFit/>
+          </a:bodyPr>
+          <a:lstStyle/>
+          <a:p>
+            <a:pPr algn="l"/>
+            <a:r>
+              <a:rPr sz="1200" b="1">
+                <a:solidFill>
+                  <a:srgbClr val="183A58"/>
+                </a:solidFill>
+                <a:latin typeface="Arial"/>
+              </a:rPr>
+              <a:t>Revenue &amp; EBITDA Projections</a:t>
+            </a:r>
+          </a:p>
+        </p:txBody>
+      </p:sp>
+      <p:sp>
+        <p:nvSpPr>
+          <p:cNvPr id="9" name="TextBox 8"/>
+          <p:cNvSpPr txBox="1"/>
+          <p:nvPr/>
+        </p:nvSpPr>
+        <p:spPr>
+          <a:xfrm>
+            <a:off x="6858000" y="3566160"/>
+            <a:ext cx="5029200" cy="182880"/>
+          </a:xfrm>
+          <a:prstGeom prst="rect">
+            <a:avLst/>
+          </a:prstGeom>
+          <a:noFill/>
+          <a:ln>
+            <a:noFill/>
+          </a:ln>
+          <a:effectLst/>
+        </p:spPr>
+        <p:txBody>
+          <a:bodyPr wrap="square">
+            <a:spAutoFit/>
+          </a:bodyPr>
+          <a:lstStyle/>
+          <a:p>
+            <a:pPr algn="l"/>
+            <a:r>
+              <a:rPr sz="1000" b="0">
+                <a:solidFill>
+                  <a:srgbClr val="404040"/>
+                </a:solidFill>
+                <a:latin typeface="Arial"/>
+              </a:rPr>
+              <a:t>■ Revenue (USD millions)  ■ EBITDA (USD millions)</a:t>
+            </a:r>
+          </a:p>
+        </p:txBody>
+      </p:sp>
+      <p:sp>
+        <p:nvSpPr>
+          <p:cNvPr id="10" name="TextBox 9"/>
+          <p:cNvSpPr txBox="1"/>
+          <p:nvPr/>
+        </p:nvSpPr>
+        <p:spPr>
+          <a:xfrm>
+            <a:off x="457200" y="4023360"/>
+            <a:ext cx="11430000" cy="274320"/>
+          </a:xfrm>
+          <a:prstGeom prst="rect">
+            <a:avLst/>
+          </a:prstGeom>
+          <a:noFill/>
+          <a:ln>
+            <a:noFill/>
+          </a:ln>
+          <a:effectLst/>
+        </p:spPr>
+        <p:txBody>
+          <a:bodyPr wrap="square">
+            <a:spAutoFit/>
+          </a:bodyPr>
+          <a:lstStyle/>
+          <a:p>
+            <a:pPr algn="l"/>
+            <a:r>
+              <a:rPr sz="1400" b="1">
+                <a:solidFill>
+                  <a:srgbClr val="183A58"/>
+                </a:solidFill>
+                <a:latin typeface="Arial"/>
+              </a:rPr>
+              <a:t>Key Planning Assumptions</a:t>
+            </a:r>
+          </a:p>
+        </p:txBody>
+      </p:sp>
+      <p:sp>
+        <p:nvSpPr>
+          <p:cNvPr id="11" name="Oval 10"/>
+          <p:cNvSpPr/>
+          <p:nvPr/>
+        </p:nvSpPr>
+        <p:spPr>
+          <a:xfrm>
+            <a:off x="640080" y="4389120"/>
+            <a:ext cx="45720" cy="45720"/>
+          </a:xfrm>
+          <a:prstGeom prst="ellipse">
+            <a:avLst/>
+          </a:prstGeom>
+          <a:solidFill>
+            <a:srgbClr val="B5975B"/>
+          </a:solidFill>
+          <a:ln>
+            <a:noFill/>
+          </a:ln>
+        </p:spPr>
+        <p:style>
+          <a:lnRef idx="1">
+            <a:schemeClr val="accent1"/>
+          </a:lnRef>
+          <a:fillRef idx="3">
+            <a:schemeClr val="accent1"/>
+          </a:fillRef>
+          <a:effectRef idx="2">
+            <a:schemeClr val="accent1"/>
+          </a:effectRef>
+          <a:fontRef idx="minor">
+            <a:schemeClr val="lt1"/>
+          </a:fontRef>
+        </p:style>
+        <p:txBody>
+          <a:bodyPr rtlCol="0" anchor="ctr"/>
+          <a:lstStyle/>
+          <a:p>
+            <a:pPr algn="ctr"/>
+          </a:p>
+        </p:txBody>
+      </p:sp>
+      <p:sp>
+        <p:nvSpPr>
+          <p:cNvPr id="12" name="TextBox 11"/>
+          <p:cNvSpPr txBox="1"/>
+          <p:nvPr/>
+        </p:nvSpPr>
+        <p:spPr>
+          <a:xfrm>
+            <a:off x="777240" y="4343400"/>
+            <a:ext cx="5303520" cy="228600"/>
+          </a:xfrm>
+          <a:prstGeom prst="rect">
+            <a:avLst/>
+          </a:prstGeom>
+          <a:noFill/>
+          <a:ln>
+            <a:noFill/>
+          </a:ln>
+          <a:effectLst/>
+        </p:spPr>
+        <p:txBody>
+          <a:bodyPr wrap="square">
+            <a:spAutoFit/>
+          </a:bodyPr>
+          <a:lstStyle/>
+          <a:p>
+            <a:pPr algn="l"/>
+            <a:r>
+              <a:rPr sz="900" b="0">
+                <a:solidFill>
+                  <a:srgbClr val="404040"/>
+                </a:solidFill>
+                <a:latin typeface="Arial"/>
+              </a:rPr>
+              <a:t>Market growth projections and economic indicators</a:t>
+            </a:r>
+          </a:p>
+        </p:txBody>
+      </p:sp>
+      <p:sp>
+        <p:nvSpPr>
+          <p:cNvPr id="13" name="Oval 12"/>
+          <p:cNvSpPr/>
+          <p:nvPr/>
+        </p:nvSpPr>
+        <p:spPr>
+          <a:xfrm>
+            <a:off x="640080" y="4663440"/>
+            <a:ext cx="45720" cy="45720"/>
+          </a:xfrm>
+          <a:prstGeom prst="ellipse">
+            <a:avLst/>
+          </a:prstGeom>
+          <a:solidFill>
+            <a:srgbClr val="B5975B"/>
+          </a:solidFill>
+          <a:ln>
+            <a:noFill/>
+          </a:ln>
+        </p:spPr>
+        <p:style>
+          <a:lnRef idx="1">
+            <a:schemeClr val="accent1"/>
+          </a:lnRef>
+          <a:fillRef idx="3">
+            <a:schemeClr val="accent1"/>
+          </a:fillRef>
+          <a:effectRef idx="2">
+            <a:schemeClr val="accent1"/>
+          </a:effectRef>
+          <a:fontRef idx="minor">
+            <a:schemeClr val="lt1"/>
+          </a:fontRef>
+        </p:style>
+        <p:txBody>
+          <a:bodyPr rtlCol="0" anchor="ctr"/>
+          <a:lstStyle/>
+          <a:p>
+            <a:pPr algn="ctr"/>
+          </a:p>
+        </p:txBody>
+      </p:sp>
+      <p:sp>
+        <p:nvSpPr>
+          <p:cNvPr id="14" name="TextBox 13"/>
+          <p:cNvSpPr txBox="1"/>
+          <p:nvPr/>
+        </p:nvSpPr>
+        <p:spPr>
+          <a:xfrm>
+            <a:off x="777240" y="4617720"/>
+            <a:ext cx="5303520" cy="228600"/>
+          </a:xfrm>
+          <a:prstGeom prst="rect">
+            <a:avLst/>
+          </a:prstGeom>
+          <a:noFill/>
+          <a:ln>
+            <a:noFill/>
+          </a:ln>
+          <a:effectLst/>
+        </p:spPr>
+        <p:txBody>
+          <a:bodyPr wrap="square">
+            <a:spAutoFit/>
+          </a:bodyPr>
+          <a:lstStyle/>
+          <a:p>
+            <a:pPr algn="l"/>
+            <a:r>
+              <a:rPr sz="900" b="0">
+                <a:solidFill>
+                  <a:srgbClr val="404040"/>
+                </a:solidFill>
+                <a:latin typeface="Arial"/>
+              </a:rPr>
+              <a:t>Regulatory environment and compliance requirements</a:t>
+            </a:r>
+          </a:p>
+        </p:txBody>
+      </p:sp>
+      <p:sp>
+        <p:nvSpPr>
+          <p:cNvPr id="15" name="Oval 14"/>
+          <p:cNvSpPr/>
+          <p:nvPr/>
+        </p:nvSpPr>
+        <p:spPr>
+          <a:xfrm>
+            <a:off x="640080" y="4937759"/>
+            <a:ext cx="45720" cy="45720"/>
+          </a:xfrm>
+          <a:prstGeom prst="ellipse">
+            <a:avLst/>
+          </a:prstGeom>
+          <a:solidFill>
+            <a:srgbClr val="B5975B"/>
+          </a:solidFill>
+          <a:ln>
+            <a:noFill/>
+          </a:ln>
+        </p:spPr>
+        <p:style>
+          <a:lnRef idx="1">
+            <a:schemeClr val="accent1"/>
+          </a:lnRef>
+          <a:fillRef idx="3">
+            <a:schemeClr val="accent1"/>
+          </a:fillRef>
+          <a:effectRef idx="2">
+            <a:schemeClr val="accent1"/>
+          </a:effectRef>
+          <a:fontRef idx="minor">
+            <a:schemeClr val="lt1"/>
+          </a:fontRef>
+        </p:style>
+        <p:txBody>
+          <a:bodyPr rtlCol="0" anchor="ctr"/>
+          <a:lstStyle/>
+          <a:p>
+            <a:pPr algn="ctr"/>
+          </a:p>
+        </p:txBody>
+      </p:sp>
+      <p:sp>
+        <p:nvSpPr>
+          <p:cNvPr id="16" name="TextBox 15"/>
+          <p:cNvSpPr txBox="1"/>
+          <p:nvPr/>
+        </p:nvSpPr>
+        <p:spPr>
+          <a:xfrm>
+            <a:off x="777240" y="4892039"/>
+            <a:ext cx="5303520" cy="228600"/>
+          </a:xfrm>
+          <a:prstGeom prst="rect">
+            <a:avLst/>
+          </a:prstGeom>
+          <a:noFill/>
+          <a:ln>
+            <a:noFill/>
+          </a:ln>
+          <a:effectLst/>
+        </p:spPr>
+        <p:txBody>
+          <a:bodyPr wrap="square">
+            <a:spAutoFit/>
+          </a:bodyPr>
+          <a:lstStyle/>
+          <a:p>
+            <a:pPr algn="l"/>
+            <a:r>
+              <a:rPr sz="900" b="0">
+                <a:solidFill>
+                  <a:srgbClr val="404040"/>
+                </a:solidFill>
+                <a:latin typeface="Arial"/>
+              </a:rPr>
+              <a:t>Technology adoption and digital transformation ROI</a:t>
+            </a:r>
+          </a:p>
+        </p:txBody>
+      </p:sp>
+      <p:sp>
+        <p:nvSpPr>
+          <p:cNvPr id="17" name="Oval 16"/>
+          <p:cNvSpPr/>
+          <p:nvPr/>
+        </p:nvSpPr>
+        <p:spPr>
+          <a:xfrm>
+            <a:off x="6583680" y="4389120"/>
+            <a:ext cx="45720" cy="45720"/>
+          </a:xfrm>
+          <a:prstGeom prst="ellipse">
+            <a:avLst/>
+          </a:prstGeom>
+          <a:solidFill>
+            <a:srgbClr val="B5975B"/>
+          </a:solidFill>
+          <a:ln>
+            <a:noFill/>
+          </a:ln>
+        </p:spPr>
+        <p:style>
+          <a:lnRef idx="1">
+            <a:schemeClr val="accent1"/>
+          </a:lnRef>
+          <a:fillRef idx="3">
+            <a:schemeClr val="accent1"/>
+          </a:fillRef>
+          <a:effectRef idx="2">
+            <a:schemeClr val="accent1"/>
+          </a:effectRef>
+          <a:fontRef idx="minor">
+            <a:schemeClr val="lt1"/>
+          </a:fontRef>
+        </p:style>
+        <p:txBody>
+          <a:bodyPr rtlCol="0" anchor="ctr"/>
+          <a:lstStyle/>
+          <a:p>
+            <a:pPr algn="ctr"/>
+          </a:p>
+        </p:txBody>
+      </p:sp>
+      <p:sp>
+        <p:nvSpPr>
+          <p:cNvPr id="18" name="TextBox 17"/>
+          <p:cNvSpPr txBox="1"/>
+          <p:nvPr/>
+        </p:nvSpPr>
+        <p:spPr>
+          <a:xfrm>
+            <a:off x="6720840" y="4343400"/>
+            <a:ext cx="5303520" cy="228600"/>
+          </a:xfrm>
+          <a:prstGeom prst="rect">
+            <a:avLst/>
+          </a:prstGeom>
+          <a:noFill/>
+          <a:ln>
+            <a:noFill/>
+          </a:ln>
+          <a:effectLst/>
+        </p:spPr>
+        <p:txBody>
+          <a:bodyPr wrap="square">
+            <a:spAutoFit/>
+          </a:bodyPr>
+          <a:lstStyle/>
+          <a:p>
+            <a:pPr algn="l"/>
+            <a:r>
+              <a:rPr sz="900" b="0">
+                <a:solidFill>
+                  <a:srgbClr val="404040"/>
+                </a:solidFill>
+                <a:latin typeface="Arial"/>
+              </a:rPr>
+              <a:t>Capital allocation and investment priorities</a:t>
+            </a:r>
+          </a:p>
+        </p:txBody>
+      </p:sp>
+      <p:sp>
+        <p:nvSpPr>
+          <p:cNvPr id="19" name="Oval 18"/>
+          <p:cNvSpPr/>
+          <p:nvPr/>
+        </p:nvSpPr>
+        <p:spPr>
+          <a:xfrm>
+            <a:off x="6583680" y="4663440"/>
+            <a:ext cx="45720" cy="45720"/>
+          </a:xfrm>
+          <a:prstGeom prst="ellipse">
+            <a:avLst/>
+          </a:prstGeom>
+          <a:solidFill>
+            <a:srgbClr val="B5975B"/>
+          </a:solidFill>
+          <a:ln>
+            <a:noFill/>
+          </a:ln>
+        </p:spPr>
+        <p:style>
+          <a:lnRef idx="1">
+            <a:schemeClr val="accent1"/>
+          </a:lnRef>
+          <a:fillRef idx="3">
+            <a:schemeClr val="accent1"/>
+          </a:fillRef>
+          <a:effectRef idx="2">
+            <a:schemeClr val="accent1"/>
+          </a:effectRef>
+          <a:fontRef idx="minor">
+            <a:schemeClr val="lt1"/>
+          </a:fontRef>
+        </p:style>
+        <p:txBody>
+          <a:bodyPr rtlCol="0" anchor="ctr"/>
+          <a:lstStyle/>
+          <a:p>
+            <a:pPr algn="ctr"/>
+          </a:p>
+        </p:txBody>
+      </p:sp>
+      <p:sp>
+        <p:nvSpPr>
+          <p:cNvPr id="20" name="TextBox 19"/>
+          <p:cNvSpPr txBox="1"/>
+          <p:nvPr/>
+        </p:nvSpPr>
+        <p:spPr>
+          <a:xfrm>
+            <a:off x="6720840" y="4617720"/>
+            <a:ext cx="5303520" cy="228600"/>
+          </a:xfrm>
+          <a:prstGeom prst="rect">
+            <a:avLst/>
+          </a:prstGeom>
+          <a:noFill/>
+          <a:ln>
+            <a:noFill/>
+          </a:ln>
+          <a:effectLst/>
+        </p:spPr>
+        <p:txBody>
+          <a:bodyPr wrap="square">
+            <a:spAutoFit/>
+          </a:bodyPr>
+          <a:lstStyle/>
+          <a:p>
+            <a:pPr algn="l"/>
+            <a:r>
+              <a:rPr sz="900" b="0">
+                <a:solidFill>
+                  <a:srgbClr val="404040"/>
+                </a:solidFill>
+                <a:latin typeface="Arial"/>
+              </a:rPr>
+              <a:t>ESG commitments and sustainability targets</a:t>
+            </a:r>
+          </a:p>
+        </p:txBody>
+      </p:sp>
+      <p:sp>
+        <p:nvSpPr>
+          <p:cNvPr id="21" name="Oval 20"/>
+          <p:cNvSpPr/>
+          <p:nvPr/>
+        </p:nvSpPr>
+        <p:spPr>
+          <a:xfrm>
+            <a:off x="6583680" y="4937759"/>
+            <a:ext cx="45720" cy="45720"/>
+          </a:xfrm>
+          <a:prstGeom prst="ellipse">
+            <a:avLst/>
+          </a:prstGeom>
+          <a:solidFill>
+            <a:srgbClr val="B5975B"/>
+          </a:solidFill>
+          <a:ln>
+            <a:noFill/>
+          </a:ln>
+        </p:spPr>
+        <p:style>
+          <a:lnRef idx="1">
+            <a:schemeClr val="accent1"/>
+          </a:lnRef>
+          <a:fillRef idx="3">
+            <a:schemeClr val="accent1"/>
+          </a:fillRef>
+          <a:effectRef idx="2">
+            <a:schemeClr val="accent1"/>
+          </a:effectRef>
+          <a:fontRef idx="minor">
+            <a:schemeClr val="lt1"/>
+          </a:fontRef>
+        </p:style>
+        <p:txBody>
+          <a:bodyPr rtlCol="0" anchor="ctr"/>
+          <a:lstStyle/>
+          <a:p>
+            <a:pPr algn="ctr"/>
+          </a:p>
+        </p:txBody>
+      </p:sp>
+      <p:sp>
+        <p:nvSpPr>
+          <p:cNvPr id="22" name="TextBox 21"/>
+          <p:cNvSpPr txBox="1"/>
+          <p:nvPr/>
+        </p:nvSpPr>
+        <p:spPr>
+          <a:xfrm>
+            <a:off x="6720840" y="4892039"/>
+            <a:ext cx="5303520" cy="228600"/>
+          </a:xfrm>
+          <a:prstGeom prst="rect">
+            <a:avLst/>
+          </a:prstGeom>
+          <a:noFill/>
+          <a:ln>
+            <a:noFill/>
+          </a:ln>
+          <a:effectLst/>
+        </p:spPr>
+        <p:txBody>
+          <a:bodyPr wrap="square">
+            <a:spAutoFit/>
+          </a:bodyPr>
+          <a:lstStyle/>
+          <a:p>
+            <a:pPr algn="l"/>
+            <a:r>
+              <a:rPr sz="900" b="0">
+                <a:solidFill>
+                  <a:srgbClr val="404040"/>
+                </a:solidFill>
+                <a:latin typeface="Arial"/>
+              </a:rPr>
+              <a:t>Competitive positioning and market dynamics</a:t>
+            </a:r>
+          </a:p>
+        </p:txBody>
+      </p:sp>
+      <p:sp>
+        <p:nvSpPr>
+          <p:cNvPr id="23" name="TextBox 22"/>
+          <p:cNvSpPr txBox="1"/>
+          <p:nvPr/>
+        </p:nvSpPr>
+        <p:spPr>
+          <a:xfrm>
+            <a:off x="457200" y="6400800"/>
+            <a:ext cx="5486400" cy="365760"/>
+          </a:xfrm>
+          <a:prstGeom prst="rect">
+            <a:avLst/>
+          </a:prstGeom>
+          <a:noFill/>
+        </p:spPr>
+        <p:txBody>
+          <a:bodyPr wrap="none" anchor="ctr">
+            <a:spAutoFit/>
+          </a:bodyPr>
+          <a:lstStyle/>
+          <a:p>
+            <a:pPr algn="l">
+              <a:defRPr sz="900">
+                <a:solidFill>
+                  <a:srgbClr val="808080"/>
+                </a:solidFill>
+                <a:latin typeface="Arial"/>
+              </a:defRPr>
+            </a:pPr>
+            <a:r>
+              <a:t>Confidential | September 11, 2025</a:t>
+            </a:r>
+          </a:p>
+        </p:txBody>
+      </p:sp>
+      <p:sp>
+        <p:nvSpPr>
+          <p:cNvPr id="24" name="TextBox 23"/>
+          <p:cNvSpPr txBox="1"/>
+          <p:nvPr/>
+        </p:nvSpPr>
+        <p:spPr>
+          <a:xfrm>
+            <a:off x="9144000" y="6400800"/>
+            <a:ext cx="2743200" cy="365760"/>
+          </a:xfrm>
+          <a:prstGeom prst="rect">
+            <a:avLst/>
+          </a:prstGeom>
+          <a:noFill/>
+        </p:spPr>
+        <p:txBody>
+          <a:bodyPr wrap="none" anchor="ctr">
+            <a:spAutoFit/>
+          </a:bodyPr>
+          <a:lstStyle/>
+          <a:p>
+            <a:pPr algn="r">
+              <a:defRPr sz="900">
+                <a:solidFill>
+                  <a:srgbClr val="808080"/>
+                </a:solidFill>
+                <a:latin typeface="Arial"/>
+              </a:defRPr>
+            </a:pPr>
+            <a:r>
+              <a:t>Databricks</a:t>
             </a:r>
           </a:p>
         </p:txBody>
@@ -3327,6 +10152,14 @@
 <file path=ppt/slides/slide6.xml><?xml version="1.0" encoding="utf-8"?>
 <p:sld xmlns:a="http://schemas.openxmlformats.org/drawingml/2006/main" xmlns:p="http://schemas.openxmlformats.org/presentationml/2006/main" xmlns:r="http://schemas.openxmlformats.org/officeDocument/2006/relationships">
   <p:cSld>
+    <p:bg>
+      <p:bgPr>
+        <a:solidFill>
+          <a:srgbClr val="FFFFFF"/>
+        </a:solidFill>
+        <a:effectLst/>
+      </p:bgPr>
+    </p:bg>
     <p:spTree>
       <p:nvGrpSpPr>
         <p:cNvPr id="1" name=""/>
@@ -3342,24 +10175,111 @@
         </p:nvSpPr>
         <p:spPr>
           <a:xfrm>
-            <a:off x="640080" y="731520"/>
-            <a:ext cx="10515600" cy="1371600"/>
-          </a:xfrm>
-          <a:prstGeom prst="rect">
-            <a:avLst/>
-          </a:prstGeom>
-          <a:noFill/>
-        </p:spPr>
-        <p:txBody>
-          <a:bodyPr wrap="none">
+            <a:off x="457200" y="274320"/>
+            <a:ext cx="11277295" cy="731520"/>
+          </a:xfrm>
+          <a:prstGeom prst="rect">
+            <a:avLst/>
+          </a:prstGeom>
+          <a:noFill/>
+        </p:spPr>
+        <p:txBody>
+          <a:bodyPr wrap="none" lIns="0" tIns="0" rIns="0" bIns="0">
             <a:spAutoFit/>
           </a:bodyPr>
           <a:lstStyle/>
           <a:p>
             <a:pPr algn="l"/>
             <a:r>
-              <a:rPr sz="1400"/>
-              <a:t>Renderer error: 'RGBColor' object has no attribute 'r'</a:t>
+              <a:rPr sz="2400" b="1">
+                <a:solidFill>
+                  <a:srgbClr val="183A58"/>
+                </a:solidFill>
+                <a:latin typeface="Arial"/>
+              </a:rPr>
+              <a:t>Competitive Positioning</a:t>
+            </a:r>
+          </a:p>
+        </p:txBody>
+      </p:sp>
+      <p:sp>
+        <p:nvSpPr>
+          <p:cNvPr id="3" name="Rectangle 2"/>
+          <p:cNvSpPr/>
+          <p:nvPr/>
+        </p:nvSpPr>
+        <p:spPr>
+          <a:xfrm>
+            <a:off x="457200" y="914400"/>
+            <a:ext cx="11277295" cy="45720"/>
+          </a:xfrm>
+          <a:prstGeom prst="rect">
+            <a:avLst/>
+          </a:prstGeom>
+          <a:solidFill>
+            <a:srgbClr val="183A58"/>
+          </a:solidFill>
+          <a:ln>
+            <a:noFill/>
+          </a:ln>
+        </p:spPr>
+        <p:style>
+          <a:lnRef idx="1">
+            <a:schemeClr val="accent1"/>
+          </a:lnRef>
+          <a:fillRef idx="3">
+            <a:schemeClr val="accent1"/>
+          </a:fillRef>
+          <a:effectRef idx="2">
+            <a:schemeClr val="accent1"/>
+          </a:effectRef>
+          <a:fontRef idx="minor">
+            <a:schemeClr val="lt1"/>
+          </a:fontRef>
+        </p:style>
+        <p:txBody>
+          <a:bodyPr rtlCol="0" anchor="ctr"/>
+          <a:lstStyle/>
+          <a:p>
+            <a:pPr algn="ctr"/>
+          </a:p>
+        </p:txBody>
+      </p:sp>
+      <p:sp>
+        <p:nvSpPr>
+          <p:cNvPr id="4" name="TextBox 3"/>
+          <p:cNvSpPr txBox="1"/>
+          <p:nvPr/>
+        </p:nvSpPr>
+        <p:spPr>
+          <a:xfrm>
+            <a:off x="457200" y="1188720"/>
+            <a:ext cx="5486400" cy="274320"/>
+          </a:xfrm>
+          <a:prstGeom prst="rect">
+            <a:avLst/>
+          </a:prstGeom>
+          <a:noFill/>
+          <a:ln>
+            <a:noFill/>
+          </a:ln>
+          <a:effectLst/>
+        </p:spPr>
+        <p:txBody>
+          <a:bodyPr wrap="square">
+            <a:spAutoFit/>
+          </a:bodyPr>
+          <a:lstStyle/>
+          <a:p>
+            <a:pPr algn="l"/>
+            <a:r>
+              <a:rPr sz="1400" b="1">
+                <a:solidFill>
+                  <a:srgbClr val="183A58"/>
+                </a:solidFill>
+                <a:latin typeface="Arial"/>
+              </a:rPr>
+              <a:t>Revenue Comparison vs. Competitors</a:t>
             </a:r>
           </a:p>
         </p:txBody>
@@ -3407,7 +10327,1183 @@
             <a:pPr algn="l"/>
             <a:r>
               <a:rPr sz="1400"/>
-              <a:t>Renderer error: 'RGBColor' object has no attribute 'r'</a:t>
+              <a:t>Renderer error: 'NoneType' object has no attribute 'get'</a:t>
+            </a:r>
+          </a:p>
+        </p:txBody>
+      </p:sp>
+    </p:spTree>
+  </p:cSld>
+  <p:clrMapOvr>
+    <a:masterClrMapping/>
+  </p:clrMapOvr>
+</p:sld>
+</file>
+
+<file path=ppt/slides/slide8.xml><?xml version="1.0" encoding="utf-8"?>
+<p:sld xmlns:a="http://schemas.openxmlformats.org/drawingml/2006/main" xmlns:p="http://schemas.openxmlformats.org/presentationml/2006/main" xmlns:r="http://schemas.openxmlformats.org/officeDocument/2006/relationships">
+  <p:cSld>
+    <p:spTree>
+      <p:nvGrpSpPr>
+        <p:cNvPr id="1" name=""/>
+        <p:cNvGrpSpPr/>
+        <p:nvPr/>
+      </p:nvGrpSpPr>
+      <p:grpSpPr/>
+      <p:sp>
+        <p:nvSpPr>
+          <p:cNvPr id="2" name="TextBox 1"/>
+          <p:cNvSpPr txBox="1"/>
+          <p:nvPr/>
+        </p:nvSpPr>
+        <p:spPr>
+          <a:xfrm>
+            <a:off x="457200" y="274320"/>
+            <a:ext cx="11277295" cy="731520"/>
+          </a:xfrm>
+          <a:prstGeom prst="rect">
+            <a:avLst/>
+          </a:prstGeom>
+          <a:noFill/>
+        </p:spPr>
+        <p:txBody>
+          <a:bodyPr wrap="none" lIns="0" tIns="0" rIns="0" bIns="0">
+            <a:spAutoFit/>
+          </a:bodyPr>
+          <a:lstStyle/>
+          <a:p>
+            <a:pPr algn="l"/>
+            <a:r>
+              <a:rPr sz="2400" b="1">
+                <a:solidFill>
+                  <a:srgbClr val="183A58"/>
+                </a:solidFill>
+                <a:latin typeface="Arial"/>
+              </a:rPr>
+              <a:t>Precedent Transactions</a:t>
+            </a:r>
+          </a:p>
+        </p:txBody>
+      </p:sp>
+      <p:sp>
+        <p:nvSpPr>
+          <p:cNvPr id="3" name="Rectangle 2"/>
+          <p:cNvSpPr/>
+          <p:nvPr/>
+        </p:nvSpPr>
+        <p:spPr>
+          <a:xfrm>
+            <a:off x="457200" y="914400"/>
+            <a:ext cx="11277295" cy="45720"/>
+          </a:xfrm>
+          <a:prstGeom prst="rect">
+            <a:avLst/>
+          </a:prstGeom>
+          <a:solidFill>
+            <a:srgbClr val="183A58"/>
+          </a:solidFill>
+          <a:ln>
+            <a:noFill/>
+          </a:ln>
+        </p:spPr>
+        <p:style>
+          <a:lnRef idx="1">
+            <a:schemeClr val="accent1"/>
+          </a:lnRef>
+          <a:fillRef idx="3">
+            <a:schemeClr val="accent1"/>
+          </a:fillRef>
+          <a:effectRef idx="2">
+            <a:schemeClr val="accent1"/>
+          </a:effectRef>
+          <a:fontRef idx="minor">
+            <a:schemeClr val="lt1"/>
+          </a:fontRef>
+        </p:style>
+        <p:txBody>
+          <a:bodyPr rtlCol="0" anchor="ctr"/>
+          <a:lstStyle/>
+          <a:p>
+            <a:pPr algn="ctr"/>
+          </a:p>
+        </p:txBody>
+      </p:sp>
+      <p:sp>
+        <p:nvSpPr>
+          <p:cNvPr id="4" name="TextBox 3"/>
+          <p:cNvSpPr txBox="1"/>
+          <p:nvPr/>
+        </p:nvSpPr>
+        <p:spPr>
+          <a:xfrm>
+            <a:off x="1828800" y="1371600"/>
+            <a:ext cx="8229600" cy="457200"/>
+          </a:xfrm>
+          <a:prstGeom prst="rect">
+            <a:avLst/>
+          </a:prstGeom>
+          <a:noFill/>
+        </p:spPr>
+        <p:txBody>
+          <a:bodyPr wrap="none">
+            <a:spAutoFit/>
+          </a:bodyPr>
+          <a:lstStyle/>
+          <a:p>
+            <a:pPr algn="ctr">
+              <a:defRPr sz="1400" b="1">
+                <a:solidFill>
+                  <a:srgbClr val="183A58"/>
+                </a:solidFill>
+                <a:latin typeface="Arial"/>
+              </a:defRPr>
+            </a:pPr>
+            <a:r>
+              <a:t>EV/Revenue Multiples by Transaction</a:t>
+            </a:r>
+          </a:p>
+        </p:txBody>
+      </p:sp>
+      <p:sp>
+        <p:nvSpPr>
+          <p:cNvPr id="5" name="Rectangle 4"/>
+          <p:cNvSpPr/>
+          <p:nvPr/>
+        </p:nvSpPr>
+        <p:spPr>
+          <a:xfrm>
+            <a:off x="1645920" y="2103120"/>
+            <a:ext cx="8595360" cy="1371600"/>
+          </a:xfrm>
+          <a:prstGeom prst="rect">
+            <a:avLst/>
+          </a:prstGeom>
+          <a:solidFill>
+            <a:srgbClr val="183A58"/>
+          </a:solidFill>
+          <a:ln>
+            <a:noFill/>
+          </a:ln>
+        </p:spPr>
+        <p:style>
+          <a:lnRef idx="1">
+            <a:schemeClr val="accent1"/>
+          </a:lnRef>
+          <a:fillRef idx="3">
+            <a:schemeClr val="accent1"/>
+          </a:fillRef>
+          <a:effectRef idx="2">
+            <a:schemeClr val="accent1"/>
+          </a:effectRef>
+          <a:fontRef idx="minor">
+            <a:schemeClr val="lt1"/>
+          </a:fontRef>
+        </p:style>
+        <p:txBody>
+          <a:bodyPr rtlCol="0" anchor="ctr"/>
+          <a:lstStyle/>
+          <a:p>
+            <a:pPr algn="ctr"/>
+          </a:p>
+        </p:txBody>
+      </p:sp>
+      <p:sp>
+        <p:nvSpPr>
+          <p:cNvPr id="6" name="TextBox 5"/>
+          <p:cNvSpPr txBox="1"/>
+          <p:nvPr/>
+        </p:nvSpPr>
+        <p:spPr>
+          <a:xfrm>
+            <a:off x="1645920" y="1874520"/>
+            <a:ext cx="8595360" cy="182880"/>
+          </a:xfrm>
+          <a:prstGeom prst="rect">
+            <a:avLst/>
+          </a:prstGeom>
+          <a:noFill/>
+        </p:spPr>
+        <p:txBody>
+          <a:bodyPr wrap="none">
+            <a:spAutoFit/>
+          </a:bodyPr>
+          <a:lstStyle/>
+          <a:p>
+            <a:pPr algn="ctr">
+              <a:defRPr sz="900" b="1">
+                <a:latin typeface="Arial"/>
+              </a:defRPr>
+            </a:pPr>
+            <a:r>
+              <a:t>10.0x</a:t>
+            </a:r>
+          </a:p>
+        </p:txBody>
+      </p:sp>
+      <p:sp>
+        <p:nvSpPr>
+          <p:cNvPr id="7" name="TextBox 6"/>
+          <p:cNvSpPr txBox="1"/>
+          <p:nvPr/>
+        </p:nvSpPr>
+        <p:spPr>
+          <a:xfrm>
+            <a:off x="1645920" y="3566160"/>
+            <a:ext cx="8595360" cy="182880"/>
+          </a:xfrm>
+          <a:prstGeom prst="rect">
+            <a:avLst/>
+          </a:prstGeom>
+          <a:noFill/>
+        </p:spPr>
+        <p:txBody>
+          <a:bodyPr wrap="none">
+            <a:spAutoFit/>
+          </a:bodyPr>
+          <a:lstStyle/>
+          <a:p>
+            <a:pPr algn="ctr">
+              <a:defRPr sz="900">
+                <a:latin typeface="Arial"/>
+              </a:defRPr>
+            </a:pPr>
+            <a:r>
+              <a:t>T1</a:t>
+            </a:r>
+          </a:p>
+        </p:txBody>
+      </p:sp>
+      <p:graphicFrame>
+        <p:nvGraphicFramePr>
+          <p:cNvPr id="8" name="Table 7"/>
+          <p:cNvGraphicFramePr>
+            <a:graphicFrameLocks noGrp="1"/>
+          </p:cNvGraphicFramePr>
+          <p:nvPr/>
+        </p:nvGraphicFramePr>
+        <p:xfrm>
+          <a:off x="365760" y="4389120"/>
+          <a:ext cx="1188720" cy="2048256"/>
+        </p:xfrm>
+        <a:graphic>
+          <a:graphicData uri="http://schemas.openxmlformats.org/drawingml/2006/table">
+            <a:tbl>
+              <a:tblPr firstRow="1" bandRow="1">
+                <a:tableStyleId>{5C22544A-7EE6-4342-B048-85BDC9FD1C3A}</a:tableStyleId>
+              </a:tblPr>
+              <a:tblGrid>
+                <a:gridCol w="1188720"/>
+              </a:tblGrid>
+              <a:tr h="292608">
+                <a:tc>
+                  <a:txBody>
+                    <a:bodyPr/>
+                    <a:lstStyle/>
+                    <a:p>
+                      <a:pPr algn="r">
+                        <a:defRPr sz="1200" b="1">
+                          <a:solidFill>
+                            <a:srgbClr val="404040"/>
+                          </a:solidFill>
+                          <a:latin typeface="Arial"/>
+                        </a:defRPr>
+                      </a:pPr>
+                      <a:r>
+                        <a:t>Date</a:t>
+                      </a:r>
+                    </a:p>
+                  </a:txBody>
+                  <a:tcPr anchor="ctr">
+                    <a:solidFill>
+                      <a:srgbClr val="F0F0F0"/>
+                    </a:solidFill>
+                  </a:tcPr>
+                </a:tc>
+              </a:tr>
+              <a:tr h="292608">
+                <a:tc>
+                  <a:txBody>
+                    <a:bodyPr/>
+                    <a:lstStyle/>
+                    <a:p>
+                      <a:pPr algn="r">
+                        <a:defRPr sz="1200" b="1">
+                          <a:solidFill>
+                            <a:srgbClr val="404040"/>
+                          </a:solidFill>
+                          <a:latin typeface="Arial"/>
+                        </a:defRPr>
+                      </a:pPr>
+                      <a:r>
+                        <a:t>Target</a:t>
+                      </a:r>
+                    </a:p>
+                  </a:txBody>
+                  <a:tcPr anchor="ctr">
+                    <a:solidFill>
+                      <a:srgbClr val="F0F0F0"/>
+                    </a:solidFill>
+                  </a:tcPr>
+                </a:tc>
+              </a:tr>
+              <a:tr h="292608">
+                <a:tc>
+                  <a:txBody>
+                    <a:bodyPr/>
+                    <a:lstStyle/>
+                    <a:p>
+                      <a:pPr algn="r">
+                        <a:defRPr sz="1200" b="1">
+                          <a:solidFill>
+                            <a:srgbClr val="404040"/>
+                          </a:solidFill>
+                          <a:latin typeface="Arial"/>
+                        </a:defRPr>
+                      </a:pPr>
+                      <a:r>
+                        <a:t>Acquirer</a:t>
+                      </a:r>
+                    </a:p>
+                  </a:txBody>
+                  <a:tcPr anchor="ctr">
+                    <a:solidFill>
+                      <a:srgbClr val="F0F0F0"/>
+                    </a:solidFill>
+                  </a:tcPr>
+                </a:tc>
+              </a:tr>
+              <a:tr h="292608">
+                <a:tc>
+                  <a:txBody>
+                    <a:bodyPr/>
+                    <a:lstStyle/>
+                    <a:p>
+                      <a:pPr algn="r">
+                        <a:defRPr sz="1200" b="1">
+                          <a:solidFill>
+                            <a:srgbClr val="404040"/>
+                          </a:solidFill>
+                          <a:latin typeface="Arial"/>
+                        </a:defRPr>
+                      </a:pPr>
+                      <a:r>
+                        <a:t>Country</a:t>
+                      </a:r>
+                    </a:p>
+                  </a:txBody>
+                  <a:tcPr anchor="ctr">
+                    <a:solidFill>
+                      <a:srgbClr val="F0F0F0"/>
+                    </a:solidFill>
+                  </a:tcPr>
+                </a:tc>
+              </a:tr>
+              <a:tr h="292608">
+                <a:tc>
+                  <a:txBody>
+                    <a:bodyPr/>
+                    <a:lstStyle/>
+                    <a:p>
+                      <a:pPr algn="r">
+                        <a:defRPr sz="1200" b="1">
+                          <a:solidFill>
+                            <a:srgbClr val="404040"/>
+                          </a:solidFill>
+                          <a:latin typeface="Arial"/>
+                        </a:defRPr>
+                      </a:pPr>
+                      <a:r>
+                        <a:t>EV ($M)</a:t>
+                      </a:r>
+                    </a:p>
+                  </a:txBody>
+                  <a:tcPr anchor="ctr">
+                    <a:solidFill>
+                      <a:srgbClr val="F0F0F0"/>
+                    </a:solidFill>
+                  </a:tcPr>
+                </a:tc>
+              </a:tr>
+              <a:tr h="292608">
+                <a:tc>
+                  <a:txBody>
+                    <a:bodyPr/>
+                    <a:lstStyle/>
+                    <a:p>
+                      <a:pPr algn="r">
+                        <a:defRPr sz="1200" b="1">
+                          <a:solidFill>
+                            <a:srgbClr val="404040"/>
+                          </a:solidFill>
+                          <a:latin typeface="Arial"/>
+                        </a:defRPr>
+                      </a:pPr>
+                      <a:r>
+                        <a:t>Revenue ($M)</a:t>
+                      </a:r>
+                    </a:p>
+                  </a:txBody>
+                  <a:tcPr anchor="ctr">
+                    <a:solidFill>
+                      <a:srgbClr val="F0F0F0"/>
+                    </a:solidFill>
+                  </a:tcPr>
+                </a:tc>
+              </a:tr>
+              <a:tr h="292608">
+                <a:tc>
+                  <a:txBody>
+                    <a:bodyPr/>
+                    <a:lstStyle/>
+                    <a:p>
+                      <a:pPr algn="r">
+                        <a:defRPr sz="1200" b="1">
+                          <a:solidFill>
+                            <a:srgbClr val="404040"/>
+                          </a:solidFill>
+                          <a:latin typeface="Arial"/>
+                        </a:defRPr>
+                      </a:pPr>
+                      <a:r>
+                        <a:t>EV/Revenue</a:t>
+                      </a:r>
+                    </a:p>
+                  </a:txBody>
+                  <a:tcPr anchor="ctr">
+                    <a:solidFill>
+                      <a:srgbClr val="F0F0F0"/>
+                    </a:solidFill>
+                  </a:tcPr>
+                </a:tc>
+              </a:tr>
+            </a:tbl>
+          </a:graphicData>
+        </a:graphic>
+      </p:graphicFrame>
+      <p:graphicFrame>
+        <p:nvGraphicFramePr>
+          <p:cNvPr id="9" name="Table 8"/>
+          <p:cNvGraphicFramePr>
+            <a:graphicFrameLocks noGrp="1"/>
+          </p:cNvGraphicFramePr>
+          <p:nvPr/>
+        </p:nvGraphicFramePr>
+        <p:xfrm>
+          <a:off x="1600200" y="4389120"/>
+          <a:ext cx="8686800" cy="2048256"/>
+        </p:xfrm>
+        <a:graphic>
+          <a:graphicData uri="http://schemas.openxmlformats.org/drawingml/2006/table">
+            <a:tbl>
+              <a:tblPr firstRow="1" bandRow="1">
+                <a:tableStyleId>{5C22544A-7EE6-4342-B048-85BDC9FD1C3A}</a:tableStyleId>
+              </a:tblPr>
+              <a:tblGrid>
+                <a:gridCol w="8686800"/>
+              </a:tblGrid>
+              <a:tr h="292608">
+                <a:tc>
+                  <a:txBody>
+                    <a:bodyPr/>
+                    <a:lstStyle/>
+                    <a:p>
+                      <a:pPr algn="ctr">
+                        <a:defRPr sz="1000">
+                          <a:solidFill>
+                            <a:srgbClr val="404040"/>
+                          </a:solidFill>
+                          <a:latin typeface="Arial"/>
+                        </a:defRPr>
+                      </a:pPr>
+                      <a:r>
+                        <a:t>2024</a:t>
+                      </a:r>
+                    </a:p>
+                  </a:txBody>
+                  <a:tcPr anchor="ctr" marL="45720" marR="45720" marT="27432" marB="27432">
+                    <a:solidFill>
+                      <a:srgbClr val="FFFFFF"/>
+                    </a:solidFill>
+                  </a:tcPr>
+                </a:tc>
+              </a:tr>
+              <a:tr h="292608">
+                <a:tc>
+                  <a:txBody>
+                    <a:bodyPr/>
+                    <a:lstStyle/>
+                    <a:p>
+                      <a:pPr algn="ctr">
+                        <a:defRPr sz="1000">
+                          <a:solidFill>
+                            <a:srgbClr val="404040"/>
+                          </a:solidFill>
+                          <a:latin typeface="Arial"/>
+                        </a:defRPr>
+                      </a:pPr>
+                      <a:r>
+                        <a:t>Target Co</a:t>
+                      </a:r>
+                    </a:p>
+                  </a:txBody>
+                  <a:tcPr anchor="ctr" marL="45720" marR="45720" marT="27432" marB="27432">
+                    <a:solidFill>
+                      <a:srgbClr val="FFFFFF"/>
+                    </a:solidFill>
+                  </a:tcPr>
+                </a:tc>
+              </a:tr>
+              <a:tr h="292608">
+                <a:tc>
+                  <a:txBody>
+                    <a:bodyPr/>
+                    <a:lstStyle/>
+                    <a:p>
+                      <a:pPr algn="ctr">
+                        <a:defRPr sz="1000">
+                          <a:solidFill>
+                            <a:srgbClr val="404040"/>
+                          </a:solidFill>
+                          <a:latin typeface="Arial"/>
+                        </a:defRPr>
+                      </a:pPr>
+                      <a:r>
+                        <a:t>Acquirer Co</a:t>
+                      </a:r>
+                    </a:p>
+                  </a:txBody>
+                  <a:tcPr anchor="ctr" marL="45720" marR="45720" marT="27432" marB="27432">
+                    <a:solidFill>
+                      <a:srgbClr val="FFFFFF"/>
+                    </a:solidFill>
+                  </a:tcPr>
+                </a:tc>
+              </a:tr>
+              <a:tr h="292608">
+                <a:tc>
+                  <a:txBody>
+                    <a:bodyPr/>
+                    <a:lstStyle/>
+                    <a:p>
+                      <a:pPr algn="ctr">
+                        <a:defRPr sz="1000">
+                          <a:solidFill>
+                            <a:srgbClr val="404040"/>
+                          </a:solidFill>
+                          <a:latin typeface="Arial"/>
+                        </a:defRPr>
+                      </a:pPr>
+                      <a:r>
+                        <a:t>N/A</a:t>
+                      </a:r>
+                    </a:p>
+                  </a:txBody>
+                  <a:tcPr anchor="ctr" marL="45720" marR="45720" marT="27432" marB="27432">
+                    <a:solidFill>
+                      <a:srgbClr val="FFFFFF"/>
+                    </a:solidFill>
+                  </a:tcPr>
+                </a:tc>
+              </a:tr>
+              <a:tr h="292608">
+                <a:tc>
+                  <a:txBody>
+                    <a:bodyPr/>
+                    <a:lstStyle/>
+                    <a:p>
+                      <a:pPr algn="ctr">
+                        <a:defRPr sz="1000">
+                          <a:solidFill>
+                            <a:srgbClr val="404040"/>
+                          </a:solidFill>
+                          <a:latin typeface="Arial"/>
+                        </a:defRPr>
+                      </a:pPr>
+                      <a:r>
+                        <a:t>$1B</a:t>
+                      </a:r>
+                    </a:p>
+                  </a:txBody>
+                  <a:tcPr anchor="ctr" marL="45720" marR="45720" marT="27432" marB="27432">
+                    <a:solidFill>
+                      <a:srgbClr val="FFFFFF"/>
+                    </a:solidFill>
+                  </a:tcPr>
+                </a:tc>
+              </a:tr>
+              <a:tr h="292608">
+                <a:tc>
+                  <a:txBody>
+                    <a:bodyPr/>
+                    <a:lstStyle/>
+                    <a:p>
+                      <a:pPr algn="ctr">
+                        <a:defRPr sz="1000">
+                          <a:solidFill>
+                            <a:srgbClr val="404040"/>
+                          </a:solidFill>
+                          <a:latin typeface="Arial"/>
+                        </a:defRPr>
+                      </a:pPr>
+                      <a:r>
+                        <a:t>N/A</a:t>
+                      </a:r>
+                    </a:p>
+                  </a:txBody>
+                  <a:tcPr anchor="ctr" marL="45720" marR="45720" marT="27432" marB="27432">
+                    <a:solidFill>
+                      <a:srgbClr val="FFFFFF"/>
+                    </a:solidFill>
+                  </a:tcPr>
+                </a:tc>
+              </a:tr>
+              <a:tr h="292608">
+                <a:tc>
+                  <a:txBody>
+                    <a:bodyPr/>
+                    <a:lstStyle/>
+                    <a:p>
+                      <a:pPr algn="ctr">
+                        <a:defRPr sz="1000">
+                          <a:solidFill>
+                            <a:srgbClr val="404040"/>
+                          </a:solidFill>
+                          <a:latin typeface="Arial"/>
+                        </a:defRPr>
+                      </a:pPr>
+                      <a:r>
+                        <a:t>10.0x</a:t>
+                      </a:r>
+                    </a:p>
+                  </a:txBody>
+                  <a:tcPr anchor="ctr" marL="45720" marR="45720" marT="27432" marB="27432">
+                    <a:solidFill>
+                      <a:srgbClr val="FFFFFF"/>
+                    </a:solidFill>
+                  </a:tcPr>
+                </a:tc>
+              </a:tr>
+            </a:tbl>
+          </a:graphicData>
+        </a:graphic>
+      </p:graphicFrame>
+      <p:sp>
+        <p:nvSpPr>
+          <p:cNvPr id="10" name="TextBox 9"/>
+          <p:cNvSpPr txBox="1"/>
+          <p:nvPr/>
+        </p:nvSpPr>
+        <p:spPr>
+          <a:xfrm>
+            <a:off x="457200" y="6400800"/>
+            <a:ext cx="5486400" cy="365760"/>
+          </a:xfrm>
+          <a:prstGeom prst="rect">
+            <a:avLst/>
+          </a:prstGeom>
+          <a:noFill/>
+        </p:spPr>
+        <p:txBody>
+          <a:bodyPr wrap="none">
+            <a:spAutoFit/>
+          </a:bodyPr>
+          <a:lstStyle/>
+          <a:p>
+            <a:pPr>
+              <a:defRPr sz="900">
+                <a:solidFill>
+                  <a:srgbClr val="808080"/>
+                </a:solidFill>
+                <a:latin typeface="Arial"/>
+              </a:defRPr>
+            </a:pPr>
+            <a:r>
+              <a:t>Confidential | September 2025</a:t>
+            </a:r>
+          </a:p>
+        </p:txBody>
+      </p:sp>
+      <p:sp>
+        <p:nvSpPr>
+          <p:cNvPr id="11" name="TextBox 10"/>
+          <p:cNvSpPr txBox="1"/>
+          <p:nvPr/>
+        </p:nvSpPr>
+        <p:spPr>
+          <a:xfrm>
+            <a:off x="6705295" y="6400800"/>
+            <a:ext cx="5486400" cy="365760"/>
+          </a:xfrm>
+          <a:prstGeom prst="rect">
+            <a:avLst/>
+          </a:prstGeom>
+          <a:noFill/>
+        </p:spPr>
+        <p:txBody>
+          <a:bodyPr wrap="none">
+            <a:spAutoFit/>
+          </a:bodyPr>
+          <a:lstStyle/>
+          <a:p>
+            <a:pPr algn="r">
+              <a:defRPr sz="900">
+                <a:solidFill>
+                  <a:srgbClr val="808080"/>
+                </a:solidFill>
+                <a:latin typeface="Arial"/>
+              </a:defRPr>
+            </a:pPr>
+            <a:r>
+              <a:t>Databricks</a:t>
+            </a:r>
+          </a:p>
+        </p:txBody>
+      </p:sp>
+    </p:spTree>
+  </p:cSld>
+  <p:clrMapOvr>
+    <a:masterClrMapping/>
+  </p:clrMapOvr>
+</p:sld>
+</file>
+
+<file path=ppt/slides/slide9.xml><?xml version="1.0" encoding="utf-8"?>
+<p:sld xmlns:a="http://schemas.openxmlformats.org/drawingml/2006/main" xmlns:p="http://schemas.openxmlformats.org/presentationml/2006/main" xmlns:r="http://schemas.openxmlformats.org/officeDocument/2006/relationships">
+  <p:cSld>
+    <p:spTree>
+      <p:nvGrpSpPr>
+        <p:cNvPr id="1" name=""/>
+        <p:cNvGrpSpPr/>
+        <p:nvPr/>
+      </p:nvGrpSpPr>
+      <p:grpSpPr/>
+      <p:sp>
+        <p:nvSpPr>
+          <p:cNvPr id="2" name="TextBox 1"/>
+          <p:cNvSpPr txBox="1"/>
+          <p:nvPr/>
+        </p:nvSpPr>
+        <p:spPr>
+          <a:xfrm>
+            <a:off x="457200" y="274320"/>
+            <a:ext cx="11277295" cy="731520"/>
+          </a:xfrm>
+          <a:prstGeom prst="rect">
+            <a:avLst/>
+          </a:prstGeom>
+          <a:noFill/>
+        </p:spPr>
+        <p:txBody>
+          <a:bodyPr wrap="none" lIns="0" tIns="0" rIns="0" bIns="0">
+            <a:spAutoFit/>
+          </a:bodyPr>
+          <a:lstStyle/>
+          <a:p>
+            <a:pPr algn="l"/>
+            <a:r>
+              <a:rPr sz="2400" b="1">
+                <a:solidFill>
+                  <a:srgbClr val="183A58"/>
+                </a:solidFill>
+                <a:latin typeface="Arial"/>
+              </a:rPr>
+              <a:t>Valuation Overview</a:t>
+            </a:r>
+          </a:p>
+        </p:txBody>
+      </p:sp>
+      <p:sp>
+        <p:nvSpPr>
+          <p:cNvPr id="3" name="Rectangle 2"/>
+          <p:cNvSpPr/>
+          <p:nvPr/>
+        </p:nvSpPr>
+        <p:spPr>
+          <a:xfrm>
+            <a:off x="457200" y="914400"/>
+            <a:ext cx="11277295" cy="45720"/>
+          </a:xfrm>
+          <a:prstGeom prst="rect">
+            <a:avLst/>
+          </a:prstGeom>
+          <a:solidFill>
+            <a:srgbClr val="183A58"/>
+          </a:solidFill>
+          <a:ln>
+            <a:noFill/>
+          </a:ln>
+        </p:spPr>
+        <p:style>
+          <a:lnRef idx="1">
+            <a:schemeClr val="accent1"/>
+          </a:lnRef>
+          <a:fillRef idx="3">
+            <a:schemeClr val="accent1"/>
+          </a:fillRef>
+          <a:effectRef idx="2">
+            <a:schemeClr val="accent1"/>
+          </a:effectRef>
+          <a:fontRef idx="minor">
+            <a:schemeClr val="lt1"/>
+          </a:fontRef>
+        </p:style>
+        <p:txBody>
+          <a:bodyPr rtlCol="0" anchor="ctr"/>
+          <a:lstStyle/>
+          <a:p>
+            <a:pPr algn="ctr"/>
+          </a:p>
+        </p:txBody>
+      </p:sp>
+      <p:sp>
+        <p:nvSpPr>
+          <p:cNvPr id="4" name="TextBox 3"/>
+          <p:cNvSpPr txBox="1"/>
+          <p:nvPr/>
+        </p:nvSpPr>
+        <p:spPr>
+          <a:xfrm>
+            <a:off x="914400" y="1280160"/>
+            <a:ext cx="10058400" cy="274320"/>
+          </a:xfrm>
+          <a:prstGeom prst="rect">
+            <a:avLst/>
+          </a:prstGeom>
+          <a:noFill/>
+        </p:spPr>
+        <p:txBody>
+          <a:bodyPr wrap="none">
+            <a:spAutoFit/>
+          </a:bodyPr>
+          <a:lstStyle/>
+          <a:p>
+            <a:pPr algn="ctr">
+              <a:defRPr sz="1400" b="1">
+                <a:solidFill>
+                  <a:srgbClr val="183A58"/>
+                </a:solidFill>
+                <a:latin typeface="Arial"/>
+              </a:defRPr>
+            </a:pPr>
+            <a:r>
+              <a:t>Implied EV/Post IRFS-16 EBITDA</a:t>
+            </a:r>
+          </a:p>
+        </p:txBody>
+      </p:sp>
+      <p:graphicFrame>
+        <p:nvGraphicFramePr>
+          <p:cNvPr id="5" name="Table 4"/>
+          <p:cNvGraphicFramePr>
+            <a:graphicFrameLocks noGrp="1"/>
+          </p:cNvGraphicFramePr>
+          <p:nvPr/>
+        </p:nvGraphicFramePr>
+        <p:xfrm>
+          <a:off x="457200" y="1645920"/>
+          <a:ext cx="11247120" cy="4114800"/>
+        </p:xfrm>
+        <a:graphic>
+          <a:graphicData uri="http://schemas.openxmlformats.org/drawingml/2006/table">
+            <a:tbl>
+              <a:tblPr firstRow="1" bandRow="1">
+                <a:tableStyleId>{5C22544A-7EE6-4342-B048-85BDC9FD1C3A}</a:tableStyleId>
+              </a:tblPr>
+              <a:tblGrid>
+                <a:gridCol w="1828800"/>
+                <a:gridCol w="4114800"/>
+                <a:gridCol w="1828800"/>
+                <a:gridCol w="1371600"/>
+                <a:gridCol w="2103120"/>
+              </a:tblGrid>
+              <a:tr h="2057400">
+                <a:tc>
+                  <a:txBody>
+                    <a:bodyPr/>
+                    <a:lstStyle/>
+                    <a:p>
+                      <a:pPr algn="ctr"/>
+                      <a:r>
+                        <a:rPr sz="1000" b="1">
+                          <a:solidFill>
+                            <a:srgbClr val="FFFFFF"/>
+                          </a:solidFill>
+                          <a:latin typeface="Arial"/>
+                        </a:rPr>
+                        <a:t>Methodology</a:t>
+                      </a:r>
+                    </a:p>
+                  </a:txBody>
+                  <a:tcPr>
+                    <a:solidFill>
+                      <a:srgbClr val="183A58"/>
+                    </a:solidFill>
+                  </a:tcPr>
+                </a:tc>
+                <a:tc>
+                  <a:txBody>
+                    <a:bodyPr/>
+                    <a:lstStyle/>
+                    <a:p>
+                      <a:pPr algn="ctr"/>
+                      <a:r>
+                        <a:rPr sz="1000" b="1">
+                          <a:solidFill>
+                            <a:srgbClr val="FFFFFF"/>
+                          </a:solidFill>
+                          <a:latin typeface="Arial"/>
+                        </a:rPr>
+                        <a:t>Commentary</a:t>
+                      </a:r>
+                    </a:p>
+                  </a:txBody>
+                  <a:tcPr>
+                    <a:solidFill>
+                      <a:srgbClr val="183A58"/>
+                    </a:solidFill>
+                  </a:tcPr>
+                </a:tc>
+                <a:tc>
+                  <a:txBody>
+                    <a:bodyPr/>
+                    <a:lstStyle/>
+                    <a:p>
+                      <a:pPr algn="ctr"/>
+                      <a:r>
+                        <a:rPr sz="1000" b="1">
+                          <a:solidFill>
+                            <a:srgbClr val="FFFFFF"/>
+                          </a:solidFill>
+                          <a:latin typeface="Arial"/>
+                        </a:rPr>
+                        <a:t>Enterprise Value</a:t>
+                      </a:r>
+                    </a:p>
+                  </a:txBody>
+                  <a:tcPr>
+                    <a:solidFill>
+                      <a:srgbClr val="183A58"/>
+                    </a:solidFill>
+                  </a:tcPr>
+                </a:tc>
+                <a:tc>
+                  <a:txBody>
+                    <a:bodyPr/>
+                    <a:lstStyle/>
+                    <a:p>
+                      <a:pPr algn="ctr"/>
+                      <a:r>
+                        <a:rPr sz="1000" b="1">
+                          <a:solidFill>
+                            <a:srgbClr val="FFFFFF"/>
+                          </a:solidFill>
+                          <a:latin typeface="Arial"/>
+                        </a:rPr>
+                        <a:t>Metric</a:t>
+                      </a:r>
+                    </a:p>
+                  </a:txBody>
+                  <a:tcPr>
+                    <a:solidFill>
+                      <a:srgbClr val="183A58"/>
+                    </a:solidFill>
+                  </a:tcPr>
+                </a:tc>
+                <a:tc>
+                  <a:txBody>
+                    <a:bodyPr/>
+                    <a:lstStyle/>
+                    <a:p>
+                      <a:pPr algn="ctr"/>
+                      <a:r>
+                        <a:rPr sz="1000" b="1">
+                          <a:solidFill>
+                            <a:srgbClr val="FFFFFF"/>
+                          </a:solidFill>
+                          <a:latin typeface="Arial"/>
+                        </a:rPr>
+                        <a:t>22A' / 23E (Rev)</a:t>
+                      </a:r>
+                    </a:p>
+                  </a:txBody>
+                  <a:tcPr>
+                    <a:solidFill>
+                      <a:srgbClr val="183A58"/>
+                    </a:solidFill>
+                  </a:tcPr>
+                </a:tc>
+              </a:tr>
+              <a:tr h="2057400">
+                <a:tc>
+                  <a:txBody>
+                    <a:bodyPr/>
+                    <a:lstStyle/>
+                    <a:p>
+                      <a:pPr algn="ctr"/>
+                      <a:r>
+                        <a:rPr sz="900">
+                          <a:solidFill>
+                            <a:srgbClr val="404040"/>
+                          </a:solidFill>
+                          <a:latin typeface="Arial"/>
+                        </a:rPr>
+                        <a:t>Trading Multiples</a:t>
+                      </a:r>
+                    </a:p>
+                  </a:txBody>
+                  <a:tcPr>
+                    <a:solidFill>
+                      <a:srgbClr val="F0F0F0"/>
+                    </a:solidFill>
+                  </a:tcPr>
+                </a:tc>
+                <a:tc>
+                  <a:txBody>
+                    <a:bodyPr/>
+                    <a:lstStyle/>
+                    <a:p>
+                      <a:pPr algn="l"/>
+                      <a:r>
+                        <a:rPr sz="900">
+                          <a:solidFill>
+                            <a:srgbClr val="404040"/>
+                          </a:solidFill>
+                          <a:latin typeface="Arial"/>
+                        </a:rPr>
+                        <a:t>Based on comparable analysis</a:t>
+                      </a:r>
+                    </a:p>
+                  </a:txBody>
+                  <a:tcPr>
+                    <a:solidFill>
+                      <a:srgbClr val="FFFFFF"/>
+                    </a:solidFill>
+                  </a:tcPr>
+                </a:tc>
+                <a:tc>
+                  <a:txBody>
+                    <a:bodyPr/>
+                    <a:lstStyle/>
+                    <a:p>
+                      <a:pPr algn="ctr"/>
+                      <a:r>
+                        <a:rPr sz="900">
+                          <a:solidFill>
+                            <a:srgbClr val="404040"/>
+                          </a:solidFill>
+                          <a:latin typeface="Arial"/>
+                        </a:rPr>
+                        <a:t>$50M-100M</a:t>
+                      </a:r>
+                    </a:p>
+                  </a:txBody>
+                  <a:tcPr>
+                    <a:solidFill>
+                      <a:srgbClr val="FFFFFF"/>
+                    </a:solidFill>
+                  </a:tcPr>
+                </a:tc>
+                <a:tc>
+                  <a:txBody>
+                    <a:bodyPr/>
+                    <a:lstStyle/>
+                    <a:p>
+                      <a:pPr algn="ctr"/>
+                    </a:p>
+                  </a:txBody>
+                  <a:tcPr>
+                    <a:solidFill>
+                      <a:srgbClr val="FFFFFF"/>
+                    </a:solidFill>
+                  </a:tcPr>
+                </a:tc>
+                <a:tc>
+                  <a:txBody>
+                    <a:bodyPr/>
+                    <a:lstStyle/>
+                    <a:p>
+                      <a:pPr algn="ctr"/>
+                    </a:p>
+                  </a:txBody>
+                  <a:tcPr>
+                    <a:solidFill>
+                      <a:srgbClr val="FFFFFF"/>
+                    </a:solidFill>
+                  </a:tcPr>
+                </a:tc>
+              </a:tr>
+            </a:tbl>
+          </a:graphicData>
+        </a:graphic>
+      </p:graphicFrame>
+      <p:sp>
+        <p:nvSpPr>
+          <p:cNvPr id="6" name="TextBox 5"/>
+          <p:cNvSpPr txBox="1"/>
+          <p:nvPr/>
+        </p:nvSpPr>
+        <p:spPr>
+          <a:xfrm>
+            <a:off x="457200" y="6400800"/>
+            <a:ext cx="5486400" cy="365760"/>
+          </a:xfrm>
+          <a:prstGeom prst="rect">
+            <a:avLst/>
+          </a:prstGeom>
+          <a:noFill/>
+        </p:spPr>
+        <p:txBody>
+          <a:bodyPr wrap="none">
+            <a:spAutoFit/>
+          </a:bodyPr>
+          <a:lstStyle/>
+          <a:p>
+            <a:pPr algn="l">
+              <a:defRPr sz="800">
+                <a:solidFill>
+                  <a:srgbClr val="808080"/>
+                </a:solidFill>
+                <a:latin typeface="Arial"/>
+              </a:defRPr>
+            </a:pPr>
+            <a:r>
+              <a:t>Confidential | September 2025</a:t>
+            </a:r>
+          </a:p>
+        </p:txBody>
+      </p:sp>
+      <p:sp>
+        <p:nvSpPr>
+          <p:cNvPr id="7" name="TextBox 6"/>
+          <p:cNvSpPr txBox="1"/>
+          <p:nvPr/>
+        </p:nvSpPr>
+        <p:spPr>
+          <a:xfrm>
+            <a:off x="6705295" y="6400800"/>
+            <a:ext cx="5486400" cy="365760"/>
+          </a:xfrm>
+          <a:prstGeom prst="rect">
+            <a:avLst/>
+          </a:prstGeom>
+          <a:noFill/>
+        </p:spPr>
+        <p:txBody>
+          <a:bodyPr wrap="none">
+            <a:spAutoFit/>
+          </a:bodyPr>
+          <a:lstStyle/>
+          <a:p>
+            <a:pPr algn="r">
+              <a:defRPr sz="800">
+                <a:solidFill>
+                  <a:srgbClr val="808080"/>
+                </a:solidFill>
+                <a:latin typeface="Arial"/>
+              </a:defRPr>
+            </a:pPr>
+            <a:r>
+              <a:t>Databricks</a:t>
             </a:r>
           </a:p>
         </p:txBody>

--- a/output_presentation.pptx
+++ b/output_presentation.pptx
@@ -20,6 +20,7 @@
     <p:sldId id="268" r:id="rId19"/>
     <p:sldId id="269" r:id="rId20"/>
     <p:sldId id="270" r:id="rId21"/>
+    <p:sldId id="271" r:id="rId22"/>
   </p:sldIdLst>
   <p:sldSz cx="12191695" cy="6858000" type="screen4x3"/>
   <p:notesSz cx="6858000" cy="9144000"/>
@@ -3533,7 +3534,7 @@
                 </a:solidFill>
                 <a:latin typeface="Arial"/>
               </a:rPr>
-              <a:t>Leading healthcare services provider with comprehensive medical care and operational excellence.</a:t>
+              <a:t>TechCorp Solutions is a technology company founded in 2018 and headquartered in Dubai, UAE. The company provides AI-powered business automation solutions tailored for small and medium-sized enterprises (SMEs) across the Middle East. Its offerings focus on leveraging artificial intelligence to streamline and optimize business processes for regional clients.</a:t>
             </a:r>
           </a:p>
         </p:txBody>
@@ -3944,7 +3945,7 @@
                 </a:solidFill>
                 <a:latin typeface="Arial"/>
               </a:rPr>
-              <a:t>Market-leading position with 130+ outlets across major Indonesian cities</a:t>
+              <a:t>Founded in 2018</a:t>
             </a:r>
           </a:p>
         </p:txBody>
@@ -4026,7 +4027,7 @@
                 </a:solidFill>
                 <a:latin typeface="Arial"/>
               </a:rPr>
-              <a:t>Strong growth trajectory: 100+ new locations since 2021 acquisition</a:t>
+              <a:t>Latest revenue: $12M</a:t>
             </a:r>
           </a:p>
         </p:txBody>
@@ -4108,7 +4109,7 @@
                 </a:solidFill>
                 <a:latin typeface="Arial"/>
               </a:rPr>
-              <a:t>Consistent double-digit revenue and EBITDA growth post-acquisition</a:t>
+              <a:t>Latest EBITDA: $3.2M</a:t>
             </a:r>
           </a:p>
         </p:txBody>
@@ -4190,20 +4191,59 @@
                 </a:solidFill>
                 <a:latin typeface="Arial"/>
               </a:rPr>
-              <a:t>Premium Japanese-inspired artisan bakery positioning</a:t>
-            </a:r>
-          </a:p>
-        </p:txBody>
-      </p:sp>
-      <p:sp>
-        <p:nvSpPr>
-          <p:cNvPr id="21" name="Oval 20"/>
+              <a:t>Strong growth trajectory</a:t>
+            </a:r>
+          </a:p>
+        </p:txBody>
+      </p:sp>
+      <p:sp>
+        <p:nvSpPr>
+          <p:cNvPr id="21" name="TextBox 20"/>
+          <p:cNvSpPr txBox="1"/>
+          <p:nvPr/>
+        </p:nvSpPr>
+        <p:spPr>
+          <a:xfrm>
+            <a:off x="731520" y="2743200"/>
+            <a:ext cx="5943600" cy="274320"/>
+          </a:xfrm>
+          <a:prstGeom prst="rect">
+            <a:avLst/>
+          </a:prstGeom>
+          <a:noFill/>
+          <a:ln>
+            <a:noFill/>
+          </a:ln>
+          <a:effectLst/>
+        </p:spPr>
+        <p:txBody>
+          <a:bodyPr wrap="square">
+            <a:spAutoFit/>
+          </a:bodyPr>
+          <a:lstStyle/>
+          <a:p>
+            <a:pPr algn="l"/>
+            <a:r>
+              <a:rPr sz="1200" b="1">
+                <a:solidFill>
+                  <a:srgbClr val="183A58"/>
+                </a:solidFill>
+                <a:latin typeface="Arial"/>
+              </a:rPr>
+              <a:t>Core Business Lines &amp; Capabilities</a:t>
+            </a:r>
+          </a:p>
+        </p:txBody>
+      </p:sp>
+      <p:sp>
+        <p:nvSpPr>
+          <p:cNvPr id="22" name="Oval 21"/>
           <p:cNvSpPr/>
           <p:nvPr/>
         </p:nvSpPr>
         <p:spPr>
           <a:xfrm>
-            <a:off x="7589520" y="3867912"/>
+            <a:off x="822960" y="3182112"/>
             <a:ext cx="36576" cy="36576"/>
           </a:xfrm>
           <a:prstGeom prst="ellipse">
@@ -4240,374 +4280,7 @@
       </p:sp>
       <p:sp>
         <p:nvSpPr>
-          <p:cNvPr id="22" name="TextBox 21"/>
-          <p:cNvSpPr txBox="1"/>
-          <p:nvPr/>
-        </p:nvSpPr>
-        <p:spPr>
-          <a:xfrm>
-            <a:off x="7699248" y="3794760"/>
-            <a:ext cx="3886200" cy="502920"/>
-          </a:xfrm>
-          <a:prstGeom prst="rect">
-            <a:avLst/>
-          </a:prstGeom>
-          <a:noFill/>
-          <a:ln>
-            <a:noFill/>
-          </a:ln>
-          <a:effectLst/>
-        </p:spPr>
-        <p:txBody>
-          <a:bodyPr wrap="square">
-            <a:spAutoFit/>
-          </a:bodyPr>
-          <a:lstStyle/>
-          <a:p>
-            <a:pPr algn="l"/>
-            <a:r>
-              <a:rPr sz="900" b="0">
-                <a:solidFill>
-                  <a:srgbClr val="404040"/>
-                </a:solidFill>
-                <a:latin typeface="Arial"/>
-              </a:rPr>
-              <a:t>Diversified revenue streams: B2C retail + institutional B2B clients</a:t>
-            </a:r>
-          </a:p>
-        </p:txBody>
-      </p:sp>
-      <p:sp>
-        <p:nvSpPr>
-          <p:cNvPr id="23" name="Oval 22"/>
-          <p:cNvSpPr/>
-          <p:nvPr/>
-        </p:nvSpPr>
-        <p:spPr>
-          <a:xfrm>
-            <a:off x="7589520" y="4416552"/>
-            <a:ext cx="36576" cy="36576"/>
-          </a:xfrm>
-          <a:prstGeom prst="ellipse">
-            <a:avLst/>
-          </a:prstGeom>
-          <a:solidFill>
-            <a:srgbClr val="B5975B"/>
-          </a:solidFill>
-          <a:ln>
-            <a:noFill/>
-          </a:ln>
-        </p:spPr>
-        <p:style>
-          <a:lnRef idx="1">
-            <a:schemeClr val="accent1"/>
-          </a:lnRef>
-          <a:fillRef idx="3">
-            <a:schemeClr val="accent1"/>
-          </a:fillRef>
-          <a:effectRef idx="2">
-            <a:schemeClr val="accent1"/>
-          </a:effectRef>
-          <a:fontRef idx="minor">
-            <a:schemeClr val="lt1"/>
-          </a:fontRef>
-        </p:style>
-        <p:txBody>
-          <a:bodyPr rtlCol="0" anchor="ctr"/>
-          <a:lstStyle/>
-          <a:p>
-            <a:pPr algn="ctr"/>
-          </a:p>
-        </p:txBody>
-      </p:sp>
-      <p:sp>
-        <p:nvSpPr>
-          <p:cNvPr id="24" name="TextBox 23"/>
-          <p:cNvSpPr txBox="1"/>
-          <p:nvPr/>
-        </p:nvSpPr>
-        <p:spPr>
-          <a:xfrm>
-            <a:off x="7699248" y="4343400"/>
-            <a:ext cx="3886200" cy="502920"/>
-          </a:xfrm>
-          <a:prstGeom prst="rect">
-            <a:avLst/>
-          </a:prstGeom>
-          <a:noFill/>
-          <a:ln>
-            <a:noFill/>
-          </a:ln>
-          <a:effectLst/>
-        </p:spPr>
-        <p:txBody>
-          <a:bodyPr wrap="square">
-            <a:spAutoFit/>
-          </a:bodyPr>
-          <a:lstStyle/>
-          <a:p>
-            <a:pPr algn="l"/>
-            <a:r>
-              <a:rPr sz="900" b="0">
-                <a:solidFill>
-                  <a:srgbClr val="404040"/>
-                </a:solidFill>
-                <a:latin typeface="Arial"/>
-              </a:rPr>
-              <a:t>Strategic locations in high-traffic transit hubs and commercial centers</a:t>
-            </a:r>
-          </a:p>
-        </p:txBody>
-      </p:sp>
-      <p:sp>
-        <p:nvSpPr>
-          <p:cNvPr id="25" name="Oval 24"/>
-          <p:cNvSpPr/>
-          <p:nvPr/>
-        </p:nvSpPr>
-        <p:spPr>
-          <a:xfrm>
-            <a:off x="7589520" y="4965192"/>
-            <a:ext cx="36576" cy="36576"/>
-          </a:xfrm>
-          <a:prstGeom prst="ellipse">
-            <a:avLst/>
-          </a:prstGeom>
-          <a:solidFill>
-            <a:srgbClr val="B5975B"/>
-          </a:solidFill>
-          <a:ln>
-            <a:noFill/>
-          </a:ln>
-        </p:spPr>
-        <p:style>
-          <a:lnRef idx="1">
-            <a:schemeClr val="accent1"/>
-          </a:lnRef>
-          <a:fillRef idx="3">
-            <a:schemeClr val="accent1"/>
-          </a:fillRef>
-          <a:effectRef idx="2">
-            <a:schemeClr val="accent1"/>
-          </a:effectRef>
-          <a:fontRef idx="minor">
-            <a:schemeClr val="lt1"/>
-          </a:fontRef>
-        </p:style>
-        <p:txBody>
-          <a:bodyPr rtlCol="0" anchor="ctr"/>
-          <a:lstStyle/>
-          <a:p>
-            <a:pPr algn="ctr"/>
-          </a:p>
-        </p:txBody>
-      </p:sp>
-      <p:sp>
-        <p:nvSpPr>
-          <p:cNvPr id="26" name="TextBox 25"/>
-          <p:cNvSpPr txBox="1"/>
-          <p:nvPr/>
-        </p:nvSpPr>
-        <p:spPr>
-          <a:xfrm>
-            <a:off x="7699248" y="4892040"/>
-            <a:ext cx="3886200" cy="502920"/>
-          </a:xfrm>
-          <a:prstGeom prst="rect">
-            <a:avLst/>
-          </a:prstGeom>
-          <a:noFill/>
-          <a:ln>
-            <a:noFill/>
-          </a:ln>
-          <a:effectLst/>
-        </p:spPr>
-        <p:txBody>
-          <a:bodyPr wrap="square">
-            <a:spAutoFit/>
-          </a:bodyPr>
-          <a:lstStyle/>
-          <a:p>
-            <a:pPr algn="l"/>
-            <a:r>
-              <a:rPr sz="900" b="0">
-                <a:solidFill>
-                  <a:srgbClr val="404040"/>
-                </a:solidFill>
-                <a:latin typeface="Arial"/>
-              </a:rPr>
-              <a:t>Fresh, preservative-free product differentiation</a:t>
-            </a:r>
-          </a:p>
-        </p:txBody>
-      </p:sp>
-      <p:sp>
-        <p:nvSpPr>
-          <p:cNvPr id="27" name="Oval 26"/>
-          <p:cNvSpPr/>
-          <p:nvPr/>
-        </p:nvSpPr>
-        <p:spPr>
-          <a:xfrm>
-            <a:off x="7589520" y="5513832"/>
-            <a:ext cx="36576" cy="36576"/>
-          </a:xfrm>
-          <a:prstGeom prst="ellipse">
-            <a:avLst/>
-          </a:prstGeom>
-          <a:solidFill>
-            <a:srgbClr val="B5975B"/>
-          </a:solidFill>
-          <a:ln>
-            <a:noFill/>
-          </a:ln>
-        </p:spPr>
-        <p:style>
-          <a:lnRef idx="1">
-            <a:schemeClr val="accent1"/>
-          </a:lnRef>
-          <a:fillRef idx="3">
-            <a:schemeClr val="accent1"/>
-          </a:fillRef>
-          <a:effectRef idx="2">
-            <a:schemeClr val="accent1"/>
-          </a:effectRef>
-          <a:fontRef idx="minor">
-            <a:schemeClr val="lt1"/>
-          </a:fontRef>
-        </p:style>
-        <p:txBody>
-          <a:bodyPr rtlCol="0" anchor="ctr"/>
-          <a:lstStyle/>
-          <a:p>
-            <a:pPr algn="ctr"/>
-          </a:p>
-        </p:txBody>
-      </p:sp>
-      <p:sp>
-        <p:nvSpPr>
-          <p:cNvPr id="28" name="TextBox 27"/>
-          <p:cNvSpPr txBox="1"/>
-          <p:nvPr/>
-        </p:nvSpPr>
-        <p:spPr>
-          <a:xfrm>
-            <a:off x="7699248" y="5440680"/>
-            <a:ext cx="3886200" cy="502920"/>
-          </a:xfrm>
-          <a:prstGeom prst="rect">
-            <a:avLst/>
-          </a:prstGeom>
-          <a:noFill/>
-          <a:ln>
-            <a:noFill/>
-          </a:ln>
-          <a:effectLst/>
-        </p:spPr>
-        <p:txBody>
-          <a:bodyPr wrap="square">
-            <a:spAutoFit/>
-          </a:bodyPr>
-          <a:lstStyle/>
-          <a:p>
-            <a:pPr algn="l"/>
-            <a:r>
-              <a:rPr sz="900" b="0">
-                <a:solidFill>
-                  <a:srgbClr val="404040"/>
-                </a:solidFill>
-                <a:latin typeface="Arial"/>
-              </a:rPr>
-              <a:t>Proven scalable business model with operational excellence</a:t>
-            </a:r>
-          </a:p>
-        </p:txBody>
-      </p:sp>
-      <p:sp>
-        <p:nvSpPr>
-          <p:cNvPr id="29" name="TextBox 28"/>
-          <p:cNvSpPr txBox="1"/>
-          <p:nvPr/>
-        </p:nvSpPr>
-        <p:spPr>
-          <a:xfrm>
-            <a:off x="731520" y="2743200"/>
-            <a:ext cx="5943600" cy="274320"/>
-          </a:xfrm>
-          <a:prstGeom prst="rect">
-            <a:avLst/>
-          </a:prstGeom>
-          <a:noFill/>
-          <a:ln>
-            <a:noFill/>
-          </a:ln>
-          <a:effectLst/>
-        </p:spPr>
-        <p:txBody>
-          <a:bodyPr wrap="square">
-            <a:spAutoFit/>
-          </a:bodyPr>
-          <a:lstStyle/>
-          <a:p>
-            <a:pPr algn="l"/>
-            <a:r>
-              <a:rPr sz="1200" b="1">
-                <a:solidFill>
-                  <a:srgbClr val="183A58"/>
-                </a:solidFill>
-                <a:latin typeface="Arial"/>
-              </a:rPr>
-              <a:t>Core Business Lines &amp; Capabilities</a:t>
-            </a:r>
-          </a:p>
-        </p:txBody>
-      </p:sp>
-      <p:sp>
-        <p:nvSpPr>
-          <p:cNvPr id="30" name="Oval 29"/>
-          <p:cNvSpPr/>
-          <p:nvPr/>
-        </p:nvSpPr>
-        <p:spPr>
-          <a:xfrm>
-            <a:off x="822960" y="3182112"/>
-            <a:ext cx="36576" cy="36576"/>
-          </a:xfrm>
-          <a:prstGeom prst="ellipse">
-            <a:avLst/>
-          </a:prstGeom>
-          <a:solidFill>
-            <a:srgbClr val="B5975B"/>
-          </a:solidFill>
-          <a:ln>
-            <a:noFill/>
-          </a:ln>
-        </p:spPr>
-        <p:style>
-          <a:lnRef idx="1">
-            <a:schemeClr val="accent1"/>
-          </a:lnRef>
-          <a:fillRef idx="3">
-            <a:schemeClr val="accent1"/>
-          </a:fillRef>
-          <a:effectRef idx="2">
-            <a:schemeClr val="accent1"/>
-          </a:effectRef>
-          <a:fontRef idx="minor">
-            <a:schemeClr val="lt1"/>
-          </a:fontRef>
-        </p:style>
-        <p:txBody>
-          <a:bodyPr rtlCol="0" anchor="ctr"/>
-          <a:lstStyle/>
-          <a:p>
-            <a:pPr algn="ctr"/>
-          </a:p>
-        </p:txBody>
-      </p:sp>
-      <p:sp>
-        <p:nvSpPr>
-          <p:cNvPr id="31" name="TextBox 30"/>
+          <p:cNvPr id="23" name="TextBox 22"/>
           <p:cNvSpPr txBox="1"/>
           <p:nvPr/>
         </p:nvSpPr>
@@ -4639,588 +4312,14 @@
                 </a:solidFill>
                 <a:latin typeface="Arial"/>
               </a:rPr>
-              <a:t>Artisan Sweet &amp; Savory Breads: Premium Japanese-inspired baked goods</a:t>
-            </a:r>
-          </a:p>
-        </p:txBody>
-      </p:sp>
-      <p:sp>
-        <p:nvSpPr>
-          <p:cNvPr id="32" name="Oval 31"/>
-          <p:cNvSpPr/>
-          <p:nvPr/>
-        </p:nvSpPr>
-        <p:spPr>
-          <a:xfrm>
-            <a:off x="822960" y="3639312"/>
-            <a:ext cx="36576" cy="36576"/>
-          </a:xfrm>
-          <a:prstGeom prst="ellipse">
-            <a:avLst/>
-          </a:prstGeom>
-          <a:solidFill>
-            <a:srgbClr val="B5975B"/>
-          </a:solidFill>
-          <a:ln>
-            <a:noFill/>
-          </a:ln>
-        </p:spPr>
-        <p:style>
-          <a:lnRef idx="1">
-            <a:schemeClr val="accent1"/>
-          </a:lnRef>
-          <a:fillRef idx="3">
-            <a:schemeClr val="accent1"/>
-          </a:fillRef>
-          <a:effectRef idx="2">
-            <a:schemeClr val="accent1"/>
-          </a:effectRef>
-          <a:fontRef idx="minor">
-            <a:schemeClr val="lt1"/>
-          </a:fontRef>
-        </p:style>
-        <p:txBody>
-          <a:bodyPr rtlCol="0" anchor="ctr"/>
-          <a:lstStyle/>
-          <a:p>
-            <a:pPr algn="ctr"/>
-          </a:p>
-        </p:txBody>
-      </p:sp>
-      <p:sp>
-        <p:nvSpPr>
-          <p:cNvPr id="33" name="TextBox 32"/>
-          <p:cNvSpPr txBox="1"/>
-          <p:nvPr/>
-        </p:nvSpPr>
-        <p:spPr>
-          <a:xfrm>
-            <a:off x="932688" y="3566160"/>
-            <a:ext cx="3200400" cy="411480"/>
-          </a:xfrm>
-          <a:prstGeom prst="rect">
-            <a:avLst/>
-          </a:prstGeom>
-          <a:noFill/>
-          <a:ln>
-            <a:noFill/>
-          </a:ln>
-          <a:effectLst/>
-        </p:spPr>
-        <p:txBody>
-          <a:bodyPr wrap="square">
-            <a:spAutoFit/>
-          </a:bodyPr>
-          <a:lstStyle/>
-          <a:p>
-            <a:pPr algn="l"/>
-            <a:r>
-              <a:rPr sz="900" b="0">
-                <a:solidFill>
-                  <a:srgbClr val="404040"/>
-                </a:solidFill>
-                <a:latin typeface="Arial"/>
-              </a:rPr>
-              <a:t>Whole Cakes &amp; Celebration Products: Custom orders and special occasions</a:t>
-            </a:r>
-          </a:p>
-        </p:txBody>
-      </p:sp>
-      <p:sp>
-        <p:nvSpPr>
-          <p:cNvPr id="34" name="Oval 33"/>
-          <p:cNvSpPr/>
-          <p:nvPr/>
-        </p:nvSpPr>
-        <p:spPr>
-          <a:xfrm>
-            <a:off x="822960" y="4096512"/>
-            <a:ext cx="36576" cy="36576"/>
-          </a:xfrm>
-          <a:prstGeom prst="ellipse">
-            <a:avLst/>
-          </a:prstGeom>
-          <a:solidFill>
-            <a:srgbClr val="B5975B"/>
-          </a:solidFill>
-          <a:ln>
-            <a:noFill/>
-          </a:ln>
-        </p:spPr>
-        <p:style>
-          <a:lnRef idx="1">
-            <a:schemeClr val="accent1"/>
-          </a:lnRef>
-          <a:fillRef idx="3">
-            <a:schemeClr val="accent1"/>
-          </a:fillRef>
-          <a:effectRef idx="2">
-            <a:schemeClr val="accent1"/>
-          </a:effectRef>
-          <a:fontRef idx="minor">
-            <a:schemeClr val="lt1"/>
-          </a:fontRef>
-        </p:style>
-        <p:txBody>
-          <a:bodyPr rtlCol="0" anchor="ctr"/>
-          <a:lstStyle/>
-          <a:p>
-            <a:pPr algn="ctr"/>
-          </a:p>
-        </p:txBody>
-      </p:sp>
-      <p:sp>
-        <p:nvSpPr>
-          <p:cNvPr id="35" name="TextBox 34"/>
-          <p:cNvSpPr txBox="1"/>
-          <p:nvPr/>
-        </p:nvSpPr>
-        <p:spPr>
-          <a:xfrm>
-            <a:off x="932688" y="4023360"/>
-            <a:ext cx="3200400" cy="411480"/>
-          </a:xfrm>
-          <a:prstGeom prst="rect">
-            <a:avLst/>
-          </a:prstGeom>
-          <a:noFill/>
-          <a:ln>
-            <a:noFill/>
-          </a:ln>
-          <a:effectLst/>
-        </p:spPr>
-        <p:txBody>
-          <a:bodyPr wrap="square">
-            <a:spAutoFit/>
-          </a:bodyPr>
-          <a:lstStyle/>
-          <a:p>
-            <a:pPr algn="l"/>
-            <a:r>
-              <a:rPr sz="900" b="0">
-                <a:solidFill>
-                  <a:srgbClr val="404040"/>
-                </a:solidFill>
-                <a:latin typeface="Arial"/>
-              </a:rPr>
-              <a:t>Fresh Food &amp; Light Meals: Sandwiches, salads, and ready-to-eat items</a:t>
-            </a:r>
-          </a:p>
-        </p:txBody>
-      </p:sp>
-      <p:sp>
-        <p:nvSpPr>
-          <p:cNvPr id="36" name="Oval 35"/>
-          <p:cNvSpPr/>
-          <p:nvPr/>
-        </p:nvSpPr>
-        <p:spPr>
-          <a:xfrm>
-            <a:off x="822960" y="4553712"/>
-            <a:ext cx="36576" cy="36576"/>
-          </a:xfrm>
-          <a:prstGeom prst="ellipse">
-            <a:avLst/>
-          </a:prstGeom>
-          <a:solidFill>
-            <a:srgbClr val="B5975B"/>
-          </a:solidFill>
-          <a:ln>
-            <a:noFill/>
-          </a:ln>
-        </p:spPr>
-        <p:style>
-          <a:lnRef idx="1">
-            <a:schemeClr val="accent1"/>
-          </a:lnRef>
-          <a:fillRef idx="3">
-            <a:schemeClr val="accent1"/>
-          </a:fillRef>
-          <a:effectRef idx="2">
-            <a:schemeClr val="accent1"/>
-          </a:effectRef>
-          <a:fontRef idx="minor">
-            <a:schemeClr val="lt1"/>
-          </a:fontRef>
-        </p:style>
-        <p:txBody>
-          <a:bodyPr rtlCol="0" anchor="ctr"/>
-          <a:lstStyle/>
-          <a:p>
-            <a:pPr algn="ctr"/>
-          </a:p>
-        </p:txBody>
-      </p:sp>
-      <p:sp>
-        <p:nvSpPr>
-          <p:cNvPr id="37" name="TextBox 36"/>
-          <p:cNvSpPr txBox="1"/>
-          <p:nvPr/>
-        </p:nvSpPr>
-        <p:spPr>
-          <a:xfrm>
-            <a:off x="932688" y="4480560"/>
-            <a:ext cx="3200400" cy="411480"/>
-          </a:xfrm>
-          <a:prstGeom prst="rect">
-            <a:avLst/>
-          </a:prstGeom>
-          <a:noFill/>
-          <a:ln>
-            <a:noFill/>
-          </a:ln>
-          <a:effectLst/>
-        </p:spPr>
-        <p:txBody>
-          <a:bodyPr wrap="square">
-            <a:spAutoFit/>
-          </a:bodyPr>
-          <a:lstStyle/>
-          <a:p>
-            <a:pPr algn="l"/>
-            <a:r>
-              <a:rPr sz="900" b="0">
-                <a:solidFill>
-                  <a:srgbClr val="404040"/>
-                </a:solidFill>
-                <a:latin typeface="Arial"/>
-              </a:rPr>
-              <a:t>Coffee &amp; Beverages: Premium coffee program and specialty drinks</a:t>
-            </a:r>
-          </a:p>
-        </p:txBody>
-      </p:sp>
-      <p:sp>
-        <p:nvSpPr>
-          <p:cNvPr id="38" name="Oval 37"/>
-          <p:cNvSpPr/>
-          <p:nvPr/>
-        </p:nvSpPr>
-        <p:spPr>
-          <a:xfrm>
-            <a:off x="3840480" y="3182112"/>
-            <a:ext cx="36576" cy="36576"/>
-          </a:xfrm>
-          <a:prstGeom prst="ellipse">
-            <a:avLst/>
-          </a:prstGeom>
-          <a:solidFill>
-            <a:srgbClr val="B5975B"/>
-          </a:solidFill>
-          <a:ln>
-            <a:noFill/>
-          </a:ln>
-        </p:spPr>
-        <p:style>
-          <a:lnRef idx="1">
-            <a:schemeClr val="accent1"/>
-          </a:lnRef>
-          <a:fillRef idx="3">
-            <a:schemeClr val="accent1"/>
-          </a:fillRef>
-          <a:effectRef idx="2">
-            <a:schemeClr val="accent1"/>
-          </a:effectRef>
-          <a:fontRef idx="minor">
-            <a:schemeClr val="lt1"/>
-          </a:fontRef>
-        </p:style>
-        <p:txBody>
-          <a:bodyPr rtlCol="0" anchor="ctr"/>
-          <a:lstStyle/>
-          <a:p>
-            <a:pPr algn="ctr"/>
-          </a:p>
-        </p:txBody>
-      </p:sp>
-      <p:sp>
-        <p:nvSpPr>
-          <p:cNvPr id="39" name="TextBox 38"/>
-          <p:cNvSpPr txBox="1"/>
-          <p:nvPr/>
-        </p:nvSpPr>
-        <p:spPr>
-          <a:xfrm>
-            <a:off x="3950208" y="3108960"/>
-            <a:ext cx="3200400" cy="411480"/>
-          </a:xfrm>
-          <a:prstGeom prst="rect">
-            <a:avLst/>
-          </a:prstGeom>
-          <a:noFill/>
-          <a:ln>
-            <a:noFill/>
-          </a:ln>
-          <a:effectLst/>
-        </p:spPr>
-        <p:txBody>
-          <a:bodyPr wrap="square">
-            <a:spAutoFit/>
-          </a:bodyPr>
-          <a:lstStyle/>
-          <a:p>
-            <a:pPr algn="l"/>
-            <a:r>
-              <a:rPr sz="900" b="0">
-                <a:solidFill>
-                  <a:srgbClr val="404040"/>
-                </a:solidFill>
-                <a:latin typeface="Arial"/>
-              </a:rPr>
-              <a:t>Corporate Catering: B2B institutional sales and corporate partnerships</a:t>
-            </a:r>
-          </a:p>
-        </p:txBody>
-      </p:sp>
-      <p:sp>
-        <p:nvSpPr>
-          <p:cNvPr id="40" name="Oval 39"/>
-          <p:cNvSpPr/>
-          <p:nvPr/>
-        </p:nvSpPr>
-        <p:spPr>
-          <a:xfrm>
-            <a:off x="3840480" y="3639312"/>
-            <a:ext cx="36576" cy="36576"/>
-          </a:xfrm>
-          <a:prstGeom prst="ellipse">
-            <a:avLst/>
-          </a:prstGeom>
-          <a:solidFill>
-            <a:srgbClr val="B5975B"/>
-          </a:solidFill>
-          <a:ln>
-            <a:noFill/>
-          </a:ln>
-        </p:spPr>
-        <p:style>
-          <a:lnRef idx="1">
-            <a:schemeClr val="accent1"/>
-          </a:lnRef>
-          <a:fillRef idx="3">
-            <a:schemeClr val="accent1"/>
-          </a:fillRef>
-          <a:effectRef idx="2">
-            <a:schemeClr val="accent1"/>
-          </a:effectRef>
-          <a:fontRef idx="minor">
-            <a:schemeClr val="lt1"/>
-          </a:fontRef>
-        </p:style>
-        <p:txBody>
-          <a:bodyPr rtlCol="0" anchor="ctr"/>
-          <a:lstStyle/>
-          <a:p>
-            <a:pPr algn="ctr"/>
-          </a:p>
-        </p:txBody>
-      </p:sp>
-      <p:sp>
-        <p:nvSpPr>
-          <p:cNvPr id="41" name="TextBox 40"/>
-          <p:cNvSpPr txBox="1"/>
-          <p:nvPr/>
-        </p:nvSpPr>
-        <p:spPr>
-          <a:xfrm>
-            <a:off x="3950208" y="3566160"/>
-            <a:ext cx="3200400" cy="411480"/>
-          </a:xfrm>
-          <a:prstGeom prst="rect">
-            <a:avLst/>
-          </a:prstGeom>
-          <a:noFill/>
-          <a:ln>
-            <a:noFill/>
-          </a:ln>
-          <a:effectLst/>
-        </p:spPr>
-        <p:txBody>
-          <a:bodyPr wrap="square">
-            <a:spAutoFit/>
-          </a:bodyPr>
-          <a:lstStyle/>
-          <a:p>
-            <a:pPr algn="l"/>
-            <a:r>
-              <a:rPr sz="900" b="0">
-                <a:solidFill>
-                  <a:srgbClr val="404040"/>
-                </a:solidFill>
-                <a:latin typeface="Arial"/>
-              </a:rPr>
-              <a:t>Retail Merchandise: Branded items and gift products</a:t>
-            </a:r>
-          </a:p>
-        </p:txBody>
-      </p:sp>
-      <p:sp>
-        <p:nvSpPr>
-          <p:cNvPr id="42" name="Oval 41"/>
-          <p:cNvSpPr/>
-          <p:nvPr/>
-        </p:nvSpPr>
-        <p:spPr>
-          <a:xfrm>
-            <a:off x="3840480" y="4096512"/>
-            <a:ext cx="36576" cy="36576"/>
-          </a:xfrm>
-          <a:prstGeom prst="ellipse">
-            <a:avLst/>
-          </a:prstGeom>
-          <a:solidFill>
-            <a:srgbClr val="B5975B"/>
-          </a:solidFill>
-          <a:ln>
-            <a:noFill/>
-          </a:ln>
-        </p:spPr>
-        <p:style>
-          <a:lnRef idx="1">
-            <a:schemeClr val="accent1"/>
-          </a:lnRef>
-          <a:fillRef idx="3">
-            <a:schemeClr val="accent1"/>
-          </a:fillRef>
-          <a:effectRef idx="2">
-            <a:schemeClr val="accent1"/>
-          </a:effectRef>
-          <a:fontRef idx="minor">
-            <a:schemeClr val="lt1"/>
-          </a:fontRef>
-        </p:style>
-        <p:txBody>
-          <a:bodyPr rtlCol="0" anchor="ctr"/>
-          <a:lstStyle/>
-          <a:p>
-            <a:pPr algn="ctr"/>
-          </a:p>
-        </p:txBody>
-      </p:sp>
-      <p:sp>
-        <p:nvSpPr>
-          <p:cNvPr id="43" name="TextBox 42"/>
-          <p:cNvSpPr txBox="1"/>
-          <p:nvPr/>
-        </p:nvSpPr>
-        <p:spPr>
-          <a:xfrm>
-            <a:off x="3950208" y="4023360"/>
-            <a:ext cx="3200400" cy="411480"/>
-          </a:xfrm>
-          <a:prstGeom prst="rect">
-            <a:avLst/>
-          </a:prstGeom>
-          <a:noFill/>
-          <a:ln>
-            <a:noFill/>
-          </a:ln>
-          <a:effectLst/>
-        </p:spPr>
-        <p:txBody>
-          <a:bodyPr wrap="square">
-            <a:spAutoFit/>
-          </a:bodyPr>
-          <a:lstStyle/>
-          <a:p>
-            <a:pPr algn="l"/>
-            <a:r>
-              <a:rPr sz="900" b="0">
-                <a:solidFill>
-                  <a:srgbClr val="404040"/>
-                </a:solidFill>
-                <a:latin typeface="Arial"/>
-              </a:rPr>
-              <a:t>Franchise Operations: Proven business model for expansion partners</a:t>
-            </a:r>
-          </a:p>
-        </p:txBody>
-      </p:sp>
-      <p:sp>
-        <p:nvSpPr>
-          <p:cNvPr id="44" name="Oval 43"/>
-          <p:cNvSpPr/>
-          <p:nvPr/>
-        </p:nvSpPr>
-        <p:spPr>
-          <a:xfrm>
-            <a:off x="3840480" y="4553712"/>
-            <a:ext cx="36576" cy="36576"/>
-          </a:xfrm>
-          <a:prstGeom prst="ellipse">
-            <a:avLst/>
-          </a:prstGeom>
-          <a:solidFill>
-            <a:srgbClr val="B5975B"/>
-          </a:solidFill>
-          <a:ln>
-            <a:noFill/>
-          </a:ln>
-        </p:spPr>
-        <p:style>
-          <a:lnRef idx="1">
-            <a:schemeClr val="accent1"/>
-          </a:lnRef>
-          <a:fillRef idx="3">
-            <a:schemeClr val="accent1"/>
-          </a:fillRef>
-          <a:effectRef idx="2">
-            <a:schemeClr val="accent1"/>
-          </a:effectRef>
-          <a:fontRef idx="minor">
-            <a:schemeClr val="lt1"/>
-          </a:fontRef>
-        </p:style>
-        <p:txBody>
-          <a:bodyPr rtlCol="0" anchor="ctr"/>
-          <a:lstStyle/>
-          <a:p>
-            <a:pPr algn="ctr"/>
-          </a:p>
-        </p:txBody>
-      </p:sp>
-      <p:sp>
-        <p:nvSpPr>
-          <p:cNvPr id="45" name="TextBox 44"/>
-          <p:cNvSpPr txBox="1"/>
-          <p:nvPr/>
-        </p:nvSpPr>
-        <p:spPr>
-          <a:xfrm>
-            <a:off x="3950208" y="4480560"/>
-            <a:ext cx="3200400" cy="411480"/>
-          </a:xfrm>
-          <a:prstGeom prst="rect">
-            <a:avLst/>
-          </a:prstGeom>
-          <a:noFill/>
-          <a:ln>
-            <a:noFill/>
-          </a:ln>
-          <a:effectLst/>
-        </p:spPr>
-        <p:txBody>
-          <a:bodyPr wrap="square">
-            <a:spAutoFit/>
-          </a:bodyPr>
-          <a:lstStyle/>
-          <a:p>
-            <a:pPr algn="l"/>
-            <a:r>
-              <a:rPr sz="900" b="0">
-                <a:solidFill>
-                  <a:srgbClr val="404040"/>
-                </a:solidFill>
-                <a:latin typeface="Arial"/>
-              </a:rPr>
-              <a:t>Digital Ordering Platform: Online ordering and delivery capabilities</a:t>
-            </a:r>
-          </a:p>
-        </p:txBody>
-      </p:sp>
-      <p:sp>
-        <p:nvSpPr>
-          <p:cNvPr id="46" name="TextBox 45"/>
+              <a:t>AI-powered business automation solutions for SMEs</a:t>
+            </a:r>
+          </a:p>
+        </p:txBody>
+      </p:sp>
+      <p:sp>
+        <p:nvSpPr>
+          <p:cNvPr id="24" name="TextBox 23"/>
           <p:cNvSpPr txBox="1"/>
           <p:nvPr/>
         </p:nvSpPr>
@@ -5259,7 +4358,7 @@
       </p:sp>
       <p:sp>
         <p:nvSpPr>
-          <p:cNvPr id="47" name="TextBox 46"/>
+          <p:cNvPr id="25" name="TextBox 24"/>
           <p:cNvSpPr txBox="1"/>
           <p:nvPr/>
         </p:nvSpPr>
@@ -5298,7 +4397,7 @@
       </p:sp>
       <p:sp>
         <p:nvSpPr>
-          <p:cNvPr id="48" name="TextBox 47"/>
+          <p:cNvPr id="26" name="TextBox 25"/>
           <p:cNvSpPr txBox="1"/>
           <p:nvPr/>
         </p:nvSpPr>
@@ -5333,7 +4432,7 @@
       </p:sp>
       <p:sp>
         <p:nvSpPr>
-          <p:cNvPr id="49" name="TextBox 48"/>
+          <p:cNvPr id="27" name="TextBox 26"/>
           <p:cNvSpPr txBox="1"/>
           <p:nvPr/>
         </p:nvSpPr>
@@ -5414,7 +4513,7 @@
                 </a:solidFill>
                 <a:latin typeface="Arial"/>
               </a:rPr>
-              <a:t>Buyer Profiles</a:t>
+              <a:t>Valuation Overview</a:t>
             </a:r>
           </a:p>
         </p:txBody>
@@ -5470,105 +4569,66 @@
         </p:nvSpPr>
         <p:spPr>
           <a:xfrm>
-            <a:off x="1828800" y="2743200"/>
-            <a:ext cx="8229600" cy="914400"/>
-          </a:xfrm>
-          <a:prstGeom prst="rect">
-            <a:avLst/>
-          </a:prstGeom>
-          <a:noFill/>
-          <a:ln>
-            <a:noFill/>
-          </a:ln>
-          <a:effectLst/>
-        </p:spPr>
-        <p:txBody>
-          <a:bodyPr wrap="square">
-            <a:spAutoFit/>
-          </a:bodyPr>
-          <a:lstStyle/>
-          <a:p>
-            <a:pPr algn="ctr"/>
-            <a:r>
-              <a:rPr sz="1400" b="0">
-                <a:solidFill>
-                  <a:srgbClr val="404040"/>
-                </a:solidFill>
-                <a:latin typeface="Arial"/>
-              </a:rPr>
-              <a:t>Buyer profiles data will be displayed here when available.</a:t>
-            </a:r>
-          </a:p>
-        </p:txBody>
-      </p:sp>
-      <p:sp>
-        <p:nvSpPr>
-          <p:cNvPr id="5" name="TextBox 4"/>
-          <p:cNvSpPr txBox="1"/>
-          <p:nvPr/>
-        </p:nvSpPr>
-        <p:spPr>
-          <a:xfrm>
-            <a:off x="457200" y="6400800"/>
-            <a:ext cx="5486400" cy="365760"/>
-          </a:xfrm>
-          <a:prstGeom prst="rect">
-            <a:avLst/>
-          </a:prstGeom>
-          <a:noFill/>
-        </p:spPr>
-        <p:txBody>
-          <a:bodyPr wrap="none" anchor="ctr">
-            <a:spAutoFit/>
-          </a:bodyPr>
-          <a:lstStyle/>
-          <a:p>
-            <a:pPr algn="l">
-              <a:defRPr sz="900">
-                <a:solidFill>
-                  <a:srgbClr val="808080"/>
+            <a:off x="914400" y="1280160"/>
+            <a:ext cx="10058400" cy="274320"/>
+          </a:xfrm>
+          <a:prstGeom prst="rect">
+            <a:avLst/>
+          </a:prstGeom>
+          <a:noFill/>
+        </p:spPr>
+        <p:txBody>
+          <a:bodyPr wrap="none">
+            <a:spAutoFit/>
+          </a:bodyPr>
+          <a:lstStyle/>
+          <a:p>
+            <a:pPr algn="ctr">
+              <a:defRPr sz="1400" b="1">
+                <a:solidFill>
+                  <a:srgbClr val="183A58"/>
                 </a:solidFill>
                 <a:latin typeface="Arial"/>
               </a:defRPr>
             </a:pPr>
             <a:r>
-              <a:t>Confidential | September 11, 2025</a:t>
-            </a:r>
-          </a:p>
-        </p:txBody>
-      </p:sp>
-      <p:sp>
-        <p:nvSpPr>
-          <p:cNvPr id="6" name="TextBox 5"/>
-          <p:cNvSpPr txBox="1"/>
-          <p:nvPr/>
-        </p:nvSpPr>
-        <p:spPr>
-          <a:xfrm>
-            <a:off x="9144000" y="6400800"/>
-            <a:ext cx="2743200" cy="365760"/>
-          </a:xfrm>
-          <a:prstGeom prst="rect">
-            <a:avLst/>
-          </a:prstGeom>
-          <a:noFill/>
-        </p:spPr>
-        <p:txBody>
-          <a:bodyPr wrap="none" anchor="ctr">
-            <a:spAutoFit/>
-          </a:bodyPr>
-          <a:lstStyle/>
-          <a:p>
-            <a:pPr algn="r">
-              <a:defRPr sz="900">
-                <a:solidFill>
-                  <a:srgbClr val="808080"/>
+              <a:t>Implied EV/Post IRFS-16 EBITDA</a:t>
+            </a:r>
+          </a:p>
+        </p:txBody>
+      </p:sp>
+      <p:sp>
+        <p:nvSpPr>
+          <p:cNvPr id="5" name="TextBox 4"/>
+          <p:cNvSpPr txBox="1"/>
+          <p:nvPr/>
+        </p:nvSpPr>
+        <p:spPr>
+          <a:xfrm>
+            <a:off x="1828800" y="2286000"/>
+            <a:ext cx="8229600" cy="914400"/>
+          </a:xfrm>
+          <a:prstGeom prst="rect">
+            <a:avLst/>
+          </a:prstGeom>
+          <a:noFill/>
+        </p:spPr>
+        <p:txBody>
+          <a:bodyPr wrap="none">
+            <a:spAutoFit/>
+          </a:bodyPr>
+          <a:lstStyle/>
+          <a:p>
+            <a:pPr algn="ctr">
+              <a:defRPr sz="1400">
+                <a:solidFill>
+                  <a:srgbClr val="404040"/>
                 </a:solidFill>
                 <a:latin typeface="Arial"/>
               </a:defRPr>
             </a:pPr>
             <a:r>
-              <a:t>TechCorp Solutions</a:t>
+              <a:t>Valuation data will be displayed here when available.</a:t>
             </a:r>
           </a:p>
         </p:txBody>
@@ -5621,7 +4681,7 @@
                 </a:solidFill>
                 <a:latin typeface="Arial"/>
               </a:rPr>
-              <a:t>Buyer Profiles</a:t>
+              <a:t>Investment Opportunity</a:t>
             </a:r>
           </a:p>
         </p:txBody>
@@ -5789,6 +4849,213 @@
 </file>
 
 <file path=ppt/slides/slide12.xml><?xml version="1.0" encoding="utf-8"?>
+<p:sld xmlns:a="http://schemas.openxmlformats.org/drawingml/2006/main" xmlns:p="http://schemas.openxmlformats.org/presentationml/2006/main" xmlns:r="http://schemas.openxmlformats.org/officeDocument/2006/relationships">
+  <p:cSld>
+    <p:spTree>
+      <p:nvGrpSpPr>
+        <p:cNvPr id="1" name=""/>
+        <p:cNvGrpSpPr/>
+        <p:nvPr/>
+      </p:nvGrpSpPr>
+      <p:grpSpPr/>
+      <p:sp>
+        <p:nvSpPr>
+          <p:cNvPr id="2" name="TextBox 1"/>
+          <p:cNvSpPr txBox="1"/>
+          <p:nvPr/>
+        </p:nvSpPr>
+        <p:spPr>
+          <a:xfrm>
+            <a:off x="457200" y="274320"/>
+            <a:ext cx="11277295" cy="731520"/>
+          </a:xfrm>
+          <a:prstGeom prst="rect">
+            <a:avLst/>
+          </a:prstGeom>
+          <a:noFill/>
+        </p:spPr>
+        <p:txBody>
+          <a:bodyPr wrap="none" lIns="0" tIns="0" rIns="0" bIns="0">
+            <a:spAutoFit/>
+          </a:bodyPr>
+          <a:lstStyle/>
+          <a:p>
+            <a:pPr algn="l"/>
+            <a:r>
+              <a:rPr sz="2400" b="1">
+                <a:solidFill>
+                  <a:srgbClr val="183A58"/>
+                </a:solidFill>
+                <a:latin typeface="Arial"/>
+              </a:rPr>
+              <a:t>Investment Opportunity</a:t>
+            </a:r>
+          </a:p>
+        </p:txBody>
+      </p:sp>
+      <p:sp>
+        <p:nvSpPr>
+          <p:cNvPr id="3" name="Rectangle 2"/>
+          <p:cNvSpPr/>
+          <p:nvPr/>
+        </p:nvSpPr>
+        <p:spPr>
+          <a:xfrm>
+            <a:off x="457200" y="914400"/>
+            <a:ext cx="11277295" cy="45720"/>
+          </a:xfrm>
+          <a:prstGeom prst="rect">
+            <a:avLst/>
+          </a:prstGeom>
+          <a:solidFill>
+            <a:srgbClr val="183A58"/>
+          </a:solidFill>
+          <a:ln>
+            <a:noFill/>
+          </a:ln>
+        </p:spPr>
+        <p:style>
+          <a:lnRef idx="1">
+            <a:schemeClr val="accent1"/>
+          </a:lnRef>
+          <a:fillRef idx="3">
+            <a:schemeClr val="accent1"/>
+          </a:fillRef>
+          <a:effectRef idx="2">
+            <a:schemeClr val="accent1"/>
+          </a:effectRef>
+          <a:fontRef idx="minor">
+            <a:schemeClr val="lt1"/>
+          </a:fontRef>
+        </p:style>
+        <p:txBody>
+          <a:bodyPr rtlCol="0" anchor="ctr"/>
+          <a:lstStyle/>
+          <a:p>
+            <a:pPr algn="ctr"/>
+          </a:p>
+        </p:txBody>
+      </p:sp>
+      <p:sp>
+        <p:nvSpPr>
+          <p:cNvPr id="4" name="TextBox 3"/>
+          <p:cNvSpPr txBox="1"/>
+          <p:nvPr/>
+        </p:nvSpPr>
+        <p:spPr>
+          <a:xfrm>
+            <a:off x="1828800" y="2743200"/>
+            <a:ext cx="8229600" cy="914400"/>
+          </a:xfrm>
+          <a:prstGeom prst="rect">
+            <a:avLst/>
+          </a:prstGeom>
+          <a:noFill/>
+          <a:ln>
+            <a:noFill/>
+          </a:ln>
+          <a:effectLst/>
+        </p:spPr>
+        <p:txBody>
+          <a:bodyPr wrap="square">
+            <a:spAutoFit/>
+          </a:bodyPr>
+          <a:lstStyle/>
+          <a:p>
+            <a:pPr algn="ctr"/>
+            <a:r>
+              <a:rPr sz="1400" b="0">
+                <a:solidFill>
+                  <a:srgbClr val="404040"/>
+                </a:solidFill>
+                <a:latin typeface="Arial"/>
+              </a:rPr>
+              <a:t>Buyer profiles data will be displayed here when available.</a:t>
+            </a:r>
+          </a:p>
+        </p:txBody>
+      </p:sp>
+      <p:sp>
+        <p:nvSpPr>
+          <p:cNvPr id="5" name="TextBox 4"/>
+          <p:cNvSpPr txBox="1"/>
+          <p:nvPr/>
+        </p:nvSpPr>
+        <p:spPr>
+          <a:xfrm>
+            <a:off x="457200" y="6400800"/>
+            <a:ext cx="5486400" cy="365760"/>
+          </a:xfrm>
+          <a:prstGeom prst="rect">
+            <a:avLst/>
+          </a:prstGeom>
+          <a:noFill/>
+        </p:spPr>
+        <p:txBody>
+          <a:bodyPr wrap="none" anchor="ctr">
+            <a:spAutoFit/>
+          </a:bodyPr>
+          <a:lstStyle/>
+          <a:p>
+            <a:pPr algn="l">
+              <a:defRPr sz="900">
+                <a:solidFill>
+                  <a:srgbClr val="808080"/>
+                </a:solidFill>
+                <a:latin typeface="Arial"/>
+              </a:defRPr>
+            </a:pPr>
+            <a:r>
+              <a:t>Confidential | September 11, 2025</a:t>
+            </a:r>
+          </a:p>
+        </p:txBody>
+      </p:sp>
+      <p:sp>
+        <p:nvSpPr>
+          <p:cNvPr id="6" name="TextBox 5"/>
+          <p:cNvSpPr txBox="1"/>
+          <p:nvPr/>
+        </p:nvSpPr>
+        <p:spPr>
+          <a:xfrm>
+            <a:off x="9144000" y="6400800"/>
+            <a:ext cx="2743200" cy="365760"/>
+          </a:xfrm>
+          <a:prstGeom prst="rect">
+            <a:avLst/>
+          </a:prstGeom>
+          <a:noFill/>
+        </p:spPr>
+        <p:txBody>
+          <a:bodyPr wrap="none" anchor="ctr">
+            <a:spAutoFit/>
+          </a:bodyPr>
+          <a:lstStyle/>
+          <a:p>
+            <a:pPr algn="r">
+              <a:defRPr sz="900">
+                <a:solidFill>
+                  <a:srgbClr val="808080"/>
+                </a:solidFill>
+                <a:latin typeface="Arial"/>
+              </a:defRPr>
+            </a:pPr>
+            <a:r>
+              <a:t>TechCorp Solutions</a:t>
+            </a:r>
+          </a:p>
+        </p:txBody>
+      </p:sp>
+    </p:spTree>
+  </p:cSld>
+  <p:clrMapOvr>
+    <a:masterClrMapping/>
+  </p:clrMapOvr>
+</p:sld>
+</file>
+
+<file path=ppt/slides/slide13.xml><?xml version="1.0" encoding="utf-8"?>
 <p:sld xmlns:a="http://schemas.openxmlformats.org/drawingml/2006/main" xmlns:p="http://schemas.openxmlformats.org/presentationml/2006/main" xmlns:r="http://schemas.openxmlformats.org/officeDocument/2006/relationships">
   <p:cSld>
     <p:bg>
@@ -5918,7 +5185,7 @@
                 </a:solidFill>
                 <a:latin typeface="Arial"/>
               </a:rPr>
-              <a:t>Leading healthcare services provider with comprehensive medical care and operational excellence.</a:t>
+              <a:t>TechCorp Solutions is a technology company founded in 2018 and headquartered in Dubai, UAE. The company provides AI-powered business automation solutions tailored for small and medium-sized enterprises (SMEs) across the Middle East. Its offerings focus on leveraging artificial intelligence to streamline and optimize business processes for regional clients.</a:t>
             </a:r>
           </a:p>
         </p:txBody>
@@ -6329,7 +5596,7 @@
                 </a:solidFill>
                 <a:latin typeface="Arial"/>
               </a:rPr>
-              <a:t>Market-leading position with 130+ outlets across major Indonesian cities</a:t>
+              <a:t>Founded in 2018</a:t>
             </a:r>
           </a:p>
         </p:txBody>
@@ -6411,7 +5678,7 @@
                 </a:solidFill>
                 <a:latin typeface="Arial"/>
               </a:rPr>
-              <a:t>Strong growth trajectory: 100+ new locations since 2021 acquisition</a:t>
+              <a:t>Latest revenue: $12M</a:t>
             </a:r>
           </a:p>
         </p:txBody>
@@ -6493,7 +5760,7 @@
                 </a:solidFill>
                 <a:latin typeface="Arial"/>
               </a:rPr>
-              <a:t>Consistent double-digit revenue and EBITDA growth post-acquisition</a:t>
+              <a:t>Latest EBITDA: $3.2M</a:t>
             </a:r>
           </a:p>
         </p:txBody>
@@ -6575,20 +5842,59 @@
                 </a:solidFill>
                 <a:latin typeface="Arial"/>
               </a:rPr>
-              <a:t>Premium Japanese-inspired artisan bakery positioning</a:t>
-            </a:r>
-          </a:p>
-        </p:txBody>
-      </p:sp>
-      <p:sp>
-        <p:nvSpPr>
-          <p:cNvPr id="21" name="Oval 20"/>
+              <a:t>Strong growth trajectory</a:t>
+            </a:r>
+          </a:p>
+        </p:txBody>
+      </p:sp>
+      <p:sp>
+        <p:nvSpPr>
+          <p:cNvPr id="21" name="TextBox 20"/>
+          <p:cNvSpPr txBox="1"/>
+          <p:nvPr/>
+        </p:nvSpPr>
+        <p:spPr>
+          <a:xfrm>
+            <a:off x="731520" y="2743200"/>
+            <a:ext cx="5943600" cy="274320"/>
+          </a:xfrm>
+          <a:prstGeom prst="rect">
+            <a:avLst/>
+          </a:prstGeom>
+          <a:noFill/>
+          <a:ln>
+            <a:noFill/>
+          </a:ln>
+          <a:effectLst/>
+        </p:spPr>
+        <p:txBody>
+          <a:bodyPr wrap="square">
+            <a:spAutoFit/>
+          </a:bodyPr>
+          <a:lstStyle/>
+          <a:p>
+            <a:pPr algn="l"/>
+            <a:r>
+              <a:rPr sz="1200" b="1">
+                <a:solidFill>
+                  <a:srgbClr val="183A58"/>
+                </a:solidFill>
+                <a:latin typeface="Arial"/>
+              </a:rPr>
+              <a:t>Core Business Lines &amp; Capabilities</a:t>
+            </a:r>
+          </a:p>
+        </p:txBody>
+      </p:sp>
+      <p:sp>
+        <p:nvSpPr>
+          <p:cNvPr id="22" name="Oval 21"/>
           <p:cNvSpPr/>
           <p:nvPr/>
         </p:nvSpPr>
         <p:spPr>
           <a:xfrm>
-            <a:off x="7589520" y="3867912"/>
+            <a:off x="822960" y="3182112"/>
             <a:ext cx="36576" cy="36576"/>
           </a:xfrm>
           <a:prstGeom prst="ellipse">
@@ -6625,374 +5931,7 @@
       </p:sp>
       <p:sp>
         <p:nvSpPr>
-          <p:cNvPr id="22" name="TextBox 21"/>
-          <p:cNvSpPr txBox="1"/>
-          <p:nvPr/>
-        </p:nvSpPr>
-        <p:spPr>
-          <a:xfrm>
-            <a:off x="7699248" y="3794760"/>
-            <a:ext cx="3886200" cy="502920"/>
-          </a:xfrm>
-          <a:prstGeom prst="rect">
-            <a:avLst/>
-          </a:prstGeom>
-          <a:noFill/>
-          <a:ln>
-            <a:noFill/>
-          </a:ln>
-          <a:effectLst/>
-        </p:spPr>
-        <p:txBody>
-          <a:bodyPr wrap="square">
-            <a:spAutoFit/>
-          </a:bodyPr>
-          <a:lstStyle/>
-          <a:p>
-            <a:pPr algn="l"/>
-            <a:r>
-              <a:rPr sz="900" b="0">
-                <a:solidFill>
-                  <a:srgbClr val="404040"/>
-                </a:solidFill>
-                <a:latin typeface="Arial"/>
-              </a:rPr>
-              <a:t>Diversified revenue streams: B2C retail + institutional B2B clients</a:t>
-            </a:r>
-          </a:p>
-        </p:txBody>
-      </p:sp>
-      <p:sp>
-        <p:nvSpPr>
-          <p:cNvPr id="23" name="Oval 22"/>
-          <p:cNvSpPr/>
-          <p:nvPr/>
-        </p:nvSpPr>
-        <p:spPr>
-          <a:xfrm>
-            <a:off x="7589520" y="4416552"/>
-            <a:ext cx="36576" cy="36576"/>
-          </a:xfrm>
-          <a:prstGeom prst="ellipse">
-            <a:avLst/>
-          </a:prstGeom>
-          <a:solidFill>
-            <a:srgbClr val="B5975B"/>
-          </a:solidFill>
-          <a:ln>
-            <a:noFill/>
-          </a:ln>
-        </p:spPr>
-        <p:style>
-          <a:lnRef idx="1">
-            <a:schemeClr val="accent1"/>
-          </a:lnRef>
-          <a:fillRef idx="3">
-            <a:schemeClr val="accent1"/>
-          </a:fillRef>
-          <a:effectRef idx="2">
-            <a:schemeClr val="accent1"/>
-          </a:effectRef>
-          <a:fontRef idx="minor">
-            <a:schemeClr val="lt1"/>
-          </a:fontRef>
-        </p:style>
-        <p:txBody>
-          <a:bodyPr rtlCol="0" anchor="ctr"/>
-          <a:lstStyle/>
-          <a:p>
-            <a:pPr algn="ctr"/>
-          </a:p>
-        </p:txBody>
-      </p:sp>
-      <p:sp>
-        <p:nvSpPr>
-          <p:cNvPr id="24" name="TextBox 23"/>
-          <p:cNvSpPr txBox="1"/>
-          <p:nvPr/>
-        </p:nvSpPr>
-        <p:spPr>
-          <a:xfrm>
-            <a:off x="7699248" y="4343400"/>
-            <a:ext cx="3886200" cy="502920"/>
-          </a:xfrm>
-          <a:prstGeom prst="rect">
-            <a:avLst/>
-          </a:prstGeom>
-          <a:noFill/>
-          <a:ln>
-            <a:noFill/>
-          </a:ln>
-          <a:effectLst/>
-        </p:spPr>
-        <p:txBody>
-          <a:bodyPr wrap="square">
-            <a:spAutoFit/>
-          </a:bodyPr>
-          <a:lstStyle/>
-          <a:p>
-            <a:pPr algn="l"/>
-            <a:r>
-              <a:rPr sz="900" b="0">
-                <a:solidFill>
-                  <a:srgbClr val="404040"/>
-                </a:solidFill>
-                <a:latin typeface="Arial"/>
-              </a:rPr>
-              <a:t>Strategic locations in high-traffic transit hubs and commercial centers</a:t>
-            </a:r>
-          </a:p>
-        </p:txBody>
-      </p:sp>
-      <p:sp>
-        <p:nvSpPr>
-          <p:cNvPr id="25" name="Oval 24"/>
-          <p:cNvSpPr/>
-          <p:nvPr/>
-        </p:nvSpPr>
-        <p:spPr>
-          <a:xfrm>
-            <a:off x="7589520" y="4965192"/>
-            <a:ext cx="36576" cy="36576"/>
-          </a:xfrm>
-          <a:prstGeom prst="ellipse">
-            <a:avLst/>
-          </a:prstGeom>
-          <a:solidFill>
-            <a:srgbClr val="B5975B"/>
-          </a:solidFill>
-          <a:ln>
-            <a:noFill/>
-          </a:ln>
-        </p:spPr>
-        <p:style>
-          <a:lnRef idx="1">
-            <a:schemeClr val="accent1"/>
-          </a:lnRef>
-          <a:fillRef idx="3">
-            <a:schemeClr val="accent1"/>
-          </a:fillRef>
-          <a:effectRef idx="2">
-            <a:schemeClr val="accent1"/>
-          </a:effectRef>
-          <a:fontRef idx="minor">
-            <a:schemeClr val="lt1"/>
-          </a:fontRef>
-        </p:style>
-        <p:txBody>
-          <a:bodyPr rtlCol="0" anchor="ctr"/>
-          <a:lstStyle/>
-          <a:p>
-            <a:pPr algn="ctr"/>
-          </a:p>
-        </p:txBody>
-      </p:sp>
-      <p:sp>
-        <p:nvSpPr>
-          <p:cNvPr id="26" name="TextBox 25"/>
-          <p:cNvSpPr txBox="1"/>
-          <p:nvPr/>
-        </p:nvSpPr>
-        <p:spPr>
-          <a:xfrm>
-            <a:off x="7699248" y="4892040"/>
-            <a:ext cx="3886200" cy="502920"/>
-          </a:xfrm>
-          <a:prstGeom prst="rect">
-            <a:avLst/>
-          </a:prstGeom>
-          <a:noFill/>
-          <a:ln>
-            <a:noFill/>
-          </a:ln>
-          <a:effectLst/>
-        </p:spPr>
-        <p:txBody>
-          <a:bodyPr wrap="square">
-            <a:spAutoFit/>
-          </a:bodyPr>
-          <a:lstStyle/>
-          <a:p>
-            <a:pPr algn="l"/>
-            <a:r>
-              <a:rPr sz="900" b="0">
-                <a:solidFill>
-                  <a:srgbClr val="404040"/>
-                </a:solidFill>
-                <a:latin typeface="Arial"/>
-              </a:rPr>
-              <a:t>Fresh, preservative-free product differentiation</a:t>
-            </a:r>
-          </a:p>
-        </p:txBody>
-      </p:sp>
-      <p:sp>
-        <p:nvSpPr>
-          <p:cNvPr id="27" name="Oval 26"/>
-          <p:cNvSpPr/>
-          <p:nvPr/>
-        </p:nvSpPr>
-        <p:spPr>
-          <a:xfrm>
-            <a:off x="7589520" y="5513832"/>
-            <a:ext cx="36576" cy="36576"/>
-          </a:xfrm>
-          <a:prstGeom prst="ellipse">
-            <a:avLst/>
-          </a:prstGeom>
-          <a:solidFill>
-            <a:srgbClr val="B5975B"/>
-          </a:solidFill>
-          <a:ln>
-            <a:noFill/>
-          </a:ln>
-        </p:spPr>
-        <p:style>
-          <a:lnRef idx="1">
-            <a:schemeClr val="accent1"/>
-          </a:lnRef>
-          <a:fillRef idx="3">
-            <a:schemeClr val="accent1"/>
-          </a:fillRef>
-          <a:effectRef idx="2">
-            <a:schemeClr val="accent1"/>
-          </a:effectRef>
-          <a:fontRef idx="minor">
-            <a:schemeClr val="lt1"/>
-          </a:fontRef>
-        </p:style>
-        <p:txBody>
-          <a:bodyPr rtlCol="0" anchor="ctr"/>
-          <a:lstStyle/>
-          <a:p>
-            <a:pPr algn="ctr"/>
-          </a:p>
-        </p:txBody>
-      </p:sp>
-      <p:sp>
-        <p:nvSpPr>
-          <p:cNvPr id="28" name="TextBox 27"/>
-          <p:cNvSpPr txBox="1"/>
-          <p:nvPr/>
-        </p:nvSpPr>
-        <p:spPr>
-          <a:xfrm>
-            <a:off x="7699248" y="5440680"/>
-            <a:ext cx="3886200" cy="502920"/>
-          </a:xfrm>
-          <a:prstGeom prst="rect">
-            <a:avLst/>
-          </a:prstGeom>
-          <a:noFill/>
-          <a:ln>
-            <a:noFill/>
-          </a:ln>
-          <a:effectLst/>
-        </p:spPr>
-        <p:txBody>
-          <a:bodyPr wrap="square">
-            <a:spAutoFit/>
-          </a:bodyPr>
-          <a:lstStyle/>
-          <a:p>
-            <a:pPr algn="l"/>
-            <a:r>
-              <a:rPr sz="900" b="0">
-                <a:solidFill>
-                  <a:srgbClr val="404040"/>
-                </a:solidFill>
-                <a:latin typeface="Arial"/>
-              </a:rPr>
-              <a:t>Proven scalable business model with operational excellence</a:t>
-            </a:r>
-          </a:p>
-        </p:txBody>
-      </p:sp>
-      <p:sp>
-        <p:nvSpPr>
-          <p:cNvPr id="29" name="TextBox 28"/>
-          <p:cNvSpPr txBox="1"/>
-          <p:nvPr/>
-        </p:nvSpPr>
-        <p:spPr>
-          <a:xfrm>
-            <a:off x="731520" y="2743200"/>
-            <a:ext cx="5943600" cy="274320"/>
-          </a:xfrm>
-          <a:prstGeom prst="rect">
-            <a:avLst/>
-          </a:prstGeom>
-          <a:noFill/>
-          <a:ln>
-            <a:noFill/>
-          </a:ln>
-          <a:effectLst/>
-        </p:spPr>
-        <p:txBody>
-          <a:bodyPr wrap="square">
-            <a:spAutoFit/>
-          </a:bodyPr>
-          <a:lstStyle/>
-          <a:p>
-            <a:pPr algn="l"/>
-            <a:r>
-              <a:rPr sz="1200" b="1">
-                <a:solidFill>
-                  <a:srgbClr val="183A58"/>
-                </a:solidFill>
-                <a:latin typeface="Arial"/>
-              </a:rPr>
-              <a:t>Core Business Lines &amp; Capabilities</a:t>
-            </a:r>
-          </a:p>
-        </p:txBody>
-      </p:sp>
-      <p:sp>
-        <p:nvSpPr>
-          <p:cNvPr id="30" name="Oval 29"/>
-          <p:cNvSpPr/>
-          <p:nvPr/>
-        </p:nvSpPr>
-        <p:spPr>
-          <a:xfrm>
-            <a:off x="822960" y="3182112"/>
-            <a:ext cx="36576" cy="36576"/>
-          </a:xfrm>
-          <a:prstGeom prst="ellipse">
-            <a:avLst/>
-          </a:prstGeom>
-          <a:solidFill>
-            <a:srgbClr val="B5975B"/>
-          </a:solidFill>
-          <a:ln>
-            <a:noFill/>
-          </a:ln>
-        </p:spPr>
-        <p:style>
-          <a:lnRef idx="1">
-            <a:schemeClr val="accent1"/>
-          </a:lnRef>
-          <a:fillRef idx="3">
-            <a:schemeClr val="accent1"/>
-          </a:fillRef>
-          <a:effectRef idx="2">
-            <a:schemeClr val="accent1"/>
-          </a:effectRef>
-          <a:fontRef idx="minor">
-            <a:schemeClr val="lt1"/>
-          </a:fontRef>
-        </p:style>
-        <p:txBody>
-          <a:bodyPr rtlCol="0" anchor="ctr"/>
-          <a:lstStyle/>
-          <a:p>
-            <a:pPr algn="ctr"/>
-          </a:p>
-        </p:txBody>
-      </p:sp>
-      <p:sp>
-        <p:nvSpPr>
-          <p:cNvPr id="31" name="TextBox 30"/>
+          <p:cNvPr id="23" name="TextBox 22"/>
           <p:cNvSpPr txBox="1"/>
           <p:nvPr/>
         </p:nvSpPr>
@@ -7024,588 +5963,14 @@
                 </a:solidFill>
                 <a:latin typeface="Arial"/>
               </a:rPr>
-              <a:t>Artisan Sweet &amp; Savory Breads: Premium Japanese-inspired baked goods</a:t>
-            </a:r>
-          </a:p>
-        </p:txBody>
-      </p:sp>
-      <p:sp>
-        <p:nvSpPr>
-          <p:cNvPr id="32" name="Oval 31"/>
-          <p:cNvSpPr/>
-          <p:nvPr/>
-        </p:nvSpPr>
-        <p:spPr>
-          <a:xfrm>
-            <a:off x="822960" y="3639312"/>
-            <a:ext cx="36576" cy="36576"/>
-          </a:xfrm>
-          <a:prstGeom prst="ellipse">
-            <a:avLst/>
-          </a:prstGeom>
-          <a:solidFill>
-            <a:srgbClr val="B5975B"/>
-          </a:solidFill>
-          <a:ln>
-            <a:noFill/>
-          </a:ln>
-        </p:spPr>
-        <p:style>
-          <a:lnRef idx="1">
-            <a:schemeClr val="accent1"/>
-          </a:lnRef>
-          <a:fillRef idx="3">
-            <a:schemeClr val="accent1"/>
-          </a:fillRef>
-          <a:effectRef idx="2">
-            <a:schemeClr val="accent1"/>
-          </a:effectRef>
-          <a:fontRef idx="minor">
-            <a:schemeClr val="lt1"/>
-          </a:fontRef>
-        </p:style>
-        <p:txBody>
-          <a:bodyPr rtlCol="0" anchor="ctr"/>
-          <a:lstStyle/>
-          <a:p>
-            <a:pPr algn="ctr"/>
-          </a:p>
-        </p:txBody>
-      </p:sp>
-      <p:sp>
-        <p:nvSpPr>
-          <p:cNvPr id="33" name="TextBox 32"/>
-          <p:cNvSpPr txBox="1"/>
-          <p:nvPr/>
-        </p:nvSpPr>
-        <p:spPr>
-          <a:xfrm>
-            <a:off x="932688" y="3566160"/>
-            <a:ext cx="3200400" cy="411480"/>
-          </a:xfrm>
-          <a:prstGeom prst="rect">
-            <a:avLst/>
-          </a:prstGeom>
-          <a:noFill/>
-          <a:ln>
-            <a:noFill/>
-          </a:ln>
-          <a:effectLst/>
-        </p:spPr>
-        <p:txBody>
-          <a:bodyPr wrap="square">
-            <a:spAutoFit/>
-          </a:bodyPr>
-          <a:lstStyle/>
-          <a:p>
-            <a:pPr algn="l"/>
-            <a:r>
-              <a:rPr sz="900" b="0">
-                <a:solidFill>
-                  <a:srgbClr val="404040"/>
-                </a:solidFill>
-                <a:latin typeface="Arial"/>
-              </a:rPr>
-              <a:t>Whole Cakes &amp; Celebration Products: Custom orders and special occasions</a:t>
-            </a:r>
-          </a:p>
-        </p:txBody>
-      </p:sp>
-      <p:sp>
-        <p:nvSpPr>
-          <p:cNvPr id="34" name="Oval 33"/>
-          <p:cNvSpPr/>
-          <p:nvPr/>
-        </p:nvSpPr>
-        <p:spPr>
-          <a:xfrm>
-            <a:off x="822960" y="4096512"/>
-            <a:ext cx="36576" cy="36576"/>
-          </a:xfrm>
-          <a:prstGeom prst="ellipse">
-            <a:avLst/>
-          </a:prstGeom>
-          <a:solidFill>
-            <a:srgbClr val="B5975B"/>
-          </a:solidFill>
-          <a:ln>
-            <a:noFill/>
-          </a:ln>
-        </p:spPr>
-        <p:style>
-          <a:lnRef idx="1">
-            <a:schemeClr val="accent1"/>
-          </a:lnRef>
-          <a:fillRef idx="3">
-            <a:schemeClr val="accent1"/>
-          </a:fillRef>
-          <a:effectRef idx="2">
-            <a:schemeClr val="accent1"/>
-          </a:effectRef>
-          <a:fontRef idx="minor">
-            <a:schemeClr val="lt1"/>
-          </a:fontRef>
-        </p:style>
-        <p:txBody>
-          <a:bodyPr rtlCol="0" anchor="ctr"/>
-          <a:lstStyle/>
-          <a:p>
-            <a:pPr algn="ctr"/>
-          </a:p>
-        </p:txBody>
-      </p:sp>
-      <p:sp>
-        <p:nvSpPr>
-          <p:cNvPr id="35" name="TextBox 34"/>
-          <p:cNvSpPr txBox="1"/>
-          <p:nvPr/>
-        </p:nvSpPr>
-        <p:spPr>
-          <a:xfrm>
-            <a:off x="932688" y="4023360"/>
-            <a:ext cx="3200400" cy="411480"/>
-          </a:xfrm>
-          <a:prstGeom prst="rect">
-            <a:avLst/>
-          </a:prstGeom>
-          <a:noFill/>
-          <a:ln>
-            <a:noFill/>
-          </a:ln>
-          <a:effectLst/>
-        </p:spPr>
-        <p:txBody>
-          <a:bodyPr wrap="square">
-            <a:spAutoFit/>
-          </a:bodyPr>
-          <a:lstStyle/>
-          <a:p>
-            <a:pPr algn="l"/>
-            <a:r>
-              <a:rPr sz="900" b="0">
-                <a:solidFill>
-                  <a:srgbClr val="404040"/>
-                </a:solidFill>
-                <a:latin typeface="Arial"/>
-              </a:rPr>
-              <a:t>Fresh Food &amp; Light Meals: Sandwiches, salads, and ready-to-eat items</a:t>
-            </a:r>
-          </a:p>
-        </p:txBody>
-      </p:sp>
-      <p:sp>
-        <p:nvSpPr>
-          <p:cNvPr id="36" name="Oval 35"/>
-          <p:cNvSpPr/>
-          <p:nvPr/>
-        </p:nvSpPr>
-        <p:spPr>
-          <a:xfrm>
-            <a:off x="822960" y="4553712"/>
-            <a:ext cx="36576" cy="36576"/>
-          </a:xfrm>
-          <a:prstGeom prst="ellipse">
-            <a:avLst/>
-          </a:prstGeom>
-          <a:solidFill>
-            <a:srgbClr val="B5975B"/>
-          </a:solidFill>
-          <a:ln>
-            <a:noFill/>
-          </a:ln>
-        </p:spPr>
-        <p:style>
-          <a:lnRef idx="1">
-            <a:schemeClr val="accent1"/>
-          </a:lnRef>
-          <a:fillRef idx="3">
-            <a:schemeClr val="accent1"/>
-          </a:fillRef>
-          <a:effectRef idx="2">
-            <a:schemeClr val="accent1"/>
-          </a:effectRef>
-          <a:fontRef idx="minor">
-            <a:schemeClr val="lt1"/>
-          </a:fontRef>
-        </p:style>
-        <p:txBody>
-          <a:bodyPr rtlCol="0" anchor="ctr"/>
-          <a:lstStyle/>
-          <a:p>
-            <a:pPr algn="ctr"/>
-          </a:p>
-        </p:txBody>
-      </p:sp>
-      <p:sp>
-        <p:nvSpPr>
-          <p:cNvPr id="37" name="TextBox 36"/>
-          <p:cNvSpPr txBox="1"/>
-          <p:nvPr/>
-        </p:nvSpPr>
-        <p:spPr>
-          <a:xfrm>
-            <a:off x="932688" y="4480560"/>
-            <a:ext cx="3200400" cy="411480"/>
-          </a:xfrm>
-          <a:prstGeom prst="rect">
-            <a:avLst/>
-          </a:prstGeom>
-          <a:noFill/>
-          <a:ln>
-            <a:noFill/>
-          </a:ln>
-          <a:effectLst/>
-        </p:spPr>
-        <p:txBody>
-          <a:bodyPr wrap="square">
-            <a:spAutoFit/>
-          </a:bodyPr>
-          <a:lstStyle/>
-          <a:p>
-            <a:pPr algn="l"/>
-            <a:r>
-              <a:rPr sz="900" b="0">
-                <a:solidFill>
-                  <a:srgbClr val="404040"/>
-                </a:solidFill>
-                <a:latin typeface="Arial"/>
-              </a:rPr>
-              <a:t>Coffee &amp; Beverages: Premium coffee program and specialty drinks</a:t>
-            </a:r>
-          </a:p>
-        </p:txBody>
-      </p:sp>
-      <p:sp>
-        <p:nvSpPr>
-          <p:cNvPr id="38" name="Oval 37"/>
-          <p:cNvSpPr/>
-          <p:nvPr/>
-        </p:nvSpPr>
-        <p:spPr>
-          <a:xfrm>
-            <a:off x="3840480" y="3182112"/>
-            <a:ext cx="36576" cy="36576"/>
-          </a:xfrm>
-          <a:prstGeom prst="ellipse">
-            <a:avLst/>
-          </a:prstGeom>
-          <a:solidFill>
-            <a:srgbClr val="B5975B"/>
-          </a:solidFill>
-          <a:ln>
-            <a:noFill/>
-          </a:ln>
-        </p:spPr>
-        <p:style>
-          <a:lnRef idx="1">
-            <a:schemeClr val="accent1"/>
-          </a:lnRef>
-          <a:fillRef idx="3">
-            <a:schemeClr val="accent1"/>
-          </a:fillRef>
-          <a:effectRef idx="2">
-            <a:schemeClr val="accent1"/>
-          </a:effectRef>
-          <a:fontRef idx="minor">
-            <a:schemeClr val="lt1"/>
-          </a:fontRef>
-        </p:style>
-        <p:txBody>
-          <a:bodyPr rtlCol="0" anchor="ctr"/>
-          <a:lstStyle/>
-          <a:p>
-            <a:pPr algn="ctr"/>
-          </a:p>
-        </p:txBody>
-      </p:sp>
-      <p:sp>
-        <p:nvSpPr>
-          <p:cNvPr id="39" name="TextBox 38"/>
-          <p:cNvSpPr txBox="1"/>
-          <p:nvPr/>
-        </p:nvSpPr>
-        <p:spPr>
-          <a:xfrm>
-            <a:off x="3950208" y="3108960"/>
-            <a:ext cx="3200400" cy="411480"/>
-          </a:xfrm>
-          <a:prstGeom prst="rect">
-            <a:avLst/>
-          </a:prstGeom>
-          <a:noFill/>
-          <a:ln>
-            <a:noFill/>
-          </a:ln>
-          <a:effectLst/>
-        </p:spPr>
-        <p:txBody>
-          <a:bodyPr wrap="square">
-            <a:spAutoFit/>
-          </a:bodyPr>
-          <a:lstStyle/>
-          <a:p>
-            <a:pPr algn="l"/>
-            <a:r>
-              <a:rPr sz="900" b="0">
-                <a:solidFill>
-                  <a:srgbClr val="404040"/>
-                </a:solidFill>
-                <a:latin typeface="Arial"/>
-              </a:rPr>
-              <a:t>Corporate Catering: B2B institutional sales and corporate partnerships</a:t>
-            </a:r>
-          </a:p>
-        </p:txBody>
-      </p:sp>
-      <p:sp>
-        <p:nvSpPr>
-          <p:cNvPr id="40" name="Oval 39"/>
-          <p:cNvSpPr/>
-          <p:nvPr/>
-        </p:nvSpPr>
-        <p:spPr>
-          <a:xfrm>
-            <a:off x="3840480" y="3639312"/>
-            <a:ext cx="36576" cy="36576"/>
-          </a:xfrm>
-          <a:prstGeom prst="ellipse">
-            <a:avLst/>
-          </a:prstGeom>
-          <a:solidFill>
-            <a:srgbClr val="B5975B"/>
-          </a:solidFill>
-          <a:ln>
-            <a:noFill/>
-          </a:ln>
-        </p:spPr>
-        <p:style>
-          <a:lnRef idx="1">
-            <a:schemeClr val="accent1"/>
-          </a:lnRef>
-          <a:fillRef idx="3">
-            <a:schemeClr val="accent1"/>
-          </a:fillRef>
-          <a:effectRef idx="2">
-            <a:schemeClr val="accent1"/>
-          </a:effectRef>
-          <a:fontRef idx="minor">
-            <a:schemeClr val="lt1"/>
-          </a:fontRef>
-        </p:style>
-        <p:txBody>
-          <a:bodyPr rtlCol="0" anchor="ctr"/>
-          <a:lstStyle/>
-          <a:p>
-            <a:pPr algn="ctr"/>
-          </a:p>
-        </p:txBody>
-      </p:sp>
-      <p:sp>
-        <p:nvSpPr>
-          <p:cNvPr id="41" name="TextBox 40"/>
-          <p:cNvSpPr txBox="1"/>
-          <p:nvPr/>
-        </p:nvSpPr>
-        <p:spPr>
-          <a:xfrm>
-            <a:off x="3950208" y="3566160"/>
-            <a:ext cx="3200400" cy="411480"/>
-          </a:xfrm>
-          <a:prstGeom prst="rect">
-            <a:avLst/>
-          </a:prstGeom>
-          <a:noFill/>
-          <a:ln>
-            <a:noFill/>
-          </a:ln>
-          <a:effectLst/>
-        </p:spPr>
-        <p:txBody>
-          <a:bodyPr wrap="square">
-            <a:spAutoFit/>
-          </a:bodyPr>
-          <a:lstStyle/>
-          <a:p>
-            <a:pPr algn="l"/>
-            <a:r>
-              <a:rPr sz="900" b="0">
-                <a:solidFill>
-                  <a:srgbClr val="404040"/>
-                </a:solidFill>
-                <a:latin typeface="Arial"/>
-              </a:rPr>
-              <a:t>Retail Merchandise: Branded items and gift products</a:t>
-            </a:r>
-          </a:p>
-        </p:txBody>
-      </p:sp>
-      <p:sp>
-        <p:nvSpPr>
-          <p:cNvPr id="42" name="Oval 41"/>
-          <p:cNvSpPr/>
-          <p:nvPr/>
-        </p:nvSpPr>
-        <p:spPr>
-          <a:xfrm>
-            <a:off x="3840480" y="4096512"/>
-            <a:ext cx="36576" cy="36576"/>
-          </a:xfrm>
-          <a:prstGeom prst="ellipse">
-            <a:avLst/>
-          </a:prstGeom>
-          <a:solidFill>
-            <a:srgbClr val="B5975B"/>
-          </a:solidFill>
-          <a:ln>
-            <a:noFill/>
-          </a:ln>
-        </p:spPr>
-        <p:style>
-          <a:lnRef idx="1">
-            <a:schemeClr val="accent1"/>
-          </a:lnRef>
-          <a:fillRef idx="3">
-            <a:schemeClr val="accent1"/>
-          </a:fillRef>
-          <a:effectRef idx="2">
-            <a:schemeClr val="accent1"/>
-          </a:effectRef>
-          <a:fontRef idx="minor">
-            <a:schemeClr val="lt1"/>
-          </a:fontRef>
-        </p:style>
-        <p:txBody>
-          <a:bodyPr rtlCol="0" anchor="ctr"/>
-          <a:lstStyle/>
-          <a:p>
-            <a:pPr algn="ctr"/>
-          </a:p>
-        </p:txBody>
-      </p:sp>
-      <p:sp>
-        <p:nvSpPr>
-          <p:cNvPr id="43" name="TextBox 42"/>
-          <p:cNvSpPr txBox="1"/>
-          <p:nvPr/>
-        </p:nvSpPr>
-        <p:spPr>
-          <a:xfrm>
-            <a:off x="3950208" y="4023360"/>
-            <a:ext cx="3200400" cy="411480"/>
-          </a:xfrm>
-          <a:prstGeom prst="rect">
-            <a:avLst/>
-          </a:prstGeom>
-          <a:noFill/>
-          <a:ln>
-            <a:noFill/>
-          </a:ln>
-          <a:effectLst/>
-        </p:spPr>
-        <p:txBody>
-          <a:bodyPr wrap="square">
-            <a:spAutoFit/>
-          </a:bodyPr>
-          <a:lstStyle/>
-          <a:p>
-            <a:pPr algn="l"/>
-            <a:r>
-              <a:rPr sz="900" b="0">
-                <a:solidFill>
-                  <a:srgbClr val="404040"/>
-                </a:solidFill>
-                <a:latin typeface="Arial"/>
-              </a:rPr>
-              <a:t>Franchise Operations: Proven business model for expansion partners</a:t>
-            </a:r>
-          </a:p>
-        </p:txBody>
-      </p:sp>
-      <p:sp>
-        <p:nvSpPr>
-          <p:cNvPr id="44" name="Oval 43"/>
-          <p:cNvSpPr/>
-          <p:nvPr/>
-        </p:nvSpPr>
-        <p:spPr>
-          <a:xfrm>
-            <a:off x="3840480" y="4553712"/>
-            <a:ext cx="36576" cy="36576"/>
-          </a:xfrm>
-          <a:prstGeom prst="ellipse">
-            <a:avLst/>
-          </a:prstGeom>
-          <a:solidFill>
-            <a:srgbClr val="B5975B"/>
-          </a:solidFill>
-          <a:ln>
-            <a:noFill/>
-          </a:ln>
-        </p:spPr>
-        <p:style>
-          <a:lnRef idx="1">
-            <a:schemeClr val="accent1"/>
-          </a:lnRef>
-          <a:fillRef idx="3">
-            <a:schemeClr val="accent1"/>
-          </a:fillRef>
-          <a:effectRef idx="2">
-            <a:schemeClr val="accent1"/>
-          </a:effectRef>
-          <a:fontRef idx="minor">
-            <a:schemeClr val="lt1"/>
-          </a:fontRef>
-        </p:style>
-        <p:txBody>
-          <a:bodyPr rtlCol="0" anchor="ctr"/>
-          <a:lstStyle/>
-          <a:p>
-            <a:pPr algn="ctr"/>
-          </a:p>
-        </p:txBody>
-      </p:sp>
-      <p:sp>
-        <p:nvSpPr>
-          <p:cNvPr id="45" name="TextBox 44"/>
-          <p:cNvSpPr txBox="1"/>
-          <p:nvPr/>
-        </p:nvSpPr>
-        <p:spPr>
-          <a:xfrm>
-            <a:off x="3950208" y="4480560"/>
-            <a:ext cx="3200400" cy="411480"/>
-          </a:xfrm>
-          <a:prstGeom prst="rect">
-            <a:avLst/>
-          </a:prstGeom>
-          <a:noFill/>
-          <a:ln>
-            <a:noFill/>
-          </a:ln>
-          <a:effectLst/>
-        </p:spPr>
-        <p:txBody>
-          <a:bodyPr wrap="square">
-            <a:spAutoFit/>
-          </a:bodyPr>
-          <a:lstStyle/>
-          <a:p>
-            <a:pPr algn="l"/>
-            <a:r>
-              <a:rPr sz="900" b="0">
-                <a:solidFill>
-                  <a:srgbClr val="404040"/>
-                </a:solidFill>
-                <a:latin typeface="Arial"/>
-              </a:rPr>
-              <a:t>Digital Ordering Platform: Online ordering and delivery capabilities</a:t>
-            </a:r>
-          </a:p>
-        </p:txBody>
-      </p:sp>
-      <p:sp>
-        <p:nvSpPr>
-          <p:cNvPr id="46" name="TextBox 45"/>
+              <a:t>AI-powered business automation solutions for SMEs</a:t>
+            </a:r>
+          </a:p>
+        </p:txBody>
+      </p:sp>
+      <p:sp>
+        <p:nvSpPr>
+          <p:cNvPr id="24" name="TextBox 23"/>
           <p:cNvSpPr txBox="1"/>
           <p:nvPr/>
         </p:nvSpPr>
@@ -7644,7 +6009,7 @@
       </p:sp>
       <p:sp>
         <p:nvSpPr>
-          <p:cNvPr id="47" name="TextBox 46"/>
+          <p:cNvPr id="25" name="TextBox 24"/>
           <p:cNvSpPr txBox="1"/>
           <p:nvPr/>
         </p:nvSpPr>
@@ -7683,7 +6048,7 @@
       </p:sp>
       <p:sp>
         <p:nvSpPr>
-          <p:cNvPr id="48" name="TextBox 47"/>
+          <p:cNvPr id="26" name="TextBox 25"/>
           <p:cNvSpPr txBox="1"/>
           <p:nvPr/>
         </p:nvSpPr>
@@ -7718,7 +6083,7 @@
       </p:sp>
       <p:sp>
         <p:nvSpPr>
-          <p:cNvPr id="49" name="TextBox 48"/>
+          <p:cNvPr id="27" name="TextBox 26"/>
           <p:cNvSpPr txBox="1"/>
           <p:nvPr/>
         </p:nvSpPr>
@@ -7746,1179 +6111,6 @@
                 </a:solidFill>
                 <a:latin typeface="Arial"/>
               </a:rPr>
-              <a:t>TechCorp Solutions</a:t>
-            </a:r>
-          </a:p>
-        </p:txBody>
-      </p:sp>
-    </p:spTree>
-  </p:cSld>
-  <p:clrMapOvr>
-    <a:masterClrMapping/>
-  </p:clrMapOvr>
-</p:sld>
-</file>
-
-<file path=ppt/slides/slide13.xml><?xml version="1.0" encoding="utf-8"?>
-<p:sld xmlns:a="http://schemas.openxmlformats.org/drawingml/2006/main" xmlns:p="http://schemas.openxmlformats.org/presentationml/2006/main" xmlns:r="http://schemas.openxmlformats.org/officeDocument/2006/relationships">
-  <p:cSld>
-    <p:spTree>
-      <p:nvGrpSpPr>
-        <p:cNvPr id="1" name=""/>
-        <p:cNvGrpSpPr/>
-        <p:nvPr/>
-      </p:nvGrpSpPr>
-      <p:grpSpPr/>
-      <p:sp>
-        <p:nvSpPr>
-          <p:cNvPr id="2" name="TextBox 1"/>
-          <p:cNvSpPr txBox="1"/>
-          <p:nvPr/>
-        </p:nvSpPr>
-        <p:spPr>
-          <a:xfrm>
-            <a:off x="457200" y="274320"/>
-            <a:ext cx="11277295" cy="731520"/>
-          </a:xfrm>
-          <a:prstGeom prst="rect">
-            <a:avLst/>
-          </a:prstGeom>
-          <a:noFill/>
-        </p:spPr>
-        <p:txBody>
-          <a:bodyPr wrap="none" lIns="0" tIns="0" rIns="0" bIns="0">
-            <a:spAutoFit/>
-          </a:bodyPr>
-          <a:lstStyle/>
-          <a:p>
-            <a:pPr algn="l"/>
-            <a:r>
-              <a:rPr sz="2400" b="1">
-                <a:solidFill>
-                  <a:srgbClr val="183A58"/>
-                </a:solidFill>
-                <a:latin typeface="Arial"/>
-              </a:rPr>
-              <a:t>Margin Cost Resilience</a:t>
-            </a:r>
-          </a:p>
-        </p:txBody>
-      </p:sp>
-      <p:sp>
-        <p:nvSpPr>
-          <p:cNvPr id="3" name="Rectangle 2"/>
-          <p:cNvSpPr/>
-          <p:nvPr/>
-        </p:nvSpPr>
-        <p:spPr>
-          <a:xfrm>
-            <a:off x="457200" y="914400"/>
-            <a:ext cx="11277295" cy="45720"/>
-          </a:xfrm>
-          <a:prstGeom prst="rect">
-            <a:avLst/>
-          </a:prstGeom>
-          <a:solidFill>
-            <a:srgbClr val="183A58"/>
-          </a:solidFill>
-          <a:ln>
-            <a:noFill/>
-          </a:ln>
-        </p:spPr>
-        <p:style>
-          <a:lnRef idx="1">
-            <a:schemeClr val="accent1"/>
-          </a:lnRef>
-          <a:fillRef idx="3">
-            <a:schemeClr val="accent1"/>
-          </a:fillRef>
-          <a:effectRef idx="2">
-            <a:schemeClr val="accent1"/>
-          </a:effectRef>
-          <a:fontRef idx="minor">
-            <a:schemeClr val="lt1"/>
-          </a:fontRef>
-        </p:style>
-        <p:txBody>
-          <a:bodyPr rtlCol="0" anchor="ctr"/>
-          <a:lstStyle/>
-          <a:p>
-            <a:pPr algn="ctr"/>
-          </a:p>
-        </p:txBody>
-      </p:sp>
-      <p:sp>
-        <p:nvSpPr>
-          <p:cNvPr id="4" name="TextBox 3"/>
-          <p:cNvSpPr txBox="1"/>
-          <p:nvPr/>
-        </p:nvSpPr>
-        <p:spPr>
-          <a:xfrm>
-            <a:off x="914400" y="1280160"/>
-            <a:ext cx="5486400" cy="274320"/>
-          </a:xfrm>
-          <a:prstGeom prst="rect">
-            <a:avLst/>
-          </a:prstGeom>
-          <a:noFill/>
-          <a:ln>
-            <a:noFill/>
-          </a:ln>
-          <a:effectLst/>
-        </p:spPr>
-        <p:txBody>
-          <a:bodyPr wrap="square">
-            <a:spAutoFit/>
-          </a:bodyPr>
-          <a:lstStyle/>
-          <a:p>
-            <a:pPr algn="l"/>
-            <a:r>
-              <a:rPr sz="1400" b="1">
-                <a:solidFill>
-                  <a:srgbClr val="183A58"/>
-                </a:solidFill>
-                <a:latin typeface="Arial"/>
-              </a:rPr>
-              <a:t>EBITDA Margin Trend</a:t>
-            </a:r>
-          </a:p>
-        </p:txBody>
-      </p:sp>
-      <p:sp>
-        <p:nvSpPr>
-          <p:cNvPr id="5" name="TextBox 4"/>
-          <p:cNvSpPr txBox="1"/>
-          <p:nvPr/>
-        </p:nvSpPr>
-        <p:spPr>
-          <a:xfrm>
-            <a:off x="914400" y="1828800"/>
-            <a:ext cx="5486400" cy="914400"/>
-          </a:xfrm>
-          <a:prstGeom prst="rect">
-            <a:avLst/>
-          </a:prstGeom>
-          <a:noFill/>
-          <a:ln>
-            <a:noFill/>
-          </a:ln>
-          <a:effectLst/>
-        </p:spPr>
-        <p:txBody>
-          <a:bodyPr wrap="square">
-            <a:spAutoFit/>
-          </a:bodyPr>
-          <a:lstStyle/>
-          <a:p>
-            <a:pPr algn="l"/>
-            <a:r>
-              <a:rPr sz="1200" b="0">
-                <a:solidFill>
-                  <a:srgbClr val="404040"/>
-                </a:solidFill>
-                <a:latin typeface="Arial"/>
-              </a:rPr>
-              <a:t>EBITDA margin trend chart will be displayed here.</a:t>
-            </a:r>
-          </a:p>
-        </p:txBody>
-      </p:sp>
-      <p:sp>
-        <p:nvSpPr>
-          <p:cNvPr id="6" name="TextBox 5"/>
-          <p:cNvSpPr txBox="1"/>
-          <p:nvPr/>
-        </p:nvSpPr>
-        <p:spPr>
-          <a:xfrm>
-            <a:off x="4572000" y="3749039"/>
-            <a:ext cx="2286000" cy="137160"/>
-          </a:xfrm>
-          <a:prstGeom prst="rect">
-            <a:avLst/>
-          </a:prstGeom>
-          <a:noFill/>
-          <a:ln>
-            <a:noFill/>
-          </a:ln>
-          <a:effectLst/>
-        </p:spPr>
-        <p:txBody>
-          <a:bodyPr wrap="square">
-            <a:spAutoFit/>
-          </a:bodyPr>
-          <a:lstStyle/>
-          <a:p>
-            <a:pPr algn="r"/>
-            <a:r>
-              <a:rPr sz="800" b="0">
-                <a:solidFill>
-                  <a:srgbClr val="404040"/>
-                </a:solidFill>
-                <a:latin typeface="Arial"/>
-              </a:rPr>
-              <a:t>Source: Company financials</a:t>
-            </a:r>
-          </a:p>
-        </p:txBody>
-      </p:sp>
-      <p:sp>
-        <p:nvSpPr>
-          <p:cNvPr id="7" name="TextBox 6"/>
-          <p:cNvSpPr txBox="1"/>
-          <p:nvPr/>
-        </p:nvSpPr>
-        <p:spPr>
-          <a:xfrm>
-            <a:off x="914400" y="4023360"/>
-            <a:ext cx="5486400" cy="274320"/>
-          </a:xfrm>
-          <a:prstGeom prst="rect">
-            <a:avLst/>
-          </a:prstGeom>
-          <a:noFill/>
-          <a:ln>
-            <a:noFill/>
-          </a:ln>
-          <a:effectLst/>
-        </p:spPr>
-        <p:txBody>
-          <a:bodyPr wrap="square">
-            <a:spAutoFit/>
-          </a:bodyPr>
-          <a:lstStyle/>
-          <a:p>
-            <a:pPr algn="l"/>
-            <a:r>
-              <a:rPr sz="1400" b="1">
-                <a:solidFill>
-                  <a:srgbClr val="183A58"/>
-                </a:solidFill>
-                <a:latin typeface="Arial"/>
-              </a:rPr>
-              <a:t>Cost Management &amp; Efficiency Initiatives</a:t>
-            </a:r>
-          </a:p>
-        </p:txBody>
-      </p:sp>
-      <p:sp>
-        <p:nvSpPr>
-          <p:cNvPr id="8" name="Oval 7"/>
-          <p:cNvSpPr/>
-          <p:nvPr/>
-        </p:nvSpPr>
-        <p:spPr>
-          <a:xfrm>
-            <a:off x="1097280" y="4389120"/>
-            <a:ext cx="54864" cy="54864"/>
-          </a:xfrm>
-          <a:prstGeom prst="ellipse">
-            <a:avLst/>
-          </a:prstGeom>
-          <a:solidFill>
-            <a:srgbClr val="B5975B"/>
-          </a:solidFill>
-          <a:ln>
-            <a:noFill/>
-          </a:ln>
-          <a:effectLst/>
-        </p:spPr>
-        <p:style>
-          <a:lnRef idx="1">
-            <a:schemeClr val="accent1"/>
-          </a:lnRef>
-          <a:fillRef idx="3">
-            <a:schemeClr val="accent1"/>
-          </a:fillRef>
-          <a:effectRef idx="2">
-            <a:schemeClr val="accent1"/>
-          </a:effectRef>
-          <a:fontRef idx="minor">
-            <a:schemeClr val="lt1"/>
-          </a:fontRef>
-        </p:style>
-        <p:txBody>
-          <a:bodyPr rtlCol="0" anchor="ctr"/>
-          <a:lstStyle/>
-          <a:p>
-            <a:pPr algn="ctr"/>
-          </a:p>
-        </p:txBody>
-      </p:sp>
-      <p:sp>
-        <p:nvSpPr>
-          <p:cNvPr id="9" name="TextBox 8"/>
-          <p:cNvSpPr txBox="1"/>
-          <p:nvPr/>
-        </p:nvSpPr>
-        <p:spPr>
-          <a:xfrm>
-            <a:off x="1234440" y="4343400"/>
-            <a:ext cx="5029200" cy="137160"/>
-          </a:xfrm>
-          <a:prstGeom prst="rect">
-            <a:avLst/>
-          </a:prstGeom>
-          <a:noFill/>
-          <a:ln>
-            <a:noFill/>
-          </a:ln>
-          <a:effectLst/>
-        </p:spPr>
-        <p:txBody>
-          <a:bodyPr wrap="square">
-            <a:spAutoFit/>
-          </a:bodyPr>
-          <a:lstStyle/>
-          <a:p>
-            <a:pPr algn="l"/>
-            <a:r>
-              <a:rPr sz="1000" b="1">
-                <a:solidFill>
-                  <a:srgbClr val="183A58"/>
-                </a:solidFill>
-                <a:latin typeface="Arial"/>
-              </a:rPr>
-              <a:t>Operational Efficiency</a:t>
-            </a:r>
-          </a:p>
-        </p:txBody>
-      </p:sp>
-      <p:sp>
-        <p:nvSpPr>
-          <p:cNvPr id="10" name="TextBox 9"/>
-          <p:cNvSpPr txBox="1"/>
-          <p:nvPr/>
-        </p:nvSpPr>
-        <p:spPr>
-          <a:xfrm>
-            <a:off x="1234440" y="4480560"/>
-            <a:ext cx="5029200" cy="256032"/>
-          </a:xfrm>
-          <a:prstGeom prst="rect">
-            <a:avLst/>
-          </a:prstGeom>
-          <a:noFill/>
-          <a:ln>
-            <a:noFill/>
-          </a:ln>
-          <a:effectLst/>
-        </p:spPr>
-        <p:txBody>
-          <a:bodyPr wrap="square">
-            <a:spAutoFit/>
-          </a:bodyPr>
-          <a:lstStyle/>
-          <a:p>
-            <a:pPr algn="l"/>
-            <a:r>
-              <a:rPr sz="900" b="0">
-                <a:solidFill>
-                  <a:srgbClr val="404040"/>
-                </a:solidFill>
-                <a:latin typeface="Arial"/>
-              </a:rPr>
-              <a:t>Streamlined processes and resource optimization initiatives</a:t>
-            </a:r>
-          </a:p>
-        </p:txBody>
-      </p:sp>
-      <p:sp>
-        <p:nvSpPr>
-          <p:cNvPr id="11" name="Oval 10"/>
-          <p:cNvSpPr/>
-          <p:nvPr/>
-        </p:nvSpPr>
-        <p:spPr>
-          <a:xfrm>
-            <a:off x="1097280" y="4800600"/>
-            <a:ext cx="54864" cy="54864"/>
-          </a:xfrm>
-          <a:prstGeom prst="ellipse">
-            <a:avLst/>
-          </a:prstGeom>
-          <a:solidFill>
-            <a:srgbClr val="B5975B"/>
-          </a:solidFill>
-          <a:ln>
-            <a:noFill/>
-          </a:ln>
-          <a:effectLst/>
-        </p:spPr>
-        <p:style>
-          <a:lnRef idx="1">
-            <a:schemeClr val="accent1"/>
-          </a:lnRef>
-          <a:fillRef idx="3">
-            <a:schemeClr val="accent1"/>
-          </a:fillRef>
-          <a:effectRef idx="2">
-            <a:schemeClr val="accent1"/>
-          </a:effectRef>
-          <a:fontRef idx="minor">
-            <a:schemeClr val="lt1"/>
-          </a:fontRef>
-        </p:style>
-        <p:txBody>
-          <a:bodyPr rtlCol="0" anchor="ctr"/>
-          <a:lstStyle/>
-          <a:p>
-            <a:pPr algn="ctr"/>
-          </a:p>
-        </p:txBody>
-      </p:sp>
-      <p:sp>
-        <p:nvSpPr>
-          <p:cNvPr id="12" name="TextBox 11"/>
-          <p:cNvSpPr txBox="1"/>
-          <p:nvPr/>
-        </p:nvSpPr>
-        <p:spPr>
-          <a:xfrm>
-            <a:off x="1234440" y="4754880"/>
-            <a:ext cx="5029200" cy="137160"/>
-          </a:xfrm>
-          <a:prstGeom prst="rect">
-            <a:avLst/>
-          </a:prstGeom>
-          <a:noFill/>
-          <a:ln>
-            <a:noFill/>
-          </a:ln>
-          <a:effectLst/>
-        </p:spPr>
-        <p:txBody>
-          <a:bodyPr wrap="square">
-            <a:spAutoFit/>
-          </a:bodyPr>
-          <a:lstStyle/>
-          <a:p>
-            <a:pPr algn="l"/>
-            <a:r>
-              <a:rPr sz="1000" b="1">
-                <a:solidFill>
-                  <a:srgbClr val="183A58"/>
-                </a:solidFill>
-                <a:latin typeface="Arial"/>
-              </a:rPr>
-              <a:t>Technology Investment</a:t>
-            </a:r>
-          </a:p>
-        </p:txBody>
-      </p:sp>
-      <p:sp>
-        <p:nvSpPr>
-          <p:cNvPr id="13" name="TextBox 12"/>
-          <p:cNvSpPr txBox="1"/>
-          <p:nvPr/>
-        </p:nvSpPr>
-        <p:spPr>
-          <a:xfrm>
-            <a:off x="1234440" y="4892040"/>
-            <a:ext cx="5029200" cy="256032"/>
-          </a:xfrm>
-          <a:prstGeom prst="rect">
-            <a:avLst/>
-          </a:prstGeom>
-          <a:noFill/>
-          <a:ln>
-            <a:noFill/>
-          </a:ln>
-          <a:effectLst/>
-        </p:spPr>
-        <p:txBody>
-          <a:bodyPr wrap="square">
-            <a:spAutoFit/>
-          </a:bodyPr>
-          <a:lstStyle/>
-          <a:p>
-            <a:pPr algn="l"/>
-            <a:r>
-              <a:rPr sz="900" b="0">
-                <a:solidFill>
-                  <a:srgbClr val="404040"/>
-                </a:solidFill>
-                <a:latin typeface="Arial"/>
-              </a:rPr>
-              <a:t>Digital transformation reducing administrative overhead</a:t>
-            </a:r>
-          </a:p>
-        </p:txBody>
-      </p:sp>
-      <p:sp>
-        <p:nvSpPr>
-          <p:cNvPr id="14" name="Oval 13"/>
-          <p:cNvSpPr/>
-          <p:nvPr/>
-        </p:nvSpPr>
-        <p:spPr>
-          <a:xfrm>
-            <a:off x="1097280" y="5212080"/>
-            <a:ext cx="54864" cy="54864"/>
-          </a:xfrm>
-          <a:prstGeom prst="ellipse">
-            <a:avLst/>
-          </a:prstGeom>
-          <a:solidFill>
-            <a:srgbClr val="B5975B"/>
-          </a:solidFill>
-          <a:ln>
-            <a:noFill/>
-          </a:ln>
-          <a:effectLst/>
-        </p:spPr>
-        <p:style>
-          <a:lnRef idx="1">
-            <a:schemeClr val="accent1"/>
-          </a:lnRef>
-          <a:fillRef idx="3">
-            <a:schemeClr val="accent1"/>
-          </a:fillRef>
-          <a:effectRef idx="2">
-            <a:schemeClr val="accent1"/>
-          </a:effectRef>
-          <a:fontRef idx="minor">
-            <a:schemeClr val="lt1"/>
-          </a:fontRef>
-        </p:style>
-        <p:txBody>
-          <a:bodyPr rtlCol="0" anchor="ctr"/>
-          <a:lstStyle/>
-          <a:p>
-            <a:pPr algn="ctr"/>
-          </a:p>
-        </p:txBody>
-      </p:sp>
-      <p:sp>
-        <p:nvSpPr>
-          <p:cNvPr id="15" name="TextBox 14"/>
-          <p:cNvSpPr txBox="1"/>
-          <p:nvPr/>
-        </p:nvSpPr>
-        <p:spPr>
-          <a:xfrm>
-            <a:off x="1234440" y="5166360"/>
-            <a:ext cx="5029200" cy="137160"/>
-          </a:xfrm>
-          <a:prstGeom prst="rect">
-            <a:avLst/>
-          </a:prstGeom>
-          <a:noFill/>
-          <a:ln>
-            <a:noFill/>
-          </a:ln>
-          <a:effectLst/>
-        </p:spPr>
-        <p:txBody>
-          <a:bodyPr wrap="square">
-            <a:spAutoFit/>
-          </a:bodyPr>
-          <a:lstStyle/>
-          <a:p>
-            <a:pPr algn="l"/>
-            <a:r>
-              <a:rPr sz="1000" b="1">
-                <a:solidFill>
-                  <a:srgbClr val="183A58"/>
-                </a:solidFill>
-                <a:latin typeface="Arial"/>
-              </a:rPr>
-              <a:t>Supply Chain Management</a:t>
-            </a:r>
-          </a:p>
-        </p:txBody>
-      </p:sp>
-      <p:sp>
-        <p:nvSpPr>
-          <p:cNvPr id="16" name="TextBox 15"/>
-          <p:cNvSpPr txBox="1"/>
-          <p:nvPr/>
-        </p:nvSpPr>
-        <p:spPr>
-          <a:xfrm>
-            <a:off x="1234440" y="5303520"/>
-            <a:ext cx="5029200" cy="256032"/>
-          </a:xfrm>
-          <a:prstGeom prst="rect">
-            <a:avLst/>
-          </a:prstGeom>
-          <a:noFill/>
-          <a:ln>
-            <a:noFill/>
-          </a:ln>
-          <a:effectLst/>
-        </p:spPr>
-        <p:txBody>
-          <a:bodyPr wrap="square">
-            <a:spAutoFit/>
-          </a:bodyPr>
-          <a:lstStyle/>
-          <a:p>
-            <a:pPr algn="l"/>
-            <a:r>
-              <a:rPr sz="900" b="0">
-                <a:solidFill>
-                  <a:srgbClr val="404040"/>
-                </a:solidFill>
-                <a:latin typeface="Arial"/>
-              </a:rPr>
-              <a:t>Centralized procurement and vendor consolidation</a:t>
-            </a:r>
-          </a:p>
-        </p:txBody>
-      </p:sp>
-      <p:sp>
-        <p:nvSpPr>
-          <p:cNvPr id="17" name="TextBox 16"/>
-          <p:cNvSpPr txBox="1"/>
-          <p:nvPr/>
-        </p:nvSpPr>
-        <p:spPr>
-          <a:xfrm>
-            <a:off x="7315200" y="1280160"/>
-            <a:ext cx="4572000" cy="274320"/>
-          </a:xfrm>
-          <a:prstGeom prst="rect">
-            <a:avLst/>
-          </a:prstGeom>
-          <a:noFill/>
-          <a:ln>
-            <a:noFill/>
-          </a:ln>
-          <a:effectLst/>
-        </p:spPr>
-        <p:txBody>
-          <a:bodyPr wrap="square">
-            <a:spAutoFit/>
-          </a:bodyPr>
-          <a:lstStyle/>
-          <a:p>
-            <a:pPr algn="l"/>
-            <a:r>
-              <a:rPr sz="1400" b="1">
-                <a:solidFill>
-                  <a:srgbClr val="183A58"/>
-                </a:solidFill>
-                <a:latin typeface="Arial"/>
-              </a:rPr>
-              <a:t>Risk Mitigation Strategies</a:t>
-            </a:r>
-          </a:p>
-        </p:txBody>
-      </p:sp>
-      <p:sp>
-        <p:nvSpPr>
-          <p:cNvPr id="18" name="Rectangle 17"/>
-          <p:cNvSpPr/>
-          <p:nvPr/>
-        </p:nvSpPr>
-        <p:spPr>
-          <a:xfrm>
-            <a:off x="7315200" y="1645920"/>
-            <a:ext cx="4572000" cy="1645920"/>
-          </a:xfrm>
-          <a:prstGeom prst="rect">
-            <a:avLst/>
-          </a:prstGeom>
-          <a:solidFill>
-            <a:srgbClr val="F0F0F0"/>
-          </a:solidFill>
-          <a:ln>
-            <a:noFill/>
-          </a:ln>
-          <a:effectLst/>
-        </p:spPr>
-        <p:style>
-          <a:lnRef idx="1">
-            <a:schemeClr val="accent1"/>
-          </a:lnRef>
-          <a:fillRef idx="3">
-            <a:schemeClr val="accent1"/>
-          </a:fillRef>
-          <a:effectRef idx="2">
-            <a:schemeClr val="accent1"/>
-          </a:effectRef>
-          <a:fontRef idx="minor">
-            <a:schemeClr val="lt1"/>
-          </a:fontRef>
-        </p:style>
-        <p:txBody>
-          <a:bodyPr rtlCol="0" anchor="ctr"/>
-          <a:lstStyle/>
-          <a:p>
-            <a:pPr algn="ctr"/>
-          </a:p>
-        </p:txBody>
-      </p:sp>
-      <p:sp>
-        <p:nvSpPr>
-          <p:cNvPr id="19" name="Rectangle 18"/>
-          <p:cNvSpPr/>
-          <p:nvPr/>
-        </p:nvSpPr>
-        <p:spPr>
-          <a:xfrm>
-            <a:off x="7315200" y="1645920"/>
-            <a:ext cx="91440" cy="1645920"/>
-          </a:xfrm>
-          <a:prstGeom prst="rect">
-            <a:avLst/>
-          </a:prstGeom>
-          <a:solidFill>
-            <a:srgbClr val="B5975B"/>
-          </a:solidFill>
-          <a:ln>
-            <a:noFill/>
-          </a:ln>
-          <a:effectLst/>
-        </p:spPr>
-        <p:style>
-          <a:lnRef idx="1">
-            <a:schemeClr val="accent1"/>
-          </a:lnRef>
-          <a:fillRef idx="3">
-            <a:schemeClr val="accent1"/>
-          </a:fillRef>
-          <a:effectRef idx="2">
-            <a:schemeClr val="accent1"/>
-          </a:effectRef>
-          <a:fontRef idx="minor">
-            <a:schemeClr val="lt1"/>
-          </a:fontRef>
-        </p:style>
-        <p:txBody>
-          <a:bodyPr rtlCol="0" anchor="ctr"/>
-          <a:lstStyle/>
-          <a:p>
-            <a:pPr algn="ctr"/>
-          </a:p>
-        </p:txBody>
-      </p:sp>
-      <p:sp>
-        <p:nvSpPr>
-          <p:cNvPr id="20" name="TextBox 19"/>
-          <p:cNvSpPr txBox="1"/>
-          <p:nvPr/>
-        </p:nvSpPr>
-        <p:spPr>
-          <a:xfrm>
-            <a:off x="7589520" y="1737360"/>
-            <a:ext cx="4114800" cy="228600"/>
-          </a:xfrm>
-          <a:prstGeom prst="rect">
-            <a:avLst/>
-          </a:prstGeom>
-          <a:noFill/>
-          <a:ln>
-            <a:noFill/>
-          </a:ln>
-          <a:effectLst/>
-        </p:spPr>
-        <p:txBody>
-          <a:bodyPr wrap="square">
-            <a:spAutoFit/>
-          </a:bodyPr>
-          <a:lstStyle/>
-          <a:p>
-            <a:pPr algn="l"/>
-            <a:r>
-              <a:rPr sz="1200" b="1">
-                <a:solidFill>
-                  <a:srgbClr val="B5975B"/>
-                </a:solidFill>
-                <a:latin typeface="Arial"/>
-              </a:rPr>
-              <a:t>Diversified Revenue Strategy</a:t>
-            </a:r>
-          </a:p>
-        </p:txBody>
-      </p:sp>
-      <p:sp>
-        <p:nvSpPr>
-          <p:cNvPr id="21" name="TextBox 20"/>
-          <p:cNvSpPr txBox="1"/>
-          <p:nvPr/>
-        </p:nvSpPr>
-        <p:spPr>
-          <a:xfrm>
-            <a:off x="7589520" y="1965960"/>
-            <a:ext cx="4114800" cy="320040"/>
-          </a:xfrm>
-          <a:prstGeom prst="rect">
-            <a:avLst/>
-          </a:prstGeom>
-          <a:noFill/>
-          <a:ln>
-            <a:noFill/>
-          </a:ln>
-          <a:effectLst/>
-        </p:spPr>
-        <p:txBody>
-          <a:bodyPr wrap="square">
-            <a:spAutoFit/>
-          </a:bodyPr>
-          <a:lstStyle/>
-          <a:p>
-            <a:pPr algn="l"/>
-            <a:r>
-              <a:rPr sz="1000" b="0">
-                <a:solidFill>
-                  <a:srgbClr val="404040"/>
-                </a:solidFill>
-                <a:latin typeface="Arial"/>
-              </a:rPr>
-              <a:t>Multiple revenue streams and operational efficiency measures provide resilience against market volatility and cost pressures</a:t>
-            </a:r>
-          </a:p>
-        </p:txBody>
-      </p:sp>
-      <p:sp>
-        <p:nvSpPr>
-          <p:cNvPr id="22" name="TextBox 21"/>
-          <p:cNvSpPr txBox="1"/>
-          <p:nvPr/>
-        </p:nvSpPr>
-        <p:spPr>
-          <a:xfrm>
-            <a:off x="7589520" y="2331720"/>
-            <a:ext cx="4114800" cy="164592"/>
-          </a:xfrm>
-          <a:prstGeom prst="rect">
-            <a:avLst/>
-          </a:prstGeom>
-          <a:noFill/>
-          <a:ln>
-            <a:noFill/>
-          </a:ln>
-          <a:effectLst/>
-        </p:spPr>
-        <p:txBody>
-          <a:bodyPr wrap="square">
-            <a:spAutoFit/>
-          </a:bodyPr>
-          <a:lstStyle/>
-          <a:p>
-            <a:pPr algn="l"/>
-            <a:r>
-              <a:rPr sz="1000" b="1">
-                <a:solidFill>
-                  <a:srgbClr val="183A58"/>
-                </a:solidFill>
-                <a:latin typeface="Arial"/>
-              </a:rPr>
-              <a:t>Key Benefits:</a:t>
-            </a:r>
-          </a:p>
-        </p:txBody>
-      </p:sp>
-      <p:sp>
-        <p:nvSpPr>
-          <p:cNvPr id="23" name="TextBox 22"/>
-          <p:cNvSpPr txBox="1"/>
-          <p:nvPr/>
-        </p:nvSpPr>
-        <p:spPr>
-          <a:xfrm>
-            <a:off x="7772400" y="2514600"/>
-            <a:ext cx="3931920" cy="100584"/>
-          </a:xfrm>
-          <a:prstGeom prst="rect">
-            <a:avLst/>
-          </a:prstGeom>
-          <a:noFill/>
-          <a:ln>
-            <a:noFill/>
-          </a:ln>
-          <a:effectLst/>
-        </p:spPr>
-        <p:txBody>
-          <a:bodyPr wrap="square">
-            <a:spAutoFit/>
-          </a:bodyPr>
-          <a:lstStyle/>
-          <a:p>
-            <a:pPr algn="l"/>
-            <a:r>
-              <a:rPr sz="900" b="0">
-                <a:solidFill>
-                  <a:srgbClr val="404040"/>
-                </a:solidFill>
-                <a:latin typeface="Arial"/>
-              </a:rPr>
-              <a:t>• Reduced earnings volatility</a:t>
-            </a:r>
-          </a:p>
-        </p:txBody>
-      </p:sp>
-      <p:sp>
-        <p:nvSpPr>
-          <p:cNvPr id="24" name="TextBox 23"/>
-          <p:cNvSpPr txBox="1"/>
-          <p:nvPr/>
-        </p:nvSpPr>
-        <p:spPr>
-          <a:xfrm>
-            <a:off x="7772400" y="2633472"/>
-            <a:ext cx="3931920" cy="100584"/>
-          </a:xfrm>
-          <a:prstGeom prst="rect">
-            <a:avLst/>
-          </a:prstGeom>
-          <a:noFill/>
-          <a:ln>
-            <a:noFill/>
-          </a:ln>
-          <a:effectLst/>
-        </p:spPr>
-        <p:txBody>
-          <a:bodyPr wrap="square">
-            <a:spAutoFit/>
-          </a:bodyPr>
-          <a:lstStyle/>
-          <a:p>
-            <a:pPr algn="l"/>
-            <a:r>
-              <a:rPr sz="900" b="0">
-                <a:solidFill>
-                  <a:srgbClr val="404040"/>
-                </a:solidFill>
-                <a:latin typeface="Arial"/>
-              </a:rPr>
-              <a:t>• Stable cash generation</a:t>
-            </a:r>
-          </a:p>
-        </p:txBody>
-      </p:sp>
-      <p:sp>
-        <p:nvSpPr>
-          <p:cNvPr id="25" name="TextBox 24"/>
-          <p:cNvSpPr txBox="1"/>
-          <p:nvPr/>
-        </p:nvSpPr>
-        <p:spPr>
-          <a:xfrm>
-            <a:off x="7772400" y="2752344"/>
-            <a:ext cx="3931920" cy="100584"/>
-          </a:xfrm>
-          <a:prstGeom prst="rect">
-            <a:avLst/>
-          </a:prstGeom>
-          <a:noFill/>
-          <a:ln>
-            <a:noFill/>
-          </a:ln>
-          <a:effectLst/>
-        </p:spPr>
-        <p:txBody>
-          <a:bodyPr wrap="square">
-            <a:spAutoFit/>
-          </a:bodyPr>
-          <a:lstStyle/>
-          <a:p>
-            <a:pPr algn="l"/>
-            <a:r>
-              <a:rPr sz="900" b="0">
-                <a:solidFill>
-                  <a:srgbClr val="404040"/>
-                </a:solidFill>
-                <a:latin typeface="Arial"/>
-              </a:rPr>
-              <a:t>• Operational flexibility</a:t>
-            </a:r>
-          </a:p>
-        </p:txBody>
-      </p:sp>
-      <p:sp>
-        <p:nvSpPr>
-          <p:cNvPr id="26" name="Rectangle 25"/>
-          <p:cNvSpPr/>
-          <p:nvPr/>
-        </p:nvSpPr>
-        <p:spPr>
-          <a:xfrm>
-            <a:off x="7315200" y="3474720"/>
-            <a:ext cx="4572000" cy="731520"/>
-          </a:xfrm>
-          <a:prstGeom prst="rect">
-            <a:avLst/>
-          </a:prstGeom>
-          <a:solidFill>
-            <a:srgbClr val="F0FFF0"/>
-          </a:solidFill>
-          <a:ln>
-            <a:noFill/>
-          </a:ln>
-          <a:effectLst/>
-        </p:spPr>
-        <p:style>
-          <a:lnRef idx="1">
-            <a:schemeClr val="accent1"/>
-          </a:lnRef>
-          <a:fillRef idx="3">
-            <a:schemeClr val="accent1"/>
-          </a:fillRef>
-          <a:effectRef idx="2">
-            <a:schemeClr val="accent1"/>
-          </a:effectRef>
-          <a:fontRef idx="minor">
-            <a:schemeClr val="lt1"/>
-          </a:fontRef>
-        </p:style>
-        <p:txBody>
-          <a:bodyPr rtlCol="0" anchor="ctr"/>
-          <a:lstStyle/>
-          <a:p>
-            <a:pPr algn="ctr"/>
-          </a:p>
-        </p:txBody>
-      </p:sp>
-      <p:sp>
-        <p:nvSpPr>
-          <p:cNvPr id="27" name="TextBox 26"/>
-          <p:cNvSpPr txBox="1"/>
-          <p:nvPr/>
-        </p:nvSpPr>
-        <p:spPr>
-          <a:xfrm>
-            <a:off x="7498079" y="3566160"/>
-            <a:ext cx="4206240" cy="137160"/>
-          </a:xfrm>
-          <a:prstGeom prst="rect">
-            <a:avLst/>
-          </a:prstGeom>
-          <a:noFill/>
-          <a:ln>
-            <a:noFill/>
-          </a:ln>
-          <a:effectLst/>
-        </p:spPr>
-        <p:txBody>
-          <a:bodyPr wrap="square">
-            <a:spAutoFit/>
-          </a:bodyPr>
-          <a:lstStyle/>
-          <a:p>
-            <a:pPr algn="l"/>
-            <a:r>
-              <a:rPr sz="1000" b="1">
-                <a:solidFill>
-                  <a:srgbClr val="228B22"/>
-                </a:solidFill>
-                <a:latin typeface="Arial"/>
-              </a:rPr>
-              <a:t>BANKER'S VIEW</a:t>
-            </a:r>
-          </a:p>
-        </p:txBody>
-      </p:sp>
-      <p:sp>
-        <p:nvSpPr>
-          <p:cNvPr id="28" name="TextBox 27"/>
-          <p:cNvSpPr txBox="1"/>
-          <p:nvPr/>
-        </p:nvSpPr>
-        <p:spPr>
-          <a:xfrm>
-            <a:off x="7498079" y="3703320"/>
-            <a:ext cx="4206240" cy="457200"/>
-          </a:xfrm>
-          <a:prstGeom prst="rect">
-            <a:avLst/>
-          </a:prstGeom>
-          <a:noFill/>
-          <a:ln>
-            <a:noFill/>
-          </a:ln>
-          <a:effectLst/>
-        </p:spPr>
-        <p:txBody>
-          <a:bodyPr wrap="square">
-            <a:spAutoFit/>
-          </a:bodyPr>
-          <a:lstStyle/>
-          <a:p>
-            <a:pPr algn="l"/>
-            <a:r>
-              <a:rPr sz="900" b="0">
-                <a:solidFill>
-                  <a:srgbClr val="404040"/>
-                </a:solidFill>
-                <a:latin typeface="Arial"/>
-              </a:rPr>
-              <a:t>Strong operational resilience through diversified revenue streams and disciplined cost management supports sustainable margin expansion and reduced business risk profile.</a:t>
-            </a:r>
-          </a:p>
-        </p:txBody>
-      </p:sp>
-      <p:sp>
-        <p:nvSpPr>
-          <p:cNvPr id="29" name="TextBox 28"/>
-          <p:cNvSpPr txBox="1"/>
-          <p:nvPr/>
-        </p:nvSpPr>
-        <p:spPr>
-          <a:xfrm>
-            <a:off x="457200" y="6309360"/>
-            <a:ext cx="5486400" cy="365760"/>
-          </a:xfrm>
-          <a:prstGeom prst="rect">
-            <a:avLst/>
-          </a:prstGeom>
-          <a:noFill/>
-        </p:spPr>
-        <p:txBody>
-          <a:bodyPr wrap="none" anchor="ctr">
-            <a:spAutoFit/>
-          </a:bodyPr>
-          <a:lstStyle/>
-          <a:p>
-            <a:pPr algn="l">
-              <a:defRPr sz="900">
-                <a:solidFill>
-                  <a:srgbClr val="808080"/>
-                </a:solidFill>
-                <a:latin typeface="Arial"/>
-              </a:defRPr>
-            </a:pPr>
-            <a:r>
-              <a:t>Confidential | September 11, 2025</a:t>
-            </a:r>
-          </a:p>
-        </p:txBody>
-      </p:sp>
-      <p:sp>
-        <p:nvSpPr>
-          <p:cNvPr id="30" name="TextBox 29"/>
-          <p:cNvSpPr txBox="1"/>
-          <p:nvPr/>
-        </p:nvSpPr>
-        <p:spPr>
-          <a:xfrm>
-            <a:off x="9144000" y="6309360"/>
-            <a:ext cx="2743200" cy="365760"/>
-          </a:xfrm>
-          <a:prstGeom prst="rect">
-            <a:avLst/>
-          </a:prstGeom>
-          <a:noFill/>
-        </p:spPr>
-        <p:txBody>
-          <a:bodyPr wrap="none" anchor="ctr">
-            <a:spAutoFit/>
-          </a:bodyPr>
-          <a:lstStyle/>
-          <a:p>
-            <a:pPr algn="r">
-              <a:defRPr sz="900">
-                <a:solidFill>
-                  <a:srgbClr val="808080"/>
-                </a:solidFill>
-                <a:latin typeface="Arial"/>
-              </a:defRPr>
-            </a:pPr>
-            <a:r>
               <a:t>TechCorp Solutions</a:t>
             </a:r>
           </a:p>
@@ -8972,7 +6164,7 @@
                 </a:solidFill>
                 <a:latin typeface="Arial"/>
               </a:rPr>
-              <a:t>Investor Considerations</a:t>
+              <a:t>Historical Financial Performance</a:t>
             </a:r>
           </a:p>
         </p:txBody>
@@ -9029,100 +6221,1033 @@
         <p:spPr>
           <a:xfrm>
             <a:off x="914400" y="1280160"/>
-            <a:ext cx="5029200" cy="457200"/>
-          </a:xfrm>
-          <a:prstGeom prst="rect">
-            <a:avLst/>
-          </a:prstGeom>
-          <a:noFill/>
-        </p:spPr>
-        <p:txBody>
-          <a:bodyPr wrap="none">
-            <a:spAutoFit/>
-          </a:bodyPr>
-          <a:lstStyle/>
-          <a:p>
-            <a:pPr algn="ctr">
-              <a:defRPr sz="1100" b="1">
+            <a:ext cx="5486400" cy="274320"/>
+          </a:xfrm>
+          <a:prstGeom prst="rect">
+            <a:avLst/>
+          </a:prstGeom>
+          <a:noFill/>
+          <a:ln>
+            <a:noFill/>
+          </a:ln>
+          <a:effectLst/>
+        </p:spPr>
+        <p:txBody>
+          <a:bodyPr wrap="square">
+            <a:spAutoFit/>
+          </a:bodyPr>
+          <a:lstStyle/>
+          <a:p>
+            <a:pPr algn="l"/>
+            <a:r>
+              <a:rPr sz="1400" b="1">
                 <a:solidFill>
                   <a:srgbClr val="183A58"/>
+                </a:solidFill>
+                <a:latin typeface="Arial"/>
+              </a:rPr>
+              <a:t>EBITDA Margin Trend</a:t>
+            </a:r>
+          </a:p>
+        </p:txBody>
+      </p:sp>
+      <p:sp>
+        <p:nvSpPr>
+          <p:cNvPr id="5" name="TextBox 4"/>
+          <p:cNvSpPr txBox="1"/>
+          <p:nvPr/>
+        </p:nvSpPr>
+        <p:spPr>
+          <a:xfrm>
+            <a:off x="914400" y="1828800"/>
+            <a:ext cx="5486400" cy="914400"/>
+          </a:xfrm>
+          <a:prstGeom prst="rect">
+            <a:avLst/>
+          </a:prstGeom>
+          <a:noFill/>
+          <a:ln>
+            <a:noFill/>
+          </a:ln>
+          <a:effectLst/>
+        </p:spPr>
+        <p:txBody>
+          <a:bodyPr wrap="square">
+            <a:spAutoFit/>
+          </a:bodyPr>
+          <a:lstStyle/>
+          <a:p>
+            <a:pPr algn="l"/>
+            <a:r>
+              <a:rPr sz="1200" b="0">
+                <a:solidFill>
+                  <a:srgbClr val="404040"/>
+                </a:solidFill>
+                <a:latin typeface="Arial"/>
+              </a:rPr>
+              <a:t>EBITDA margin trend chart will be displayed here.</a:t>
+            </a:r>
+          </a:p>
+        </p:txBody>
+      </p:sp>
+      <p:sp>
+        <p:nvSpPr>
+          <p:cNvPr id="6" name="TextBox 5"/>
+          <p:cNvSpPr txBox="1"/>
+          <p:nvPr/>
+        </p:nvSpPr>
+        <p:spPr>
+          <a:xfrm>
+            <a:off x="4572000" y="3749039"/>
+            <a:ext cx="2286000" cy="137160"/>
+          </a:xfrm>
+          <a:prstGeom prst="rect">
+            <a:avLst/>
+          </a:prstGeom>
+          <a:noFill/>
+          <a:ln>
+            <a:noFill/>
+          </a:ln>
+          <a:effectLst/>
+        </p:spPr>
+        <p:txBody>
+          <a:bodyPr wrap="square">
+            <a:spAutoFit/>
+          </a:bodyPr>
+          <a:lstStyle/>
+          <a:p>
+            <a:pPr algn="r"/>
+            <a:r>
+              <a:rPr sz="800" b="0">
+                <a:solidFill>
+                  <a:srgbClr val="404040"/>
+                </a:solidFill>
+                <a:latin typeface="Arial"/>
+              </a:rPr>
+              <a:t>Source: Company financials</a:t>
+            </a:r>
+          </a:p>
+        </p:txBody>
+      </p:sp>
+      <p:sp>
+        <p:nvSpPr>
+          <p:cNvPr id="7" name="TextBox 6"/>
+          <p:cNvSpPr txBox="1"/>
+          <p:nvPr/>
+        </p:nvSpPr>
+        <p:spPr>
+          <a:xfrm>
+            <a:off x="914400" y="4023360"/>
+            <a:ext cx="5486400" cy="274320"/>
+          </a:xfrm>
+          <a:prstGeom prst="rect">
+            <a:avLst/>
+          </a:prstGeom>
+          <a:noFill/>
+          <a:ln>
+            <a:noFill/>
+          </a:ln>
+          <a:effectLst/>
+        </p:spPr>
+        <p:txBody>
+          <a:bodyPr wrap="square">
+            <a:spAutoFit/>
+          </a:bodyPr>
+          <a:lstStyle/>
+          <a:p>
+            <a:pPr algn="l"/>
+            <a:r>
+              <a:rPr sz="1400" b="1">
+                <a:solidFill>
+                  <a:srgbClr val="183A58"/>
+                </a:solidFill>
+                <a:latin typeface="Arial"/>
+              </a:rPr>
+              <a:t>Cost Management &amp; Efficiency Initiatives</a:t>
+            </a:r>
+          </a:p>
+        </p:txBody>
+      </p:sp>
+      <p:sp>
+        <p:nvSpPr>
+          <p:cNvPr id="8" name="Oval 7"/>
+          <p:cNvSpPr/>
+          <p:nvPr/>
+        </p:nvSpPr>
+        <p:spPr>
+          <a:xfrm>
+            <a:off x="1097280" y="4389120"/>
+            <a:ext cx="54864" cy="54864"/>
+          </a:xfrm>
+          <a:prstGeom prst="ellipse">
+            <a:avLst/>
+          </a:prstGeom>
+          <a:solidFill>
+            <a:srgbClr val="B5975B"/>
+          </a:solidFill>
+          <a:ln>
+            <a:noFill/>
+          </a:ln>
+          <a:effectLst/>
+        </p:spPr>
+        <p:style>
+          <a:lnRef idx="1">
+            <a:schemeClr val="accent1"/>
+          </a:lnRef>
+          <a:fillRef idx="3">
+            <a:schemeClr val="accent1"/>
+          </a:fillRef>
+          <a:effectRef idx="2">
+            <a:schemeClr val="accent1"/>
+          </a:effectRef>
+          <a:fontRef idx="minor">
+            <a:schemeClr val="lt1"/>
+          </a:fontRef>
+        </p:style>
+        <p:txBody>
+          <a:bodyPr rtlCol="0" anchor="ctr"/>
+          <a:lstStyle/>
+          <a:p>
+            <a:pPr algn="ctr"/>
+          </a:p>
+        </p:txBody>
+      </p:sp>
+      <p:sp>
+        <p:nvSpPr>
+          <p:cNvPr id="9" name="TextBox 8"/>
+          <p:cNvSpPr txBox="1"/>
+          <p:nvPr/>
+        </p:nvSpPr>
+        <p:spPr>
+          <a:xfrm>
+            <a:off x="1234440" y="4343400"/>
+            <a:ext cx="5029200" cy="137160"/>
+          </a:xfrm>
+          <a:prstGeom prst="rect">
+            <a:avLst/>
+          </a:prstGeom>
+          <a:noFill/>
+          <a:ln>
+            <a:noFill/>
+          </a:ln>
+          <a:effectLst/>
+        </p:spPr>
+        <p:txBody>
+          <a:bodyPr wrap="square">
+            <a:spAutoFit/>
+          </a:bodyPr>
+          <a:lstStyle/>
+          <a:p>
+            <a:pPr algn="l"/>
+            <a:r>
+              <a:rPr sz="1000" b="1">
+                <a:solidFill>
+                  <a:srgbClr val="183A58"/>
+                </a:solidFill>
+                <a:latin typeface="Arial"/>
+              </a:rPr>
+              <a:t>Operational Efficiency</a:t>
+            </a:r>
+          </a:p>
+        </p:txBody>
+      </p:sp>
+      <p:sp>
+        <p:nvSpPr>
+          <p:cNvPr id="10" name="TextBox 9"/>
+          <p:cNvSpPr txBox="1"/>
+          <p:nvPr/>
+        </p:nvSpPr>
+        <p:spPr>
+          <a:xfrm>
+            <a:off x="1234440" y="4480560"/>
+            <a:ext cx="5029200" cy="256032"/>
+          </a:xfrm>
+          <a:prstGeom prst="rect">
+            <a:avLst/>
+          </a:prstGeom>
+          <a:noFill/>
+          <a:ln>
+            <a:noFill/>
+          </a:ln>
+          <a:effectLst/>
+        </p:spPr>
+        <p:txBody>
+          <a:bodyPr wrap="square">
+            <a:spAutoFit/>
+          </a:bodyPr>
+          <a:lstStyle/>
+          <a:p>
+            <a:pPr algn="l"/>
+            <a:r>
+              <a:rPr sz="900" b="0">
+                <a:solidFill>
+                  <a:srgbClr val="404040"/>
+                </a:solidFill>
+                <a:latin typeface="Arial"/>
+              </a:rPr>
+              <a:t>Streamlined processes and resource optimization initiatives</a:t>
+            </a:r>
+          </a:p>
+        </p:txBody>
+      </p:sp>
+      <p:sp>
+        <p:nvSpPr>
+          <p:cNvPr id="11" name="Oval 10"/>
+          <p:cNvSpPr/>
+          <p:nvPr/>
+        </p:nvSpPr>
+        <p:spPr>
+          <a:xfrm>
+            <a:off x="1097280" y="4800600"/>
+            <a:ext cx="54864" cy="54864"/>
+          </a:xfrm>
+          <a:prstGeom prst="ellipse">
+            <a:avLst/>
+          </a:prstGeom>
+          <a:solidFill>
+            <a:srgbClr val="B5975B"/>
+          </a:solidFill>
+          <a:ln>
+            <a:noFill/>
+          </a:ln>
+          <a:effectLst/>
+        </p:spPr>
+        <p:style>
+          <a:lnRef idx="1">
+            <a:schemeClr val="accent1"/>
+          </a:lnRef>
+          <a:fillRef idx="3">
+            <a:schemeClr val="accent1"/>
+          </a:fillRef>
+          <a:effectRef idx="2">
+            <a:schemeClr val="accent1"/>
+          </a:effectRef>
+          <a:fontRef idx="minor">
+            <a:schemeClr val="lt1"/>
+          </a:fontRef>
+        </p:style>
+        <p:txBody>
+          <a:bodyPr rtlCol="0" anchor="ctr"/>
+          <a:lstStyle/>
+          <a:p>
+            <a:pPr algn="ctr"/>
+          </a:p>
+        </p:txBody>
+      </p:sp>
+      <p:sp>
+        <p:nvSpPr>
+          <p:cNvPr id="12" name="TextBox 11"/>
+          <p:cNvSpPr txBox="1"/>
+          <p:nvPr/>
+        </p:nvSpPr>
+        <p:spPr>
+          <a:xfrm>
+            <a:off x="1234440" y="4754880"/>
+            <a:ext cx="5029200" cy="137160"/>
+          </a:xfrm>
+          <a:prstGeom prst="rect">
+            <a:avLst/>
+          </a:prstGeom>
+          <a:noFill/>
+          <a:ln>
+            <a:noFill/>
+          </a:ln>
+          <a:effectLst/>
+        </p:spPr>
+        <p:txBody>
+          <a:bodyPr wrap="square">
+            <a:spAutoFit/>
+          </a:bodyPr>
+          <a:lstStyle/>
+          <a:p>
+            <a:pPr algn="l"/>
+            <a:r>
+              <a:rPr sz="1000" b="1">
+                <a:solidFill>
+                  <a:srgbClr val="183A58"/>
+                </a:solidFill>
+                <a:latin typeface="Arial"/>
+              </a:rPr>
+              <a:t>Technology Investment</a:t>
+            </a:r>
+          </a:p>
+        </p:txBody>
+      </p:sp>
+      <p:sp>
+        <p:nvSpPr>
+          <p:cNvPr id="13" name="TextBox 12"/>
+          <p:cNvSpPr txBox="1"/>
+          <p:nvPr/>
+        </p:nvSpPr>
+        <p:spPr>
+          <a:xfrm>
+            <a:off x="1234440" y="4892040"/>
+            <a:ext cx="5029200" cy="256032"/>
+          </a:xfrm>
+          <a:prstGeom prst="rect">
+            <a:avLst/>
+          </a:prstGeom>
+          <a:noFill/>
+          <a:ln>
+            <a:noFill/>
+          </a:ln>
+          <a:effectLst/>
+        </p:spPr>
+        <p:txBody>
+          <a:bodyPr wrap="square">
+            <a:spAutoFit/>
+          </a:bodyPr>
+          <a:lstStyle/>
+          <a:p>
+            <a:pPr algn="l"/>
+            <a:r>
+              <a:rPr sz="900" b="0">
+                <a:solidFill>
+                  <a:srgbClr val="404040"/>
+                </a:solidFill>
+                <a:latin typeface="Arial"/>
+              </a:rPr>
+              <a:t>Digital transformation reducing administrative overhead</a:t>
+            </a:r>
+          </a:p>
+        </p:txBody>
+      </p:sp>
+      <p:sp>
+        <p:nvSpPr>
+          <p:cNvPr id="14" name="Oval 13"/>
+          <p:cNvSpPr/>
+          <p:nvPr/>
+        </p:nvSpPr>
+        <p:spPr>
+          <a:xfrm>
+            <a:off x="1097280" y="5212080"/>
+            <a:ext cx="54864" cy="54864"/>
+          </a:xfrm>
+          <a:prstGeom prst="ellipse">
+            <a:avLst/>
+          </a:prstGeom>
+          <a:solidFill>
+            <a:srgbClr val="B5975B"/>
+          </a:solidFill>
+          <a:ln>
+            <a:noFill/>
+          </a:ln>
+          <a:effectLst/>
+        </p:spPr>
+        <p:style>
+          <a:lnRef idx="1">
+            <a:schemeClr val="accent1"/>
+          </a:lnRef>
+          <a:fillRef idx="3">
+            <a:schemeClr val="accent1"/>
+          </a:fillRef>
+          <a:effectRef idx="2">
+            <a:schemeClr val="accent1"/>
+          </a:effectRef>
+          <a:fontRef idx="minor">
+            <a:schemeClr val="lt1"/>
+          </a:fontRef>
+        </p:style>
+        <p:txBody>
+          <a:bodyPr rtlCol="0" anchor="ctr"/>
+          <a:lstStyle/>
+          <a:p>
+            <a:pPr algn="ctr"/>
+          </a:p>
+        </p:txBody>
+      </p:sp>
+      <p:sp>
+        <p:nvSpPr>
+          <p:cNvPr id="15" name="TextBox 14"/>
+          <p:cNvSpPr txBox="1"/>
+          <p:nvPr/>
+        </p:nvSpPr>
+        <p:spPr>
+          <a:xfrm>
+            <a:off x="1234440" y="5166360"/>
+            <a:ext cx="5029200" cy="137160"/>
+          </a:xfrm>
+          <a:prstGeom prst="rect">
+            <a:avLst/>
+          </a:prstGeom>
+          <a:noFill/>
+          <a:ln>
+            <a:noFill/>
+          </a:ln>
+          <a:effectLst/>
+        </p:spPr>
+        <p:txBody>
+          <a:bodyPr wrap="square">
+            <a:spAutoFit/>
+          </a:bodyPr>
+          <a:lstStyle/>
+          <a:p>
+            <a:pPr algn="l"/>
+            <a:r>
+              <a:rPr sz="1000" b="1">
+                <a:solidFill>
+                  <a:srgbClr val="183A58"/>
+                </a:solidFill>
+                <a:latin typeface="Arial"/>
+              </a:rPr>
+              <a:t>Supply Chain Management</a:t>
+            </a:r>
+          </a:p>
+        </p:txBody>
+      </p:sp>
+      <p:sp>
+        <p:nvSpPr>
+          <p:cNvPr id="16" name="TextBox 15"/>
+          <p:cNvSpPr txBox="1"/>
+          <p:nvPr/>
+        </p:nvSpPr>
+        <p:spPr>
+          <a:xfrm>
+            <a:off x="1234440" y="5303520"/>
+            <a:ext cx="5029200" cy="256032"/>
+          </a:xfrm>
+          <a:prstGeom prst="rect">
+            <a:avLst/>
+          </a:prstGeom>
+          <a:noFill/>
+          <a:ln>
+            <a:noFill/>
+          </a:ln>
+          <a:effectLst/>
+        </p:spPr>
+        <p:txBody>
+          <a:bodyPr wrap="square">
+            <a:spAutoFit/>
+          </a:bodyPr>
+          <a:lstStyle/>
+          <a:p>
+            <a:pPr algn="l"/>
+            <a:r>
+              <a:rPr sz="900" b="0">
+                <a:solidFill>
+                  <a:srgbClr val="404040"/>
+                </a:solidFill>
+                <a:latin typeface="Arial"/>
+              </a:rPr>
+              <a:t>Centralized procurement and vendor consolidation</a:t>
+            </a:r>
+          </a:p>
+        </p:txBody>
+      </p:sp>
+      <p:sp>
+        <p:nvSpPr>
+          <p:cNvPr id="17" name="TextBox 16"/>
+          <p:cNvSpPr txBox="1"/>
+          <p:nvPr/>
+        </p:nvSpPr>
+        <p:spPr>
+          <a:xfrm>
+            <a:off x="7315200" y="1280160"/>
+            <a:ext cx="4572000" cy="274320"/>
+          </a:xfrm>
+          <a:prstGeom prst="rect">
+            <a:avLst/>
+          </a:prstGeom>
+          <a:noFill/>
+          <a:ln>
+            <a:noFill/>
+          </a:ln>
+          <a:effectLst/>
+        </p:spPr>
+        <p:txBody>
+          <a:bodyPr wrap="square">
+            <a:spAutoFit/>
+          </a:bodyPr>
+          <a:lstStyle/>
+          <a:p>
+            <a:pPr algn="l"/>
+            <a:r>
+              <a:rPr sz="1400" b="1">
+                <a:solidFill>
+                  <a:srgbClr val="183A58"/>
+                </a:solidFill>
+                <a:latin typeface="Arial"/>
+              </a:rPr>
+              <a:t>Risk Mitigation Strategies</a:t>
+            </a:r>
+          </a:p>
+        </p:txBody>
+      </p:sp>
+      <p:sp>
+        <p:nvSpPr>
+          <p:cNvPr id="18" name="Rectangle 17"/>
+          <p:cNvSpPr/>
+          <p:nvPr/>
+        </p:nvSpPr>
+        <p:spPr>
+          <a:xfrm>
+            <a:off x="7315200" y="1645920"/>
+            <a:ext cx="4572000" cy="1645920"/>
+          </a:xfrm>
+          <a:prstGeom prst="rect">
+            <a:avLst/>
+          </a:prstGeom>
+          <a:solidFill>
+            <a:srgbClr val="F0F0F0"/>
+          </a:solidFill>
+          <a:ln>
+            <a:noFill/>
+          </a:ln>
+          <a:effectLst/>
+        </p:spPr>
+        <p:style>
+          <a:lnRef idx="1">
+            <a:schemeClr val="accent1"/>
+          </a:lnRef>
+          <a:fillRef idx="3">
+            <a:schemeClr val="accent1"/>
+          </a:fillRef>
+          <a:effectRef idx="2">
+            <a:schemeClr val="accent1"/>
+          </a:effectRef>
+          <a:fontRef idx="minor">
+            <a:schemeClr val="lt1"/>
+          </a:fontRef>
+        </p:style>
+        <p:txBody>
+          <a:bodyPr rtlCol="0" anchor="ctr"/>
+          <a:lstStyle/>
+          <a:p>
+            <a:pPr algn="ctr"/>
+          </a:p>
+        </p:txBody>
+      </p:sp>
+      <p:sp>
+        <p:nvSpPr>
+          <p:cNvPr id="19" name="Rectangle 18"/>
+          <p:cNvSpPr/>
+          <p:nvPr/>
+        </p:nvSpPr>
+        <p:spPr>
+          <a:xfrm>
+            <a:off x="7315200" y="1645920"/>
+            <a:ext cx="91440" cy="1645920"/>
+          </a:xfrm>
+          <a:prstGeom prst="rect">
+            <a:avLst/>
+          </a:prstGeom>
+          <a:solidFill>
+            <a:srgbClr val="B5975B"/>
+          </a:solidFill>
+          <a:ln>
+            <a:noFill/>
+          </a:ln>
+          <a:effectLst/>
+        </p:spPr>
+        <p:style>
+          <a:lnRef idx="1">
+            <a:schemeClr val="accent1"/>
+          </a:lnRef>
+          <a:fillRef idx="3">
+            <a:schemeClr val="accent1"/>
+          </a:fillRef>
+          <a:effectRef idx="2">
+            <a:schemeClr val="accent1"/>
+          </a:effectRef>
+          <a:fontRef idx="minor">
+            <a:schemeClr val="lt1"/>
+          </a:fontRef>
+        </p:style>
+        <p:txBody>
+          <a:bodyPr rtlCol="0" anchor="ctr"/>
+          <a:lstStyle/>
+          <a:p>
+            <a:pPr algn="ctr"/>
+          </a:p>
+        </p:txBody>
+      </p:sp>
+      <p:sp>
+        <p:nvSpPr>
+          <p:cNvPr id="20" name="TextBox 19"/>
+          <p:cNvSpPr txBox="1"/>
+          <p:nvPr/>
+        </p:nvSpPr>
+        <p:spPr>
+          <a:xfrm>
+            <a:off x="7589520" y="1737360"/>
+            <a:ext cx="4114800" cy="228600"/>
+          </a:xfrm>
+          <a:prstGeom prst="rect">
+            <a:avLst/>
+          </a:prstGeom>
+          <a:noFill/>
+          <a:ln>
+            <a:noFill/>
+          </a:ln>
+          <a:effectLst/>
+        </p:spPr>
+        <p:txBody>
+          <a:bodyPr wrap="square">
+            <a:spAutoFit/>
+          </a:bodyPr>
+          <a:lstStyle/>
+          <a:p>
+            <a:pPr algn="l"/>
+            <a:r>
+              <a:rPr sz="1200" b="1">
+                <a:solidFill>
+                  <a:srgbClr val="B5975B"/>
+                </a:solidFill>
+                <a:latin typeface="Arial"/>
+              </a:rPr>
+              <a:t>Diversified Revenue Strategy</a:t>
+            </a:r>
+          </a:p>
+        </p:txBody>
+      </p:sp>
+      <p:sp>
+        <p:nvSpPr>
+          <p:cNvPr id="21" name="TextBox 20"/>
+          <p:cNvSpPr txBox="1"/>
+          <p:nvPr/>
+        </p:nvSpPr>
+        <p:spPr>
+          <a:xfrm>
+            <a:off x="7589520" y="1965960"/>
+            <a:ext cx="4114800" cy="320040"/>
+          </a:xfrm>
+          <a:prstGeom prst="rect">
+            <a:avLst/>
+          </a:prstGeom>
+          <a:noFill/>
+          <a:ln>
+            <a:noFill/>
+          </a:ln>
+          <a:effectLst/>
+        </p:spPr>
+        <p:txBody>
+          <a:bodyPr wrap="square">
+            <a:spAutoFit/>
+          </a:bodyPr>
+          <a:lstStyle/>
+          <a:p>
+            <a:pPr algn="l"/>
+            <a:r>
+              <a:rPr sz="1000" b="0">
+                <a:solidFill>
+                  <a:srgbClr val="404040"/>
+                </a:solidFill>
+                <a:latin typeface="Arial"/>
+              </a:rPr>
+              <a:t>Multiple revenue streams and operational efficiency measures provide resilience against market volatility and cost pressures</a:t>
+            </a:r>
+          </a:p>
+        </p:txBody>
+      </p:sp>
+      <p:sp>
+        <p:nvSpPr>
+          <p:cNvPr id="22" name="TextBox 21"/>
+          <p:cNvSpPr txBox="1"/>
+          <p:nvPr/>
+        </p:nvSpPr>
+        <p:spPr>
+          <a:xfrm>
+            <a:off x="7589520" y="2331720"/>
+            <a:ext cx="4114800" cy="164592"/>
+          </a:xfrm>
+          <a:prstGeom prst="rect">
+            <a:avLst/>
+          </a:prstGeom>
+          <a:noFill/>
+          <a:ln>
+            <a:noFill/>
+          </a:ln>
+          <a:effectLst/>
+        </p:spPr>
+        <p:txBody>
+          <a:bodyPr wrap="square">
+            <a:spAutoFit/>
+          </a:bodyPr>
+          <a:lstStyle/>
+          <a:p>
+            <a:pPr algn="l"/>
+            <a:r>
+              <a:rPr sz="1000" b="1">
+                <a:solidFill>
+                  <a:srgbClr val="183A58"/>
+                </a:solidFill>
+                <a:latin typeface="Arial"/>
+              </a:rPr>
+              <a:t>Key Benefits:</a:t>
+            </a:r>
+          </a:p>
+        </p:txBody>
+      </p:sp>
+      <p:sp>
+        <p:nvSpPr>
+          <p:cNvPr id="23" name="TextBox 22"/>
+          <p:cNvSpPr txBox="1"/>
+          <p:nvPr/>
+        </p:nvSpPr>
+        <p:spPr>
+          <a:xfrm>
+            <a:off x="7772400" y="2514600"/>
+            <a:ext cx="3931920" cy="100584"/>
+          </a:xfrm>
+          <a:prstGeom prst="rect">
+            <a:avLst/>
+          </a:prstGeom>
+          <a:noFill/>
+          <a:ln>
+            <a:noFill/>
+          </a:ln>
+          <a:effectLst/>
+        </p:spPr>
+        <p:txBody>
+          <a:bodyPr wrap="square">
+            <a:spAutoFit/>
+          </a:bodyPr>
+          <a:lstStyle/>
+          <a:p>
+            <a:pPr algn="l"/>
+            <a:r>
+              <a:rPr sz="900" b="0">
+                <a:solidFill>
+                  <a:srgbClr val="404040"/>
+                </a:solidFill>
+                <a:latin typeface="Arial"/>
+              </a:rPr>
+              <a:t>• Reduced earnings volatility</a:t>
+            </a:r>
+          </a:p>
+        </p:txBody>
+      </p:sp>
+      <p:sp>
+        <p:nvSpPr>
+          <p:cNvPr id="24" name="TextBox 23"/>
+          <p:cNvSpPr txBox="1"/>
+          <p:nvPr/>
+        </p:nvSpPr>
+        <p:spPr>
+          <a:xfrm>
+            <a:off x="7772400" y="2633472"/>
+            <a:ext cx="3931920" cy="100584"/>
+          </a:xfrm>
+          <a:prstGeom prst="rect">
+            <a:avLst/>
+          </a:prstGeom>
+          <a:noFill/>
+          <a:ln>
+            <a:noFill/>
+          </a:ln>
+          <a:effectLst/>
+        </p:spPr>
+        <p:txBody>
+          <a:bodyPr wrap="square">
+            <a:spAutoFit/>
+          </a:bodyPr>
+          <a:lstStyle/>
+          <a:p>
+            <a:pPr algn="l"/>
+            <a:r>
+              <a:rPr sz="900" b="0">
+                <a:solidFill>
+                  <a:srgbClr val="404040"/>
+                </a:solidFill>
+                <a:latin typeface="Arial"/>
+              </a:rPr>
+              <a:t>• Stable cash generation</a:t>
+            </a:r>
+          </a:p>
+        </p:txBody>
+      </p:sp>
+      <p:sp>
+        <p:nvSpPr>
+          <p:cNvPr id="25" name="TextBox 24"/>
+          <p:cNvSpPr txBox="1"/>
+          <p:nvPr/>
+        </p:nvSpPr>
+        <p:spPr>
+          <a:xfrm>
+            <a:off x="7772400" y="2752344"/>
+            <a:ext cx="3931920" cy="100584"/>
+          </a:xfrm>
+          <a:prstGeom prst="rect">
+            <a:avLst/>
+          </a:prstGeom>
+          <a:noFill/>
+          <a:ln>
+            <a:noFill/>
+          </a:ln>
+          <a:effectLst/>
+        </p:spPr>
+        <p:txBody>
+          <a:bodyPr wrap="square">
+            <a:spAutoFit/>
+          </a:bodyPr>
+          <a:lstStyle/>
+          <a:p>
+            <a:pPr algn="l"/>
+            <a:r>
+              <a:rPr sz="900" b="0">
+                <a:solidFill>
+                  <a:srgbClr val="404040"/>
+                </a:solidFill>
+                <a:latin typeface="Arial"/>
+              </a:rPr>
+              <a:t>• Operational flexibility</a:t>
+            </a:r>
+          </a:p>
+        </p:txBody>
+      </p:sp>
+      <p:sp>
+        <p:nvSpPr>
+          <p:cNvPr id="26" name="Rectangle 25"/>
+          <p:cNvSpPr/>
+          <p:nvPr/>
+        </p:nvSpPr>
+        <p:spPr>
+          <a:xfrm>
+            <a:off x="7315200" y="3474720"/>
+            <a:ext cx="4572000" cy="731520"/>
+          </a:xfrm>
+          <a:prstGeom prst="rect">
+            <a:avLst/>
+          </a:prstGeom>
+          <a:solidFill>
+            <a:srgbClr val="F0FFF0"/>
+          </a:solidFill>
+          <a:ln>
+            <a:noFill/>
+          </a:ln>
+          <a:effectLst/>
+        </p:spPr>
+        <p:style>
+          <a:lnRef idx="1">
+            <a:schemeClr val="accent1"/>
+          </a:lnRef>
+          <a:fillRef idx="3">
+            <a:schemeClr val="accent1"/>
+          </a:fillRef>
+          <a:effectRef idx="2">
+            <a:schemeClr val="accent1"/>
+          </a:effectRef>
+          <a:fontRef idx="minor">
+            <a:schemeClr val="lt1"/>
+          </a:fontRef>
+        </p:style>
+        <p:txBody>
+          <a:bodyPr rtlCol="0" anchor="ctr"/>
+          <a:lstStyle/>
+          <a:p>
+            <a:pPr algn="ctr"/>
+          </a:p>
+        </p:txBody>
+      </p:sp>
+      <p:sp>
+        <p:nvSpPr>
+          <p:cNvPr id="27" name="TextBox 26"/>
+          <p:cNvSpPr txBox="1"/>
+          <p:nvPr/>
+        </p:nvSpPr>
+        <p:spPr>
+          <a:xfrm>
+            <a:off x="7498079" y="3566160"/>
+            <a:ext cx="4206240" cy="137160"/>
+          </a:xfrm>
+          <a:prstGeom prst="rect">
+            <a:avLst/>
+          </a:prstGeom>
+          <a:noFill/>
+          <a:ln>
+            <a:noFill/>
+          </a:ln>
+          <a:effectLst/>
+        </p:spPr>
+        <p:txBody>
+          <a:bodyPr wrap="square">
+            <a:spAutoFit/>
+          </a:bodyPr>
+          <a:lstStyle/>
+          <a:p>
+            <a:pPr algn="l"/>
+            <a:r>
+              <a:rPr sz="1000" b="1">
+                <a:solidFill>
+                  <a:srgbClr val="228B22"/>
+                </a:solidFill>
+                <a:latin typeface="Arial"/>
+              </a:rPr>
+              <a:t>BANKER'S VIEW</a:t>
+            </a:r>
+          </a:p>
+        </p:txBody>
+      </p:sp>
+      <p:sp>
+        <p:nvSpPr>
+          <p:cNvPr id="28" name="TextBox 27"/>
+          <p:cNvSpPr txBox="1"/>
+          <p:nvPr/>
+        </p:nvSpPr>
+        <p:spPr>
+          <a:xfrm>
+            <a:off x="7498079" y="3703320"/>
+            <a:ext cx="4206240" cy="457200"/>
+          </a:xfrm>
+          <a:prstGeom prst="rect">
+            <a:avLst/>
+          </a:prstGeom>
+          <a:noFill/>
+          <a:ln>
+            <a:noFill/>
+          </a:ln>
+          <a:effectLst/>
+        </p:spPr>
+        <p:txBody>
+          <a:bodyPr wrap="square">
+            <a:spAutoFit/>
+          </a:bodyPr>
+          <a:lstStyle/>
+          <a:p>
+            <a:pPr algn="l"/>
+            <a:r>
+              <a:rPr sz="900" b="0">
+                <a:solidFill>
+                  <a:srgbClr val="404040"/>
+                </a:solidFill>
+                <a:latin typeface="Arial"/>
+              </a:rPr>
+              <a:t>Strong operational resilience through diversified revenue streams and disciplined cost management supports sustainable margin expansion and reduced business risk profile.</a:t>
+            </a:r>
+          </a:p>
+        </p:txBody>
+      </p:sp>
+      <p:sp>
+        <p:nvSpPr>
+          <p:cNvPr id="29" name="TextBox 28"/>
+          <p:cNvSpPr txBox="1"/>
+          <p:nvPr/>
+        </p:nvSpPr>
+        <p:spPr>
+          <a:xfrm>
+            <a:off x="457200" y="6309360"/>
+            <a:ext cx="5486400" cy="365760"/>
+          </a:xfrm>
+          <a:prstGeom prst="rect">
+            <a:avLst/>
+          </a:prstGeom>
+          <a:noFill/>
+        </p:spPr>
+        <p:txBody>
+          <a:bodyPr wrap="none" anchor="ctr">
+            <a:spAutoFit/>
+          </a:bodyPr>
+          <a:lstStyle/>
+          <a:p>
+            <a:pPr algn="l">
+              <a:defRPr sz="900">
+                <a:solidFill>
+                  <a:srgbClr val="808080"/>
                 </a:solidFill>
                 <a:latin typeface="Arial"/>
               </a:defRPr>
             </a:pPr>
             <a:r>
-              <a:t>Considerations</a:t>
-            </a:r>
-          </a:p>
-        </p:txBody>
-      </p:sp>
-      <p:sp>
-        <p:nvSpPr>
-          <p:cNvPr id="5" name="TextBox 4"/>
-          <p:cNvSpPr txBox="1"/>
-          <p:nvPr/>
-        </p:nvSpPr>
-        <p:spPr>
-          <a:xfrm>
-            <a:off x="6400800" y="1280160"/>
-            <a:ext cx="5029200" cy="457200"/>
-          </a:xfrm>
-          <a:prstGeom prst="rect">
-            <a:avLst/>
-          </a:prstGeom>
-          <a:noFill/>
-        </p:spPr>
-        <p:txBody>
-          <a:bodyPr wrap="none">
-            <a:spAutoFit/>
-          </a:bodyPr>
-          <a:lstStyle/>
-          <a:p>
-            <a:pPr algn="ctr">
-              <a:defRPr sz="1100" b="1">
-                <a:solidFill>
-                  <a:srgbClr val="183A58"/>
-                </a:solidFill>
-                <a:latin typeface="Arial"/>
-              </a:defRPr>
-            </a:pPr>
-            <a:r>
-              <a:t>Mitigants</a:t>
-            </a:r>
-          </a:p>
-        </p:txBody>
-      </p:sp>
-      <p:sp>
-        <p:nvSpPr>
-          <p:cNvPr id="6" name="TextBox 5"/>
-          <p:cNvSpPr txBox="1"/>
-          <p:nvPr/>
-        </p:nvSpPr>
-        <p:spPr>
-          <a:xfrm>
-            <a:off x="457200" y="6400800"/>
-            <a:ext cx="5486400" cy="365760"/>
-          </a:xfrm>
-          <a:prstGeom prst="rect">
-            <a:avLst/>
-          </a:prstGeom>
-          <a:noFill/>
-        </p:spPr>
-        <p:txBody>
-          <a:bodyPr wrap="none" anchor="ctr">
-            <a:spAutoFit/>
-          </a:bodyPr>
-          <a:lstStyle/>
-          <a:p>
-            <a:pPr algn="l">
-              <a:defRPr sz="900">
-                <a:solidFill>
-                  <a:srgbClr val="808080"/>
-                </a:solidFill>
-                <a:latin typeface="Arial"/>
-              </a:defRPr>
-            </a:pPr>
-            <a:r>
               <a:t>Confidential | September 11, 2025</a:t>
             </a:r>
           </a:p>
@@ -9130,13 +7255,13 @@
       </p:sp>
       <p:sp>
         <p:nvSpPr>
-          <p:cNvPr id="7" name="TextBox 6"/>
-          <p:cNvSpPr txBox="1"/>
-          <p:nvPr/>
-        </p:nvSpPr>
-        <p:spPr>
-          <a:xfrm>
-            <a:off x="9144000" y="6400800"/>
+          <p:cNvPr id="30" name="TextBox 29"/>
+          <p:cNvSpPr txBox="1"/>
+          <p:nvPr/>
+        </p:nvSpPr>
+        <p:spPr>
+          <a:xfrm>
+            <a:off x="9144000" y="6309360"/>
             <a:ext cx="2743200" cy="365760"/>
           </a:xfrm>
           <a:prstGeom prst="rect">
@@ -9212,7 +7337,7 @@
                 </a:solidFill>
                 <a:latin typeface="Arial"/>
               </a:rPr>
-              <a:t>Investor Process Overview</a:t>
+              <a:t>Investment Opportunity</a:t>
             </a:r>
           </a:p>
         </p:txBody>
@@ -9268,6 +7393,246 @@
         </p:nvSpPr>
         <p:spPr>
           <a:xfrm>
+            <a:off x="914400" y="1280160"/>
+            <a:ext cx="5029200" cy="457200"/>
+          </a:xfrm>
+          <a:prstGeom prst="rect">
+            <a:avLst/>
+          </a:prstGeom>
+          <a:noFill/>
+        </p:spPr>
+        <p:txBody>
+          <a:bodyPr wrap="none">
+            <a:spAutoFit/>
+          </a:bodyPr>
+          <a:lstStyle/>
+          <a:p>
+            <a:pPr algn="ctr">
+              <a:defRPr sz="1100" b="1">
+                <a:solidFill>
+                  <a:srgbClr val="183A58"/>
+                </a:solidFill>
+                <a:latin typeface="Arial"/>
+              </a:defRPr>
+            </a:pPr>
+            <a:r>
+              <a:t>Considerations</a:t>
+            </a:r>
+          </a:p>
+        </p:txBody>
+      </p:sp>
+      <p:sp>
+        <p:nvSpPr>
+          <p:cNvPr id="5" name="TextBox 4"/>
+          <p:cNvSpPr txBox="1"/>
+          <p:nvPr/>
+        </p:nvSpPr>
+        <p:spPr>
+          <a:xfrm>
+            <a:off x="6400800" y="1280160"/>
+            <a:ext cx="5029200" cy="457200"/>
+          </a:xfrm>
+          <a:prstGeom prst="rect">
+            <a:avLst/>
+          </a:prstGeom>
+          <a:noFill/>
+        </p:spPr>
+        <p:txBody>
+          <a:bodyPr wrap="none">
+            <a:spAutoFit/>
+          </a:bodyPr>
+          <a:lstStyle/>
+          <a:p>
+            <a:pPr algn="ctr">
+              <a:defRPr sz="1100" b="1">
+                <a:solidFill>
+                  <a:srgbClr val="183A58"/>
+                </a:solidFill>
+                <a:latin typeface="Arial"/>
+              </a:defRPr>
+            </a:pPr>
+            <a:r>
+              <a:t>Mitigants</a:t>
+            </a:r>
+          </a:p>
+        </p:txBody>
+      </p:sp>
+      <p:sp>
+        <p:nvSpPr>
+          <p:cNvPr id="6" name="TextBox 5"/>
+          <p:cNvSpPr txBox="1"/>
+          <p:nvPr/>
+        </p:nvSpPr>
+        <p:spPr>
+          <a:xfrm>
+            <a:off x="457200" y="6400800"/>
+            <a:ext cx="5486400" cy="365760"/>
+          </a:xfrm>
+          <a:prstGeom prst="rect">
+            <a:avLst/>
+          </a:prstGeom>
+          <a:noFill/>
+        </p:spPr>
+        <p:txBody>
+          <a:bodyPr wrap="none" anchor="ctr">
+            <a:spAutoFit/>
+          </a:bodyPr>
+          <a:lstStyle/>
+          <a:p>
+            <a:pPr algn="l">
+              <a:defRPr sz="900">
+                <a:solidFill>
+                  <a:srgbClr val="808080"/>
+                </a:solidFill>
+                <a:latin typeface="Arial"/>
+              </a:defRPr>
+            </a:pPr>
+            <a:r>
+              <a:t>Confidential | September 11, 2025</a:t>
+            </a:r>
+          </a:p>
+        </p:txBody>
+      </p:sp>
+      <p:sp>
+        <p:nvSpPr>
+          <p:cNvPr id="7" name="TextBox 6"/>
+          <p:cNvSpPr txBox="1"/>
+          <p:nvPr/>
+        </p:nvSpPr>
+        <p:spPr>
+          <a:xfrm>
+            <a:off x="9144000" y="6400800"/>
+            <a:ext cx="2743200" cy="365760"/>
+          </a:xfrm>
+          <a:prstGeom prst="rect">
+            <a:avLst/>
+          </a:prstGeom>
+          <a:noFill/>
+        </p:spPr>
+        <p:txBody>
+          <a:bodyPr wrap="none" anchor="ctr">
+            <a:spAutoFit/>
+          </a:bodyPr>
+          <a:lstStyle/>
+          <a:p>
+            <a:pPr algn="r">
+              <a:defRPr sz="900">
+                <a:solidFill>
+                  <a:srgbClr val="808080"/>
+                </a:solidFill>
+                <a:latin typeface="Arial"/>
+              </a:defRPr>
+            </a:pPr>
+            <a:r>
+              <a:t>TechCorp Solutions</a:t>
+            </a:r>
+          </a:p>
+        </p:txBody>
+      </p:sp>
+    </p:spTree>
+  </p:cSld>
+  <p:clrMapOvr>
+    <a:masterClrMapping/>
+  </p:clrMapOvr>
+</p:sld>
+</file>
+
+<file path=ppt/slides/slide16.xml><?xml version="1.0" encoding="utf-8"?>
+<p:sld xmlns:a="http://schemas.openxmlformats.org/drawingml/2006/main" xmlns:p="http://schemas.openxmlformats.org/presentationml/2006/main" xmlns:r="http://schemas.openxmlformats.org/officeDocument/2006/relationships">
+  <p:cSld>
+    <p:spTree>
+      <p:nvGrpSpPr>
+        <p:cNvPr id="1" name=""/>
+        <p:cNvGrpSpPr/>
+        <p:nvPr/>
+      </p:nvGrpSpPr>
+      <p:grpSpPr/>
+      <p:sp>
+        <p:nvSpPr>
+          <p:cNvPr id="2" name="TextBox 1"/>
+          <p:cNvSpPr txBox="1"/>
+          <p:nvPr/>
+        </p:nvSpPr>
+        <p:spPr>
+          <a:xfrm>
+            <a:off x="457200" y="274320"/>
+            <a:ext cx="11277295" cy="731520"/>
+          </a:xfrm>
+          <a:prstGeom prst="rect">
+            <a:avLst/>
+          </a:prstGeom>
+          <a:noFill/>
+        </p:spPr>
+        <p:txBody>
+          <a:bodyPr wrap="none" lIns="0" tIns="0" rIns="0" bIns="0">
+            <a:spAutoFit/>
+          </a:bodyPr>
+          <a:lstStyle/>
+          <a:p>
+            <a:pPr algn="l"/>
+            <a:r>
+              <a:rPr sz="2400" b="1">
+                <a:solidFill>
+                  <a:srgbClr val="183A58"/>
+                </a:solidFill>
+                <a:latin typeface="Arial"/>
+              </a:rPr>
+              <a:t>Investment Opportunity</a:t>
+            </a:r>
+          </a:p>
+        </p:txBody>
+      </p:sp>
+      <p:sp>
+        <p:nvSpPr>
+          <p:cNvPr id="3" name="Rectangle 2"/>
+          <p:cNvSpPr/>
+          <p:nvPr/>
+        </p:nvSpPr>
+        <p:spPr>
+          <a:xfrm>
+            <a:off x="457200" y="914400"/>
+            <a:ext cx="11277295" cy="45720"/>
+          </a:xfrm>
+          <a:prstGeom prst="rect">
+            <a:avLst/>
+          </a:prstGeom>
+          <a:solidFill>
+            <a:srgbClr val="183A58"/>
+          </a:solidFill>
+          <a:ln>
+            <a:noFill/>
+          </a:ln>
+        </p:spPr>
+        <p:style>
+          <a:lnRef idx="1">
+            <a:schemeClr val="accent1"/>
+          </a:lnRef>
+          <a:fillRef idx="3">
+            <a:schemeClr val="accent1"/>
+          </a:fillRef>
+          <a:effectRef idx="2">
+            <a:schemeClr val="accent1"/>
+          </a:effectRef>
+          <a:fontRef idx="minor">
+            <a:schemeClr val="lt1"/>
+          </a:fontRef>
+        </p:style>
+        <p:txBody>
+          <a:bodyPr rtlCol="0" anchor="ctr"/>
+          <a:lstStyle/>
+          <a:p>
+            <a:pPr algn="ctr"/>
+          </a:p>
+        </p:txBody>
+      </p:sp>
+      <p:sp>
+        <p:nvSpPr>
+          <p:cNvPr id="4" name="TextBox 3"/>
+          <p:cNvSpPr txBox="1"/>
+          <p:nvPr/>
+        </p:nvSpPr>
+        <p:spPr>
+          <a:xfrm>
             <a:off x="457200" y="1371600"/>
             <a:ext cx="5486400" cy="274320"/>
           </a:xfrm>
@@ -9385,14 +7750,57 @@
       </p:sp>
       <p:sp>
         <p:nvSpPr>
-          <p:cNvPr id="7" name="TextBox 6"/>
-          <p:cNvSpPr txBox="1"/>
-          <p:nvPr/>
-        </p:nvSpPr>
-        <p:spPr>
-          <a:xfrm>
-            <a:off x="6400800" y="3657600"/>
-            <a:ext cx="5303520" cy="274320"/>
+          <p:cNvPr id="7" name="Oval 6"/>
+          <p:cNvSpPr/>
+          <p:nvPr/>
+        </p:nvSpPr>
+        <p:spPr>
+          <a:xfrm>
+            <a:off x="6537960" y="1764792"/>
+            <a:ext cx="54864" cy="54864"/>
+          </a:xfrm>
+          <a:prstGeom prst="ellipse">
+            <a:avLst/>
+          </a:prstGeom>
+          <a:solidFill>
+            <a:srgbClr val="B5975B"/>
+          </a:solidFill>
+          <a:ln>
+            <a:noFill/>
+          </a:ln>
+        </p:spPr>
+        <p:style>
+          <a:lnRef idx="1">
+            <a:schemeClr val="accent1"/>
+          </a:lnRef>
+          <a:fillRef idx="3">
+            <a:schemeClr val="accent1"/>
+          </a:fillRef>
+          <a:effectRef idx="2">
+            <a:schemeClr val="accent1"/>
+          </a:effectRef>
+          <a:fontRef idx="minor">
+            <a:schemeClr val="lt1"/>
+          </a:fontRef>
+        </p:style>
+        <p:txBody>
+          <a:bodyPr rtlCol="0" anchor="ctr"/>
+          <a:lstStyle/>
+          <a:p>
+            <a:pPr algn="ctr"/>
+          </a:p>
+        </p:txBody>
+      </p:sp>
+      <p:sp>
+        <p:nvSpPr>
+          <p:cNvPr id="8" name="TextBox 7"/>
+          <p:cNvSpPr txBox="1"/>
+          <p:nvPr/>
+        </p:nvSpPr>
+        <p:spPr>
+          <a:xfrm>
+            <a:off x="6675120" y="1691640"/>
+            <a:ext cx="5029200" cy="256032"/>
           </a:xfrm>
           <a:prstGeom prst="rect">
             <a:avLst/>
@@ -9413,6 +7821,383 @@
               </a:lnSpc>
             </a:pPr>
             <a:r>
+              <a:rPr sz="1000" b="0">
+                <a:solidFill>
+                  <a:srgbClr val="404040"/>
+                </a:solidFill>
+                <a:latin typeface="Arial"/>
+              </a:rPr>
+              <a:t>Strong financial performance: $12M revenue with $3.2M EBITDA</a:t>
+            </a:r>
+          </a:p>
+        </p:txBody>
+      </p:sp>
+      <p:sp>
+        <p:nvSpPr>
+          <p:cNvPr id="9" name="Oval 8"/>
+          <p:cNvSpPr/>
+          <p:nvPr/>
+        </p:nvSpPr>
+        <p:spPr>
+          <a:xfrm>
+            <a:off x="6537960" y="2148840"/>
+            <a:ext cx="54864" cy="54864"/>
+          </a:xfrm>
+          <a:prstGeom prst="ellipse">
+            <a:avLst/>
+          </a:prstGeom>
+          <a:solidFill>
+            <a:srgbClr val="B5975B"/>
+          </a:solidFill>
+          <a:ln>
+            <a:noFill/>
+          </a:ln>
+        </p:spPr>
+        <p:style>
+          <a:lnRef idx="1">
+            <a:schemeClr val="accent1"/>
+          </a:lnRef>
+          <a:fillRef idx="3">
+            <a:schemeClr val="accent1"/>
+          </a:fillRef>
+          <a:effectRef idx="2">
+            <a:schemeClr val="accent1"/>
+          </a:effectRef>
+          <a:fontRef idx="minor">
+            <a:schemeClr val="lt1"/>
+          </a:fontRef>
+        </p:style>
+        <p:txBody>
+          <a:bodyPr rtlCol="0" anchor="ctr"/>
+          <a:lstStyle/>
+          <a:p>
+            <a:pPr algn="ctr"/>
+          </a:p>
+        </p:txBody>
+      </p:sp>
+      <p:sp>
+        <p:nvSpPr>
+          <p:cNvPr id="10" name="TextBox 9"/>
+          <p:cNvSpPr txBox="1"/>
+          <p:nvPr/>
+        </p:nvSpPr>
+        <p:spPr>
+          <a:xfrm>
+            <a:off x="6675120" y="2075688"/>
+            <a:ext cx="5029200" cy="256032"/>
+          </a:xfrm>
+          <a:prstGeom prst="rect">
+            <a:avLst/>
+          </a:prstGeom>
+          <a:noFill/>
+          <a:ln>
+            <a:noFill/>
+          </a:ln>
+          <a:effectLst/>
+        </p:spPr>
+        <p:txBody>
+          <a:bodyPr wrap="square" lIns="73152" rIns="73152"/>
+          <a:lstStyle/>
+          <a:p>
+            <a:pPr algn="l">
+              <a:lnSpc>
+                <a:spcPct val="110000"/>
+              </a:lnSpc>
+            </a:pPr>
+            <a:r>
+              <a:rPr sz="1000" b="0">
+                <a:solidFill>
+                  <a:srgbClr val="404040"/>
+                </a:solidFill>
+                <a:latin typeface="Arial"/>
+              </a:rPr>
+              <a:t>Experienced leadership team with proven track record</a:t>
+            </a:r>
+          </a:p>
+        </p:txBody>
+      </p:sp>
+      <p:sp>
+        <p:nvSpPr>
+          <p:cNvPr id="11" name="Oval 10"/>
+          <p:cNvSpPr/>
+          <p:nvPr/>
+        </p:nvSpPr>
+        <p:spPr>
+          <a:xfrm>
+            <a:off x="6537960" y="2532888"/>
+            <a:ext cx="54864" cy="54864"/>
+          </a:xfrm>
+          <a:prstGeom prst="ellipse">
+            <a:avLst/>
+          </a:prstGeom>
+          <a:solidFill>
+            <a:srgbClr val="B5975B"/>
+          </a:solidFill>
+          <a:ln>
+            <a:noFill/>
+          </a:ln>
+        </p:spPr>
+        <p:style>
+          <a:lnRef idx="1">
+            <a:schemeClr val="accent1"/>
+          </a:lnRef>
+          <a:fillRef idx="3">
+            <a:schemeClr val="accent1"/>
+          </a:fillRef>
+          <a:effectRef idx="2">
+            <a:schemeClr val="accent1"/>
+          </a:effectRef>
+          <a:fontRef idx="minor">
+            <a:schemeClr val="lt1"/>
+          </a:fontRef>
+        </p:style>
+        <p:txBody>
+          <a:bodyPr rtlCol="0" anchor="ctr"/>
+          <a:lstStyle/>
+          <a:p>
+            <a:pPr algn="ctr"/>
+          </a:p>
+        </p:txBody>
+      </p:sp>
+      <p:sp>
+        <p:nvSpPr>
+          <p:cNvPr id="12" name="TextBox 11"/>
+          <p:cNvSpPr txBox="1"/>
+          <p:nvPr/>
+        </p:nvSpPr>
+        <p:spPr>
+          <a:xfrm>
+            <a:off x="6675120" y="2459736"/>
+            <a:ext cx="5029200" cy="256032"/>
+          </a:xfrm>
+          <a:prstGeom prst="rect">
+            <a:avLst/>
+          </a:prstGeom>
+          <a:noFill/>
+          <a:ln>
+            <a:noFill/>
+          </a:ln>
+          <a:effectLst/>
+        </p:spPr>
+        <p:txBody>
+          <a:bodyPr wrap="square" lIns="73152" rIns="73152"/>
+          <a:lstStyle/>
+          <a:p>
+            <a:pPr algn="l">
+              <a:lnSpc>
+                <a:spcPct val="110000"/>
+              </a:lnSpc>
+            </a:pPr>
+            <a:r>
+              <a:rPr sz="1000" b="0">
+                <a:solidFill>
+                  <a:srgbClr val="404040"/>
+                </a:solidFill>
+                <a:latin typeface="Arial"/>
+              </a:rPr>
+              <a:t>Growing market opportunity in AI/technology sector</a:t>
+            </a:r>
+          </a:p>
+        </p:txBody>
+      </p:sp>
+      <p:sp>
+        <p:nvSpPr>
+          <p:cNvPr id="13" name="Oval 12"/>
+          <p:cNvSpPr/>
+          <p:nvPr/>
+        </p:nvSpPr>
+        <p:spPr>
+          <a:xfrm>
+            <a:off x="6537960" y="2916936"/>
+            <a:ext cx="54864" cy="54864"/>
+          </a:xfrm>
+          <a:prstGeom prst="ellipse">
+            <a:avLst/>
+          </a:prstGeom>
+          <a:solidFill>
+            <a:srgbClr val="B5975B"/>
+          </a:solidFill>
+          <a:ln>
+            <a:noFill/>
+          </a:ln>
+        </p:spPr>
+        <p:style>
+          <a:lnRef idx="1">
+            <a:schemeClr val="accent1"/>
+          </a:lnRef>
+          <a:fillRef idx="3">
+            <a:schemeClr val="accent1"/>
+          </a:fillRef>
+          <a:effectRef idx="2">
+            <a:schemeClr val="accent1"/>
+          </a:effectRef>
+          <a:fontRef idx="minor">
+            <a:schemeClr val="lt1"/>
+          </a:fontRef>
+        </p:style>
+        <p:txBody>
+          <a:bodyPr rtlCol="0" anchor="ctr"/>
+          <a:lstStyle/>
+          <a:p>
+            <a:pPr algn="ctr"/>
+          </a:p>
+        </p:txBody>
+      </p:sp>
+      <p:sp>
+        <p:nvSpPr>
+          <p:cNvPr id="14" name="TextBox 13"/>
+          <p:cNvSpPr txBox="1"/>
+          <p:nvPr/>
+        </p:nvSpPr>
+        <p:spPr>
+          <a:xfrm>
+            <a:off x="6675120" y="2843784"/>
+            <a:ext cx="5029200" cy="256032"/>
+          </a:xfrm>
+          <a:prstGeom prst="rect">
+            <a:avLst/>
+          </a:prstGeom>
+          <a:noFill/>
+          <a:ln>
+            <a:noFill/>
+          </a:ln>
+          <a:effectLst/>
+        </p:spPr>
+        <p:txBody>
+          <a:bodyPr wrap="square" lIns="73152" rIns="73152"/>
+          <a:lstStyle/>
+          <a:p>
+            <a:pPr algn="l">
+              <a:lnSpc>
+                <a:spcPct val="110000"/>
+              </a:lnSpc>
+            </a:pPr>
+            <a:r>
+              <a:rPr sz="1000" b="0">
+                <a:solidFill>
+                  <a:srgbClr val="404040"/>
+                </a:solidFill>
+                <a:latin typeface="Arial"/>
+              </a:rPr>
+              <a:t>Clear competitive advantages and market differentiation</a:t>
+            </a:r>
+          </a:p>
+        </p:txBody>
+      </p:sp>
+      <p:sp>
+        <p:nvSpPr>
+          <p:cNvPr id="15" name="Oval 14"/>
+          <p:cNvSpPr/>
+          <p:nvPr/>
+        </p:nvSpPr>
+        <p:spPr>
+          <a:xfrm>
+            <a:off x="6537960" y="3300984"/>
+            <a:ext cx="54864" cy="54864"/>
+          </a:xfrm>
+          <a:prstGeom prst="ellipse">
+            <a:avLst/>
+          </a:prstGeom>
+          <a:solidFill>
+            <a:srgbClr val="B5975B"/>
+          </a:solidFill>
+          <a:ln>
+            <a:noFill/>
+          </a:ln>
+        </p:spPr>
+        <p:style>
+          <a:lnRef idx="1">
+            <a:schemeClr val="accent1"/>
+          </a:lnRef>
+          <a:fillRef idx="3">
+            <a:schemeClr val="accent1"/>
+          </a:fillRef>
+          <a:effectRef idx="2">
+            <a:schemeClr val="accent1"/>
+          </a:effectRef>
+          <a:fontRef idx="minor">
+            <a:schemeClr val="lt1"/>
+          </a:fontRef>
+        </p:style>
+        <p:txBody>
+          <a:bodyPr rtlCol="0" anchor="ctr"/>
+          <a:lstStyle/>
+          <a:p>
+            <a:pPr algn="ctr"/>
+          </a:p>
+        </p:txBody>
+      </p:sp>
+      <p:sp>
+        <p:nvSpPr>
+          <p:cNvPr id="16" name="TextBox 15"/>
+          <p:cNvSpPr txBox="1"/>
+          <p:nvPr/>
+        </p:nvSpPr>
+        <p:spPr>
+          <a:xfrm>
+            <a:off x="6675120" y="3227832"/>
+            <a:ext cx="5029200" cy="256032"/>
+          </a:xfrm>
+          <a:prstGeom prst="rect">
+            <a:avLst/>
+          </a:prstGeom>
+          <a:noFill/>
+          <a:ln>
+            <a:noFill/>
+          </a:ln>
+          <a:effectLst/>
+        </p:spPr>
+        <p:txBody>
+          <a:bodyPr wrap="square" lIns="73152" rIns="73152"/>
+          <a:lstStyle/>
+          <a:p>
+            <a:pPr algn="l">
+              <a:lnSpc>
+                <a:spcPct val="110000"/>
+              </a:lnSpc>
+            </a:pPr>
+            <a:r>
+              <a:rPr sz="1000" b="0">
+                <a:solidFill>
+                  <a:srgbClr val="404040"/>
+                </a:solidFill>
+                <a:latin typeface="Arial"/>
+              </a:rPr>
+              <a:t>Scalable business model with expansion potential</a:t>
+            </a:r>
+          </a:p>
+        </p:txBody>
+      </p:sp>
+      <p:sp>
+        <p:nvSpPr>
+          <p:cNvPr id="17" name="TextBox 16"/>
+          <p:cNvSpPr txBox="1"/>
+          <p:nvPr/>
+        </p:nvSpPr>
+        <p:spPr>
+          <a:xfrm>
+            <a:off x="6400800" y="3657600"/>
+            <a:ext cx="5303520" cy="274320"/>
+          </a:xfrm>
+          <a:prstGeom prst="rect">
+            <a:avLst/>
+          </a:prstGeom>
+          <a:noFill/>
+          <a:ln>
+            <a:noFill/>
+          </a:ln>
+          <a:effectLst/>
+        </p:spPr>
+        <p:txBody>
+          <a:bodyPr wrap="square" lIns="73152" rIns="73152"/>
+          <a:lstStyle/>
+          <a:p>
+            <a:pPr algn="l">
+              <a:lnSpc>
+                <a:spcPct val="110000"/>
+              </a:lnSpc>
+            </a:pPr>
+            <a:r>
               <a:rPr sz="1400" b="1">
                 <a:solidFill>
                   <a:srgbClr val="183A58"/>
@@ -9426,7 +8211,7 @@
       </p:sp>
       <p:sp>
         <p:nvSpPr>
-          <p:cNvPr id="8" name="TextBox 7"/>
+          <p:cNvPr id="18" name="TextBox 17"/>
           <p:cNvSpPr txBox="1"/>
           <p:nvPr/>
         </p:nvSpPr>
@@ -9462,7 +8247,7 @@
       </p:sp>
       <p:sp>
         <p:nvSpPr>
-          <p:cNvPr id="9" name="TextBox 8"/>
+          <p:cNvPr id="19" name="TextBox 18"/>
           <p:cNvSpPr txBox="1"/>
           <p:nvPr/>
         </p:nvSpPr>
@@ -9552,7 +8337,7 @@
                 </a:solidFill>
                 <a:latin typeface="Arial"/>
               </a:rPr>
-              <a:t>Product Service Footprint</a:t>
+              <a:t>Competitive Positioning</a:t>
             </a:r>
           </a:p>
         </p:txBody>
@@ -9602,268 +8387,20 @@
       </p:sp>
       <p:sp>
         <p:nvSpPr>
-          <p:cNvPr id="4" name="TextBox 3"/>
-          <p:cNvSpPr txBox="1"/>
-          <p:nvPr/>
-        </p:nvSpPr>
-        <p:spPr>
-          <a:xfrm>
-            <a:off x="6583680" y="1280160"/>
-            <a:ext cx="5029200" cy="274320"/>
-          </a:xfrm>
-          <a:prstGeom prst="rect">
-            <a:avLst/>
-          </a:prstGeom>
-          <a:noFill/>
-          <a:ln>
-            <a:noFill/>
-          </a:ln>
-          <a:effectLst/>
-        </p:spPr>
-        <p:txBody>
-          <a:bodyPr wrap="square">
-            <a:spAutoFit/>
-          </a:bodyPr>
-          <a:lstStyle/>
-          <a:p>
-            <a:pPr algn="ctr"/>
-            <a:r>
-              <a:rPr sz="1400" b="1">
-                <a:solidFill>
-                  <a:srgbClr val="183A58"/>
-                </a:solidFill>
-                <a:latin typeface="Arial"/>
-              </a:rPr>
-              <a:t>Product &amp; Service Market Coverage</a:t>
-            </a:r>
-          </a:p>
-        </p:txBody>
-      </p:sp>
-      <p:graphicFrame>
-        <p:nvGraphicFramePr>
-          <p:cNvPr id="5" name="Table 4"/>
-          <p:cNvGraphicFramePr>
-            <a:graphicFrameLocks noGrp="1"/>
-          </p:cNvGraphicFramePr>
-          <p:nvPr/>
-        </p:nvGraphicFramePr>
-        <p:xfrm>
-          <a:off x="6583680" y="1645920"/>
-          <a:ext cx="1828800" cy="2560320"/>
-        </p:xfrm>
-        <a:graphic>
-          <a:graphicData uri="http://schemas.openxmlformats.org/drawingml/2006/table">
-            <a:tbl>
-              <a:tblPr firstRow="1" bandRow="1">
-                <a:tableStyleId>{5C22544A-7EE6-4342-B048-85BDC9FD1C3A}</a:tableStyleId>
-              </a:tblPr>
-              <a:tblGrid>
-                <a:gridCol w="1097280"/>
-                <a:gridCol w="731520"/>
-              </a:tblGrid>
-              <a:tr h="853440">
-                <a:tc>
-                  <a:txBody>
-                    <a:bodyPr/>
-                    <a:lstStyle/>
-                    <a:p>
-                      <a:pPr algn="ctr"/>
-                      <a:r>
-                        <a:rPr sz="900" b="1">
-                          <a:solidFill>
-                            <a:srgbClr val="FFFFFF"/>
-                          </a:solidFill>
-                          <a:latin typeface="Arial"/>
-                        </a:rPr>
-                        <a:t>Region</a:t>
-                      </a:r>
-                    </a:p>
-                  </a:txBody>
-                  <a:tcPr marL="45720" marR="45720" marT="45720" marB="45720">
-                    <a:solidFill>
-                      <a:srgbClr val="183A58"/>
-                    </a:solidFill>
-                  </a:tcPr>
-                </a:tc>
-                <a:tc>
-                  <a:txBody>
-                    <a:bodyPr/>
-                    <a:lstStyle/>
-                    <a:p>
-                      <a:pPr algn="ctr"/>
-                      <a:r>
-                        <a:rPr sz="900" b="1">
-                          <a:solidFill>
-                            <a:srgbClr val="FFFFFF"/>
-                          </a:solidFill>
-                          <a:latin typeface="Arial"/>
-                        </a:rPr>
-                        <a:t>Status</a:t>
-                      </a:r>
-                    </a:p>
-                  </a:txBody>
-                  <a:tcPr marL="45720" marR="45720" marT="45720" marB="45720">
-                    <a:solidFill>
-                      <a:srgbClr val="183A58"/>
-                    </a:solidFill>
-                  </a:tcPr>
-                </a:tc>
-              </a:tr>
-              <a:tr h="853440">
-                <a:tc>
-                  <a:txBody>
-                    <a:bodyPr/>
-                    <a:lstStyle/>
-                    <a:p>
-                      <a:pPr algn="ctr"/>
-                      <a:r>
-                        <a:rPr sz="900">
-                          <a:solidFill>
-                            <a:srgbClr val="404040"/>
-                          </a:solidFill>
-                          <a:latin typeface="Arial"/>
-                        </a:rPr>
-                        <a:t>No data</a:t>
-                      </a:r>
-                    </a:p>
-                  </a:txBody>
-                  <a:tcPr marL="45720" marR="45720" marT="45720" marB="45720">
-                    <a:solidFill>
-                      <a:srgbClr val="FFFFFF"/>
-                    </a:solidFill>
-                  </a:tcPr>
-                </a:tc>
-                <a:tc>
-                  <a:txBody>
-                    <a:bodyPr/>
-                    <a:lstStyle/>
-                    <a:p>
-                      <a:pPr algn="ctr"/>
-                      <a:r>
-                        <a:rPr sz="900">
-                          <a:solidFill>
-                            <a:srgbClr val="404040"/>
-                          </a:solidFill>
-                          <a:latin typeface="Arial"/>
-                        </a:rPr>
-                        <a:t>Please provide</a:t>
-                      </a:r>
-                    </a:p>
-                  </a:txBody>
-                  <a:tcPr marL="45720" marR="45720" marT="45720" marB="45720">
-                    <a:solidFill>
-                      <a:srgbClr val="FFFFFF"/>
-                    </a:solidFill>
-                  </a:tcPr>
-                </a:tc>
-              </a:tr>
-              <a:tr h="853440">
-                <a:tc>
-                  <a:txBody>
-                    <a:bodyPr/>
-                    <a:lstStyle/>
-                    <a:p>
-                      <a:pPr algn="ctr"/>
-                      <a:r>
-                        <a:rPr sz="900">
-                          <a:solidFill>
-                            <a:srgbClr val="404040"/>
-                          </a:solidFill>
-                          <a:latin typeface="Arial"/>
-                        </a:rPr>
-                        <a:t>coverage_table</a:t>
-                      </a:r>
-                    </a:p>
-                  </a:txBody>
-                  <a:tcPr marL="45720" marR="45720" marT="45720" marB="45720">
-                    <a:solidFill>
-                      <a:srgbClr val="F0F0F0"/>
-                    </a:solidFill>
-                  </a:tcPr>
-                </a:tc>
-                <a:tc>
-                  <a:txBody>
-                    <a:bodyPr/>
-                    <a:lstStyle/>
-                    <a:p>
-                      <a:pPr algn="ctr"/>
-                      <a:r>
-                        <a:rPr sz="900">
-                          <a:solidFill>
-                            <a:srgbClr val="404040"/>
-                          </a:solidFill>
-                          <a:latin typeface="Arial"/>
-                        </a:rPr>
-                        <a:t>in JSON data</a:t>
-                      </a:r>
-                    </a:p>
-                  </a:txBody>
-                  <a:tcPr marL="45720" marR="45720" marT="45720" marB="45720">
-                    <a:solidFill>
-                      <a:srgbClr val="F0F0F0"/>
-                    </a:solidFill>
-                  </a:tcPr>
-                </a:tc>
-              </a:tr>
-            </a:tbl>
-          </a:graphicData>
-        </a:graphic>
-      </p:graphicFrame>
-      <p:sp>
-        <p:nvSpPr>
-          <p:cNvPr id="6" name="TextBox 5"/>
-          <p:cNvSpPr txBox="1"/>
-          <p:nvPr/>
-        </p:nvSpPr>
-        <p:spPr>
-          <a:xfrm>
-            <a:off x="6583680" y="4389120"/>
-            <a:ext cx="5029200" cy="274320"/>
-          </a:xfrm>
-          <a:prstGeom prst="rect">
-            <a:avLst/>
-          </a:prstGeom>
-          <a:noFill/>
-          <a:ln>
-            <a:noFill/>
-          </a:ln>
-          <a:effectLst/>
-        </p:spPr>
-        <p:txBody>
-          <a:bodyPr wrap="square">
-            <a:spAutoFit/>
-          </a:bodyPr>
-          <a:lstStyle/>
-          <a:p>
-            <a:pPr algn="ctr"/>
-            <a:r>
-              <a:rPr sz="1400" b="1">
-                <a:solidFill>
-                  <a:srgbClr val="183A58"/>
-                </a:solidFill>
-                <a:latin typeface="Arial"/>
-              </a:rPr>
-              <a:t>Key Operational Metrics</a:t>
-            </a:r>
-          </a:p>
-        </p:txBody>
-      </p:sp>
-      <p:sp>
-        <p:nvSpPr>
-          <p:cNvPr id="7" name="Rectangle 6"/>
+          <p:cNvPr id="4" name="Oval 3"/>
           <p:cNvSpPr/>
           <p:nvPr/>
         </p:nvSpPr>
         <p:spPr>
           <a:xfrm>
-            <a:off x="6583680" y="4663440"/>
-            <a:ext cx="5029200" cy="1828800"/>
-          </a:xfrm>
-          <a:prstGeom prst="rect">
+            <a:off x="731520" y="1280160"/>
+            <a:ext cx="274320" cy="274320"/>
+          </a:xfrm>
+          <a:prstGeom prst="ellipse">
             <a:avLst/>
           </a:prstGeom>
           <a:solidFill>
-            <a:srgbClr val="F0F0F0"/>
+            <a:srgbClr val="B5975B"/>
           </a:solidFill>
           <a:ln>
             <a:noFill/>
@@ -9888,117 +8425,6 @@
           <a:lstStyle/>
           <a:p>
             <a:pPr algn="ctr"/>
-          </a:p>
-        </p:txBody>
-      </p:sp>
-      <p:sp>
-        <p:nvSpPr>
-          <p:cNvPr id="8" name="TextBox 7"/>
-          <p:cNvSpPr txBox="1"/>
-          <p:nvPr/>
-        </p:nvSpPr>
-        <p:spPr>
-          <a:xfrm>
-            <a:off x="6858000" y="5394960"/>
-            <a:ext cx="4480560" cy="365760"/>
-          </a:xfrm>
-          <a:prstGeom prst="rect">
-            <a:avLst/>
-          </a:prstGeom>
-          <a:noFill/>
-          <a:ln>
-            <a:noFill/>
-          </a:ln>
-          <a:effectLst/>
-        </p:spPr>
-        <p:txBody>
-          <a:bodyPr wrap="square">
-            <a:spAutoFit/>
-          </a:bodyPr>
-          <a:lstStyle/>
-          <a:p>
-            <a:pPr algn="ctr"/>
-            <a:r>
-              <a:rPr sz="1200" b="0">
-                <a:solidFill>
-                  <a:srgbClr val="404040"/>
-                </a:solidFill>
-                <a:latin typeface="Arial"/>
-              </a:rPr>
-              <a:t>Key operational metrics will be displayed here when data is available.</a:t>
-            </a:r>
-          </a:p>
-        </p:txBody>
-      </p:sp>
-      <p:sp>
-        <p:nvSpPr>
-          <p:cNvPr id="9" name="TextBox 8"/>
-          <p:cNvSpPr txBox="1"/>
-          <p:nvPr/>
-        </p:nvSpPr>
-        <p:spPr>
-          <a:xfrm>
-            <a:off x="731520" y="6400800"/>
-            <a:ext cx="5486400" cy="365760"/>
-          </a:xfrm>
-          <a:prstGeom prst="rect">
-            <a:avLst/>
-          </a:prstGeom>
-          <a:noFill/>
-        </p:spPr>
-        <p:txBody>
-          <a:bodyPr wrap="none" anchor="ctr">
-            <a:spAutoFit/>
-          </a:bodyPr>
-          <a:lstStyle/>
-          <a:p>
-            <a:pPr algn="l">
-              <a:defRPr sz="900">
-                <a:solidFill>
-                  <a:srgbClr val="808080"/>
-                </a:solidFill>
-                <a:latin typeface="Arial"/>
-              </a:defRPr>
-            </a:pPr>
-            <a:r>
-              <a:t>Confidential | September 11, 2025</a:t>
-            </a:r>
-          </a:p>
-        </p:txBody>
-      </p:sp>
-      <p:sp>
-        <p:nvSpPr>
-          <p:cNvPr id="10" name="TextBox 9"/>
-          <p:cNvSpPr txBox="1"/>
-          <p:nvPr/>
-        </p:nvSpPr>
-        <p:spPr>
-          <a:xfrm>
-            <a:off x="8686800" y="6400800"/>
-            <a:ext cx="3200400" cy="365760"/>
-          </a:xfrm>
-          <a:prstGeom prst="rect">
-            <a:avLst/>
-          </a:prstGeom>
-          <a:noFill/>
-        </p:spPr>
-        <p:txBody>
-          <a:bodyPr wrap="none" anchor="ctr">
-            <a:spAutoFit/>
-          </a:bodyPr>
-          <a:lstStyle/>
-          <a:p>
-            <a:pPr algn="r">
-              <a:defRPr sz="900">
-                <a:solidFill>
-                  <a:srgbClr val="808080"/>
-                </a:solidFill>
-                <a:latin typeface="Arial"/>
-              </a:defRPr>
-            </a:pPr>
-            <a:r>
-              <a:t>TechCorp Solutions</a:t>
-            </a:r>
           </a:p>
         </p:txBody>
       </p:sp>
@@ -10011,6 +8437,54 @@
 </file>
 
 <file path=ppt/slides/slide3.xml><?xml version="1.0" encoding="utf-8"?>
+<p:sld xmlns:a="http://schemas.openxmlformats.org/drawingml/2006/main" xmlns:p="http://schemas.openxmlformats.org/presentationml/2006/main" xmlns:r="http://schemas.openxmlformats.org/officeDocument/2006/relationships">
+  <p:cSld>
+    <p:spTree>
+      <p:nvGrpSpPr>
+        <p:cNvPr id="1" name=""/>
+        <p:cNvGrpSpPr/>
+        <p:nvPr/>
+      </p:nvGrpSpPr>
+      <p:grpSpPr/>
+      <p:sp>
+        <p:nvSpPr>
+          <p:cNvPr id="2" name="TextBox 1"/>
+          <p:cNvSpPr txBox="1"/>
+          <p:nvPr/>
+        </p:nvSpPr>
+        <p:spPr>
+          <a:xfrm>
+            <a:off x="640080" y="731520"/>
+            <a:ext cx="10515600" cy="1371600"/>
+          </a:xfrm>
+          <a:prstGeom prst="rect">
+            <a:avLst/>
+          </a:prstGeom>
+          <a:noFill/>
+        </p:spPr>
+        <p:txBody>
+          <a:bodyPr wrap="none">
+            <a:spAutoFit/>
+          </a:bodyPr>
+          <a:lstStyle/>
+          <a:p>
+            <a:pPr algn="l"/>
+            <a:r>
+              <a:rPr sz="1400"/>
+              <a:t>Renderer error: 'str' object has no attribute 'get'</a:t>
+            </a:r>
+          </a:p>
+        </p:txBody>
+      </p:sp>
+    </p:spTree>
+  </p:cSld>
+  <p:clrMapOvr>
+    <a:masterClrMapping/>
+  </p:clrMapOvr>
+</p:sld>
+</file>
+
+<file path=ppt/slides/slide4.xml><?xml version="1.0" encoding="utf-8"?>
 <p:sld xmlns:a="http://schemas.openxmlformats.org/drawingml/2006/main" xmlns:p="http://schemas.openxmlformats.org/presentationml/2006/main" xmlns:r="http://schemas.openxmlformats.org/officeDocument/2006/relationships">
   <p:cSld>
     <p:bg>
@@ -11228,174 +9702,6 @@
                 <a:latin typeface="Arial"/>
               </a:rPr>
               <a:t>TechCorp Solutions Investment Opportunity    6</a:t>
-            </a:r>
-          </a:p>
-        </p:txBody>
-      </p:sp>
-    </p:spTree>
-  </p:cSld>
-  <p:clrMapOvr>
-    <a:masterClrMapping/>
-  </p:clrMapOvr>
-</p:sld>
-</file>
-
-<file path=ppt/slides/slide4.xml><?xml version="1.0" encoding="utf-8"?>
-<p:sld xmlns:a="http://schemas.openxmlformats.org/drawingml/2006/main" xmlns:p="http://schemas.openxmlformats.org/presentationml/2006/main" xmlns:r="http://schemas.openxmlformats.org/officeDocument/2006/relationships">
-  <p:cSld>
-    <p:spTree>
-      <p:nvGrpSpPr>
-        <p:cNvPr id="1" name=""/>
-        <p:cNvGrpSpPr/>
-        <p:nvPr/>
-      </p:nvGrpSpPr>
-      <p:grpSpPr/>
-      <p:sp>
-        <p:nvSpPr>
-          <p:cNvPr id="2" name="TextBox 1"/>
-          <p:cNvSpPr txBox="1"/>
-          <p:nvPr/>
-        </p:nvSpPr>
-        <p:spPr>
-          <a:xfrm>
-            <a:off x="457200" y="274320"/>
-            <a:ext cx="11277295" cy="731520"/>
-          </a:xfrm>
-          <a:prstGeom prst="rect">
-            <a:avLst/>
-          </a:prstGeom>
-          <a:noFill/>
-        </p:spPr>
-        <p:txBody>
-          <a:bodyPr wrap="none" lIns="0" tIns="0" rIns="0" bIns="0">
-            <a:spAutoFit/>
-          </a:bodyPr>
-          <a:lstStyle/>
-          <a:p>
-            <a:pPr algn="l"/>
-            <a:r>
-              <a:rPr sz="2600" b="1">
-                <a:solidFill>
-                  <a:srgbClr val="1E3A8A"/>
-                </a:solidFill>
-                <a:latin typeface="Times New Roman"/>
-              </a:rPr>
-              <a:t>Management Team</a:t>
-            </a:r>
-          </a:p>
-        </p:txBody>
-      </p:sp>
-      <p:sp>
-        <p:nvSpPr>
-          <p:cNvPr id="3" name="Rectangle 2"/>
-          <p:cNvSpPr/>
-          <p:nvPr/>
-        </p:nvSpPr>
-        <p:spPr>
-          <a:xfrm>
-            <a:off x="457200" y="914400"/>
-            <a:ext cx="11277295" cy="45720"/>
-          </a:xfrm>
-          <a:prstGeom prst="rect">
-            <a:avLst/>
-          </a:prstGeom>
-          <a:solidFill>
-            <a:srgbClr val="1E3A8A"/>
-          </a:solidFill>
-          <a:ln>
-            <a:noFill/>
-          </a:ln>
-        </p:spPr>
-        <p:style>
-          <a:lnRef idx="1">
-            <a:schemeClr val="accent1"/>
-          </a:lnRef>
-          <a:fillRef idx="3">
-            <a:schemeClr val="accent1"/>
-          </a:fillRef>
-          <a:effectRef idx="2">
-            <a:schemeClr val="accent1"/>
-          </a:effectRef>
-          <a:fontRef idx="minor">
-            <a:schemeClr val="lt1"/>
-          </a:fontRef>
-        </p:style>
-        <p:txBody>
-          <a:bodyPr rtlCol="0" anchor="ctr"/>
-          <a:lstStyle/>
-          <a:p>
-            <a:pPr algn="ctr"/>
-          </a:p>
-        </p:txBody>
-      </p:sp>
-      <p:sp>
-        <p:nvSpPr>
-          <p:cNvPr id="4" name="TextBox 3"/>
-          <p:cNvSpPr txBox="1"/>
-          <p:nvPr/>
-        </p:nvSpPr>
-        <p:spPr>
-          <a:xfrm>
-            <a:off x="365760" y="6355080"/>
-            <a:ext cx="5486400" cy="365760"/>
-          </a:xfrm>
-          <a:prstGeom prst="rect">
-            <a:avLst/>
-          </a:prstGeom>
-          <a:noFill/>
-        </p:spPr>
-        <p:txBody>
-          <a:bodyPr wrap="none" lIns="45720" rIns="45720" anchor="ctr">
-            <a:spAutoFit/>
-          </a:bodyPr>
-          <a:lstStyle/>
-          <a:p>
-            <a:pPr algn="l">
-              <a:defRPr sz="1000">
-                <a:solidFill>
-                  <a:srgbClr val="6B7280"/>
-                </a:solidFill>
-                <a:latin typeface="Times New Roman"/>
-              </a:defRPr>
-            </a:pPr>
-            <a:r>
-              <a:t>Confidential | September 11, 2025</a:t>
-            </a:r>
-          </a:p>
-        </p:txBody>
-      </p:sp>
-      <p:sp>
-        <p:nvSpPr>
-          <p:cNvPr id="5" name="TextBox 4"/>
-          <p:cNvSpPr txBox="1"/>
-          <p:nvPr/>
-        </p:nvSpPr>
-        <p:spPr>
-          <a:xfrm>
-            <a:off x="8686800" y="6355080"/>
-            <a:ext cx="2926080" cy="365760"/>
-          </a:xfrm>
-          <a:prstGeom prst="rect">
-            <a:avLst/>
-          </a:prstGeom>
-          <a:noFill/>
-        </p:spPr>
-        <p:txBody>
-          <a:bodyPr wrap="none" lIns="45720" rIns="45720" anchor="ctr">
-            <a:spAutoFit/>
-          </a:bodyPr>
-          <a:lstStyle/>
-          <a:p>
-            <a:pPr algn="r">
-              <a:defRPr sz="1000">
-                <a:solidFill>
-                  <a:srgbClr val="6B7280"/>
-                </a:solidFill>
-                <a:latin typeface="Times New Roman"/>
-              </a:defRPr>
-            </a:pPr>
-            <a:r>
-              <a:t>TechCorp Solutions</a:t>
             </a:r>
           </a:p>
         </p:txBody>
@@ -11442,13 +9748,13 @@
           <a:p>
             <a:pPr algn="l"/>
             <a:r>
-              <a:rPr sz="2400" b="1">
-                <a:solidFill>
-                  <a:srgbClr val="183A58"/>
-                </a:solidFill>
-                <a:latin typeface="Arial"/>
+              <a:rPr sz="2600" b="1">
+                <a:solidFill>
+                  <a:srgbClr val="1E3A8A"/>
+                </a:solidFill>
+                <a:latin typeface="Times New Roman"/>
               </a:rPr>
-              <a:t>Growth Strategy Projections</a:t>
+              <a:t>Management Team</a:t>
             </a:r>
           </a:p>
         </p:txBody>
@@ -11468,7 +9774,7 @@
             <a:avLst/>
           </a:prstGeom>
           <a:solidFill>
-            <a:srgbClr val="183A58"/>
+            <a:srgbClr val="1E3A8A"/>
           </a:solidFill>
           <a:ln>
             <a:noFill/>
@@ -11504,1092 +9810,599 @@
         </p:nvSpPr>
         <p:spPr>
           <a:xfrm>
-            <a:off x="457200" y="1280160"/>
-            <a:ext cx="5486400" cy="274320"/>
-          </a:xfrm>
-          <a:prstGeom prst="rect">
-            <a:avLst/>
-          </a:prstGeom>
-          <a:noFill/>
-          <a:ln>
-            <a:noFill/>
-          </a:ln>
-          <a:effectLst/>
-        </p:spPr>
-        <p:txBody>
-          <a:bodyPr wrap="square">
-            <a:spAutoFit/>
-          </a:bodyPr>
-          <a:lstStyle/>
-          <a:p>
-            <a:pPr algn="l"/>
-            <a:r>
-              <a:rPr sz="1400" b="1">
-                <a:solidFill>
-                  <a:srgbClr val="183A58"/>
-                </a:solidFill>
-                <a:latin typeface="Arial"/>
-              </a:rPr>
-              <a:t>Multi-Pronged Growth Strategy</a:t>
-            </a:r>
-          </a:p>
-        </p:txBody>
-      </p:sp>
-      <p:sp>
-        <p:nvSpPr>
-          <p:cNvPr id="5" name="Oval 4"/>
-          <p:cNvSpPr/>
-          <p:nvPr/>
-        </p:nvSpPr>
-        <p:spPr>
-          <a:xfrm>
-            <a:off x="640080" y="1645920"/>
-            <a:ext cx="54864" cy="54864"/>
-          </a:xfrm>
-          <a:prstGeom prst="ellipse">
-            <a:avLst/>
-          </a:prstGeom>
-          <a:solidFill>
-            <a:srgbClr val="F0F0F0"/>
-          </a:solidFill>
-          <a:ln>
-            <a:noFill/>
-          </a:ln>
-          <a:effectLst/>
-        </p:spPr>
-        <p:style>
-          <a:lnRef idx="1">
-            <a:schemeClr val="accent1"/>
-          </a:lnRef>
-          <a:fillRef idx="3">
-            <a:schemeClr val="accent1"/>
-          </a:fillRef>
-          <a:effectRef idx="2">
-            <a:schemeClr val="accent1"/>
-          </a:effectRef>
-          <a:fontRef idx="minor">
-            <a:schemeClr val="lt1"/>
-          </a:fontRef>
-        </p:style>
-        <p:txBody>
-          <a:bodyPr rtlCol="0" anchor="ctr"/>
-          <a:lstStyle/>
-          <a:p>
-            <a:pPr algn="ctr"/>
-          </a:p>
-        </p:txBody>
-      </p:sp>
-      <p:sp>
-        <p:nvSpPr>
-          <p:cNvPr id="6" name="TextBox 5"/>
-          <p:cNvSpPr txBox="1"/>
-          <p:nvPr/>
-        </p:nvSpPr>
-        <p:spPr>
-          <a:xfrm>
-            <a:off x="777240" y="1600200"/>
-            <a:ext cx="5029200" cy="274320"/>
-          </a:xfrm>
-          <a:prstGeom prst="rect">
-            <a:avLst/>
-          </a:prstGeom>
-          <a:noFill/>
-          <a:ln>
-            <a:noFill/>
-          </a:ln>
-          <a:effectLst/>
-        </p:spPr>
-        <p:txBody>
-          <a:bodyPr wrap="square">
-            <a:spAutoFit/>
-          </a:bodyPr>
-          <a:lstStyle/>
-          <a:p>
-            <a:pPr algn="l"/>
-            <a:r>
-              <a:rPr sz="900" b="0">
-                <a:solidFill>
-                  <a:srgbClr val="808080"/>
-                </a:solidFill>
-                <a:latin typeface="Arial"/>
-              </a:rPr>
-              <a:t>Strategic growth initiatives will be outlined here</a:t>
-            </a:r>
-          </a:p>
-        </p:txBody>
-      </p:sp>
-      <p:sp>
-        <p:nvSpPr>
-          <p:cNvPr id="7" name="Oval 6"/>
-          <p:cNvSpPr/>
-          <p:nvPr/>
-        </p:nvSpPr>
-        <p:spPr>
-          <a:xfrm>
-            <a:off x="640080" y="1965960"/>
-            <a:ext cx="54864" cy="54864"/>
-          </a:xfrm>
-          <a:prstGeom prst="ellipse">
-            <a:avLst/>
-          </a:prstGeom>
-          <a:solidFill>
-            <a:srgbClr val="F0F0F0"/>
-          </a:solidFill>
-          <a:ln>
-            <a:noFill/>
-          </a:ln>
-          <a:effectLst/>
-        </p:spPr>
-        <p:style>
-          <a:lnRef idx="1">
-            <a:schemeClr val="accent1"/>
-          </a:lnRef>
-          <a:fillRef idx="3">
-            <a:schemeClr val="accent1"/>
-          </a:fillRef>
-          <a:effectRef idx="2">
-            <a:schemeClr val="accent1"/>
-          </a:effectRef>
-          <a:fontRef idx="minor">
-            <a:schemeClr val="lt1"/>
-          </a:fontRef>
-        </p:style>
-        <p:txBody>
-          <a:bodyPr rtlCol="0" anchor="ctr"/>
-          <a:lstStyle/>
-          <a:p>
-            <a:pPr algn="ctr"/>
-          </a:p>
-        </p:txBody>
-      </p:sp>
-      <p:sp>
-        <p:nvSpPr>
-          <p:cNvPr id="8" name="TextBox 7"/>
-          <p:cNvSpPr txBox="1"/>
-          <p:nvPr/>
-        </p:nvSpPr>
-        <p:spPr>
-          <a:xfrm>
-            <a:off x="777240" y="1920240"/>
-            <a:ext cx="5029200" cy="274320"/>
-          </a:xfrm>
-          <a:prstGeom prst="rect">
-            <a:avLst/>
-          </a:prstGeom>
-          <a:noFill/>
-          <a:ln>
-            <a:noFill/>
-          </a:ln>
-          <a:effectLst/>
-        </p:spPr>
-        <p:txBody>
-          <a:bodyPr wrap="square">
-            <a:spAutoFit/>
-          </a:bodyPr>
-          <a:lstStyle/>
-          <a:p>
-            <a:pPr algn="l"/>
-            <a:r>
-              <a:rPr sz="900" b="0">
-                <a:solidFill>
-                  <a:srgbClr val="808080"/>
-                </a:solidFill>
-                <a:latin typeface="Arial"/>
-              </a:rPr>
-              <a:t>Market expansion and diversification plans</a:t>
-            </a:r>
-          </a:p>
-        </p:txBody>
-      </p:sp>
-      <p:sp>
-        <p:nvSpPr>
-          <p:cNvPr id="9" name="Oval 8"/>
-          <p:cNvSpPr/>
-          <p:nvPr/>
-        </p:nvSpPr>
-        <p:spPr>
-          <a:xfrm>
-            <a:off x="640080" y="2286000"/>
-            <a:ext cx="54864" cy="54864"/>
-          </a:xfrm>
-          <a:prstGeom prst="ellipse">
-            <a:avLst/>
-          </a:prstGeom>
-          <a:solidFill>
-            <a:srgbClr val="F0F0F0"/>
-          </a:solidFill>
-          <a:ln>
-            <a:noFill/>
-          </a:ln>
-          <a:effectLst/>
-        </p:spPr>
-        <p:style>
-          <a:lnRef idx="1">
-            <a:schemeClr val="accent1"/>
-          </a:lnRef>
-          <a:fillRef idx="3">
-            <a:schemeClr val="accent1"/>
-          </a:fillRef>
-          <a:effectRef idx="2">
-            <a:schemeClr val="accent1"/>
-          </a:effectRef>
-          <a:fontRef idx="minor">
-            <a:schemeClr val="lt1"/>
-          </a:fontRef>
-        </p:style>
-        <p:txBody>
-          <a:bodyPr rtlCol="0" anchor="ctr"/>
-          <a:lstStyle/>
-          <a:p>
-            <a:pPr algn="ctr"/>
-          </a:p>
-        </p:txBody>
-      </p:sp>
-      <p:sp>
-        <p:nvSpPr>
-          <p:cNvPr id="10" name="TextBox 9"/>
-          <p:cNvSpPr txBox="1"/>
-          <p:nvPr/>
-        </p:nvSpPr>
-        <p:spPr>
-          <a:xfrm>
-            <a:off x="777240" y="2240280"/>
-            <a:ext cx="5029200" cy="274320"/>
-          </a:xfrm>
-          <a:prstGeom prst="rect">
-            <a:avLst/>
-          </a:prstGeom>
-          <a:noFill/>
-          <a:ln>
-            <a:noFill/>
-          </a:ln>
-          <a:effectLst/>
-        </p:spPr>
-        <p:txBody>
-          <a:bodyPr wrap="square">
-            <a:spAutoFit/>
-          </a:bodyPr>
-          <a:lstStyle/>
-          <a:p>
-            <a:pPr algn="l"/>
-            <a:r>
-              <a:rPr sz="900" b="0">
-                <a:solidFill>
-                  <a:srgbClr val="808080"/>
-                </a:solidFill>
-                <a:latin typeface="Arial"/>
-              </a:rPr>
-              <a:t>Operational efficiency improvements</a:t>
-            </a:r>
-          </a:p>
-        </p:txBody>
-      </p:sp>
-      <p:sp>
-        <p:nvSpPr>
-          <p:cNvPr id="11" name="Oval 10"/>
-          <p:cNvSpPr/>
-          <p:nvPr/>
-        </p:nvSpPr>
-        <p:spPr>
-          <a:xfrm>
-            <a:off x="640080" y="2606039"/>
-            <a:ext cx="54864" cy="54864"/>
-          </a:xfrm>
-          <a:prstGeom prst="ellipse">
-            <a:avLst/>
-          </a:prstGeom>
-          <a:solidFill>
-            <a:srgbClr val="F0F0F0"/>
-          </a:solidFill>
-          <a:ln>
-            <a:noFill/>
-          </a:ln>
-          <a:effectLst/>
-        </p:spPr>
-        <p:style>
-          <a:lnRef idx="1">
-            <a:schemeClr val="accent1"/>
-          </a:lnRef>
-          <a:fillRef idx="3">
-            <a:schemeClr val="accent1"/>
-          </a:fillRef>
-          <a:effectRef idx="2">
-            <a:schemeClr val="accent1"/>
-          </a:effectRef>
-          <a:fontRef idx="minor">
-            <a:schemeClr val="lt1"/>
-          </a:fontRef>
-        </p:style>
-        <p:txBody>
-          <a:bodyPr rtlCol="0" anchor="ctr"/>
-          <a:lstStyle/>
-          <a:p>
-            <a:pPr algn="ctr"/>
-          </a:p>
-        </p:txBody>
-      </p:sp>
-      <p:sp>
-        <p:nvSpPr>
-          <p:cNvPr id="12" name="TextBox 11"/>
-          <p:cNvSpPr txBox="1"/>
-          <p:nvPr/>
-        </p:nvSpPr>
-        <p:spPr>
-          <a:xfrm>
-            <a:off x="777240" y="2560319"/>
-            <a:ext cx="5029200" cy="274320"/>
-          </a:xfrm>
-          <a:prstGeom prst="rect">
-            <a:avLst/>
-          </a:prstGeom>
-          <a:noFill/>
-          <a:ln>
-            <a:noFill/>
-          </a:ln>
-          <a:effectLst/>
-        </p:spPr>
-        <p:txBody>
-          <a:bodyPr wrap="square">
-            <a:spAutoFit/>
-          </a:bodyPr>
-          <a:lstStyle/>
-          <a:p>
-            <a:pPr algn="l"/>
-            <a:r>
-              <a:rPr sz="900" b="0">
-                <a:solidFill>
-                  <a:srgbClr val="808080"/>
-                </a:solidFill>
-                <a:latin typeface="Arial"/>
-              </a:rPr>
-              <a:t>Technology and innovation investments</a:t>
-            </a:r>
-          </a:p>
-        </p:txBody>
-      </p:sp>
-      <p:sp>
-        <p:nvSpPr>
-          <p:cNvPr id="13" name="Oval 12"/>
-          <p:cNvSpPr/>
-          <p:nvPr/>
-        </p:nvSpPr>
-        <p:spPr>
-          <a:xfrm>
-            <a:off x="640080" y="2926080"/>
-            <a:ext cx="54864" cy="54864"/>
-          </a:xfrm>
-          <a:prstGeom prst="ellipse">
-            <a:avLst/>
-          </a:prstGeom>
-          <a:solidFill>
-            <a:srgbClr val="F0F0F0"/>
-          </a:solidFill>
-          <a:ln>
-            <a:noFill/>
-          </a:ln>
-          <a:effectLst/>
-        </p:spPr>
-        <p:style>
-          <a:lnRef idx="1">
-            <a:schemeClr val="accent1"/>
-          </a:lnRef>
-          <a:fillRef idx="3">
-            <a:schemeClr val="accent1"/>
-          </a:fillRef>
-          <a:effectRef idx="2">
-            <a:schemeClr val="accent1"/>
-          </a:effectRef>
-          <a:fontRef idx="minor">
-            <a:schemeClr val="lt1"/>
-          </a:fontRef>
-        </p:style>
-        <p:txBody>
-          <a:bodyPr rtlCol="0" anchor="ctr"/>
-          <a:lstStyle/>
-          <a:p>
-            <a:pPr algn="ctr"/>
-          </a:p>
-        </p:txBody>
-      </p:sp>
-      <p:sp>
-        <p:nvSpPr>
-          <p:cNvPr id="14" name="TextBox 13"/>
-          <p:cNvSpPr txBox="1"/>
-          <p:nvPr/>
-        </p:nvSpPr>
-        <p:spPr>
-          <a:xfrm>
-            <a:off x="777240" y="2880360"/>
-            <a:ext cx="5029200" cy="274320"/>
-          </a:xfrm>
-          <a:prstGeom prst="rect">
-            <a:avLst/>
-          </a:prstGeom>
-          <a:noFill/>
-          <a:ln>
-            <a:noFill/>
-          </a:ln>
-          <a:effectLst/>
-        </p:spPr>
-        <p:txBody>
-          <a:bodyPr wrap="square">
-            <a:spAutoFit/>
-          </a:bodyPr>
-          <a:lstStyle/>
-          <a:p>
-            <a:pPr algn="l"/>
-            <a:r>
-              <a:rPr sz="900" b="0">
-                <a:solidFill>
-                  <a:srgbClr val="808080"/>
-                </a:solidFill>
-                <a:latin typeface="Arial"/>
-              </a:rPr>
-              <a:t>Sustainability and ESG initiatives</a:t>
-            </a:r>
-          </a:p>
-        </p:txBody>
-      </p:sp>
-      <p:sp>
-        <p:nvSpPr>
-          <p:cNvPr id="15" name="TextBox 14"/>
-          <p:cNvSpPr txBox="1"/>
-          <p:nvPr/>
-        </p:nvSpPr>
-        <p:spPr>
-          <a:xfrm>
-            <a:off x="6858000" y="1280160"/>
-            <a:ext cx="5029200" cy="274320"/>
-          </a:xfrm>
-          <a:prstGeom prst="rect">
-            <a:avLst/>
-          </a:prstGeom>
-          <a:noFill/>
-          <a:ln>
-            <a:noFill/>
-          </a:ln>
-          <a:effectLst/>
-        </p:spPr>
-        <p:txBody>
-          <a:bodyPr wrap="square">
-            <a:spAutoFit/>
-          </a:bodyPr>
-          <a:lstStyle/>
-          <a:p>
-            <a:pPr algn="l"/>
-            <a:r>
-              <a:rPr sz="1400" b="1">
-                <a:solidFill>
-                  <a:srgbClr val="183A58"/>
-                </a:solidFill>
-                <a:latin typeface="Arial"/>
-              </a:rPr>
-              <a:t>Revenue &amp; EBITDA Projections</a:t>
-            </a:r>
-          </a:p>
-        </p:txBody>
-      </p:sp>
-      <p:sp>
-        <p:nvSpPr>
-          <p:cNvPr id="16" name="TextBox 15"/>
-          <p:cNvSpPr txBox="1"/>
-          <p:nvPr/>
-        </p:nvSpPr>
-        <p:spPr>
-          <a:xfrm>
-            <a:off x="6858000" y="2286000"/>
-            <a:ext cx="5029200" cy="914400"/>
-          </a:xfrm>
-          <a:prstGeom prst="rect">
-            <a:avLst/>
-          </a:prstGeom>
-          <a:noFill/>
-          <a:ln>
-            <a:noFill/>
-          </a:ln>
-          <a:effectLst/>
-        </p:spPr>
-        <p:txBody>
-          <a:bodyPr wrap="square">
-            <a:spAutoFit/>
-          </a:bodyPr>
-          <a:lstStyle/>
-          <a:p>
-            <a:pPr algn="l"/>
-            <a:r>
-              <a:rPr sz="1200" b="0">
-                <a:solidFill>
-                  <a:srgbClr val="404040"/>
-                </a:solidFill>
-                <a:latin typeface="Arial"/>
-              </a:rPr>
-              <a:t>Financial projections chart will be displayed when data is available.</a:t>
-            </a:r>
-          </a:p>
-        </p:txBody>
-      </p:sp>
-      <p:sp>
-        <p:nvSpPr>
-          <p:cNvPr id="17" name="TextBox 16"/>
-          <p:cNvSpPr txBox="1"/>
-          <p:nvPr/>
-        </p:nvSpPr>
-        <p:spPr>
-          <a:xfrm>
-            <a:off x="457200" y="4023360"/>
-            <a:ext cx="11430000" cy="274320"/>
-          </a:xfrm>
-          <a:prstGeom prst="rect">
-            <a:avLst/>
-          </a:prstGeom>
-          <a:noFill/>
-          <a:ln>
-            <a:noFill/>
-          </a:ln>
-          <a:effectLst/>
-        </p:spPr>
-        <p:txBody>
-          <a:bodyPr wrap="square">
-            <a:spAutoFit/>
-          </a:bodyPr>
-          <a:lstStyle/>
-          <a:p>
-            <a:pPr algn="l"/>
-            <a:r>
-              <a:rPr sz="1400" b="1">
-                <a:solidFill>
-                  <a:srgbClr val="183A58"/>
-                </a:solidFill>
-                <a:latin typeface="Arial"/>
-              </a:rPr>
-              <a:t>Key Planning Assumptions</a:t>
-            </a:r>
-          </a:p>
-        </p:txBody>
-      </p:sp>
-      <p:sp>
-        <p:nvSpPr>
-          <p:cNvPr id="18" name="Oval 17"/>
-          <p:cNvSpPr/>
-          <p:nvPr/>
-        </p:nvSpPr>
-        <p:spPr>
-          <a:xfrm>
-            <a:off x="640080" y="4389120"/>
-            <a:ext cx="45720" cy="45720"/>
-          </a:xfrm>
-          <a:prstGeom prst="ellipse">
-            <a:avLst/>
-          </a:prstGeom>
-          <a:solidFill>
-            <a:srgbClr val="B5975B"/>
-          </a:solidFill>
-          <a:ln>
-            <a:noFill/>
-          </a:ln>
-        </p:spPr>
-        <p:style>
-          <a:lnRef idx="1">
-            <a:schemeClr val="accent1"/>
-          </a:lnRef>
-          <a:fillRef idx="3">
-            <a:schemeClr val="accent1"/>
-          </a:fillRef>
-          <a:effectRef idx="2">
-            <a:schemeClr val="accent1"/>
-          </a:effectRef>
-          <a:fontRef idx="minor">
-            <a:schemeClr val="lt1"/>
-          </a:fontRef>
-        </p:style>
-        <p:txBody>
-          <a:bodyPr rtlCol="0" anchor="ctr"/>
-          <a:lstStyle/>
-          <a:p>
-            <a:pPr algn="ctr"/>
-          </a:p>
-        </p:txBody>
-      </p:sp>
-      <p:sp>
-        <p:nvSpPr>
-          <p:cNvPr id="19" name="TextBox 18"/>
-          <p:cNvSpPr txBox="1"/>
-          <p:nvPr/>
-        </p:nvSpPr>
-        <p:spPr>
-          <a:xfrm>
-            <a:off x="777240" y="4343400"/>
-            <a:ext cx="5303520" cy="228600"/>
-          </a:xfrm>
-          <a:prstGeom prst="rect">
-            <a:avLst/>
-          </a:prstGeom>
-          <a:noFill/>
-          <a:ln>
-            <a:noFill/>
-          </a:ln>
-          <a:effectLst/>
-        </p:spPr>
-        <p:txBody>
-          <a:bodyPr wrap="square">
-            <a:spAutoFit/>
-          </a:bodyPr>
-          <a:lstStyle/>
-          <a:p>
-            <a:pPr algn="l"/>
-            <a:r>
-              <a:rPr sz="900" b="0">
-                <a:solidFill>
-                  <a:srgbClr val="404040"/>
-                </a:solidFill>
-                <a:latin typeface="Arial"/>
-              </a:rPr>
-              <a:t>Market growth projections and economic indicators</a:t>
-            </a:r>
-          </a:p>
-        </p:txBody>
-      </p:sp>
-      <p:sp>
-        <p:nvSpPr>
-          <p:cNvPr id="20" name="Oval 19"/>
-          <p:cNvSpPr/>
-          <p:nvPr/>
-        </p:nvSpPr>
-        <p:spPr>
-          <a:xfrm>
-            <a:off x="640080" y="4663440"/>
-            <a:ext cx="45720" cy="45720"/>
-          </a:xfrm>
-          <a:prstGeom prst="ellipse">
-            <a:avLst/>
-          </a:prstGeom>
-          <a:solidFill>
-            <a:srgbClr val="B5975B"/>
-          </a:solidFill>
-          <a:ln>
-            <a:noFill/>
-          </a:ln>
-        </p:spPr>
-        <p:style>
-          <a:lnRef idx="1">
-            <a:schemeClr val="accent1"/>
-          </a:lnRef>
-          <a:fillRef idx="3">
-            <a:schemeClr val="accent1"/>
-          </a:fillRef>
-          <a:effectRef idx="2">
-            <a:schemeClr val="accent1"/>
-          </a:effectRef>
-          <a:fontRef idx="minor">
-            <a:schemeClr val="lt1"/>
-          </a:fontRef>
-        </p:style>
-        <p:txBody>
-          <a:bodyPr rtlCol="0" anchor="ctr"/>
-          <a:lstStyle/>
-          <a:p>
-            <a:pPr algn="ctr"/>
-          </a:p>
-        </p:txBody>
-      </p:sp>
-      <p:sp>
-        <p:nvSpPr>
-          <p:cNvPr id="21" name="TextBox 20"/>
-          <p:cNvSpPr txBox="1"/>
-          <p:nvPr/>
-        </p:nvSpPr>
-        <p:spPr>
-          <a:xfrm>
-            <a:off x="777240" y="4617720"/>
-            <a:ext cx="5303520" cy="228600"/>
-          </a:xfrm>
-          <a:prstGeom prst="rect">
-            <a:avLst/>
-          </a:prstGeom>
-          <a:noFill/>
-          <a:ln>
-            <a:noFill/>
-          </a:ln>
-          <a:effectLst/>
-        </p:spPr>
-        <p:txBody>
-          <a:bodyPr wrap="square">
-            <a:spAutoFit/>
-          </a:bodyPr>
-          <a:lstStyle/>
-          <a:p>
-            <a:pPr algn="l"/>
-            <a:r>
-              <a:rPr sz="900" b="0">
-                <a:solidFill>
-                  <a:srgbClr val="404040"/>
-                </a:solidFill>
-                <a:latin typeface="Arial"/>
-              </a:rPr>
-              <a:t>Regulatory environment and compliance requirements</a:t>
-            </a:r>
-          </a:p>
-        </p:txBody>
-      </p:sp>
-      <p:sp>
-        <p:nvSpPr>
-          <p:cNvPr id="22" name="Oval 21"/>
-          <p:cNvSpPr/>
-          <p:nvPr/>
-        </p:nvSpPr>
-        <p:spPr>
-          <a:xfrm>
-            <a:off x="640080" y="4937759"/>
-            <a:ext cx="45720" cy="45720"/>
-          </a:xfrm>
-          <a:prstGeom prst="ellipse">
-            <a:avLst/>
-          </a:prstGeom>
-          <a:solidFill>
-            <a:srgbClr val="B5975B"/>
-          </a:solidFill>
-          <a:ln>
-            <a:noFill/>
-          </a:ln>
-        </p:spPr>
-        <p:style>
-          <a:lnRef idx="1">
-            <a:schemeClr val="accent1"/>
-          </a:lnRef>
-          <a:fillRef idx="3">
-            <a:schemeClr val="accent1"/>
-          </a:fillRef>
-          <a:effectRef idx="2">
-            <a:schemeClr val="accent1"/>
-          </a:effectRef>
-          <a:fontRef idx="minor">
-            <a:schemeClr val="lt1"/>
-          </a:fontRef>
-        </p:style>
-        <p:txBody>
-          <a:bodyPr rtlCol="0" anchor="ctr"/>
-          <a:lstStyle/>
-          <a:p>
-            <a:pPr algn="ctr"/>
-          </a:p>
-        </p:txBody>
-      </p:sp>
-      <p:sp>
-        <p:nvSpPr>
-          <p:cNvPr id="23" name="TextBox 22"/>
-          <p:cNvSpPr txBox="1"/>
-          <p:nvPr/>
-        </p:nvSpPr>
-        <p:spPr>
-          <a:xfrm>
-            <a:off x="777240" y="4892039"/>
-            <a:ext cx="5303520" cy="228600"/>
-          </a:xfrm>
-          <a:prstGeom prst="rect">
-            <a:avLst/>
-          </a:prstGeom>
-          <a:noFill/>
-          <a:ln>
-            <a:noFill/>
-          </a:ln>
-          <a:effectLst/>
-        </p:spPr>
-        <p:txBody>
-          <a:bodyPr wrap="square">
-            <a:spAutoFit/>
-          </a:bodyPr>
-          <a:lstStyle/>
-          <a:p>
-            <a:pPr algn="l"/>
-            <a:r>
-              <a:rPr sz="900" b="0">
-                <a:solidFill>
-                  <a:srgbClr val="404040"/>
-                </a:solidFill>
-                <a:latin typeface="Arial"/>
-              </a:rPr>
-              <a:t>Technology adoption and digital transformation ROI</a:t>
-            </a:r>
-          </a:p>
-        </p:txBody>
-      </p:sp>
-      <p:sp>
-        <p:nvSpPr>
-          <p:cNvPr id="24" name="Oval 23"/>
-          <p:cNvSpPr/>
-          <p:nvPr/>
-        </p:nvSpPr>
-        <p:spPr>
-          <a:xfrm>
-            <a:off x="6583680" y="4389120"/>
-            <a:ext cx="45720" cy="45720"/>
-          </a:xfrm>
-          <a:prstGeom prst="ellipse">
-            <a:avLst/>
-          </a:prstGeom>
-          <a:solidFill>
-            <a:srgbClr val="B5975B"/>
-          </a:solidFill>
-          <a:ln>
-            <a:noFill/>
-          </a:ln>
-        </p:spPr>
-        <p:style>
-          <a:lnRef idx="1">
-            <a:schemeClr val="accent1"/>
-          </a:lnRef>
-          <a:fillRef idx="3">
-            <a:schemeClr val="accent1"/>
-          </a:fillRef>
-          <a:effectRef idx="2">
-            <a:schemeClr val="accent1"/>
-          </a:effectRef>
-          <a:fontRef idx="minor">
-            <a:schemeClr val="lt1"/>
-          </a:fontRef>
-        </p:style>
-        <p:txBody>
-          <a:bodyPr rtlCol="0" anchor="ctr"/>
-          <a:lstStyle/>
-          <a:p>
-            <a:pPr algn="ctr"/>
-          </a:p>
-        </p:txBody>
-      </p:sp>
-      <p:sp>
-        <p:nvSpPr>
-          <p:cNvPr id="25" name="TextBox 24"/>
-          <p:cNvSpPr txBox="1"/>
-          <p:nvPr/>
-        </p:nvSpPr>
-        <p:spPr>
-          <a:xfrm>
-            <a:off x="6720840" y="4343400"/>
-            <a:ext cx="5303520" cy="228600"/>
-          </a:xfrm>
-          <a:prstGeom prst="rect">
-            <a:avLst/>
-          </a:prstGeom>
-          <a:noFill/>
-          <a:ln>
-            <a:noFill/>
-          </a:ln>
-          <a:effectLst/>
-        </p:spPr>
-        <p:txBody>
-          <a:bodyPr wrap="square">
-            <a:spAutoFit/>
-          </a:bodyPr>
-          <a:lstStyle/>
-          <a:p>
-            <a:pPr algn="l"/>
-            <a:r>
-              <a:rPr sz="900" b="0">
-                <a:solidFill>
-                  <a:srgbClr val="404040"/>
-                </a:solidFill>
-                <a:latin typeface="Arial"/>
-              </a:rPr>
-              <a:t>Capital allocation and investment priorities</a:t>
-            </a:r>
-          </a:p>
-        </p:txBody>
-      </p:sp>
-      <p:sp>
-        <p:nvSpPr>
-          <p:cNvPr id="26" name="Oval 25"/>
-          <p:cNvSpPr/>
-          <p:nvPr/>
-        </p:nvSpPr>
-        <p:spPr>
-          <a:xfrm>
-            <a:off x="6583680" y="4663440"/>
-            <a:ext cx="45720" cy="45720"/>
-          </a:xfrm>
-          <a:prstGeom prst="ellipse">
-            <a:avLst/>
-          </a:prstGeom>
-          <a:solidFill>
-            <a:srgbClr val="B5975B"/>
-          </a:solidFill>
-          <a:ln>
-            <a:noFill/>
-          </a:ln>
-        </p:spPr>
-        <p:style>
-          <a:lnRef idx="1">
-            <a:schemeClr val="accent1"/>
-          </a:lnRef>
-          <a:fillRef idx="3">
-            <a:schemeClr val="accent1"/>
-          </a:fillRef>
-          <a:effectRef idx="2">
-            <a:schemeClr val="accent1"/>
-          </a:effectRef>
-          <a:fontRef idx="minor">
-            <a:schemeClr val="lt1"/>
-          </a:fontRef>
-        </p:style>
-        <p:txBody>
-          <a:bodyPr rtlCol="0" anchor="ctr"/>
-          <a:lstStyle/>
-          <a:p>
-            <a:pPr algn="ctr"/>
-          </a:p>
-        </p:txBody>
-      </p:sp>
-      <p:sp>
-        <p:nvSpPr>
-          <p:cNvPr id="27" name="TextBox 26"/>
-          <p:cNvSpPr txBox="1"/>
-          <p:nvPr/>
-        </p:nvSpPr>
-        <p:spPr>
-          <a:xfrm>
-            <a:off x="6720840" y="4617720"/>
-            <a:ext cx="5303520" cy="228600"/>
-          </a:xfrm>
-          <a:prstGeom prst="rect">
-            <a:avLst/>
-          </a:prstGeom>
-          <a:noFill/>
-          <a:ln>
-            <a:noFill/>
-          </a:ln>
-          <a:effectLst/>
-        </p:spPr>
-        <p:txBody>
-          <a:bodyPr wrap="square">
-            <a:spAutoFit/>
-          </a:bodyPr>
-          <a:lstStyle/>
-          <a:p>
-            <a:pPr algn="l"/>
-            <a:r>
-              <a:rPr sz="900" b="0">
-                <a:solidFill>
-                  <a:srgbClr val="404040"/>
-                </a:solidFill>
-                <a:latin typeface="Arial"/>
-              </a:rPr>
-              <a:t>ESG commitments and sustainability targets</a:t>
-            </a:r>
-          </a:p>
-        </p:txBody>
-      </p:sp>
-      <p:sp>
-        <p:nvSpPr>
-          <p:cNvPr id="28" name="Oval 27"/>
-          <p:cNvSpPr/>
-          <p:nvPr/>
-        </p:nvSpPr>
-        <p:spPr>
-          <a:xfrm>
-            <a:off x="6583680" y="4937759"/>
-            <a:ext cx="45720" cy="45720"/>
-          </a:xfrm>
-          <a:prstGeom prst="ellipse">
-            <a:avLst/>
-          </a:prstGeom>
-          <a:solidFill>
-            <a:srgbClr val="B5975B"/>
-          </a:solidFill>
-          <a:ln>
-            <a:noFill/>
-          </a:ln>
-        </p:spPr>
-        <p:style>
-          <a:lnRef idx="1">
-            <a:schemeClr val="accent1"/>
-          </a:lnRef>
-          <a:fillRef idx="3">
-            <a:schemeClr val="accent1"/>
-          </a:fillRef>
-          <a:effectRef idx="2">
-            <a:schemeClr val="accent1"/>
-          </a:effectRef>
-          <a:fontRef idx="minor">
-            <a:schemeClr val="lt1"/>
-          </a:fontRef>
-        </p:style>
-        <p:txBody>
-          <a:bodyPr rtlCol="0" anchor="ctr"/>
-          <a:lstStyle/>
-          <a:p>
-            <a:pPr algn="ctr"/>
-          </a:p>
-        </p:txBody>
-      </p:sp>
-      <p:sp>
-        <p:nvSpPr>
-          <p:cNvPr id="29" name="TextBox 28"/>
-          <p:cNvSpPr txBox="1"/>
-          <p:nvPr/>
-        </p:nvSpPr>
-        <p:spPr>
-          <a:xfrm>
-            <a:off x="6720840" y="4892039"/>
-            <a:ext cx="5303520" cy="228600"/>
-          </a:xfrm>
-          <a:prstGeom prst="rect">
-            <a:avLst/>
-          </a:prstGeom>
-          <a:noFill/>
-          <a:ln>
-            <a:noFill/>
-          </a:ln>
-          <a:effectLst/>
-        </p:spPr>
-        <p:txBody>
-          <a:bodyPr wrap="square">
-            <a:spAutoFit/>
-          </a:bodyPr>
-          <a:lstStyle/>
-          <a:p>
-            <a:pPr algn="l"/>
-            <a:r>
-              <a:rPr sz="900" b="0">
-                <a:solidFill>
-                  <a:srgbClr val="404040"/>
-                </a:solidFill>
-                <a:latin typeface="Arial"/>
-              </a:rPr>
-              <a:t>Competitive positioning and market dynamics</a:t>
-            </a:r>
-          </a:p>
-        </p:txBody>
-      </p:sp>
-      <p:sp>
-        <p:nvSpPr>
-          <p:cNvPr id="30" name="TextBox 29"/>
-          <p:cNvSpPr txBox="1"/>
-          <p:nvPr/>
-        </p:nvSpPr>
-        <p:spPr>
-          <a:xfrm>
-            <a:off x="457200" y="6400800"/>
-            <a:ext cx="5486400" cy="365760"/>
-          </a:xfrm>
-          <a:prstGeom prst="rect">
-            <a:avLst/>
-          </a:prstGeom>
-          <a:noFill/>
-        </p:spPr>
-        <p:txBody>
-          <a:bodyPr wrap="none" anchor="ctr">
+            <a:off x="274320" y="1325880"/>
+            <a:ext cx="3657600" cy="320040"/>
+          </a:xfrm>
+          <a:prstGeom prst="rect">
+            <a:avLst/>
+          </a:prstGeom>
+          <a:noFill/>
+        </p:spPr>
+        <p:txBody>
+          <a:bodyPr wrap="square" lIns="36576" rIns="36576" tIns="14630" bIns="14630">
             <a:spAutoFit/>
           </a:bodyPr>
           <a:lstStyle/>
           <a:p>
             <a:pPr algn="l">
-              <a:defRPr sz="900">
-                <a:solidFill>
-                  <a:srgbClr val="808080"/>
-                </a:solidFill>
-                <a:latin typeface="Arial"/>
+              <a:defRPr sz="1500" b="1">
+                <a:solidFill>
+                  <a:srgbClr val="1E3A8A"/>
+                </a:solidFill>
+                <a:latin typeface="Times New Roman"/>
               </a:defRPr>
             </a:pPr>
             <a:r>
+              <a:t>Ahmed Al-Rashid</a:t>
+            </a:r>
+            <a:br/>
+            <a:r>
+              <a:t>Management Role 1</a:t>
+            </a:r>
+          </a:p>
+        </p:txBody>
+      </p:sp>
+      <p:sp>
+        <p:nvSpPr>
+          <p:cNvPr id="5" name="TextBox 4"/>
+          <p:cNvSpPr txBox="1"/>
+          <p:nvPr/>
+        </p:nvSpPr>
+        <p:spPr>
+          <a:xfrm>
+            <a:off x="274320" y="1691640"/>
+            <a:ext cx="3657600" cy="329184"/>
+          </a:xfrm>
+          <a:prstGeom prst="rect">
+            <a:avLst/>
+          </a:prstGeom>
+          <a:noFill/>
+        </p:spPr>
+        <p:txBody>
+          <a:bodyPr wrap="square" lIns="36576" rIns="36576" tIns="10972" bIns="10972"/>
+          <a:lstStyle/>
+          <a:p>
+            <a:pPr algn="l">
+              <a:lnSpc>
+                <a:spcPct val="120000"/>
+              </a:lnSpc>
+              <a:defRPr sz="1200">
+                <a:solidFill>
+                  <a:srgbClr val="374151"/>
+                </a:solidFill>
+                <a:latin typeface="Times New Roman"/>
+              </a:defRPr>
+            </a:pPr>
+            <a:r>
+              <a:t>• Relevant industry experience</a:t>
+            </a:r>
+          </a:p>
+        </p:txBody>
+      </p:sp>
+      <p:sp>
+        <p:nvSpPr>
+          <p:cNvPr id="6" name="TextBox 5"/>
+          <p:cNvSpPr txBox="1"/>
+          <p:nvPr/>
+        </p:nvSpPr>
+        <p:spPr>
+          <a:xfrm>
+            <a:off x="274320" y="2075688"/>
+            <a:ext cx="3657600" cy="329184"/>
+          </a:xfrm>
+          <a:prstGeom prst="rect">
+            <a:avLst/>
+          </a:prstGeom>
+          <a:noFill/>
+        </p:spPr>
+        <p:txBody>
+          <a:bodyPr wrap="square" lIns="36576" rIns="36576" tIns="10972" bIns="10972"/>
+          <a:lstStyle/>
+          <a:p>
+            <a:pPr algn="l">
+              <a:lnSpc>
+                <a:spcPct val="120000"/>
+              </a:lnSpc>
+              <a:defRPr sz="1200">
+                <a:solidFill>
+                  <a:srgbClr val="374151"/>
+                </a:solidFill>
+                <a:latin typeface="Times New Roman"/>
+              </a:defRPr>
+            </a:pPr>
+            <a:r>
+              <a:t>• Proven track record</a:t>
+            </a:r>
+          </a:p>
+        </p:txBody>
+      </p:sp>
+      <p:sp>
+        <p:nvSpPr>
+          <p:cNvPr id="7" name="TextBox 6"/>
+          <p:cNvSpPr txBox="1"/>
+          <p:nvPr/>
+        </p:nvSpPr>
+        <p:spPr>
+          <a:xfrm>
+            <a:off x="274320" y="2551176"/>
+            <a:ext cx="3657600" cy="320040"/>
+          </a:xfrm>
+          <a:prstGeom prst="rect">
+            <a:avLst/>
+          </a:prstGeom>
+          <a:noFill/>
+        </p:spPr>
+        <p:txBody>
+          <a:bodyPr wrap="square" lIns="36576" rIns="36576" tIns="14630" bIns="14630">
+            <a:spAutoFit/>
+          </a:bodyPr>
+          <a:lstStyle/>
+          <a:p>
+            <a:pPr algn="l">
+              <a:defRPr sz="1500" b="1">
+                <a:solidFill>
+                  <a:srgbClr val="1E3A8A"/>
+                </a:solidFill>
+                <a:latin typeface="Times New Roman"/>
+              </a:defRPr>
+            </a:pPr>
+            <a:r>
+              <a:t>Sarah Johnson</a:t>
+            </a:r>
+            <a:br/>
+            <a:r>
+              <a:t>Management Role 2</a:t>
+            </a:r>
+          </a:p>
+        </p:txBody>
+      </p:sp>
+      <p:sp>
+        <p:nvSpPr>
+          <p:cNvPr id="8" name="TextBox 7"/>
+          <p:cNvSpPr txBox="1"/>
+          <p:nvPr/>
+        </p:nvSpPr>
+        <p:spPr>
+          <a:xfrm>
+            <a:off x="274320" y="2916936"/>
+            <a:ext cx="3657600" cy="329184"/>
+          </a:xfrm>
+          <a:prstGeom prst="rect">
+            <a:avLst/>
+          </a:prstGeom>
+          <a:noFill/>
+        </p:spPr>
+        <p:txBody>
+          <a:bodyPr wrap="square" lIns="36576" rIns="36576" tIns="10972" bIns="10972"/>
+          <a:lstStyle/>
+          <a:p>
+            <a:pPr algn="l">
+              <a:lnSpc>
+                <a:spcPct val="120000"/>
+              </a:lnSpc>
+              <a:defRPr sz="1200">
+                <a:solidFill>
+                  <a:srgbClr val="374151"/>
+                </a:solidFill>
+                <a:latin typeface="Times New Roman"/>
+              </a:defRPr>
+            </a:pPr>
+            <a:r>
+              <a:t>• Relevant industry experience</a:t>
+            </a:r>
+          </a:p>
+        </p:txBody>
+      </p:sp>
+      <p:sp>
+        <p:nvSpPr>
+          <p:cNvPr id="9" name="TextBox 8"/>
+          <p:cNvSpPr txBox="1"/>
+          <p:nvPr/>
+        </p:nvSpPr>
+        <p:spPr>
+          <a:xfrm>
+            <a:off x="274320" y="3300984"/>
+            <a:ext cx="3657600" cy="329184"/>
+          </a:xfrm>
+          <a:prstGeom prst="rect">
+            <a:avLst/>
+          </a:prstGeom>
+          <a:noFill/>
+        </p:spPr>
+        <p:txBody>
+          <a:bodyPr wrap="square" lIns="36576" rIns="36576" tIns="10972" bIns="10972"/>
+          <a:lstStyle/>
+          <a:p>
+            <a:pPr algn="l">
+              <a:lnSpc>
+                <a:spcPct val="120000"/>
+              </a:lnSpc>
+              <a:defRPr sz="1200">
+                <a:solidFill>
+                  <a:srgbClr val="374151"/>
+                </a:solidFill>
+                <a:latin typeface="Times New Roman"/>
+              </a:defRPr>
+            </a:pPr>
+            <a:r>
+              <a:t>• Proven track record</a:t>
+            </a:r>
+          </a:p>
+        </p:txBody>
+      </p:sp>
+      <p:sp>
+        <p:nvSpPr>
+          <p:cNvPr id="10" name="TextBox 9"/>
+          <p:cNvSpPr txBox="1"/>
+          <p:nvPr/>
+        </p:nvSpPr>
+        <p:spPr>
+          <a:xfrm>
+            <a:off x="4069080" y="1325880"/>
+            <a:ext cx="3657600" cy="320040"/>
+          </a:xfrm>
+          <a:prstGeom prst="rect">
+            <a:avLst/>
+          </a:prstGeom>
+          <a:noFill/>
+        </p:spPr>
+        <p:txBody>
+          <a:bodyPr wrap="square" lIns="36576" rIns="36576" tIns="14630" bIns="14630">
+            <a:spAutoFit/>
+          </a:bodyPr>
+          <a:lstStyle/>
+          <a:p>
+            <a:pPr algn="l">
+              <a:defRPr sz="1500" b="1">
+                <a:solidFill>
+                  <a:srgbClr val="1E3A8A"/>
+                </a:solidFill>
+                <a:latin typeface="Times New Roman"/>
+              </a:defRPr>
+            </a:pPr>
+            <a:r>
+              <a:t>Omar Hassan</a:t>
+            </a:r>
+            <a:br/>
+            <a:r>
+              <a:t>Management Role 3</a:t>
+            </a:r>
+          </a:p>
+        </p:txBody>
+      </p:sp>
+      <p:sp>
+        <p:nvSpPr>
+          <p:cNvPr id="11" name="TextBox 10"/>
+          <p:cNvSpPr txBox="1"/>
+          <p:nvPr/>
+        </p:nvSpPr>
+        <p:spPr>
+          <a:xfrm>
+            <a:off x="4069080" y="1691640"/>
+            <a:ext cx="3657600" cy="329184"/>
+          </a:xfrm>
+          <a:prstGeom prst="rect">
+            <a:avLst/>
+          </a:prstGeom>
+          <a:noFill/>
+        </p:spPr>
+        <p:txBody>
+          <a:bodyPr wrap="square" lIns="36576" rIns="36576" tIns="10972" bIns="10972"/>
+          <a:lstStyle/>
+          <a:p>
+            <a:pPr algn="l">
+              <a:lnSpc>
+                <a:spcPct val="120000"/>
+              </a:lnSpc>
+              <a:defRPr sz="1200">
+                <a:solidFill>
+                  <a:srgbClr val="374151"/>
+                </a:solidFill>
+                <a:latin typeface="Times New Roman"/>
+              </a:defRPr>
+            </a:pPr>
+            <a:r>
+              <a:t>• Relevant industry experience</a:t>
+            </a:r>
+          </a:p>
+        </p:txBody>
+      </p:sp>
+      <p:sp>
+        <p:nvSpPr>
+          <p:cNvPr id="12" name="TextBox 11"/>
+          <p:cNvSpPr txBox="1"/>
+          <p:nvPr/>
+        </p:nvSpPr>
+        <p:spPr>
+          <a:xfrm>
+            <a:off x="4069080" y="2075688"/>
+            <a:ext cx="3657600" cy="329184"/>
+          </a:xfrm>
+          <a:prstGeom prst="rect">
+            <a:avLst/>
+          </a:prstGeom>
+          <a:noFill/>
+        </p:spPr>
+        <p:txBody>
+          <a:bodyPr wrap="square" lIns="36576" rIns="36576" tIns="10972" bIns="10972"/>
+          <a:lstStyle/>
+          <a:p>
+            <a:pPr algn="l">
+              <a:lnSpc>
+                <a:spcPct val="120000"/>
+              </a:lnSpc>
+              <a:defRPr sz="1200">
+                <a:solidFill>
+                  <a:srgbClr val="374151"/>
+                </a:solidFill>
+                <a:latin typeface="Times New Roman"/>
+              </a:defRPr>
+            </a:pPr>
+            <a:r>
+              <a:t>• Proven track record</a:t>
+            </a:r>
+          </a:p>
+        </p:txBody>
+      </p:sp>
+      <p:sp>
+        <p:nvSpPr>
+          <p:cNvPr id="13" name="TextBox 12"/>
+          <p:cNvSpPr txBox="1"/>
+          <p:nvPr/>
+        </p:nvSpPr>
+        <p:spPr>
+          <a:xfrm>
+            <a:off x="4069080" y="2551176"/>
+            <a:ext cx="3657600" cy="320040"/>
+          </a:xfrm>
+          <a:prstGeom prst="rect">
+            <a:avLst/>
+          </a:prstGeom>
+          <a:noFill/>
+        </p:spPr>
+        <p:txBody>
+          <a:bodyPr wrap="square" lIns="36576" rIns="36576" tIns="14630" bIns="14630">
+            <a:spAutoFit/>
+          </a:bodyPr>
+          <a:lstStyle/>
+          <a:p>
+            <a:pPr algn="l">
+              <a:defRPr sz="1500" b="1">
+                <a:solidFill>
+                  <a:srgbClr val="1E3A8A"/>
+                </a:solidFill>
+                <a:latin typeface="Times New Roman"/>
+              </a:defRPr>
+            </a:pPr>
+            <a:r>
+              <a:t>Omar Hassan</a:t>
+            </a:r>
+            <a:br/>
+            <a:r>
+              <a:t>Management Role 3</a:t>
+            </a:r>
+          </a:p>
+        </p:txBody>
+      </p:sp>
+      <p:sp>
+        <p:nvSpPr>
+          <p:cNvPr id="14" name="TextBox 13"/>
+          <p:cNvSpPr txBox="1"/>
+          <p:nvPr/>
+        </p:nvSpPr>
+        <p:spPr>
+          <a:xfrm>
+            <a:off x="4069080" y="2916936"/>
+            <a:ext cx="3657600" cy="329184"/>
+          </a:xfrm>
+          <a:prstGeom prst="rect">
+            <a:avLst/>
+          </a:prstGeom>
+          <a:noFill/>
+        </p:spPr>
+        <p:txBody>
+          <a:bodyPr wrap="square" lIns="36576" rIns="36576" tIns="10972" bIns="10972"/>
+          <a:lstStyle/>
+          <a:p>
+            <a:pPr algn="l">
+              <a:lnSpc>
+                <a:spcPct val="120000"/>
+              </a:lnSpc>
+              <a:defRPr sz="1200">
+                <a:solidFill>
+                  <a:srgbClr val="374151"/>
+                </a:solidFill>
+                <a:latin typeface="Times New Roman"/>
+              </a:defRPr>
+            </a:pPr>
+            <a:r>
+              <a:t>• Relevant industry experience</a:t>
+            </a:r>
+          </a:p>
+        </p:txBody>
+      </p:sp>
+      <p:sp>
+        <p:nvSpPr>
+          <p:cNvPr id="15" name="TextBox 14"/>
+          <p:cNvSpPr txBox="1"/>
+          <p:nvPr/>
+        </p:nvSpPr>
+        <p:spPr>
+          <a:xfrm>
+            <a:off x="4069080" y="3300984"/>
+            <a:ext cx="3657600" cy="329184"/>
+          </a:xfrm>
+          <a:prstGeom prst="rect">
+            <a:avLst/>
+          </a:prstGeom>
+          <a:noFill/>
+        </p:spPr>
+        <p:txBody>
+          <a:bodyPr wrap="square" lIns="36576" rIns="36576" tIns="10972" bIns="10972"/>
+          <a:lstStyle/>
+          <a:p>
+            <a:pPr algn="l">
+              <a:lnSpc>
+                <a:spcPct val="120000"/>
+              </a:lnSpc>
+              <a:defRPr sz="1200">
+                <a:solidFill>
+                  <a:srgbClr val="374151"/>
+                </a:solidFill>
+                <a:latin typeface="Times New Roman"/>
+              </a:defRPr>
+            </a:pPr>
+            <a:r>
+              <a:t>• Proven track record</a:t>
+            </a:r>
+          </a:p>
+        </p:txBody>
+      </p:sp>
+      <p:sp>
+        <p:nvSpPr>
+          <p:cNvPr id="16" name="TextBox 15"/>
+          <p:cNvSpPr txBox="1"/>
+          <p:nvPr/>
+        </p:nvSpPr>
+        <p:spPr>
+          <a:xfrm>
+            <a:off x="7863840" y="1325880"/>
+            <a:ext cx="3657600" cy="320040"/>
+          </a:xfrm>
+          <a:prstGeom prst="rect">
+            <a:avLst/>
+          </a:prstGeom>
+          <a:noFill/>
+        </p:spPr>
+        <p:txBody>
+          <a:bodyPr wrap="square" lIns="36576" rIns="36576" tIns="14630" bIns="14630">
+            <a:spAutoFit/>
+          </a:bodyPr>
+          <a:lstStyle/>
+          <a:p>
+            <a:pPr algn="l">
+              <a:defRPr sz="1500" b="1">
+                <a:solidFill>
+                  <a:srgbClr val="1E3A8A"/>
+                </a:solidFill>
+                <a:latin typeface="Times New Roman"/>
+              </a:defRPr>
+            </a:pPr>
+            <a:r>
+              <a:t>Fatima Al-Zahra</a:t>
+            </a:r>
+            <a:br/>
+            <a:r>
+              <a:t>Management Role 2</a:t>
+            </a:r>
+          </a:p>
+        </p:txBody>
+      </p:sp>
+      <p:sp>
+        <p:nvSpPr>
+          <p:cNvPr id="17" name="TextBox 16"/>
+          <p:cNvSpPr txBox="1"/>
+          <p:nvPr/>
+        </p:nvSpPr>
+        <p:spPr>
+          <a:xfrm>
+            <a:off x="7863840" y="1691640"/>
+            <a:ext cx="3657600" cy="329184"/>
+          </a:xfrm>
+          <a:prstGeom prst="rect">
+            <a:avLst/>
+          </a:prstGeom>
+          <a:noFill/>
+        </p:spPr>
+        <p:txBody>
+          <a:bodyPr wrap="square" lIns="36576" rIns="36576" tIns="10972" bIns="10972"/>
+          <a:lstStyle/>
+          <a:p>
+            <a:pPr algn="l">
+              <a:lnSpc>
+                <a:spcPct val="120000"/>
+              </a:lnSpc>
+              <a:defRPr sz="1200">
+                <a:solidFill>
+                  <a:srgbClr val="374151"/>
+                </a:solidFill>
+                <a:latin typeface="Times New Roman"/>
+              </a:defRPr>
+            </a:pPr>
+            <a:r>
+              <a:t>• Relevant industry experience</a:t>
+            </a:r>
+          </a:p>
+        </p:txBody>
+      </p:sp>
+      <p:sp>
+        <p:nvSpPr>
+          <p:cNvPr id="18" name="TextBox 17"/>
+          <p:cNvSpPr txBox="1"/>
+          <p:nvPr/>
+        </p:nvSpPr>
+        <p:spPr>
+          <a:xfrm>
+            <a:off x="7863840" y="2075688"/>
+            <a:ext cx="3657600" cy="329184"/>
+          </a:xfrm>
+          <a:prstGeom prst="rect">
+            <a:avLst/>
+          </a:prstGeom>
+          <a:noFill/>
+        </p:spPr>
+        <p:txBody>
+          <a:bodyPr wrap="square" lIns="36576" rIns="36576" tIns="10972" bIns="10972"/>
+          <a:lstStyle/>
+          <a:p>
+            <a:pPr algn="l">
+              <a:lnSpc>
+                <a:spcPct val="120000"/>
+              </a:lnSpc>
+              <a:defRPr sz="1200">
+                <a:solidFill>
+                  <a:srgbClr val="374151"/>
+                </a:solidFill>
+                <a:latin typeface="Times New Roman"/>
+              </a:defRPr>
+            </a:pPr>
+            <a:r>
+              <a:t>• Proven track record</a:t>
+            </a:r>
+          </a:p>
+        </p:txBody>
+      </p:sp>
+      <p:sp>
+        <p:nvSpPr>
+          <p:cNvPr id="19" name="TextBox 18"/>
+          <p:cNvSpPr txBox="1"/>
+          <p:nvPr/>
+        </p:nvSpPr>
+        <p:spPr>
+          <a:xfrm>
+            <a:off x="365760" y="6355080"/>
+            <a:ext cx="5486400" cy="365760"/>
+          </a:xfrm>
+          <a:prstGeom prst="rect">
+            <a:avLst/>
+          </a:prstGeom>
+          <a:noFill/>
+        </p:spPr>
+        <p:txBody>
+          <a:bodyPr wrap="none" lIns="45720" rIns="45720" anchor="ctr">
+            <a:spAutoFit/>
+          </a:bodyPr>
+          <a:lstStyle/>
+          <a:p>
+            <a:pPr algn="l">
+              <a:defRPr sz="1000">
+                <a:solidFill>
+                  <a:srgbClr val="6B7280"/>
+                </a:solidFill>
+                <a:latin typeface="Times New Roman"/>
+              </a:defRPr>
+            </a:pPr>
+            <a:r>
               <a:t>Confidential | September 11, 2025</a:t>
             </a:r>
           </a:p>
@@ -12597,32 +10410,32 @@
       </p:sp>
       <p:sp>
         <p:nvSpPr>
-          <p:cNvPr id="31" name="TextBox 30"/>
-          <p:cNvSpPr txBox="1"/>
-          <p:nvPr/>
-        </p:nvSpPr>
-        <p:spPr>
-          <a:xfrm>
-            <a:off x="9144000" y="6400800"/>
-            <a:ext cx="2743200" cy="365760"/>
-          </a:xfrm>
-          <a:prstGeom prst="rect">
-            <a:avLst/>
-          </a:prstGeom>
-          <a:noFill/>
-        </p:spPr>
-        <p:txBody>
-          <a:bodyPr wrap="none" anchor="ctr">
+          <p:cNvPr id="20" name="TextBox 19"/>
+          <p:cNvSpPr txBox="1"/>
+          <p:nvPr/>
+        </p:nvSpPr>
+        <p:spPr>
+          <a:xfrm>
+            <a:off x="8686800" y="6355080"/>
+            <a:ext cx="2926080" cy="365760"/>
+          </a:xfrm>
+          <a:prstGeom prst="rect">
+            <a:avLst/>
+          </a:prstGeom>
+          <a:noFill/>
+        </p:spPr>
+        <p:txBody>
+          <a:bodyPr wrap="none" lIns="45720" rIns="45720" anchor="ctr">
             <a:spAutoFit/>
           </a:bodyPr>
           <a:lstStyle/>
           <a:p>
             <a:pPr algn="r">
-              <a:defRPr sz="900">
-                <a:solidFill>
-                  <a:srgbClr val="808080"/>
-                </a:solidFill>
-                <a:latin typeface="Arial"/>
+              <a:defRPr sz="1000">
+                <a:solidFill>
+                  <a:srgbClr val="6B7280"/>
+                </a:solidFill>
+                <a:latin typeface="Times New Roman"/>
               </a:defRPr>
             </a:pPr>
             <a:r>
@@ -12640,6 +10453,1237 @@
 </file>
 
 <file path=ppt/slides/slide6.xml><?xml version="1.0" encoding="utf-8"?>
+<p:sld xmlns:a="http://schemas.openxmlformats.org/drawingml/2006/main" xmlns:p="http://schemas.openxmlformats.org/presentationml/2006/main" xmlns:r="http://schemas.openxmlformats.org/officeDocument/2006/relationships">
+  <p:cSld>
+    <p:spTree>
+      <p:nvGrpSpPr>
+        <p:cNvPr id="1" name=""/>
+        <p:cNvGrpSpPr/>
+        <p:nvPr/>
+      </p:nvGrpSpPr>
+      <p:grpSpPr/>
+      <p:sp>
+        <p:nvSpPr>
+          <p:cNvPr id="2" name="TextBox 1"/>
+          <p:cNvSpPr txBox="1"/>
+          <p:nvPr/>
+        </p:nvSpPr>
+        <p:spPr>
+          <a:xfrm>
+            <a:off x="457200" y="274320"/>
+            <a:ext cx="11277295" cy="731520"/>
+          </a:xfrm>
+          <a:prstGeom prst="rect">
+            <a:avLst/>
+          </a:prstGeom>
+          <a:noFill/>
+        </p:spPr>
+        <p:txBody>
+          <a:bodyPr wrap="none" lIns="0" tIns="0" rIns="0" bIns="0">
+            <a:spAutoFit/>
+          </a:bodyPr>
+          <a:lstStyle/>
+          <a:p>
+            <a:pPr algn="l"/>
+            <a:r>
+              <a:rPr sz="2400" b="1">
+                <a:solidFill>
+                  <a:srgbClr val="183A58"/>
+                </a:solidFill>
+                <a:latin typeface="Arial"/>
+              </a:rPr>
+              <a:t>Growth Strategy &amp; Projections</a:t>
+            </a:r>
+          </a:p>
+        </p:txBody>
+      </p:sp>
+      <p:sp>
+        <p:nvSpPr>
+          <p:cNvPr id="3" name="Rectangle 2"/>
+          <p:cNvSpPr/>
+          <p:nvPr/>
+        </p:nvSpPr>
+        <p:spPr>
+          <a:xfrm>
+            <a:off x="457200" y="914400"/>
+            <a:ext cx="11277295" cy="45720"/>
+          </a:xfrm>
+          <a:prstGeom prst="rect">
+            <a:avLst/>
+          </a:prstGeom>
+          <a:solidFill>
+            <a:srgbClr val="183A58"/>
+          </a:solidFill>
+          <a:ln>
+            <a:noFill/>
+          </a:ln>
+        </p:spPr>
+        <p:style>
+          <a:lnRef idx="1">
+            <a:schemeClr val="accent1"/>
+          </a:lnRef>
+          <a:fillRef idx="3">
+            <a:schemeClr val="accent1"/>
+          </a:fillRef>
+          <a:effectRef idx="2">
+            <a:schemeClr val="accent1"/>
+          </a:effectRef>
+          <a:fontRef idx="minor">
+            <a:schemeClr val="lt1"/>
+          </a:fontRef>
+        </p:style>
+        <p:txBody>
+          <a:bodyPr rtlCol="0" anchor="ctr"/>
+          <a:lstStyle/>
+          <a:p>
+            <a:pPr algn="ctr"/>
+          </a:p>
+        </p:txBody>
+      </p:sp>
+      <p:sp>
+        <p:nvSpPr>
+          <p:cNvPr id="4" name="TextBox 3"/>
+          <p:cNvSpPr txBox="1"/>
+          <p:nvPr/>
+        </p:nvSpPr>
+        <p:spPr>
+          <a:xfrm>
+            <a:off x="457200" y="1280160"/>
+            <a:ext cx="5486400" cy="274320"/>
+          </a:xfrm>
+          <a:prstGeom prst="rect">
+            <a:avLst/>
+          </a:prstGeom>
+          <a:noFill/>
+          <a:ln>
+            <a:noFill/>
+          </a:ln>
+          <a:effectLst/>
+        </p:spPr>
+        <p:txBody>
+          <a:bodyPr wrap="square">
+            <a:spAutoFit/>
+          </a:bodyPr>
+          <a:lstStyle/>
+          <a:p>
+            <a:pPr algn="l"/>
+            <a:r>
+              <a:rPr sz="1400" b="1">
+                <a:solidFill>
+                  <a:srgbClr val="183A58"/>
+                </a:solidFill>
+                <a:latin typeface="Arial"/>
+              </a:rPr>
+              <a:t>Multi-Pronged Growth Strategy</a:t>
+            </a:r>
+          </a:p>
+        </p:txBody>
+      </p:sp>
+      <p:sp>
+        <p:nvSpPr>
+          <p:cNvPr id="5" name="Oval 4"/>
+          <p:cNvSpPr/>
+          <p:nvPr/>
+        </p:nvSpPr>
+        <p:spPr>
+          <a:xfrm>
+            <a:off x="640080" y="1645920"/>
+            <a:ext cx="54864" cy="54864"/>
+          </a:xfrm>
+          <a:prstGeom prst="ellipse">
+            <a:avLst/>
+          </a:prstGeom>
+          <a:solidFill>
+            <a:srgbClr val="F0F0F0"/>
+          </a:solidFill>
+          <a:ln>
+            <a:noFill/>
+          </a:ln>
+          <a:effectLst/>
+        </p:spPr>
+        <p:style>
+          <a:lnRef idx="1">
+            <a:schemeClr val="accent1"/>
+          </a:lnRef>
+          <a:fillRef idx="3">
+            <a:schemeClr val="accent1"/>
+          </a:fillRef>
+          <a:effectRef idx="2">
+            <a:schemeClr val="accent1"/>
+          </a:effectRef>
+          <a:fontRef idx="minor">
+            <a:schemeClr val="lt1"/>
+          </a:fontRef>
+        </p:style>
+        <p:txBody>
+          <a:bodyPr rtlCol="0" anchor="ctr"/>
+          <a:lstStyle/>
+          <a:p>
+            <a:pPr algn="ctr"/>
+          </a:p>
+        </p:txBody>
+      </p:sp>
+      <p:sp>
+        <p:nvSpPr>
+          <p:cNvPr id="6" name="TextBox 5"/>
+          <p:cNvSpPr txBox="1"/>
+          <p:nvPr/>
+        </p:nvSpPr>
+        <p:spPr>
+          <a:xfrm>
+            <a:off x="777240" y="1600200"/>
+            <a:ext cx="5029200" cy="274320"/>
+          </a:xfrm>
+          <a:prstGeom prst="rect">
+            <a:avLst/>
+          </a:prstGeom>
+          <a:noFill/>
+          <a:ln>
+            <a:noFill/>
+          </a:ln>
+          <a:effectLst/>
+        </p:spPr>
+        <p:txBody>
+          <a:bodyPr wrap="square">
+            <a:spAutoFit/>
+          </a:bodyPr>
+          <a:lstStyle/>
+          <a:p>
+            <a:pPr algn="l"/>
+            <a:r>
+              <a:rPr sz="900" b="0">
+                <a:solidFill>
+                  <a:srgbClr val="808080"/>
+                </a:solidFill>
+                <a:latin typeface="Arial"/>
+              </a:rPr>
+              <a:t>Strategic growth initiatives will be outlined here</a:t>
+            </a:r>
+          </a:p>
+        </p:txBody>
+      </p:sp>
+      <p:sp>
+        <p:nvSpPr>
+          <p:cNvPr id="7" name="Oval 6"/>
+          <p:cNvSpPr/>
+          <p:nvPr/>
+        </p:nvSpPr>
+        <p:spPr>
+          <a:xfrm>
+            <a:off x="640080" y="1965960"/>
+            <a:ext cx="54864" cy="54864"/>
+          </a:xfrm>
+          <a:prstGeom prst="ellipse">
+            <a:avLst/>
+          </a:prstGeom>
+          <a:solidFill>
+            <a:srgbClr val="F0F0F0"/>
+          </a:solidFill>
+          <a:ln>
+            <a:noFill/>
+          </a:ln>
+          <a:effectLst/>
+        </p:spPr>
+        <p:style>
+          <a:lnRef idx="1">
+            <a:schemeClr val="accent1"/>
+          </a:lnRef>
+          <a:fillRef idx="3">
+            <a:schemeClr val="accent1"/>
+          </a:fillRef>
+          <a:effectRef idx="2">
+            <a:schemeClr val="accent1"/>
+          </a:effectRef>
+          <a:fontRef idx="minor">
+            <a:schemeClr val="lt1"/>
+          </a:fontRef>
+        </p:style>
+        <p:txBody>
+          <a:bodyPr rtlCol="0" anchor="ctr"/>
+          <a:lstStyle/>
+          <a:p>
+            <a:pPr algn="ctr"/>
+          </a:p>
+        </p:txBody>
+      </p:sp>
+      <p:sp>
+        <p:nvSpPr>
+          <p:cNvPr id="8" name="TextBox 7"/>
+          <p:cNvSpPr txBox="1"/>
+          <p:nvPr/>
+        </p:nvSpPr>
+        <p:spPr>
+          <a:xfrm>
+            <a:off x="777240" y="1920240"/>
+            <a:ext cx="5029200" cy="274320"/>
+          </a:xfrm>
+          <a:prstGeom prst="rect">
+            <a:avLst/>
+          </a:prstGeom>
+          <a:noFill/>
+          <a:ln>
+            <a:noFill/>
+          </a:ln>
+          <a:effectLst/>
+        </p:spPr>
+        <p:txBody>
+          <a:bodyPr wrap="square">
+            <a:spAutoFit/>
+          </a:bodyPr>
+          <a:lstStyle/>
+          <a:p>
+            <a:pPr algn="l"/>
+            <a:r>
+              <a:rPr sz="900" b="0">
+                <a:solidFill>
+                  <a:srgbClr val="808080"/>
+                </a:solidFill>
+                <a:latin typeface="Arial"/>
+              </a:rPr>
+              <a:t>Market expansion and diversification plans</a:t>
+            </a:r>
+          </a:p>
+        </p:txBody>
+      </p:sp>
+      <p:sp>
+        <p:nvSpPr>
+          <p:cNvPr id="9" name="Oval 8"/>
+          <p:cNvSpPr/>
+          <p:nvPr/>
+        </p:nvSpPr>
+        <p:spPr>
+          <a:xfrm>
+            <a:off x="640080" y="2286000"/>
+            <a:ext cx="54864" cy="54864"/>
+          </a:xfrm>
+          <a:prstGeom prst="ellipse">
+            <a:avLst/>
+          </a:prstGeom>
+          <a:solidFill>
+            <a:srgbClr val="F0F0F0"/>
+          </a:solidFill>
+          <a:ln>
+            <a:noFill/>
+          </a:ln>
+          <a:effectLst/>
+        </p:spPr>
+        <p:style>
+          <a:lnRef idx="1">
+            <a:schemeClr val="accent1"/>
+          </a:lnRef>
+          <a:fillRef idx="3">
+            <a:schemeClr val="accent1"/>
+          </a:fillRef>
+          <a:effectRef idx="2">
+            <a:schemeClr val="accent1"/>
+          </a:effectRef>
+          <a:fontRef idx="minor">
+            <a:schemeClr val="lt1"/>
+          </a:fontRef>
+        </p:style>
+        <p:txBody>
+          <a:bodyPr rtlCol="0" anchor="ctr"/>
+          <a:lstStyle/>
+          <a:p>
+            <a:pPr algn="ctr"/>
+          </a:p>
+        </p:txBody>
+      </p:sp>
+      <p:sp>
+        <p:nvSpPr>
+          <p:cNvPr id="10" name="TextBox 9"/>
+          <p:cNvSpPr txBox="1"/>
+          <p:nvPr/>
+        </p:nvSpPr>
+        <p:spPr>
+          <a:xfrm>
+            <a:off x="777240" y="2240280"/>
+            <a:ext cx="5029200" cy="274320"/>
+          </a:xfrm>
+          <a:prstGeom prst="rect">
+            <a:avLst/>
+          </a:prstGeom>
+          <a:noFill/>
+          <a:ln>
+            <a:noFill/>
+          </a:ln>
+          <a:effectLst/>
+        </p:spPr>
+        <p:txBody>
+          <a:bodyPr wrap="square">
+            <a:spAutoFit/>
+          </a:bodyPr>
+          <a:lstStyle/>
+          <a:p>
+            <a:pPr algn="l"/>
+            <a:r>
+              <a:rPr sz="900" b="0">
+                <a:solidFill>
+                  <a:srgbClr val="808080"/>
+                </a:solidFill>
+                <a:latin typeface="Arial"/>
+              </a:rPr>
+              <a:t>Operational efficiency improvements</a:t>
+            </a:r>
+          </a:p>
+        </p:txBody>
+      </p:sp>
+      <p:sp>
+        <p:nvSpPr>
+          <p:cNvPr id="11" name="Oval 10"/>
+          <p:cNvSpPr/>
+          <p:nvPr/>
+        </p:nvSpPr>
+        <p:spPr>
+          <a:xfrm>
+            <a:off x="640080" y="2606039"/>
+            <a:ext cx="54864" cy="54864"/>
+          </a:xfrm>
+          <a:prstGeom prst="ellipse">
+            <a:avLst/>
+          </a:prstGeom>
+          <a:solidFill>
+            <a:srgbClr val="F0F0F0"/>
+          </a:solidFill>
+          <a:ln>
+            <a:noFill/>
+          </a:ln>
+          <a:effectLst/>
+        </p:spPr>
+        <p:style>
+          <a:lnRef idx="1">
+            <a:schemeClr val="accent1"/>
+          </a:lnRef>
+          <a:fillRef idx="3">
+            <a:schemeClr val="accent1"/>
+          </a:fillRef>
+          <a:effectRef idx="2">
+            <a:schemeClr val="accent1"/>
+          </a:effectRef>
+          <a:fontRef idx="minor">
+            <a:schemeClr val="lt1"/>
+          </a:fontRef>
+        </p:style>
+        <p:txBody>
+          <a:bodyPr rtlCol="0" anchor="ctr"/>
+          <a:lstStyle/>
+          <a:p>
+            <a:pPr algn="ctr"/>
+          </a:p>
+        </p:txBody>
+      </p:sp>
+      <p:sp>
+        <p:nvSpPr>
+          <p:cNvPr id="12" name="TextBox 11"/>
+          <p:cNvSpPr txBox="1"/>
+          <p:nvPr/>
+        </p:nvSpPr>
+        <p:spPr>
+          <a:xfrm>
+            <a:off x="777240" y="2560319"/>
+            <a:ext cx="5029200" cy="274320"/>
+          </a:xfrm>
+          <a:prstGeom prst="rect">
+            <a:avLst/>
+          </a:prstGeom>
+          <a:noFill/>
+          <a:ln>
+            <a:noFill/>
+          </a:ln>
+          <a:effectLst/>
+        </p:spPr>
+        <p:txBody>
+          <a:bodyPr wrap="square">
+            <a:spAutoFit/>
+          </a:bodyPr>
+          <a:lstStyle/>
+          <a:p>
+            <a:pPr algn="l"/>
+            <a:r>
+              <a:rPr sz="900" b="0">
+                <a:solidFill>
+                  <a:srgbClr val="808080"/>
+                </a:solidFill>
+                <a:latin typeface="Arial"/>
+              </a:rPr>
+              <a:t>Technology and innovation investments</a:t>
+            </a:r>
+          </a:p>
+        </p:txBody>
+      </p:sp>
+      <p:sp>
+        <p:nvSpPr>
+          <p:cNvPr id="13" name="Oval 12"/>
+          <p:cNvSpPr/>
+          <p:nvPr/>
+        </p:nvSpPr>
+        <p:spPr>
+          <a:xfrm>
+            <a:off x="640080" y="2926080"/>
+            <a:ext cx="54864" cy="54864"/>
+          </a:xfrm>
+          <a:prstGeom prst="ellipse">
+            <a:avLst/>
+          </a:prstGeom>
+          <a:solidFill>
+            <a:srgbClr val="F0F0F0"/>
+          </a:solidFill>
+          <a:ln>
+            <a:noFill/>
+          </a:ln>
+          <a:effectLst/>
+        </p:spPr>
+        <p:style>
+          <a:lnRef idx="1">
+            <a:schemeClr val="accent1"/>
+          </a:lnRef>
+          <a:fillRef idx="3">
+            <a:schemeClr val="accent1"/>
+          </a:fillRef>
+          <a:effectRef idx="2">
+            <a:schemeClr val="accent1"/>
+          </a:effectRef>
+          <a:fontRef idx="minor">
+            <a:schemeClr val="lt1"/>
+          </a:fontRef>
+        </p:style>
+        <p:txBody>
+          <a:bodyPr rtlCol="0" anchor="ctr"/>
+          <a:lstStyle/>
+          <a:p>
+            <a:pPr algn="ctr"/>
+          </a:p>
+        </p:txBody>
+      </p:sp>
+      <p:sp>
+        <p:nvSpPr>
+          <p:cNvPr id="14" name="TextBox 13"/>
+          <p:cNvSpPr txBox="1"/>
+          <p:nvPr/>
+        </p:nvSpPr>
+        <p:spPr>
+          <a:xfrm>
+            <a:off x="777240" y="2880360"/>
+            <a:ext cx="5029200" cy="274320"/>
+          </a:xfrm>
+          <a:prstGeom prst="rect">
+            <a:avLst/>
+          </a:prstGeom>
+          <a:noFill/>
+          <a:ln>
+            <a:noFill/>
+          </a:ln>
+          <a:effectLst/>
+        </p:spPr>
+        <p:txBody>
+          <a:bodyPr wrap="square">
+            <a:spAutoFit/>
+          </a:bodyPr>
+          <a:lstStyle/>
+          <a:p>
+            <a:pPr algn="l"/>
+            <a:r>
+              <a:rPr sz="900" b="0">
+                <a:solidFill>
+                  <a:srgbClr val="808080"/>
+                </a:solidFill>
+                <a:latin typeface="Arial"/>
+              </a:rPr>
+              <a:t>Sustainability and ESG initiatives</a:t>
+            </a:r>
+          </a:p>
+        </p:txBody>
+      </p:sp>
+      <p:sp>
+        <p:nvSpPr>
+          <p:cNvPr id="15" name="TextBox 14"/>
+          <p:cNvSpPr txBox="1"/>
+          <p:nvPr/>
+        </p:nvSpPr>
+        <p:spPr>
+          <a:xfrm>
+            <a:off x="6858000" y="1280160"/>
+            <a:ext cx="5029200" cy="274320"/>
+          </a:xfrm>
+          <a:prstGeom prst="rect">
+            <a:avLst/>
+          </a:prstGeom>
+          <a:noFill/>
+          <a:ln>
+            <a:noFill/>
+          </a:ln>
+          <a:effectLst/>
+        </p:spPr>
+        <p:txBody>
+          <a:bodyPr wrap="square">
+            <a:spAutoFit/>
+          </a:bodyPr>
+          <a:lstStyle/>
+          <a:p>
+            <a:pPr algn="l"/>
+            <a:r>
+              <a:rPr sz="1400" b="1">
+                <a:solidFill>
+                  <a:srgbClr val="183A58"/>
+                </a:solidFill>
+                <a:latin typeface="Arial"/>
+              </a:rPr>
+              <a:t>Revenue &amp; EBITDA Projections</a:t>
+            </a:r>
+          </a:p>
+        </p:txBody>
+      </p:sp>
+      <p:sp>
+        <p:nvSpPr>
+          <p:cNvPr id="16" name="TextBox 15"/>
+          <p:cNvSpPr txBox="1"/>
+          <p:nvPr/>
+        </p:nvSpPr>
+        <p:spPr>
+          <a:xfrm>
+            <a:off x="6858000" y="2286000"/>
+            <a:ext cx="5029200" cy="914400"/>
+          </a:xfrm>
+          <a:prstGeom prst="rect">
+            <a:avLst/>
+          </a:prstGeom>
+          <a:noFill/>
+          <a:ln>
+            <a:noFill/>
+          </a:ln>
+          <a:effectLst/>
+        </p:spPr>
+        <p:txBody>
+          <a:bodyPr wrap="square">
+            <a:spAutoFit/>
+          </a:bodyPr>
+          <a:lstStyle/>
+          <a:p>
+            <a:pPr algn="l"/>
+            <a:r>
+              <a:rPr sz="1200" b="0">
+                <a:solidFill>
+                  <a:srgbClr val="404040"/>
+                </a:solidFill>
+                <a:latin typeface="Arial"/>
+              </a:rPr>
+              <a:t>Financial projections chart will be displayed when data is available.</a:t>
+            </a:r>
+          </a:p>
+        </p:txBody>
+      </p:sp>
+      <p:sp>
+        <p:nvSpPr>
+          <p:cNvPr id="17" name="TextBox 16"/>
+          <p:cNvSpPr txBox="1"/>
+          <p:nvPr/>
+        </p:nvSpPr>
+        <p:spPr>
+          <a:xfrm>
+            <a:off x="457200" y="4023360"/>
+            <a:ext cx="11430000" cy="274320"/>
+          </a:xfrm>
+          <a:prstGeom prst="rect">
+            <a:avLst/>
+          </a:prstGeom>
+          <a:noFill/>
+          <a:ln>
+            <a:noFill/>
+          </a:ln>
+          <a:effectLst/>
+        </p:spPr>
+        <p:txBody>
+          <a:bodyPr wrap="square">
+            <a:spAutoFit/>
+          </a:bodyPr>
+          <a:lstStyle/>
+          <a:p>
+            <a:pPr algn="l"/>
+            <a:r>
+              <a:rPr sz="1400" b="1">
+                <a:solidFill>
+                  <a:srgbClr val="183A58"/>
+                </a:solidFill>
+                <a:latin typeface="Arial"/>
+              </a:rPr>
+              <a:t>Key Planning Assumptions</a:t>
+            </a:r>
+          </a:p>
+        </p:txBody>
+      </p:sp>
+      <p:sp>
+        <p:nvSpPr>
+          <p:cNvPr id="18" name="Oval 17"/>
+          <p:cNvSpPr/>
+          <p:nvPr/>
+        </p:nvSpPr>
+        <p:spPr>
+          <a:xfrm>
+            <a:off x="640080" y="4389120"/>
+            <a:ext cx="45720" cy="45720"/>
+          </a:xfrm>
+          <a:prstGeom prst="ellipse">
+            <a:avLst/>
+          </a:prstGeom>
+          <a:solidFill>
+            <a:srgbClr val="B5975B"/>
+          </a:solidFill>
+          <a:ln>
+            <a:noFill/>
+          </a:ln>
+        </p:spPr>
+        <p:style>
+          <a:lnRef idx="1">
+            <a:schemeClr val="accent1"/>
+          </a:lnRef>
+          <a:fillRef idx="3">
+            <a:schemeClr val="accent1"/>
+          </a:fillRef>
+          <a:effectRef idx="2">
+            <a:schemeClr val="accent1"/>
+          </a:effectRef>
+          <a:fontRef idx="minor">
+            <a:schemeClr val="lt1"/>
+          </a:fontRef>
+        </p:style>
+        <p:txBody>
+          <a:bodyPr rtlCol="0" anchor="ctr"/>
+          <a:lstStyle/>
+          <a:p>
+            <a:pPr algn="ctr"/>
+          </a:p>
+        </p:txBody>
+      </p:sp>
+      <p:sp>
+        <p:nvSpPr>
+          <p:cNvPr id="19" name="TextBox 18"/>
+          <p:cNvSpPr txBox="1"/>
+          <p:nvPr/>
+        </p:nvSpPr>
+        <p:spPr>
+          <a:xfrm>
+            <a:off x="777240" y="4343400"/>
+            <a:ext cx="5303520" cy="228600"/>
+          </a:xfrm>
+          <a:prstGeom prst="rect">
+            <a:avLst/>
+          </a:prstGeom>
+          <a:noFill/>
+          <a:ln>
+            <a:noFill/>
+          </a:ln>
+          <a:effectLst/>
+        </p:spPr>
+        <p:txBody>
+          <a:bodyPr wrap="square">
+            <a:spAutoFit/>
+          </a:bodyPr>
+          <a:lstStyle/>
+          <a:p>
+            <a:pPr algn="l"/>
+            <a:r>
+              <a:rPr sz="900" b="0">
+                <a:solidFill>
+                  <a:srgbClr val="404040"/>
+                </a:solidFill>
+                <a:latin typeface="Arial"/>
+              </a:rPr>
+              <a:t>Market growth projections and economic indicators</a:t>
+            </a:r>
+          </a:p>
+        </p:txBody>
+      </p:sp>
+      <p:sp>
+        <p:nvSpPr>
+          <p:cNvPr id="20" name="Oval 19"/>
+          <p:cNvSpPr/>
+          <p:nvPr/>
+        </p:nvSpPr>
+        <p:spPr>
+          <a:xfrm>
+            <a:off x="640080" y="4663440"/>
+            <a:ext cx="45720" cy="45720"/>
+          </a:xfrm>
+          <a:prstGeom prst="ellipse">
+            <a:avLst/>
+          </a:prstGeom>
+          <a:solidFill>
+            <a:srgbClr val="B5975B"/>
+          </a:solidFill>
+          <a:ln>
+            <a:noFill/>
+          </a:ln>
+        </p:spPr>
+        <p:style>
+          <a:lnRef idx="1">
+            <a:schemeClr val="accent1"/>
+          </a:lnRef>
+          <a:fillRef idx="3">
+            <a:schemeClr val="accent1"/>
+          </a:fillRef>
+          <a:effectRef idx="2">
+            <a:schemeClr val="accent1"/>
+          </a:effectRef>
+          <a:fontRef idx="minor">
+            <a:schemeClr val="lt1"/>
+          </a:fontRef>
+        </p:style>
+        <p:txBody>
+          <a:bodyPr rtlCol="0" anchor="ctr"/>
+          <a:lstStyle/>
+          <a:p>
+            <a:pPr algn="ctr"/>
+          </a:p>
+        </p:txBody>
+      </p:sp>
+      <p:sp>
+        <p:nvSpPr>
+          <p:cNvPr id="21" name="TextBox 20"/>
+          <p:cNvSpPr txBox="1"/>
+          <p:nvPr/>
+        </p:nvSpPr>
+        <p:spPr>
+          <a:xfrm>
+            <a:off x="777240" y="4617720"/>
+            <a:ext cx="5303520" cy="228600"/>
+          </a:xfrm>
+          <a:prstGeom prst="rect">
+            <a:avLst/>
+          </a:prstGeom>
+          <a:noFill/>
+          <a:ln>
+            <a:noFill/>
+          </a:ln>
+          <a:effectLst/>
+        </p:spPr>
+        <p:txBody>
+          <a:bodyPr wrap="square">
+            <a:spAutoFit/>
+          </a:bodyPr>
+          <a:lstStyle/>
+          <a:p>
+            <a:pPr algn="l"/>
+            <a:r>
+              <a:rPr sz="900" b="0">
+                <a:solidFill>
+                  <a:srgbClr val="404040"/>
+                </a:solidFill>
+                <a:latin typeface="Arial"/>
+              </a:rPr>
+              <a:t>Regulatory environment and compliance requirements</a:t>
+            </a:r>
+          </a:p>
+        </p:txBody>
+      </p:sp>
+      <p:sp>
+        <p:nvSpPr>
+          <p:cNvPr id="22" name="Oval 21"/>
+          <p:cNvSpPr/>
+          <p:nvPr/>
+        </p:nvSpPr>
+        <p:spPr>
+          <a:xfrm>
+            <a:off x="640080" y="4937759"/>
+            <a:ext cx="45720" cy="45720"/>
+          </a:xfrm>
+          <a:prstGeom prst="ellipse">
+            <a:avLst/>
+          </a:prstGeom>
+          <a:solidFill>
+            <a:srgbClr val="B5975B"/>
+          </a:solidFill>
+          <a:ln>
+            <a:noFill/>
+          </a:ln>
+        </p:spPr>
+        <p:style>
+          <a:lnRef idx="1">
+            <a:schemeClr val="accent1"/>
+          </a:lnRef>
+          <a:fillRef idx="3">
+            <a:schemeClr val="accent1"/>
+          </a:fillRef>
+          <a:effectRef idx="2">
+            <a:schemeClr val="accent1"/>
+          </a:effectRef>
+          <a:fontRef idx="minor">
+            <a:schemeClr val="lt1"/>
+          </a:fontRef>
+        </p:style>
+        <p:txBody>
+          <a:bodyPr rtlCol="0" anchor="ctr"/>
+          <a:lstStyle/>
+          <a:p>
+            <a:pPr algn="ctr"/>
+          </a:p>
+        </p:txBody>
+      </p:sp>
+      <p:sp>
+        <p:nvSpPr>
+          <p:cNvPr id="23" name="TextBox 22"/>
+          <p:cNvSpPr txBox="1"/>
+          <p:nvPr/>
+        </p:nvSpPr>
+        <p:spPr>
+          <a:xfrm>
+            <a:off x="777240" y="4892039"/>
+            <a:ext cx="5303520" cy="228600"/>
+          </a:xfrm>
+          <a:prstGeom prst="rect">
+            <a:avLst/>
+          </a:prstGeom>
+          <a:noFill/>
+          <a:ln>
+            <a:noFill/>
+          </a:ln>
+          <a:effectLst/>
+        </p:spPr>
+        <p:txBody>
+          <a:bodyPr wrap="square">
+            <a:spAutoFit/>
+          </a:bodyPr>
+          <a:lstStyle/>
+          <a:p>
+            <a:pPr algn="l"/>
+            <a:r>
+              <a:rPr sz="900" b="0">
+                <a:solidFill>
+                  <a:srgbClr val="404040"/>
+                </a:solidFill>
+                <a:latin typeface="Arial"/>
+              </a:rPr>
+              <a:t>Technology adoption and digital transformation ROI</a:t>
+            </a:r>
+          </a:p>
+        </p:txBody>
+      </p:sp>
+      <p:sp>
+        <p:nvSpPr>
+          <p:cNvPr id="24" name="Oval 23"/>
+          <p:cNvSpPr/>
+          <p:nvPr/>
+        </p:nvSpPr>
+        <p:spPr>
+          <a:xfrm>
+            <a:off x="6583680" y="4389120"/>
+            <a:ext cx="45720" cy="45720"/>
+          </a:xfrm>
+          <a:prstGeom prst="ellipse">
+            <a:avLst/>
+          </a:prstGeom>
+          <a:solidFill>
+            <a:srgbClr val="B5975B"/>
+          </a:solidFill>
+          <a:ln>
+            <a:noFill/>
+          </a:ln>
+        </p:spPr>
+        <p:style>
+          <a:lnRef idx="1">
+            <a:schemeClr val="accent1"/>
+          </a:lnRef>
+          <a:fillRef idx="3">
+            <a:schemeClr val="accent1"/>
+          </a:fillRef>
+          <a:effectRef idx="2">
+            <a:schemeClr val="accent1"/>
+          </a:effectRef>
+          <a:fontRef idx="minor">
+            <a:schemeClr val="lt1"/>
+          </a:fontRef>
+        </p:style>
+        <p:txBody>
+          <a:bodyPr rtlCol="0" anchor="ctr"/>
+          <a:lstStyle/>
+          <a:p>
+            <a:pPr algn="ctr"/>
+          </a:p>
+        </p:txBody>
+      </p:sp>
+      <p:sp>
+        <p:nvSpPr>
+          <p:cNvPr id="25" name="TextBox 24"/>
+          <p:cNvSpPr txBox="1"/>
+          <p:nvPr/>
+        </p:nvSpPr>
+        <p:spPr>
+          <a:xfrm>
+            <a:off x="6720840" y="4343400"/>
+            <a:ext cx="5303520" cy="228600"/>
+          </a:xfrm>
+          <a:prstGeom prst="rect">
+            <a:avLst/>
+          </a:prstGeom>
+          <a:noFill/>
+          <a:ln>
+            <a:noFill/>
+          </a:ln>
+          <a:effectLst/>
+        </p:spPr>
+        <p:txBody>
+          <a:bodyPr wrap="square">
+            <a:spAutoFit/>
+          </a:bodyPr>
+          <a:lstStyle/>
+          <a:p>
+            <a:pPr algn="l"/>
+            <a:r>
+              <a:rPr sz="900" b="0">
+                <a:solidFill>
+                  <a:srgbClr val="404040"/>
+                </a:solidFill>
+                <a:latin typeface="Arial"/>
+              </a:rPr>
+              <a:t>Capital allocation and investment priorities</a:t>
+            </a:r>
+          </a:p>
+        </p:txBody>
+      </p:sp>
+      <p:sp>
+        <p:nvSpPr>
+          <p:cNvPr id="26" name="Oval 25"/>
+          <p:cNvSpPr/>
+          <p:nvPr/>
+        </p:nvSpPr>
+        <p:spPr>
+          <a:xfrm>
+            <a:off x="6583680" y="4663440"/>
+            <a:ext cx="45720" cy="45720"/>
+          </a:xfrm>
+          <a:prstGeom prst="ellipse">
+            <a:avLst/>
+          </a:prstGeom>
+          <a:solidFill>
+            <a:srgbClr val="B5975B"/>
+          </a:solidFill>
+          <a:ln>
+            <a:noFill/>
+          </a:ln>
+        </p:spPr>
+        <p:style>
+          <a:lnRef idx="1">
+            <a:schemeClr val="accent1"/>
+          </a:lnRef>
+          <a:fillRef idx="3">
+            <a:schemeClr val="accent1"/>
+          </a:fillRef>
+          <a:effectRef idx="2">
+            <a:schemeClr val="accent1"/>
+          </a:effectRef>
+          <a:fontRef idx="minor">
+            <a:schemeClr val="lt1"/>
+          </a:fontRef>
+        </p:style>
+        <p:txBody>
+          <a:bodyPr rtlCol="0" anchor="ctr"/>
+          <a:lstStyle/>
+          <a:p>
+            <a:pPr algn="ctr"/>
+          </a:p>
+        </p:txBody>
+      </p:sp>
+      <p:sp>
+        <p:nvSpPr>
+          <p:cNvPr id="27" name="TextBox 26"/>
+          <p:cNvSpPr txBox="1"/>
+          <p:nvPr/>
+        </p:nvSpPr>
+        <p:spPr>
+          <a:xfrm>
+            <a:off x="6720840" y="4617720"/>
+            <a:ext cx="5303520" cy="228600"/>
+          </a:xfrm>
+          <a:prstGeom prst="rect">
+            <a:avLst/>
+          </a:prstGeom>
+          <a:noFill/>
+          <a:ln>
+            <a:noFill/>
+          </a:ln>
+          <a:effectLst/>
+        </p:spPr>
+        <p:txBody>
+          <a:bodyPr wrap="square">
+            <a:spAutoFit/>
+          </a:bodyPr>
+          <a:lstStyle/>
+          <a:p>
+            <a:pPr algn="l"/>
+            <a:r>
+              <a:rPr sz="900" b="0">
+                <a:solidFill>
+                  <a:srgbClr val="404040"/>
+                </a:solidFill>
+                <a:latin typeface="Arial"/>
+              </a:rPr>
+              <a:t>ESG commitments and sustainability targets</a:t>
+            </a:r>
+          </a:p>
+        </p:txBody>
+      </p:sp>
+      <p:sp>
+        <p:nvSpPr>
+          <p:cNvPr id="28" name="Oval 27"/>
+          <p:cNvSpPr/>
+          <p:nvPr/>
+        </p:nvSpPr>
+        <p:spPr>
+          <a:xfrm>
+            <a:off x="6583680" y="4937759"/>
+            <a:ext cx="45720" cy="45720"/>
+          </a:xfrm>
+          <a:prstGeom prst="ellipse">
+            <a:avLst/>
+          </a:prstGeom>
+          <a:solidFill>
+            <a:srgbClr val="B5975B"/>
+          </a:solidFill>
+          <a:ln>
+            <a:noFill/>
+          </a:ln>
+        </p:spPr>
+        <p:style>
+          <a:lnRef idx="1">
+            <a:schemeClr val="accent1"/>
+          </a:lnRef>
+          <a:fillRef idx="3">
+            <a:schemeClr val="accent1"/>
+          </a:fillRef>
+          <a:effectRef idx="2">
+            <a:schemeClr val="accent1"/>
+          </a:effectRef>
+          <a:fontRef idx="minor">
+            <a:schemeClr val="lt1"/>
+          </a:fontRef>
+        </p:style>
+        <p:txBody>
+          <a:bodyPr rtlCol="0" anchor="ctr"/>
+          <a:lstStyle/>
+          <a:p>
+            <a:pPr algn="ctr"/>
+          </a:p>
+        </p:txBody>
+      </p:sp>
+      <p:sp>
+        <p:nvSpPr>
+          <p:cNvPr id="29" name="TextBox 28"/>
+          <p:cNvSpPr txBox="1"/>
+          <p:nvPr/>
+        </p:nvSpPr>
+        <p:spPr>
+          <a:xfrm>
+            <a:off x="6720840" y="4892039"/>
+            <a:ext cx="5303520" cy="228600"/>
+          </a:xfrm>
+          <a:prstGeom prst="rect">
+            <a:avLst/>
+          </a:prstGeom>
+          <a:noFill/>
+          <a:ln>
+            <a:noFill/>
+          </a:ln>
+          <a:effectLst/>
+        </p:spPr>
+        <p:txBody>
+          <a:bodyPr wrap="square">
+            <a:spAutoFit/>
+          </a:bodyPr>
+          <a:lstStyle/>
+          <a:p>
+            <a:pPr algn="l"/>
+            <a:r>
+              <a:rPr sz="900" b="0">
+                <a:solidFill>
+                  <a:srgbClr val="404040"/>
+                </a:solidFill>
+                <a:latin typeface="Arial"/>
+              </a:rPr>
+              <a:t>Competitive positioning and market dynamics</a:t>
+            </a:r>
+          </a:p>
+        </p:txBody>
+      </p:sp>
+      <p:sp>
+        <p:nvSpPr>
+          <p:cNvPr id="30" name="TextBox 29"/>
+          <p:cNvSpPr txBox="1"/>
+          <p:nvPr/>
+        </p:nvSpPr>
+        <p:spPr>
+          <a:xfrm>
+            <a:off x="457200" y="6400800"/>
+            <a:ext cx="5486400" cy="365760"/>
+          </a:xfrm>
+          <a:prstGeom prst="rect">
+            <a:avLst/>
+          </a:prstGeom>
+          <a:noFill/>
+        </p:spPr>
+        <p:txBody>
+          <a:bodyPr wrap="none" anchor="ctr">
+            <a:spAutoFit/>
+          </a:bodyPr>
+          <a:lstStyle/>
+          <a:p>
+            <a:pPr algn="l">
+              <a:defRPr sz="900">
+                <a:solidFill>
+                  <a:srgbClr val="808080"/>
+                </a:solidFill>
+                <a:latin typeface="Arial"/>
+              </a:defRPr>
+            </a:pPr>
+            <a:r>
+              <a:t>Confidential | September 11, 2025</a:t>
+            </a:r>
+          </a:p>
+        </p:txBody>
+      </p:sp>
+      <p:sp>
+        <p:nvSpPr>
+          <p:cNvPr id="31" name="TextBox 30"/>
+          <p:cNvSpPr txBox="1"/>
+          <p:nvPr/>
+        </p:nvSpPr>
+        <p:spPr>
+          <a:xfrm>
+            <a:off x="9144000" y="6400800"/>
+            <a:ext cx="2743200" cy="365760"/>
+          </a:xfrm>
+          <a:prstGeom prst="rect">
+            <a:avLst/>
+          </a:prstGeom>
+          <a:noFill/>
+        </p:spPr>
+        <p:txBody>
+          <a:bodyPr wrap="none" anchor="ctr">
+            <a:spAutoFit/>
+          </a:bodyPr>
+          <a:lstStyle/>
+          <a:p>
+            <a:pPr algn="r">
+              <a:defRPr sz="900">
+                <a:solidFill>
+                  <a:srgbClr val="808080"/>
+                </a:solidFill>
+                <a:latin typeface="Arial"/>
+              </a:defRPr>
+            </a:pPr>
+            <a:r>
+              <a:t>TechCorp Solutions</a:t>
+            </a:r>
+          </a:p>
+        </p:txBody>
+      </p:sp>
+    </p:spTree>
+  </p:cSld>
+  <p:clrMapOvr>
+    <a:masterClrMapping/>
+  </p:clrMapOvr>
+</p:sld>
+</file>
+
+<file path=ppt/slides/slide7.xml><?xml version="1.0" encoding="utf-8"?>
 <p:sld xmlns:a="http://schemas.openxmlformats.org/drawingml/2006/main" xmlns:p="http://schemas.openxmlformats.org/presentationml/2006/main" xmlns:r="http://schemas.openxmlformats.org/officeDocument/2006/relationships">
   <p:cSld>
     <p:bg>
@@ -12782,7 +11826,7 @@
 </p:sld>
 </file>
 
-<file path=ppt/slides/slide7.xml><?xml version="1.0" encoding="utf-8"?>
+<file path=ppt/slides/slide8.xml><?xml version="1.0" encoding="utf-8"?>
 <p:sld xmlns:a="http://schemas.openxmlformats.org/drawingml/2006/main" xmlns:p="http://schemas.openxmlformats.org/presentationml/2006/main" xmlns:r="http://schemas.openxmlformats.org/officeDocument/2006/relationships">
   <p:cSld>
     <p:spTree>
@@ -12830,7 +11874,7 @@
 </p:sld>
 </file>
 
-<file path=ppt/slides/slide8.xml><?xml version="1.0" encoding="utf-8"?>
+<file path=ppt/slides/slide9.xml><?xml version="1.0" encoding="utf-8"?>
 <p:sld xmlns:a="http://schemas.openxmlformats.org/drawingml/2006/main" xmlns:p="http://schemas.openxmlformats.org/presentationml/2006/main" xmlns:r="http://schemas.openxmlformats.org/officeDocument/2006/relationships">
   <p:cSld>
     <p:spTree>
@@ -14113,174 +13157,6 @@
 </p:sld>
 </file>
 
-<file path=ppt/slides/slide9.xml><?xml version="1.0" encoding="utf-8"?>
-<p:sld xmlns:a="http://schemas.openxmlformats.org/drawingml/2006/main" xmlns:p="http://schemas.openxmlformats.org/presentationml/2006/main" xmlns:r="http://schemas.openxmlformats.org/officeDocument/2006/relationships">
-  <p:cSld>
-    <p:spTree>
-      <p:nvGrpSpPr>
-        <p:cNvPr id="1" name=""/>
-        <p:cNvGrpSpPr/>
-        <p:nvPr/>
-      </p:nvGrpSpPr>
-      <p:grpSpPr/>
-      <p:sp>
-        <p:nvSpPr>
-          <p:cNvPr id="2" name="TextBox 1"/>
-          <p:cNvSpPr txBox="1"/>
-          <p:nvPr/>
-        </p:nvSpPr>
-        <p:spPr>
-          <a:xfrm>
-            <a:off x="457200" y="274320"/>
-            <a:ext cx="11277295" cy="731520"/>
-          </a:xfrm>
-          <a:prstGeom prst="rect">
-            <a:avLst/>
-          </a:prstGeom>
-          <a:noFill/>
-        </p:spPr>
-        <p:txBody>
-          <a:bodyPr wrap="none" lIns="0" tIns="0" rIns="0" bIns="0">
-            <a:spAutoFit/>
-          </a:bodyPr>
-          <a:lstStyle/>
-          <a:p>
-            <a:pPr algn="l"/>
-            <a:r>
-              <a:rPr sz="2400" b="1">
-                <a:solidFill>
-                  <a:srgbClr val="183A58"/>
-                </a:solidFill>
-                <a:latin typeface="Arial"/>
-              </a:rPr>
-              <a:t>Valuation Overview</a:t>
-            </a:r>
-          </a:p>
-        </p:txBody>
-      </p:sp>
-      <p:sp>
-        <p:nvSpPr>
-          <p:cNvPr id="3" name="Rectangle 2"/>
-          <p:cNvSpPr/>
-          <p:nvPr/>
-        </p:nvSpPr>
-        <p:spPr>
-          <a:xfrm>
-            <a:off x="457200" y="914400"/>
-            <a:ext cx="11277295" cy="45720"/>
-          </a:xfrm>
-          <a:prstGeom prst="rect">
-            <a:avLst/>
-          </a:prstGeom>
-          <a:solidFill>
-            <a:srgbClr val="183A58"/>
-          </a:solidFill>
-          <a:ln>
-            <a:noFill/>
-          </a:ln>
-        </p:spPr>
-        <p:style>
-          <a:lnRef idx="1">
-            <a:schemeClr val="accent1"/>
-          </a:lnRef>
-          <a:fillRef idx="3">
-            <a:schemeClr val="accent1"/>
-          </a:fillRef>
-          <a:effectRef idx="2">
-            <a:schemeClr val="accent1"/>
-          </a:effectRef>
-          <a:fontRef idx="minor">
-            <a:schemeClr val="lt1"/>
-          </a:fontRef>
-        </p:style>
-        <p:txBody>
-          <a:bodyPr rtlCol="0" anchor="ctr"/>
-          <a:lstStyle/>
-          <a:p>
-            <a:pPr algn="ctr"/>
-          </a:p>
-        </p:txBody>
-      </p:sp>
-      <p:sp>
-        <p:nvSpPr>
-          <p:cNvPr id="4" name="TextBox 3"/>
-          <p:cNvSpPr txBox="1"/>
-          <p:nvPr/>
-        </p:nvSpPr>
-        <p:spPr>
-          <a:xfrm>
-            <a:off x="914400" y="1280160"/>
-            <a:ext cx="10058400" cy="274320"/>
-          </a:xfrm>
-          <a:prstGeom prst="rect">
-            <a:avLst/>
-          </a:prstGeom>
-          <a:noFill/>
-        </p:spPr>
-        <p:txBody>
-          <a:bodyPr wrap="none">
-            <a:spAutoFit/>
-          </a:bodyPr>
-          <a:lstStyle/>
-          <a:p>
-            <a:pPr algn="ctr">
-              <a:defRPr sz="1400" b="1">
-                <a:solidFill>
-                  <a:srgbClr val="183A58"/>
-                </a:solidFill>
-                <a:latin typeface="Arial"/>
-              </a:defRPr>
-            </a:pPr>
-            <a:r>
-              <a:t>Implied EV/Post IRFS-16 EBITDA</a:t>
-            </a:r>
-          </a:p>
-        </p:txBody>
-      </p:sp>
-      <p:sp>
-        <p:nvSpPr>
-          <p:cNvPr id="5" name="TextBox 4"/>
-          <p:cNvSpPr txBox="1"/>
-          <p:nvPr/>
-        </p:nvSpPr>
-        <p:spPr>
-          <a:xfrm>
-            <a:off x="1828800" y="2286000"/>
-            <a:ext cx="8229600" cy="914400"/>
-          </a:xfrm>
-          <a:prstGeom prst="rect">
-            <a:avLst/>
-          </a:prstGeom>
-          <a:noFill/>
-        </p:spPr>
-        <p:txBody>
-          <a:bodyPr wrap="none">
-            <a:spAutoFit/>
-          </a:bodyPr>
-          <a:lstStyle/>
-          <a:p>
-            <a:pPr algn="ctr">
-              <a:defRPr sz="1400">
-                <a:solidFill>
-                  <a:srgbClr val="404040"/>
-                </a:solidFill>
-                <a:latin typeface="Arial"/>
-              </a:defRPr>
-            </a:pPr>
-            <a:r>
-              <a:t>Valuation data will be displayed here when available.</a:t>
-            </a:r>
-          </a:p>
-        </p:txBody>
-      </p:sp>
-    </p:spTree>
-  </p:cSld>
-  <p:clrMapOvr>
-    <a:masterClrMapping/>
-  </p:clrMapOvr>
-</p:sld>
-</file>
-
 <file path=ppt/theme/theme1.xml><?xml version="1.0" encoding="utf-8"?>
 <a:theme xmlns:a="http://schemas.openxmlformats.org/drawingml/2006/main" name="Office Theme">
   <a:themeElements>

--- a/output_presentation.pptx
+++ b/output_presentation.pptx
@@ -20,7 +20,6 @@
     <p:sldId id="268" r:id="rId19"/>
     <p:sldId id="269" r:id="rId20"/>
     <p:sldId id="270" r:id="rId21"/>
-    <p:sldId id="271" r:id="rId22"/>
   </p:sldIdLst>
   <p:sldSz cx="12191695" cy="6858000" type="screen4x3"/>
   <p:notesSz cx="6858000" cy="9144000"/>
@@ -433,6 +432,221 @@
 </c:chartSpace>
 </file>
 
+<file path=ppt/charts/chart2.xml><?xml version="1.0" encoding="utf-8"?>
+<c:chartSpace xmlns:c="http://schemas.openxmlformats.org/drawingml/2006/chart" xmlns:a="http://schemas.openxmlformats.org/drawingml/2006/main" xmlns:r="http://schemas.openxmlformats.org/officeDocument/2006/relationships">
+  <c:date1904 val="0"/>
+  <c:chart>
+    <c:title>
+      <c:tx>
+        <c:rich>
+          <a:bodyPr/>
+          <a:lstStyle/>
+          <a:p>
+            <a:pPr>
+              <a:defRPr/>
+            </a:pPr>
+          </a:p>
+        </c:rich>
+      </c:tx>
+      <c:layout/>
+      <c:overlay val="0"/>
+    </c:title>
+    <c:autoTitleDeleted val="0"/>
+    <c:plotArea>
+      <c:barChart>
+        <c:barDir val="col"/>
+        <c:grouping val="clustered"/>
+        <c:ser>
+          <c:idx val="0"/>
+          <c:order val="0"/>
+          <c:tx>
+            <c:strRef>
+              <c:f>Sheet1!$B$1</c:f>
+              <c:strCache>
+                <c:ptCount val="1"/>
+                <c:pt idx="0">
+                  <c:v>Revenue ($M)</c:v>
+                </c:pt>
+              </c:strCache>
+            </c:strRef>
+          </c:tx>
+          <c:dPt>
+            <c:idx val="0"/>
+            <c:spPr>
+              <a:solidFill>
+                <a:srgbClr val="B5975B"/>
+              </a:solidFill>
+            </c:spPr>
+          </c:dPt>
+          <c:dPt>
+            <c:idx val="1"/>
+            <c:spPr>
+              <a:solidFill>
+                <a:srgbClr val="183A58"/>
+              </a:solidFill>
+            </c:spPr>
+          </c:dPt>
+          <c:dPt>
+            <c:idx val="2"/>
+            <c:spPr>
+              <a:solidFill>
+                <a:srgbClr val="183A58"/>
+              </a:solidFill>
+            </c:spPr>
+          </c:dPt>
+          <c:dPt>
+            <c:idx val="3"/>
+            <c:spPr>
+              <a:solidFill>
+                <a:srgbClr val="183A58"/>
+              </a:solidFill>
+            </c:spPr>
+          </c:dPt>
+          <c:dPt>
+            <c:idx val="4"/>
+            <c:spPr>
+              <a:solidFill>
+                <a:srgbClr val="183A58"/>
+              </a:solidFill>
+            </c:spPr>
+          </c:dPt>
+          <c:dPt>
+            <c:idx val="5"/>
+            <c:spPr>
+              <a:solidFill>
+                <a:srgbClr val="183A58"/>
+              </a:solidFill>
+            </c:spPr>
+          </c:dPt>
+          <c:cat>
+            <c:strRef>
+              <c:f>Sheet1!$A$2:$A$7</c:f>
+              <c:strCache>
+                <c:ptCount val="6"/>
+                <c:pt idx="0">
+                  <c:v>UiPath</c:v>
+                </c:pt>
+                <c:pt idx="1">
+                  <c:v>Automation Anywhere</c:v>
+                </c:pt>
+                <c:pt idx="2">
+                  <c:v>Blue Prism</c:v>
+                </c:pt>
+                <c:pt idx="3">
+                  <c:v>Softomotive (Microsoft)</c:v>
+                </c:pt>
+                <c:pt idx="4">
+                  <c:v>Alphamoon</c:v>
+                </c:pt>
+                <c:pt idx="5">
+                  <c:v>Cognitev</c:v>
+                </c:pt>
+              </c:strCache>
+            </c:strRef>
+          </c:cat>
+          <c:val>
+            <c:numRef>
+              <c:f>Sheet1!$B$2:$B$7</c:f>
+              <c:numCache>
+                <c:formatCode>General</c:formatCode>
+                <c:ptCount val="6"/>
+                <c:pt idx="0">
+                  <c:v>1200.0</c:v>
+                </c:pt>
+                <c:pt idx="1">
+                  <c:v>600.0</c:v>
+                </c:pt>
+                <c:pt idx="2">
+                  <c:v>250.0</c:v>
+                </c:pt>
+                <c:pt idx="3">
+                  <c:v>100.0</c:v>
+                </c:pt>
+                <c:pt idx="4">
+                  <c:v>15.0</c:v>
+                </c:pt>
+                <c:pt idx="5">
+                  <c:v>8.0</c:v>
+                </c:pt>
+              </c:numCache>
+            </c:numRef>
+          </c:val>
+        </c:ser>
+        <c:axId val="-2068027336"/>
+        <c:axId val="-2113994440"/>
+      </c:barChart>
+      <c:catAx>
+        <c:axId val="-2068027336"/>
+        <c:scaling>
+          <c:orientation val="minMax"/>
+        </c:scaling>
+        <c:delete val="0"/>
+        <c:axPos val="b"/>
+        <c:majorTickMark val="out"/>
+        <c:minorTickMark val="none"/>
+        <c:tickLblPos val="nextTo"/>
+        <c:txPr>
+          <a:bodyPr/>
+          <a:lstStyle/>
+          <a:p>
+            <a:pPr>
+              <a:defRPr sz="900">
+                <a:latin typeface="Arial"/>
+              </a:defRPr>
+            </a:pPr>
+          </a:p>
+        </c:txPr>
+        <c:crossAx val="-2113994440"/>
+        <c:crosses val="autoZero"/>
+        <c:auto val="1"/>
+        <c:lblAlgn val="ctr"/>
+        <c:lblOffset val="100"/>
+        <c:noMultiLvlLbl val="0"/>
+      </c:catAx>
+      <c:valAx>
+        <c:axId val="-2113994440"/>
+        <c:scaling>
+          <c:max val="1440.0"/>
+        </c:scaling>
+        <c:delete val="0"/>
+        <c:axPos val="l"/>
+        <c:majorGridlines/>
+        <c:majorTickMark val="out"/>
+        <c:minorTickMark val="none"/>
+        <c:tickLblPos val="nextTo"/>
+        <c:txPr>
+          <a:bodyPr/>
+          <a:lstStyle/>
+          <a:p>
+            <a:pPr>
+              <a:defRPr sz="900">
+                <a:latin typeface="Arial"/>
+              </a:defRPr>
+            </a:pPr>
+          </a:p>
+        </c:txPr>
+        <c:crossAx val="-2068027336"/>
+        <c:crosses val="autoZero"/>
+      </c:valAx>
+    </c:plotArea>
+    <c:dispBlanksAs val="gap"/>
+  </c:chart>
+  <c:txPr>
+    <a:bodyPr/>
+    <a:lstStyle/>
+    <a:p>
+      <a:pPr>
+        <a:defRPr sz="1800"/>
+      </a:pPr>
+      <a:endParaRPr lang="en-US"/>
+    </a:p>
+  </c:txPr>
+  <c:externalData r:id="rId1">
+    <c:autoUpdate val="0"/>
+  </c:externalData>
+</c:chartSpace>
+</file>
+
 <file path=ppt/slideLayouts/slideLayout1.xml><?xml version="1.0" encoding="utf-8"?>
 <p:sldLayout xmlns:a="http://schemas.openxmlformats.org/drawingml/2006/main" xmlns:r="http://schemas.openxmlformats.org/officeDocument/2006/relationships" xmlns:p="http://schemas.openxmlformats.org/presentationml/2006/main" type="title" preserve="1">
   <p:cSld name="Title Slide">
@@ -4116,13 +4330,52 @@
       </p:sp>
       <p:sp>
         <p:nvSpPr>
-          <p:cNvPr id="19" name="Oval 18"/>
+          <p:cNvPr id="19" name="TextBox 18"/>
+          <p:cNvSpPr txBox="1"/>
+          <p:nvPr/>
+        </p:nvSpPr>
+        <p:spPr>
+          <a:xfrm>
+            <a:off x="731520" y="2743200"/>
+            <a:ext cx="5943600" cy="274320"/>
+          </a:xfrm>
+          <a:prstGeom prst="rect">
+            <a:avLst/>
+          </a:prstGeom>
+          <a:noFill/>
+          <a:ln>
+            <a:noFill/>
+          </a:ln>
+          <a:effectLst/>
+        </p:spPr>
+        <p:txBody>
+          <a:bodyPr wrap="square">
+            <a:spAutoFit/>
+          </a:bodyPr>
+          <a:lstStyle/>
+          <a:p>
+            <a:pPr algn="l"/>
+            <a:r>
+              <a:rPr sz="1200" b="1">
+                <a:solidFill>
+                  <a:srgbClr val="183A58"/>
+                </a:solidFill>
+                <a:latin typeface="Arial"/>
+              </a:rPr>
+              <a:t>Core Business Lines &amp; Capabilities</a:t>
+            </a:r>
+          </a:p>
+        </p:txBody>
+      </p:sp>
+      <p:sp>
+        <p:nvSpPr>
+          <p:cNvPr id="20" name="Oval 19"/>
           <p:cNvSpPr/>
           <p:nvPr/>
         </p:nvSpPr>
         <p:spPr>
           <a:xfrm>
-            <a:off x="7589520" y="3319272"/>
+            <a:off x="822960" y="3182112"/>
             <a:ext cx="36576" cy="36576"/>
           </a:xfrm>
           <a:prstGeom prst="ellipse">
@@ -4159,14 +4412,14 @@
       </p:sp>
       <p:sp>
         <p:nvSpPr>
-          <p:cNvPr id="20" name="TextBox 19"/>
-          <p:cNvSpPr txBox="1"/>
-          <p:nvPr/>
-        </p:nvSpPr>
-        <p:spPr>
-          <a:xfrm>
-            <a:off x="7699248" y="3246120"/>
-            <a:ext cx="3886200" cy="502920"/>
+          <p:cNvPr id="21" name="TextBox 20"/>
+          <p:cNvSpPr txBox="1"/>
+          <p:nvPr/>
+        </p:nvSpPr>
+        <p:spPr>
+          <a:xfrm>
+            <a:off x="932688" y="3108960"/>
+            <a:ext cx="3200400" cy="411480"/>
           </a:xfrm>
           <a:prstGeom prst="rect">
             <a:avLst/>
@@ -4191,21 +4444,21 @@
                 </a:solidFill>
                 <a:latin typeface="Arial"/>
               </a:rPr>
-              <a:t>Strong growth trajectory</a:t>
-            </a:r>
-          </a:p>
-        </p:txBody>
-      </p:sp>
-      <p:sp>
-        <p:nvSpPr>
-          <p:cNvPr id="21" name="TextBox 20"/>
-          <p:cNvSpPr txBox="1"/>
-          <p:nvPr/>
-        </p:nvSpPr>
-        <p:spPr>
-          <a:xfrm>
-            <a:off x="731520" y="2743200"/>
-            <a:ext cx="5943600" cy="274320"/>
+              <a:t>AI-powered business automation solutions for SMEs</a:t>
+            </a:r>
+          </a:p>
+        </p:txBody>
+      </p:sp>
+      <p:sp>
+        <p:nvSpPr>
+          <p:cNvPr id="22" name="TextBox 21"/>
+          <p:cNvSpPr txBox="1"/>
+          <p:nvPr/>
+        </p:nvSpPr>
+        <p:spPr>
+          <a:xfrm>
+            <a:off x="731520" y="5303520"/>
+            <a:ext cx="6400800" cy="274320"/>
           </a:xfrm>
           <a:prstGeom prst="rect">
             <a:avLst/>
@@ -4230,51 +4483,8 @@
                 </a:solidFill>
                 <a:latin typeface="Arial"/>
               </a:rPr>
-              <a:t>Core Business Lines &amp; Capabilities</a:t>
-            </a:r>
-          </a:p>
-        </p:txBody>
-      </p:sp>
-      <p:sp>
-        <p:nvSpPr>
-          <p:cNvPr id="22" name="Oval 21"/>
-          <p:cNvSpPr/>
-          <p:nvPr/>
-        </p:nvSpPr>
-        <p:spPr>
-          <a:xfrm>
-            <a:off x="822960" y="3182112"/>
-            <a:ext cx="36576" cy="36576"/>
-          </a:xfrm>
-          <a:prstGeom prst="ellipse">
-            <a:avLst/>
-          </a:prstGeom>
-          <a:solidFill>
-            <a:srgbClr val="B5975B"/>
-          </a:solidFill>
-          <a:ln>
-            <a:noFill/>
-          </a:ln>
-        </p:spPr>
-        <p:style>
-          <a:lnRef idx="1">
-            <a:schemeClr val="accent1"/>
-          </a:lnRef>
-          <a:fillRef idx="3">
-            <a:schemeClr val="accent1"/>
-          </a:fillRef>
-          <a:effectRef idx="2">
-            <a:schemeClr val="accent1"/>
-          </a:effectRef>
-          <a:fontRef idx="minor">
-            <a:schemeClr val="lt1"/>
-          </a:fontRef>
-        </p:style>
-        <p:txBody>
-          <a:bodyPr rtlCol="0" anchor="ctr"/>
-          <a:lstStyle/>
-          <a:p>
-            <a:pPr algn="ctr"/>
+              <a:t>Strategic Market Positioning</a:t>
+            </a:r>
           </a:p>
         </p:txBody>
       </p:sp>
@@ -4286,8 +4496,8 @@
         </p:nvSpPr>
         <p:spPr>
           <a:xfrm>
-            <a:off x="932688" y="3108960"/>
-            <a:ext cx="3200400" cy="411480"/>
+            <a:off x="731520" y="5577840"/>
+            <a:ext cx="6400800" cy="731520"/>
           </a:xfrm>
           <a:prstGeom prst="rect">
             <a:avLst/>
@@ -4306,84 +4516,6 @@
           <a:p>
             <a:pPr algn="l"/>
             <a:r>
-              <a:rPr sz="900" b="0">
-                <a:solidFill>
-                  <a:srgbClr val="404040"/>
-                </a:solidFill>
-                <a:latin typeface="Arial"/>
-              </a:rPr>
-              <a:t>AI-powered business automation solutions for SMEs</a:t>
-            </a:r>
-          </a:p>
-        </p:txBody>
-      </p:sp>
-      <p:sp>
-        <p:nvSpPr>
-          <p:cNvPr id="24" name="TextBox 23"/>
-          <p:cNvSpPr txBox="1"/>
-          <p:nvPr/>
-        </p:nvSpPr>
-        <p:spPr>
-          <a:xfrm>
-            <a:off x="731520" y="5303520"/>
-            <a:ext cx="6400800" cy="274320"/>
-          </a:xfrm>
-          <a:prstGeom prst="rect">
-            <a:avLst/>
-          </a:prstGeom>
-          <a:noFill/>
-          <a:ln>
-            <a:noFill/>
-          </a:ln>
-          <a:effectLst/>
-        </p:spPr>
-        <p:txBody>
-          <a:bodyPr wrap="square">
-            <a:spAutoFit/>
-          </a:bodyPr>
-          <a:lstStyle/>
-          <a:p>
-            <a:pPr algn="l"/>
-            <a:r>
-              <a:rPr sz="1200" b="1">
-                <a:solidFill>
-                  <a:srgbClr val="183A58"/>
-                </a:solidFill>
-                <a:latin typeface="Arial"/>
-              </a:rPr>
-              <a:t>Strategic Market Positioning</a:t>
-            </a:r>
-          </a:p>
-        </p:txBody>
-      </p:sp>
-      <p:sp>
-        <p:nvSpPr>
-          <p:cNvPr id="25" name="TextBox 24"/>
-          <p:cNvSpPr txBox="1"/>
-          <p:nvPr/>
-        </p:nvSpPr>
-        <p:spPr>
-          <a:xfrm>
-            <a:off x="731520" y="5577840"/>
-            <a:ext cx="6400800" cy="731520"/>
-          </a:xfrm>
-          <a:prstGeom prst="rect">
-            <a:avLst/>
-          </a:prstGeom>
-          <a:noFill/>
-          <a:ln>
-            <a:noFill/>
-          </a:ln>
-          <a:effectLst/>
-        </p:spPr>
-        <p:txBody>
-          <a:bodyPr wrap="square">
-            <a:spAutoFit/>
-          </a:bodyPr>
-          <a:lstStyle/>
-          <a:p>
-            <a:pPr algn="l"/>
-            <a:r>
               <a:rPr sz="1000" b="0">
                 <a:solidFill>
                   <a:srgbClr val="404040"/>
@@ -4397,7 +4529,7 @@
       </p:sp>
       <p:sp>
         <p:nvSpPr>
-          <p:cNvPr id="26" name="TextBox 25"/>
+          <p:cNvPr id="24" name="TextBox 23"/>
           <p:cNvSpPr txBox="1"/>
           <p:nvPr/>
         </p:nvSpPr>
@@ -4432,7 +4564,7 @@
       </p:sp>
       <p:sp>
         <p:nvSpPr>
-          <p:cNvPr id="27" name="TextBox 26"/>
+          <p:cNvPr id="25" name="TextBox 24"/>
           <p:cNvSpPr txBox="1"/>
           <p:nvPr/>
         </p:nvSpPr>
@@ -4513,7 +4645,7 @@
                 </a:solidFill>
                 <a:latin typeface="Arial"/>
               </a:rPr>
-              <a:t>Valuation Overview</a:t>
+              <a:t>Investment Opportunity</a:t>
             </a:r>
           </a:p>
         </p:txBody>
@@ -4569,66 +4701,105 @@
         </p:nvSpPr>
         <p:spPr>
           <a:xfrm>
-            <a:off x="914400" y="1280160"/>
-            <a:ext cx="10058400" cy="274320"/>
-          </a:xfrm>
-          <a:prstGeom prst="rect">
-            <a:avLst/>
-          </a:prstGeom>
-          <a:noFill/>
-        </p:spPr>
-        <p:txBody>
-          <a:bodyPr wrap="none">
+            <a:off x="1828800" y="2743200"/>
+            <a:ext cx="8229600" cy="914400"/>
+          </a:xfrm>
+          <a:prstGeom prst="rect">
+            <a:avLst/>
+          </a:prstGeom>
+          <a:noFill/>
+          <a:ln>
+            <a:noFill/>
+          </a:ln>
+          <a:effectLst/>
+        </p:spPr>
+        <p:txBody>
+          <a:bodyPr wrap="square">
             <a:spAutoFit/>
           </a:bodyPr>
           <a:lstStyle/>
           <a:p>
-            <a:pPr algn="ctr">
-              <a:defRPr sz="1400" b="1">
-                <a:solidFill>
-                  <a:srgbClr val="183A58"/>
+            <a:pPr algn="ctr"/>
+            <a:r>
+              <a:rPr sz="1400" b="0">
+                <a:solidFill>
+                  <a:srgbClr val="404040"/>
+                </a:solidFill>
+                <a:latin typeface="Arial"/>
+              </a:rPr>
+              <a:t>Buyer profiles data will be displayed here when available.</a:t>
+            </a:r>
+          </a:p>
+        </p:txBody>
+      </p:sp>
+      <p:sp>
+        <p:nvSpPr>
+          <p:cNvPr id="5" name="TextBox 4"/>
+          <p:cNvSpPr txBox="1"/>
+          <p:nvPr/>
+        </p:nvSpPr>
+        <p:spPr>
+          <a:xfrm>
+            <a:off x="457200" y="6400800"/>
+            <a:ext cx="5486400" cy="365760"/>
+          </a:xfrm>
+          <a:prstGeom prst="rect">
+            <a:avLst/>
+          </a:prstGeom>
+          <a:noFill/>
+        </p:spPr>
+        <p:txBody>
+          <a:bodyPr wrap="none" anchor="ctr">
+            <a:spAutoFit/>
+          </a:bodyPr>
+          <a:lstStyle/>
+          <a:p>
+            <a:pPr algn="l">
+              <a:defRPr sz="900">
+                <a:solidFill>
+                  <a:srgbClr val="808080"/>
                 </a:solidFill>
                 <a:latin typeface="Arial"/>
               </a:defRPr>
             </a:pPr>
             <a:r>
-              <a:t>Implied EV/Post IRFS-16 EBITDA</a:t>
-            </a:r>
-          </a:p>
-        </p:txBody>
-      </p:sp>
-      <p:sp>
-        <p:nvSpPr>
-          <p:cNvPr id="5" name="TextBox 4"/>
-          <p:cNvSpPr txBox="1"/>
-          <p:nvPr/>
-        </p:nvSpPr>
-        <p:spPr>
-          <a:xfrm>
-            <a:off x="1828800" y="2286000"/>
-            <a:ext cx="8229600" cy="914400"/>
-          </a:xfrm>
-          <a:prstGeom prst="rect">
-            <a:avLst/>
-          </a:prstGeom>
-          <a:noFill/>
-        </p:spPr>
-        <p:txBody>
-          <a:bodyPr wrap="none">
+              <a:t>Confidential | September 11, 2025</a:t>
+            </a:r>
+          </a:p>
+        </p:txBody>
+      </p:sp>
+      <p:sp>
+        <p:nvSpPr>
+          <p:cNvPr id="6" name="TextBox 5"/>
+          <p:cNvSpPr txBox="1"/>
+          <p:nvPr/>
+        </p:nvSpPr>
+        <p:spPr>
+          <a:xfrm>
+            <a:off x="9144000" y="6400800"/>
+            <a:ext cx="2743200" cy="365760"/>
+          </a:xfrm>
+          <a:prstGeom prst="rect">
+            <a:avLst/>
+          </a:prstGeom>
+          <a:noFill/>
+        </p:spPr>
+        <p:txBody>
+          <a:bodyPr wrap="none" anchor="ctr">
             <a:spAutoFit/>
           </a:bodyPr>
           <a:lstStyle/>
           <a:p>
-            <a:pPr algn="ctr">
-              <a:defRPr sz="1400">
-                <a:solidFill>
-                  <a:srgbClr val="404040"/>
+            <a:pPr algn="r">
+              <a:defRPr sz="900">
+                <a:solidFill>
+                  <a:srgbClr val="808080"/>
                 </a:solidFill>
                 <a:latin typeface="Arial"/>
               </a:defRPr>
             </a:pPr>
             <a:r>
-              <a:t>Valuation data will be displayed here when available.</a:t>
+              <a:t>TechCorp Solutions</a:t>
             </a:r>
           </a:p>
         </p:txBody>
@@ -4851,213 +5022,6 @@
 <file path=ppt/slides/slide12.xml><?xml version="1.0" encoding="utf-8"?>
 <p:sld xmlns:a="http://schemas.openxmlformats.org/drawingml/2006/main" xmlns:p="http://schemas.openxmlformats.org/presentationml/2006/main" xmlns:r="http://schemas.openxmlformats.org/officeDocument/2006/relationships">
   <p:cSld>
-    <p:spTree>
-      <p:nvGrpSpPr>
-        <p:cNvPr id="1" name=""/>
-        <p:cNvGrpSpPr/>
-        <p:nvPr/>
-      </p:nvGrpSpPr>
-      <p:grpSpPr/>
-      <p:sp>
-        <p:nvSpPr>
-          <p:cNvPr id="2" name="TextBox 1"/>
-          <p:cNvSpPr txBox="1"/>
-          <p:nvPr/>
-        </p:nvSpPr>
-        <p:spPr>
-          <a:xfrm>
-            <a:off x="457200" y="274320"/>
-            <a:ext cx="11277295" cy="731520"/>
-          </a:xfrm>
-          <a:prstGeom prst="rect">
-            <a:avLst/>
-          </a:prstGeom>
-          <a:noFill/>
-        </p:spPr>
-        <p:txBody>
-          <a:bodyPr wrap="none" lIns="0" tIns="0" rIns="0" bIns="0">
-            <a:spAutoFit/>
-          </a:bodyPr>
-          <a:lstStyle/>
-          <a:p>
-            <a:pPr algn="l"/>
-            <a:r>
-              <a:rPr sz="2400" b="1">
-                <a:solidFill>
-                  <a:srgbClr val="183A58"/>
-                </a:solidFill>
-                <a:latin typeface="Arial"/>
-              </a:rPr>
-              <a:t>Investment Opportunity</a:t>
-            </a:r>
-          </a:p>
-        </p:txBody>
-      </p:sp>
-      <p:sp>
-        <p:nvSpPr>
-          <p:cNvPr id="3" name="Rectangle 2"/>
-          <p:cNvSpPr/>
-          <p:nvPr/>
-        </p:nvSpPr>
-        <p:spPr>
-          <a:xfrm>
-            <a:off x="457200" y="914400"/>
-            <a:ext cx="11277295" cy="45720"/>
-          </a:xfrm>
-          <a:prstGeom prst="rect">
-            <a:avLst/>
-          </a:prstGeom>
-          <a:solidFill>
-            <a:srgbClr val="183A58"/>
-          </a:solidFill>
-          <a:ln>
-            <a:noFill/>
-          </a:ln>
-        </p:spPr>
-        <p:style>
-          <a:lnRef idx="1">
-            <a:schemeClr val="accent1"/>
-          </a:lnRef>
-          <a:fillRef idx="3">
-            <a:schemeClr val="accent1"/>
-          </a:fillRef>
-          <a:effectRef idx="2">
-            <a:schemeClr val="accent1"/>
-          </a:effectRef>
-          <a:fontRef idx="minor">
-            <a:schemeClr val="lt1"/>
-          </a:fontRef>
-        </p:style>
-        <p:txBody>
-          <a:bodyPr rtlCol="0" anchor="ctr"/>
-          <a:lstStyle/>
-          <a:p>
-            <a:pPr algn="ctr"/>
-          </a:p>
-        </p:txBody>
-      </p:sp>
-      <p:sp>
-        <p:nvSpPr>
-          <p:cNvPr id="4" name="TextBox 3"/>
-          <p:cNvSpPr txBox="1"/>
-          <p:nvPr/>
-        </p:nvSpPr>
-        <p:spPr>
-          <a:xfrm>
-            <a:off x="1828800" y="2743200"/>
-            <a:ext cx="8229600" cy="914400"/>
-          </a:xfrm>
-          <a:prstGeom prst="rect">
-            <a:avLst/>
-          </a:prstGeom>
-          <a:noFill/>
-          <a:ln>
-            <a:noFill/>
-          </a:ln>
-          <a:effectLst/>
-        </p:spPr>
-        <p:txBody>
-          <a:bodyPr wrap="square">
-            <a:spAutoFit/>
-          </a:bodyPr>
-          <a:lstStyle/>
-          <a:p>
-            <a:pPr algn="ctr"/>
-            <a:r>
-              <a:rPr sz="1400" b="0">
-                <a:solidFill>
-                  <a:srgbClr val="404040"/>
-                </a:solidFill>
-                <a:latin typeface="Arial"/>
-              </a:rPr>
-              <a:t>Buyer profiles data will be displayed here when available.</a:t>
-            </a:r>
-          </a:p>
-        </p:txBody>
-      </p:sp>
-      <p:sp>
-        <p:nvSpPr>
-          <p:cNvPr id="5" name="TextBox 4"/>
-          <p:cNvSpPr txBox="1"/>
-          <p:nvPr/>
-        </p:nvSpPr>
-        <p:spPr>
-          <a:xfrm>
-            <a:off x="457200" y="6400800"/>
-            <a:ext cx="5486400" cy="365760"/>
-          </a:xfrm>
-          <a:prstGeom prst="rect">
-            <a:avLst/>
-          </a:prstGeom>
-          <a:noFill/>
-        </p:spPr>
-        <p:txBody>
-          <a:bodyPr wrap="none" anchor="ctr">
-            <a:spAutoFit/>
-          </a:bodyPr>
-          <a:lstStyle/>
-          <a:p>
-            <a:pPr algn="l">
-              <a:defRPr sz="900">
-                <a:solidFill>
-                  <a:srgbClr val="808080"/>
-                </a:solidFill>
-                <a:latin typeface="Arial"/>
-              </a:defRPr>
-            </a:pPr>
-            <a:r>
-              <a:t>Confidential | September 11, 2025</a:t>
-            </a:r>
-          </a:p>
-        </p:txBody>
-      </p:sp>
-      <p:sp>
-        <p:nvSpPr>
-          <p:cNvPr id="6" name="TextBox 5"/>
-          <p:cNvSpPr txBox="1"/>
-          <p:nvPr/>
-        </p:nvSpPr>
-        <p:spPr>
-          <a:xfrm>
-            <a:off x="9144000" y="6400800"/>
-            <a:ext cx="2743200" cy="365760"/>
-          </a:xfrm>
-          <a:prstGeom prst="rect">
-            <a:avLst/>
-          </a:prstGeom>
-          <a:noFill/>
-        </p:spPr>
-        <p:txBody>
-          <a:bodyPr wrap="none" anchor="ctr">
-            <a:spAutoFit/>
-          </a:bodyPr>
-          <a:lstStyle/>
-          <a:p>
-            <a:pPr algn="r">
-              <a:defRPr sz="900">
-                <a:solidFill>
-                  <a:srgbClr val="808080"/>
-                </a:solidFill>
-                <a:latin typeface="Arial"/>
-              </a:defRPr>
-            </a:pPr>
-            <a:r>
-              <a:t>TechCorp Solutions</a:t>
-            </a:r>
-          </a:p>
-        </p:txBody>
-      </p:sp>
-    </p:spTree>
-  </p:cSld>
-  <p:clrMapOvr>
-    <a:masterClrMapping/>
-  </p:clrMapOvr>
-</p:sld>
-</file>
-
-<file path=ppt/slides/slide13.xml><?xml version="1.0" encoding="utf-8"?>
-<p:sld xmlns:a="http://schemas.openxmlformats.org/drawingml/2006/main" xmlns:p="http://schemas.openxmlformats.org/presentationml/2006/main" xmlns:r="http://schemas.openxmlformats.org/officeDocument/2006/relationships">
-  <p:cSld>
     <p:bg>
       <p:bgPr>
         <a:solidFill>
@@ -5767,13 +5731,52 @@
       </p:sp>
       <p:sp>
         <p:nvSpPr>
-          <p:cNvPr id="19" name="Oval 18"/>
+          <p:cNvPr id="19" name="TextBox 18"/>
+          <p:cNvSpPr txBox="1"/>
+          <p:nvPr/>
+        </p:nvSpPr>
+        <p:spPr>
+          <a:xfrm>
+            <a:off x="731520" y="2743200"/>
+            <a:ext cx="5943600" cy="274320"/>
+          </a:xfrm>
+          <a:prstGeom prst="rect">
+            <a:avLst/>
+          </a:prstGeom>
+          <a:noFill/>
+          <a:ln>
+            <a:noFill/>
+          </a:ln>
+          <a:effectLst/>
+        </p:spPr>
+        <p:txBody>
+          <a:bodyPr wrap="square">
+            <a:spAutoFit/>
+          </a:bodyPr>
+          <a:lstStyle/>
+          <a:p>
+            <a:pPr algn="l"/>
+            <a:r>
+              <a:rPr sz="1200" b="1">
+                <a:solidFill>
+                  <a:srgbClr val="183A58"/>
+                </a:solidFill>
+                <a:latin typeface="Arial"/>
+              </a:rPr>
+              <a:t>Core Business Lines &amp; Capabilities</a:t>
+            </a:r>
+          </a:p>
+        </p:txBody>
+      </p:sp>
+      <p:sp>
+        <p:nvSpPr>
+          <p:cNvPr id="20" name="Oval 19"/>
           <p:cNvSpPr/>
           <p:nvPr/>
         </p:nvSpPr>
         <p:spPr>
           <a:xfrm>
-            <a:off x="7589520" y="3319272"/>
+            <a:off x="822960" y="3182112"/>
             <a:ext cx="36576" cy="36576"/>
           </a:xfrm>
           <a:prstGeom prst="ellipse">
@@ -5810,14 +5813,14 @@
       </p:sp>
       <p:sp>
         <p:nvSpPr>
-          <p:cNvPr id="20" name="TextBox 19"/>
-          <p:cNvSpPr txBox="1"/>
-          <p:nvPr/>
-        </p:nvSpPr>
-        <p:spPr>
-          <a:xfrm>
-            <a:off x="7699248" y="3246120"/>
-            <a:ext cx="3886200" cy="502920"/>
+          <p:cNvPr id="21" name="TextBox 20"/>
+          <p:cNvSpPr txBox="1"/>
+          <p:nvPr/>
+        </p:nvSpPr>
+        <p:spPr>
+          <a:xfrm>
+            <a:off x="932688" y="3108960"/>
+            <a:ext cx="3200400" cy="411480"/>
           </a:xfrm>
           <a:prstGeom prst="rect">
             <a:avLst/>
@@ -5842,21 +5845,21 @@
                 </a:solidFill>
                 <a:latin typeface="Arial"/>
               </a:rPr>
-              <a:t>Strong growth trajectory</a:t>
-            </a:r>
-          </a:p>
-        </p:txBody>
-      </p:sp>
-      <p:sp>
-        <p:nvSpPr>
-          <p:cNvPr id="21" name="TextBox 20"/>
-          <p:cNvSpPr txBox="1"/>
-          <p:nvPr/>
-        </p:nvSpPr>
-        <p:spPr>
-          <a:xfrm>
-            <a:off x="731520" y="2743200"/>
-            <a:ext cx="5943600" cy="274320"/>
+              <a:t>AI-powered business automation solutions for SMEs</a:t>
+            </a:r>
+          </a:p>
+        </p:txBody>
+      </p:sp>
+      <p:sp>
+        <p:nvSpPr>
+          <p:cNvPr id="22" name="TextBox 21"/>
+          <p:cNvSpPr txBox="1"/>
+          <p:nvPr/>
+        </p:nvSpPr>
+        <p:spPr>
+          <a:xfrm>
+            <a:off x="731520" y="5303520"/>
+            <a:ext cx="6400800" cy="274320"/>
           </a:xfrm>
           <a:prstGeom prst="rect">
             <a:avLst/>
@@ -5881,27 +5884,189 @@
                 </a:solidFill>
                 <a:latin typeface="Arial"/>
               </a:rPr>
-              <a:t>Core Business Lines &amp; Capabilities</a:t>
-            </a:r>
-          </a:p>
-        </p:txBody>
-      </p:sp>
-      <p:sp>
-        <p:nvSpPr>
-          <p:cNvPr id="22" name="Oval 21"/>
+              <a:t>Strategic Market Positioning</a:t>
+            </a:r>
+          </a:p>
+        </p:txBody>
+      </p:sp>
+      <p:sp>
+        <p:nvSpPr>
+          <p:cNvPr id="23" name="TextBox 22"/>
+          <p:cNvSpPr txBox="1"/>
+          <p:nvPr/>
+        </p:nvSpPr>
+        <p:spPr>
+          <a:xfrm>
+            <a:off x="731520" y="5577840"/>
+            <a:ext cx="6400800" cy="731520"/>
+          </a:xfrm>
+          <a:prstGeom prst="rect">
+            <a:avLst/>
+          </a:prstGeom>
+          <a:noFill/>
+          <a:ln>
+            <a:noFill/>
+          </a:ln>
+          <a:effectLst/>
+        </p:spPr>
+        <p:txBody>
+          <a:bodyPr wrap="square">
+            <a:spAutoFit/>
+          </a:bodyPr>
+          <a:lstStyle/>
+          <a:p>
+            <a:pPr algn="l"/>
+            <a:r>
+              <a:rPr sz="1000" b="0">
+                <a:solidFill>
+                  <a:srgbClr val="404040"/>
+                </a:solidFill>
+                <a:latin typeface="Arial"/>
+              </a:rPr>
+              <a:t>The company has established itself as the leading premium healthcare provider in Southeast Asia, serving both individual patients and corporate clients with comprehensive medical services and exceptional care standards.</a:t>
+            </a:r>
+          </a:p>
+        </p:txBody>
+      </p:sp>
+      <p:sp>
+        <p:nvSpPr>
+          <p:cNvPr id="24" name="TextBox 23"/>
+          <p:cNvSpPr txBox="1"/>
+          <p:nvPr/>
+        </p:nvSpPr>
+        <p:spPr>
+          <a:xfrm>
+            <a:off x="731520" y="6400800"/>
+            <a:ext cx="3657600" cy="182880"/>
+          </a:xfrm>
+          <a:prstGeom prst="rect">
+            <a:avLst/>
+          </a:prstGeom>
+          <a:noFill/>
+        </p:spPr>
+        <p:txBody>
+          <a:bodyPr wrap="none">
+            <a:spAutoFit/>
+          </a:bodyPr>
+          <a:lstStyle/>
+          <a:p>
+            <a:pPr algn="l"/>
+            <a:r>
+              <a:rPr sz="900">
+                <a:solidFill>
+                  <a:srgbClr val="808080"/>
+                </a:solidFill>
+                <a:latin typeface="Arial"/>
+              </a:rPr>
+              <a:t>Confidential | September 11, 2025</a:t>
+            </a:r>
+          </a:p>
+        </p:txBody>
+      </p:sp>
+      <p:sp>
+        <p:nvSpPr>
+          <p:cNvPr id="25" name="TextBox 24"/>
+          <p:cNvSpPr txBox="1"/>
+          <p:nvPr/>
+        </p:nvSpPr>
+        <p:spPr>
+          <a:xfrm>
+            <a:off x="8686800" y="6400800"/>
+            <a:ext cx="3200400" cy="182880"/>
+          </a:xfrm>
+          <a:prstGeom prst="rect">
+            <a:avLst/>
+          </a:prstGeom>
+          <a:noFill/>
+        </p:spPr>
+        <p:txBody>
+          <a:bodyPr wrap="none">
+            <a:spAutoFit/>
+          </a:bodyPr>
+          <a:lstStyle/>
+          <a:p>
+            <a:pPr algn="r"/>
+            <a:r>
+              <a:rPr sz="900">
+                <a:solidFill>
+                  <a:srgbClr val="808080"/>
+                </a:solidFill>
+                <a:latin typeface="Arial"/>
+              </a:rPr>
+              <a:t>TechCorp Solutions</a:t>
+            </a:r>
+          </a:p>
+        </p:txBody>
+      </p:sp>
+    </p:spTree>
+  </p:cSld>
+  <p:clrMapOvr>
+    <a:masterClrMapping/>
+  </p:clrMapOvr>
+</p:sld>
+</file>
+
+<file path=ppt/slides/slide13.xml><?xml version="1.0" encoding="utf-8"?>
+<p:sld xmlns:a="http://schemas.openxmlformats.org/drawingml/2006/main" xmlns:p="http://schemas.openxmlformats.org/presentationml/2006/main" xmlns:r="http://schemas.openxmlformats.org/officeDocument/2006/relationships">
+  <p:cSld>
+    <p:spTree>
+      <p:nvGrpSpPr>
+        <p:cNvPr id="1" name=""/>
+        <p:cNvGrpSpPr/>
+        <p:nvPr/>
+      </p:nvGrpSpPr>
+      <p:grpSpPr/>
+      <p:sp>
+        <p:nvSpPr>
+          <p:cNvPr id="2" name="TextBox 1"/>
+          <p:cNvSpPr txBox="1"/>
+          <p:nvPr/>
+        </p:nvSpPr>
+        <p:spPr>
+          <a:xfrm>
+            <a:off x="457200" y="274320"/>
+            <a:ext cx="11277295" cy="731520"/>
+          </a:xfrm>
+          <a:prstGeom prst="rect">
+            <a:avLst/>
+          </a:prstGeom>
+          <a:noFill/>
+        </p:spPr>
+        <p:txBody>
+          <a:bodyPr wrap="none" lIns="0" tIns="0" rIns="0" bIns="0">
+            <a:spAutoFit/>
+          </a:bodyPr>
+          <a:lstStyle/>
+          <a:p>
+            <a:pPr algn="l"/>
+            <a:r>
+              <a:rPr sz="2400" b="1">
+                <a:solidFill>
+                  <a:srgbClr val="183A58"/>
+                </a:solidFill>
+                <a:latin typeface="Arial"/>
+              </a:rPr>
+              <a:t>Historical Financial Performance</a:t>
+            </a:r>
+          </a:p>
+        </p:txBody>
+      </p:sp>
+      <p:sp>
+        <p:nvSpPr>
+          <p:cNvPr id="3" name="Rectangle 2"/>
           <p:cNvSpPr/>
           <p:nvPr/>
         </p:nvSpPr>
         <p:spPr>
           <a:xfrm>
-            <a:off x="822960" y="3182112"/>
-            <a:ext cx="36576" cy="36576"/>
-          </a:xfrm>
-          <a:prstGeom prst="ellipse">
+            <a:off x="457200" y="914400"/>
+            <a:ext cx="11277295" cy="45720"/>
+          </a:xfrm>
+          <a:prstGeom prst="rect">
             <a:avLst/>
           </a:prstGeom>
           <a:solidFill>
-            <a:srgbClr val="B5975B"/>
+            <a:srgbClr val="183A58"/>
           </a:solidFill>
           <a:ln>
             <a:noFill/>
@@ -5931,14 +6096,14 @@
       </p:sp>
       <p:sp>
         <p:nvSpPr>
-          <p:cNvPr id="23" name="TextBox 22"/>
-          <p:cNvSpPr txBox="1"/>
-          <p:nvPr/>
-        </p:nvSpPr>
-        <p:spPr>
-          <a:xfrm>
-            <a:off x="932688" y="3108960"/>
-            <a:ext cx="3200400" cy="411480"/>
+          <p:cNvPr id="4" name="TextBox 3"/>
+          <p:cNvSpPr txBox="1"/>
+          <p:nvPr/>
+        </p:nvSpPr>
+        <p:spPr>
+          <a:xfrm>
+            <a:off x="914400" y="1280160"/>
+            <a:ext cx="5486400" cy="274320"/>
           </a:xfrm>
           <a:prstGeom prst="rect">
             <a:avLst/>
@@ -5957,27 +6122,27 @@
           <a:p>
             <a:pPr algn="l"/>
             <a:r>
-              <a:rPr sz="900" b="0">
-                <a:solidFill>
-                  <a:srgbClr val="404040"/>
+              <a:rPr sz="1400" b="1">
+                <a:solidFill>
+                  <a:srgbClr val="183A58"/>
                 </a:solidFill>
                 <a:latin typeface="Arial"/>
               </a:rPr>
-              <a:t>AI-powered business automation solutions for SMEs</a:t>
-            </a:r>
-          </a:p>
-        </p:txBody>
-      </p:sp>
-      <p:sp>
-        <p:nvSpPr>
-          <p:cNvPr id="24" name="TextBox 23"/>
-          <p:cNvSpPr txBox="1"/>
-          <p:nvPr/>
-        </p:nvSpPr>
-        <p:spPr>
-          <a:xfrm>
-            <a:off x="731520" y="5303520"/>
-            <a:ext cx="6400800" cy="274320"/>
+              <a:t>EBITDA Margin Trend</a:t>
+            </a:r>
+          </a:p>
+        </p:txBody>
+      </p:sp>
+      <p:sp>
+        <p:nvSpPr>
+          <p:cNvPr id="5" name="TextBox 4"/>
+          <p:cNvSpPr txBox="1"/>
+          <p:nvPr/>
+        </p:nvSpPr>
+        <p:spPr>
+          <a:xfrm>
+            <a:off x="914400" y="1828800"/>
+            <a:ext cx="5486400" cy="914400"/>
           </a:xfrm>
           <a:prstGeom prst="rect">
             <a:avLst/>
@@ -5996,27 +6161,27 @@
           <a:p>
             <a:pPr algn="l"/>
             <a:r>
-              <a:rPr sz="1200" b="1">
-                <a:solidFill>
-                  <a:srgbClr val="183A58"/>
+              <a:rPr sz="1200" b="0">
+                <a:solidFill>
+                  <a:srgbClr val="404040"/>
                 </a:solidFill>
                 <a:latin typeface="Arial"/>
               </a:rPr>
-              <a:t>Strategic Market Positioning</a:t>
-            </a:r>
-          </a:p>
-        </p:txBody>
-      </p:sp>
-      <p:sp>
-        <p:nvSpPr>
-          <p:cNvPr id="25" name="TextBox 24"/>
-          <p:cNvSpPr txBox="1"/>
-          <p:nvPr/>
-        </p:nvSpPr>
-        <p:spPr>
-          <a:xfrm>
-            <a:off x="731520" y="5577840"/>
-            <a:ext cx="6400800" cy="731520"/>
+              <a:t>EBITDA margin trend chart will be displayed here.</a:t>
+            </a:r>
+          </a:p>
+        </p:txBody>
+      </p:sp>
+      <p:sp>
+        <p:nvSpPr>
+          <p:cNvPr id="6" name="TextBox 5"/>
+          <p:cNvSpPr txBox="1"/>
+          <p:nvPr/>
+        </p:nvSpPr>
+        <p:spPr>
+          <a:xfrm>
+            <a:off x="4572000" y="3749039"/>
+            <a:ext cx="2286000" cy="137160"/>
           </a:xfrm>
           <a:prstGeom prst="rect">
             <a:avLst/>
@@ -6033,84 +6198,974 @@
           </a:bodyPr>
           <a:lstStyle/>
           <a:p>
-            <a:pPr algn="l"/>
-            <a:r>
-              <a:rPr sz="1000" b="0">
+            <a:pPr algn="r"/>
+            <a:r>
+              <a:rPr sz="800" b="0">
                 <a:solidFill>
                   <a:srgbClr val="404040"/>
                 </a:solidFill>
                 <a:latin typeface="Arial"/>
               </a:rPr>
-              <a:t>The company has established itself as the leading premium healthcare provider in Southeast Asia, serving both individual patients and corporate clients with comprehensive medical services and exceptional care standards.</a:t>
-            </a:r>
-          </a:p>
-        </p:txBody>
-      </p:sp>
-      <p:sp>
-        <p:nvSpPr>
-          <p:cNvPr id="26" name="TextBox 25"/>
-          <p:cNvSpPr txBox="1"/>
-          <p:nvPr/>
-        </p:nvSpPr>
-        <p:spPr>
-          <a:xfrm>
-            <a:off x="731520" y="6400800"/>
-            <a:ext cx="3657600" cy="182880"/>
-          </a:xfrm>
-          <a:prstGeom prst="rect">
-            <a:avLst/>
-          </a:prstGeom>
-          <a:noFill/>
-        </p:spPr>
-        <p:txBody>
-          <a:bodyPr wrap="none">
+              <a:t>Source: Company financials</a:t>
+            </a:r>
+          </a:p>
+        </p:txBody>
+      </p:sp>
+      <p:sp>
+        <p:nvSpPr>
+          <p:cNvPr id="7" name="TextBox 6"/>
+          <p:cNvSpPr txBox="1"/>
+          <p:nvPr/>
+        </p:nvSpPr>
+        <p:spPr>
+          <a:xfrm>
+            <a:off x="914400" y="4023360"/>
+            <a:ext cx="5486400" cy="274320"/>
+          </a:xfrm>
+          <a:prstGeom prst="rect">
+            <a:avLst/>
+          </a:prstGeom>
+          <a:noFill/>
+          <a:ln>
+            <a:noFill/>
+          </a:ln>
+          <a:effectLst/>
+        </p:spPr>
+        <p:txBody>
+          <a:bodyPr wrap="square">
             <a:spAutoFit/>
           </a:bodyPr>
           <a:lstStyle/>
           <a:p>
             <a:pPr algn="l"/>
             <a:r>
-              <a:rPr sz="900">
-                <a:solidFill>
-                  <a:srgbClr val="808080"/>
+              <a:rPr sz="1400" b="1">
+                <a:solidFill>
+                  <a:srgbClr val="183A58"/>
                 </a:solidFill>
                 <a:latin typeface="Arial"/>
               </a:rPr>
-              <a:t>Confidential | September 11, 2025</a:t>
-            </a:r>
-          </a:p>
-        </p:txBody>
-      </p:sp>
-      <p:sp>
-        <p:nvSpPr>
-          <p:cNvPr id="27" name="TextBox 26"/>
-          <p:cNvSpPr txBox="1"/>
-          <p:nvPr/>
-        </p:nvSpPr>
-        <p:spPr>
-          <a:xfrm>
-            <a:off x="8686800" y="6400800"/>
-            <a:ext cx="3200400" cy="182880"/>
-          </a:xfrm>
-          <a:prstGeom prst="rect">
-            <a:avLst/>
-          </a:prstGeom>
-          <a:noFill/>
-        </p:spPr>
-        <p:txBody>
-          <a:bodyPr wrap="none">
+              <a:t>Cost Management &amp; Efficiency Initiatives</a:t>
+            </a:r>
+          </a:p>
+        </p:txBody>
+      </p:sp>
+      <p:sp>
+        <p:nvSpPr>
+          <p:cNvPr id="8" name="Oval 7"/>
+          <p:cNvSpPr/>
+          <p:nvPr/>
+        </p:nvSpPr>
+        <p:spPr>
+          <a:xfrm>
+            <a:off x="1097280" y="4389120"/>
+            <a:ext cx="54864" cy="54864"/>
+          </a:xfrm>
+          <a:prstGeom prst="ellipse">
+            <a:avLst/>
+          </a:prstGeom>
+          <a:solidFill>
+            <a:srgbClr val="B5975B"/>
+          </a:solidFill>
+          <a:ln>
+            <a:noFill/>
+          </a:ln>
+          <a:effectLst/>
+        </p:spPr>
+        <p:style>
+          <a:lnRef idx="1">
+            <a:schemeClr val="accent1"/>
+          </a:lnRef>
+          <a:fillRef idx="3">
+            <a:schemeClr val="accent1"/>
+          </a:fillRef>
+          <a:effectRef idx="2">
+            <a:schemeClr val="accent1"/>
+          </a:effectRef>
+          <a:fontRef idx="minor">
+            <a:schemeClr val="lt1"/>
+          </a:fontRef>
+        </p:style>
+        <p:txBody>
+          <a:bodyPr rtlCol="0" anchor="ctr"/>
+          <a:lstStyle/>
+          <a:p>
+            <a:pPr algn="ctr"/>
+          </a:p>
+        </p:txBody>
+      </p:sp>
+      <p:sp>
+        <p:nvSpPr>
+          <p:cNvPr id="9" name="TextBox 8"/>
+          <p:cNvSpPr txBox="1"/>
+          <p:nvPr/>
+        </p:nvSpPr>
+        <p:spPr>
+          <a:xfrm>
+            <a:off x="1234440" y="4343400"/>
+            <a:ext cx="5029200" cy="137160"/>
+          </a:xfrm>
+          <a:prstGeom prst="rect">
+            <a:avLst/>
+          </a:prstGeom>
+          <a:noFill/>
+          <a:ln>
+            <a:noFill/>
+          </a:ln>
+          <a:effectLst/>
+        </p:spPr>
+        <p:txBody>
+          <a:bodyPr wrap="square">
             <a:spAutoFit/>
           </a:bodyPr>
           <a:lstStyle/>
           <a:p>
-            <a:pPr algn="r"/>
-            <a:r>
-              <a:rPr sz="900">
-                <a:solidFill>
-                  <a:srgbClr val="808080"/>
+            <a:pPr algn="l"/>
+            <a:r>
+              <a:rPr sz="1000" b="1">
+                <a:solidFill>
+                  <a:srgbClr val="183A58"/>
                 </a:solidFill>
                 <a:latin typeface="Arial"/>
               </a:rPr>
+              <a:t>Operational Efficiency</a:t>
+            </a:r>
+          </a:p>
+        </p:txBody>
+      </p:sp>
+      <p:sp>
+        <p:nvSpPr>
+          <p:cNvPr id="10" name="TextBox 9"/>
+          <p:cNvSpPr txBox="1"/>
+          <p:nvPr/>
+        </p:nvSpPr>
+        <p:spPr>
+          <a:xfrm>
+            <a:off x="1234440" y="4480560"/>
+            <a:ext cx="5029200" cy="256032"/>
+          </a:xfrm>
+          <a:prstGeom prst="rect">
+            <a:avLst/>
+          </a:prstGeom>
+          <a:noFill/>
+          <a:ln>
+            <a:noFill/>
+          </a:ln>
+          <a:effectLst/>
+        </p:spPr>
+        <p:txBody>
+          <a:bodyPr wrap="square">
+            <a:spAutoFit/>
+          </a:bodyPr>
+          <a:lstStyle/>
+          <a:p>
+            <a:pPr algn="l"/>
+            <a:r>
+              <a:rPr sz="900" b="0">
+                <a:solidFill>
+                  <a:srgbClr val="404040"/>
+                </a:solidFill>
+                <a:latin typeface="Arial"/>
+              </a:rPr>
+              <a:t>Streamlined processes and resource optimization initiatives</a:t>
+            </a:r>
+          </a:p>
+        </p:txBody>
+      </p:sp>
+      <p:sp>
+        <p:nvSpPr>
+          <p:cNvPr id="11" name="Oval 10"/>
+          <p:cNvSpPr/>
+          <p:nvPr/>
+        </p:nvSpPr>
+        <p:spPr>
+          <a:xfrm>
+            <a:off x="1097280" y="4800600"/>
+            <a:ext cx="54864" cy="54864"/>
+          </a:xfrm>
+          <a:prstGeom prst="ellipse">
+            <a:avLst/>
+          </a:prstGeom>
+          <a:solidFill>
+            <a:srgbClr val="B5975B"/>
+          </a:solidFill>
+          <a:ln>
+            <a:noFill/>
+          </a:ln>
+          <a:effectLst/>
+        </p:spPr>
+        <p:style>
+          <a:lnRef idx="1">
+            <a:schemeClr val="accent1"/>
+          </a:lnRef>
+          <a:fillRef idx="3">
+            <a:schemeClr val="accent1"/>
+          </a:fillRef>
+          <a:effectRef idx="2">
+            <a:schemeClr val="accent1"/>
+          </a:effectRef>
+          <a:fontRef idx="minor">
+            <a:schemeClr val="lt1"/>
+          </a:fontRef>
+        </p:style>
+        <p:txBody>
+          <a:bodyPr rtlCol="0" anchor="ctr"/>
+          <a:lstStyle/>
+          <a:p>
+            <a:pPr algn="ctr"/>
+          </a:p>
+        </p:txBody>
+      </p:sp>
+      <p:sp>
+        <p:nvSpPr>
+          <p:cNvPr id="12" name="TextBox 11"/>
+          <p:cNvSpPr txBox="1"/>
+          <p:nvPr/>
+        </p:nvSpPr>
+        <p:spPr>
+          <a:xfrm>
+            <a:off x="1234440" y="4754880"/>
+            <a:ext cx="5029200" cy="137160"/>
+          </a:xfrm>
+          <a:prstGeom prst="rect">
+            <a:avLst/>
+          </a:prstGeom>
+          <a:noFill/>
+          <a:ln>
+            <a:noFill/>
+          </a:ln>
+          <a:effectLst/>
+        </p:spPr>
+        <p:txBody>
+          <a:bodyPr wrap="square">
+            <a:spAutoFit/>
+          </a:bodyPr>
+          <a:lstStyle/>
+          <a:p>
+            <a:pPr algn="l"/>
+            <a:r>
+              <a:rPr sz="1000" b="1">
+                <a:solidFill>
+                  <a:srgbClr val="183A58"/>
+                </a:solidFill>
+                <a:latin typeface="Arial"/>
+              </a:rPr>
+              <a:t>Technology Investment</a:t>
+            </a:r>
+          </a:p>
+        </p:txBody>
+      </p:sp>
+      <p:sp>
+        <p:nvSpPr>
+          <p:cNvPr id="13" name="TextBox 12"/>
+          <p:cNvSpPr txBox="1"/>
+          <p:nvPr/>
+        </p:nvSpPr>
+        <p:spPr>
+          <a:xfrm>
+            <a:off x="1234440" y="4892040"/>
+            <a:ext cx="5029200" cy="256032"/>
+          </a:xfrm>
+          <a:prstGeom prst="rect">
+            <a:avLst/>
+          </a:prstGeom>
+          <a:noFill/>
+          <a:ln>
+            <a:noFill/>
+          </a:ln>
+          <a:effectLst/>
+        </p:spPr>
+        <p:txBody>
+          <a:bodyPr wrap="square">
+            <a:spAutoFit/>
+          </a:bodyPr>
+          <a:lstStyle/>
+          <a:p>
+            <a:pPr algn="l"/>
+            <a:r>
+              <a:rPr sz="900" b="0">
+                <a:solidFill>
+                  <a:srgbClr val="404040"/>
+                </a:solidFill>
+                <a:latin typeface="Arial"/>
+              </a:rPr>
+              <a:t>Digital transformation reducing administrative overhead</a:t>
+            </a:r>
+          </a:p>
+        </p:txBody>
+      </p:sp>
+      <p:sp>
+        <p:nvSpPr>
+          <p:cNvPr id="14" name="Oval 13"/>
+          <p:cNvSpPr/>
+          <p:nvPr/>
+        </p:nvSpPr>
+        <p:spPr>
+          <a:xfrm>
+            <a:off x="1097280" y="5212080"/>
+            <a:ext cx="54864" cy="54864"/>
+          </a:xfrm>
+          <a:prstGeom prst="ellipse">
+            <a:avLst/>
+          </a:prstGeom>
+          <a:solidFill>
+            <a:srgbClr val="B5975B"/>
+          </a:solidFill>
+          <a:ln>
+            <a:noFill/>
+          </a:ln>
+          <a:effectLst/>
+        </p:spPr>
+        <p:style>
+          <a:lnRef idx="1">
+            <a:schemeClr val="accent1"/>
+          </a:lnRef>
+          <a:fillRef idx="3">
+            <a:schemeClr val="accent1"/>
+          </a:fillRef>
+          <a:effectRef idx="2">
+            <a:schemeClr val="accent1"/>
+          </a:effectRef>
+          <a:fontRef idx="minor">
+            <a:schemeClr val="lt1"/>
+          </a:fontRef>
+        </p:style>
+        <p:txBody>
+          <a:bodyPr rtlCol="0" anchor="ctr"/>
+          <a:lstStyle/>
+          <a:p>
+            <a:pPr algn="ctr"/>
+          </a:p>
+        </p:txBody>
+      </p:sp>
+      <p:sp>
+        <p:nvSpPr>
+          <p:cNvPr id="15" name="TextBox 14"/>
+          <p:cNvSpPr txBox="1"/>
+          <p:nvPr/>
+        </p:nvSpPr>
+        <p:spPr>
+          <a:xfrm>
+            <a:off x="1234440" y="5166360"/>
+            <a:ext cx="5029200" cy="137160"/>
+          </a:xfrm>
+          <a:prstGeom prst="rect">
+            <a:avLst/>
+          </a:prstGeom>
+          <a:noFill/>
+          <a:ln>
+            <a:noFill/>
+          </a:ln>
+          <a:effectLst/>
+        </p:spPr>
+        <p:txBody>
+          <a:bodyPr wrap="square">
+            <a:spAutoFit/>
+          </a:bodyPr>
+          <a:lstStyle/>
+          <a:p>
+            <a:pPr algn="l"/>
+            <a:r>
+              <a:rPr sz="1000" b="1">
+                <a:solidFill>
+                  <a:srgbClr val="183A58"/>
+                </a:solidFill>
+                <a:latin typeface="Arial"/>
+              </a:rPr>
+              <a:t>Supply Chain Management</a:t>
+            </a:r>
+          </a:p>
+        </p:txBody>
+      </p:sp>
+      <p:sp>
+        <p:nvSpPr>
+          <p:cNvPr id="16" name="TextBox 15"/>
+          <p:cNvSpPr txBox="1"/>
+          <p:nvPr/>
+        </p:nvSpPr>
+        <p:spPr>
+          <a:xfrm>
+            <a:off x="1234440" y="5303520"/>
+            <a:ext cx="5029200" cy="256032"/>
+          </a:xfrm>
+          <a:prstGeom prst="rect">
+            <a:avLst/>
+          </a:prstGeom>
+          <a:noFill/>
+          <a:ln>
+            <a:noFill/>
+          </a:ln>
+          <a:effectLst/>
+        </p:spPr>
+        <p:txBody>
+          <a:bodyPr wrap="square">
+            <a:spAutoFit/>
+          </a:bodyPr>
+          <a:lstStyle/>
+          <a:p>
+            <a:pPr algn="l"/>
+            <a:r>
+              <a:rPr sz="900" b="0">
+                <a:solidFill>
+                  <a:srgbClr val="404040"/>
+                </a:solidFill>
+                <a:latin typeface="Arial"/>
+              </a:rPr>
+              <a:t>Centralized procurement and vendor consolidation</a:t>
+            </a:r>
+          </a:p>
+        </p:txBody>
+      </p:sp>
+      <p:sp>
+        <p:nvSpPr>
+          <p:cNvPr id="17" name="TextBox 16"/>
+          <p:cNvSpPr txBox="1"/>
+          <p:nvPr/>
+        </p:nvSpPr>
+        <p:spPr>
+          <a:xfrm>
+            <a:off x="7315200" y="1280160"/>
+            <a:ext cx="4572000" cy="274320"/>
+          </a:xfrm>
+          <a:prstGeom prst="rect">
+            <a:avLst/>
+          </a:prstGeom>
+          <a:noFill/>
+          <a:ln>
+            <a:noFill/>
+          </a:ln>
+          <a:effectLst/>
+        </p:spPr>
+        <p:txBody>
+          <a:bodyPr wrap="square">
+            <a:spAutoFit/>
+          </a:bodyPr>
+          <a:lstStyle/>
+          <a:p>
+            <a:pPr algn="l"/>
+            <a:r>
+              <a:rPr sz="1400" b="1">
+                <a:solidFill>
+                  <a:srgbClr val="183A58"/>
+                </a:solidFill>
+                <a:latin typeface="Arial"/>
+              </a:rPr>
+              <a:t>Risk Mitigation Strategies</a:t>
+            </a:r>
+          </a:p>
+        </p:txBody>
+      </p:sp>
+      <p:sp>
+        <p:nvSpPr>
+          <p:cNvPr id="18" name="Rectangle 17"/>
+          <p:cNvSpPr/>
+          <p:nvPr/>
+        </p:nvSpPr>
+        <p:spPr>
+          <a:xfrm>
+            <a:off x="7315200" y="1645920"/>
+            <a:ext cx="4572000" cy="1645920"/>
+          </a:xfrm>
+          <a:prstGeom prst="rect">
+            <a:avLst/>
+          </a:prstGeom>
+          <a:solidFill>
+            <a:srgbClr val="F0F0F0"/>
+          </a:solidFill>
+          <a:ln>
+            <a:noFill/>
+          </a:ln>
+          <a:effectLst/>
+        </p:spPr>
+        <p:style>
+          <a:lnRef idx="1">
+            <a:schemeClr val="accent1"/>
+          </a:lnRef>
+          <a:fillRef idx="3">
+            <a:schemeClr val="accent1"/>
+          </a:fillRef>
+          <a:effectRef idx="2">
+            <a:schemeClr val="accent1"/>
+          </a:effectRef>
+          <a:fontRef idx="minor">
+            <a:schemeClr val="lt1"/>
+          </a:fontRef>
+        </p:style>
+        <p:txBody>
+          <a:bodyPr rtlCol="0" anchor="ctr"/>
+          <a:lstStyle/>
+          <a:p>
+            <a:pPr algn="ctr"/>
+          </a:p>
+        </p:txBody>
+      </p:sp>
+      <p:sp>
+        <p:nvSpPr>
+          <p:cNvPr id="19" name="Rectangle 18"/>
+          <p:cNvSpPr/>
+          <p:nvPr/>
+        </p:nvSpPr>
+        <p:spPr>
+          <a:xfrm>
+            <a:off x="7315200" y="1645920"/>
+            <a:ext cx="91440" cy="1645920"/>
+          </a:xfrm>
+          <a:prstGeom prst="rect">
+            <a:avLst/>
+          </a:prstGeom>
+          <a:solidFill>
+            <a:srgbClr val="B5975B"/>
+          </a:solidFill>
+          <a:ln>
+            <a:noFill/>
+          </a:ln>
+          <a:effectLst/>
+        </p:spPr>
+        <p:style>
+          <a:lnRef idx="1">
+            <a:schemeClr val="accent1"/>
+          </a:lnRef>
+          <a:fillRef idx="3">
+            <a:schemeClr val="accent1"/>
+          </a:fillRef>
+          <a:effectRef idx="2">
+            <a:schemeClr val="accent1"/>
+          </a:effectRef>
+          <a:fontRef idx="minor">
+            <a:schemeClr val="lt1"/>
+          </a:fontRef>
+        </p:style>
+        <p:txBody>
+          <a:bodyPr rtlCol="0" anchor="ctr"/>
+          <a:lstStyle/>
+          <a:p>
+            <a:pPr algn="ctr"/>
+          </a:p>
+        </p:txBody>
+      </p:sp>
+      <p:sp>
+        <p:nvSpPr>
+          <p:cNvPr id="20" name="TextBox 19"/>
+          <p:cNvSpPr txBox="1"/>
+          <p:nvPr/>
+        </p:nvSpPr>
+        <p:spPr>
+          <a:xfrm>
+            <a:off x="7589520" y="1737360"/>
+            <a:ext cx="4114800" cy="228600"/>
+          </a:xfrm>
+          <a:prstGeom prst="rect">
+            <a:avLst/>
+          </a:prstGeom>
+          <a:noFill/>
+          <a:ln>
+            <a:noFill/>
+          </a:ln>
+          <a:effectLst/>
+        </p:spPr>
+        <p:txBody>
+          <a:bodyPr wrap="square">
+            <a:spAutoFit/>
+          </a:bodyPr>
+          <a:lstStyle/>
+          <a:p>
+            <a:pPr algn="l"/>
+            <a:r>
+              <a:rPr sz="1200" b="1">
+                <a:solidFill>
+                  <a:srgbClr val="B5975B"/>
+                </a:solidFill>
+                <a:latin typeface="Arial"/>
+              </a:rPr>
+              <a:t>Diversified Revenue Strategy</a:t>
+            </a:r>
+          </a:p>
+        </p:txBody>
+      </p:sp>
+      <p:sp>
+        <p:nvSpPr>
+          <p:cNvPr id="21" name="TextBox 20"/>
+          <p:cNvSpPr txBox="1"/>
+          <p:nvPr/>
+        </p:nvSpPr>
+        <p:spPr>
+          <a:xfrm>
+            <a:off x="7589520" y="1965960"/>
+            <a:ext cx="4114800" cy="320040"/>
+          </a:xfrm>
+          <a:prstGeom prst="rect">
+            <a:avLst/>
+          </a:prstGeom>
+          <a:noFill/>
+          <a:ln>
+            <a:noFill/>
+          </a:ln>
+          <a:effectLst/>
+        </p:spPr>
+        <p:txBody>
+          <a:bodyPr wrap="square">
+            <a:spAutoFit/>
+          </a:bodyPr>
+          <a:lstStyle/>
+          <a:p>
+            <a:pPr algn="l"/>
+            <a:r>
+              <a:rPr sz="1000" b="0">
+                <a:solidFill>
+                  <a:srgbClr val="404040"/>
+                </a:solidFill>
+                <a:latin typeface="Arial"/>
+              </a:rPr>
+              <a:t>Multiple revenue streams and operational efficiency measures provide resilience against market volatility and cost pressures</a:t>
+            </a:r>
+          </a:p>
+        </p:txBody>
+      </p:sp>
+      <p:sp>
+        <p:nvSpPr>
+          <p:cNvPr id="22" name="TextBox 21"/>
+          <p:cNvSpPr txBox="1"/>
+          <p:nvPr/>
+        </p:nvSpPr>
+        <p:spPr>
+          <a:xfrm>
+            <a:off x="7589520" y="2331720"/>
+            <a:ext cx="4114800" cy="164592"/>
+          </a:xfrm>
+          <a:prstGeom prst="rect">
+            <a:avLst/>
+          </a:prstGeom>
+          <a:noFill/>
+          <a:ln>
+            <a:noFill/>
+          </a:ln>
+          <a:effectLst/>
+        </p:spPr>
+        <p:txBody>
+          <a:bodyPr wrap="square">
+            <a:spAutoFit/>
+          </a:bodyPr>
+          <a:lstStyle/>
+          <a:p>
+            <a:pPr algn="l"/>
+            <a:r>
+              <a:rPr sz="1000" b="1">
+                <a:solidFill>
+                  <a:srgbClr val="183A58"/>
+                </a:solidFill>
+                <a:latin typeface="Arial"/>
+              </a:rPr>
+              <a:t>Key Benefits:</a:t>
+            </a:r>
+          </a:p>
+        </p:txBody>
+      </p:sp>
+      <p:sp>
+        <p:nvSpPr>
+          <p:cNvPr id="23" name="TextBox 22"/>
+          <p:cNvSpPr txBox="1"/>
+          <p:nvPr/>
+        </p:nvSpPr>
+        <p:spPr>
+          <a:xfrm>
+            <a:off x="7772400" y="2514600"/>
+            <a:ext cx="3931920" cy="100584"/>
+          </a:xfrm>
+          <a:prstGeom prst="rect">
+            <a:avLst/>
+          </a:prstGeom>
+          <a:noFill/>
+          <a:ln>
+            <a:noFill/>
+          </a:ln>
+          <a:effectLst/>
+        </p:spPr>
+        <p:txBody>
+          <a:bodyPr wrap="square">
+            <a:spAutoFit/>
+          </a:bodyPr>
+          <a:lstStyle/>
+          <a:p>
+            <a:pPr algn="l"/>
+            <a:r>
+              <a:rPr sz="900" b="0">
+                <a:solidFill>
+                  <a:srgbClr val="404040"/>
+                </a:solidFill>
+                <a:latin typeface="Arial"/>
+              </a:rPr>
+              <a:t>• Reduced earnings volatility</a:t>
+            </a:r>
+          </a:p>
+        </p:txBody>
+      </p:sp>
+      <p:sp>
+        <p:nvSpPr>
+          <p:cNvPr id="24" name="TextBox 23"/>
+          <p:cNvSpPr txBox="1"/>
+          <p:nvPr/>
+        </p:nvSpPr>
+        <p:spPr>
+          <a:xfrm>
+            <a:off x="7772400" y="2633472"/>
+            <a:ext cx="3931920" cy="100584"/>
+          </a:xfrm>
+          <a:prstGeom prst="rect">
+            <a:avLst/>
+          </a:prstGeom>
+          <a:noFill/>
+          <a:ln>
+            <a:noFill/>
+          </a:ln>
+          <a:effectLst/>
+        </p:spPr>
+        <p:txBody>
+          <a:bodyPr wrap="square">
+            <a:spAutoFit/>
+          </a:bodyPr>
+          <a:lstStyle/>
+          <a:p>
+            <a:pPr algn="l"/>
+            <a:r>
+              <a:rPr sz="900" b="0">
+                <a:solidFill>
+                  <a:srgbClr val="404040"/>
+                </a:solidFill>
+                <a:latin typeface="Arial"/>
+              </a:rPr>
+              <a:t>• Stable cash generation</a:t>
+            </a:r>
+          </a:p>
+        </p:txBody>
+      </p:sp>
+      <p:sp>
+        <p:nvSpPr>
+          <p:cNvPr id="25" name="TextBox 24"/>
+          <p:cNvSpPr txBox="1"/>
+          <p:nvPr/>
+        </p:nvSpPr>
+        <p:spPr>
+          <a:xfrm>
+            <a:off x="7772400" y="2752344"/>
+            <a:ext cx="3931920" cy="100584"/>
+          </a:xfrm>
+          <a:prstGeom prst="rect">
+            <a:avLst/>
+          </a:prstGeom>
+          <a:noFill/>
+          <a:ln>
+            <a:noFill/>
+          </a:ln>
+          <a:effectLst/>
+        </p:spPr>
+        <p:txBody>
+          <a:bodyPr wrap="square">
+            <a:spAutoFit/>
+          </a:bodyPr>
+          <a:lstStyle/>
+          <a:p>
+            <a:pPr algn="l"/>
+            <a:r>
+              <a:rPr sz="900" b="0">
+                <a:solidFill>
+                  <a:srgbClr val="404040"/>
+                </a:solidFill>
+                <a:latin typeface="Arial"/>
+              </a:rPr>
+              <a:t>• Operational flexibility</a:t>
+            </a:r>
+          </a:p>
+        </p:txBody>
+      </p:sp>
+      <p:sp>
+        <p:nvSpPr>
+          <p:cNvPr id="26" name="Rectangle 25"/>
+          <p:cNvSpPr/>
+          <p:nvPr/>
+        </p:nvSpPr>
+        <p:spPr>
+          <a:xfrm>
+            <a:off x="7315200" y="3474720"/>
+            <a:ext cx="4572000" cy="731520"/>
+          </a:xfrm>
+          <a:prstGeom prst="rect">
+            <a:avLst/>
+          </a:prstGeom>
+          <a:solidFill>
+            <a:srgbClr val="F0FFF0"/>
+          </a:solidFill>
+          <a:ln>
+            <a:noFill/>
+          </a:ln>
+          <a:effectLst/>
+        </p:spPr>
+        <p:style>
+          <a:lnRef idx="1">
+            <a:schemeClr val="accent1"/>
+          </a:lnRef>
+          <a:fillRef idx="3">
+            <a:schemeClr val="accent1"/>
+          </a:fillRef>
+          <a:effectRef idx="2">
+            <a:schemeClr val="accent1"/>
+          </a:effectRef>
+          <a:fontRef idx="minor">
+            <a:schemeClr val="lt1"/>
+          </a:fontRef>
+        </p:style>
+        <p:txBody>
+          <a:bodyPr rtlCol="0" anchor="ctr"/>
+          <a:lstStyle/>
+          <a:p>
+            <a:pPr algn="ctr"/>
+          </a:p>
+        </p:txBody>
+      </p:sp>
+      <p:sp>
+        <p:nvSpPr>
+          <p:cNvPr id="27" name="TextBox 26"/>
+          <p:cNvSpPr txBox="1"/>
+          <p:nvPr/>
+        </p:nvSpPr>
+        <p:spPr>
+          <a:xfrm>
+            <a:off x="7498079" y="3566160"/>
+            <a:ext cx="4206240" cy="137160"/>
+          </a:xfrm>
+          <a:prstGeom prst="rect">
+            <a:avLst/>
+          </a:prstGeom>
+          <a:noFill/>
+          <a:ln>
+            <a:noFill/>
+          </a:ln>
+          <a:effectLst/>
+        </p:spPr>
+        <p:txBody>
+          <a:bodyPr wrap="square">
+            <a:spAutoFit/>
+          </a:bodyPr>
+          <a:lstStyle/>
+          <a:p>
+            <a:pPr algn="l"/>
+            <a:r>
+              <a:rPr sz="1000" b="1">
+                <a:solidFill>
+                  <a:srgbClr val="228B22"/>
+                </a:solidFill>
+                <a:latin typeface="Arial"/>
+              </a:rPr>
+              <a:t>BANKER'S VIEW</a:t>
+            </a:r>
+          </a:p>
+        </p:txBody>
+      </p:sp>
+      <p:sp>
+        <p:nvSpPr>
+          <p:cNvPr id="28" name="TextBox 27"/>
+          <p:cNvSpPr txBox="1"/>
+          <p:nvPr/>
+        </p:nvSpPr>
+        <p:spPr>
+          <a:xfrm>
+            <a:off x="7498079" y="3703320"/>
+            <a:ext cx="4206240" cy="457200"/>
+          </a:xfrm>
+          <a:prstGeom prst="rect">
+            <a:avLst/>
+          </a:prstGeom>
+          <a:noFill/>
+          <a:ln>
+            <a:noFill/>
+          </a:ln>
+          <a:effectLst/>
+        </p:spPr>
+        <p:txBody>
+          <a:bodyPr wrap="square">
+            <a:spAutoFit/>
+          </a:bodyPr>
+          <a:lstStyle/>
+          <a:p>
+            <a:pPr algn="l"/>
+            <a:r>
+              <a:rPr sz="900" b="0">
+                <a:solidFill>
+                  <a:srgbClr val="404040"/>
+                </a:solidFill>
+                <a:latin typeface="Arial"/>
+              </a:rPr>
+              <a:t>Strong operational resilience through diversified revenue streams and disciplined cost management supports sustainable margin expansion and reduced business risk profile.</a:t>
+            </a:r>
+          </a:p>
+        </p:txBody>
+      </p:sp>
+      <p:sp>
+        <p:nvSpPr>
+          <p:cNvPr id="29" name="TextBox 28"/>
+          <p:cNvSpPr txBox="1"/>
+          <p:nvPr/>
+        </p:nvSpPr>
+        <p:spPr>
+          <a:xfrm>
+            <a:off x="457200" y="6309360"/>
+            <a:ext cx="5486400" cy="365760"/>
+          </a:xfrm>
+          <a:prstGeom prst="rect">
+            <a:avLst/>
+          </a:prstGeom>
+          <a:noFill/>
+        </p:spPr>
+        <p:txBody>
+          <a:bodyPr wrap="none" anchor="ctr">
+            <a:spAutoFit/>
+          </a:bodyPr>
+          <a:lstStyle/>
+          <a:p>
+            <a:pPr algn="l">
+              <a:defRPr sz="900">
+                <a:solidFill>
+                  <a:srgbClr val="808080"/>
+                </a:solidFill>
+                <a:latin typeface="Arial"/>
+              </a:defRPr>
+            </a:pPr>
+            <a:r>
+              <a:t>Confidential | September 11, 2025</a:t>
+            </a:r>
+          </a:p>
+        </p:txBody>
+      </p:sp>
+      <p:sp>
+        <p:nvSpPr>
+          <p:cNvPr id="30" name="TextBox 29"/>
+          <p:cNvSpPr txBox="1"/>
+          <p:nvPr/>
+        </p:nvSpPr>
+        <p:spPr>
+          <a:xfrm>
+            <a:off x="9144000" y="6309360"/>
+            <a:ext cx="2743200" cy="365760"/>
+          </a:xfrm>
+          <a:prstGeom prst="rect">
+            <a:avLst/>
+          </a:prstGeom>
+          <a:noFill/>
+        </p:spPr>
+        <p:txBody>
+          <a:bodyPr wrap="none" anchor="ctr">
+            <a:spAutoFit/>
+          </a:bodyPr>
+          <a:lstStyle/>
+          <a:p>
+            <a:pPr algn="r">
+              <a:defRPr sz="900">
+                <a:solidFill>
+                  <a:srgbClr val="808080"/>
+                </a:solidFill>
+                <a:latin typeface="Arial"/>
+              </a:defRPr>
+            </a:pPr>
+            <a:r>
               <a:t>TechCorp Solutions</a:t>
             </a:r>
           </a:p>
@@ -6164,7 +7219,7 @@
                 </a:solidFill>
                 <a:latin typeface="Arial"/>
               </a:rPr>
-              <a:t>Historical Financial Performance</a:t>
+              <a:t>Investment Opportunity</a:t>
             </a:r>
           </a:p>
         </p:txBody>
@@ -6221,32 +7276,29 @@
         <p:spPr>
           <a:xfrm>
             <a:off x="914400" y="1280160"/>
-            <a:ext cx="5486400" cy="274320"/>
-          </a:xfrm>
-          <a:prstGeom prst="rect">
-            <a:avLst/>
-          </a:prstGeom>
-          <a:noFill/>
-          <a:ln>
-            <a:noFill/>
-          </a:ln>
-          <a:effectLst/>
-        </p:spPr>
-        <p:txBody>
-          <a:bodyPr wrap="square">
+            <a:ext cx="5029200" cy="457200"/>
+          </a:xfrm>
+          <a:prstGeom prst="rect">
+            <a:avLst/>
+          </a:prstGeom>
+          <a:noFill/>
+        </p:spPr>
+        <p:txBody>
+          <a:bodyPr wrap="none">
             <a:spAutoFit/>
           </a:bodyPr>
           <a:lstStyle/>
           <a:p>
-            <a:pPr algn="l"/>
-            <a:r>
-              <a:rPr sz="1400" b="1">
+            <a:pPr algn="ctr">
+              <a:defRPr sz="1100" b="1">
                 <a:solidFill>
                   <a:srgbClr val="183A58"/>
                 </a:solidFill>
                 <a:latin typeface="Arial"/>
-              </a:rPr>
-              <a:t>EBITDA Margin Trend</a:t>
+              </a:defRPr>
+            </a:pPr>
+            <a:r>
+              <a:t>Considerations</a:t>
             </a:r>
           </a:p>
         </p:txBody>
@@ -6259,33 +7311,30 @@
         </p:nvSpPr>
         <p:spPr>
           <a:xfrm>
-            <a:off x="914400" y="1828800"/>
-            <a:ext cx="5486400" cy="914400"/>
-          </a:xfrm>
-          <a:prstGeom prst="rect">
-            <a:avLst/>
-          </a:prstGeom>
-          <a:noFill/>
-          <a:ln>
-            <a:noFill/>
-          </a:ln>
-          <a:effectLst/>
-        </p:spPr>
-        <p:txBody>
-          <a:bodyPr wrap="square">
+            <a:off x="6400800" y="1280160"/>
+            <a:ext cx="5029200" cy="457200"/>
+          </a:xfrm>
+          <a:prstGeom prst="rect">
+            <a:avLst/>
+          </a:prstGeom>
+          <a:noFill/>
+        </p:spPr>
+        <p:txBody>
+          <a:bodyPr wrap="none">
             <a:spAutoFit/>
           </a:bodyPr>
           <a:lstStyle/>
           <a:p>
-            <a:pPr algn="l"/>
-            <a:r>
-              <a:rPr sz="1200" b="0">
-                <a:solidFill>
-                  <a:srgbClr val="404040"/>
+            <a:pPr algn="ctr">
+              <a:defRPr sz="1100" b="1">
+                <a:solidFill>
+                  <a:srgbClr val="183A58"/>
                 </a:solidFill>
                 <a:latin typeface="Arial"/>
-              </a:rPr>
-              <a:t>EBITDA margin trend chart will be displayed here.</a:t>
+              </a:defRPr>
+            </a:pPr>
+            <a:r>
+              <a:t>Mitigants</a:t>
             </a:r>
           </a:p>
         </p:txBody>
@@ -6298,934 +7347,7 @@
         </p:nvSpPr>
         <p:spPr>
           <a:xfrm>
-            <a:off x="4572000" y="3749039"/>
-            <a:ext cx="2286000" cy="137160"/>
-          </a:xfrm>
-          <a:prstGeom prst="rect">
-            <a:avLst/>
-          </a:prstGeom>
-          <a:noFill/>
-          <a:ln>
-            <a:noFill/>
-          </a:ln>
-          <a:effectLst/>
-        </p:spPr>
-        <p:txBody>
-          <a:bodyPr wrap="square">
-            <a:spAutoFit/>
-          </a:bodyPr>
-          <a:lstStyle/>
-          <a:p>
-            <a:pPr algn="r"/>
-            <a:r>
-              <a:rPr sz="800" b="0">
-                <a:solidFill>
-                  <a:srgbClr val="404040"/>
-                </a:solidFill>
-                <a:latin typeface="Arial"/>
-              </a:rPr>
-              <a:t>Source: Company financials</a:t>
-            </a:r>
-          </a:p>
-        </p:txBody>
-      </p:sp>
-      <p:sp>
-        <p:nvSpPr>
-          <p:cNvPr id="7" name="TextBox 6"/>
-          <p:cNvSpPr txBox="1"/>
-          <p:nvPr/>
-        </p:nvSpPr>
-        <p:spPr>
-          <a:xfrm>
-            <a:off x="914400" y="4023360"/>
-            <a:ext cx="5486400" cy="274320"/>
-          </a:xfrm>
-          <a:prstGeom prst="rect">
-            <a:avLst/>
-          </a:prstGeom>
-          <a:noFill/>
-          <a:ln>
-            <a:noFill/>
-          </a:ln>
-          <a:effectLst/>
-        </p:spPr>
-        <p:txBody>
-          <a:bodyPr wrap="square">
-            <a:spAutoFit/>
-          </a:bodyPr>
-          <a:lstStyle/>
-          <a:p>
-            <a:pPr algn="l"/>
-            <a:r>
-              <a:rPr sz="1400" b="1">
-                <a:solidFill>
-                  <a:srgbClr val="183A58"/>
-                </a:solidFill>
-                <a:latin typeface="Arial"/>
-              </a:rPr>
-              <a:t>Cost Management &amp; Efficiency Initiatives</a:t>
-            </a:r>
-          </a:p>
-        </p:txBody>
-      </p:sp>
-      <p:sp>
-        <p:nvSpPr>
-          <p:cNvPr id="8" name="Oval 7"/>
-          <p:cNvSpPr/>
-          <p:nvPr/>
-        </p:nvSpPr>
-        <p:spPr>
-          <a:xfrm>
-            <a:off x="1097280" y="4389120"/>
-            <a:ext cx="54864" cy="54864"/>
-          </a:xfrm>
-          <a:prstGeom prst="ellipse">
-            <a:avLst/>
-          </a:prstGeom>
-          <a:solidFill>
-            <a:srgbClr val="B5975B"/>
-          </a:solidFill>
-          <a:ln>
-            <a:noFill/>
-          </a:ln>
-          <a:effectLst/>
-        </p:spPr>
-        <p:style>
-          <a:lnRef idx="1">
-            <a:schemeClr val="accent1"/>
-          </a:lnRef>
-          <a:fillRef idx="3">
-            <a:schemeClr val="accent1"/>
-          </a:fillRef>
-          <a:effectRef idx="2">
-            <a:schemeClr val="accent1"/>
-          </a:effectRef>
-          <a:fontRef idx="minor">
-            <a:schemeClr val="lt1"/>
-          </a:fontRef>
-        </p:style>
-        <p:txBody>
-          <a:bodyPr rtlCol="0" anchor="ctr"/>
-          <a:lstStyle/>
-          <a:p>
-            <a:pPr algn="ctr"/>
-          </a:p>
-        </p:txBody>
-      </p:sp>
-      <p:sp>
-        <p:nvSpPr>
-          <p:cNvPr id="9" name="TextBox 8"/>
-          <p:cNvSpPr txBox="1"/>
-          <p:nvPr/>
-        </p:nvSpPr>
-        <p:spPr>
-          <a:xfrm>
-            <a:off x="1234440" y="4343400"/>
-            <a:ext cx="5029200" cy="137160"/>
-          </a:xfrm>
-          <a:prstGeom prst="rect">
-            <a:avLst/>
-          </a:prstGeom>
-          <a:noFill/>
-          <a:ln>
-            <a:noFill/>
-          </a:ln>
-          <a:effectLst/>
-        </p:spPr>
-        <p:txBody>
-          <a:bodyPr wrap="square">
-            <a:spAutoFit/>
-          </a:bodyPr>
-          <a:lstStyle/>
-          <a:p>
-            <a:pPr algn="l"/>
-            <a:r>
-              <a:rPr sz="1000" b="1">
-                <a:solidFill>
-                  <a:srgbClr val="183A58"/>
-                </a:solidFill>
-                <a:latin typeface="Arial"/>
-              </a:rPr>
-              <a:t>Operational Efficiency</a:t>
-            </a:r>
-          </a:p>
-        </p:txBody>
-      </p:sp>
-      <p:sp>
-        <p:nvSpPr>
-          <p:cNvPr id="10" name="TextBox 9"/>
-          <p:cNvSpPr txBox="1"/>
-          <p:nvPr/>
-        </p:nvSpPr>
-        <p:spPr>
-          <a:xfrm>
-            <a:off x="1234440" y="4480560"/>
-            <a:ext cx="5029200" cy="256032"/>
-          </a:xfrm>
-          <a:prstGeom prst="rect">
-            <a:avLst/>
-          </a:prstGeom>
-          <a:noFill/>
-          <a:ln>
-            <a:noFill/>
-          </a:ln>
-          <a:effectLst/>
-        </p:spPr>
-        <p:txBody>
-          <a:bodyPr wrap="square">
-            <a:spAutoFit/>
-          </a:bodyPr>
-          <a:lstStyle/>
-          <a:p>
-            <a:pPr algn="l"/>
-            <a:r>
-              <a:rPr sz="900" b="0">
-                <a:solidFill>
-                  <a:srgbClr val="404040"/>
-                </a:solidFill>
-                <a:latin typeface="Arial"/>
-              </a:rPr>
-              <a:t>Streamlined processes and resource optimization initiatives</a:t>
-            </a:r>
-          </a:p>
-        </p:txBody>
-      </p:sp>
-      <p:sp>
-        <p:nvSpPr>
-          <p:cNvPr id="11" name="Oval 10"/>
-          <p:cNvSpPr/>
-          <p:nvPr/>
-        </p:nvSpPr>
-        <p:spPr>
-          <a:xfrm>
-            <a:off x="1097280" y="4800600"/>
-            <a:ext cx="54864" cy="54864"/>
-          </a:xfrm>
-          <a:prstGeom prst="ellipse">
-            <a:avLst/>
-          </a:prstGeom>
-          <a:solidFill>
-            <a:srgbClr val="B5975B"/>
-          </a:solidFill>
-          <a:ln>
-            <a:noFill/>
-          </a:ln>
-          <a:effectLst/>
-        </p:spPr>
-        <p:style>
-          <a:lnRef idx="1">
-            <a:schemeClr val="accent1"/>
-          </a:lnRef>
-          <a:fillRef idx="3">
-            <a:schemeClr val="accent1"/>
-          </a:fillRef>
-          <a:effectRef idx="2">
-            <a:schemeClr val="accent1"/>
-          </a:effectRef>
-          <a:fontRef idx="minor">
-            <a:schemeClr val="lt1"/>
-          </a:fontRef>
-        </p:style>
-        <p:txBody>
-          <a:bodyPr rtlCol="0" anchor="ctr"/>
-          <a:lstStyle/>
-          <a:p>
-            <a:pPr algn="ctr"/>
-          </a:p>
-        </p:txBody>
-      </p:sp>
-      <p:sp>
-        <p:nvSpPr>
-          <p:cNvPr id="12" name="TextBox 11"/>
-          <p:cNvSpPr txBox="1"/>
-          <p:nvPr/>
-        </p:nvSpPr>
-        <p:spPr>
-          <a:xfrm>
-            <a:off x="1234440" y="4754880"/>
-            <a:ext cx="5029200" cy="137160"/>
-          </a:xfrm>
-          <a:prstGeom prst="rect">
-            <a:avLst/>
-          </a:prstGeom>
-          <a:noFill/>
-          <a:ln>
-            <a:noFill/>
-          </a:ln>
-          <a:effectLst/>
-        </p:spPr>
-        <p:txBody>
-          <a:bodyPr wrap="square">
-            <a:spAutoFit/>
-          </a:bodyPr>
-          <a:lstStyle/>
-          <a:p>
-            <a:pPr algn="l"/>
-            <a:r>
-              <a:rPr sz="1000" b="1">
-                <a:solidFill>
-                  <a:srgbClr val="183A58"/>
-                </a:solidFill>
-                <a:latin typeface="Arial"/>
-              </a:rPr>
-              <a:t>Technology Investment</a:t>
-            </a:r>
-          </a:p>
-        </p:txBody>
-      </p:sp>
-      <p:sp>
-        <p:nvSpPr>
-          <p:cNvPr id="13" name="TextBox 12"/>
-          <p:cNvSpPr txBox="1"/>
-          <p:nvPr/>
-        </p:nvSpPr>
-        <p:spPr>
-          <a:xfrm>
-            <a:off x="1234440" y="4892040"/>
-            <a:ext cx="5029200" cy="256032"/>
-          </a:xfrm>
-          <a:prstGeom prst="rect">
-            <a:avLst/>
-          </a:prstGeom>
-          <a:noFill/>
-          <a:ln>
-            <a:noFill/>
-          </a:ln>
-          <a:effectLst/>
-        </p:spPr>
-        <p:txBody>
-          <a:bodyPr wrap="square">
-            <a:spAutoFit/>
-          </a:bodyPr>
-          <a:lstStyle/>
-          <a:p>
-            <a:pPr algn="l"/>
-            <a:r>
-              <a:rPr sz="900" b="0">
-                <a:solidFill>
-                  <a:srgbClr val="404040"/>
-                </a:solidFill>
-                <a:latin typeface="Arial"/>
-              </a:rPr>
-              <a:t>Digital transformation reducing administrative overhead</a:t>
-            </a:r>
-          </a:p>
-        </p:txBody>
-      </p:sp>
-      <p:sp>
-        <p:nvSpPr>
-          <p:cNvPr id="14" name="Oval 13"/>
-          <p:cNvSpPr/>
-          <p:nvPr/>
-        </p:nvSpPr>
-        <p:spPr>
-          <a:xfrm>
-            <a:off x="1097280" y="5212080"/>
-            <a:ext cx="54864" cy="54864"/>
-          </a:xfrm>
-          <a:prstGeom prst="ellipse">
-            <a:avLst/>
-          </a:prstGeom>
-          <a:solidFill>
-            <a:srgbClr val="B5975B"/>
-          </a:solidFill>
-          <a:ln>
-            <a:noFill/>
-          </a:ln>
-          <a:effectLst/>
-        </p:spPr>
-        <p:style>
-          <a:lnRef idx="1">
-            <a:schemeClr val="accent1"/>
-          </a:lnRef>
-          <a:fillRef idx="3">
-            <a:schemeClr val="accent1"/>
-          </a:fillRef>
-          <a:effectRef idx="2">
-            <a:schemeClr val="accent1"/>
-          </a:effectRef>
-          <a:fontRef idx="minor">
-            <a:schemeClr val="lt1"/>
-          </a:fontRef>
-        </p:style>
-        <p:txBody>
-          <a:bodyPr rtlCol="0" anchor="ctr"/>
-          <a:lstStyle/>
-          <a:p>
-            <a:pPr algn="ctr"/>
-          </a:p>
-        </p:txBody>
-      </p:sp>
-      <p:sp>
-        <p:nvSpPr>
-          <p:cNvPr id="15" name="TextBox 14"/>
-          <p:cNvSpPr txBox="1"/>
-          <p:nvPr/>
-        </p:nvSpPr>
-        <p:spPr>
-          <a:xfrm>
-            <a:off x="1234440" y="5166360"/>
-            <a:ext cx="5029200" cy="137160"/>
-          </a:xfrm>
-          <a:prstGeom prst="rect">
-            <a:avLst/>
-          </a:prstGeom>
-          <a:noFill/>
-          <a:ln>
-            <a:noFill/>
-          </a:ln>
-          <a:effectLst/>
-        </p:spPr>
-        <p:txBody>
-          <a:bodyPr wrap="square">
-            <a:spAutoFit/>
-          </a:bodyPr>
-          <a:lstStyle/>
-          <a:p>
-            <a:pPr algn="l"/>
-            <a:r>
-              <a:rPr sz="1000" b="1">
-                <a:solidFill>
-                  <a:srgbClr val="183A58"/>
-                </a:solidFill>
-                <a:latin typeface="Arial"/>
-              </a:rPr>
-              <a:t>Supply Chain Management</a:t>
-            </a:r>
-          </a:p>
-        </p:txBody>
-      </p:sp>
-      <p:sp>
-        <p:nvSpPr>
-          <p:cNvPr id="16" name="TextBox 15"/>
-          <p:cNvSpPr txBox="1"/>
-          <p:nvPr/>
-        </p:nvSpPr>
-        <p:spPr>
-          <a:xfrm>
-            <a:off x="1234440" y="5303520"/>
-            <a:ext cx="5029200" cy="256032"/>
-          </a:xfrm>
-          <a:prstGeom prst="rect">
-            <a:avLst/>
-          </a:prstGeom>
-          <a:noFill/>
-          <a:ln>
-            <a:noFill/>
-          </a:ln>
-          <a:effectLst/>
-        </p:spPr>
-        <p:txBody>
-          <a:bodyPr wrap="square">
-            <a:spAutoFit/>
-          </a:bodyPr>
-          <a:lstStyle/>
-          <a:p>
-            <a:pPr algn="l"/>
-            <a:r>
-              <a:rPr sz="900" b="0">
-                <a:solidFill>
-                  <a:srgbClr val="404040"/>
-                </a:solidFill>
-                <a:latin typeface="Arial"/>
-              </a:rPr>
-              <a:t>Centralized procurement and vendor consolidation</a:t>
-            </a:r>
-          </a:p>
-        </p:txBody>
-      </p:sp>
-      <p:sp>
-        <p:nvSpPr>
-          <p:cNvPr id="17" name="TextBox 16"/>
-          <p:cNvSpPr txBox="1"/>
-          <p:nvPr/>
-        </p:nvSpPr>
-        <p:spPr>
-          <a:xfrm>
-            <a:off x="7315200" y="1280160"/>
-            <a:ext cx="4572000" cy="274320"/>
-          </a:xfrm>
-          <a:prstGeom prst="rect">
-            <a:avLst/>
-          </a:prstGeom>
-          <a:noFill/>
-          <a:ln>
-            <a:noFill/>
-          </a:ln>
-          <a:effectLst/>
-        </p:spPr>
-        <p:txBody>
-          <a:bodyPr wrap="square">
-            <a:spAutoFit/>
-          </a:bodyPr>
-          <a:lstStyle/>
-          <a:p>
-            <a:pPr algn="l"/>
-            <a:r>
-              <a:rPr sz="1400" b="1">
-                <a:solidFill>
-                  <a:srgbClr val="183A58"/>
-                </a:solidFill>
-                <a:latin typeface="Arial"/>
-              </a:rPr>
-              <a:t>Risk Mitigation Strategies</a:t>
-            </a:r>
-          </a:p>
-        </p:txBody>
-      </p:sp>
-      <p:sp>
-        <p:nvSpPr>
-          <p:cNvPr id="18" name="Rectangle 17"/>
-          <p:cNvSpPr/>
-          <p:nvPr/>
-        </p:nvSpPr>
-        <p:spPr>
-          <a:xfrm>
-            <a:off x="7315200" y="1645920"/>
-            <a:ext cx="4572000" cy="1645920"/>
-          </a:xfrm>
-          <a:prstGeom prst="rect">
-            <a:avLst/>
-          </a:prstGeom>
-          <a:solidFill>
-            <a:srgbClr val="F0F0F0"/>
-          </a:solidFill>
-          <a:ln>
-            <a:noFill/>
-          </a:ln>
-          <a:effectLst/>
-        </p:spPr>
-        <p:style>
-          <a:lnRef idx="1">
-            <a:schemeClr val="accent1"/>
-          </a:lnRef>
-          <a:fillRef idx="3">
-            <a:schemeClr val="accent1"/>
-          </a:fillRef>
-          <a:effectRef idx="2">
-            <a:schemeClr val="accent1"/>
-          </a:effectRef>
-          <a:fontRef idx="minor">
-            <a:schemeClr val="lt1"/>
-          </a:fontRef>
-        </p:style>
-        <p:txBody>
-          <a:bodyPr rtlCol="0" anchor="ctr"/>
-          <a:lstStyle/>
-          <a:p>
-            <a:pPr algn="ctr"/>
-          </a:p>
-        </p:txBody>
-      </p:sp>
-      <p:sp>
-        <p:nvSpPr>
-          <p:cNvPr id="19" name="Rectangle 18"/>
-          <p:cNvSpPr/>
-          <p:nvPr/>
-        </p:nvSpPr>
-        <p:spPr>
-          <a:xfrm>
-            <a:off x="7315200" y="1645920"/>
-            <a:ext cx="91440" cy="1645920"/>
-          </a:xfrm>
-          <a:prstGeom prst="rect">
-            <a:avLst/>
-          </a:prstGeom>
-          <a:solidFill>
-            <a:srgbClr val="B5975B"/>
-          </a:solidFill>
-          <a:ln>
-            <a:noFill/>
-          </a:ln>
-          <a:effectLst/>
-        </p:spPr>
-        <p:style>
-          <a:lnRef idx="1">
-            <a:schemeClr val="accent1"/>
-          </a:lnRef>
-          <a:fillRef idx="3">
-            <a:schemeClr val="accent1"/>
-          </a:fillRef>
-          <a:effectRef idx="2">
-            <a:schemeClr val="accent1"/>
-          </a:effectRef>
-          <a:fontRef idx="minor">
-            <a:schemeClr val="lt1"/>
-          </a:fontRef>
-        </p:style>
-        <p:txBody>
-          <a:bodyPr rtlCol="0" anchor="ctr"/>
-          <a:lstStyle/>
-          <a:p>
-            <a:pPr algn="ctr"/>
-          </a:p>
-        </p:txBody>
-      </p:sp>
-      <p:sp>
-        <p:nvSpPr>
-          <p:cNvPr id="20" name="TextBox 19"/>
-          <p:cNvSpPr txBox="1"/>
-          <p:nvPr/>
-        </p:nvSpPr>
-        <p:spPr>
-          <a:xfrm>
-            <a:off x="7589520" y="1737360"/>
-            <a:ext cx="4114800" cy="228600"/>
-          </a:xfrm>
-          <a:prstGeom prst="rect">
-            <a:avLst/>
-          </a:prstGeom>
-          <a:noFill/>
-          <a:ln>
-            <a:noFill/>
-          </a:ln>
-          <a:effectLst/>
-        </p:spPr>
-        <p:txBody>
-          <a:bodyPr wrap="square">
-            <a:spAutoFit/>
-          </a:bodyPr>
-          <a:lstStyle/>
-          <a:p>
-            <a:pPr algn="l"/>
-            <a:r>
-              <a:rPr sz="1200" b="1">
-                <a:solidFill>
-                  <a:srgbClr val="B5975B"/>
-                </a:solidFill>
-                <a:latin typeface="Arial"/>
-              </a:rPr>
-              <a:t>Diversified Revenue Strategy</a:t>
-            </a:r>
-          </a:p>
-        </p:txBody>
-      </p:sp>
-      <p:sp>
-        <p:nvSpPr>
-          <p:cNvPr id="21" name="TextBox 20"/>
-          <p:cNvSpPr txBox="1"/>
-          <p:nvPr/>
-        </p:nvSpPr>
-        <p:spPr>
-          <a:xfrm>
-            <a:off x="7589520" y="1965960"/>
-            <a:ext cx="4114800" cy="320040"/>
-          </a:xfrm>
-          <a:prstGeom prst="rect">
-            <a:avLst/>
-          </a:prstGeom>
-          <a:noFill/>
-          <a:ln>
-            <a:noFill/>
-          </a:ln>
-          <a:effectLst/>
-        </p:spPr>
-        <p:txBody>
-          <a:bodyPr wrap="square">
-            <a:spAutoFit/>
-          </a:bodyPr>
-          <a:lstStyle/>
-          <a:p>
-            <a:pPr algn="l"/>
-            <a:r>
-              <a:rPr sz="1000" b="0">
-                <a:solidFill>
-                  <a:srgbClr val="404040"/>
-                </a:solidFill>
-                <a:latin typeface="Arial"/>
-              </a:rPr>
-              <a:t>Multiple revenue streams and operational efficiency measures provide resilience against market volatility and cost pressures</a:t>
-            </a:r>
-          </a:p>
-        </p:txBody>
-      </p:sp>
-      <p:sp>
-        <p:nvSpPr>
-          <p:cNvPr id="22" name="TextBox 21"/>
-          <p:cNvSpPr txBox="1"/>
-          <p:nvPr/>
-        </p:nvSpPr>
-        <p:spPr>
-          <a:xfrm>
-            <a:off x="7589520" y="2331720"/>
-            <a:ext cx="4114800" cy="164592"/>
-          </a:xfrm>
-          <a:prstGeom prst="rect">
-            <a:avLst/>
-          </a:prstGeom>
-          <a:noFill/>
-          <a:ln>
-            <a:noFill/>
-          </a:ln>
-          <a:effectLst/>
-        </p:spPr>
-        <p:txBody>
-          <a:bodyPr wrap="square">
-            <a:spAutoFit/>
-          </a:bodyPr>
-          <a:lstStyle/>
-          <a:p>
-            <a:pPr algn="l"/>
-            <a:r>
-              <a:rPr sz="1000" b="1">
-                <a:solidFill>
-                  <a:srgbClr val="183A58"/>
-                </a:solidFill>
-                <a:latin typeface="Arial"/>
-              </a:rPr>
-              <a:t>Key Benefits:</a:t>
-            </a:r>
-          </a:p>
-        </p:txBody>
-      </p:sp>
-      <p:sp>
-        <p:nvSpPr>
-          <p:cNvPr id="23" name="TextBox 22"/>
-          <p:cNvSpPr txBox="1"/>
-          <p:nvPr/>
-        </p:nvSpPr>
-        <p:spPr>
-          <a:xfrm>
-            <a:off x="7772400" y="2514600"/>
-            <a:ext cx="3931920" cy="100584"/>
-          </a:xfrm>
-          <a:prstGeom prst="rect">
-            <a:avLst/>
-          </a:prstGeom>
-          <a:noFill/>
-          <a:ln>
-            <a:noFill/>
-          </a:ln>
-          <a:effectLst/>
-        </p:spPr>
-        <p:txBody>
-          <a:bodyPr wrap="square">
-            <a:spAutoFit/>
-          </a:bodyPr>
-          <a:lstStyle/>
-          <a:p>
-            <a:pPr algn="l"/>
-            <a:r>
-              <a:rPr sz="900" b="0">
-                <a:solidFill>
-                  <a:srgbClr val="404040"/>
-                </a:solidFill>
-                <a:latin typeface="Arial"/>
-              </a:rPr>
-              <a:t>• Reduced earnings volatility</a:t>
-            </a:r>
-          </a:p>
-        </p:txBody>
-      </p:sp>
-      <p:sp>
-        <p:nvSpPr>
-          <p:cNvPr id="24" name="TextBox 23"/>
-          <p:cNvSpPr txBox="1"/>
-          <p:nvPr/>
-        </p:nvSpPr>
-        <p:spPr>
-          <a:xfrm>
-            <a:off x="7772400" y="2633472"/>
-            <a:ext cx="3931920" cy="100584"/>
-          </a:xfrm>
-          <a:prstGeom prst="rect">
-            <a:avLst/>
-          </a:prstGeom>
-          <a:noFill/>
-          <a:ln>
-            <a:noFill/>
-          </a:ln>
-          <a:effectLst/>
-        </p:spPr>
-        <p:txBody>
-          <a:bodyPr wrap="square">
-            <a:spAutoFit/>
-          </a:bodyPr>
-          <a:lstStyle/>
-          <a:p>
-            <a:pPr algn="l"/>
-            <a:r>
-              <a:rPr sz="900" b="0">
-                <a:solidFill>
-                  <a:srgbClr val="404040"/>
-                </a:solidFill>
-                <a:latin typeface="Arial"/>
-              </a:rPr>
-              <a:t>• Stable cash generation</a:t>
-            </a:r>
-          </a:p>
-        </p:txBody>
-      </p:sp>
-      <p:sp>
-        <p:nvSpPr>
-          <p:cNvPr id="25" name="TextBox 24"/>
-          <p:cNvSpPr txBox="1"/>
-          <p:nvPr/>
-        </p:nvSpPr>
-        <p:spPr>
-          <a:xfrm>
-            <a:off x="7772400" y="2752344"/>
-            <a:ext cx="3931920" cy="100584"/>
-          </a:xfrm>
-          <a:prstGeom prst="rect">
-            <a:avLst/>
-          </a:prstGeom>
-          <a:noFill/>
-          <a:ln>
-            <a:noFill/>
-          </a:ln>
-          <a:effectLst/>
-        </p:spPr>
-        <p:txBody>
-          <a:bodyPr wrap="square">
-            <a:spAutoFit/>
-          </a:bodyPr>
-          <a:lstStyle/>
-          <a:p>
-            <a:pPr algn="l"/>
-            <a:r>
-              <a:rPr sz="900" b="0">
-                <a:solidFill>
-                  <a:srgbClr val="404040"/>
-                </a:solidFill>
-                <a:latin typeface="Arial"/>
-              </a:rPr>
-              <a:t>• Operational flexibility</a:t>
-            </a:r>
-          </a:p>
-        </p:txBody>
-      </p:sp>
-      <p:sp>
-        <p:nvSpPr>
-          <p:cNvPr id="26" name="Rectangle 25"/>
-          <p:cNvSpPr/>
-          <p:nvPr/>
-        </p:nvSpPr>
-        <p:spPr>
-          <a:xfrm>
-            <a:off x="7315200" y="3474720"/>
-            <a:ext cx="4572000" cy="731520"/>
-          </a:xfrm>
-          <a:prstGeom prst="rect">
-            <a:avLst/>
-          </a:prstGeom>
-          <a:solidFill>
-            <a:srgbClr val="F0FFF0"/>
-          </a:solidFill>
-          <a:ln>
-            <a:noFill/>
-          </a:ln>
-          <a:effectLst/>
-        </p:spPr>
-        <p:style>
-          <a:lnRef idx="1">
-            <a:schemeClr val="accent1"/>
-          </a:lnRef>
-          <a:fillRef idx="3">
-            <a:schemeClr val="accent1"/>
-          </a:fillRef>
-          <a:effectRef idx="2">
-            <a:schemeClr val="accent1"/>
-          </a:effectRef>
-          <a:fontRef idx="minor">
-            <a:schemeClr val="lt1"/>
-          </a:fontRef>
-        </p:style>
-        <p:txBody>
-          <a:bodyPr rtlCol="0" anchor="ctr"/>
-          <a:lstStyle/>
-          <a:p>
-            <a:pPr algn="ctr"/>
-          </a:p>
-        </p:txBody>
-      </p:sp>
-      <p:sp>
-        <p:nvSpPr>
-          <p:cNvPr id="27" name="TextBox 26"/>
-          <p:cNvSpPr txBox="1"/>
-          <p:nvPr/>
-        </p:nvSpPr>
-        <p:spPr>
-          <a:xfrm>
-            <a:off x="7498079" y="3566160"/>
-            <a:ext cx="4206240" cy="137160"/>
-          </a:xfrm>
-          <a:prstGeom prst="rect">
-            <a:avLst/>
-          </a:prstGeom>
-          <a:noFill/>
-          <a:ln>
-            <a:noFill/>
-          </a:ln>
-          <a:effectLst/>
-        </p:spPr>
-        <p:txBody>
-          <a:bodyPr wrap="square">
-            <a:spAutoFit/>
-          </a:bodyPr>
-          <a:lstStyle/>
-          <a:p>
-            <a:pPr algn="l"/>
-            <a:r>
-              <a:rPr sz="1000" b="1">
-                <a:solidFill>
-                  <a:srgbClr val="228B22"/>
-                </a:solidFill>
-                <a:latin typeface="Arial"/>
-              </a:rPr>
-              <a:t>BANKER'S VIEW</a:t>
-            </a:r>
-          </a:p>
-        </p:txBody>
-      </p:sp>
-      <p:sp>
-        <p:nvSpPr>
-          <p:cNvPr id="28" name="TextBox 27"/>
-          <p:cNvSpPr txBox="1"/>
-          <p:nvPr/>
-        </p:nvSpPr>
-        <p:spPr>
-          <a:xfrm>
-            <a:off x="7498079" y="3703320"/>
-            <a:ext cx="4206240" cy="457200"/>
-          </a:xfrm>
-          <a:prstGeom prst="rect">
-            <a:avLst/>
-          </a:prstGeom>
-          <a:noFill/>
-          <a:ln>
-            <a:noFill/>
-          </a:ln>
-          <a:effectLst/>
-        </p:spPr>
-        <p:txBody>
-          <a:bodyPr wrap="square">
-            <a:spAutoFit/>
-          </a:bodyPr>
-          <a:lstStyle/>
-          <a:p>
-            <a:pPr algn="l"/>
-            <a:r>
-              <a:rPr sz="900" b="0">
-                <a:solidFill>
-                  <a:srgbClr val="404040"/>
-                </a:solidFill>
-                <a:latin typeface="Arial"/>
-              </a:rPr>
-              <a:t>Strong operational resilience through diversified revenue streams and disciplined cost management supports sustainable margin expansion and reduced business risk profile.</a:t>
-            </a:r>
-          </a:p>
-        </p:txBody>
-      </p:sp>
-      <p:sp>
-        <p:nvSpPr>
-          <p:cNvPr id="29" name="TextBox 28"/>
-          <p:cNvSpPr txBox="1"/>
-          <p:nvPr/>
-        </p:nvSpPr>
-        <p:spPr>
-          <a:xfrm>
-            <a:off x="457200" y="6309360"/>
+            <a:off x="457200" y="6400800"/>
             <a:ext cx="5486400" cy="365760"/>
           </a:xfrm>
           <a:prstGeom prst="rect">
@@ -7255,13 +7377,13 @@
       </p:sp>
       <p:sp>
         <p:nvSpPr>
-          <p:cNvPr id="30" name="TextBox 29"/>
-          <p:cNvSpPr txBox="1"/>
-          <p:nvPr/>
-        </p:nvSpPr>
-        <p:spPr>
-          <a:xfrm>
-            <a:off x="9144000" y="6309360"/>
+          <p:cNvPr id="7" name="TextBox 6"/>
+          <p:cNvSpPr txBox="1"/>
+          <p:nvPr/>
+        </p:nvSpPr>
+        <p:spPr>
+          <a:xfrm>
+            <a:off x="9144000" y="6400800"/>
             <a:ext cx="2743200" cy="365760"/>
           </a:xfrm>
           <a:prstGeom prst="rect">
@@ -7393,211 +7515,137 @@
         </p:nvSpPr>
         <p:spPr>
           <a:xfrm>
-            <a:off x="914400" y="1280160"/>
-            <a:ext cx="5029200" cy="457200"/>
-          </a:xfrm>
-          <a:prstGeom prst="rect">
-            <a:avLst/>
-          </a:prstGeom>
-          <a:noFill/>
-        </p:spPr>
-        <p:txBody>
-          <a:bodyPr wrap="none">
-            <a:spAutoFit/>
-          </a:bodyPr>
-          <a:lstStyle/>
-          <a:p>
-            <a:pPr algn="ctr">
-              <a:defRPr sz="1100" b="1">
-                <a:solidFill>
-                  <a:srgbClr val="183A58"/>
-                </a:solidFill>
-                <a:latin typeface="Arial"/>
-              </a:defRPr>
+            <a:off x="457200" y="1371600"/>
+            <a:ext cx="5486400" cy="274320"/>
+          </a:xfrm>
+          <a:prstGeom prst="rect">
+            <a:avLst/>
+          </a:prstGeom>
+          <a:noFill/>
+          <a:ln>
+            <a:noFill/>
+          </a:ln>
+          <a:effectLst/>
+        </p:spPr>
+        <p:txBody>
+          <a:bodyPr wrap="square" lIns="73152" rIns="73152"/>
+          <a:lstStyle/>
+          <a:p>
+            <a:pPr algn="l">
+              <a:lnSpc>
+                <a:spcPct val="110000"/>
+              </a:lnSpc>
             </a:pPr>
             <a:r>
-              <a:t>Considerations</a:t>
-            </a:r>
-          </a:p>
-        </p:txBody>
-      </p:sp>
-      <p:sp>
-        <p:nvSpPr>
-          <p:cNvPr id="5" name="TextBox 4"/>
-          <p:cNvSpPr txBox="1"/>
-          <p:nvPr/>
-        </p:nvSpPr>
-        <p:spPr>
-          <a:xfrm>
-            <a:off x="6400800" y="1280160"/>
-            <a:ext cx="5029200" cy="457200"/>
-          </a:xfrm>
-          <a:prstGeom prst="rect">
-            <a:avLst/>
-          </a:prstGeom>
-          <a:noFill/>
-        </p:spPr>
-        <p:txBody>
-          <a:bodyPr wrap="none">
-            <a:spAutoFit/>
-          </a:bodyPr>
-          <a:lstStyle/>
-          <a:p>
-            <a:pPr algn="ctr">
-              <a:defRPr sz="1100" b="1">
-                <a:solidFill>
-                  <a:srgbClr val="183A58"/>
-                </a:solidFill>
-                <a:latin typeface="Arial"/>
-              </a:defRPr>
-            </a:pPr>
-            <a:r>
-              <a:t>Mitigants</a:t>
-            </a:r>
-          </a:p>
-        </p:txBody>
-      </p:sp>
-      <p:sp>
-        <p:nvSpPr>
-          <p:cNvPr id="6" name="TextBox 5"/>
-          <p:cNvSpPr txBox="1"/>
-          <p:nvPr/>
-        </p:nvSpPr>
-        <p:spPr>
-          <a:xfrm>
-            <a:off x="457200" y="6400800"/>
-            <a:ext cx="5486400" cy="365760"/>
-          </a:xfrm>
-          <a:prstGeom prst="rect">
-            <a:avLst/>
-          </a:prstGeom>
-          <a:noFill/>
-        </p:spPr>
-        <p:txBody>
-          <a:bodyPr wrap="none" anchor="ctr">
-            <a:spAutoFit/>
-          </a:bodyPr>
-          <a:lstStyle/>
-          <a:p>
-            <a:pPr algn="l">
-              <a:defRPr sz="900">
-                <a:solidFill>
-                  <a:srgbClr val="808080"/>
-                </a:solidFill>
-                <a:latin typeface="Arial"/>
-              </a:defRPr>
-            </a:pPr>
-            <a:r>
-              <a:t>Confidential | September 11, 2025</a:t>
-            </a:r>
-          </a:p>
-        </p:txBody>
-      </p:sp>
-      <p:sp>
-        <p:nvSpPr>
-          <p:cNvPr id="7" name="TextBox 6"/>
-          <p:cNvSpPr txBox="1"/>
-          <p:nvPr/>
-        </p:nvSpPr>
-        <p:spPr>
-          <a:xfrm>
-            <a:off x="9144000" y="6400800"/>
-            <a:ext cx="2743200" cy="365760"/>
-          </a:xfrm>
-          <a:prstGeom prst="rect">
-            <a:avLst/>
-          </a:prstGeom>
-          <a:noFill/>
-        </p:spPr>
-        <p:txBody>
-          <a:bodyPr wrap="none" anchor="ctr">
-            <a:spAutoFit/>
-          </a:bodyPr>
-          <a:lstStyle/>
-          <a:p>
-            <a:pPr algn="r">
-              <a:defRPr sz="900">
-                <a:solidFill>
-                  <a:srgbClr val="808080"/>
-                </a:solidFill>
-                <a:latin typeface="Arial"/>
-              </a:defRPr>
-            </a:pPr>
-            <a:r>
-              <a:t>TechCorp Solutions</a:t>
-            </a:r>
-          </a:p>
-        </p:txBody>
-      </p:sp>
-    </p:spTree>
-  </p:cSld>
-  <p:clrMapOvr>
-    <a:masterClrMapping/>
-  </p:clrMapOvr>
-</p:sld>
-</file>
-
-<file path=ppt/slides/slide16.xml><?xml version="1.0" encoding="utf-8"?>
-<p:sld xmlns:a="http://schemas.openxmlformats.org/drawingml/2006/main" xmlns:p="http://schemas.openxmlformats.org/presentationml/2006/main" xmlns:r="http://schemas.openxmlformats.org/officeDocument/2006/relationships">
-  <p:cSld>
-    <p:spTree>
-      <p:nvGrpSpPr>
-        <p:cNvPr id="1" name=""/>
-        <p:cNvGrpSpPr/>
-        <p:nvPr/>
-      </p:nvGrpSpPr>
-      <p:grpSpPr/>
-      <p:sp>
-        <p:nvSpPr>
-          <p:cNvPr id="2" name="TextBox 1"/>
-          <p:cNvSpPr txBox="1"/>
-          <p:nvPr/>
-        </p:nvSpPr>
-        <p:spPr>
-          <a:xfrm>
-            <a:off x="457200" y="274320"/>
-            <a:ext cx="11277295" cy="731520"/>
-          </a:xfrm>
-          <a:prstGeom prst="rect">
-            <a:avLst/>
-          </a:prstGeom>
-          <a:noFill/>
-        </p:spPr>
-        <p:txBody>
-          <a:bodyPr wrap="none" lIns="0" tIns="0" rIns="0" bIns="0">
-            <a:spAutoFit/>
-          </a:bodyPr>
-          <a:lstStyle/>
-          <a:p>
-            <a:pPr algn="l"/>
-            <a:r>
-              <a:rPr sz="2400" b="1">
+              <a:rPr sz="1400" b="1">
                 <a:solidFill>
                   <a:srgbClr val="183A58"/>
                 </a:solidFill>
                 <a:latin typeface="Arial"/>
               </a:rPr>
-              <a:t>Investment Opportunity</a:t>
-            </a:r>
-          </a:p>
-        </p:txBody>
-      </p:sp>
-      <p:sp>
-        <p:nvSpPr>
-          <p:cNvPr id="3" name="Rectangle 2"/>
+              <a:t>Key Diligence Topics</a:t>
+            </a:r>
+          </a:p>
+        </p:txBody>
+      </p:sp>
+      <p:sp>
+        <p:nvSpPr>
+          <p:cNvPr id="5" name="TextBox 4"/>
+          <p:cNvSpPr txBox="1"/>
+          <p:nvPr/>
+        </p:nvSpPr>
+        <p:spPr>
+          <a:xfrm>
+            <a:off x="457200" y="3657600"/>
+            <a:ext cx="5486400" cy="274320"/>
+          </a:xfrm>
+          <a:prstGeom prst="rect">
+            <a:avLst/>
+          </a:prstGeom>
+          <a:noFill/>
+          <a:ln>
+            <a:noFill/>
+          </a:ln>
+          <a:effectLst/>
+        </p:spPr>
+        <p:txBody>
+          <a:bodyPr wrap="square" lIns="73152" rIns="73152"/>
+          <a:lstStyle/>
+          <a:p>
+            <a:pPr algn="l">
+              <a:lnSpc>
+                <a:spcPct val="110000"/>
+              </a:lnSpc>
+            </a:pPr>
+            <a:r>
+              <a:rPr sz="1400" b="1">
+                <a:solidFill>
+                  <a:srgbClr val="183A58"/>
+                </a:solidFill>
+                <a:latin typeface="Arial"/>
+              </a:rPr>
+              <a:t>Risk Factors &amp; Mitigants</a:t>
+            </a:r>
+          </a:p>
+        </p:txBody>
+      </p:sp>
+      <p:sp>
+        <p:nvSpPr>
+          <p:cNvPr id="6" name="TextBox 5"/>
+          <p:cNvSpPr txBox="1"/>
+          <p:nvPr/>
+        </p:nvSpPr>
+        <p:spPr>
+          <a:xfrm>
+            <a:off x="6400800" y="1371600"/>
+            <a:ext cx="5303520" cy="274320"/>
+          </a:xfrm>
+          <a:prstGeom prst="rect">
+            <a:avLst/>
+          </a:prstGeom>
+          <a:noFill/>
+          <a:ln>
+            <a:noFill/>
+          </a:ln>
+          <a:effectLst/>
+        </p:spPr>
+        <p:txBody>
+          <a:bodyPr wrap="square" lIns="73152" rIns="73152"/>
+          <a:lstStyle/>
+          <a:p>
+            <a:pPr algn="l">
+              <a:lnSpc>
+                <a:spcPct val="110000"/>
+              </a:lnSpc>
+            </a:pPr>
+            <a:r>
+              <a:rPr sz="1400" b="1">
+                <a:solidFill>
+                  <a:srgbClr val="183A58"/>
+                </a:solidFill>
+                <a:latin typeface="Arial"/>
+              </a:rPr>
+              <a:t>Investment Highlights</a:t>
+            </a:r>
+          </a:p>
+        </p:txBody>
+      </p:sp>
+      <p:sp>
+        <p:nvSpPr>
+          <p:cNvPr id="7" name="Oval 6"/>
           <p:cNvSpPr/>
           <p:nvPr/>
         </p:nvSpPr>
         <p:spPr>
           <a:xfrm>
-            <a:off x="457200" y="914400"/>
-            <a:ext cx="11277295" cy="45720"/>
-          </a:xfrm>
-          <a:prstGeom prst="rect">
+            <a:off x="6537960" y="1764792"/>
+            <a:ext cx="54864" cy="54864"/>
+          </a:xfrm>
+          <a:prstGeom prst="ellipse">
             <a:avLst/>
           </a:prstGeom>
           <a:solidFill>
-            <a:srgbClr val="183A58"/>
+            <a:srgbClr val="B5975B"/>
           </a:solidFill>
           <a:ln>
             <a:noFill/>
@@ -7627,14 +7675,14 @@
       </p:sp>
       <p:sp>
         <p:nvSpPr>
-          <p:cNvPr id="4" name="TextBox 3"/>
-          <p:cNvSpPr txBox="1"/>
-          <p:nvPr/>
-        </p:nvSpPr>
-        <p:spPr>
-          <a:xfrm>
-            <a:off x="457200" y="1371600"/>
-            <a:ext cx="5486400" cy="274320"/>
+          <p:cNvPr id="8" name="TextBox 7"/>
+          <p:cNvSpPr txBox="1"/>
+          <p:nvPr/>
+        </p:nvSpPr>
+        <p:spPr>
+          <a:xfrm>
+            <a:off x="6675120" y="1691640"/>
+            <a:ext cx="5029200" cy="256032"/>
           </a:xfrm>
           <a:prstGeom prst="rect">
             <a:avLst/>
@@ -7655,27 +7703,70 @@
               </a:lnSpc>
             </a:pPr>
             <a:r>
-              <a:rPr sz="1400" b="1">
-                <a:solidFill>
-                  <a:srgbClr val="183A58"/>
+              <a:rPr sz="1000" b="0">
+                <a:solidFill>
+                  <a:srgbClr val="404040"/>
                 </a:solidFill>
                 <a:latin typeface="Arial"/>
               </a:rPr>
-              <a:t>Key Diligence Topics</a:t>
-            </a:r>
-          </a:p>
-        </p:txBody>
-      </p:sp>
-      <p:sp>
-        <p:nvSpPr>
-          <p:cNvPr id="5" name="TextBox 4"/>
-          <p:cNvSpPr txBox="1"/>
-          <p:nvPr/>
-        </p:nvSpPr>
-        <p:spPr>
-          <a:xfrm>
-            <a:off x="457200" y="3657600"/>
-            <a:ext cx="5486400" cy="274320"/>
+              <a:t>Exceptional revenue CAGR of 115% (2021-2024) with strong EBITDA margin expansion.</a:t>
+            </a:r>
+          </a:p>
+        </p:txBody>
+      </p:sp>
+      <p:sp>
+        <p:nvSpPr>
+          <p:cNvPr id="9" name="Oval 8"/>
+          <p:cNvSpPr/>
+          <p:nvPr/>
+        </p:nvSpPr>
+        <p:spPr>
+          <a:xfrm>
+            <a:off x="6537960" y="2148840"/>
+            <a:ext cx="54864" cy="54864"/>
+          </a:xfrm>
+          <a:prstGeom prst="ellipse">
+            <a:avLst/>
+          </a:prstGeom>
+          <a:solidFill>
+            <a:srgbClr val="B5975B"/>
+          </a:solidFill>
+          <a:ln>
+            <a:noFill/>
+          </a:ln>
+        </p:spPr>
+        <p:style>
+          <a:lnRef idx="1">
+            <a:schemeClr val="accent1"/>
+          </a:lnRef>
+          <a:fillRef idx="3">
+            <a:schemeClr val="accent1"/>
+          </a:fillRef>
+          <a:effectRef idx="2">
+            <a:schemeClr val="accent1"/>
+          </a:effectRef>
+          <a:fontRef idx="minor">
+            <a:schemeClr val="lt1"/>
+          </a:fontRef>
+        </p:style>
+        <p:txBody>
+          <a:bodyPr rtlCol="0" anchor="ctr"/>
+          <a:lstStyle/>
+          <a:p>
+            <a:pPr algn="ctr"/>
+          </a:p>
+        </p:txBody>
+      </p:sp>
+      <p:sp>
+        <p:nvSpPr>
+          <p:cNvPr id="10" name="TextBox 9"/>
+          <p:cNvSpPr txBox="1"/>
+          <p:nvPr/>
+        </p:nvSpPr>
+        <p:spPr>
+          <a:xfrm>
+            <a:off x="6675120" y="2075688"/>
+            <a:ext cx="5029200" cy="256032"/>
           </a:xfrm>
           <a:prstGeom prst="rect">
             <a:avLst/>
@@ -7696,27 +7787,70 @@
               </a:lnSpc>
             </a:pPr>
             <a:r>
-              <a:rPr sz="1400" b="1">
-                <a:solidFill>
-                  <a:srgbClr val="183A58"/>
+              <a:rPr sz="1000" b="0">
+                <a:solidFill>
+                  <a:srgbClr val="404040"/>
                 </a:solidFill>
                 <a:latin typeface="Arial"/>
               </a:rPr>
-              <a:t>Risk Factors &amp; Mitigants</a:t>
-            </a:r>
-          </a:p>
-        </p:txBody>
-      </p:sp>
-      <p:sp>
-        <p:nvSpPr>
-          <p:cNvPr id="6" name="TextBox 5"/>
-          <p:cNvSpPr txBox="1"/>
-          <p:nvPr/>
-        </p:nvSpPr>
-        <p:spPr>
-          <a:xfrm>
-            <a:off x="6400800" y="1371600"/>
-            <a:ext cx="5303520" cy="274320"/>
+              <a:t>Proprietary AI automation platform tailored for Middle Eastern SMEs, addressing a large and underserved market.</a:t>
+            </a:r>
+          </a:p>
+        </p:txBody>
+      </p:sp>
+      <p:sp>
+        <p:nvSpPr>
+          <p:cNvPr id="11" name="Oval 10"/>
+          <p:cNvSpPr/>
+          <p:nvPr/>
+        </p:nvSpPr>
+        <p:spPr>
+          <a:xfrm>
+            <a:off x="6537960" y="2532888"/>
+            <a:ext cx="54864" cy="54864"/>
+          </a:xfrm>
+          <a:prstGeom prst="ellipse">
+            <a:avLst/>
+          </a:prstGeom>
+          <a:solidFill>
+            <a:srgbClr val="B5975B"/>
+          </a:solidFill>
+          <a:ln>
+            <a:noFill/>
+          </a:ln>
+        </p:spPr>
+        <p:style>
+          <a:lnRef idx="1">
+            <a:schemeClr val="accent1"/>
+          </a:lnRef>
+          <a:fillRef idx="3">
+            <a:schemeClr val="accent1"/>
+          </a:fillRef>
+          <a:effectRef idx="2">
+            <a:schemeClr val="accent1"/>
+          </a:effectRef>
+          <a:fontRef idx="minor">
+            <a:schemeClr val="lt1"/>
+          </a:fontRef>
+        </p:style>
+        <p:txBody>
+          <a:bodyPr rtlCol="0" anchor="ctr"/>
+          <a:lstStyle/>
+          <a:p>
+            <a:pPr algn="ctr"/>
+          </a:p>
+        </p:txBody>
+      </p:sp>
+      <p:sp>
+        <p:nvSpPr>
+          <p:cNvPr id="12" name="TextBox 11"/>
+          <p:cNvSpPr txBox="1"/>
+          <p:nvPr/>
+        </p:nvSpPr>
+        <p:spPr>
+          <a:xfrm>
+            <a:off x="6675120" y="2459736"/>
+            <a:ext cx="5029200" cy="256032"/>
           </a:xfrm>
           <a:prstGeom prst="rect">
             <a:avLst/>
@@ -7737,26 +7871,26 @@
               </a:lnSpc>
             </a:pPr>
             <a:r>
-              <a:rPr sz="1400" b="1">
-                <a:solidFill>
-                  <a:srgbClr val="183A58"/>
+              <a:rPr sz="1000" b="0">
+                <a:solidFill>
+                  <a:srgbClr val="404040"/>
                 </a:solidFill>
                 <a:latin typeface="Arial"/>
               </a:rPr>
-              <a:t>Investment Highlights</a:t>
-            </a:r>
-          </a:p>
-        </p:txBody>
-      </p:sp>
-      <p:sp>
-        <p:nvSpPr>
-          <p:cNvPr id="7" name="Oval 6"/>
+              <a:t>Experienced management team with proven track record in scaling technology businesses regionally.</a:t>
+            </a:r>
+          </a:p>
+        </p:txBody>
+      </p:sp>
+      <p:sp>
+        <p:nvSpPr>
+          <p:cNvPr id="13" name="Oval 12"/>
           <p:cNvSpPr/>
           <p:nvPr/>
         </p:nvSpPr>
         <p:spPr>
           <a:xfrm>
-            <a:off x="6537960" y="1764792"/>
+            <a:off x="6537960" y="2916936"/>
             <a:ext cx="54864" cy="54864"/>
           </a:xfrm>
           <a:prstGeom prst="ellipse">
@@ -7793,13 +7927,13 @@
       </p:sp>
       <p:sp>
         <p:nvSpPr>
-          <p:cNvPr id="8" name="TextBox 7"/>
-          <p:cNvSpPr txBox="1"/>
-          <p:nvPr/>
-        </p:nvSpPr>
-        <p:spPr>
-          <a:xfrm>
-            <a:off x="6675120" y="1691640"/>
+          <p:cNvPr id="14" name="TextBox 13"/>
+          <p:cNvSpPr txBox="1"/>
+          <p:nvPr/>
+        </p:nvSpPr>
+        <p:spPr>
+          <a:xfrm>
+            <a:off x="6675120" y="2843784"/>
             <a:ext cx="5029200" cy="256032"/>
           </a:xfrm>
           <a:prstGeom prst="rect">
@@ -7827,20 +7961,20 @@
                 </a:solidFill>
                 <a:latin typeface="Arial"/>
               </a:rPr>
-              <a:t>Strong financial performance: $12M revenue with $3.2M EBITDA</a:t>
-            </a:r>
-          </a:p>
-        </p:txBody>
-      </p:sp>
-      <p:sp>
-        <p:nvSpPr>
-          <p:cNvPr id="9" name="Oval 8"/>
+              <a:t>Established client base and partnerships with leading enterprises and government entities.</a:t>
+            </a:r>
+          </a:p>
+        </p:txBody>
+      </p:sp>
+      <p:sp>
+        <p:nvSpPr>
+          <p:cNvPr id="15" name="Oval 14"/>
           <p:cNvSpPr/>
           <p:nvPr/>
         </p:nvSpPr>
         <p:spPr>
           <a:xfrm>
-            <a:off x="6537960" y="2148840"/>
+            <a:off x="6537960" y="3300984"/>
             <a:ext cx="54864" cy="54864"/>
           </a:xfrm>
           <a:prstGeom prst="ellipse">
@@ -7877,13 +8011,13 @@
       </p:sp>
       <p:sp>
         <p:nvSpPr>
-          <p:cNvPr id="10" name="TextBox 9"/>
-          <p:cNvSpPr txBox="1"/>
-          <p:nvPr/>
-        </p:nvSpPr>
-        <p:spPr>
-          <a:xfrm>
-            <a:off x="6675120" y="2075688"/>
+          <p:cNvPr id="16" name="TextBox 15"/>
+          <p:cNvSpPr txBox="1"/>
+          <p:nvPr/>
+        </p:nvSpPr>
+        <p:spPr>
+          <a:xfrm>
+            <a:off x="6675120" y="3227832"/>
             <a:ext cx="5029200" cy="256032"/>
           </a:xfrm>
           <a:prstGeom prst="rect">
@@ -7911,259 +8045,7 @@
                 </a:solidFill>
                 <a:latin typeface="Arial"/>
               </a:rPr>
-              <a:t>Experienced leadership team with proven track record</a:t>
-            </a:r>
-          </a:p>
-        </p:txBody>
-      </p:sp>
-      <p:sp>
-        <p:nvSpPr>
-          <p:cNvPr id="11" name="Oval 10"/>
-          <p:cNvSpPr/>
-          <p:nvPr/>
-        </p:nvSpPr>
-        <p:spPr>
-          <a:xfrm>
-            <a:off x="6537960" y="2532888"/>
-            <a:ext cx="54864" cy="54864"/>
-          </a:xfrm>
-          <a:prstGeom prst="ellipse">
-            <a:avLst/>
-          </a:prstGeom>
-          <a:solidFill>
-            <a:srgbClr val="B5975B"/>
-          </a:solidFill>
-          <a:ln>
-            <a:noFill/>
-          </a:ln>
-        </p:spPr>
-        <p:style>
-          <a:lnRef idx="1">
-            <a:schemeClr val="accent1"/>
-          </a:lnRef>
-          <a:fillRef idx="3">
-            <a:schemeClr val="accent1"/>
-          </a:fillRef>
-          <a:effectRef idx="2">
-            <a:schemeClr val="accent1"/>
-          </a:effectRef>
-          <a:fontRef idx="minor">
-            <a:schemeClr val="lt1"/>
-          </a:fontRef>
-        </p:style>
-        <p:txBody>
-          <a:bodyPr rtlCol="0" anchor="ctr"/>
-          <a:lstStyle/>
-          <a:p>
-            <a:pPr algn="ctr"/>
-          </a:p>
-        </p:txBody>
-      </p:sp>
-      <p:sp>
-        <p:nvSpPr>
-          <p:cNvPr id="12" name="TextBox 11"/>
-          <p:cNvSpPr txBox="1"/>
-          <p:nvPr/>
-        </p:nvSpPr>
-        <p:spPr>
-          <a:xfrm>
-            <a:off x="6675120" y="2459736"/>
-            <a:ext cx="5029200" cy="256032"/>
-          </a:xfrm>
-          <a:prstGeom prst="rect">
-            <a:avLst/>
-          </a:prstGeom>
-          <a:noFill/>
-          <a:ln>
-            <a:noFill/>
-          </a:ln>
-          <a:effectLst/>
-        </p:spPr>
-        <p:txBody>
-          <a:bodyPr wrap="square" lIns="73152" rIns="73152"/>
-          <a:lstStyle/>
-          <a:p>
-            <a:pPr algn="l">
-              <a:lnSpc>
-                <a:spcPct val="110000"/>
-              </a:lnSpc>
-            </a:pPr>
-            <a:r>
-              <a:rPr sz="1000" b="0">
-                <a:solidFill>
-                  <a:srgbClr val="404040"/>
-                </a:solidFill>
-                <a:latin typeface="Arial"/>
-              </a:rPr>
-              <a:t>Growing market opportunity in AI/technology sector</a:t>
-            </a:r>
-          </a:p>
-        </p:txBody>
-      </p:sp>
-      <p:sp>
-        <p:nvSpPr>
-          <p:cNvPr id="13" name="Oval 12"/>
-          <p:cNvSpPr/>
-          <p:nvPr/>
-        </p:nvSpPr>
-        <p:spPr>
-          <a:xfrm>
-            <a:off x="6537960" y="2916936"/>
-            <a:ext cx="54864" cy="54864"/>
-          </a:xfrm>
-          <a:prstGeom prst="ellipse">
-            <a:avLst/>
-          </a:prstGeom>
-          <a:solidFill>
-            <a:srgbClr val="B5975B"/>
-          </a:solidFill>
-          <a:ln>
-            <a:noFill/>
-          </a:ln>
-        </p:spPr>
-        <p:style>
-          <a:lnRef idx="1">
-            <a:schemeClr val="accent1"/>
-          </a:lnRef>
-          <a:fillRef idx="3">
-            <a:schemeClr val="accent1"/>
-          </a:fillRef>
-          <a:effectRef idx="2">
-            <a:schemeClr val="accent1"/>
-          </a:effectRef>
-          <a:fontRef idx="minor">
-            <a:schemeClr val="lt1"/>
-          </a:fontRef>
-        </p:style>
-        <p:txBody>
-          <a:bodyPr rtlCol="0" anchor="ctr"/>
-          <a:lstStyle/>
-          <a:p>
-            <a:pPr algn="ctr"/>
-          </a:p>
-        </p:txBody>
-      </p:sp>
-      <p:sp>
-        <p:nvSpPr>
-          <p:cNvPr id="14" name="TextBox 13"/>
-          <p:cNvSpPr txBox="1"/>
-          <p:nvPr/>
-        </p:nvSpPr>
-        <p:spPr>
-          <a:xfrm>
-            <a:off x="6675120" y="2843784"/>
-            <a:ext cx="5029200" cy="256032"/>
-          </a:xfrm>
-          <a:prstGeom prst="rect">
-            <a:avLst/>
-          </a:prstGeom>
-          <a:noFill/>
-          <a:ln>
-            <a:noFill/>
-          </a:ln>
-          <a:effectLst/>
-        </p:spPr>
-        <p:txBody>
-          <a:bodyPr wrap="square" lIns="73152" rIns="73152"/>
-          <a:lstStyle/>
-          <a:p>
-            <a:pPr algn="l">
-              <a:lnSpc>
-                <a:spcPct val="110000"/>
-              </a:lnSpc>
-            </a:pPr>
-            <a:r>
-              <a:rPr sz="1000" b="0">
-                <a:solidFill>
-                  <a:srgbClr val="404040"/>
-                </a:solidFill>
-                <a:latin typeface="Arial"/>
-              </a:rPr>
-              <a:t>Clear competitive advantages and market differentiation</a:t>
-            </a:r>
-          </a:p>
-        </p:txBody>
-      </p:sp>
-      <p:sp>
-        <p:nvSpPr>
-          <p:cNvPr id="15" name="Oval 14"/>
-          <p:cNvSpPr/>
-          <p:nvPr/>
-        </p:nvSpPr>
-        <p:spPr>
-          <a:xfrm>
-            <a:off x="6537960" y="3300984"/>
-            <a:ext cx="54864" cy="54864"/>
-          </a:xfrm>
-          <a:prstGeom prst="ellipse">
-            <a:avLst/>
-          </a:prstGeom>
-          <a:solidFill>
-            <a:srgbClr val="B5975B"/>
-          </a:solidFill>
-          <a:ln>
-            <a:noFill/>
-          </a:ln>
-        </p:spPr>
-        <p:style>
-          <a:lnRef idx="1">
-            <a:schemeClr val="accent1"/>
-          </a:lnRef>
-          <a:fillRef idx="3">
-            <a:schemeClr val="accent1"/>
-          </a:fillRef>
-          <a:effectRef idx="2">
-            <a:schemeClr val="accent1"/>
-          </a:effectRef>
-          <a:fontRef idx="minor">
-            <a:schemeClr val="lt1"/>
-          </a:fontRef>
-        </p:style>
-        <p:txBody>
-          <a:bodyPr rtlCol="0" anchor="ctr"/>
-          <a:lstStyle/>
-          <a:p>
-            <a:pPr algn="ctr"/>
-          </a:p>
-        </p:txBody>
-      </p:sp>
-      <p:sp>
-        <p:nvSpPr>
-          <p:cNvPr id="16" name="TextBox 15"/>
-          <p:cNvSpPr txBox="1"/>
-          <p:nvPr/>
-        </p:nvSpPr>
-        <p:spPr>
-          <a:xfrm>
-            <a:off x="6675120" y="3227832"/>
-            <a:ext cx="5029200" cy="256032"/>
-          </a:xfrm>
-          <a:prstGeom prst="rect">
-            <a:avLst/>
-          </a:prstGeom>
-          <a:noFill/>
-          <a:ln>
-            <a:noFill/>
-          </a:ln>
-          <a:effectLst/>
-        </p:spPr>
-        <p:txBody>
-          <a:bodyPr wrap="square" lIns="73152" rIns="73152"/>
-          <a:lstStyle/>
-          <a:p>
-            <a:pPr algn="l">
-              <a:lnSpc>
-                <a:spcPct val="110000"/>
-              </a:lnSpc>
-            </a:pPr>
-            <a:r>
-              <a:rPr sz="1000" b="0">
-                <a:solidFill>
-                  <a:srgbClr val="404040"/>
-                </a:solidFill>
-                <a:latin typeface="Arial"/>
-              </a:rPr>
-              <a:t>Scalable business model with expansion potential</a:t>
+              <a:t>Significant operating leverage and scalable SaaS business model.</a:t>
             </a:r>
           </a:p>
         </p:txBody>
@@ -9811,15 +9693,15 @@
         <p:spPr>
           <a:xfrm>
             <a:off x="274320" y="1325880"/>
-            <a:ext cx="3657600" cy="320040"/>
-          </a:xfrm>
-          <a:prstGeom prst="rect">
-            <a:avLst/>
-          </a:prstGeom>
-          <a:noFill/>
-        </p:spPr>
-        <p:txBody>
-          <a:bodyPr wrap="square" lIns="36576" rIns="36576" tIns="14630" bIns="14630">
+            <a:ext cx="3657600" cy="292608"/>
+          </a:xfrm>
+          <a:prstGeom prst="rect">
+            <a:avLst/>
+          </a:prstGeom>
+          <a:noFill/>
+        </p:spPr>
+        <p:txBody>
+          <a:bodyPr wrap="square" lIns="27432" rIns="27432" tIns="10972" bIns="10972">
             <a:spAutoFit/>
           </a:bodyPr>
           <a:lstStyle/>
@@ -9850,21 +9732,21 @@
         </p:nvSpPr>
         <p:spPr>
           <a:xfrm>
-            <a:off x="274320" y="1691640"/>
-            <a:ext cx="3657600" cy="329184"/>
-          </a:xfrm>
-          <a:prstGeom prst="rect">
-            <a:avLst/>
-          </a:prstGeom>
-          <a:noFill/>
-        </p:spPr>
-        <p:txBody>
-          <a:bodyPr wrap="square" lIns="36576" rIns="36576" tIns="10972" bIns="10972"/>
+            <a:off x="274320" y="1645920"/>
+            <a:ext cx="3657600" cy="493776"/>
+          </a:xfrm>
+          <a:prstGeom prst="rect">
+            <a:avLst/>
+          </a:prstGeom>
+          <a:noFill/>
+        </p:spPr>
+        <p:txBody>
+          <a:bodyPr wrap="square" lIns="27432" rIns="27432" tIns="8229" bIns="8229"/>
           <a:lstStyle/>
           <a:p>
             <a:pPr algn="l">
               <a:lnSpc>
-                <a:spcPct val="120000"/>
+                <a:spcPct val="115000"/>
               </a:lnSpc>
               <a:defRPr sz="1200">
                 <a:solidFill>
@@ -9874,7 +9756,7 @@
               </a:defRPr>
             </a:pPr>
             <a:r>
-              <a:t>• Relevant industry experience</a:t>
+              <a:t>• Former McKinsey consultant with 15 years of experience in technology strategy and digital transformation across EMEA.</a:t>
             </a:r>
           </a:p>
         </p:txBody>
@@ -9887,21 +9769,21 @@
         </p:nvSpPr>
         <p:spPr>
           <a:xfrm>
-            <a:off x="274320" y="2075688"/>
-            <a:ext cx="3657600" cy="329184"/>
-          </a:xfrm>
-          <a:prstGeom prst="rect">
-            <a:avLst/>
-          </a:prstGeom>
-          <a:noFill/>
-        </p:spPr>
-        <p:txBody>
-          <a:bodyPr wrap="square" lIns="36576" rIns="36576" tIns="10972" bIns="10972"/>
+            <a:off x="274320" y="2185416"/>
+            <a:ext cx="3657600" cy="493776"/>
+          </a:xfrm>
+          <a:prstGeom prst="rect">
+            <a:avLst/>
+          </a:prstGeom>
+          <a:noFill/>
+        </p:spPr>
+        <p:txBody>
+          <a:bodyPr wrap="square" lIns="27432" rIns="27432" tIns="8229" bIns="8229"/>
           <a:lstStyle/>
           <a:p>
             <a:pPr algn="l">
               <a:lnSpc>
-                <a:spcPct val="120000"/>
+                <a:spcPct val="115000"/>
               </a:lnSpc>
               <a:defRPr sz="1200">
                 <a:solidFill>
@@ -9911,7 +9793,7 @@
               </a:defRPr>
             </a:pPr>
             <a:r>
-              <a:t>• Proven track record</a:t>
+              <a:t>• Led multiple large-scale digital transformation projects for Fortune 500 clients; recognized for scaling tech startups in the GCC.</a:t>
             </a:r>
           </a:p>
         </p:txBody>
@@ -9924,16 +9806,16 @@
         </p:nvSpPr>
         <p:spPr>
           <a:xfrm>
-            <a:off x="274320" y="2551176"/>
-            <a:ext cx="3657600" cy="320040"/>
-          </a:xfrm>
-          <a:prstGeom prst="rect">
-            <a:avLst/>
-          </a:prstGeom>
-          <a:noFill/>
-        </p:spPr>
-        <p:txBody>
-          <a:bodyPr wrap="square" lIns="36576" rIns="36576" tIns="14630" bIns="14630">
+            <a:off x="274320" y="2798064"/>
+            <a:ext cx="3657600" cy="292608"/>
+          </a:xfrm>
+          <a:prstGeom prst="rect">
+            <a:avLst/>
+          </a:prstGeom>
+          <a:noFill/>
+        </p:spPr>
+        <p:txBody>
+          <a:bodyPr wrap="square" lIns="27432" rIns="27432" tIns="10972" bIns="10972">
             <a:spAutoFit/>
           </a:bodyPr>
           <a:lstStyle/>
@@ -9964,21 +9846,21 @@
         </p:nvSpPr>
         <p:spPr>
           <a:xfrm>
-            <a:off x="274320" y="2916936"/>
-            <a:ext cx="3657600" cy="329184"/>
-          </a:xfrm>
-          <a:prstGeom prst="rect">
-            <a:avLst/>
-          </a:prstGeom>
-          <a:noFill/>
-        </p:spPr>
-        <p:txBody>
-          <a:bodyPr wrap="square" lIns="36576" rIns="36576" tIns="10972" bIns="10972"/>
+            <a:off x="274320" y="3118104"/>
+            <a:ext cx="3657600" cy="493776"/>
+          </a:xfrm>
+          <a:prstGeom prst="rect">
+            <a:avLst/>
+          </a:prstGeom>
+          <a:noFill/>
+        </p:spPr>
+        <p:txBody>
+          <a:bodyPr wrap="square" lIns="27432" rIns="27432" tIns="8229" bIns="8229"/>
           <a:lstStyle/>
           <a:p>
             <a:pPr algn="l">
               <a:lnSpc>
-                <a:spcPct val="120000"/>
+                <a:spcPct val="115000"/>
               </a:lnSpc>
               <a:defRPr sz="1200">
                 <a:solidFill>
@@ -9988,7 +9870,7 @@
               </a:defRPr>
             </a:pPr>
             <a:r>
-              <a:t>• Relevant industry experience</a:t>
+              <a:t>• Ex-Google engineer with deep expertise in AI/ML, cloud infrastructure, and enterprise software development.</a:t>
             </a:r>
           </a:p>
         </p:txBody>
@@ -10001,21 +9883,21 @@
         </p:nvSpPr>
         <p:spPr>
           <a:xfrm>
-            <a:off x="274320" y="3300984"/>
-            <a:ext cx="3657600" cy="329184"/>
-          </a:xfrm>
-          <a:prstGeom prst="rect">
-            <a:avLst/>
-          </a:prstGeom>
-          <a:noFill/>
-        </p:spPr>
-        <p:txBody>
-          <a:bodyPr wrap="square" lIns="36576" rIns="36576" tIns="10972" bIns="10972"/>
+            <a:off x="274320" y="3657600"/>
+            <a:ext cx="3657600" cy="493776"/>
+          </a:xfrm>
+          <a:prstGeom prst="rect">
+            <a:avLst/>
+          </a:prstGeom>
+          <a:noFill/>
+        </p:spPr>
+        <p:txBody>
+          <a:bodyPr wrap="square" lIns="27432" rIns="27432" tIns="8229" bIns="8229"/>
           <a:lstStyle/>
           <a:p>
             <a:pPr algn="l">
               <a:lnSpc>
-                <a:spcPct val="120000"/>
+                <a:spcPct val="115000"/>
               </a:lnSpc>
               <a:defRPr sz="1200">
                 <a:solidFill>
@@ -10025,7 +9907,7 @@
               </a:defRPr>
             </a:pPr>
             <a:r>
-              <a:t>• Proven track record</a:t>
+              <a:t>• Built scalable AI platforms at Google; holds multiple patents in machine learning applications for business automation.</a:t>
             </a:r>
           </a:p>
         </p:txBody>
@@ -10039,15 +9921,15 @@
         <p:spPr>
           <a:xfrm>
             <a:off x="4069080" y="1325880"/>
-            <a:ext cx="3657600" cy="320040"/>
-          </a:xfrm>
-          <a:prstGeom prst="rect">
-            <a:avLst/>
-          </a:prstGeom>
-          <a:noFill/>
-        </p:spPr>
-        <p:txBody>
-          <a:bodyPr wrap="square" lIns="36576" rIns="36576" tIns="14630" bIns="14630">
+            <a:ext cx="3657600" cy="292608"/>
+          </a:xfrm>
+          <a:prstGeom prst="rect">
+            <a:avLst/>
+          </a:prstGeom>
+          <a:noFill/>
+        </p:spPr>
+        <p:txBody>
+          <a:bodyPr wrap="square" lIns="27432" rIns="27432" tIns="10972" bIns="10972">
             <a:spAutoFit/>
           </a:bodyPr>
           <a:lstStyle/>
@@ -10078,21 +9960,21 @@
         </p:nvSpPr>
         <p:spPr>
           <a:xfrm>
-            <a:off x="4069080" y="1691640"/>
-            <a:ext cx="3657600" cy="329184"/>
-          </a:xfrm>
-          <a:prstGeom prst="rect">
-            <a:avLst/>
-          </a:prstGeom>
-          <a:noFill/>
-        </p:spPr>
-        <p:txBody>
-          <a:bodyPr wrap="square" lIns="36576" rIns="36576" tIns="10972" bIns="10972"/>
+            <a:off x="4069080" y="1645920"/>
+            <a:ext cx="3657600" cy="493776"/>
+          </a:xfrm>
+          <a:prstGeom prst="rect">
+            <a:avLst/>
+          </a:prstGeom>
+          <a:noFill/>
+        </p:spPr>
+        <p:txBody>
+          <a:bodyPr wrap="square" lIns="27432" rIns="27432" tIns="8229" bIns="8229"/>
           <a:lstStyle/>
           <a:p>
             <a:pPr algn="l">
               <a:lnSpc>
-                <a:spcPct val="120000"/>
+                <a:spcPct val="115000"/>
               </a:lnSpc>
               <a:defRPr sz="1200">
                 <a:solidFill>
@@ -10102,7 +9984,7 @@
               </a:defRPr>
             </a:pPr>
             <a:r>
-              <a:t>• Relevant industry experience</a:t>
+              <a:t>• Former PwC senior manager with 12 years of experience in finance, M&amp;A, and scaling high-growth tech companies.</a:t>
             </a:r>
           </a:p>
         </p:txBody>
@@ -10115,21 +9997,21 @@
         </p:nvSpPr>
         <p:spPr>
           <a:xfrm>
-            <a:off x="4069080" y="2075688"/>
-            <a:ext cx="3657600" cy="329184"/>
-          </a:xfrm>
-          <a:prstGeom prst="rect">
-            <a:avLst/>
-          </a:prstGeom>
-          <a:noFill/>
-        </p:spPr>
-        <p:txBody>
-          <a:bodyPr wrap="square" lIns="36576" rIns="36576" tIns="10972" bIns="10972"/>
+            <a:off x="4069080" y="2185416"/>
+            <a:ext cx="3657600" cy="493776"/>
+          </a:xfrm>
+          <a:prstGeom prst="rect">
+            <a:avLst/>
+          </a:prstGeom>
+          <a:noFill/>
+        </p:spPr>
+        <p:txBody>
+          <a:bodyPr wrap="square" lIns="27432" rIns="27432" tIns="8229" bIns="8229"/>
           <a:lstStyle/>
           <a:p>
             <a:pPr algn="l">
               <a:lnSpc>
-                <a:spcPct val="120000"/>
+                <a:spcPct val="115000"/>
               </a:lnSpc>
               <a:defRPr sz="1200">
                 <a:solidFill>
@@ -10139,7 +10021,7 @@
               </a:defRPr>
             </a:pPr>
             <a:r>
-              <a:t>• Proven track record</a:t>
+              <a:t>• Managed financial operations and fundraising for several regional tech ventures; expert in SaaS financial modeling.</a:t>
             </a:r>
           </a:p>
         </p:txBody>
@@ -10152,16 +10034,16 @@
         </p:nvSpPr>
         <p:spPr>
           <a:xfrm>
-            <a:off x="4069080" y="2551176"/>
-            <a:ext cx="3657600" cy="320040"/>
-          </a:xfrm>
-          <a:prstGeom prst="rect">
-            <a:avLst/>
-          </a:prstGeom>
-          <a:noFill/>
-        </p:spPr>
-        <p:txBody>
-          <a:bodyPr wrap="square" lIns="36576" rIns="36576" tIns="14630" bIns="14630">
+            <a:off x="4069080" y="2798064"/>
+            <a:ext cx="3657600" cy="292608"/>
+          </a:xfrm>
+          <a:prstGeom prst="rect">
+            <a:avLst/>
+          </a:prstGeom>
+          <a:noFill/>
+        </p:spPr>
+        <p:txBody>
+          <a:bodyPr wrap="square" lIns="27432" rIns="27432" tIns="10972" bIns="10972">
             <a:spAutoFit/>
           </a:bodyPr>
           <a:lstStyle/>
@@ -10175,11 +10057,11 @@
               </a:defRPr>
             </a:pPr>
             <a:r>
-              <a:t>Omar Hassan</a:t>
+              <a:t>Fatima Al-Zahra</a:t>
             </a:r>
             <a:br/>
             <a:r>
-              <a:t>Management Role 3</a:t>
+              <a:t>Management Role 1</a:t>
             </a:r>
           </a:p>
         </p:txBody>
@@ -10192,21 +10074,21 @@
         </p:nvSpPr>
         <p:spPr>
           <a:xfrm>
-            <a:off x="4069080" y="2916936"/>
-            <a:ext cx="3657600" cy="329184"/>
-          </a:xfrm>
-          <a:prstGeom prst="rect">
-            <a:avLst/>
-          </a:prstGeom>
-          <a:noFill/>
-        </p:spPr>
-        <p:txBody>
-          <a:bodyPr wrap="square" lIns="36576" rIns="36576" tIns="10972" bIns="10972"/>
+            <a:off x="4069080" y="3118104"/>
+            <a:ext cx="3657600" cy="493776"/>
+          </a:xfrm>
+          <a:prstGeom prst="rect">
+            <a:avLst/>
+          </a:prstGeom>
+          <a:noFill/>
+        </p:spPr>
+        <p:txBody>
+          <a:bodyPr wrap="square" lIns="27432" rIns="27432" tIns="8229" bIns="8229"/>
           <a:lstStyle/>
           <a:p>
             <a:pPr algn="l">
               <a:lnSpc>
-                <a:spcPct val="120000"/>
+                <a:spcPct val="115000"/>
               </a:lnSpc>
               <a:defRPr sz="1200">
                 <a:solidFill>
@@ -10216,7 +10098,7 @@
               </a:defRPr>
             </a:pPr>
             <a:r>
-              <a:t>• Relevant industry experience</a:t>
+              <a:t>• 10 years of B2B sales leadership in the Middle East, specializing in SaaS and enterprise technology solutions.</a:t>
             </a:r>
           </a:p>
         </p:txBody>
@@ -10229,21 +10111,21 @@
         </p:nvSpPr>
         <p:spPr>
           <a:xfrm>
-            <a:off x="4069080" y="3300984"/>
-            <a:ext cx="3657600" cy="329184"/>
-          </a:xfrm>
-          <a:prstGeom prst="rect">
-            <a:avLst/>
-          </a:prstGeom>
-          <a:noFill/>
-        </p:spPr>
-        <p:txBody>
-          <a:bodyPr wrap="square" lIns="36576" rIns="36576" tIns="10972" bIns="10972"/>
+            <a:off x="4069080" y="3657600"/>
+            <a:ext cx="3657600" cy="493776"/>
+          </a:xfrm>
+          <a:prstGeom prst="rect">
+            <a:avLst/>
+          </a:prstGeom>
+          <a:noFill/>
+        </p:spPr>
+        <p:txBody>
+          <a:bodyPr wrap="square" lIns="27432" rIns="27432" tIns="8229" bIns="8229"/>
           <a:lstStyle/>
           <a:p>
             <a:pPr algn="l">
               <a:lnSpc>
-                <a:spcPct val="120000"/>
+                <a:spcPct val="115000"/>
               </a:lnSpc>
               <a:defRPr sz="1200">
                 <a:solidFill>
@@ -10253,7 +10135,7 @@
               </a:defRPr>
             </a:pPr>
             <a:r>
-              <a:t>• Proven track record</a:t>
+              <a:t>• Built and led regional sales teams; established key partnerships with leading GCC enterprises and government entities.</a:t>
             </a:r>
           </a:p>
         </p:txBody>
@@ -10267,15 +10149,15 @@
         <p:spPr>
           <a:xfrm>
             <a:off x="7863840" y="1325880"/>
-            <a:ext cx="3657600" cy="320040"/>
-          </a:xfrm>
-          <a:prstGeom prst="rect">
-            <a:avLst/>
-          </a:prstGeom>
-          <a:noFill/>
-        </p:spPr>
-        <p:txBody>
-          <a:bodyPr wrap="square" lIns="36576" rIns="36576" tIns="14630" bIns="14630">
+            <a:ext cx="3657600" cy="292608"/>
+          </a:xfrm>
+          <a:prstGeom prst="rect">
+            <a:avLst/>
+          </a:prstGeom>
+          <a:noFill/>
+        </p:spPr>
+        <p:txBody>
+          <a:bodyPr wrap="square" lIns="27432" rIns="27432" tIns="10972" bIns="10972">
             <a:spAutoFit/>
           </a:bodyPr>
           <a:lstStyle/>
@@ -10289,7 +10171,7 @@
               </a:defRPr>
             </a:pPr>
             <a:r>
-              <a:t>Fatima Al-Zahra</a:t>
+              <a:t>Rami El-Khatib</a:t>
             </a:r>
             <a:br/>
             <a:r>
@@ -10306,7 +10188,7 @@
         </p:nvSpPr>
         <p:spPr>
           <a:xfrm>
-            <a:off x="7863840" y="1691640"/>
+            <a:off x="7863840" y="1645920"/>
             <a:ext cx="3657600" cy="329184"/>
           </a:xfrm>
           <a:prstGeom prst="rect">
@@ -10315,12 +10197,12 @@
           <a:noFill/>
         </p:spPr>
         <p:txBody>
-          <a:bodyPr wrap="square" lIns="36576" rIns="36576" tIns="10972" bIns="10972"/>
+          <a:bodyPr wrap="square" lIns="27432" rIns="27432" tIns="8229" bIns="8229"/>
           <a:lstStyle/>
           <a:p>
             <a:pPr algn="l">
               <a:lnSpc>
-                <a:spcPct val="120000"/>
+                <a:spcPct val="115000"/>
               </a:lnSpc>
               <a:defRPr sz="1200">
                 <a:solidFill>
@@ -10330,7 +10212,7 @@
               </a:defRPr>
             </a:pPr>
             <a:r>
-              <a:t>• Relevant industry experience</a:t>
+              <a:t>• Operations executive with 14 years in scaling tech-enabled service businesses across MENA.</a:t>
             </a:r>
           </a:p>
         </p:txBody>
@@ -10343,21 +10225,21 @@
         </p:nvSpPr>
         <p:spPr>
           <a:xfrm>
-            <a:off x="7863840" y="2075688"/>
-            <a:ext cx="3657600" cy="329184"/>
-          </a:xfrm>
-          <a:prstGeom prst="rect">
-            <a:avLst/>
-          </a:prstGeom>
-          <a:noFill/>
-        </p:spPr>
-        <p:txBody>
-          <a:bodyPr wrap="square" lIns="36576" rIns="36576" tIns="10972" bIns="10972"/>
+            <a:off x="7863840" y="2020824"/>
+            <a:ext cx="3657600" cy="493776"/>
+          </a:xfrm>
+          <a:prstGeom prst="rect">
+            <a:avLst/>
+          </a:prstGeom>
+          <a:noFill/>
+        </p:spPr>
+        <p:txBody>
+          <a:bodyPr wrap="square" lIns="27432" rIns="27432" tIns="8229" bIns="8229"/>
           <a:lstStyle/>
           <a:p>
             <a:pPr algn="l">
               <a:lnSpc>
-                <a:spcPct val="120000"/>
+                <a:spcPct val="115000"/>
               </a:lnSpc>
               <a:defRPr sz="1200">
                 <a:solidFill>
@@ -10367,7 +10249,7 @@
               </a:defRPr>
             </a:pPr>
             <a:r>
-              <a:t>• Proven track record</a:t>
+              <a:t>• Drove operational excellence and process automation at two regional unicorns; expert in cross-border team management.</a:t>
             </a:r>
           </a:p>
         </p:txBody>
@@ -10375,6 +10257,120 @@
       <p:sp>
         <p:nvSpPr>
           <p:cNvPr id="19" name="TextBox 18"/>
+          <p:cNvSpPr txBox="1"/>
+          <p:nvPr/>
+        </p:nvSpPr>
+        <p:spPr>
+          <a:xfrm>
+            <a:off x="7863840" y="2633472"/>
+            <a:ext cx="3657600" cy="292608"/>
+          </a:xfrm>
+          <a:prstGeom prst="rect">
+            <a:avLst/>
+          </a:prstGeom>
+          <a:noFill/>
+        </p:spPr>
+        <p:txBody>
+          <a:bodyPr wrap="square" lIns="27432" rIns="27432" tIns="10972" bIns="10972">
+            <a:spAutoFit/>
+          </a:bodyPr>
+          <a:lstStyle/>
+          <a:p>
+            <a:pPr algn="l">
+              <a:defRPr sz="1500" b="1">
+                <a:solidFill>
+                  <a:srgbClr val="1E3A8A"/>
+                </a:solidFill>
+                <a:latin typeface="Times New Roman"/>
+              </a:defRPr>
+            </a:pPr>
+            <a:r>
+              <a:t>Leila Mansour</a:t>
+            </a:r>
+            <a:br/>
+            <a:r>
+              <a:t>Management Role 3</a:t>
+            </a:r>
+          </a:p>
+        </p:txBody>
+      </p:sp>
+      <p:sp>
+        <p:nvSpPr>
+          <p:cNvPr id="20" name="TextBox 19"/>
+          <p:cNvSpPr txBox="1"/>
+          <p:nvPr/>
+        </p:nvSpPr>
+        <p:spPr>
+          <a:xfrm>
+            <a:off x="7863840" y="2953512"/>
+            <a:ext cx="3657600" cy="329184"/>
+          </a:xfrm>
+          <a:prstGeom prst="rect">
+            <a:avLst/>
+          </a:prstGeom>
+          <a:noFill/>
+        </p:spPr>
+        <p:txBody>
+          <a:bodyPr wrap="square" lIns="27432" rIns="27432" tIns="8229" bIns="8229"/>
+          <a:lstStyle/>
+          <a:p>
+            <a:pPr algn="l">
+              <a:lnSpc>
+                <a:spcPct val="115000"/>
+              </a:lnSpc>
+              <a:defRPr sz="1200">
+                <a:solidFill>
+                  <a:srgbClr val="374151"/>
+                </a:solidFill>
+                <a:latin typeface="Times New Roman"/>
+              </a:defRPr>
+            </a:pPr>
+            <a:r>
+              <a:t>• Product leader with 12 years in AI product management, formerly at SAP and Oracle.</a:t>
+            </a:r>
+          </a:p>
+        </p:txBody>
+      </p:sp>
+      <p:sp>
+        <p:nvSpPr>
+          <p:cNvPr id="21" name="TextBox 20"/>
+          <p:cNvSpPr txBox="1"/>
+          <p:nvPr/>
+        </p:nvSpPr>
+        <p:spPr>
+          <a:xfrm>
+            <a:off x="7863840" y="3328416"/>
+            <a:ext cx="3657600" cy="493776"/>
+          </a:xfrm>
+          <a:prstGeom prst="rect">
+            <a:avLst/>
+          </a:prstGeom>
+          <a:noFill/>
+        </p:spPr>
+        <p:txBody>
+          <a:bodyPr wrap="square" lIns="27432" rIns="27432" tIns="8229" bIns="8229"/>
+          <a:lstStyle/>
+          <a:p>
+            <a:pPr algn="l">
+              <a:lnSpc>
+                <a:spcPct val="115000"/>
+              </a:lnSpc>
+              <a:defRPr sz="1200">
+                <a:solidFill>
+                  <a:srgbClr val="374151"/>
+                </a:solidFill>
+                <a:latin typeface="Times New Roman"/>
+              </a:defRPr>
+            </a:pPr>
+            <a:r>
+              <a:t>• Launched multiple AI-driven SaaS products; specializes in user-centric design and rapid go-to-market strategies.</a:t>
+            </a:r>
+          </a:p>
+        </p:txBody>
+      </p:sp>
+      <p:sp>
+        <p:nvSpPr>
+          <p:cNvPr id="22" name="TextBox 21"/>
           <p:cNvSpPr txBox="1"/>
           <p:nvPr/>
         </p:nvSpPr>
@@ -10410,7 +10406,7 @@
       </p:sp>
       <p:sp>
         <p:nvSpPr>
-          <p:cNvPr id="20" name="TextBox 19"/>
+          <p:cNvPr id="23" name="TextBox 22"/>
           <p:cNvSpPr txBox="1"/>
           <p:nvPr/>
         </p:nvSpPr>
@@ -11818,6 +11814,1638 @@
           </a:p>
         </p:txBody>
       </p:sp>
+      <p:graphicFrame>
+        <p:nvGraphicFramePr>
+          <p:cNvPr id="5" name="Chart 4"/>
+          <p:cNvGraphicFramePr>
+            <a:graphicFrameLocks noGrp="1"/>
+          </p:cNvGraphicFramePr>
+          <p:nvPr/>
+        </p:nvGraphicFramePr>
+        <p:xfrm>
+          <a:off x="457200" y="1554480"/>
+          <a:ext cx="5486400" cy="2286000"/>
+        </p:xfrm>
+        <a:graphic>
+          <a:graphicData uri="http://schemas.openxmlformats.org/drawingml/2006/chart">
+            <c:chart xmlns:c="http://schemas.openxmlformats.org/drawingml/2006/chart" r:id="rId2"/>
+          </a:graphicData>
+        </a:graphic>
+      </p:graphicFrame>
+      <p:sp>
+        <p:nvSpPr>
+          <p:cNvPr id="6" name="TextBox 5"/>
+          <p:cNvSpPr txBox="1"/>
+          <p:nvPr/>
+        </p:nvSpPr>
+        <p:spPr>
+          <a:xfrm>
+            <a:off x="6858000" y="1188720"/>
+            <a:ext cx="5029200" cy="274320"/>
+          </a:xfrm>
+          <a:prstGeom prst="rect">
+            <a:avLst/>
+          </a:prstGeom>
+          <a:noFill/>
+          <a:ln>
+            <a:noFill/>
+          </a:ln>
+          <a:effectLst/>
+        </p:spPr>
+        <p:txBody>
+          <a:bodyPr wrap="square">
+            <a:spAutoFit/>
+          </a:bodyPr>
+          <a:lstStyle/>
+          <a:p>
+            <a:pPr algn="l"/>
+            <a:r>
+              <a:rPr sz="1400" b="1">
+                <a:solidFill>
+                  <a:srgbClr val="183A58"/>
+                </a:solidFill>
+                <a:latin typeface="Arial"/>
+              </a:rPr>
+              <a:t>Competitive Assessment</a:t>
+            </a:r>
+          </a:p>
+        </p:txBody>
+      </p:sp>
+      <p:graphicFrame>
+        <p:nvGraphicFramePr>
+          <p:cNvPr id="7" name="Table 6"/>
+          <p:cNvGraphicFramePr>
+            <a:graphicFrameLocks noGrp="1"/>
+          </p:cNvGraphicFramePr>
+          <p:nvPr/>
+        </p:nvGraphicFramePr>
+        <p:xfrm>
+          <a:off x="6858000" y="1554480"/>
+          <a:ext cx="4572000" cy="1371600"/>
+        </p:xfrm>
+        <a:graphic>
+          <a:graphicData uri="http://schemas.openxmlformats.org/drawingml/2006/table">
+            <a:tbl>
+              <a:tblPr firstRow="1" bandRow="1">
+                <a:tableStyleId>{5C22544A-7EE6-4342-B048-85BDC9FD1C3A}</a:tableStyleId>
+              </a:tblPr>
+              <a:tblGrid>
+                <a:gridCol w="1188720"/>
+                <a:gridCol w="914400"/>
+                <a:gridCol w="914400"/>
+                <a:gridCol w="822960"/>
+                <a:gridCol w="731520"/>
+              </a:tblGrid>
+              <a:tr h="228600">
+                <a:tc>
+                  <a:txBody>
+                    <a:bodyPr/>
+                    <a:lstStyle/>
+                    <a:p>
+                      <a:pPr algn="ctr"/>
+                      <a:r>
+                        <a:rPr sz="800" b="1">
+                          <a:solidFill>
+                            <a:srgbClr val="FFFFFF"/>
+                          </a:solidFill>
+                          <a:latin typeface="Arial"/>
+                        </a:rPr>
+                        <a:t>Company</a:t>
+                      </a:r>
+                    </a:p>
+                  </a:txBody>
+                  <a:tcPr marL="45720" marR="45720" marT="45720" marB="45720">
+                    <a:solidFill>
+                      <a:srgbClr val="183A58"/>
+                    </a:solidFill>
+                  </a:tcPr>
+                </a:tc>
+                <a:tc>
+                  <a:txBody>
+                    <a:bodyPr/>
+                    <a:lstStyle/>
+                    <a:p>
+                      <a:pPr algn="ctr"/>
+                      <a:r>
+                        <a:rPr sz="800" b="1">
+                          <a:solidFill>
+                            <a:srgbClr val="FFFFFF"/>
+                          </a:solidFill>
+                          <a:latin typeface="Arial"/>
+                        </a:rPr>
+                        <a:t>Market Focus</a:t>
+                      </a:r>
+                    </a:p>
+                  </a:txBody>
+                  <a:tcPr marL="45720" marR="45720" marT="45720" marB="45720">
+                    <a:solidFill>
+                      <a:srgbClr val="183A58"/>
+                    </a:solidFill>
+                  </a:tcPr>
+                </a:tc>
+                <a:tc>
+                  <a:txBody>
+                    <a:bodyPr/>
+                    <a:lstStyle/>
+                    <a:p>
+                      <a:pPr algn="ctr"/>
+                      <a:r>
+                        <a:rPr sz="800" b="1">
+                          <a:solidFill>
+                            <a:srgbClr val="FFFFFF"/>
+                          </a:solidFill>
+                          <a:latin typeface="Arial"/>
+                        </a:rPr>
+                        <a:t>Connectors/Indexing</a:t>
+                      </a:r>
+                    </a:p>
+                  </a:txBody>
+                  <a:tcPr marL="45720" marR="45720" marT="45720" marB="45720">
+                    <a:solidFill>
+                      <a:srgbClr val="183A58"/>
+                    </a:solidFill>
+                  </a:tcPr>
+                </a:tc>
+                <a:tc>
+                  <a:txBody>
+                    <a:bodyPr/>
+                    <a:lstStyle/>
+                    <a:p>
+                      <a:pPr algn="ctr"/>
+                      <a:r>
+                        <a:rPr sz="800" b="1">
+                          <a:solidFill>
+                            <a:srgbClr val="FFFFFF"/>
+                          </a:solidFill>
+                          <a:latin typeface="Arial"/>
+                        </a:rPr>
+                        <a:t>Enterprise Adoption</a:t>
+                      </a:r>
+                    </a:p>
+                  </a:txBody>
+                  <a:tcPr marL="45720" marR="45720" marT="45720" marB="45720">
+                    <a:solidFill>
+                      <a:srgbClr val="183A58"/>
+                    </a:solidFill>
+                  </a:tcPr>
+                </a:tc>
+                <a:tc>
+                  <a:txBody>
+                    <a:bodyPr/>
+                    <a:lstStyle/>
+                    <a:p>
+                      <a:pPr algn="ctr"/>
+                      <a:r>
+                        <a:rPr sz="800" b="1">
+                          <a:solidFill>
+                            <a:srgbClr val="FFFFFF"/>
+                          </a:solidFill>
+                          <a:latin typeface="Arial"/>
+                        </a:rPr>
+                        <a:t>Factuality/Traceability</a:t>
+                      </a:r>
+                    </a:p>
+                  </a:txBody>
+                  <a:tcPr marL="45720" marR="45720" marT="45720" marB="45720">
+                    <a:solidFill>
+                      <a:srgbClr val="183A58"/>
+                    </a:solidFill>
+                  </a:tcPr>
+                </a:tc>
+              </a:tr>
+              <a:tr h="228600">
+                <a:tc>
+                  <a:txBody>
+                    <a:bodyPr/>
+                    <a:lstStyle/>
+                    <a:p>
+                      <a:pPr algn="ctr"/>
+                      <a:r>
+                        <a:rPr sz="800">
+                          <a:solidFill>
+                            <a:srgbClr val="183A58"/>
+                          </a:solidFill>
+                          <a:latin typeface="Arial"/>
+                        </a:rPr>
+                        <a:t>LlamaIndex</a:t>
+                      </a:r>
+                    </a:p>
+                  </a:txBody>
+                  <a:tcPr marL="45720" marR="45720" marT="45720" marB="45720">
+                    <a:solidFill>
+                      <a:srgbClr val="F0F0F0"/>
+                    </a:solidFill>
+                  </a:tcPr>
+                </a:tc>
+                <a:tc>
+                  <a:txBody>
+                    <a:bodyPr/>
+                    <a:lstStyle/>
+                    <a:p>
+                      <a:pPr algn="ctr"/>
+                      <a:r>
+                        <a:rPr sz="800">
+                          <a:solidFill>
+                            <a:srgbClr val="183A58"/>
+                          </a:solidFill>
+                          <a:latin typeface="Arial"/>
+                        </a:rPr>
+                        <a:t>⭐⭐⭐⭐⭐</a:t>
+                      </a:r>
+                    </a:p>
+                  </a:txBody>
+                  <a:tcPr marL="45720" marR="45720" marT="45720" marB="45720">
+                    <a:solidFill>
+                      <a:srgbClr val="F0F0F0"/>
+                    </a:solidFill>
+                  </a:tcPr>
+                </a:tc>
+                <a:tc>
+                  <a:txBody>
+                    <a:bodyPr/>
+                    <a:lstStyle/>
+                    <a:p>
+                      <a:pPr algn="ctr"/>
+                      <a:r>
+                        <a:rPr sz="800">
+                          <a:solidFill>
+                            <a:srgbClr val="183A58"/>
+                          </a:solidFill>
+                          <a:latin typeface="Arial"/>
+                        </a:rPr>
+                        <a:t>⭐⭐⭐⭐⭐</a:t>
+                      </a:r>
+                    </a:p>
+                  </a:txBody>
+                  <a:tcPr marL="45720" marR="45720" marT="45720" marB="45720">
+                    <a:solidFill>
+                      <a:srgbClr val="F0F0F0"/>
+                    </a:solidFill>
+                  </a:tcPr>
+                </a:tc>
+                <a:tc>
+                  <a:txBody>
+                    <a:bodyPr/>
+                    <a:lstStyle/>
+                    <a:p>
+                      <a:pPr algn="ctr"/>
+                      <a:r>
+                        <a:rPr sz="800">
+                          <a:solidFill>
+                            <a:srgbClr val="183A58"/>
+                          </a:solidFill>
+                          <a:latin typeface="Arial"/>
+                        </a:rPr>
+                        <a:t>⭐⭐⭐⭐</a:t>
+                      </a:r>
+                    </a:p>
+                  </a:txBody>
+                  <a:tcPr marL="45720" marR="45720" marT="45720" marB="45720">
+                    <a:solidFill>
+                      <a:srgbClr val="F0F0F0"/>
+                    </a:solidFill>
+                  </a:tcPr>
+                </a:tc>
+                <a:tc>
+                  <a:txBody>
+                    <a:bodyPr/>
+                    <a:lstStyle/>
+                    <a:p>
+                      <a:pPr algn="ctr"/>
+                      <a:r>
+                        <a:rPr sz="800">
+                          <a:solidFill>
+                            <a:srgbClr val="183A58"/>
+                          </a:solidFill>
+                          <a:latin typeface="Arial"/>
+                        </a:rPr>
+                        <a:t>⭐⭐⭐⭐⭐</a:t>
+                      </a:r>
+                    </a:p>
+                  </a:txBody>
+                  <a:tcPr marL="45720" marR="45720" marT="45720" marB="45720">
+                    <a:solidFill>
+                      <a:srgbClr val="F0F0F0"/>
+                    </a:solidFill>
+                  </a:tcPr>
+                </a:tc>
+              </a:tr>
+              <a:tr h="228600">
+                <a:tc>
+                  <a:txBody>
+                    <a:bodyPr/>
+                    <a:lstStyle/>
+                    <a:p>
+                      <a:pPr algn="ctr"/>
+                      <a:r>
+                        <a:rPr sz="800">
+                          <a:solidFill>
+                            <a:srgbClr val="404040"/>
+                          </a:solidFill>
+                          <a:latin typeface="Arial"/>
+                        </a:rPr>
+                        <a:t>LangChain</a:t>
+                      </a:r>
+                    </a:p>
+                  </a:txBody>
+                  <a:tcPr marL="45720" marR="45720" marT="45720" marB="45720">
+                    <a:solidFill>
+                      <a:srgbClr val="F0F0F0"/>
+                    </a:solidFill>
+                  </a:tcPr>
+                </a:tc>
+                <a:tc>
+                  <a:txBody>
+                    <a:bodyPr/>
+                    <a:lstStyle/>
+                    <a:p>
+                      <a:pPr algn="ctr"/>
+                      <a:r>
+                        <a:rPr sz="800">
+                          <a:solidFill>
+                            <a:srgbClr val="404040"/>
+                          </a:solidFill>
+                          <a:latin typeface="Arial"/>
+                        </a:rPr>
+                        <a:t>⭐⭐⭐⭐</a:t>
+                      </a:r>
+                    </a:p>
+                  </a:txBody>
+                  <a:tcPr marL="45720" marR="45720" marT="45720" marB="45720">
+                    <a:solidFill>
+                      <a:srgbClr val="F0F0F0"/>
+                    </a:solidFill>
+                  </a:tcPr>
+                </a:tc>
+                <a:tc>
+                  <a:txBody>
+                    <a:bodyPr/>
+                    <a:lstStyle/>
+                    <a:p>
+                      <a:pPr algn="ctr"/>
+                      <a:r>
+                        <a:rPr sz="800">
+                          <a:solidFill>
+                            <a:srgbClr val="404040"/>
+                          </a:solidFill>
+                          <a:latin typeface="Arial"/>
+                        </a:rPr>
+                        <a:t>⭐⭐⭐⭐</a:t>
+                      </a:r>
+                    </a:p>
+                  </a:txBody>
+                  <a:tcPr marL="45720" marR="45720" marT="45720" marB="45720">
+                    <a:solidFill>
+                      <a:srgbClr val="F0F0F0"/>
+                    </a:solidFill>
+                  </a:tcPr>
+                </a:tc>
+                <a:tc>
+                  <a:txBody>
+                    <a:bodyPr/>
+                    <a:lstStyle/>
+                    <a:p>
+                      <a:pPr algn="ctr"/>
+                      <a:r>
+                        <a:rPr sz="800">
+                          <a:solidFill>
+                            <a:srgbClr val="404040"/>
+                          </a:solidFill>
+                          <a:latin typeface="Arial"/>
+                        </a:rPr>
+                        <a:t>⭐⭐⭐⭐</a:t>
+                      </a:r>
+                    </a:p>
+                  </a:txBody>
+                  <a:tcPr marL="45720" marR="45720" marT="45720" marB="45720">
+                    <a:solidFill>
+                      <a:srgbClr val="F0F0F0"/>
+                    </a:solidFill>
+                  </a:tcPr>
+                </a:tc>
+                <a:tc>
+                  <a:txBody>
+                    <a:bodyPr/>
+                    <a:lstStyle/>
+                    <a:p>
+                      <a:pPr algn="ctr"/>
+                      <a:r>
+                        <a:rPr sz="800">
+                          <a:solidFill>
+                            <a:srgbClr val="404040"/>
+                          </a:solidFill>
+                          <a:latin typeface="Arial"/>
+                        </a:rPr>
+                        <a:t>⭐⭐⭐⭐</a:t>
+                      </a:r>
+                    </a:p>
+                  </a:txBody>
+                  <a:tcPr marL="45720" marR="45720" marT="45720" marB="45720">
+                    <a:solidFill>
+                      <a:srgbClr val="F0F0F0"/>
+                    </a:solidFill>
+                  </a:tcPr>
+                </a:tc>
+              </a:tr>
+              <a:tr h="228600">
+                <a:tc>
+                  <a:txBody>
+                    <a:bodyPr/>
+                    <a:lstStyle/>
+                    <a:p>
+                      <a:pPr algn="ctr"/>
+                      <a:r>
+                        <a:rPr sz="800">
+                          <a:solidFill>
+                            <a:srgbClr val="404040"/>
+                          </a:solidFill>
+                          <a:latin typeface="Arial"/>
+                        </a:rPr>
+                        <a:t>CrewAI</a:t>
+                      </a:r>
+                    </a:p>
+                  </a:txBody>
+                  <a:tcPr marL="45720" marR="45720" marT="45720" marB="45720"/>
+                </a:tc>
+                <a:tc>
+                  <a:txBody>
+                    <a:bodyPr/>
+                    <a:lstStyle/>
+                    <a:p>
+                      <a:pPr algn="ctr"/>
+                      <a:r>
+                        <a:rPr sz="800">
+                          <a:solidFill>
+                            <a:srgbClr val="404040"/>
+                          </a:solidFill>
+                          <a:latin typeface="Arial"/>
+                        </a:rPr>
+                        <a:t>⭐⭐⭐</a:t>
+                      </a:r>
+                    </a:p>
+                  </a:txBody>
+                  <a:tcPr marL="45720" marR="45720" marT="45720" marB="45720"/>
+                </a:tc>
+                <a:tc>
+                  <a:txBody>
+                    <a:bodyPr/>
+                    <a:lstStyle/>
+                    <a:p>
+                      <a:pPr algn="ctr"/>
+                      <a:r>
+                        <a:rPr sz="800">
+                          <a:solidFill>
+                            <a:srgbClr val="404040"/>
+                          </a:solidFill>
+                          <a:latin typeface="Arial"/>
+                        </a:rPr>
+                        <a:t>⭐⭐⭐</a:t>
+                      </a:r>
+                    </a:p>
+                  </a:txBody>
+                  <a:tcPr marL="45720" marR="45720" marT="45720" marB="45720"/>
+                </a:tc>
+                <a:tc>
+                  <a:txBody>
+                    <a:bodyPr/>
+                    <a:lstStyle/>
+                    <a:p>
+                      <a:pPr algn="ctr"/>
+                      <a:r>
+                        <a:rPr sz="800">
+                          <a:solidFill>
+                            <a:srgbClr val="404040"/>
+                          </a:solidFill>
+                          <a:latin typeface="Arial"/>
+                        </a:rPr>
+                        <a:t>⭐⭐</a:t>
+                      </a:r>
+                    </a:p>
+                  </a:txBody>
+                  <a:tcPr marL="45720" marR="45720" marT="45720" marB="45720"/>
+                </a:tc>
+                <a:tc>
+                  <a:txBody>
+                    <a:bodyPr/>
+                    <a:lstStyle/>
+                    <a:p>
+                      <a:pPr algn="ctr"/>
+                      <a:r>
+                        <a:rPr sz="800">
+                          <a:solidFill>
+                            <a:srgbClr val="404040"/>
+                          </a:solidFill>
+                          <a:latin typeface="Arial"/>
+                        </a:rPr>
+                        <a:t>⭐⭐⭐</a:t>
+                      </a:r>
+                    </a:p>
+                  </a:txBody>
+                  <a:tcPr marL="45720" marR="45720" marT="45720" marB="45720"/>
+                </a:tc>
+              </a:tr>
+              <a:tr h="228600">
+                <a:tc>
+                  <a:txBody>
+                    <a:bodyPr/>
+                    <a:lstStyle/>
+                    <a:p>
+                      <a:pPr algn="ctr"/>
+                      <a:r>
+                        <a:rPr sz="800">
+                          <a:solidFill>
+                            <a:srgbClr val="404040"/>
+                          </a:solidFill>
+                          <a:latin typeface="Arial"/>
+                        </a:rPr>
+                        <a:t>OpenAI API</a:t>
+                      </a:r>
+                    </a:p>
+                  </a:txBody>
+                  <a:tcPr marL="45720" marR="45720" marT="45720" marB="45720">
+                    <a:solidFill>
+                      <a:srgbClr val="F0F0F0"/>
+                    </a:solidFill>
+                  </a:tcPr>
+                </a:tc>
+                <a:tc>
+                  <a:txBody>
+                    <a:bodyPr/>
+                    <a:lstStyle/>
+                    <a:p>
+                      <a:pPr algn="ctr"/>
+                      <a:r>
+                        <a:rPr sz="800">
+                          <a:solidFill>
+                            <a:srgbClr val="404040"/>
+                          </a:solidFill>
+                          <a:latin typeface="Arial"/>
+                        </a:rPr>
+                        <a:t>⭐⭐⭐⭐</a:t>
+                      </a:r>
+                    </a:p>
+                  </a:txBody>
+                  <a:tcPr marL="45720" marR="45720" marT="45720" marB="45720">
+                    <a:solidFill>
+                      <a:srgbClr val="F0F0F0"/>
+                    </a:solidFill>
+                  </a:tcPr>
+                </a:tc>
+                <a:tc>
+                  <a:txBody>
+                    <a:bodyPr/>
+                    <a:lstStyle/>
+                    <a:p>
+                      <a:pPr algn="ctr"/>
+                      <a:r>
+                        <a:rPr sz="800">
+                          <a:solidFill>
+                            <a:srgbClr val="404040"/>
+                          </a:solidFill>
+                          <a:latin typeface="Arial"/>
+                        </a:rPr>
+                        <a:t>⭐⭐</a:t>
+                      </a:r>
+                    </a:p>
+                  </a:txBody>
+                  <a:tcPr marL="45720" marR="45720" marT="45720" marB="45720">
+                    <a:solidFill>
+                      <a:srgbClr val="F0F0F0"/>
+                    </a:solidFill>
+                  </a:tcPr>
+                </a:tc>
+                <a:tc>
+                  <a:txBody>
+                    <a:bodyPr/>
+                    <a:lstStyle/>
+                    <a:p>
+                      <a:pPr algn="ctr"/>
+                      <a:r>
+                        <a:rPr sz="800">
+                          <a:solidFill>
+                            <a:srgbClr val="404040"/>
+                          </a:solidFill>
+                          <a:latin typeface="Arial"/>
+                        </a:rPr>
+                        <a:t>⭐⭐⭐⭐</a:t>
+                      </a:r>
+                    </a:p>
+                  </a:txBody>
+                  <a:tcPr marL="45720" marR="45720" marT="45720" marB="45720">
+                    <a:solidFill>
+                      <a:srgbClr val="F0F0F0"/>
+                    </a:solidFill>
+                  </a:tcPr>
+                </a:tc>
+                <a:tc>
+                  <a:txBody>
+                    <a:bodyPr/>
+                    <a:lstStyle/>
+                    <a:p>
+                      <a:pPr algn="ctr"/>
+                      <a:r>
+                        <a:rPr sz="800">
+                          <a:solidFill>
+                            <a:srgbClr val="404040"/>
+                          </a:solidFill>
+                          <a:latin typeface="Arial"/>
+                        </a:rPr>
+                        <a:t>⭐⭐⭐⭐</a:t>
+                      </a:r>
+                    </a:p>
+                  </a:txBody>
+                  <a:tcPr marL="45720" marR="45720" marT="45720" marB="45720">
+                    <a:solidFill>
+                      <a:srgbClr val="F0F0F0"/>
+                    </a:solidFill>
+                  </a:tcPr>
+                </a:tc>
+              </a:tr>
+              <a:tr h="228600">
+                <a:tc>
+                  <a:txBody>
+                    <a:bodyPr/>
+                    <a:lstStyle/>
+                    <a:p>
+                      <a:pPr algn="ctr"/>
+                      <a:r>
+                        <a:rPr sz="800">
+                          <a:solidFill>
+                            <a:srgbClr val="404040"/>
+                          </a:solidFill>
+                          <a:latin typeface="Arial"/>
+                        </a:rPr>
+                        <a:t>Haystack</a:t>
+                      </a:r>
+                    </a:p>
+                  </a:txBody>
+                  <a:tcPr marL="45720" marR="45720" marT="45720" marB="45720"/>
+                </a:tc>
+                <a:tc>
+                  <a:txBody>
+                    <a:bodyPr/>
+                    <a:lstStyle/>
+                    <a:p>
+                      <a:pPr algn="ctr"/>
+                      <a:r>
+                        <a:rPr sz="800">
+                          <a:solidFill>
+                            <a:srgbClr val="404040"/>
+                          </a:solidFill>
+                          <a:latin typeface="Arial"/>
+                        </a:rPr>
+                        <a:t>⭐⭐⭐⭐</a:t>
+                      </a:r>
+                    </a:p>
+                  </a:txBody>
+                  <a:tcPr marL="45720" marR="45720" marT="45720" marB="45720"/>
+                </a:tc>
+                <a:tc>
+                  <a:txBody>
+                    <a:bodyPr/>
+                    <a:lstStyle/>
+                    <a:p>
+                      <a:pPr algn="ctr"/>
+                      <a:r>
+                        <a:rPr sz="800">
+                          <a:solidFill>
+                            <a:srgbClr val="404040"/>
+                          </a:solidFill>
+                          <a:latin typeface="Arial"/>
+                        </a:rPr>
+                        <a:t>⭐⭐⭐⭐</a:t>
+                      </a:r>
+                    </a:p>
+                  </a:txBody>
+                  <a:tcPr marL="45720" marR="45720" marT="45720" marB="45720"/>
+                </a:tc>
+                <a:tc>
+                  <a:txBody>
+                    <a:bodyPr/>
+                    <a:lstStyle/>
+                    <a:p>
+                      <a:pPr algn="ctr"/>
+                      <a:r>
+                        <a:rPr sz="800">
+                          <a:solidFill>
+                            <a:srgbClr val="404040"/>
+                          </a:solidFill>
+                          <a:latin typeface="Arial"/>
+                        </a:rPr>
+                        <a:t>⭐⭐⭐</a:t>
+                      </a:r>
+                    </a:p>
+                  </a:txBody>
+                  <a:tcPr marL="45720" marR="45720" marT="45720" marB="45720"/>
+                </a:tc>
+                <a:tc>
+                  <a:txBody>
+                    <a:bodyPr/>
+                    <a:lstStyle/>
+                    <a:p>
+                      <a:pPr algn="ctr"/>
+                      <a:r>
+                        <a:rPr sz="800">
+                          <a:solidFill>
+                            <a:srgbClr val="404040"/>
+                          </a:solidFill>
+                          <a:latin typeface="Arial"/>
+                        </a:rPr>
+                        <a:t>⭐⭐⭐⭐</a:t>
+                      </a:r>
+                    </a:p>
+                  </a:txBody>
+                  <a:tcPr marL="45720" marR="45720" marT="45720" marB="45720"/>
+                </a:tc>
+              </a:tr>
+            </a:tbl>
+          </a:graphicData>
+        </a:graphic>
+      </p:graphicFrame>
+      <p:sp>
+        <p:nvSpPr>
+          <p:cNvPr id="8" name="TextBox 7"/>
+          <p:cNvSpPr txBox="1"/>
+          <p:nvPr/>
+        </p:nvSpPr>
+        <p:spPr>
+          <a:xfrm>
+            <a:off x="6217920" y="3657600"/>
+            <a:ext cx="5486400" cy="182880"/>
+          </a:xfrm>
+          <a:prstGeom prst="rect">
+            <a:avLst/>
+          </a:prstGeom>
+          <a:noFill/>
+          <a:ln>
+            <a:noFill/>
+          </a:ln>
+          <a:effectLst/>
+        </p:spPr>
+        <p:txBody>
+          <a:bodyPr wrap="square">
+            <a:spAutoFit/>
+          </a:bodyPr>
+          <a:lstStyle/>
+          <a:p>
+            <a:pPr algn="l"/>
+            <a:r>
+              <a:rPr sz="800" b="0">
+                <a:solidFill>
+                  <a:srgbClr val="404040"/>
+                </a:solidFill>
+                <a:latin typeface="Arial"/>
+              </a:rPr>
+              <a:t>Source: Management estimates, competitor websites, July 2024 [Medium Confidence]</a:t>
+            </a:r>
+          </a:p>
+        </p:txBody>
+      </p:sp>
+      <p:sp>
+        <p:nvSpPr>
+          <p:cNvPr id="9" name="TextBox 8"/>
+          <p:cNvSpPr txBox="1"/>
+          <p:nvPr/>
+        </p:nvSpPr>
+        <p:spPr>
+          <a:xfrm>
+            <a:off x="457200" y="4114800"/>
+            <a:ext cx="5486400" cy="274320"/>
+          </a:xfrm>
+          <a:prstGeom prst="rect">
+            <a:avLst/>
+          </a:prstGeom>
+          <a:noFill/>
+          <a:ln>
+            <a:noFill/>
+          </a:ln>
+          <a:effectLst/>
+        </p:spPr>
+        <p:txBody>
+          <a:bodyPr wrap="square">
+            <a:spAutoFit/>
+          </a:bodyPr>
+          <a:lstStyle/>
+          <a:p>
+            <a:pPr algn="l"/>
+            <a:r>
+              <a:rPr sz="1400" b="1">
+                <a:solidFill>
+                  <a:srgbClr val="183A58"/>
+                </a:solidFill>
+                <a:latin typeface="Arial"/>
+              </a:rPr>
+              <a:t>Barriers to Entry</a:t>
+            </a:r>
+          </a:p>
+        </p:txBody>
+      </p:sp>
+      <p:sp>
+        <p:nvSpPr>
+          <p:cNvPr id="10" name="Oval 9"/>
+          <p:cNvSpPr/>
+          <p:nvPr/>
+        </p:nvSpPr>
+        <p:spPr>
+          <a:xfrm>
+            <a:off x="640080" y="4480560"/>
+            <a:ext cx="54864" cy="54864"/>
+          </a:xfrm>
+          <a:prstGeom prst="ellipse">
+            <a:avLst/>
+          </a:prstGeom>
+          <a:solidFill>
+            <a:srgbClr val="B5975B"/>
+          </a:solidFill>
+          <a:ln>
+            <a:noFill/>
+          </a:ln>
+        </p:spPr>
+        <p:style>
+          <a:lnRef idx="1">
+            <a:schemeClr val="accent1"/>
+          </a:lnRef>
+          <a:fillRef idx="3">
+            <a:schemeClr val="accent1"/>
+          </a:fillRef>
+          <a:effectRef idx="2">
+            <a:schemeClr val="accent1"/>
+          </a:effectRef>
+          <a:fontRef idx="minor">
+            <a:schemeClr val="lt1"/>
+          </a:fontRef>
+        </p:style>
+        <p:txBody>
+          <a:bodyPr rtlCol="0" anchor="ctr"/>
+          <a:lstStyle/>
+          <a:p>
+            <a:pPr algn="ctr"/>
+          </a:p>
+        </p:txBody>
+      </p:sp>
+      <p:sp>
+        <p:nvSpPr>
+          <p:cNvPr id="11" name="TextBox 10"/>
+          <p:cNvSpPr txBox="1"/>
+          <p:nvPr/>
+        </p:nvSpPr>
+        <p:spPr>
+          <a:xfrm>
+            <a:off x="777240" y="4434840"/>
+            <a:ext cx="5029200" cy="274320"/>
+          </a:xfrm>
+          <a:prstGeom prst="rect">
+            <a:avLst/>
+          </a:prstGeom>
+          <a:noFill/>
+          <a:ln>
+            <a:noFill/>
+          </a:ln>
+          <a:effectLst/>
+        </p:spPr>
+        <p:txBody>
+          <a:bodyPr wrap="square">
+            <a:spAutoFit/>
+          </a:bodyPr>
+          <a:lstStyle/>
+          <a:p>
+            <a:pPr algn="l"/>
+            <a:r>
+              <a:rPr sz="900" b="0">
+                <a:solidFill>
+                  <a:srgbClr val="404040"/>
+                </a:solidFill>
+                <a:latin typeface="Arial"/>
+              </a:rPr>
+              <a:t>Regulatory Compliance: Stringent healthcare licensing requirements and facility standards</a:t>
+            </a:r>
+          </a:p>
+        </p:txBody>
+      </p:sp>
+      <p:sp>
+        <p:nvSpPr>
+          <p:cNvPr id="12" name="Oval 11"/>
+          <p:cNvSpPr/>
+          <p:nvPr/>
+        </p:nvSpPr>
+        <p:spPr>
+          <a:xfrm>
+            <a:off x="640080" y="4800600"/>
+            <a:ext cx="54864" cy="54864"/>
+          </a:xfrm>
+          <a:prstGeom prst="ellipse">
+            <a:avLst/>
+          </a:prstGeom>
+          <a:solidFill>
+            <a:srgbClr val="B5975B"/>
+          </a:solidFill>
+          <a:ln>
+            <a:noFill/>
+          </a:ln>
+        </p:spPr>
+        <p:style>
+          <a:lnRef idx="1">
+            <a:schemeClr val="accent1"/>
+          </a:lnRef>
+          <a:fillRef idx="3">
+            <a:schemeClr val="accent1"/>
+          </a:fillRef>
+          <a:effectRef idx="2">
+            <a:schemeClr val="accent1"/>
+          </a:effectRef>
+          <a:fontRef idx="minor">
+            <a:schemeClr val="lt1"/>
+          </a:fontRef>
+        </p:style>
+        <p:txBody>
+          <a:bodyPr rtlCol="0" anchor="ctr"/>
+          <a:lstStyle/>
+          <a:p>
+            <a:pPr algn="ctr"/>
+          </a:p>
+        </p:txBody>
+      </p:sp>
+      <p:sp>
+        <p:nvSpPr>
+          <p:cNvPr id="13" name="TextBox 12"/>
+          <p:cNvSpPr txBox="1"/>
+          <p:nvPr/>
+        </p:nvSpPr>
+        <p:spPr>
+          <a:xfrm>
+            <a:off x="777240" y="4754880"/>
+            <a:ext cx="5029200" cy="274320"/>
+          </a:xfrm>
+          <a:prstGeom prst="rect">
+            <a:avLst/>
+          </a:prstGeom>
+          <a:noFill/>
+          <a:ln>
+            <a:noFill/>
+          </a:ln>
+          <a:effectLst/>
+        </p:spPr>
+        <p:txBody>
+          <a:bodyPr wrap="square">
+            <a:spAutoFit/>
+          </a:bodyPr>
+          <a:lstStyle/>
+          <a:p>
+            <a:pPr algn="l"/>
+            <a:r>
+              <a:rPr sz="900" b="0">
+                <a:solidFill>
+                  <a:srgbClr val="404040"/>
+                </a:solidFill>
+                <a:latin typeface="Arial"/>
+              </a:rPr>
+              <a:t>Specialist Recruitment: Challenging acquisition of multilingual medical talent</a:t>
+            </a:r>
+          </a:p>
+        </p:txBody>
+      </p:sp>
+      <p:sp>
+        <p:nvSpPr>
+          <p:cNvPr id="14" name="Oval 13"/>
+          <p:cNvSpPr/>
+          <p:nvPr/>
+        </p:nvSpPr>
+        <p:spPr>
+          <a:xfrm>
+            <a:off x="640080" y="5120640"/>
+            <a:ext cx="54864" cy="54864"/>
+          </a:xfrm>
+          <a:prstGeom prst="ellipse">
+            <a:avLst/>
+          </a:prstGeom>
+          <a:solidFill>
+            <a:srgbClr val="B5975B"/>
+          </a:solidFill>
+          <a:ln>
+            <a:noFill/>
+          </a:ln>
+        </p:spPr>
+        <p:style>
+          <a:lnRef idx="1">
+            <a:schemeClr val="accent1"/>
+          </a:lnRef>
+          <a:fillRef idx="3">
+            <a:schemeClr val="accent1"/>
+          </a:fillRef>
+          <a:effectRef idx="2">
+            <a:schemeClr val="accent1"/>
+          </a:effectRef>
+          <a:fontRef idx="minor">
+            <a:schemeClr val="lt1"/>
+          </a:fontRef>
+        </p:style>
+        <p:txBody>
+          <a:bodyPr rtlCol="0" anchor="ctr"/>
+          <a:lstStyle/>
+          <a:p>
+            <a:pPr algn="ctr"/>
+          </a:p>
+        </p:txBody>
+      </p:sp>
+      <p:sp>
+        <p:nvSpPr>
+          <p:cNvPr id="15" name="TextBox 14"/>
+          <p:cNvSpPr txBox="1"/>
+          <p:nvPr/>
+        </p:nvSpPr>
+        <p:spPr>
+          <a:xfrm>
+            <a:off x="777240" y="5074920"/>
+            <a:ext cx="5029200" cy="274320"/>
+          </a:xfrm>
+          <a:prstGeom prst="rect">
+            <a:avLst/>
+          </a:prstGeom>
+          <a:noFill/>
+          <a:ln>
+            <a:noFill/>
+          </a:ln>
+          <a:effectLst/>
+        </p:spPr>
+        <p:txBody>
+          <a:bodyPr wrap="square">
+            <a:spAutoFit/>
+          </a:bodyPr>
+          <a:lstStyle/>
+          <a:p>
+            <a:pPr algn="l"/>
+            <a:r>
+              <a:rPr sz="900" b="0">
+                <a:solidFill>
+                  <a:srgbClr val="404040"/>
+                </a:solidFill>
+                <a:latin typeface="Arial"/>
+              </a:rPr>
+              <a:t>Prime Real Estate: Limited availability and high cost of clinic locations</a:t>
+            </a:r>
+          </a:p>
+        </p:txBody>
+      </p:sp>
+      <p:sp>
+        <p:nvSpPr>
+          <p:cNvPr id="16" name="Oval 15"/>
+          <p:cNvSpPr/>
+          <p:nvPr/>
+        </p:nvSpPr>
+        <p:spPr>
+          <a:xfrm>
+            <a:off x="640080" y="5440679"/>
+            <a:ext cx="54864" cy="54864"/>
+          </a:xfrm>
+          <a:prstGeom prst="ellipse">
+            <a:avLst/>
+          </a:prstGeom>
+          <a:solidFill>
+            <a:srgbClr val="B5975B"/>
+          </a:solidFill>
+          <a:ln>
+            <a:noFill/>
+          </a:ln>
+        </p:spPr>
+        <p:style>
+          <a:lnRef idx="1">
+            <a:schemeClr val="accent1"/>
+          </a:lnRef>
+          <a:fillRef idx="3">
+            <a:schemeClr val="accent1"/>
+          </a:fillRef>
+          <a:effectRef idx="2">
+            <a:schemeClr val="accent1"/>
+          </a:effectRef>
+          <a:fontRef idx="minor">
+            <a:schemeClr val="lt1"/>
+          </a:fontRef>
+        </p:style>
+        <p:txBody>
+          <a:bodyPr rtlCol="0" anchor="ctr"/>
+          <a:lstStyle/>
+          <a:p>
+            <a:pPr algn="ctr"/>
+          </a:p>
+        </p:txBody>
+      </p:sp>
+      <p:sp>
+        <p:nvSpPr>
+          <p:cNvPr id="17" name="TextBox 16"/>
+          <p:cNvSpPr txBox="1"/>
+          <p:nvPr/>
+        </p:nvSpPr>
+        <p:spPr>
+          <a:xfrm>
+            <a:off x="777240" y="5394959"/>
+            <a:ext cx="5029200" cy="274320"/>
+          </a:xfrm>
+          <a:prstGeom prst="rect">
+            <a:avLst/>
+          </a:prstGeom>
+          <a:noFill/>
+          <a:ln>
+            <a:noFill/>
+          </a:ln>
+          <a:effectLst/>
+        </p:spPr>
+        <p:txBody>
+          <a:bodyPr wrap="square">
+            <a:spAutoFit/>
+          </a:bodyPr>
+          <a:lstStyle/>
+          <a:p>
+            <a:pPr algn="l"/>
+            <a:r>
+              <a:rPr sz="900" b="0">
+                <a:solidFill>
+                  <a:srgbClr val="404040"/>
+                </a:solidFill>
+                <a:latin typeface="Arial"/>
+              </a:rPr>
+              <a:t>Insurance Relationships: Established direct billing partnerships with 35+ insurers</a:t>
+            </a:r>
+          </a:p>
+        </p:txBody>
+      </p:sp>
+      <p:sp>
+        <p:nvSpPr>
+          <p:cNvPr id="18" name="TextBox 17"/>
+          <p:cNvSpPr txBox="1"/>
+          <p:nvPr/>
+        </p:nvSpPr>
+        <p:spPr>
+          <a:xfrm>
+            <a:off x="6858000" y="3474720"/>
+            <a:ext cx="5029200" cy="274320"/>
+          </a:xfrm>
+          <a:prstGeom prst="rect">
+            <a:avLst/>
+          </a:prstGeom>
+          <a:noFill/>
+          <a:ln>
+            <a:noFill/>
+          </a:ln>
+          <a:effectLst/>
+        </p:spPr>
+        <p:txBody>
+          <a:bodyPr wrap="square">
+            <a:spAutoFit/>
+          </a:bodyPr>
+          <a:lstStyle/>
+          <a:p>
+            <a:pPr algn="l"/>
+            <a:r>
+              <a:rPr sz="1400" b="1">
+                <a:solidFill>
+                  <a:srgbClr val="183A58"/>
+                </a:solidFill>
+                <a:latin typeface="Arial"/>
+              </a:rPr>
+              <a:t>Company's Unique Advantages</a:t>
+            </a:r>
+          </a:p>
+        </p:txBody>
+      </p:sp>
+      <p:sp>
+        <p:nvSpPr>
+          <p:cNvPr id="19" name="Oval 18"/>
+          <p:cNvSpPr/>
+          <p:nvPr/>
+        </p:nvSpPr>
+        <p:spPr>
+          <a:xfrm>
+            <a:off x="7040880" y="3840480"/>
+            <a:ext cx="54864" cy="54864"/>
+          </a:xfrm>
+          <a:prstGeom prst="ellipse">
+            <a:avLst/>
+          </a:prstGeom>
+          <a:solidFill>
+            <a:srgbClr val="B5975B"/>
+          </a:solidFill>
+          <a:ln>
+            <a:noFill/>
+          </a:ln>
+        </p:spPr>
+        <p:style>
+          <a:lnRef idx="1">
+            <a:schemeClr val="accent1"/>
+          </a:lnRef>
+          <a:fillRef idx="3">
+            <a:schemeClr val="accent1"/>
+          </a:fillRef>
+          <a:effectRef idx="2">
+            <a:schemeClr val="accent1"/>
+          </a:effectRef>
+          <a:fontRef idx="minor">
+            <a:schemeClr val="lt1"/>
+          </a:fontRef>
+        </p:style>
+        <p:txBody>
+          <a:bodyPr rtlCol="0" anchor="ctr"/>
+          <a:lstStyle/>
+          <a:p>
+            <a:pPr algn="ctr"/>
+          </a:p>
+        </p:txBody>
+      </p:sp>
+      <p:sp>
+        <p:nvSpPr>
+          <p:cNvPr id="20" name="TextBox 19"/>
+          <p:cNvSpPr txBox="1"/>
+          <p:nvPr/>
+        </p:nvSpPr>
+        <p:spPr>
+          <a:xfrm>
+            <a:off x="7178040" y="3794760"/>
+            <a:ext cx="4572000" cy="274320"/>
+          </a:xfrm>
+          <a:prstGeom prst="rect">
+            <a:avLst/>
+          </a:prstGeom>
+          <a:noFill/>
+          <a:ln>
+            <a:noFill/>
+          </a:ln>
+          <a:effectLst/>
+        </p:spPr>
+        <p:txBody>
+          <a:bodyPr wrap="square">
+            <a:spAutoFit/>
+          </a:bodyPr>
+          <a:lstStyle/>
+          <a:p>
+            <a:pPr algn="l"/>
+            <a:r>
+              <a:rPr sz="900" b="0">
+                <a:solidFill>
+                  <a:srgbClr val="404040"/>
+                </a:solidFill>
+                <a:latin typeface="Arial"/>
+              </a:rPr>
+              <a:t>International Accreditation: First Hong Kong clinic accredited by Australian Council</a:t>
+            </a:r>
+          </a:p>
+        </p:txBody>
+      </p:sp>
+      <p:sp>
+        <p:nvSpPr>
+          <p:cNvPr id="21" name="Oval 20"/>
+          <p:cNvSpPr/>
+          <p:nvPr/>
+        </p:nvSpPr>
+        <p:spPr>
+          <a:xfrm>
+            <a:off x="7040880" y="4160520"/>
+            <a:ext cx="54864" cy="54864"/>
+          </a:xfrm>
+          <a:prstGeom prst="ellipse">
+            <a:avLst/>
+          </a:prstGeom>
+          <a:solidFill>
+            <a:srgbClr val="B5975B"/>
+          </a:solidFill>
+          <a:ln>
+            <a:noFill/>
+          </a:ln>
+        </p:spPr>
+        <p:style>
+          <a:lnRef idx="1">
+            <a:schemeClr val="accent1"/>
+          </a:lnRef>
+          <a:fillRef idx="3">
+            <a:schemeClr val="accent1"/>
+          </a:fillRef>
+          <a:effectRef idx="2">
+            <a:schemeClr val="accent1"/>
+          </a:effectRef>
+          <a:fontRef idx="minor">
+            <a:schemeClr val="lt1"/>
+          </a:fontRef>
+        </p:style>
+        <p:txBody>
+          <a:bodyPr rtlCol="0" anchor="ctr"/>
+          <a:lstStyle/>
+          <a:p>
+            <a:pPr algn="ctr"/>
+          </a:p>
+        </p:txBody>
+      </p:sp>
+      <p:sp>
+        <p:nvSpPr>
+          <p:cNvPr id="22" name="TextBox 21"/>
+          <p:cNvSpPr txBox="1"/>
+          <p:nvPr/>
+        </p:nvSpPr>
+        <p:spPr>
+          <a:xfrm>
+            <a:off x="7178040" y="4114800"/>
+            <a:ext cx="4572000" cy="274320"/>
+          </a:xfrm>
+          <a:prstGeom prst="rect">
+            <a:avLst/>
+          </a:prstGeom>
+          <a:noFill/>
+          <a:ln>
+            <a:noFill/>
+          </a:ln>
+          <a:effectLst/>
+        </p:spPr>
+        <p:txBody>
+          <a:bodyPr wrap="square">
+            <a:spAutoFit/>
+          </a:bodyPr>
+          <a:lstStyle/>
+          <a:p>
+            <a:pPr algn="l"/>
+            <a:r>
+              <a:rPr sz="900" b="0">
+                <a:solidFill>
+                  <a:srgbClr val="404040"/>
+                </a:solidFill>
+                <a:latin typeface="Arial"/>
+              </a:rPr>
+              <a:t>Multi-specialty Integration: Comprehensive holistic care model spanning physical and mental health</a:t>
+            </a:r>
+          </a:p>
+        </p:txBody>
+      </p:sp>
+      <p:sp>
+        <p:nvSpPr>
+          <p:cNvPr id="23" name="Oval 22"/>
+          <p:cNvSpPr/>
+          <p:nvPr/>
+        </p:nvSpPr>
+        <p:spPr>
+          <a:xfrm>
+            <a:off x="7040880" y="4480560"/>
+            <a:ext cx="54864" cy="54864"/>
+          </a:xfrm>
+          <a:prstGeom prst="ellipse">
+            <a:avLst/>
+          </a:prstGeom>
+          <a:solidFill>
+            <a:srgbClr val="B5975B"/>
+          </a:solidFill>
+          <a:ln>
+            <a:noFill/>
+          </a:ln>
+        </p:spPr>
+        <p:style>
+          <a:lnRef idx="1">
+            <a:schemeClr val="accent1"/>
+          </a:lnRef>
+          <a:fillRef idx="3">
+            <a:schemeClr val="accent1"/>
+          </a:fillRef>
+          <a:effectRef idx="2">
+            <a:schemeClr val="accent1"/>
+          </a:effectRef>
+          <a:fontRef idx="minor">
+            <a:schemeClr val="lt1"/>
+          </a:fontRef>
+        </p:style>
+        <p:txBody>
+          <a:bodyPr rtlCol="0" anchor="ctr"/>
+          <a:lstStyle/>
+          <a:p>
+            <a:pPr algn="ctr"/>
+          </a:p>
+        </p:txBody>
+      </p:sp>
+      <p:sp>
+        <p:nvSpPr>
+          <p:cNvPr id="24" name="TextBox 23"/>
+          <p:cNvSpPr txBox="1"/>
+          <p:nvPr/>
+        </p:nvSpPr>
+        <p:spPr>
+          <a:xfrm>
+            <a:off x="7178040" y="4434840"/>
+            <a:ext cx="4572000" cy="274320"/>
+          </a:xfrm>
+          <a:prstGeom prst="rect">
+            <a:avLst/>
+          </a:prstGeom>
+          <a:noFill/>
+          <a:ln>
+            <a:noFill/>
+          </a:ln>
+          <a:effectLst/>
+        </p:spPr>
+        <p:txBody>
+          <a:bodyPr wrap="square">
+            <a:spAutoFit/>
+          </a:bodyPr>
+          <a:lstStyle/>
+          <a:p>
+            <a:pPr algn="l"/>
+            <a:r>
+              <a:rPr sz="900" b="0">
+                <a:solidFill>
+                  <a:srgbClr val="404040"/>
+                </a:solidFill>
+                <a:latin typeface="Arial"/>
+              </a:rPr>
+              <a:t>In-house Pharmacy: Holder of wholesale pharmacy license with dedicated pharmacy team</a:t>
+            </a:r>
+          </a:p>
+        </p:txBody>
+      </p:sp>
+      <p:sp>
+        <p:nvSpPr>
+          <p:cNvPr id="25" name="Oval 24"/>
+          <p:cNvSpPr/>
+          <p:nvPr/>
+        </p:nvSpPr>
+        <p:spPr>
+          <a:xfrm>
+            <a:off x="7040880" y="4800599"/>
+            <a:ext cx="54864" cy="54864"/>
+          </a:xfrm>
+          <a:prstGeom prst="ellipse">
+            <a:avLst/>
+          </a:prstGeom>
+          <a:solidFill>
+            <a:srgbClr val="B5975B"/>
+          </a:solidFill>
+          <a:ln>
+            <a:noFill/>
+          </a:ln>
+        </p:spPr>
+        <p:style>
+          <a:lnRef idx="1">
+            <a:schemeClr val="accent1"/>
+          </a:lnRef>
+          <a:fillRef idx="3">
+            <a:schemeClr val="accent1"/>
+          </a:fillRef>
+          <a:effectRef idx="2">
+            <a:schemeClr val="accent1"/>
+          </a:effectRef>
+          <a:fontRef idx="minor">
+            <a:schemeClr val="lt1"/>
+          </a:fontRef>
+        </p:style>
+        <p:txBody>
+          <a:bodyPr rtlCol="0" anchor="ctr"/>
+          <a:lstStyle/>
+          <a:p>
+            <a:pPr algn="ctr"/>
+          </a:p>
+        </p:txBody>
+      </p:sp>
+      <p:sp>
+        <p:nvSpPr>
+          <p:cNvPr id="26" name="TextBox 25"/>
+          <p:cNvSpPr txBox="1"/>
+          <p:nvPr/>
+        </p:nvSpPr>
+        <p:spPr>
+          <a:xfrm>
+            <a:off x="7178040" y="4754879"/>
+            <a:ext cx="4572000" cy="274320"/>
+          </a:xfrm>
+          <a:prstGeom prst="rect">
+            <a:avLst/>
+          </a:prstGeom>
+          <a:noFill/>
+          <a:ln>
+            <a:noFill/>
+          </a:ln>
+          <a:effectLst/>
+        </p:spPr>
+        <p:txBody>
+          <a:bodyPr wrap="square">
+            <a:spAutoFit/>
+          </a:bodyPr>
+          <a:lstStyle/>
+          <a:p>
+            <a:pPr algn="l"/>
+            <a:r>
+              <a:rPr sz="900" b="0">
+                <a:solidFill>
+                  <a:srgbClr val="404040"/>
+                </a:solidFill>
+                <a:latin typeface="Arial"/>
+              </a:rPr>
+              <a:t>Teaching Status: Recognized undergraduate and postgraduate teaching unit</a:t>
+            </a:r>
+          </a:p>
+        </p:txBody>
+      </p:sp>
+      <p:sp>
+        <p:nvSpPr>
+          <p:cNvPr id="27" name="TextBox 26"/>
+          <p:cNvSpPr txBox="1"/>
+          <p:nvPr/>
+        </p:nvSpPr>
+        <p:spPr>
+          <a:xfrm>
+            <a:off x="457200" y="3931920"/>
+            <a:ext cx="5486400" cy="137160"/>
+          </a:xfrm>
+          <a:prstGeom prst="rect">
+            <a:avLst/>
+          </a:prstGeom>
+          <a:noFill/>
+          <a:ln>
+            <a:noFill/>
+          </a:ln>
+          <a:effectLst/>
+        </p:spPr>
+        <p:txBody>
+          <a:bodyPr wrap="square">
+            <a:spAutoFit/>
+          </a:bodyPr>
+          <a:lstStyle/>
+          <a:p>
+            <a:pPr algn="l"/>
+            <a:r>
+              <a:rPr sz="800" b="0">
+                <a:solidFill>
+                  <a:srgbClr val="404040"/>
+                </a:solidFill>
+                <a:latin typeface="Arial"/>
+              </a:rPr>
+              <a:t>Source: Company analysis, industry reports, 2024 [High Confidence]</a:t>
+            </a:r>
+          </a:p>
+        </p:txBody>
+      </p:sp>
+      <p:sp>
+        <p:nvSpPr>
+          <p:cNvPr id="28" name="TextBox 27"/>
+          <p:cNvSpPr txBox="1"/>
+          <p:nvPr/>
+        </p:nvSpPr>
+        <p:spPr>
+          <a:xfrm>
+            <a:off x="457200" y="6400800"/>
+            <a:ext cx="3657600" cy="365760"/>
+          </a:xfrm>
+          <a:prstGeom prst="rect">
+            <a:avLst/>
+          </a:prstGeom>
+          <a:noFill/>
+        </p:spPr>
+        <p:txBody>
+          <a:bodyPr wrap="none" anchor="ctr">
+            <a:spAutoFit/>
+          </a:bodyPr>
+          <a:lstStyle/>
+          <a:p>
+            <a:pPr algn="l">
+              <a:defRPr sz="900">
+                <a:solidFill>
+                  <a:srgbClr val="808080"/>
+                </a:solidFill>
+                <a:latin typeface="Arial"/>
+              </a:defRPr>
+            </a:pPr>
+            <a:r>
+              <a:t>Confidential | September 11, 2025</a:t>
+            </a:r>
+          </a:p>
+        </p:txBody>
+      </p:sp>
+      <p:sp>
+        <p:nvSpPr>
+          <p:cNvPr id="29" name="TextBox 28"/>
+          <p:cNvSpPr txBox="1"/>
+          <p:nvPr/>
+        </p:nvSpPr>
+        <p:spPr>
+          <a:xfrm>
+            <a:off x="8686800" y="6400800"/>
+            <a:ext cx="3200400" cy="365760"/>
+          </a:xfrm>
+          <a:prstGeom prst="rect">
+            <a:avLst/>
+          </a:prstGeom>
+          <a:noFill/>
+        </p:spPr>
+        <p:txBody>
+          <a:bodyPr wrap="none" anchor="ctr">
+            <a:spAutoFit/>
+          </a:bodyPr>
+          <a:lstStyle/>
+          <a:p>
+            <a:pPr algn="r">
+              <a:defRPr sz="900">
+                <a:solidFill>
+                  <a:srgbClr val="808080"/>
+                </a:solidFill>
+                <a:latin typeface="Arial"/>
+              </a:defRPr>
+            </a:pPr>
+            <a:r>
+              <a:t>TechCorp Solutions</a:t>
+            </a:r>
+          </a:p>
+        </p:txBody>
+      </p:sp>
     </p:spTree>
   </p:cSld>
   <p:clrMapOvr>
@@ -11827,54 +13455,6 @@
 </file>
 
 <file path=ppt/slides/slide8.xml><?xml version="1.0" encoding="utf-8"?>
-<p:sld xmlns:a="http://schemas.openxmlformats.org/drawingml/2006/main" xmlns:p="http://schemas.openxmlformats.org/presentationml/2006/main" xmlns:r="http://schemas.openxmlformats.org/officeDocument/2006/relationships">
-  <p:cSld>
-    <p:spTree>
-      <p:nvGrpSpPr>
-        <p:cNvPr id="1" name=""/>
-        <p:cNvGrpSpPr/>
-        <p:nvPr/>
-      </p:nvGrpSpPr>
-      <p:grpSpPr/>
-      <p:sp>
-        <p:nvSpPr>
-          <p:cNvPr id="2" name="TextBox 1"/>
-          <p:cNvSpPr txBox="1"/>
-          <p:nvPr/>
-        </p:nvSpPr>
-        <p:spPr>
-          <a:xfrm>
-            <a:off x="640080" y="731520"/>
-            <a:ext cx="10515600" cy="1371600"/>
-          </a:xfrm>
-          <a:prstGeom prst="rect">
-            <a:avLst/>
-          </a:prstGeom>
-          <a:noFill/>
-        </p:spPr>
-        <p:txBody>
-          <a:bodyPr wrap="none">
-            <a:spAutoFit/>
-          </a:bodyPr>
-          <a:lstStyle/>
-          <a:p>
-            <a:pPr algn="l"/>
-            <a:r>
-              <a:rPr sz="1400"/>
-              <a:t>Renderer error: 'NoneType' object has no attribute 'get'</a:t>
-            </a:r>
-          </a:p>
-        </p:txBody>
-      </p:sp>
-    </p:spTree>
-  </p:cSld>
-  <p:clrMapOvr>
-    <a:masterClrMapping/>
-  </p:clrMapOvr>
-</p:sld>
-</file>
-
-<file path=ppt/slides/slide9.xml><?xml version="1.0" encoding="utf-8"?>
 <p:sld xmlns:a="http://schemas.openxmlformats.org/drawingml/2006/main" xmlns:p="http://schemas.openxmlformats.org/presentationml/2006/main" xmlns:r="http://schemas.openxmlformats.org/officeDocument/2006/relationships">
   <p:cSld>
     <p:spTree>
@@ -13157,6 +14737,644 @@
 </p:sld>
 </file>
 
+<file path=ppt/slides/slide9.xml><?xml version="1.0" encoding="utf-8"?>
+<p:sld xmlns:a="http://schemas.openxmlformats.org/drawingml/2006/main" xmlns:p="http://schemas.openxmlformats.org/presentationml/2006/main" xmlns:r="http://schemas.openxmlformats.org/officeDocument/2006/relationships">
+  <p:cSld>
+    <p:spTree>
+      <p:nvGrpSpPr>
+        <p:cNvPr id="1" name=""/>
+        <p:cNvGrpSpPr/>
+        <p:nvPr/>
+      </p:nvGrpSpPr>
+      <p:grpSpPr/>
+      <p:sp>
+        <p:nvSpPr>
+          <p:cNvPr id="2" name="TextBox 1"/>
+          <p:cNvSpPr txBox="1"/>
+          <p:nvPr/>
+        </p:nvSpPr>
+        <p:spPr>
+          <a:xfrm>
+            <a:off x="457200" y="274320"/>
+            <a:ext cx="11277295" cy="731520"/>
+          </a:xfrm>
+          <a:prstGeom prst="rect">
+            <a:avLst/>
+          </a:prstGeom>
+          <a:noFill/>
+        </p:spPr>
+        <p:txBody>
+          <a:bodyPr wrap="none" lIns="0" tIns="0" rIns="0" bIns="0">
+            <a:spAutoFit/>
+          </a:bodyPr>
+          <a:lstStyle/>
+          <a:p>
+            <a:pPr algn="l"/>
+            <a:r>
+              <a:rPr sz="2400" b="1">
+                <a:solidFill>
+                  <a:srgbClr val="183A58"/>
+                </a:solidFill>
+                <a:latin typeface="Arial"/>
+              </a:rPr>
+              <a:t>Valuation Overview</a:t>
+            </a:r>
+          </a:p>
+        </p:txBody>
+      </p:sp>
+      <p:sp>
+        <p:nvSpPr>
+          <p:cNvPr id="3" name="Rectangle 2"/>
+          <p:cNvSpPr/>
+          <p:nvPr/>
+        </p:nvSpPr>
+        <p:spPr>
+          <a:xfrm>
+            <a:off x="457200" y="914400"/>
+            <a:ext cx="11277295" cy="45720"/>
+          </a:xfrm>
+          <a:prstGeom prst="rect">
+            <a:avLst/>
+          </a:prstGeom>
+          <a:solidFill>
+            <a:srgbClr val="183A58"/>
+          </a:solidFill>
+          <a:ln>
+            <a:noFill/>
+          </a:ln>
+        </p:spPr>
+        <p:style>
+          <a:lnRef idx="1">
+            <a:schemeClr val="accent1"/>
+          </a:lnRef>
+          <a:fillRef idx="3">
+            <a:schemeClr val="accent1"/>
+          </a:fillRef>
+          <a:effectRef idx="2">
+            <a:schemeClr val="accent1"/>
+          </a:effectRef>
+          <a:fontRef idx="minor">
+            <a:schemeClr val="lt1"/>
+          </a:fontRef>
+        </p:style>
+        <p:txBody>
+          <a:bodyPr rtlCol="0" anchor="ctr"/>
+          <a:lstStyle/>
+          <a:p>
+            <a:pPr algn="ctr"/>
+          </a:p>
+        </p:txBody>
+      </p:sp>
+      <p:sp>
+        <p:nvSpPr>
+          <p:cNvPr id="4" name="TextBox 3"/>
+          <p:cNvSpPr txBox="1"/>
+          <p:nvPr/>
+        </p:nvSpPr>
+        <p:spPr>
+          <a:xfrm>
+            <a:off x="914400" y="1280160"/>
+            <a:ext cx="10058400" cy="274320"/>
+          </a:xfrm>
+          <a:prstGeom prst="rect">
+            <a:avLst/>
+          </a:prstGeom>
+          <a:noFill/>
+        </p:spPr>
+        <p:txBody>
+          <a:bodyPr wrap="none">
+            <a:spAutoFit/>
+          </a:bodyPr>
+          <a:lstStyle/>
+          <a:p>
+            <a:pPr algn="ctr">
+              <a:defRPr sz="1400" b="1">
+                <a:solidFill>
+                  <a:srgbClr val="183A58"/>
+                </a:solidFill>
+                <a:latin typeface="Arial"/>
+              </a:defRPr>
+            </a:pPr>
+            <a:r>
+              <a:t>Implied EV/Post IRFS-16 EBITDA</a:t>
+            </a:r>
+          </a:p>
+        </p:txBody>
+      </p:sp>
+      <p:graphicFrame>
+        <p:nvGraphicFramePr>
+          <p:cNvPr id="5" name="Table 4"/>
+          <p:cNvGraphicFramePr>
+            <a:graphicFrameLocks noGrp="1"/>
+          </p:cNvGraphicFramePr>
+          <p:nvPr/>
+        </p:nvGraphicFramePr>
+        <p:xfrm>
+          <a:off x="457200" y="1645920"/>
+          <a:ext cx="11247120" cy="4114800"/>
+        </p:xfrm>
+        <a:graphic>
+          <a:graphicData uri="http://schemas.openxmlformats.org/drawingml/2006/table">
+            <a:tbl>
+              <a:tblPr firstRow="1" bandRow="1">
+                <a:tableStyleId>{5C22544A-7EE6-4342-B048-85BDC9FD1C3A}</a:tableStyleId>
+              </a:tblPr>
+              <a:tblGrid>
+                <a:gridCol w="1828800"/>
+                <a:gridCol w="4114800"/>
+                <a:gridCol w="1828800"/>
+                <a:gridCol w="1371600"/>
+                <a:gridCol w="2103120"/>
+              </a:tblGrid>
+              <a:tr h="822960">
+                <a:tc>
+                  <a:txBody>
+                    <a:bodyPr/>
+                    <a:lstStyle/>
+                    <a:p>
+                      <a:pPr algn="ctr"/>
+                      <a:r>
+                        <a:rPr sz="1000" b="1">
+                          <a:solidFill>
+                            <a:srgbClr val="FFFFFF"/>
+                          </a:solidFill>
+                          <a:latin typeface="Arial"/>
+                        </a:rPr>
+                        <a:t>Methodology</a:t>
+                      </a:r>
+                    </a:p>
+                  </a:txBody>
+                  <a:tcPr>
+                    <a:solidFill>
+                      <a:srgbClr val="183A58"/>
+                    </a:solidFill>
+                  </a:tcPr>
+                </a:tc>
+                <a:tc>
+                  <a:txBody>
+                    <a:bodyPr/>
+                    <a:lstStyle/>
+                    <a:p>
+                      <a:pPr algn="ctr"/>
+                      <a:r>
+                        <a:rPr sz="1000" b="1">
+                          <a:solidFill>
+                            <a:srgbClr val="FFFFFF"/>
+                          </a:solidFill>
+                          <a:latin typeface="Arial"/>
+                        </a:rPr>
+                        <a:t>Commentary</a:t>
+                      </a:r>
+                    </a:p>
+                  </a:txBody>
+                  <a:tcPr>
+                    <a:solidFill>
+                      <a:srgbClr val="183A58"/>
+                    </a:solidFill>
+                  </a:tcPr>
+                </a:tc>
+                <a:tc>
+                  <a:txBody>
+                    <a:bodyPr/>
+                    <a:lstStyle/>
+                    <a:p>
+                      <a:pPr algn="ctr"/>
+                      <a:r>
+                        <a:rPr sz="1000" b="1">
+                          <a:solidFill>
+                            <a:srgbClr val="FFFFFF"/>
+                          </a:solidFill>
+                          <a:latin typeface="Arial"/>
+                        </a:rPr>
+                        <a:t>Enterprise Value</a:t>
+                      </a:r>
+                    </a:p>
+                  </a:txBody>
+                  <a:tcPr>
+                    <a:solidFill>
+                      <a:srgbClr val="183A58"/>
+                    </a:solidFill>
+                  </a:tcPr>
+                </a:tc>
+                <a:tc>
+                  <a:txBody>
+                    <a:bodyPr/>
+                    <a:lstStyle/>
+                    <a:p>
+                      <a:pPr algn="ctr"/>
+                      <a:r>
+                        <a:rPr sz="1000" b="1">
+                          <a:solidFill>
+                            <a:srgbClr val="FFFFFF"/>
+                          </a:solidFill>
+                          <a:latin typeface="Arial"/>
+                        </a:rPr>
+                        <a:t>Metric</a:t>
+                      </a:r>
+                    </a:p>
+                  </a:txBody>
+                  <a:tcPr>
+                    <a:solidFill>
+                      <a:srgbClr val="183A58"/>
+                    </a:solidFill>
+                  </a:tcPr>
+                </a:tc>
+                <a:tc>
+                  <a:txBody>
+                    <a:bodyPr/>
+                    <a:lstStyle/>
+                    <a:p>
+                      <a:pPr algn="ctr"/>
+                      <a:r>
+                        <a:rPr sz="1000" b="1">
+                          <a:solidFill>
+                            <a:srgbClr val="FFFFFF"/>
+                          </a:solidFill>
+                          <a:latin typeface="Arial"/>
+                        </a:rPr>
+                        <a:t>22A' / 23E (Rev)</a:t>
+                      </a:r>
+                    </a:p>
+                  </a:txBody>
+                  <a:tcPr>
+                    <a:solidFill>
+                      <a:srgbClr val="183A58"/>
+                    </a:solidFill>
+                  </a:tcPr>
+                </a:tc>
+              </a:tr>
+              <a:tr h="822960">
+                <a:tc>
+                  <a:txBody>
+                    <a:bodyPr/>
+                    <a:lstStyle/>
+                    <a:p>
+                      <a:pPr algn="ctr"/>
+                    </a:p>
+                  </a:txBody>
+                  <a:tcPr>
+                    <a:solidFill>
+                      <a:srgbClr val="F0F0F0"/>
+                    </a:solidFill>
+                  </a:tcPr>
+                </a:tc>
+                <a:tc>
+                  <a:txBody>
+                    <a:bodyPr/>
+                    <a:lstStyle/>
+                    <a:p>
+                      <a:pPr algn="l"/>
+                    </a:p>
+                  </a:txBody>
+                  <a:tcPr>
+                    <a:solidFill>
+                      <a:srgbClr val="FFFFFF"/>
+                    </a:solidFill>
+                  </a:tcPr>
+                </a:tc>
+                <a:tc>
+                  <a:txBody>
+                    <a:bodyPr/>
+                    <a:lstStyle/>
+                    <a:p>
+                      <a:pPr algn="ctr"/>
+                    </a:p>
+                  </a:txBody>
+                  <a:tcPr>
+                    <a:solidFill>
+                      <a:srgbClr val="FFFFFF"/>
+                    </a:solidFill>
+                  </a:tcPr>
+                </a:tc>
+                <a:tc>
+                  <a:txBody>
+                    <a:bodyPr/>
+                    <a:lstStyle/>
+                    <a:p>
+                      <a:pPr algn="ctr"/>
+                    </a:p>
+                  </a:txBody>
+                  <a:tcPr>
+                    <a:solidFill>
+                      <a:srgbClr val="FFFFFF"/>
+                    </a:solidFill>
+                  </a:tcPr>
+                </a:tc>
+                <a:tc>
+                  <a:txBody>
+                    <a:bodyPr/>
+                    <a:lstStyle/>
+                    <a:p>
+                      <a:pPr algn="ctr"/>
+                    </a:p>
+                  </a:txBody>
+                  <a:tcPr>
+                    <a:solidFill>
+                      <a:srgbClr val="FFFFFF"/>
+                    </a:solidFill>
+                  </a:tcPr>
+                </a:tc>
+              </a:tr>
+              <a:tr h="822960">
+                <a:tc>
+                  <a:txBody>
+                    <a:bodyPr/>
+                    <a:lstStyle/>
+                    <a:p>
+                      <a:pPr algn="ctr"/>
+                    </a:p>
+                  </a:txBody>
+                  <a:tcPr>
+                    <a:solidFill>
+                      <a:srgbClr val="F0F0F0"/>
+                    </a:solidFill>
+                  </a:tcPr>
+                </a:tc>
+                <a:tc>
+                  <a:txBody>
+                    <a:bodyPr/>
+                    <a:lstStyle/>
+                    <a:p>
+                      <a:pPr algn="l"/>
+                    </a:p>
+                  </a:txBody>
+                  <a:tcPr>
+                    <a:solidFill>
+                      <a:srgbClr val="FFFFFF"/>
+                    </a:solidFill>
+                  </a:tcPr>
+                </a:tc>
+                <a:tc>
+                  <a:txBody>
+                    <a:bodyPr/>
+                    <a:lstStyle/>
+                    <a:p>
+                      <a:pPr algn="ctr"/>
+                    </a:p>
+                  </a:txBody>
+                  <a:tcPr>
+                    <a:solidFill>
+                      <a:srgbClr val="FFFFFF"/>
+                    </a:solidFill>
+                  </a:tcPr>
+                </a:tc>
+                <a:tc>
+                  <a:txBody>
+                    <a:bodyPr/>
+                    <a:lstStyle/>
+                    <a:p>
+                      <a:pPr algn="ctr"/>
+                    </a:p>
+                  </a:txBody>
+                  <a:tcPr>
+                    <a:solidFill>
+                      <a:srgbClr val="FFFFFF"/>
+                    </a:solidFill>
+                  </a:tcPr>
+                </a:tc>
+                <a:tc>
+                  <a:txBody>
+                    <a:bodyPr/>
+                    <a:lstStyle/>
+                    <a:p>
+                      <a:pPr algn="ctr"/>
+                    </a:p>
+                  </a:txBody>
+                  <a:tcPr>
+                    <a:solidFill>
+                      <a:srgbClr val="FFFFFF"/>
+                    </a:solidFill>
+                  </a:tcPr>
+                </a:tc>
+              </a:tr>
+              <a:tr h="822960">
+                <a:tc>
+                  <a:txBody>
+                    <a:bodyPr/>
+                    <a:lstStyle/>
+                    <a:p>
+                      <a:pPr algn="ctr"/>
+                    </a:p>
+                  </a:txBody>
+                  <a:tcPr>
+                    <a:solidFill>
+                      <a:srgbClr val="F0F0F0"/>
+                    </a:solidFill>
+                  </a:tcPr>
+                </a:tc>
+                <a:tc>
+                  <a:txBody>
+                    <a:bodyPr/>
+                    <a:lstStyle/>
+                    <a:p>
+                      <a:pPr algn="l"/>
+                    </a:p>
+                  </a:txBody>
+                  <a:tcPr>
+                    <a:solidFill>
+                      <a:srgbClr val="FFFFFF"/>
+                    </a:solidFill>
+                  </a:tcPr>
+                </a:tc>
+                <a:tc>
+                  <a:txBody>
+                    <a:bodyPr/>
+                    <a:lstStyle/>
+                    <a:p>
+                      <a:pPr algn="ctr"/>
+                    </a:p>
+                  </a:txBody>
+                  <a:tcPr>
+                    <a:solidFill>
+                      <a:srgbClr val="FFFFFF"/>
+                    </a:solidFill>
+                  </a:tcPr>
+                </a:tc>
+                <a:tc>
+                  <a:txBody>
+                    <a:bodyPr/>
+                    <a:lstStyle/>
+                    <a:p>
+                      <a:pPr algn="ctr"/>
+                    </a:p>
+                  </a:txBody>
+                  <a:tcPr>
+                    <a:solidFill>
+                      <a:srgbClr val="FFFFFF"/>
+                    </a:solidFill>
+                  </a:tcPr>
+                </a:tc>
+                <a:tc>
+                  <a:txBody>
+                    <a:bodyPr/>
+                    <a:lstStyle/>
+                    <a:p>
+                      <a:pPr algn="ctr"/>
+                    </a:p>
+                  </a:txBody>
+                  <a:tcPr>
+                    <a:solidFill>
+                      <a:srgbClr val="FFFFFF"/>
+                    </a:solidFill>
+                  </a:tcPr>
+                </a:tc>
+              </a:tr>
+              <a:tr h="822960">
+                <a:tc>
+                  <a:txBody>
+                    <a:bodyPr/>
+                    <a:lstStyle/>
+                    <a:p>
+                      <a:pPr algn="ctr"/>
+                    </a:p>
+                  </a:txBody>
+                  <a:tcPr>
+                    <a:solidFill>
+                      <a:srgbClr val="F0F0F0"/>
+                    </a:solidFill>
+                  </a:tcPr>
+                </a:tc>
+                <a:tc>
+                  <a:txBody>
+                    <a:bodyPr/>
+                    <a:lstStyle/>
+                    <a:p>
+                      <a:pPr algn="l"/>
+                    </a:p>
+                  </a:txBody>
+                  <a:tcPr>
+                    <a:solidFill>
+                      <a:srgbClr val="FFFFFF"/>
+                    </a:solidFill>
+                  </a:tcPr>
+                </a:tc>
+                <a:tc>
+                  <a:txBody>
+                    <a:bodyPr/>
+                    <a:lstStyle/>
+                    <a:p>
+                      <a:pPr algn="ctr"/>
+                    </a:p>
+                  </a:txBody>
+                  <a:tcPr>
+                    <a:solidFill>
+                      <a:srgbClr val="FFFFFF"/>
+                    </a:solidFill>
+                  </a:tcPr>
+                </a:tc>
+                <a:tc>
+                  <a:txBody>
+                    <a:bodyPr/>
+                    <a:lstStyle/>
+                    <a:p>
+                      <a:pPr algn="ctr"/>
+                    </a:p>
+                  </a:txBody>
+                  <a:tcPr>
+                    <a:solidFill>
+                      <a:srgbClr val="FFFFFF"/>
+                    </a:solidFill>
+                  </a:tcPr>
+                </a:tc>
+                <a:tc>
+                  <a:txBody>
+                    <a:bodyPr/>
+                    <a:lstStyle/>
+                    <a:p>
+                      <a:pPr algn="ctr"/>
+                    </a:p>
+                  </a:txBody>
+                  <a:tcPr>
+                    <a:solidFill>
+                      <a:srgbClr val="FFFFFF"/>
+                    </a:solidFill>
+                  </a:tcPr>
+                </a:tc>
+              </a:tr>
+            </a:tbl>
+          </a:graphicData>
+        </a:graphic>
+      </p:graphicFrame>
+      <p:sp>
+        <p:nvSpPr>
+          <p:cNvPr id="6" name="TextBox 5"/>
+          <p:cNvSpPr txBox="1"/>
+          <p:nvPr/>
+        </p:nvSpPr>
+        <p:spPr>
+          <a:xfrm>
+            <a:off x="457200" y="6400800"/>
+            <a:ext cx="5486400" cy="365760"/>
+          </a:xfrm>
+          <a:prstGeom prst="rect">
+            <a:avLst/>
+          </a:prstGeom>
+          <a:noFill/>
+        </p:spPr>
+        <p:txBody>
+          <a:bodyPr wrap="none">
+            <a:spAutoFit/>
+          </a:bodyPr>
+          <a:lstStyle/>
+          <a:p>
+            <a:pPr algn="l">
+              <a:defRPr sz="800">
+                <a:solidFill>
+                  <a:srgbClr val="808080"/>
+                </a:solidFill>
+                <a:latin typeface="Arial"/>
+              </a:defRPr>
+            </a:pPr>
+            <a:r>
+              <a:t>Confidential | September 2025</a:t>
+            </a:r>
+          </a:p>
+        </p:txBody>
+      </p:sp>
+      <p:sp>
+        <p:nvSpPr>
+          <p:cNvPr id="7" name="TextBox 6"/>
+          <p:cNvSpPr txBox="1"/>
+          <p:nvPr/>
+        </p:nvSpPr>
+        <p:spPr>
+          <a:xfrm>
+            <a:off x="6705295" y="6400800"/>
+            <a:ext cx="5486400" cy="365760"/>
+          </a:xfrm>
+          <a:prstGeom prst="rect">
+            <a:avLst/>
+          </a:prstGeom>
+          <a:noFill/>
+        </p:spPr>
+        <p:txBody>
+          <a:bodyPr wrap="none">
+            <a:spAutoFit/>
+          </a:bodyPr>
+          <a:lstStyle/>
+          <a:p>
+            <a:pPr algn="r">
+              <a:defRPr sz="800">
+                <a:solidFill>
+                  <a:srgbClr val="808080"/>
+                </a:solidFill>
+                <a:latin typeface="Arial"/>
+              </a:defRPr>
+            </a:pPr>
+            <a:r>
+              <a:t>TechCorp Solutions</a:t>
+            </a:r>
+          </a:p>
+        </p:txBody>
+      </p:sp>
+    </p:spTree>
+  </p:cSld>
+  <p:clrMapOvr>
+    <a:masterClrMapping/>
+  </p:clrMapOvr>
+</p:sld>
+</file>
+
 <file path=ppt/theme/theme1.xml><?xml version="1.0" encoding="utf-8"?>
 <a:theme xmlns:a="http://schemas.openxmlformats.org/drawingml/2006/main" name="Office Theme">
   <a:themeElements>

--- a/output_presentation.pptx
+++ b/output_presentation.pptx
@@ -10,6 +10,15 @@
     <p:sldId id="258" r:id="rId9"/>
     <p:sldId id="259" r:id="rId10"/>
     <p:sldId id="260" r:id="rId11"/>
+    <p:sldId id="261" r:id="rId12"/>
+    <p:sldId id="262" r:id="rId13"/>
+    <p:sldId id="263" r:id="rId14"/>
+    <p:sldId id="264" r:id="rId15"/>
+    <p:sldId id="265" r:id="rId16"/>
+    <p:sldId id="266" r:id="rId17"/>
+    <p:sldId id="267" r:id="rId18"/>
+    <p:sldId id="268" r:id="rId19"/>
+    <p:sldId id="269" r:id="rId20"/>
   </p:sldIdLst>
   <p:sldSz cx="12191695" cy="6858000" type="screen4x3"/>
   <p:notesSz cx="6858000" cy="9144000"/>
@@ -109,6 +118,512 @@
     </a:lvl9pPr>
   </p:defaultTextStyle>
 </p:presentation>
+</file>
+
+<file path=ppt/charts/chart1.xml><?xml version="1.0" encoding="utf-8"?>
+<c:chartSpace xmlns:c="http://schemas.openxmlformats.org/drawingml/2006/chart" xmlns:a="http://schemas.openxmlformats.org/drawingml/2006/main" xmlns:r="http://schemas.openxmlformats.org/officeDocument/2006/relationships">
+  <c:date1904 val="0"/>
+  <c:chart>
+    <c:autoTitleDeleted val="0"/>
+    <c:plotArea>
+      <c:barChart>
+        <c:barDir val="col"/>
+        <c:grouping val="clustered"/>
+        <c:ser>
+          <c:idx val="0"/>
+          <c:order val="0"/>
+          <c:tx>
+            <c:strRef>
+              <c:f>Sheet1!$B$1</c:f>
+              <c:strCache>
+                <c:ptCount val="1"/>
+                <c:pt idx="0">
+                  <c:v>Revenue (USD millions)</c:v>
+                </c:pt>
+              </c:strCache>
+            </c:strRef>
+          </c:tx>
+          <c:spPr>
+            <a:solidFill>
+              <a:srgbClr val="FFC0CB"/>
+            </a:solidFill>
+          </c:spPr>
+          <c:dPt>
+            <c:idx val="0"/>
+            <c:spPr>
+              <a:solidFill>
+                <a:srgbClr val="FFC0CB"/>
+              </a:solidFill>
+            </c:spPr>
+          </c:dPt>
+          <c:cat>
+            <c:strRef>
+              <c:f>Sheet1!$A$2:$A$2</c:f>
+              <c:strCache>
+                <c:ptCount val="1"/>
+                <c:pt idx="0">
+                  <c:v>2024</c:v>
+                </c:pt>
+              </c:strCache>
+            </c:strRef>
+          </c:cat>
+          <c:val>
+            <c:numRef>
+              <c:f>Sheet1!$B$2:$B$3</c:f>
+              <c:numCache>
+                <c:formatCode>General</c:formatCode>
+                <c:ptCount val="2"/>
+                <c:pt idx="0">
+                  <c:v>17000.0</c:v>
+                </c:pt>
+                <c:pt idx="1">
+                  <c:v>9000.0</c:v>
+                </c:pt>
+              </c:numCache>
+            </c:numRef>
+          </c:val>
+        </c:ser>
+        <c:ser>
+          <c:idx val="1"/>
+          <c:order val="1"/>
+          <c:tx>
+            <c:strRef>
+              <c:f>Sheet1!$C$1</c:f>
+              <c:strCache>
+                <c:ptCount val="1"/>
+                <c:pt idx="0">
+                  <c:v>EBITDA (USD millions)</c:v>
+                </c:pt>
+              </c:strCache>
+            </c:strRef>
+          </c:tx>
+          <c:spPr>
+            <a:solidFill>
+              <a:srgbClr val="B5975B"/>
+            </a:solidFill>
+          </c:spPr>
+          <c:dPt>
+            <c:idx val="0"/>
+            <c:spPr>
+              <a:solidFill>
+                <a:srgbClr val="B5975B"/>
+              </a:solidFill>
+            </c:spPr>
+          </c:dPt>
+          <c:cat>
+            <c:strRef>
+              <c:f>Sheet1!$A$2:$A$2</c:f>
+              <c:strCache>
+                <c:ptCount val="1"/>
+                <c:pt idx="0">
+                  <c:v>2024</c:v>
+                </c:pt>
+              </c:strCache>
+            </c:strRef>
+          </c:cat>
+          <c:val>
+            <c:numRef>
+              <c:f>Sheet1!$C$2:$C$2</c:f>
+              <c:numCache>
+                <c:formatCode>General</c:formatCode>
+                <c:ptCount val="1"/>
+                <c:pt idx="0">
+                  <c:v>2890.0</c:v>
+                </c:pt>
+              </c:numCache>
+            </c:numRef>
+          </c:val>
+        </c:ser>
+        <c:axId val="-2068027336"/>
+        <c:axId val="-2113994440"/>
+      </c:barChart>
+      <c:catAx>
+        <c:axId val="-2068027336"/>
+        <c:scaling>
+          <c:orientation val="minMax"/>
+        </c:scaling>
+        <c:delete val="0"/>
+        <c:axPos val="b"/>
+        <c:majorTickMark val="out"/>
+        <c:minorTickMark val="none"/>
+        <c:tickLblPos val="nextTo"/>
+        <c:txPr>
+          <a:bodyPr/>
+          <a:lstStyle/>
+          <a:p>
+            <a:pPr>
+              <a:defRPr sz="1000">
+                <a:latin typeface="Arial"/>
+              </a:defRPr>
+            </a:pPr>
+          </a:p>
+        </c:txPr>
+        <c:crossAx val="-2113994440"/>
+        <c:crosses val="autoZero"/>
+        <c:auto val="1"/>
+        <c:lblAlgn val="ctr"/>
+        <c:lblOffset val="100"/>
+        <c:noMultiLvlLbl val="0"/>
+      </c:catAx>
+      <c:valAx>
+        <c:axId val="-2113994440"/>
+        <c:scaling>
+          <c:max val="20400.0"/>
+          <c:min val="0.0"/>
+        </c:scaling>
+        <c:delete val="0"/>
+        <c:axPos val="l"/>
+        <c:majorGridlines/>
+        <c:majorTickMark val="out"/>
+        <c:minorTickMark val="none"/>
+        <c:tickLblPos val="nextTo"/>
+        <c:txPr>
+          <a:bodyPr/>
+          <a:lstStyle/>
+          <a:p>
+            <a:pPr>
+              <a:defRPr sz="1000">
+                <a:latin typeface="Arial"/>
+              </a:defRPr>
+            </a:pPr>
+          </a:p>
+        </c:txPr>
+        <c:crossAx val="-2068027336"/>
+        <c:crosses val="autoZero"/>
+      </c:valAx>
+    </c:plotArea>
+    <c:legend>
+      <c:legendPos val="t"/>
+      <c:txPr>
+        <a:bodyPr/>
+        <a:lstStyle/>
+        <a:p>
+          <a:pPr>
+            <a:defRPr sz="1000"/>
+          </a:pPr>
+        </a:p>
+      </c:txPr>
+    </c:legend>
+    <c:dispBlanksAs val="gap"/>
+  </c:chart>
+  <c:txPr>
+    <a:bodyPr/>
+    <a:lstStyle/>
+    <a:p>
+      <a:pPr>
+        <a:defRPr sz="1800"/>
+      </a:pPr>
+      <a:endParaRPr lang="en-US"/>
+    </a:p>
+  </c:txPr>
+  <c:externalData r:id="rId1">
+    <c:autoUpdate val="0"/>
+  </c:externalData>
+</c:chartSpace>
+</file>
+
+<file path=ppt/charts/chart2.xml><?xml version="1.0" encoding="utf-8"?>
+<c:chartSpace xmlns:c="http://schemas.openxmlformats.org/drawingml/2006/chart" xmlns:a="http://schemas.openxmlformats.org/drawingml/2006/main" xmlns:r="http://schemas.openxmlformats.org/officeDocument/2006/relationships">
+  <c:date1904 val="0"/>
+  <c:chart>
+    <c:title>
+      <c:tx>
+        <c:rich>
+          <a:bodyPr/>
+          <a:lstStyle/>
+          <a:p>
+            <a:pPr>
+              <a:defRPr/>
+            </a:pPr>
+          </a:p>
+        </c:rich>
+      </c:tx>
+      <c:layout/>
+      <c:overlay val="0"/>
+    </c:title>
+    <c:autoTitleDeleted val="0"/>
+    <c:plotArea>
+      <c:barChart>
+        <c:barDir val="col"/>
+        <c:grouping val="clustered"/>
+        <c:ser>
+          <c:idx val="0"/>
+          <c:order val="0"/>
+          <c:tx>
+            <c:strRef>
+              <c:f>Sheet1!$B$1</c:f>
+              <c:strCache>
+                <c:ptCount val="1"/>
+                <c:pt idx="0">
+                  <c:v>Revenue ($M)</c:v>
+                </c:pt>
+              </c:strCache>
+            </c:strRef>
+          </c:tx>
+          <c:dPt>
+            <c:idx val="0"/>
+            <c:spPr>
+              <a:solidFill>
+                <a:srgbClr val="B5975B"/>
+              </a:solidFill>
+            </c:spPr>
+          </c:dPt>
+          <c:cat>
+            <c:strRef>
+              <c:f>Sheet1!$A$2:$A$2</c:f>
+              <c:strCache>
+                <c:ptCount val="1"/>
+                <c:pt idx="0">
+                  <c:v>Sephora</c:v>
+                </c:pt>
+              </c:strCache>
+            </c:strRef>
+          </c:cat>
+          <c:val>
+            <c:numRef>
+              <c:f>Sheet1!$B$2:$B$2</c:f>
+              <c:numCache>
+                <c:formatCode>General</c:formatCode>
+                <c:ptCount val="1"/>
+                <c:pt idx="0">
+                  <c:v>9000.0</c:v>
+                </c:pt>
+              </c:numCache>
+            </c:numRef>
+          </c:val>
+        </c:ser>
+        <c:axId val="-2068027336"/>
+        <c:axId val="-2113994440"/>
+      </c:barChart>
+      <c:catAx>
+        <c:axId val="-2068027336"/>
+        <c:scaling>
+          <c:orientation val="minMax"/>
+        </c:scaling>
+        <c:delete val="0"/>
+        <c:axPos val="b"/>
+        <c:majorTickMark val="out"/>
+        <c:minorTickMark val="none"/>
+        <c:tickLblPos val="nextTo"/>
+        <c:txPr>
+          <a:bodyPr/>
+          <a:lstStyle/>
+          <a:p>
+            <a:pPr>
+              <a:defRPr sz="900">
+                <a:latin typeface="Arial"/>
+              </a:defRPr>
+            </a:pPr>
+          </a:p>
+        </c:txPr>
+        <c:crossAx val="-2113994440"/>
+        <c:crosses val="autoZero"/>
+        <c:auto val="1"/>
+        <c:lblAlgn val="ctr"/>
+        <c:lblOffset val="100"/>
+        <c:noMultiLvlLbl val="0"/>
+      </c:catAx>
+      <c:valAx>
+        <c:axId val="-2113994440"/>
+        <c:scaling>
+          <c:max val="10800.0"/>
+        </c:scaling>
+        <c:delete val="0"/>
+        <c:axPos val="l"/>
+        <c:majorGridlines/>
+        <c:majorTickMark val="out"/>
+        <c:minorTickMark val="none"/>
+        <c:tickLblPos val="nextTo"/>
+        <c:txPr>
+          <a:bodyPr/>
+          <a:lstStyle/>
+          <a:p>
+            <a:pPr>
+              <a:defRPr sz="900">
+                <a:latin typeface="Arial"/>
+              </a:defRPr>
+            </a:pPr>
+          </a:p>
+        </c:txPr>
+        <c:crossAx val="-2068027336"/>
+        <c:crosses val="autoZero"/>
+      </c:valAx>
+    </c:plotArea>
+    <c:dispBlanksAs val="gap"/>
+  </c:chart>
+  <c:txPr>
+    <a:bodyPr/>
+    <a:lstStyle/>
+    <a:p>
+      <a:pPr>
+        <a:defRPr sz="1800"/>
+      </a:pPr>
+      <a:endParaRPr lang="en-US"/>
+    </a:p>
+  </c:txPr>
+  <c:externalData r:id="rId1">
+    <c:autoUpdate val="0"/>
+  </c:externalData>
+</c:chartSpace>
+</file>
+
+<file path=ppt/charts/chart3.xml><?xml version="1.0" encoding="utf-8"?>
+<c:chartSpace xmlns:c="http://schemas.openxmlformats.org/drawingml/2006/chart" xmlns:a="http://schemas.openxmlformats.org/drawingml/2006/main" xmlns:r="http://schemas.openxmlformats.org/officeDocument/2006/relationships">
+  <c:date1904 val="0"/>
+  <c:chart>
+    <c:title>
+      <c:tx>
+        <c:rich>
+          <a:bodyPr/>
+          <a:lstStyle/>
+          <a:p>
+            <a:pPr>
+              <a:defRPr/>
+            </a:pPr>
+          </a:p>
+        </c:rich>
+      </c:tx>
+      <c:layout/>
+      <c:overlay val="0"/>
+    </c:title>
+    <c:autoTitleDeleted val="0"/>
+    <c:plotArea>
+      <c:lineChart>
+        <c:grouping val="standard"/>
+        <c:varyColors val="0"/>
+        <c:ser>
+          <c:idx val="0"/>
+          <c:order val="0"/>
+          <c:tx>
+            <c:strRef>
+              <c:f>Sheet1!$B$1</c:f>
+              <c:strCache>
+                <c:ptCount val="1"/>
+                <c:pt idx="0">
+                  <c:v>EBITDA Margin %</c:v>
+                </c:pt>
+              </c:strCache>
+            </c:strRef>
+          </c:tx>
+          <c:spPr>
+            <a:ln w="38100">
+              <a:solidFill>
+                <a:srgbClr val="B5975B"/>
+              </a:solidFill>
+            </a:ln>
+          </c:spPr>
+          <c:dPt>
+            <c:idx val="0"/>
+            <c:spPr>
+              <a:solidFill>
+                <a:srgbClr val="B5975B"/>
+              </a:solidFill>
+              <a:ln>
+                <a:solidFill>
+                  <a:srgbClr val="B5975B"/>
+                </a:solidFill>
+              </a:ln>
+            </c:spPr>
+          </c:dPt>
+          <c:cat>
+            <c:strRef>
+              <c:f>Sheet1!$A$2:$A$2</c:f>
+              <c:strCache>
+                <c:ptCount val="1"/>
+                <c:pt idx="0">
+                  <c:v>2024</c:v>
+                </c:pt>
+              </c:strCache>
+            </c:strRef>
+          </c:cat>
+          <c:val>
+            <c:numRef>
+              <c:f>Sheet1!$B$2:$B$1</c:f>
+              <c:numCache>
+                <c:formatCode>General</c:formatCode>
+                <c:ptCount val="0"/>
+              </c:numCache>
+            </c:numRef>
+          </c:val>
+          <c:smooth val="0"/>
+        </c:ser>
+        <c:marker val="1"/>
+        <c:smooth val="0"/>
+        <c:axId val="2118791784"/>
+        <c:axId val="2140495176"/>
+      </c:lineChart>
+      <c:catAx>
+        <c:axId val="2118791784"/>
+        <c:scaling>
+          <c:orientation val="minMax"/>
+        </c:scaling>
+        <c:delete val="0"/>
+        <c:axPos val="b"/>
+        <c:majorTickMark val="out"/>
+        <c:minorTickMark val="none"/>
+        <c:tickLblPos val="nextTo"/>
+        <c:txPr>
+          <a:bodyPr/>
+          <a:lstStyle/>
+          <a:p>
+            <a:pPr>
+              <a:defRPr sz="1000">
+                <a:latin typeface="Arial"/>
+              </a:defRPr>
+            </a:pPr>
+          </a:p>
+        </c:txPr>
+        <c:crossAx val="2140495176"/>
+        <c:crosses val="autoZero"/>
+        <c:auto val="1"/>
+        <c:lblAlgn val="ctr"/>
+        <c:lblOffset val="100"/>
+        <c:noMultiLvlLbl val="0"/>
+      </c:catAx>
+      <c:valAx>
+        <c:axId val="2140495176"/>
+        <c:scaling>
+          <c:max val="50.0"/>
+        </c:scaling>
+        <c:delete val="0"/>
+        <c:axPos val="l"/>
+        <c:majorGridlines/>
+        <c:majorTickMark val="out"/>
+        <c:minorTickMark val="none"/>
+        <c:tickLblPos val="nextTo"/>
+        <c:txPr>
+          <a:bodyPr/>
+          <a:lstStyle/>
+          <a:p>
+            <a:pPr>
+              <a:defRPr sz="1000">
+                <a:latin typeface="Arial"/>
+              </a:defRPr>
+            </a:pPr>
+          </a:p>
+        </c:txPr>
+        <c:crossAx val="2118791784"/>
+        <c:crosses val="autoZero"/>
+      </c:valAx>
+    </c:plotArea>
+    <c:plotVisOnly val="1"/>
+    <c:dispBlanksAs val="gap"/>
+    <c:showDLblsOverMax val="0"/>
+  </c:chart>
+  <c:txPr>
+    <a:bodyPr/>
+    <a:lstStyle/>
+    <a:p>
+      <a:pPr>
+        <a:defRPr sz="1800"/>
+      </a:pPr>
+      <a:endParaRPr lang="en-US"/>
+    </a:p>
+  </c:txPr>
+  <c:externalData r:id="rId1">
+    <c:autoUpdate val="0"/>
+  </c:externalData>
+</c:chartSpace>
 </file>
 
 <file path=ppt/slideLayouts/slideLayout1.xml><?xml version="1.0" encoding="utf-8"?>
@@ -3126,11 +3641,11 @@
             <a:r>
               <a:rPr sz="2400" b="1">
                 <a:solidFill>
-                  <a:srgbClr val="183A58"/>
+                  <a:srgbClr val="FFC0CB"/>
                 </a:solidFill>
                 <a:latin typeface="Arial"/>
               </a:rPr>
-              <a:t>Executive Summary</a:t>
+              <a:t>Business Overview</a:t>
             </a:r>
           </a:p>
         </p:txBody>
@@ -3150,7 +3665,7 @@
             <a:avLst/>
           </a:prstGeom>
           <a:solidFill>
-            <a:srgbClr val="183A58"/>
+            <a:srgbClr val="FFC0CB"/>
           </a:solidFill>
           <a:ln>
             <a:noFill/>
@@ -3212,7 +3727,7 @@
                 </a:solidFill>
                 <a:latin typeface="Arial"/>
               </a:rPr>
-              <a:t>Company description not available. LLM must generate industry-specific business overview.</a:t>
+              <a:t>Sephora is the world's leading global prestige beauty retail brand, operating over 3,200 stores and iconic flagships in 35 markets. It offers a curated selection of more than 300 brands and its own Sephora Collection, spanning fragrance, make-up, haircare, skincare, and beauty tools. Sephora is recognized for its omnichannel network, digital innovation, and immersive customer experiences. Since its inception in 1969 in Limoges, France, and as part of the LVMH Group since 1997, Sephora has disrupted the prestige beauty retail industry and champions inspiration and inclusion in beauty.</a:t>
             </a:r>
           </a:p>
         </p:txBody>
@@ -3376,11 +3891,11 @@
             <a:r>
               <a:rPr sz="1100" b="1">
                 <a:solidFill>
-                  <a:srgbClr val="183A58"/>
+                  <a:srgbClr val="FFC0CB"/>
                 </a:solidFill>
                 <a:latin typeface="Arial"/>
               </a:rPr>
-              <a:t>2015</a:t>
+              <a:t>1969</a:t>
             </a:r>
           </a:p>
         </p:txBody>
@@ -3415,11 +3930,11 @@
             <a:r>
               <a:rPr sz="1100" b="1">
                 <a:solidFill>
-                  <a:srgbClr val="183A58"/>
+                  <a:srgbClr val="FFC0CB"/>
                 </a:solidFill>
                 <a:latin typeface="Arial"/>
               </a:rPr>
-              <a:t>2024</a:t>
+              <a:t>2025</a:t>
             </a:r>
           </a:p>
         </p:txBody>
@@ -3458,7 +3973,7 @@
                 </a:solidFill>
                 <a:latin typeface="Arial"/>
               </a:rPr>
-              <a:t>(9+ years of operation)</a:t>
+              <a:t>(56+ years of operation)</a:t>
             </a:r>
           </a:p>
         </p:txBody>
@@ -3537,7 +4052,7 @@
             <a:r>
               <a:rPr sz="1200" b="1">
                 <a:solidFill>
-                  <a:srgbClr val="183A58"/>
+                  <a:srgbClr val="FFC0CB"/>
                 </a:solidFill>
                 <a:latin typeface="Arial"/>
               </a:rPr>
@@ -3548,20 +4063,260 @@
       </p:sp>
       <p:sp>
         <p:nvSpPr>
-          <p:cNvPr id="13" name="Oval 12"/>
+          <p:cNvPr id="13" name="TextBox 12"/>
+          <p:cNvSpPr txBox="1"/>
+          <p:nvPr/>
+        </p:nvSpPr>
+        <p:spPr>
+          <a:xfrm>
+            <a:off x="731520" y="2743200"/>
+            <a:ext cx="5943600" cy="274320"/>
+          </a:xfrm>
+          <a:prstGeom prst="rect">
+            <a:avLst/>
+          </a:prstGeom>
+          <a:noFill/>
+          <a:ln>
+            <a:noFill/>
+          </a:ln>
+          <a:effectLst/>
+        </p:spPr>
+        <p:txBody>
+          <a:bodyPr wrap="square">
+            <a:spAutoFit/>
+          </a:bodyPr>
+          <a:lstStyle/>
+          <a:p>
+            <a:pPr algn="l"/>
+            <a:r>
+              <a:rPr sz="1200" b="1">
+                <a:solidFill>
+                  <a:srgbClr val="FFC0CB"/>
+                </a:solidFill>
+                <a:latin typeface="Arial"/>
+              </a:rPr>
+              <a:t>Core Business Lines &amp; Capabilities</a:t>
+            </a:r>
+          </a:p>
+        </p:txBody>
+      </p:sp>
+      <p:sp>
+        <p:nvSpPr>
+          <p:cNvPr id="14" name="TextBox 13"/>
+          <p:cNvSpPr txBox="1"/>
+          <p:nvPr/>
+        </p:nvSpPr>
+        <p:spPr>
+          <a:xfrm>
+            <a:off x="731520" y="5303520"/>
+            <a:ext cx="6400800" cy="274320"/>
+          </a:xfrm>
+          <a:prstGeom prst="rect">
+            <a:avLst/>
+          </a:prstGeom>
+          <a:noFill/>
+          <a:ln>
+            <a:noFill/>
+          </a:ln>
+          <a:effectLst/>
+        </p:spPr>
+        <p:txBody>
+          <a:bodyPr wrap="square">
+            <a:spAutoFit/>
+          </a:bodyPr>
+          <a:lstStyle/>
+          <a:p>
+            <a:pPr algn="l"/>
+            <a:r>
+              <a:rPr sz="1200" b="1">
+                <a:solidFill>
+                  <a:srgbClr val="FFC0CB"/>
+                </a:solidFill>
+                <a:latin typeface="Arial"/>
+              </a:rPr>
+              <a:t>Strategic Market Positioning</a:t>
+            </a:r>
+          </a:p>
+        </p:txBody>
+      </p:sp>
+      <p:sp>
+        <p:nvSpPr>
+          <p:cNvPr id="15" name="TextBox 14"/>
+          <p:cNvSpPr txBox="1"/>
+          <p:nvPr/>
+        </p:nvSpPr>
+        <p:spPr>
+          <a:xfrm>
+            <a:off x="731520" y="5577840"/>
+            <a:ext cx="6400800" cy="731520"/>
+          </a:xfrm>
+          <a:prstGeom prst="rect">
+            <a:avLst/>
+          </a:prstGeom>
+          <a:noFill/>
+          <a:ln>
+            <a:noFill/>
+          </a:ln>
+          <a:effectLst/>
+        </p:spPr>
+        <p:txBody>
+          <a:bodyPr wrap="square">
+            <a:spAutoFit/>
+          </a:bodyPr>
+          <a:lstStyle/>
+          <a:p>
+            <a:pPr algn="l"/>
+            <a:r>
+              <a:rPr sz="1000" b="0">
+                <a:solidFill>
+                  <a:srgbClr val="404040"/>
+                </a:solidFill>
+                <a:latin typeface="Arial"/>
+              </a:rPr>
+              <a:t>Strategic market positioning not available. LLM must generate industry-specific positioning analysis.</a:t>
+            </a:r>
+          </a:p>
+        </p:txBody>
+      </p:sp>
+      <p:sp>
+        <p:nvSpPr>
+          <p:cNvPr id="16" name="TextBox 15"/>
+          <p:cNvSpPr txBox="1"/>
+          <p:nvPr/>
+        </p:nvSpPr>
+        <p:spPr>
+          <a:xfrm>
+            <a:off x="731520" y="6400800"/>
+            <a:ext cx="3657600" cy="182880"/>
+          </a:xfrm>
+          <a:prstGeom prst="rect">
+            <a:avLst/>
+          </a:prstGeom>
+          <a:noFill/>
+        </p:spPr>
+        <p:txBody>
+          <a:bodyPr wrap="none">
+            <a:spAutoFit/>
+          </a:bodyPr>
+          <a:lstStyle/>
+          <a:p>
+            <a:pPr algn="l"/>
+            <a:r>
+              <a:rPr sz="800">
+                <a:solidFill>
+                  <a:srgbClr val="808080"/>
+                </a:solidFill>
+                <a:latin typeface="Arial"/>
+              </a:rPr>
+              <a:t>Confidential | September 11, 2025</a:t>
+            </a:r>
+          </a:p>
+        </p:txBody>
+      </p:sp>
+      <p:sp>
+        <p:nvSpPr>
+          <p:cNvPr id="17" name="TextBox 16"/>
+          <p:cNvSpPr txBox="1"/>
+          <p:nvPr/>
+        </p:nvSpPr>
+        <p:spPr>
+          <a:xfrm>
+            <a:off x="8686800" y="6400800"/>
+            <a:ext cx="3200400" cy="182880"/>
+          </a:xfrm>
+          <a:prstGeom prst="rect">
+            <a:avLst/>
+          </a:prstGeom>
+          <a:noFill/>
+        </p:spPr>
+        <p:txBody>
+          <a:bodyPr wrap="none">
+            <a:spAutoFit/>
+          </a:bodyPr>
+          <a:lstStyle/>
+          <a:p>
+            <a:pPr algn="r"/>
+            <a:r>
+              <a:rPr sz="800">
+                <a:solidFill>
+                  <a:srgbClr val="808080"/>
+                </a:solidFill>
+                <a:latin typeface="Arial"/>
+              </a:rPr>
+              <a:t>Sephora</a:t>
+            </a:r>
+          </a:p>
+        </p:txBody>
+      </p:sp>
+    </p:spTree>
+  </p:cSld>
+  <p:clrMapOvr>
+    <a:masterClrMapping/>
+  </p:clrMapOvr>
+</p:sld>
+</file>
+
+<file path=ppt/slides/slide10.xml><?xml version="1.0" encoding="utf-8"?>
+<p:sld xmlns:a="http://schemas.openxmlformats.org/drawingml/2006/main" xmlns:p="http://schemas.openxmlformats.org/presentationml/2006/main" xmlns:r="http://schemas.openxmlformats.org/officeDocument/2006/relationships">
+  <p:cSld>
+    <p:spTree>
+      <p:nvGrpSpPr>
+        <p:cNvPr id="1" name=""/>
+        <p:cNvGrpSpPr/>
+        <p:nvPr/>
+      </p:nvGrpSpPr>
+      <p:grpSpPr/>
+      <p:sp>
+        <p:nvSpPr>
+          <p:cNvPr id="2" name="TextBox 1"/>
+          <p:cNvSpPr txBox="1"/>
+          <p:nvPr/>
+        </p:nvSpPr>
+        <p:spPr>
+          <a:xfrm>
+            <a:off x="457200" y="274320"/>
+            <a:ext cx="11277295" cy="731520"/>
+          </a:xfrm>
+          <a:prstGeom prst="rect">
+            <a:avLst/>
+          </a:prstGeom>
+          <a:noFill/>
+        </p:spPr>
+        <p:txBody>
+          <a:bodyPr wrap="none" lIns="0" tIns="0" rIns="0" bIns="0">
+            <a:spAutoFit/>
+          </a:bodyPr>
+          <a:lstStyle/>
+          <a:p>
+            <a:pPr algn="l"/>
+            <a:r>
+              <a:rPr sz="2400" b="1">
+                <a:solidFill>
+                  <a:srgbClr val="FFC0CB"/>
+                </a:solidFill>
+                <a:latin typeface="Arial"/>
+              </a:rPr>
+              <a:t>Financial Buyer Profiles</a:t>
+            </a:r>
+          </a:p>
+        </p:txBody>
+      </p:sp>
+      <p:sp>
+        <p:nvSpPr>
+          <p:cNvPr id="3" name="Rectangle 2"/>
           <p:cNvSpPr/>
           <p:nvPr/>
         </p:nvSpPr>
         <p:spPr>
           <a:xfrm>
-            <a:off x="7589520" y="1673352"/>
-            <a:ext cx="36576" cy="36576"/>
-          </a:xfrm>
-          <a:prstGeom prst="ellipse">
+            <a:off x="457200" y="914400"/>
+            <a:ext cx="11277295" cy="45720"/>
+          </a:xfrm>
+          <a:prstGeom prst="rect">
             <a:avLst/>
           </a:prstGeom>
           <a:solidFill>
-            <a:srgbClr val="B5975B"/>
+            <a:srgbClr val="FFC0CB"/>
           </a:solidFill>
           <a:ln>
             <a:noFill/>
@@ -3591,14 +4346,14 @@
       </p:sp>
       <p:sp>
         <p:nvSpPr>
-          <p:cNvPr id="14" name="TextBox 13"/>
-          <p:cNvSpPr txBox="1"/>
-          <p:nvPr/>
-        </p:nvSpPr>
-        <p:spPr>
-          <a:xfrm>
-            <a:off x="7699248" y="1600200"/>
-            <a:ext cx="3886200" cy="502920"/>
+          <p:cNvPr id="4" name="TextBox 3"/>
+          <p:cNvSpPr txBox="1"/>
+          <p:nvPr/>
+        </p:nvSpPr>
+        <p:spPr>
+          <a:xfrm>
+            <a:off x="1828800" y="2743200"/>
+            <a:ext cx="8229600" cy="914400"/>
           </a:xfrm>
           <a:prstGeom prst="rect">
             <a:avLst/>
@@ -3615,35 +4370,208 @@
           </a:bodyPr>
           <a:lstStyle/>
           <a:p>
+            <a:pPr algn="ctr"/>
+            <a:r>
+              <a:rPr sz="1400" b="0">
+                <a:solidFill>
+                  <a:srgbClr val="404040"/>
+                </a:solidFill>
+                <a:latin typeface="Arial"/>
+              </a:rPr>
+              <a:t>Buyer profiles data will be displayed here when available.</a:t>
+            </a:r>
+          </a:p>
+        </p:txBody>
+      </p:sp>
+      <p:sp>
+        <p:nvSpPr>
+          <p:cNvPr id="5" name="TextBox 4"/>
+          <p:cNvSpPr txBox="1"/>
+          <p:nvPr/>
+        </p:nvSpPr>
+        <p:spPr>
+          <a:xfrm>
+            <a:off x="457200" y="6400800"/>
+            <a:ext cx="5486400" cy="365760"/>
+          </a:xfrm>
+          <a:prstGeom prst="rect">
+            <a:avLst/>
+          </a:prstGeom>
+          <a:noFill/>
+        </p:spPr>
+        <p:txBody>
+          <a:bodyPr wrap="none" anchor="ctr">
+            <a:spAutoFit/>
+          </a:bodyPr>
+          <a:lstStyle/>
+          <a:p>
+            <a:pPr algn="l">
+              <a:defRPr sz="800">
+                <a:solidFill>
+                  <a:srgbClr val="808080"/>
+                </a:solidFill>
+                <a:latin typeface="Arial"/>
+              </a:defRPr>
+            </a:pPr>
+            <a:r>
+              <a:t>Confidential | September 11, 2025</a:t>
+            </a:r>
+          </a:p>
+        </p:txBody>
+      </p:sp>
+      <p:sp>
+        <p:nvSpPr>
+          <p:cNvPr id="6" name="TextBox 5"/>
+          <p:cNvSpPr txBox="1"/>
+          <p:nvPr/>
+        </p:nvSpPr>
+        <p:spPr>
+          <a:xfrm>
+            <a:off x="9144000" y="6400800"/>
+            <a:ext cx="2743200" cy="365760"/>
+          </a:xfrm>
+          <a:prstGeom prst="rect">
+            <a:avLst/>
+          </a:prstGeom>
+          <a:noFill/>
+        </p:spPr>
+        <p:txBody>
+          <a:bodyPr wrap="none" anchor="ctr">
+            <a:spAutoFit/>
+          </a:bodyPr>
+          <a:lstStyle/>
+          <a:p>
+            <a:pPr algn="r">
+              <a:defRPr sz="800">
+                <a:solidFill>
+                  <a:srgbClr val="808080"/>
+                </a:solidFill>
+                <a:latin typeface="Arial"/>
+              </a:defRPr>
+            </a:pPr>
+            <a:r>
+              <a:t>Sephora</a:t>
+            </a:r>
+          </a:p>
+        </p:txBody>
+      </p:sp>
+    </p:spTree>
+  </p:cSld>
+  <p:clrMapOvr>
+    <a:masterClrMapping/>
+  </p:clrMapOvr>
+</p:sld>
+</file>
+
+<file path=ppt/slides/slide11.xml><?xml version="1.0" encoding="utf-8"?>
+<p:sld xmlns:a="http://schemas.openxmlformats.org/drawingml/2006/main" xmlns:p="http://schemas.openxmlformats.org/presentationml/2006/main" xmlns:r="http://schemas.openxmlformats.org/officeDocument/2006/relationships">
+  <p:cSld>
+    <p:spTree>
+      <p:nvGrpSpPr>
+        <p:cNvPr id="1" name=""/>
+        <p:cNvGrpSpPr/>
+        <p:nvPr/>
+      </p:nvGrpSpPr>
+      <p:grpSpPr/>
+      <p:sp>
+        <p:nvSpPr>
+          <p:cNvPr id="2" name="TextBox 1"/>
+          <p:cNvSpPr txBox="1"/>
+          <p:nvPr/>
+        </p:nvSpPr>
+        <p:spPr>
+          <a:xfrm>
+            <a:off x="640080" y="731520"/>
+            <a:ext cx="10515600" cy="1371600"/>
+          </a:xfrm>
+          <a:prstGeom prst="rect">
+            <a:avLst/>
+          </a:prstGeom>
+          <a:noFill/>
+        </p:spPr>
+        <p:txBody>
+          <a:bodyPr wrap="none">
+            <a:spAutoFit/>
+          </a:bodyPr>
+          <a:lstStyle/>
+          <a:p>
             <a:pPr algn="l"/>
             <a:r>
-              <a:rPr sz="900" b="0">
-                <a:solidFill>
-                  <a:srgbClr val="404040"/>
+              <a:rPr sz="1400"/>
+              <a:t>Renderer error: cannot access local variable 'slide' where it is not associated with a value</a:t>
+            </a:r>
+          </a:p>
+        </p:txBody>
+      </p:sp>
+    </p:spTree>
+  </p:cSld>
+  <p:clrMapOvr>
+    <a:masterClrMapping/>
+  </p:clrMapOvr>
+</p:sld>
+</file>
+
+<file path=ppt/slides/slide12.xml><?xml version="1.0" encoding="utf-8"?>
+<p:sld xmlns:a="http://schemas.openxmlformats.org/drawingml/2006/main" xmlns:p="http://schemas.openxmlformats.org/presentationml/2006/main" xmlns:r="http://schemas.openxmlformats.org/officeDocument/2006/relationships">
+  <p:cSld>
+    <p:spTree>
+      <p:nvGrpSpPr>
+        <p:cNvPr id="1" name=""/>
+        <p:cNvGrpSpPr/>
+        <p:nvPr/>
+      </p:nvGrpSpPr>
+      <p:grpSpPr/>
+      <p:sp>
+        <p:nvSpPr>
+          <p:cNvPr id="2" name="TextBox 1"/>
+          <p:cNvSpPr txBox="1"/>
+          <p:nvPr/>
+        </p:nvSpPr>
+        <p:spPr>
+          <a:xfrm>
+            <a:off x="457200" y="274320"/>
+            <a:ext cx="11277295" cy="731520"/>
+          </a:xfrm>
+          <a:prstGeom prst="rect">
+            <a:avLst/>
+          </a:prstGeom>
+          <a:noFill/>
+        </p:spPr>
+        <p:txBody>
+          <a:bodyPr wrap="none" lIns="0" tIns="0" rIns="0" bIns="0">
+            <a:spAutoFit/>
+          </a:bodyPr>
+          <a:lstStyle/>
+          <a:p>
+            <a:pPr algn="l"/>
+            <a:r>
+              <a:rPr sz="2400" b="1">
+                <a:solidFill>
+                  <a:srgbClr val="FFC0CB"/>
                 </a:solidFill>
                 <a:latin typeface="Arial"/>
               </a:rPr>
-              <a:t>Market-leading position with 130+ outlets across major Indonesian cities</a:t>
-            </a:r>
-          </a:p>
-        </p:txBody>
-      </p:sp>
-      <p:sp>
-        <p:nvSpPr>
-          <p:cNvPr id="15" name="Oval 14"/>
+              <a:t>Margin &amp; Cost Resilience</a:t>
+            </a:r>
+          </a:p>
+        </p:txBody>
+      </p:sp>
+      <p:sp>
+        <p:nvSpPr>
+          <p:cNvPr id="3" name="Rectangle 2"/>
           <p:cNvSpPr/>
           <p:nvPr/>
         </p:nvSpPr>
         <p:spPr>
           <a:xfrm>
-            <a:off x="7589520" y="2221992"/>
-            <a:ext cx="36576" cy="36576"/>
-          </a:xfrm>
-          <a:prstGeom prst="ellipse">
+            <a:off x="457200" y="914400"/>
+            <a:ext cx="11277295" cy="45720"/>
+          </a:xfrm>
+          <a:prstGeom prst="rect">
             <a:avLst/>
           </a:prstGeom>
           <a:solidFill>
-            <a:srgbClr val="B5975B"/>
+            <a:srgbClr val="FFC0CB"/>
           </a:solidFill>
           <a:ln>
             <a:noFill/>
@@ -3673,14 +4601,14 @@
       </p:sp>
       <p:sp>
         <p:nvSpPr>
-          <p:cNvPr id="16" name="TextBox 15"/>
-          <p:cNvSpPr txBox="1"/>
-          <p:nvPr/>
-        </p:nvSpPr>
-        <p:spPr>
-          <a:xfrm>
-            <a:off x="7699248" y="2148840"/>
-            <a:ext cx="3886200" cy="502920"/>
+          <p:cNvPr id="4" name="TextBox 3"/>
+          <p:cNvSpPr txBox="1"/>
+          <p:nvPr/>
+        </p:nvSpPr>
+        <p:spPr>
+          <a:xfrm>
+            <a:off x="914400" y="1280160"/>
+            <a:ext cx="5486400" cy="274320"/>
           </a:xfrm>
           <a:prstGeom prst="rect">
             <a:avLst/>
@@ -3699,27 +4627,123 @@
           <a:p>
             <a:pPr algn="l"/>
             <a:r>
-              <a:rPr sz="900" b="0">
+              <a:rPr sz="1400" b="1">
+                <a:solidFill>
+                  <a:srgbClr val="FFC0CB"/>
+                </a:solidFill>
+                <a:latin typeface="Arial"/>
+              </a:rPr>
+              <a:t>EBITDA Margin Trend</a:t>
+            </a:r>
+          </a:p>
+        </p:txBody>
+      </p:sp>
+      <p:graphicFrame>
+        <p:nvGraphicFramePr>
+          <p:cNvPr id="5" name="Chart 4"/>
+          <p:cNvGraphicFramePr>
+            <a:graphicFrameLocks noGrp="1"/>
+          </p:cNvGraphicFramePr>
+          <p:nvPr/>
+        </p:nvGraphicFramePr>
+        <p:xfrm>
+          <a:off x="914400" y="1645920"/>
+          <a:ext cx="5486400" cy="2011680"/>
+        </p:xfrm>
+        <a:graphic>
+          <a:graphicData uri="http://schemas.openxmlformats.org/drawingml/2006/chart">
+            <c:chart xmlns:c="http://schemas.openxmlformats.org/drawingml/2006/chart" r:id="rId2"/>
+          </a:graphicData>
+        </a:graphic>
+      </p:graphicFrame>
+      <p:sp>
+        <p:nvSpPr>
+          <p:cNvPr id="6" name="TextBox 5"/>
+          <p:cNvSpPr txBox="1"/>
+          <p:nvPr/>
+        </p:nvSpPr>
+        <p:spPr>
+          <a:xfrm>
+            <a:off x="4572000" y="3749039"/>
+            <a:ext cx="2286000" cy="137160"/>
+          </a:xfrm>
+          <a:prstGeom prst="rect">
+            <a:avLst/>
+          </a:prstGeom>
+          <a:noFill/>
+          <a:ln>
+            <a:noFill/>
+          </a:ln>
+          <a:effectLst/>
+        </p:spPr>
+        <p:txBody>
+          <a:bodyPr wrap="square">
+            <a:spAutoFit/>
+          </a:bodyPr>
+          <a:lstStyle/>
+          <a:p>
+            <a:pPr algn="r"/>
+            <a:r>
+              <a:rPr sz="800" b="0">
                 <a:solidFill>
                   <a:srgbClr val="404040"/>
                 </a:solidFill>
                 <a:latin typeface="Arial"/>
               </a:rPr>
-              <a:t>Strong growth trajectory: 100+ new locations since 2021 acquisition</a:t>
-            </a:r>
-          </a:p>
-        </p:txBody>
-      </p:sp>
-      <p:sp>
-        <p:nvSpPr>
-          <p:cNvPr id="17" name="Oval 16"/>
+              <a:t>Source: Company financials</a:t>
+            </a:r>
+          </a:p>
+        </p:txBody>
+      </p:sp>
+      <p:sp>
+        <p:nvSpPr>
+          <p:cNvPr id="7" name="TextBox 6"/>
+          <p:cNvSpPr txBox="1"/>
+          <p:nvPr/>
+        </p:nvSpPr>
+        <p:spPr>
+          <a:xfrm>
+            <a:off x="914400" y="4023360"/>
+            <a:ext cx="5486400" cy="274320"/>
+          </a:xfrm>
+          <a:prstGeom prst="rect">
+            <a:avLst/>
+          </a:prstGeom>
+          <a:noFill/>
+          <a:ln>
+            <a:noFill/>
+          </a:ln>
+          <a:effectLst/>
+        </p:spPr>
+        <p:txBody>
+          <a:bodyPr wrap="square">
+            <a:spAutoFit/>
+          </a:bodyPr>
+          <a:lstStyle/>
+          <a:p>
+            <a:pPr algn="l"/>
+            <a:r>
+              <a:rPr sz="1400" b="1">
+                <a:solidFill>
+                  <a:srgbClr val="FFC0CB"/>
+                </a:solidFill>
+                <a:latin typeface="Arial"/>
+              </a:rPr>
+              <a:t>Cost Management &amp; Efficiency Initiatives</a:t>
+            </a:r>
+          </a:p>
+        </p:txBody>
+      </p:sp>
+      <p:sp>
+        <p:nvSpPr>
+          <p:cNvPr id="8" name="Oval 7"/>
           <p:cNvSpPr/>
           <p:nvPr/>
         </p:nvSpPr>
         <p:spPr>
           <a:xfrm>
-            <a:off x="7589520" y="2770632"/>
-            <a:ext cx="36576" cy="36576"/>
+            <a:off x="1097280" y="4389120"/>
+            <a:ext cx="54864" cy="54864"/>
           </a:xfrm>
           <a:prstGeom prst="ellipse">
             <a:avLst/>
@@ -3730,6 +4754,7 @@
           <a:ln>
             <a:noFill/>
           </a:ln>
+          <a:effectLst/>
         </p:spPr>
         <p:style>
           <a:lnRef idx="1">
@@ -3755,14 +4780,14 @@
       </p:sp>
       <p:sp>
         <p:nvSpPr>
-          <p:cNvPr id="18" name="TextBox 17"/>
-          <p:cNvSpPr txBox="1"/>
-          <p:nvPr/>
-        </p:nvSpPr>
-        <p:spPr>
-          <a:xfrm>
-            <a:off x="7699248" y="2697480"/>
-            <a:ext cx="3886200" cy="502920"/>
+          <p:cNvPr id="9" name="TextBox 8"/>
+          <p:cNvSpPr txBox="1"/>
+          <p:nvPr/>
+        </p:nvSpPr>
+        <p:spPr>
+          <a:xfrm>
+            <a:off x="1234440" y="4343400"/>
+            <a:ext cx="5029200" cy="137160"/>
           </a:xfrm>
           <a:prstGeom prst="rect">
             <a:avLst/>
@@ -3781,27 +4806,66 @@
           <a:p>
             <a:pPr algn="l"/>
             <a:r>
+              <a:rPr sz="1000" b="1">
+                <a:solidFill>
+                  <a:srgbClr val="FFC0CB"/>
+                </a:solidFill>
+                <a:latin typeface="Arial"/>
+              </a:rPr>
+              <a:t>Cost Management Data Required</a:t>
+            </a:r>
+          </a:p>
+        </p:txBody>
+      </p:sp>
+      <p:sp>
+        <p:nvSpPr>
+          <p:cNvPr id="10" name="TextBox 9"/>
+          <p:cNvSpPr txBox="1"/>
+          <p:nvPr/>
+        </p:nvSpPr>
+        <p:spPr>
+          <a:xfrm>
+            <a:off x="1234440" y="4480560"/>
+            <a:ext cx="5029200" cy="256032"/>
+          </a:xfrm>
+          <a:prstGeom prst="rect">
+            <a:avLst/>
+          </a:prstGeom>
+          <a:noFill/>
+          <a:ln>
+            <a:noFill/>
+          </a:ln>
+          <a:effectLst/>
+        </p:spPr>
+        <p:txBody>
+          <a:bodyPr wrap="square">
+            <a:spAutoFit/>
+          </a:bodyPr>
+          <a:lstStyle/>
+          <a:p>
+            <a:pPr algn="l"/>
+            <a:r>
               <a:rPr sz="900" b="0">
                 <a:solidFill>
                   <a:srgbClr val="404040"/>
                 </a:solidFill>
                 <a:latin typeface="Arial"/>
               </a:rPr>
-              <a:t>Consistent double-digit revenue and EBITDA growth post-acquisition</a:t>
-            </a:r>
-          </a:p>
-        </p:txBody>
-      </p:sp>
-      <p:sp>
-        <p:nvSpPr>
-          <p:cNvPr id="19" name="Oval 18"/>
+              <a:t>LLM must generate industry-specific cost management initiatives</a:t>
+            </a:r>
+          </a:p>
+        </p:txBody>
+      </p:sp>
+      <p:sp>
+        <p:nvSpPr>
+          <p:cNvPr id="11" name="Oval 10"/>
           <p:cNvSpPr/>
           <p:nvPr/>
         </p:nvSpPr>
         <p:spPr>
           <a:xfrm>
-            <a:off x="7589520" y="3319272"/>
-            <a:ext cx="36576" cy="36576"/>
+            <a:off x="1097280" y="4800600"/>
+            <a:ext cx="54864" cy="54864"/>
           </a:xfrm>
           <a:prstGeom prst="ellipse">
             <a:avLst/>
@@ -3812,6 +4876,7 @@
           <a:ln>
             <a:noFill/>
           </a:ln>
+          <a:effectLst/>
         </p:spPr>
         <p:style>
           <a:lnRef idx="1">
@@ -3837,14 +4902,14 @@
       </p:sp>
       <p:sp>
         <p:nvSpPr>
-          <p:cNvPr id="20" name="TextBox 19"/>
-          <p:cNvSpPr txBox="1"/>
-          <p:nvPr/>
-        </p:nvSpPr>
-        <p:spPr>
-          <a:xfrm>
-            <a:off x="7699248" y="3246120"/>
-            <a:ext cx="3886200" cy="502920"/>
+          <p:cNvPr id="12" name="TextBox 11"/>
+          <p:cNvSpPr txBox="1"/>
+          <p:nvPr/>
+        </p:nvSpPr>
+        <p:spPr>
+          <a:xfrm>
+            <a:off x="1234440" y="4754880"/>
+            <a:ext cx="5029200" cy="137160"/>
           </a:xfrm>
           <a:prstGeom prst="rect">
             <a:avLst/>
@@ -3863,27 +4928,66 @@
           <a:p>
             <a:pPr algn="l"/>
             <a:r>
+              <a:rPr sz="1000" b="1">
+                <a:solidFill>
+                  <a:srgbClr val="FFC0CB"/>
+                </a:solidFill>
+                <a:latin typeface="Arial"/>
+              </a:rPr>
+              <a:t>No Generic Fallbacks</a:t>
+            </a:r>
+          </a:p>
+        </p:txBody>
+      </p:sp>
+      <p:sp>
+        <p:nvSpPr>
+          <p:cNvPr id="13" name="TextBox 12"/>
+          <p:cNvSpPr txBox="1"/>
+          <p:nvPr/>
+        </p:nvSpPr>
+        <p:spPr>
+          <a:xfrm>
+            <a:off x="1234440" y="4892040"/>
+            <a:ext cx="5029200" cy="256032"/>
+          </a:xfrm>
+          <a:prstGeom prst="rect">
+            <a:avLst/>
+          </a:prstGeom>
+          <a:noFill/>
+          <a:ln>
+            <a:noFill/>
+          </a:ln>
+          <a:effectLst/>
+        </p:spPr>
+        <p:txBody>
+          <a:bodyPr wrap="square">
+            <a:spAutoFit/>
+          </a:bodyPr>
+          <a:lstStyle/>
+          <a:p>
+            <a:pPr algn="l"/>
+            <a:r>
               <a:rPr sz="900" b="0">
                 <a:solidFill>
                   <a:srgbClr val="404040"/>
                 </a:solidFill>
                 <a:latin typeface="Arial"/>
               </a:rPr>
-              <a:t>Premium Japanese-inspired artisan bakery positioning</a:t>
-            </a:r>
-          </a:p>
-        </p:txBody>
-      </p:sp>
-      <p:sp>
-        <p:nvSpPr>
-          <p:cNvPr id="21" name="Oval 20"/>
+              <a:t>All content must be relevant to company's actual business model</a:t>
+            </a:r>
+          </a:p>
+        </p:txBody>
+      </p:sp>
+      <p:sp>
+        <p:nvSpPr>
+          <p:cNvPr id="14" name="Oval 13"/>
           <p:cNvSpPr/>
           <p:nvPr/>
         </p:nvSpPr>
         <p:spPr>
           <a:xfrm>
-            <a:off x="7589520" y="3867912"/>
-            <a:ext cx="36576" cy="36576"/>
+            <a:off x="1097280" y="5212080"/>
+            <a:ext cx="54864" cy="54864"/>
           </a:xfrm>
           <a:prstGeom prst="ellipse">
             <a:avLst/>
@@ -3894,6 +4998,7 @@
           <a:ln>
             <a:noFill/>
           </a:ln>
+          <a:effectLst/>
         </p:spPr>
         <p:style>
           <a:lnRef idx="1">
@@ -3919,14 +5024,14 @@
       </p:sp>
       <p:sp>
         <p:nvSpPr>
-          <p:cNvPr id="22" name="TextBox 21"/>
-          <p:cNvSpPr txBox="1"/>
-          <p:nvPr/>
-        </p:nvSpPr>
-        <p:spPr>
-          <a:xfrm>
-            <a:off x="7699248" y="3794760"/>
-            <a:ext cx="3886200" cy="502920"/>
+          <p:cNvPr id="15" name="TextBox 14"/>
+          <p:cNvSpPr txBox="1"/>
+          <p:nvPr/>
+        </p:nvSpPr>
+        <p:spPr>
+          <a:xfrm>
+            <a:off x="1234440" y="5166360"/>
+            <a:ext cx="5029200" cy="137160"/>
           </a:xfrm>
           <a:prstGeom prst="rect">
             <a:avLst/>
@@ -3945,37 +5050,116 @@
           <a:p>
             <a:pPr algn="l"/>
             <a:r>
+              <a:rPr sz="1000" b="1">
+                <a:solidFill>
+                  <a:srgbClr val="FFC0CB"/>
+                </a:solidFill>
+                <a:latin typeface="Arial"/>
+              </a:rPr>
+              <a:t>Industry-Appropriate Content</a:t>
+            </a:r>
+          </a:p>
+        </p:txBody>
+      </p:sp>
+      <p:sp>
+        <p:nvSpPr>
+          <p:cNvPr id="16" name="TextBox 15"/>
+          <p:cNvSpPr txBox="1"/>
+          <p:nvPr/>
+        </p:nvSpPr>
+        <p:spPr>
+          <a:xfrm>
+            <a:off x="1234440" y="5303520"/>
+            <a:ext cx="5029200" cy="256032"/>
+          </a:xfrm>
+          <a:prstGeom prst="rect">
+            <a:avLst/>
+          </a:prstGeom>
+          <a:noFill/>
+          <a:ln>
+            <a:noFill/>
+          </a:ln>
+          <a:effectLst/>
+        </p:spPr>
+        <p:txBody>
+          <a:bodyPr wrap="square">
+            <a:spAutoFit/>
+          </a:bodyPr>
+          <a:lstStyle/>
+          <a:p>
+            <a:pPr algn="l"/>
+            <a:r>
               <a:rPr sz="900" b="0">
                 <a:solidFill>
                   <a:srgbClr val="404040"/>
                 </a:solidFill>
                 <a:latin typeface="Arial"/>
               </a:rPr>
-              <a:t>Diversified revenue streams: B2C retail + institutional B2B clients</a:t>
-            </a:r>
-          </a:p>
-        </p:txBody>
-      </p:sp>
-      <p:sp>
-        <p:nvSpPr>
-          <p:cNvPr id="23" name="Oval 22"/>
+              <a:t>Cost initiatives must match company's operational profile</a:t>
+            </a:r>
+          </a:p>
+        </p:txBody>
+      </p:sp>
+      <p:sp>
+        <p:nvSpPr>
+          <p:cNvPr id="17" name="TextBox 16"/>
+          <p:cNvSpPr txBox="1"/>
+          <p:nvPr/>
+        </p:nvSpPr>
+        <p:spPr>
+          <a:xfrm>
+            <a:off x="7315200" y="1280160"/>
+            <a:ext cx="4572000" cy="274320"/>
+          </a:xfrm>
+          <a:prstGeom prst="rect">
+            <a:avLst/>
+          </a:prstGeom>
+          <a:noFill/>
+          <a:ln>
+            <a:noFill/>
+          </a:ln>
+          <a:effectLst/>
+        </p:spPr>
+        <p:txBody>
+          <a:bodyPr wrap="square">
+            <a:spAutoFit/>
+          </a:bodyPr>
+          <a:lstStyle/>
+          <a:p>
+            <a:pPr algn="l"/>
+            <a:r>
+              <a:rPr sz="1400" b="1">
+                <a:solidFill>
+                  <a:srgbClr val="FFC0CB"/>
+                </a:solidFill>
+                <a:latin typeface="Arial"/>
+              </a:rPr>
+              <a:t>Risk Mitigation Strategies</a:t>
+            </a:r>
+          </a:p>
+        </p:txBody>
+      </p:sp>
+      <p:sp>
+        <p:nvSpPr>
+          <p:cNvPr id="18" name="Rectangle 17"/>
           <p:cNvSpPr/>
           <p:nvPr/>
         </p:nvSpPr>
         <p:spPr>
           <a:xfrm>
-            <a:off x="7589520" y="4416552"/>
-            <a:ext cx="36576" cy="36576"/>
-          </a:xfrm>
-          <a:prstGeom prst="ellipse">
+            <a:off x="7315200" y="1645920"/>
+            <a:ext cx="4572000" cy="1645920"/>
+          </a:xfrm>
+          <a:prstGeom prst="rect">
             <a:avLst/>
           </a:prstGeom>
           <a:solidFill>
-            <a:srgbClr val="B5975B"/>
+            <a:srgbClr val="F0F0F0"/>
           </a:solidFill>
           <a:ln>
             <a:noFill/>
           </a:ln>
+          <a:effectLst/>
         </p:spPr>
         <p:style>
           <a:lnRef idx="1">
@@ -4001,55 +5185,16 @@
       </p:sp>
       <p:sp>
         <p:nvSpPr>
-          <p:cNvPr id="24" name="TextBox 23"/>
-          <p:cNvSpPr txBox="1"/>
-          <p:nvPr/>
-        </p:nvSpPr>
-        <p:spPr>
-          <a:xfrm>
-            <a:off x="7699248" y="4343400"/>
-            <a:ext cx="3886200" cy="502920"/>
-          </a:xfrm>
-          <a:prstGeom prst="rect">
-            <a:avLst/>
-          </a:prstGeom>
-          <a:noFill/>
-          <a:ln>
-            <a:noFill/>
-          </a:ln>
-          <a:effectLst/>
-        </p:spPr>
-        <p:txBody>
-          <a:bodyPr wrap="square">
-            <a:spAutoFit/>
-          </a:bodyPr>
-          <a:lstStyle/>
-          <a:p>
-            <a:pPr algn="l"/>
-            <a:r>
-              <a:rPr sz="900" b="0">
-                <a:solidFill>
-                  <a:srgbClr val="404040"/>
-                </a:solidFill>
-                <a:latin typeface="Arial"/>
-              </a:rPr>
-              <a:t>Strategic locations in high-traffic transit hubs and commercial centers</a:t>
-            </a:r>
-          </a:p>
-        </p:txBody>
-      </p:sp>
-      <p:sp>
-        <p:nvSpPr>
-          <p:cNvPr id="25" name="Oval 24"/>
+          <p:cNvPr id="19" name="Rectangle 18"/>
           <p:cNvSpPr/>
           <p:nvPr/>
         </p:nvSpPr>
         <p:spPr>
           <a:xfrm>
-            <a:off x="7589520" y="4965192"/>
-            <a:ext cx="36576" cy="36576"/>
-          </a:xfrm>
-          <a:prstGeom prst="ellipse">
+            <a:off x="7315200" y="1645920"/>
+            <a:ext cx="91440" cy="1645920"/>
+          </a:xfrm>
+          <a:prstGeom prst="rect">
             <a:avLst/>
           </a:prstGeom>
           <a:solidFill>
@@ -4058,6 +5203,7 @@
           <a:ln>
             <a:noFill/>
           </a:ln>
+          <a:effectLst/>
         </p:spPr>
         <p:style>
           <a:lnRef idx="1">
@@ -4083,14 +5229,14 @@
       </p:sp>
       <p:sp>
         <p:nvSpPr>
-          <p:cNvPr id="26" name="TextBox 25"/>
-          <p:cNvSpPr txBox="1"/>
-          <p:nvPr/>
-        </p:nvSpPr>
-        <p:spPr>
-          <a:xfrm>
-            <a:off x="7699248" y="4892040"/>
-            <a:ext cx="3886200" cy="502920"/>
+          <p:cNvPr id="20" name="TextBox 19"/>
+          <p:cNvSpPr txBox="1"/>
+          <p:nvPr/>
+        </p:nvSpPr>
+        <p:spPr>
+          <a:xfrm>
+            <a:off x="7589520" y="1737360"/>
+            <a:ext cx="4114800" cy="228600"/>
           </a:xfrm>
           <a:prstGeom prst="rect">
             <a:avLst/>
@@ -4109,37 +5255,233 @@
           <a:p>
             <a:pPr algn="l"/>
             <a:r>
+              <a:rPr sz="1200" b="1">
+                <a:solidFill>
+                  <a:srgbClr val="B5975B"/>
+                </a:solidFill>
+                <a:latin typeface="Arial"/>
+              </a:rPr>
+              <a:t>Risk Mitigation Data Required</a:t>
+            </a:r>
+          </a:p>
+        </p:txBody>
+      </p:sp>
+      <p:sp>
+        <p:nvSpPr>
+          <p:cNvPr id="21" name="TextBox 20"/>
+          <p:cNvSpPr txBox="1"/>
+          <p:nvPr/>
+        </p:nvSpPr>
+        <p:spPr>
+          <a:xfrm>
+            <a:off x="7589520" y="1965960"/>
+            <a:ext cx="4114800" cy="320040"/>
+          </a:xfrm>
+          <a:prstGeom prst="rect">
+            <a:avLst/>
+          </a:prstGeom>
+          <a:noFill/>
+          <a:ln>
+            <a:noFill/>
+          </a:ln>
+          <a:effectLst/>
+        </p:spPr>
+        <p:txBody>
+          <a:bodyPr wrap="square">
+            <a:spAutoFit/>
+          </a:bodyPr>
+          <a:lstStyle/>
+          <a:p>
+            <a:pPr algn="l"/>
+            <a:r>
+              <a:rPr sz="1000" b="0">
+                <a:solidFill>
+                  <a:srgbClr val="404040"/>
+                </a:solidFill>
+                <a:latin typeface="Arial"/>
+              </a:rPr>
+              <a:t>LLM must generate industry-specific risk mitigation strategies based on company business model and market risks</a:t>
+            </a:r>
+          </a:p>
+        </p:txBody>
+      </p:sp>
+      <p:sp>
+        <p:nvSpPr>
+          <p:cNvPr id="22" name="TextBox 21"/>
+          <p:cNvSpPr txBox="1"/>
+          <p:nvPr/>
+        </p:nvSpPr>
+        <p:spPr>
+          <a:xfrm>
+            <a:off x="7589520" y="2331720"/>
+            <a:ext cx="4114800" cy="164592"/>
+          </a:xfrm>
+          <a:prstGeom prst="rect">
+            <a:avLst/>
+          </a:prstGeom>
+          <a:noFill/>
+          <a:ln>
+            <a:noFill/>
+          </a:ln>
+          <a:effectLst/>
+        </p:spPr>
+        <p:txBody>
+          <a:bodyPr wrap="square">
+            <a:spAutoFit/>
+          </a:bodyPr>
+          <a:lstStyle/>
+          <a:p>
+            <a:pPr algn="l"/>
+            <a:r>
+              <a:rPr sz="1000" b="1">
+                <a:solidFill>
+                  <a:srgbClr val="FFC0CB"/>
+                </a:solidFill>
+                <a:latin typeface="Arial"/>
+              </a:rPr>
+              <a:t>Key Benefits:</a:t>
+            </a:r>
+          </a:p>
+        </p:txBody>
+      </p:sp>
+      <p:sp>
+        <p:nvSpPr>
+          <p:cNvPr id="23" name="TextBox 22"/>
+          <p:cNvSpPr txBox="1"/>
+          <p:nvPr/>
+        </p:nvSpPr>
+        <p:spPr>
+          <a:xfrm>
+            <a:off x="7772400" y="2514600"/>
+            <a:ext cx="3931920" cy="100584"/>
+          </a:xfrm>
+          <a:prstGeom prst="rect">
+            <a:avLst/>
+          </a:prstGeom>
+          <a:noFill/>
+          <a:ln>
+            <a:noFill/>
+          </a:ln>
+          <a:effectLst/>
+        </p:spPr>
+        <p:txBody>
+          <a:bodyPr wrap="square">
+            <a:spAutoFit/>
+          </a:bodyPr>
+          <a:lstStyle/>
+          <a:p>
+            <a:pPr algn="l"/>
+            <a:r>
               <a:rPr sz="900" b="0">
                 <a:solidFill>
                   <a:srgbClr val="404040"/>
                 </a:solidFill>
                 <a:latin typeface="Arial"/>
               </a:rPr>
-              <a:t>Fresh, preservative-free product differentiation</a:t>
-            </a:r>
-          </a:p>
-        </p:txBody>
-      </p:sp>
-      <p:sp>
-        <p:nvSpPr>
-          <p:cNvPr id="27" name="Oval 26"/>
+              <a:t>• LLM data required</a:t>
+            </a:r>
+          </a:p>
+        </p:txBody>
+      </p:sp>
+      <p:sp>
+        <p:nvSpPr>
+          <p:cNvPr id="24" name="TextBox 23"/>
+          <p:cNvSpPr txBox="1"/>
+          <p:nvPr/>
+        </p:nvSpPr>
+        <p:spPr>
+          <a:xfrm>
+            <a:off x="7772400" y="2633472"/>
+            <a:ext cx="3931920" cy="100584"/>
+          </a:xfrm>
+          <a:prstGeom prst="rect">
+            <a:avLst/>
+          </a:prstGeom>
+          <a:noFill/>
+          <a:ln>
+            <a:noFill/>
+          </a:ln>
+          <a:effectLst/>
+        </p:spPr>
+        <p:txBody>
+          <a:bodyPr wrap="square">
+            <a:spAutoFit/>
+          </a:bodyPr>
+          <a:lstStyle/>
+          <a:p>
+            <a:pPr algn="l"/>
+            <a:r>
+              <a:rPr sz="900" b="0">
+                <a:solidFill>
+                  <a:srgbClr val="404040"/>
+                </a:solidFill>
+                <a:latin typeface="Arial"/>
+              </a:rPr>
+              <a:t>• No generic fallbacks</a:t>
+            </a:r>
+          </a:p>
+        </p:txBody>
+      </p:sp>
+      <p:sp>
+        <p:nvSpPr>
+          <p:cNvPr id="25" name="TextBox 24"/>
+          <p:cNvSpPr txBox="1"/>
+          <p:nvPr/>
+        </p:nvSpPr>
+        <p:spPr>
+          <a:xfrm>
+            <a:off x="7772400" y="2752344"/>
+            <a:ext cx="3931920" cy="100584"/>
+          </a:xfrm>
+          <a:prstGeom prst="rect">
+            <a:avLst/>
+          </a:prstGeom>
+          <a:noFill/>
+          <a:ln>
+            <a:noFill/>
+          </a:ln>
+          <a:effectLst/>
+        </p:spPr>
+        <p:txBody>
+          <a:bodyPr wrap="square">
+            <a:spAutoFit/>
+          </a:bodyPr>
+          <a:lstStyle/>
+          <a:p>
+            <a:pPr algn="l"/>
+            <a:r>
+              <a:rPr sz="900" b="0">
+                <a:solidFill>
+                  <a:srgbClr val="404040"/>
+                </a:solidFill>
+                <a:latin typeface="Arial"/>
+              </a:rPr>
+              <a:t>• Industry-specific content needed</a:t>
+            </a:r>
+          </a:p>
+        </p:txBody>
+      </p:sp>
+      <p:sp>
+        <p:nvSpPr>
+          <p:cNvPr id="26" name="Rectangle 25"/>
           <p:cNvSpPr/>
           <p:nvPr/>
         </p:nvSpPr>
         <p:spPr>
           <a:xfrm>
-            <a:off x="7589520" y="5513832"/>
-            <a:ext cx="36576" cy="36576"/>
-          </a:xfrm>
-          <a:prstGeom prst="ellipse">
+            <a:off x="7315200" y="3474720"/>
+            <a:ext cx="4572000" cy="731520"/>
+          </a:xfrm>
+          <a:prstGeom prst="rect">
             <a:avLst/>
           </a:prstGeom>
           <a:solidFill>
-            <a:srgbClr val="B5975B"/>
+            <a:srgbClr val="F0FFF0"/>
           </a:solidFill>
           <a:ln>
             <a:noFill/>
           </a:ln>
+          <a:effectLst/>
         </p:spPr>
         <p:style>
           <a:lnRef idx="1">
@@ -4165,14 +5507,14 @@
       </p:sp>
       <p:sp>
         <p:nvSpPr>
-          <p:cNvPr id="28" name="TextBox 27"/>
-          <p:cNvSpPr txBox="1"/>
-          <p:nvPr/>
-        </p:nvSpPr>
-        <p:spPr>
-          <a:xfrm>
-            <a:off x="7699248" y="5440680"/>
-            <a:ext cx="3886200" cy="502920"/>
+          <p:cNvPr id="27" name="TextBox 26"/>
+          <p:cNvSpPr txBox="1"/>
+          <p:nvPr/>
+        </p:nvSpPr>
+        <p:spPr>
+          <a:xfrm>
+            <a:off x="7498079" y="3566160"/>
+            <a:ext cx="4206240" cy="137160"/>
           </a:xfrm>
           <a:prstGeom prst="rect">
             <a:avLst/>
@@ -4191,27 +5533,27 @@
           <a:p>
             <a:pPr algn="l"/>
             <a:r>
-              <a:rPr sz="900" b="0">
-                <a:solidFill>
-                  <a:srgbClr val="404040"/>
+              <a:rPr sz="1000" b="1">
+                <a:solidFill>
+                  <a:srgbClr val="228B22"/>
                 </a:solidFill>
                 <a:latin typeface="Arial"/>
               </a:rPr>
-              <a:t>Proven scalable business model with operational excellence</a:t>
-            </a:r>
-          </a:p>
-        </p:txBody>
-      </p:sp>
-      <p:sp>
-        <p:nvSpPr>
-          <p:cNvPr id="29" name="TextBox 28"/>
-          <p:cNvSpPr txBox="1"/>
-          <p:nvPr/>
-        </p:nvSpPr>
-        <p:spPr>
-          <a:xfrm>
-            <a:off x="731520" y="2743200"/>
-            <a:ext cx="5943600" cy="274320"/>
+              <a:t>BANKER'S VIEW - DATA REQUIRED</a:t>
+            </a:r>
+          </a:p>
+        </p:txBody>
+      </p:sp>
+      <p:sp>
+        <p:nvSpPr>
+          <p:cNvPr id="28" name="TextBox 27"/>
+          <p:cNvSpPr txBox="1"/>
+          <p:nvPr/>
+        </p:nvSpPr>
+        <p:spPr>
+          <a:xfrm>
+            <a:off x="7498079" y="3703320"/>
+            <a:ext cx="4206240" cy="457200"/>
           </a:xfrm>
           <a:prstGeom prst="rect">
             <a:avLst/>
@@ -4230,33 +5572,158 @@
           <a:p>
             <a:pPr algn="l"/>
             <a:r>
-              <a:rPr sz="1200" b="1">
-                <a:solidFill>
-                  <a:srgbClr val="183A58"/>
+              <a:rPr sz="900" b="0">
+                <a:solidFill>
+                  <a:srgbClr val="404040"/>
                 </a:solidFill>
                 <a:latin typeface="Arial"/>
               </a:rPr>
-              <a:t>Core Business Lines &amp; Capabilities</a:t>
-            </a:r>
-          </a:p>
-        </p:txBody>
-      </p:sp>
-      <p:sp>
-        <p:nvSpPr>
-          <p:cNvPr id="30" name="Oval 29"/>
+              <a:t>LLM must generate professional banker analysis based on company-specific risk profile and market positioning.</a:t>
+            </a:r>
+          </a:p>
+        </p:txBody>
+      </p:sp>
+      <p:sp>
+        <p:nvSpPr>
+          <p:cNvPr id="29" name="TextBox 28"/>
+          <p:cNvSpPr txBox="1"/>
+          <p:nvPr/>
+        </p:nvSpPr>
+        <p:spPr>
+          <a:xfrm>
+            <a:off x="457200" y="6309360"/>
+            <a:ext cx="5486400" cy="365760"/>
+          </a:xfrm>
+          <a:prstGeom prst="rect">
+            <a:avLst/>
+          </a:prstGeom>
+          <a:noFill/>
+        </p:spPr>
+        <p:txBody>
+          <a:bodyPr wrap="none" anchor="ctr">
+            <a:spAutoFit/>
+          </a:bodyPr>
+          <a:lstStyle/>
+          <a:p>
+            <a:pPr algn="l">
+              <a:defRPr sz="800">
+                <a:solidFill>
+                  <a:srgbClr val="808080"/>
+                </a:solidFill>
+                <a:latin typeface="Arial"/>
+              </a:defRPr>
+            </a:pPr>
+            <a:r>
+              <a:t>Confidential | September 11, 2025</a:t>
+            </a:r>
+          </a:p>
+        </p:txBody>
+      </p:sp>
+      <p:sp>
+        <p:nvSpPr>
+          <p:cNvPr id="30" name="TextBox 29"/>
+          <p:cNvSpPr txBox="1"/>
+          <p:nvPr/>
+        </p:nvSpPr>
+        <p:spPr>
+          <a:xfrm>
+            <a:off x="9144000" y="6309360"/>
+            <a:ext cx="2743200" cy="365760"/>
+          </a:xfrm>
+          <a:prstGeom prst="rect">
+            <a:avLst/>
+          </a:prstGeom>
+          <a:noFill/>
+        </p:spPr>
+        <p:txBody>
+          <a:bodyPr wrap="none" anchor="ctr">
+            <a:spAutoFit/>
+          </a:bodyPr>
+          <a:lstStyle/>
+          <a:p>
+            <a:pPr algn="r">
+              <a:defRPr sz="800">
+                <a:solidFill>
+                  <a:srgbClr val="808080"/>
+                </a:solidFill>
+                <a:latin typeface="Arial"/>
+              </a:defRPr>
+            </a:pPr>
+            <a:r>
+              <a:t>Sephora</a:t>
+            </a:r>
+          </a:p>
+        </p:txBody>
+      </p:sp>
+    </p:spTree>
+  </p:cSld>
+  <p:clrMapOvr>
+    <a:masterClrMapping/>
+  </p:clrMapOvr>
+</p:sld>
+</file>
+
+<file path=ppt/slides/slide13.xml><?xml version="1.0" encoding="utf-8"?>
+<p:sld xmlns:a="http://schemas.openxmlformats.org/drawingml/2006/main" xmlns:p="http://schemas.openxmlformats.org/presentationml/2006/main" xmlns:r="http://schemas.openxmlformats.org/officeDocument/2006/relationships">
+  <p:cSld>
+    <p:spTree>
+      <p:nvGrpSpPr>
+        <p:cNvPr id="1" name=""/>
+        <p:cNvGrpSpPr/>
+        <p:nvPr/>
+      </p:nvGrpSpPr>
+      <p:grpSpPr/>
+      <p:sp>
+        <p:nvSpPr>
+          <p:cNvPr id="2" name="TextBox 1"/>
+          <p:cNvSpPr txBox="1"/>
+          <p:nvPr/>
+        </p:nvSpPr>
+        <p:spPr>
+          <a:xfrm>
+            <a:off x="457200" y="274320"/>
+            <a:ext cx="11277295" cy="731520"/>
+          </a:xfrm>
+          <a:prstGeom prst="rect">
+            <a:avLst/>
+          </a:prstGeom>
+          <a:noFill/>
+        </p:spPr>
+        <p:txBody>
+          <a:bodyPr wrap="none" lIns="0" tIns="0" rIns="0" bIns="0">
+            <a:spAutoFit/>
+          </a:bodyPr>
+          <a:lstStyle/>
+          <a:p>
+            <a:pPr algn="l"/>
+            <a:r>
+              <a:rPr sz="2400" b="1">
+                <a:solidFill>
+                  <a:srgbClr val="FFC0CB"/>
+                </a:solidFill>
+                <a:latin typeface="Arial"/>
+              </a:rPr>
+              <a:t>Investor Considerations</a:t>
+            </a:r>
+          </a:p>
+        </p:txBody>
+      </p:sp>
+      <p:sp>
+        <p:nvSpPr>
+          <p:cNvPr id="3" name="Rectangle 2"/>
           <p:cNvSpPr/>
           <p:nvPr/>
         </p:nvSpPr>
         <p:spPr>
           <a:xfrm>
-            <a:off x="822960" y="3182112"/>
-            <a:ext cx="36576" cy="36576"/>
-          </a:xfrm>
-          <a:prstGeom prst="ellipse">
+            <a:off x="457200" y="914400"/>
+            <a:ext cx="11277295" cy="45720"/>
+          </a:xfrm>
+          <a:prstGeom prst="rect">
             <a:avLst/>
           </a:prstGeom>
           <a:solidFill>
-            <a:srgbClr val="B5975B"/>
+            <a:srgbClr val="FFC0CB"/>
           </a:solidFill>
           <a:ln>
             <a:noFill/>
@@ -4286,59 +5753,217 @@
       </p:sp>
       <p:sp>
         <p:nvSpPr>
-          <p:cNvPr id="31" name="TextBox 30"/>
-          <p:cNvSpPr txBox="1"/>
-          <p:nvPr/>
-        </p:nvSpPr>
-        <p:spPr>
-          <a:xfrm>
-            <a:off x="932688" y="3108960"/>
-            <a:ext cx="3200400" cy="411480"/>
-          </a:xfrm>
-          <a:prstGeom prst="rect">
-            <a:avLst/>
-          </a:prstGeom>
-          <a:noFill/>
-          <a:ln>
-            <a:noFill/>
-          </a:ln>
-          <a:effectLst/>
-        </p:spPr>
-        <p:txBody>
-          <a:bodyPr wrap="square">
+          <p:cNvPr id="4" name="TextBox 3"/>
+          <p:cNvSpPr txBox="1"/>
+          <p:nvPr/>
+        </p:nvSpPr>
+        <p:spPr>
+          <a:xfrm>
+            <a:off x="914400" y="1280160"/>
+            <a:ext cx="5029200" cy="457200"/>
+          </a:xfrm>
+          <a:prstGeom prst="rect">
+            <a:avLst/>
+          </a:prstGeom>
+          <a:noFill/>
+        </p:spPr>
+        <p:txBody>
+          <a:bodyPr wrap="none">
+            <a:spAutoFit/>
+          </a:bodyPr>
+          <a:lstStyle/>
+          <a:p>
+            <a:pPr algn="ctr">
+              <a:defRPr sz="1100" b="1">
+                <a:solidFill>
+                  <a:srgbClr val="FFC0CB"/>
+                </a:solidFill>
+                <a:latin typeface="Arial"/>
+              </a:defRPr>
+            </a:pPr>
+            <a:r>
+              <a:t>Considerations</a:t>
+            </a:r>
+          </a:p>
+        </p:txBody>
+      </p:sp>
+      <p:sp>
+        <p:nvSpPr>
+          <p:cNvPr id="5" name="TextBox 4"/>
+          <p:cNvSpPr txBox="1"/>
+          <p:nvPr/>
+        </p:nvSpPr>
+        <p:spPr>
+          <a:xfrm>
+            <a:off x="6400800" y="1280160"/>
+            <a:ext cx="5029200" cy="457200"/>
+          </a:xfrm>
+          <a:prstGeom prst="rect">
+            <a:avLst/>
+          </a:prstGeom>
+          <a:noFill/>
+        </p:spPr>
+        <p:txBody>
+          <a:bodyPr wrap="none">
+            <a:spAutoFit/>
+          </a:bodyPr>
+          <a:lstStyle/>
+          <a:p>
+            <a:pPr algn="ctr">
+              <a:defRPr sz="1100" b="1">
+                <a:solidFill>
+                  <a:srgbClr val="FFC0CB"/>
+                </a:solidFill>
+                <a:latin typeface="Arial"/>
+              </a:defRPr>
+            </a:pPr>
+            <a:r>
+              <a:t>Mitigants</a:t>
+            </a:r>
+          </a:p>
+        </p:txBody>
+      </p:sp>
+      <p:sp>
+        <p:nvSpPr>
+          <p:cNvPr id="6" name="TextBox 5"/>
+          <p:cNvSpPr txBox="1"/>
+          <p:nvPr/>
+        </p:nvSpPr>
+        <p:spPr>
+          <a:xfrm>
+            <a:off x="457200" y="6400800"/>
+            <a:ext cx="5486400" cy="365760"/>
+          </a:xfrm>
+          <a:prstGeom prst="rect">
+            <a:avLst/>
+          </a:prstGeom>
+          <a:noFill/>
+        </p:spPr>
+        <p:txBody>
+          <a:bodyPr wrap="none" anchor="ctr">
+            <a:spAutoFit/>
+          </a:bodyPr>
+          <a:lstStyle/>
+          <a:p>
+            <a:pPr algn="l">
+              <a:defRPr sz="800">
+                <a:solidFill>
+                  <a:srgbClr val="808080"/>
+                </a:solidFill>
+                <a:latin typeface="Arial"/>
+              </a:defRPr>
+            </a:pPr>
+            <a:r>
+              <a:t>Confidential | September 11, 2025</a:t>
+            </a:r>
+          </a:p>
+        </p:txBody>
+      </p:sp>
+      <p:sp>
+        <p:nvSpPr>
+          <p:cNvPr id="7" name="TextBox 6"/>
+          <p:cNvSpPr txBox="1"/>
+          <p:nvPr/>
+        </p:nvSpPr>
+        <p:spPr>
+          <a:xfrm>
+            <a:off x="9144000" y="6400800"/>
+            <a:ext cx="2743200" cy="365760"/>
+          </a:xfrm>
+          <a:prstGeom prst="rect">
+            <a:avLst/>
+          </a:prstGeom>
+          <a:noFill/>
+        </p:spPr>
+        <p:txBody>
+          <a:bodyPr wrap="none" anchor="ctr">
+            <a:spAutoFit/>
+          </a:bodyPr>
+          <a:lstStyle/>
+          <a:p>
+            <a:pPr algn="r">
+              <a:defRPr sz="800">
+                <a:solidFill>
+                  <a:srgbClr val="808080"/>
+                </a:solidFill>
+                <a:latin typeface="Arial"/>
+              </a:defRPr>
+            </a:pPr>
+            <a:r>
+              <a:t>Sephora</a:t>
+            </a:r>
+          </a:p>
+        </p:txBody>
+      </p:sp>
+    </p:spTree>
+  </p:cSld>
+  <p:clrMapOvr>
+    <a:masterClrMapping/>
+  </p:clrMapOvr>
+</p:sld>
+</file>
+
+<file path=ppt/slides/slide14.xml><?xml version="1.0" encoding="utf-8"?>
+<p:sld xmlns:a="http://schemas.openxmlformats.org/drawingml/2006/main" xmlns:p="http://schemas.openxmlformats.org/presentationml/2006/main" xmlns:r="http://schemas.openxmlformats.org/officeDocument/2006/relationships">
+  <p:cSld>
+    <p:spTree>
+      <p:nvGrpSpPr>
+        <p:cNvPr id="1" name=""/>
+        <p:cNvGrpSpPr/>
+        <p:nvPr/>
+      </p:nvGrpSpPr>
+      <p:grpSpPr/>
+      <p:sp>
+        <p:nvSpPr>
+          <p:cNvPr id="2" name="TextBox 1"/>
+          <p:cNvSpPr txBox="1"/>
+          <p:nvPr/>
+        </p:nvSpPr>
+        <p:spPr>
+          <a:xfrm>
+            <a:off x="457200" y="274320"/>
+            <a:ext cx="11277295" cy="731520"/>
+          </a:xfrm>
+          <a:prstGeom prst="rect">
+            <a:avLst/>
+          </a:prstGeom>
+          <a:noFill/>
+        </p:spPr>
+        <p:txBody>
+          <a:bodyPr wrap="none" lIns="0" tIns="0" rIns="0" bIns="0">
             <a:spAutoFit/>
           </a:bodyPr>
           <a:lstStyle/>
           <a:p>
             <a:pPr algn="l"/>
             <a:r>
-              <a:rPr sz="900" b="0">
-                <a:solidFill>
-                  <a:srgbClr val="404040"/>
+              <a:rPr sz="2400" b="1">
+                <a:solidFill>
+                  <a:srgbClr val="FFC0CB"/>
                 </a:solidFill>
                 <a:latin typeface="Arial"/>
               </a:rPr>
-              <a:t>Artisan Sweet &amp; Savory Breads: Premium Japanese-inspired baked goods</a:t>
-            </a:r>
-          </a:p>
-        </p:txBody>
-      </p:sp>
-      <p:sp>
-        <p:nvSpPr>
-          <p:cNvPr id="32" name="Oval 31"/>
+              <a:t>Investor Process Overview</a:t>
+            </a:r>
+          </a:p>
+        </p:txBody>
+      </p:sp>
+      <p:sp>
+        <p:nvSpPr>
+          <p:cNvPr id="3" name="Rectangle 2"/>
           <p:cNvSpPr/>
           <p:nvPr/>
         </p:nvSpPr>
         <p:spPr>
           <a:xfrm>
-            <a:off x="822960" y="3639312"/>
-            <a:ext cx="36576" cy="36576"/>
-          </a:xfrm>
-          <a:prstGeom prst="ellipse">
+            <a:off x="457200" y="914400"/>
+            <a:ext cx="11277295" cy="45720"/>
+          </a:xfrm>
+          <a:prstGeom prst="rect">
             <a:avLst/>
           </a:prstGeom>
           <a:solidFill>
-            <a:srgbClr val="B5975B"/>
+            <a:srgbClr val="FFC0CB"/>
           </a:solidFill>
           <a:ln>
             <a:noFill/>
@@ -4368,14 +5993,14 @@
       </p:sp>
       <p:sp>
         <p:nvSpPr>
-          <p:cNvPr id="33" name="TextBox 32"/>
-          <p:cNvSpPr txBox="1"/>
-          <p:nvPr/>
-        </p:nvSpPr>
-        <p:spPr>
-          <a:xfrm>
-            <a:off x="932688" y="3566160"/>
-            <a:ext cx="3200400" cy="411480"/>
+          <p:cNvPr id="4" name="TextBox 3"/>
+          <p:cNvSpPr txBox="1"/>
+          <p:nvPr/>
+        </p:nvSpPr>
+        <p:spPr>
+          <a:xfrm>
+            <a:off x="457200" y="1371600"/>
+            <a:ext cx="5486400" cy="274320"/>
           </a:xfrm>
           <a:prstGeom prst="rect">
             <a:avLst/>
@@ -4387,40 +6012,298 @@
           <a:effectLst/>
         </p:spPr>
         <p:txBody>
-          <a:bodyPr wrap="square">
+          <a:bodyPr wrap="square" lIns="73152" rIns="73152"/>
+          <a:lstStyle/>
+          <a:p>
+            <a:pPr algn="l">
+              <a:lnSpc>
+                <a:spcPct val="110000"/>
+              </a:lnSpc>
+            </a:pPr>
+            <a:r>
+              <a:rPr sz="1400" b="1">
+                <a:solidFill>
+                  <a:srgbClr val="FFC0CB"/>
+                </a:solidFill>
+                <a:latin typeface="Arial"/>
+              </a:rPr>
+              <a:t>Key Diligence Topics</a:t>
+            </a:r>
+          </a:p>
+        </p:txBody>
+      </p:sp>
+      <p:sp>
+        <p:nvSpPr>
+          <p:cNvPr id="5" name="TextBox 4"/>
+          <p:cNvSpPr txBox="1"/>
+          <p:nvPr/>
+        </p:nvSpPr>
+        <p:spPr>
+          <a:xfrm>
+            <a:off x="457200" y="3657600"/>
+            <a:ext cx="5486400" cy="274320"/>
+          </a:xfrm>
+          <a:prstGeom prst="rect">
+            <a:avLst/>
+          </a:prstGeom>
+          <a:noFill/>
+          <a:ln>
+            <a:noFill/>
+          </a:ln>
+          <a:effectLst/>
+        </p:spPr>
+        <p:txBody>
+          <a:bodyPr wrap="square" lIns="73152" rIns="73152"/>
+          <a:lstStyle/>
+          <a:p>
+            <a:pPr algn="l">
+              <a:lnSpc>
+                <a:spcPct val="110000"/>
+              </a:lnSpc>
+            </a:pPr>
+            <a:r>
+              <a:rPr sz="1400" b="1">
+                <a:solidFill>
+                  <a:srgbClr val="FFC0CB"/>
+                </a:solidFill>
+                <a:latin typeface="Arial"/>
+              </a:rPr>
+              <a:t>Risk Factors &amp; Mitigants</a:t>
+            </a:r>
+          </a:p>
+        </p:txBody>
+      </p:sp>
+      <p:sp>
+        <p:nvSpPr>
+          <p:cNvPr id="6" name="TextBox 5"/>
+          <p:cNvSpPr txBox="1"/>
+          <p:nvPr/>
+        </p:nvSpPr>
+        <p:spPr>
+          <a:xfrm>
+            <a:off x="6400800" y="1371600"/>
+            <a:ext cx="5303520" cy="274320"/>
+          </a:xfrm>
+          <a:prstGeom prst="rect">
+            <a:avLst/>
+          </a:prstGeom>
+          <a:noFill/>
+          <a:ln>
+            <a:noFill/>
+          </a:ln>
+          <a:effectLst/>
+        </p:spPr>
+        <p:txBody>
+          <a:bodyPr wrap="square" lIns="73152" rIns="73152"/>
+          <a:lstStyle/>
+          <a:p>
+            <a:pPr algn="l">
+              <a:lnSpc>
+                <a:spcPct val="110000"/>
+              </a:lnSpc>
+            </a:pPr>
+            <a:r>
+              <a:rPr sz="1400" b="1">
+                <a:solidFill>
+                  <a:srgbClr val="FFC0CB"/>
+                </a:solidFill>
+                <a:latin typeface="Arial"/>
+              </a:rPr>
+              <a:t>Investment Highlights</a:t>
+            </a:r>
+          </a:p>
+        </p:txBody>
+      </p:sp>
+      <p:sp>
+        <p:nvSpPr>
+          <p:cNvPr id="7" name="TextBox 6"/>
+          <p:cNvSpPr txBox="1"/>
+          <p:nvPr/>
+        </p:nvSpPr>
+        <p:spPr>
+          <a:xfrm>
+            <a:off x="6400800" y="3657600"/>
+            <a:ext cx="5303520" cy="274320"/>
+          </a:xfrm>
+          <a:prstGeom prst="rect">
+            <a:avLst/>
+          </a:prstGeom>
+          <a:noFill/>
+          <a:ln>
+            <a:noFill/>
+          </a:ln>
+          <a:effectLst/>
+        </p:spPr>
+        <p:txBody>
+          <a:bodyPr wrap="square" lIns="73152" rIns="73152"/>
+          <a:lstStyle/>
+          <a:p>
+            <a:pPr algn="l">
+              <a:lnSpc>
+                <a:spcPct val="110000"/>
+              </a:lnSpc>
+            </a:pPr>
+            <a:r>
+              <a:rPr sz="1400" b="1">
+                <a:solidFill>
+                  <a:srgbClr val="FFC0CB"/>
+                </a:solidFill>
+                <a:latin typeface="Arial"/>
+              </a:rPr>
+              <a:t>Process Next Steps</a:t>
+            </a:r>
+          </a:p>
+        </p:txBody>
+      </p:sp>
+      <p:sp>
+        <p:nvSpPr>
+          <p:cNvPr id="8" name="TextBox 7"/>
+          <p:cNvSpPr txBox="1"/>
+          <p:nvPr/>
+        </p:nvSpPr>
+        <p:spPr>
+          <a:xfrm>
+            <a:off x="457200" y="6309360"/>
+            <a:ext cx="5486400" cy="365760"/>
+          </a:xfrm>
+          <a:prstGeom prst="rect">
+            <a:avLst/>
+          </a:prstGeom>
+          <a:noFill/>
+        </p:spPr>
+        <p:txBody>
+          <a:bodyPr wrap="none" anchor="ctr">
+            <a:spAutoFit/>
+          </a:bodyPr>
+          <a:lstStyle/>
+          <a:p>
+            <a:pPr algn="l">
+              <a:defRPr sz="800">
+                <a:solidFill>
+                  <a:srgbClr val="808080"/>
+                </a:solidFill>
+                <a:latin typeface="Arial"/>
+              </a:defRPr>
+            </a:pPr>
+            <a:r>
+              <a:t>Confidential | September 11, 2025</a:t>
+            </a:r>
+          </a:p>
+        </p:txBody>
+      </p:sp>
+      <p:sp>
+        <p:nvSpPr>
+          <p:cNvPr id="9" name="TextBox 8"/>
+          <p:cNvSpPr txBox="1"/>
+          <p:nvPr/>
+        </p:nvSpPr>
+        <p:spPr>
+          <a:xfrm>
+            <a:off x="9144000" y="6309360"/>
+            <a:ext cx="2743200" cy="365760"/>
+          </a:xfrm>
+          <a:prstGeom prst="rect">
+            <a:avLst/>
+          </a:prstGeom>
+          <a:noFill/>
+        </p:spPr>
+        <p:txBody>
+          <a:bodyPr wrap="none" anchor="ctr">
+            <a:spAutoFit/>
+          </a:bodyPr>
+          <a:lstStyle/>
+          <a:p>
+            <a:pPr algn="r">
+              <a:defRPr sz="800">
+                <a:solidFill>
+                  <a:srgbClr val="808080"/>
+                </a:solidFill>
+                <a:latin typeface="Arial"/>
+              </a:defRPr>
+            </a:pPr>
+            <a:r>
+              <a:t>Sephora</a:t>
+            </a:r>
+          </a:p>
+        </p:txBody>
+      </p:sp>
+    </p:spTree>
+  </p:cSld>
+  <p:clrMapOvr>
+    <a:masterClrMapping/>
+  </p:clrMapOvr>
+</p:sld>
+</file>
+
+<file path=ppt/slides/slide2.xml><?xml version="1.0" encoding="utf-8"?>
+<p:sld xmlns:a="http://schemas.openxmlformats.org/drawingml/2006/main" xmlns:p="http://schemas.openxmlformats.org/presentationml/2006/main" xmlns:r="http://schemas.openxmlformats.org/officeDocument/2006/relationships">
+  <p:cSld>
+    <p:bg>
+      <p:bgPr>
+        <a:solidFill>
+          <a:srgbClr val="FFFFFF"/>
+        </a:solidFill>
+        <a:effectLst/>
+      </p:bgPr>
+    </p:bg>
+    <p:spTree>
+      <p:nvGrpSpPr>
+        <p:cNvPr id="1" name=""/>
+        <p:cNvGrpSpPr/>
+        <p:nvPr/>
+      </p:nvGrpSpPr>
+      <p:grpSpPr/>
+      <p:sp>
+        <p:nvSpPr>
+          <p:cNvPr id="2" name="TextBox 1"/>
+          <p:cNvSpPr txBox="1"/>
+          <p:nvPr/>
+        </p:nvSpPr>
+        <p:spPr>
+          <a:xfrm>
+            <a:off x="457200" y="274320"/>
+            <a:ext cx="11277295" cy="731520"/>
+          </a:xfrm>
+          <a:prstGeom prst="rect">
+            <a:avLst/>
+          </a:prstGeom>
+          <a:noFill/>
+        </p:spPr>
+        <p:txBody>
+          <a:bodyPr wrap="none" lIns="0" tIns="0" rIns="0" bIns="0">
             <a:spAutoFit/>
           </a:bodyPr>
           <a:lstStyle/>
           <a:p>
             <a:pPr algn="l"/>
             <a:r>
-              <a:rPr sz="900" b="0">
-                <a:solidFill>
-                  <a:srgbClr val="404040"/>
+              <a:rPr sz="2400" b="1">
+                <a:solidFill>
+                  <a:srgbClr val="FFC0CB"/>
                 </a:solidFill>
                 <a:latin typeface="Arial"/>
               </a:rPr>
-              <a:t>Whole Cakes &amp; Celebration Products: Custom orders and special occasions</a:t>
-            </a:r>
-          </a:p>
-        </p:txBody>
-      </p:sp>
-      <p:sp>
-        <p:nvSpPr>
-          <p:cNvPr id="34" name="Oval 33"/>
+              <a:t>Product &amp; Service Footprint</a:t>
+            </a:r>
+          </a:p>
+        </p:txBody>
+      </p:sp>
+      <p:sp>
+        <p:nvSpPr>
+          <p:cNvPr id="3" name="Rectangle 2"/>
           <p:cNvSpPr/>
           <p:nvPr/>
         </p:nvSpPr>
         <p:spPr>
           <a:xfrm>
-            <a:off x="822960" y="4096512"/>
-            <a:ext cx="36576" cy="36576"/>
-          </a:xfrm>
-          <a:prstGeom prst="ellipse">
+            <a:off x="457200" y="914400"/>
+            <a:ext cx="11277295" cy="45720"/>
+          </a:xfrm>
+          <a:prstGeom prst="rect">
             <a:avLst/>
           </a:prstGeom>
           <a:solidFill>
-            <a:srgbClr val="B5975B"/>
+            <a:srgbClr val="FFC0CB"/>
           </a:solidFill>
           <a:ln>
             <a:noFill/>
@@ -4450,14 +6333,14 @@
       </p:sp>
       <p:sp>
         <p:nvSpPr>
-          <p:cNvPr id="35" name="TextBox 34"/>
-          <p:cNvSpPr txBox="1"/>
-          <p:nvPr/>
-        </p:nvSpPr>
-        <p:spPr>
-          <a:xfrm>
-            <a:off x="932688" y="4023360"/>
-            <a:ext cx="3200400" cy="411480"/>
+          <p:cNvPr id="4" name="TextBox 3"/>
+          <p:cNvSpPr txBox="1"/>
+          <p:nvPr/>
+        </p:nvSpPr>
+        <p:spPr>
+          <a:xfrm>
+            <a:off x="6583680" y="1280160"/>
+            <a:ext cx="5029200" cy="274320"/>
           </a:xfrm>
           <a:prstGeom prst="rect">
             <a:avLst/>
@@ -4474,35 +6357,244 @@
           </a:bodyPr>
           <a:lstStyle/>
           <a:p>
-            <a:pPr algn="l"/>
-            <a:r>
-              <a:rPr sz="900" b="0">
-                <a:solidFill>
-                  <a:srgbClr val="404040"/>
+            <a:pPr algn="ctr"/>
+            <a:r>
+              <a:rPr sz="1400" b="1">
+                <a:solidFill>
+                  <a:srgbClr val="FFC0CB"/>
                 </a:solidFill>
                 <a:latin typeface="Arial"/>
               </a:rPr>
-              <a:t>Fresh Food &amp; Light Meals: Sandwiches, salads, and ready-to-eat items</a:t>
-            </a:r>
-          </a:p>
-        </p:txBody>
-      </p:sp>
-      <p:sp>
-        <p:nvSpPr>
-          <p:cNvPr id="36" name="Oval 35"/>
+              <a:t>Product &amp; Service Market Coverage</a:t>
+            </a:r>
+          </a:p>
+        </p:txBody>
+      </p:sp>
+      <p:graphicFrame>
+        <p:nvGraphicFramePr>
+          <p:cNvPr id="5" name="Table 4"/>
+          <p:cNvGraphicFramePr>
+            <a:graphicFrameLocks noGrp="1"/>
+          </p:cNvGraphicFramePr>
+          <p:nvPr/>
+        </p:nvGraphicFramePr>
+        <p:xfrm>
+          <a:off x="6583680" y="1645920"/>
+          <a:ext cx="1828800" cy="2560320"/>
+        </p:xfrm>
+        <a:graphic>
+          <a:graphicData uri="http://schemas.openxmlformats.org/drawingml/2006/table">
+            <a:tbl>
+              <a:tblPr firstRow="1" bandRow="1">
+                <a:tableStyleId>{5C22544A-7EE6-4342-B048-85BDC9FD1C3A}</a:tableStyleId>
+              </a:tblPr>
+              <a:tblGrid>
+                <a:gridCol w="1097280"/>
+                <a:gridCol w="731520"/>
+              </a:tblGrid>
+              <a:tr h="853440">
+                <a:tc>
+                  <a:txBody>
+                    <a:bodyPr/>
+                    <a:lstStyle/>
+                    <a:p>
+                      <a:pPr algn="ctr"/>
+                      <a:r>
+                        <a:rPr sz="900" b="1">
+                          <a:solidFill>
+                            <a:srgbClr val="FFFFFF"/>
+                          </a:solidFill>
+                          <a:latin typeface="Arial"/>
+                        </a:rPr>
+                        <a:t>Region</a:t>
+                      </a:r>
+                    </a:p>
+                  </a:txBody>
+                  <a:tcPr marL="45720" marR="45720" marT="45720" marB="45720">
+                    <a:solidFill>
+                      <a:srgbClr val="FFC0CB"/>
+                    </a:solidFill>
+                  </a:tcPr>
+                </a:tc>
+                <a:tc>
+                  <a:txBody>
+                    <a:bodyPr/>
+                    <a:lstStyle/>
+                    <a:p>
+                      <a:pPr algn="ctr"/>
+                      <a:r>
+                        <a:rPr sz="900" b="1">
+                          <a:solidFill>
+                            <a:srgbClr val="FFFFFF"/>
+                          </a:solidFill>
+                          <a:latin typeface="Arial"/>
+                        </a:rPr>
+                        <a:t>Status</a:t>
+                      </a:r>
+                    </a:p>
+                  </a:txBody>
+                  <a:tcPr marL="45720" marR="45720" marT="45720" marB="45720">
+                    <a:solidFill>
+                      <a:srgbClr val="FFC0CB"/>
+                    </a:solidFill>
+                  </a:tcPr>
+                </a:tc>
+              </a:tr>
+              <a:tr h="853440">
+                <a:tc>
+                  <a:txBody>
+                    <a:bodyPr/>
+                    <a:lstStyle/>
+                    <a:p>
+                      <a:pPr algn="ctr"/>
+                      <a:r>
+                        <a:rPr sz="900">
+                          <a:solidFill>
+                            <a:srgbClr val="404040"/>
+                          </a:solidFill>
+                          <a:latin typeface="Arial"/>
+                        </a:rPr>
+                        <a:t>No data</a:t>
+                      </a:r>
+                    </a:p>
+                  </a:txBody>
+                  <a:tcPr marL="45720" marR="45720" marT="45720" marB="45720">
+                    <a:solidFill>
+                      <a:srgbClr val="FFFFFF"/>
+                    </a:solidFill>
+                  </a:tcPr>
+                </a:tc>
+                <a:tc>
+                  <a:txBody>
+                    <a:bodyPr/>
+                    <a:lstStyle/>
+                    <a:p>
+                      <a:pPr algn="ctr"/>
+                      <a:r>
+                        <a:rPr sz="900">
+                          <a:solidFill>
+                            <a:srgbClr val="404040"/>
+                          </a:solidFill>
+                          <a:latin typeface="Arial"/>
+                        </a:rPr>
+                        <a:t>Please provide</a:t>
+                      </a:r>
+                    </a:p>
+                  </a:txBody>
+                  <a:tcPr marL="45720" marR="45720" marT="45720" marB="45720">
+                    <a:solidFill>
+                      <a:srgbClr val="FFFFFF"/>
+                    </a:solidFill>
+                  </a:tcPr>
+                </a:tc>
+              </a:tr>
+              <a:tr h="853440">
+                <a:tc>
+                  <a:txBody>
+                    <a:bodyPr/>
+                    <a:lstStyle/>
+                    <a:p>
+                      <a:pPr algn="ctr"/>
+                      <a:r>
+                        <a:rPr sz="900">
+                          <a:solidFill>
+                            <a:srgbClr val="404040"/>
+                          </a:solidFill>
+                          <a:latin typeface="Arial"/>
+                        </a:rPr>
+                        <a:t>coverage_table</a:t>
+                      </a:r>
+                    </a:p>
+                  </a:txBody>
+                  <a:tcPr marL="45720" marR="45720" marT="45720" marB="45720">
+                    <a:solidFill>
+                      <a:srgbClr val="F0F0F0"/>
+                    </a:solidFill>
+                  </a:tcPr>
+                </a:tc>
+                <a:tc>
+                  <a:txBody>
+                    <a:bodyPr/>
+                    <a:lstStyle/>
+                    <a:p>
+                      <a:pPr algn="ctr"/>
+                      <a:r>
+                        <a:rPr sz="900">
+                          <a:solidFill>
+                            <a:srgbClr val="404040"/>
+                          </a:solidFill>
+                          <a:latin typeface="Arial"/>
+                        </a:rPr>
+                        <a:t>in JSON data</a:t>
+                      </a:r>
+                    </a:p>
+                  </a:txBody>
+                  <a:tcPr marL="45720" marR="45720" marT="45720" marB="45720">
+                    <a:solidFill>
+                      <a:srgbClr val="F0F0F0"/>
+                    </a:solidFill>
+                  </a:tcPr>
+                </a:tc>
+              </a:tr>
+            </a:tbl>
+          </a:graphicData>
+        </a:graphic>
+      </p:graphicFrame>
+      <p:sp>
+        <p:nvSpPr>
+          <p:cNvPr id="6" name="TextBox 5"/>
+          <p:cNvSpPr txBox="1"/>
+          <p:nvPr/>
+        </p:nvSpPr>
+        <p:spPr>
+          <a:xfrm>
+            <a:off x="6583680" y="4389120"/>
+            <a:ext cx="5029200" cy="274320"/>
+          </a:xfrm>
+          <a:prstGeom prst="rect">
+            <a:avLst/>
+          </a:prstGeom>
+          <a:noFill/>
+          <a:ln>
+            <a:noFill/>
+          </a:ln>
+          <a:effectLst/>
+        </p:spPr>
+        <p:txBody>
+          <a:bodyPr wrap="square">
+            <a:spAutoFit/>
+          </a:bodyPr>
+          <a:lstStyle/>
+          <a:p>
+            <a:pPr algn="ctr"/>
+            <a:r>
+              <a:rPr sz="1400" b="1">
+                <a:solidFill>
+                  <a:srgbClr val="FFC0CB"/>
+                </a:solidFill>
+                <a:latin typeface="Arial"/>
+              </a:rPr>
+              <a:t>Key Operational Metrics</a:t>
+            </a:r>
+          </a:p>
+        </p:txBody>
+      </p:sp>
+      <p:sp>
+        <p:nvSpPr>
+          <p:cNvPr id="7" name="Rectangle 6"/>
           <p:cNvSpPr/>
           <p:nvPr/>
         </p:nvSpPr>
         <p:spPr>
           <a:xfrm>
-            <a:off x="822960" y="4553712"/>
-            <a:ext cx="36576" cy="36576"/>
-          </a:xfrm>
-          <a:prstGeom prst="ellipse">
+            <a:off x="6583680" y="4663440"/>
+            <a:ext cx="5029200" cy="1828800"/>
+          </a:xfrm>
+          <a:prstGeom prst="rect">
             <a:avLst/>
           </a:prstGeom>
           <a:solidFill>
-            <a:srgbClr val="B5975B"/>
+            <a:srgbClr val="F0F0F0"/>
           </a:solidFill>
           <a:ln>
             <a:noFill/>
@@ -4532,14 +6624,14 @@
       </p:sp>
       <p:sp>
         <p:nvSpPr>
-          <p:cNvPr id="37" name="TextBox 36"/>
-          <p:cNvSpPr txBox="1"/>
-          <p:nvPr/>
-        </p:nvSpPr>
-        <p:spPr>
-          <a:xfrm>
-            <a:off x="932688" y="4480560"/>
-            <a:ext cx="3200400" cy="411480"/>
+          <p:cNvPr id="8" name="TextBox 7"/>
+          <p:cNvSpPr txBox="1"/>
+          <p:nvPr/>
+        </p:nvSpPr>
+        <p:spPr>
+          <a:xfrm>
+            <a:off x="6858000" y="5394960"/>
+            <a:ext cx="4480560" cy="365760"/>
           </a:xfrm>
           <a:prstGeom prst="rect">
             <a:avLst/>
@@ -4556,35 +6648,168 @@
           </a:bodyPr>
           <a:lstStyle/>
           <a:p>
+            <a:pPr algn="ctr"/>
+            <a:r>
+              <a:rPr sz="1200" b="0">
+                <a:solidFill>
+                  <a:srgbClr val="404040"/>
+                </a:solidFill>
+                <a:latin typeface="Arial"/>
+              </a:rPr>
+              <a:t>Key operational metrics will be displayed here when data is available.</a:t>
+            </a:r>
+          </a:p>
+        </p:txBody>
+      </p:sp>
+      <p:sp>
+        <p:nvSpPr>
+          <p:cNvPr id="9" name="TextBox 8"/>
+          <p:cNvSpPr txBox="1"/>
+          <p:nvPr/>
+        </p:nvSpPr>
+        <p:spPr>
+          <a:xfrm>
+            <a:off x="731520" y="6400800"/>
+            <a:ext cx="5486400" cy="365760"/>
+          </a:xfrm>
+          <a:prstGeom prst="rect">
+            <a:avLst/>
+          </a:prstGeom>
+          <a:noFill/>
+        </p:spPr>
+        <p:txBody>
+          <a:bodyPr wrap="none" anchor="ctr">
+            <a:spAutoFit/>
+          </a:bodyPr>
+          <a:lstStyle/>
+          <a:p>
+            <a:pPr algn="l">
+              <a:defRPr sz="800">
+                <a:solidFill>
+                  <a:srgbClr val="808080"/>
+                </a:solidFill>
+                <a:latin typeface="Arial"/>
+              </a:defRPr>
+            </a:pPr>
+            <a:r>
+              <a:t>Confidential | September 11, 2025</a:t>
+            </a:r>
+          </a:p>
+        </p:txBody>
+      </p:sp>
+      <p:sp>
+        <p:nvSpPr>
+          <p:cNvPr id="10" name="TextBox 9"/>
+          <p:cNvSpPr txBox="1"/>
+          <p:nvPr/>
+        </p:nvSpPr>
+        <p:spPr>
+          <a:xfrm>
+            <a:off x="8686800" y="6400800"/>
+            <a:ext cx="3200400" cy="365760"/>
+          </a:xfrm>
+          <a:prstGeom prst="rect">
+            <a:avLst/>
+          </a:prstGeom>
+          <a:noFill/>
+        </p:spPr>
+        <p:txBody>
+          <a:bodyPr wrap="none" anchor="ctr">
+            <a:spAutoFit/>
+          </a:bodyPr>
+          <a:lstStyle/>
+          <a:p>
+            <a:pPr algn="r">
+              <a:defRPr sz="800">
+                <a:solidFill>
+                  <a:srgbClr val="808080"/>
+                </a:solidFill>
+                <a:latin typeface="Arial"/>
+              </a:defRPr>
+            </a:pPr>
+            <a:r>
+              <a:t>Sephora</a:t>
+            </a:r>
+          </a:p>
+        </p:txBody>
+      </p:sp>
+    </p:spTree>
+  </p:cSld>
+  <p:clrMapOvr>
+    <a:masterClrMapping/>
+  </p:clrMapOvr>
+</p:sld>
+</file>
+
+<file path=ppt/slides/slide3.xml><?xml version="1.0" encoding="utf-8"?>
+<p:sld xmlns:a="http://schemas.openxmlformats.org/drawingml/2006/main" xmlns:p="http://schemas.openxmlformats.org/presentationml/2006/main" xmlns:r="http://schemas.openxmlformats.org/officeDocument/2006/relationships">
+  <p:cSld>
+    <p:bg>
+      <p:bgPr>
+        <a:solidFill>
+          <a:srgbClr val="FFFFFF"/>
+        </a:solidFill>
+        <a:effectLst/>
+      </p:bgPr>
+    </p:bg>
+    <p:spTree>
+      <p:nvGrpSpPr>
+        <p:cNvPr id="1" name=""/>
+        <p:cNvGrpSpPr/>
+        <p:nvPr/>
+      </p:nvGrpSpPr>
+      <p:grpSpPr/>
+      <p:sp>
+        <p:nvSpPr>
+          <p:cNvPr id="2" name="TextBox 1"/>
+          <p:cNvSpPr txBox="1"/>
+          <p:nvPr/>
+        </p:nvSpPr>
+        <p:spPr>
+          <a:xfrm>
+            <a:off x="457200" y="274320"/>
+            <a:ext cx="11277295" cy="731520"/>
+          </a:xfrm>
+          <a:prstGeom prst="rect">
+            <a:avLst/>
+          </a:prstGeom>
+          <a:noFill/>
+        </p:spPr>
+        <p:txBody>
+          <a:bodyPr wrap="none" lIns="0" tIns="0" rIns="0" bIns="0">
+            <a:spAutoFit/>
+          </a:bodyPr>
+          <a:lstStyle/>
+          <a:p>
             <a:pPr algn="l"/>
             <a:r>
-              <a:rPr sz="900" b="0">
-                <a:solidFill>
-                  <a:srgbClr val="404040"/>
+              <a:rPr sz="2400" b="1">
+                <a:solidFill>
+                  <a:srgbClr val="FFC0CB"/>
                 </a:solidFill>
                 <a:latin typeface="Arial"/>
               </a:rPr>
-              <a:t>Coffee &amp; Beverages: Premium coffee program and specialty drinks</a:t>
-            </a:r>
-          </a:p>
-        </p:txBody>
-      </p:sp>
-      <p:sp>
-        <p:nvSpPr>
-          <p:cNvPr id="38" name="Oval 37"/>
+              <a:t>Historical Financial Performance</a:t>
+            </a:r>
+          </a:p>
+        </p:txBody>
+      </p:sp>
+      <p:sp>
+        <p:nvSpPr>
+          <p:cNvPr id="3" name="Rectangle 2"/>
           <p:cNvSpPr/>
           <p:nvPr/>
         </p:nvSpPr>
         <p:spPr>
           <a:xfrm>
-            <a:off x="3840480" y="3182112"/>
-            <a:ext cx="36576" cy="36576"/>
-          </a:xfrm>
-          <a:prstGeom prst="ellipse">
+            <a:off x="457200" y="914400"/>
+            <a:ext cx="11277295" cy="45720"/>
+          </a:xfrm>
+          <a:prstGeom prst="rect">
             <a:avLst/>
           </a:prstGeom>
           <a:solidFill>
-            <a:srgbClr val="B5975B"/>
+            <a:srgbClr val="FFC0CB"/>
           </a:solidFill>
           <a:ln>
             <a:noFill/>
@@ -4614,14 +6839,14 @@
       </p:sp>
       <p:sp>
         <p:nvSpPr>
-          <p:cNvPr id="39" name="TextBox 38"/>
-          <p:cNvSpPr txBox="1"/>
-          <p:nvPr/>
-        </p:nvSpPr>
-        <p:spPr>
-          <a:xfrm>
-            <a:off x="3950208" y="3108960"/>
-            <a:ext cx="3200400" cy="411480"/>
+          <p:cNvPr id="4" name="TextBox 3"/>
+          <p:cNvSpPr txBox="1"/>
+          <p:nvPr/>
+        </p:nvSpPr>
+        <p:spPr>
+          <a:xfrm>
+            <a:off x="914400" y="1188720"/>
+            <a:ext cx="10058400" cy="274320"/>
           </a:xfrm>
           <a:prstGeom prst="rect">
             <a:avLst/>
@@ -4638,39 +6863,97 @@
           </a:bodyPr>
           <a:lstStyle/>
           <a:p>
-            <a:pPr algn="l"/>
-            <a:r>
-              <a:rPr sz="900" b="0">
+            <a:pPr algn="ctr"/>
+            <a:r>
+              <a:rPr sz="1600" b="1">
+                <a:solidFill>
+                  <a:srgbClr val="FFC0CB"/>
+                </a:solidFill>
+                <a:latin typeface="Arial"/>
+              </a:rPr>
+              <a:t>Revenue &amp; EBITDA (2020-2024E)</a:t>
+            </a:r>
+          </a:p>
+        </p:txBody>
+      </p:sp>
+      <p:graphicFrame>
+        <p:nvGraphicFramePr>
+          <p:cNvPr id="5" name="Chart 4"/>
+          <p:cNvGraphicFramePr>
+            <a:graphicFrameLocks noGrp="1"/>
+          </p:cNvGraphicFramePr>
+          <p:nvPr/>
+        </p:nvGraphicFramePr>
+        <p:xfrm>
+          <a:off x="1828800" y="1554480"/>
+          <a:ext cx="8229600" cy="2103120"/>
+        </p:xfrm>
+        <a:graphic>
+          <a:graphicData uri="http://schemas.openxmlformats.org/drawingml/2006/chart">
+            <c:chart xmlns:c="http://schemas.openxmlformats.org/drawingml/2006/chart" r:id="rId2"/>
+          </a:graphicData>
+        </a:graphic>
+      </p:graphicFrame>
+      <p:sp>
+        <p:nvSpPr>
+          <p:cNvPr id="6" name="TextBox 5"/>
+          <p:cNvSpPr txBox="1"/>
+          <p:nvPr/>
+        </p:nvSpPr>
+        <p:spPr>
+          <a:xfrm>
+            <a:off x="1828800" y="3749039"/>
+            <a:ext cx="8229600" cy="182880"/>
+          </a:xfrm>
+          <a:prstGeom prst="rect">
+            <a:avLst/>
+          </a:prstGeom>
+          <a:noFill/>
+          <a:ln>
+            <a:noFill/>
+          </a:ln>
+          <a:effectLst/>
+        </p:spPr>
+        <p:txBody>
+          <a:bodyPr wrap="square">
+            <a:spAutoFit/>
+          </a:bodyPr>
+          <a:lstStyle/>
+          <a:p>
+            <a:pPr algn="ctr"/>
+            <a:r>
+              <a:rPr sz="800" b="0">
                 <a:solidFill>
                   <a:srgbClr val="404040"/>
                 </a:solidFill>
                 <a:latin typeface="Arial"/>
               </a:rPr>
-              <a:t>Corporate Catering: B2B institutional sales and corporate partnerships</a:t>
-            </a:r>
-          </a:p>
-        </p:txBody>
-      </p:sp>
-      <p:sp>
-        <p:nvSpPr>
-          <p:cNvPr id="40" name="Oval 39"/>
+              <a:t>*Historical figures represent estimated performance based on market trends.</a:t>
+            </a:r>
+          </a:p>
+        </p:txBody>
+      </p:sp>
+      <p:sp>
+        <p:nvSpPr>
+          <p:cNvPr id="7" name="Rectangle 6"/>
           <p:cNvSpPr/>
           <p:nvPr/>
         </p:nvSpPr>
         <p:spPr>
           <a:xfrm>
-            <a:off x="3840480" y="3639312"/>
-            <a:ext cx="36576" cy="36576"/>
-          </a:xfrm>
-          <a:prstGeom prst="ellipse">
+            <a:off x="694944" y="4023360"/>
+            <a:ext cx="2560320" cy="1005840"/>
+          </a:xfrm>
+          <a:prstGeom prst="rect">
             <a:avLst/>
           </a:prstGeom>
           <a:solidFill>
-            <a:srgbClr val="B5975B"/>
+            <a:srgbClr val="F0F0F0"/>
           </a:solidFill>
           <a:ln>
             <a:noFill/>
           </a:ln>
+          <a:effectLst/>
         </p:spPr>
         <p:style>
           <a:lnRef idx="1">
@@ -4696,14 +6979,14 @@
       </p:sp>
       <p:sp>
         <p:nvSpPr>
-          <p:cNvPr id="41" name="TextBox 40"/>
-          <p:cNvSpPr txBox="1"/>
-          <p:nvPr/>
-        </p:nvSpPr>
-        <p:spPr>
-          <a:xfrm>
-            <a:off x="3950208" y="3566160"/>
-            <a:ext cx="3200400" cy="411480"/>
+          <p:cNvPr id="8" name="TextBox 7"/>
+          <p:cNvSpPr txBox="1"/>
+          <p:nvPr/>
+        </p:nvSpPr>
+        <p:spPr>
+          <a:xfrm>
+            <a:off x="786384" y="4114800"/>
+            <a:ext cx="2377440" cy="182880"/>
           </a:xfrm>
           <a:prstGeom prst="rect">
             <a:avLst/>
@@ -4722,37 +7005,155 @@
           <a:p>
             <a:pPr algn="l"/>
             <a:r>
+              <a:rPr sz="1000" b="1">
+                <a:solidFill>
+                  <a:srgbClr val="404040"/>
+                </a:solidFill>
+                <a:latin typeface="Arial"/>
+              </a:rPr>
+              <a:t>Revenue CAGR</a:t>
+            </a:r>
+          </a:p>
+        </p:txBody>
+      </p:sp>
+      <p:sp>
+        <p:nvSpPr>
+          <p:cNvPr id="9" name="TextBox 8"/>
+          <p:cNvSpPr txBox="1"/>
+          <p:nvPr/>
+        </p:nvSpPr>
+        <p:spPr>
+          <a:xfrm>
+            <a:off x="786384" y="4297680"/>
+            <a:ext cx="2377440" cy="228600"/>
+          </a:xfrm>
+          <a:prstGeom prst="rect">
+            <a:avLst/>
+          </a:prstGeom>
+          <a:noFill/>
+          <a:ln>
+            <a:noFill/>
+          </a:ln>
+          <a:effectLst/>
+        </p:spPr>
+        <p:txBody>
+          <a:bodyPr wrap="square">
+            <a:spAutoFit/>
+          </a:bodyPr>
+          <a:lstStyle/>
+          <a:p>
+            <a:pPr algn="l"/>
+            <a:r>
+              <a:rPr sz="1800" b="1">
+                <a:solidFill>
+                  <a:srgbClr val="FFC0CB"/>
+                </a:solidFill>
+                <a:latin typeface="Arial"/>
+              </a:rPr>
+              <a:t>120%</a:t>
+            </a:r>
+          </a:p>
+        </p:txBody>
+      </p:sp>
+      <p:sp>
+        <p:nvSpPr>
+          <p:cNvPr id="10" name="TextBox 9"/>
+          <p:cNvSpPr txBox="1"/>
+          <p:nvPr/>
+        </p:nvSpPr>
+        <p:spPr>
+          <a:xfrm>
+            <a:off x="786384" y="4526280"/>
+            <a:ext cx="2377440" cy="137160"/>
+          </a:xfrm>
+          <a:prstGeom prst="rect">
+            <a:avLst/>
+          </a:prstGeom>
+          <a:noFill/>
+          <a:ln>
+            <a:noFill/>
+          </a:ln>
+          <a:effectLst/>
+        </p:spPr>
+        <p:txBody>
+          <a:bodyPr wrap="square">
+            <a:spAutoFit/>
+          </a:bodyPr>
+          <a:lstStyle/>
+          <a:p>
+            <a:pPr algn="l"/>
+            <a:r>
               <a:rPr sz="900" b="0">
                 <a:solidFill>
                   <a:srgbClr val="404040"/>
                 </a:solidFill>
                 <a:latin typeface="Arial"/>
               </a:rPr>
-              <a:t>Retail Merchandise: Branded items and gift products</a:t>
-            </a:r>
-          </a:p>
-        </p:txBody>
-      </p:sp>
-      <p:sp>
-        <p:nvSpPr>
-          <p:cNvPr id="42" name="Oval 41"/>
+              <a:t>(2020-2024E)</a:t>
+            </a:r>
+          </a:p>
+        </p:txBody>
+      </p:sp>
+      <p:sp>
+        <p:nvSpPr>
+          <p:cNvPr id="11" name="TextBox 10"/>
+          <p:cNvSpPr txBox="1"/>
+          <p:nvPr/>
+        </p:nvSpPr>
+        <p:spPr>
+          <a:xfrm>
+            <a:off x="786384" y="4709160"/>
+            <a:ext cx="2377440" cy="228600"/>
+          </a:xfrm>
+          <a:prstGeom prst="rect">
+            <a:avLst/>
+          </a:prstGeom>
+          <a:noFill/>
+          <a:ln>
+            <a:noFill/>
+          </a:ln>
+          <a:effectLst/>
+        </p:spPr>
+        <p:txBody>
+          <a:bodyPr wrap="square">
+            <a:spAutoFit/>
+          </a:bodyPr>
+          <a:lstStyle/>
+          <a:p>
+            <a:pPr algn="l"/>
+            <a:r>
+              <a:rPr sz="800" b="0">
+                <a:solidFill>
+                  <a:srgbClr val="228B22"/>
+                </a:solidFill>
+                <a:latin typeface="Arial"/>
+              </a:rPr>
+              <a:t>Exceptional growth trajectory</a:t>
+            </a:r>
+          </a:p>
+        </p:txBody>
+      </p:sp>
+      <p:sp>
+        <p:nvSpPr>
+          <p:cNvPr id="12" name="Rectangle 11"/>
           <p:cNvSpPr/>
           <p:nvPr/>
         </p:nvSpPr>
         <p:spPr>
           <a:xfrm>
-            <a:off x="3840480" y="4096512"/>
-            <a:ext cx="36576" cy="36576"/>
-          </a:xfrm>
-          <a:prstGeom prst="ellipse">
+            <a:off x="3493008" y="4023360"/>
+            <a:ext cx="2560320" cy="1005840"/>
+          </a:xfrm>
+          <a:prstGeom prst="rect">
             <a:avLst/>
           </a:prstGeom>
           <a:solidFill>
-            <a:srgbClr val="B5975B"/>
+            <a:srgbClr val="F0F0F0"/>
           </a:solidFill>
           <a:ln>
             <a:noFill/>
           </a:ln>
+          <a:effectLst/>
         </p:spPr>
         <p:style>
           <a:lnRef idx="1">
@@ -4778,14 +7179,14 @@
       </p:sp>
       <p:sp>
         <p:nvSpPr>
-          <p:cNvPr id="43" name="TextBox 42"/>
-          <p:cNvSpPr txBox="1"/>
-          <p:nvPr/>
-        </p:nvSpPr>
-        <p:spPr>
-          <a:xfrm>
-            <a:off x="3950208" y="4023360"/>
-            <a:ext cx="3200400" cy="411480"/>
+          <p:cNvPr id="13" name="TextBox 12"/>
+          <p:cNvSpPr txBox="1"/>
+          <p:nvPr/>
+        </p:nvSpPr>
+        <p:spPr>
+          <a:xfrm>
+            <a:off x="3584448" y="4114800"/>
+            <a:ext cx="2377440" cy="182880"/>
           </a:xfrm>
           <a:prstGeom prst="rect">
             <a:avLst/>
@@ -4804,37 +7205,155 @@
           <a:p>
             <a:pPr algn="l"/>
             <a:r>
+              <a:rPr sz="1000" b="1">
+                <a:solidFill>
+                  <a:srgbClr val="404040"/>
+                </a:solidFill>
+                <a:latin typeface="Arial"/>
+              </a:rPr>
+              <a:t>Current ARR</a:t>
+            </a:r>
+          </a:p>
+        </p:txBody>
+      </p:sp>
+      <p:sp>
+        <p:nvSpPr>
+          <p:cNvPr id="14" name="TextBox 13"/>
+          <p:cNvSpPr txBox="1"/>
+          <p:nvPr/>
+        </p:nvSpPr>
+        <p:spPr>
+          <a:xfrm>
+            <a:off x="3584448" y="4297680"/>
+            <a:ext cx="2377440" cy="228600"/>
+          </a:xfrm>
+          <a:prstGeom prst="rect">
+            <a:avLst/>
+          </a:prstGeom>
+          <a:noFill/>
+          <a:ln>
+            <a:noFill/>
+          </a:ln>
+          <a:effectLst/>
+        </p:spPr>
+        <p:txBody>
+          <a:bodyPr wrap="square">
+            <a:spAutoFit/>
+          </a:bodyPr>
+          <a:lstStyle/>
+          <a:p>
+            <a:pPr algn="l"/>
+            <a:r>
+              <a:rPr sz="1800" b="1">
+                <a:solidFill>
+                  <a:srgbClr val="FFC0CB"/>
+                </a:solidFill>
+                <a:latin typeface="Arial"/>
+              </a:rPr>
+              <a:t>$9000.0M</a:t>
+            </a:r>
+          </a:p>
+        </p:txBody>
+      </p:sp>
+      <p:sp>
+        <p:nvSpPr>
+          <p:cNvPr id="15" name="TextBox 14"/>
+          <p:cNvSpPr txBox="1"/>
+          <p:nvPr/>
+        </p:nvSpPr>
+        <p:spPr>
+          <a:xfrm>
+            <a:off x="3584448" y="4526280"/>
+            <a:ext cx="2377440" cy="137160"/>
+          </a:xfrm>
+          <a:prstGeom prst="rect">
+            <a:avLst/>
+          </a:prstGeom>
+          <a:noFill/>
+          <a:ln>
+            <a:noFill/>
+          </a:ln>
+          <a:effectLst/>
+        </p:spPr>
+        <p:txBody>
+          <a:bodyPr wrap="square">
+            <a:spAutoFit/>
+          </a:bodyPr>
+          <a:lstStyle/>
+          <a:p>
+            <a:pPr algn="l"/>
+            <a:r>
               <a:rPr sz="900" b="0">
                 <a:solidFill>
                   <a:srgbClr val="404040"/>
                 </a:solidFill>
                 <a:latin typeface="Arial"/>
               </a:rPr>
-              <a:t>Franchise Operations: Proven business model for expansion partners</a:t>
-            </a:r>
-          </a:p>
-        </p:txBody>
-      </p:sp>
-      <p:sp>
-        <p:nvSpPr>
-          <p:cNvPr id="44" name="Oval 43"/>
+              <a:t>(2024E)</a:t>
+            </a:r>
+          </a:p>
+        </p:txBody>
+      </p:sp>
+      <p:sp>
+        <p:nvSpPr>
+          <p:cNvPr id="16" name="TextBox 15"/>
+          <p:cNvSpPr txBox="1"/>
+          <p:nvPr/>
+        </p:nvSpPr>
+        <p:spPr>
+          <a:xfrm>
+            <a:off x="3584448" y="4709160"/>
+            <a:ext cx="2377440" cy="228600"/>
+          </a:xfrm>
+          <a:prstGeom prst="rect">
+            <a:avLst/>
+          </a:prstGeom>
+          <a:noFill/>
+          <a:ln>
+            <a:noFill/>
+          </a:ln>
+          <a:effectLst/>
+        </p:spPr>
+        <p:txBody>
+          <a:bodyPr wrap="square">
+            <a:spAutoFit/>
+          </a:bodyPr>
+          <a:lstStyle/>
+          <a:p>
+            <a:pPr algn="l"/>
+            <a:r>
+              <a:rPr sz="800" b="0">
+                <a:solidFill>
+                  <a:srgbClr val="228B22"/>
+                </a:solidFill>
+                <a:latin typeface="Arial"/>
+              </a:rPr>
+              <a:t>Annualized revenue run-rate</a:t>
+            </a:r>
+          </a:p>
+        </p:txBody>
+      </p:sp>
+      <p:sp>
+        <p:nvSpPr>
+          <p:cNvPr id="17" name="Rectangle 16"/>
           <p:cNvSpPr/>
           <p:nvPr/>
         </p:nvSpPr>
         <p:spPr>
           <a:xfrm>
-            <a:off x="3840480" y="4553712"/>
-            <a:ext cx="36576" cy="36576"/>
-          </a:xfrm>
-          <a:prstGeom prst="ellipse">
+            <a:off x="6291072" y="4023360"/>
+            <a:ext cx="2560320" cy="1005840"/>
+          </a:xfrm>
+          <a:prstGeom prst="rect">
             <a:avLst/>
           </a:prstGeom>
           <a:solidFill>
-            <a:srgbClr val="B5975B"/>
+            <a:srgbClr val="F0F0F0"/>
           </a:solidFill>
           <a:ln>
             <a:noFill/>
           </a:ln>
+          <a:effectLst/>
         </p:spPr>
         <p:style>
           <a:lnRef idx="1">
@@ -4860,14 +7379,14 @@
       </p:sp>
       <p:sp>
         <p:nvSpPr>
-          <p:cNvPr id="45" name="TextBox 44"/>
-          <p:cNvSpPr txBox="1"/>
-          <p:nvPr/>
-        </p:nvSpPr>
-        <p:spPr>
-          <a:xfrm>
-            <a:off x="3950208" y="4480560"/>
-            <a:ext cx="3200400" cy="411480"/>
+          <p:cNvPr id="18" name="TextBox 17"/>
+          <p:cNvSpPr txBox="1"/>
+          <p:nvPr/>
+        </p:nvSpPr>
+        <p:spPr>
+          <a:xfrm>
+            <a:off x="6382512" y="4114800"/>
+            <a:ext cx="2377440" cy="182880"/>
           </a:xfrm>
           <a:prstGeom prst="rect">
             <a:avLst/>
@@ -4886,27 +7405,27 @@
           <a:p>
             <a:pPr algn="l"/>
             <a:r>
-              <a:rPr sz="900" b="0">
+              <a:rPr sz="1000" b="1">
                 <a:solidFill>
                   <a:srgbClr val="404040"/>
                 </a:solidFill>
                 <a:latin typeface="Arial"/>
               </a:rPr>
-              <a:t>Digital Ordering Platform: Online ordering and delivery capabilities</a:t>
-            </a:r>
-          </a:p>
-        </p:txBody>
-      </p:sp>
-      <p:sp>
-        <p:nvSpPr>
-          <p:cNvPr id="46" name="TextBox 45"/>
-          <p:cNvSpPr txBox="1"/>
-          <p:nvPr/>
-        </p:nvSpPr>
-        <p:spPr>
-          <a:xfrm>
-            <a:off x="731520" y="5303520"/>
-            <a:ext cx="6400800" cy="274320"/>
+              <a:t>EBITDA</a:t>
+            </a:r>
+          </a:p>
+        </p:txBody>
+      </p:sp>
+      <p:sp>
+        <p:nvSpPr>
+          <p:cNvPr id="19" name="TextBox 18"/>
+          <p:cNvSpPr txBox="1"/>
+          <p:nvPr/>
+        </p:nvSpPr>
+        <p:spPr>
+          <a:xfrm>
+            <a:off x="6382512" y="4297680"/>
+            <a:ext cx="2377440" cy="228600"/>
           </a:xfrm>
           <a:prstGeom prst="rect">
             <a:avLst/>
@@ -4925,27 +7444,27 @@
           <a:p>
             <a:pPr algn="l"/>
             <a:r>
-              <a:rPr sz="1200" b="1">
-                <a:solidFill>
-                  <a:srgbClr val="183A58"/>
+              <a:rPr sz="1800" b="1">
+                <a:solidFill>
+                  <a:srgbClr val="FFC0CB"/>
                 </a:solidFill>
                 <a:latin typeface="Arial"/>
               </a:rPr>
-              <a:t>Strategic Market Positioning</a:t>
-            </a:r>
-          </a:p>
-        </p:txBody>
-      </p:sp>
-      <p:sp>
-        <p:nvSpPr>
-          <p:cNvPr id="47" name="TextBox 46"/>
-          <p:cNvSpPr txBox="1"/>
-          <p:nvPr/>
-        </p:nvSpPr>
-        <p:spPr>
-          <a:xfrm>
-            <a:off x="731520" y="5577840"/>
-            <a:ext cx="6400800" cy="731520"/>
+              <a:t>$2890.0M</a:t>
+            </a:r>
+          </a:p>
+        </p:txBody>
+      </p:sp>
+      <p:sp>
+        <p:nvSpPr>
+          <p:cNvPr id="20" name="TextBox 19"/>
+          <p:cNvSpPr txBox="1"/>
+          <p:nvPr/>
+        </p:nvSpPr>
+        <p:spPr>
+          <a:xfrm>
+            <a:off x="6382512" y="4526280"/>
+            <a:ext cx="2377440" cy="137160"/>
           </a:xfrm>
           <a:prstGeom prst="rect">
             <a:avLst/>
@@ -4964,42 +7483,563 @@
           <a:p>
             <a:pPr algn="l"/>
             <a:r>
-              <a:rPr sz="1000" b="0">
+              <a:rPr sz="900" b="0">
                 <a:solidFill>
                   <a:srgbClr val="404040"/>
                 </a:solidFill>
                 <a:latin typeface="Arial"/>
               </a:rPr>
-              <a:t>Strategic market positioning not available. LLM must generate industry-specific positioning analysis.</a:t>
-            </a:r>
-          </a:p>
-        </p:txBody>
-      </p:sp>
-      <p:sp>
-        <p:nvSpPr>
-          <p:cNvPr id="48" name="TextBox 47"/>
-          <p:cNvSpPr txBox="1"/>
-          <p:nvPr/>
-        </p:nvSpPr>
-        <p:spPr>
-          <a:xfrm>
-            <a:off x="731520" y="6400800"/>
+              <a:t>(2024E)</a:t>
+            </a:r>
+          </a:p>
+        </p:txBody>
+      </p:sp>
+      <p:sp>
+        <p:nvSpPr>
+          <p:cNvPr id="21" name="TextBox 20"/>
+          <p:cNvSpPr txBox="1"/>
+          <p:nvPr/>
+        </p:nvSpPr>
+        <p:spPr>
+          <a:xfrm>
+            <a:off x="6382512" y="4709160"/>
+            <a:ext cx="2377440" cy="228600"/>
+          </a:xfrm>
+          <a:prstGeom prst="rect">
+            <a:avLst/>
+          </a:prstGeom>
+          <a:noFill/>
+          <a:ln>
+            <a:noFill/>
+          </a:ln>
+          <a:effectLst/>
+        </p:spPr>
+        <p:txBody>
+          <a:bodyPr wrap="square">
+            <a:spAutoFit/>
+          </a:bodyPr>
+          <a:lstStyle/>
+          <a:p>
+            <a:pPr algn="l"/>
+            <a:r>
+              <a:rPr sz="800" b="0">
+                <a:solidFill>
+                  <a:srgbClr val="228B22"/>
+                </a:solidFill>
+                <a:latin typeface="Arial"/>
+              </a:rPr>
+              <a:t>Path to profitability</a:t>
+            </a:r>
+          </a:p>
+        </p:txBody>
+      </p:sp>
+      <p:sp>
+        <p:nvSpPr>
+          <p:cNvPr id="22" name="Rectangle 21"/>
+          <p:cNvSpPr/>
+          <p:nvPr/>
+        </p:nvSpPr>
+        <p:spPr>
+          <a:xfrm>
+            <a:off x="9089136" y="4023360"/>
+            <a:ext cx="2560320" cy="1005840"/>
+          </a:xfrm>
+          <a:prstGeom prst="rect">
+            <a:avLst/>
+          </a:prstGeom>
+          <a:solidFill>
+            <a:srgbClr val="F0F0F0"/>
+          </a:solidFill>
+          <a:ln>
+            <a:noFill/>
+          </a:ln>
+          <a:effectLst/>
+        </p:spPr>
+        <p:style>
+          <a:lnRef idx="1">
+            <a:schemeClr val="accent1"/>
+          </a:lnRef>
+          <a:fillRef idx="3">
+            <a:schemeClr val="accent1"/>
+          </a:fillRef>
+          <a:effectRef idx="2">
+            <a:schemeClr val="accent1"/>
+          </a:effectRef>
+          <a:fontRef idx="minor">
+            <a:schemeClr val="lt1"/>
+          </a:fontRef>
+        </p:style>
+        <p:txBody>
+          <a:bodyPr rtlCol="0" anchor="ctr"/>
+          <a:lstStyle/>
+          <a:p>
+            <a:pPr algn="ctr"/>
+          </a:p>
+        </p:txBody>
+      </p:sp>
+      <p:sp>
+        <p:nvSpPr>
+          <p:cNvPr id="23" name="TextBox 22"/>
+          <p:cNvSpPr txBox="1"/>
+          <p:nvPr/>
+        </p:nvSpPr>
+        <p:spPr>
+          <a:xfrm>
+            <a:off x="9180576" y="4114800"/>
+            <a:ext cx="2377440" cy="182880"/>
+          </a:xfrm>
+          <a:prstGeom prst="rect">
+            <a:avLst/>
+          </a:prstGeom>
+          <a:noFill/>
+          <a:ln>
+            <a:noFill/>
+          </a:ln>
+          <a:effectLst/>
+        </p:spPr>
+        <p:txBody>
+          <a:bodyPr wrap="square">
+            <a:spAutoFit/>
+          </a:bodyPr>
+          <a:lstStyle/>
+          <a:p>
+            <a:pPr algn="l"/>
+            <a:r>
+              <a:rPr sz="1000" b="1">
+                <a:solidFill>
+                  <a:srgbClr val="404040"/>
+                </a:solidFill>
+                <a:latin typeface="Arial"/>
+              </a:rPr>
+              <a:t>Enterprise Clients</a:t>
+            </a:r>
+          </a:p>
+        </p:txBody>
+      </p:sp>
+      <p:sp>
+        <p:nvSpPr>
+          <p:cNvPr id="24" name="TextBox 23"/>
+          <p:cNvSpPr txBox="1"/>
+          <p:nvPr/>
+        </p:nvSpPr>
+        <p:spPr>
+          <a:xfrm>
+            <a:off x="9180576" y="4297680"/>
+            <a:ext cx="2377440" cy="228600"/>
+          </a:xfrm>
+          <a:prstGeom prst="rect">
+            <a:avLst/>
+          </a:prstGeom>
+          <a:noFill/>
+          <a:ln>
+            <a:noFill/>
+          </a:ln>
+          <a:effectLst/>
+        </p:spPr>
+        <p:txBody>
+          <a:bodyPr wrap="square">
+            <a:spAutoFit/>
+          </a:bodyPr>
+          <a:lstStyle/>
+          <a:p>
+            <a:pPr algn="l"/>
+            <a:r>
+              <a:rPr sz="1800" b="1">
+                <a:solidFill>
+                  <a:srgbClr val="FFC0CB"/>
+                </a:solidFill>
+                <a:latin typeface="Arial"/>
+              </a:rPr>
+              <a:t>300+</a:t>
+            </a:r>
+          </a:p>
+        </p:txBody>
+      </p:sp>
+      <p:sp>
+        <p:nvSpPr>
+          <p:cNvPr id="25" name="TextBox 24"/>
+          <p:cNvSpPr txBox="1"/>
+          <p:nvPr/>
+        </p:nvSpPr>
+        <p:spPr>
+          <a:xfrm>
+            <a:off x="9180576" y="4526280"/>
+            <a:ext cx="2377440" cy="137160"/>
+          </a:xfrm>
+          <a:prstGeom prst="rect">
+            <a:avLst/>
+          </a:prstGeom>
+          <a:noFill/>
+          <a:ln>
+            <a:noFill/>
+          </a:ln>
+          <a:effectLst/>
+        </p:spPr>
+        <p:txBody>
+          <a:bodyPr wrap="square">
+            <a:spAutoFit/>
+          </a:bodyPr>
+          <a:lstStyle/>
+          <a:p>
+            <a:pPr algn="l"/>
+            <a:r>
+              <a:rPr sz="900" b="0">
+                <a:solidFill>
+                  <a:srgbClr val="404040"/>
+                </a:solidFill>
+                <a:latin typeface="Arial"/>
+              </a:rPr>
+              <a:t>(Current)</a:t>
+            </a:r>
+          </a:p>
+        </p:txBody>
+      </p:sp>
+      <p:sp>
+        <p:nvSpPr>
+          <p:cNvPr id="26" name="TextBox 25"/>
+          <p:cNvSpPr txBox="1"/>
+          <p:nvPr/>
+        </p:nvSpPr>
+        <p:spPr>
+          <a:xfrm>
+            <a:off x="9180576" y="4709160"/>
+            <a:ext cx="2377440" cy="228600"/>
+          </a:xfrm>
+          <a:prstGeom prst="rect">
+            <a:avLst/>
+          </a:prstGeom>
+          <a:noFill/>
+          <a:ln>
+            <a:noFill/>
+          </a:ln>
+          <a:effectLst/>
+        </p:spPr>
+        <p:txBody>
+          <a:bodyPr wrap="square">
+            <a:spAutoFit/>
+          </a:bodyPr>
+          <a:lstStyle/>
+          <a:p>
+            <a:pPr algn="l"/>
+            <a:r>
+              <a:rPr sz="800" b="0">
+                <a:solidFill>
+                  <a:srgbClr val="228B22"/>
+                </a:solidFill>
+                <a:latin typeface="Arial"/>
+              </a:rPr>
+              <a:t>Fortune 500 adoption</a:t>
+            </a:r>
+          </a:p>
+        </p:txBody>
+      </p:sp>
+      <p:sp>
+        <p:nvSpPr>
+          <p:cNvPr id="27" name="TextBox 26"/>
+          <p:cNvSpPr txBox="1"/>
+          <p:nvPr/>
+        </p:nvSpPr>
+        <p:spPr>
+          <a:xfrm>
+            <a:off x="914400" y="5212080"/>
+            <a:ext cx="6400800" cy="182880"/>
+          </a:xfrm>
+          <a:prstGeom prst="rect">
+            <a:avLst/>
+          </a:prstGeom>
+          <a:noFill/>
+          <a:ln>
+            <a:noFill/>
+          </a:ln>
+          <a:effectLst/>
+        </p:spPr>
+        <p:txBody>
+          <a:bodyPr wrap="square">
+            <a:spAutoFit/>
+          </a:bodyPr>
+          <a:lstStyle/>
+          <a:p>
+            <a:pPr algn="l"/>
+            <a:r>
+              <a:rPr sz="1200" b="1">
+                <a:solidFill>
+                  <a:srgbClr val="FFC0CB"/>
+                </a:solidFill>
+                <a:latin typeface="Arial"/>
+              </a:rPr>
+              <a:t>Key Growth Drivers</a:t>
+            </a:r>
+          </a:p>
+        </p:txBody>
+      </p:sp>
+      <p:sp>
+        <p:nvSpPr>
+          <p:cNvPr id="28" name="TextBox 27"/>
+          <p:cNvSpPr txBox="1"/>
+          <p:nvPr/>
+        </p:nvSpPr>
+        <p:spPr>
+          <a:xfrm>
+            <a:off x="914400" y="5440680"/>
+            <a:ext cx="6400800" cy="146304"/>
+          </a:xfrm>
+          <a:prstGeom prst="rect">
+            <a:avLst/>
+          </a:prstGeom>
+          <a:noFill/>
+          <a:ln>
+            <a:noFill/>
+          </a:ln>
+          <a:effectLst/>
+        </p:spPr>
+        <p:txBody>
+          <a:bodyPr wrap="square">
+            <a:spAutoFit/>
+          </a:bodyPr>
+          <a:lstStyle/>
+          <a:p>
+            <a:pPr algn="l"/>
+            <a:r>
+              <a:rPr sz="900" b="0">
+                <a:solidFill>
+                  <a:srgbClr val="404040"/>
+                </a:solidFill>
+                <a:latin typeface="Arial"/>
+              </a:rPr>
+              <a:t>● 2020-2024E CAGR: 120% driven by enterprise adoption</a:t>
+            </a:r>
+          </a:p>
+        </p:txBody>
+      </p:sp>
+      <p:sp>
+        <p:nvSpPr>
+          <p:cNvPr id="29" name="TextBox 28"/>
+          <p:cNvSpPr txBox="1"/>
+          <p:nvPr/>
+        </p:nvSpPr>
+        <p:spPr>
+          <a:xfrm>
+            <a:off x="914400" y="5605272"/>
+            <a:ext cx="6400800" cy="146304"/>
+          </a:xfrm>
+          <a:prstGeom prst="rect">
+            <a:avLst/>
+          </a:prstGeom>
+          <a:noFill/>
+          <a:ln>
+            <a:noFill/>
+          </a:ln>
+          <a:effectLst/>
+        </p:spPr>
+        <p:txBody>
+          <a:bodyPr wrap="square">
+            <a:spAutoFit/>
+          </a:bodyPr>
+          <a:lstStyle/>
+          <a:p>
+            <a:pPr algn="l"/>
+            <a:r>
+              <a:rPr sz="900" b="0">
+                <a:solidFill>
+                  <a:srgbClr val="404040"/>
+                </a:solidFill>
+                <a:latin typeface="Arial"/>
+              </a:rPr>
+              <a:t>● Strong cloud platform adoption scaling rapidly</a:t>
+            </a:r>
+          </a:p>
+        </p:txBody>
+      </p:sp>
+      <p:sp>
+        <p:nvSpPr>
+          <p:cNvPr id="30" name="TextBox 29"/>
+          <p:cNvSpPr txBox="1"/>
+          <p:nvPr/>
+        </p:nvSpPr>
+        <p:spPr>
+          <a:xfrm>
+            <a:off x="914400" y="5769864"/>
+            <a:ext cx="6400800" cy="146304"/>
+          </a:xfrm>
+          <a:prstGeom prst="rect">
+            <a:avLst/>
+          </a:prstGeom>
+          <a:noFill/>
+          <a:ln>
+            <a:noFill/>
+          </a:ln>
+          <a:effectLst/>
+        </p:spPr>
+        <p:txBody>
+          <a:bodyPr wrap="square">
+            <a:spAutoFit/>
+          </a:bodyPr>
+          <a:lstStyle/>
+          <a:p>
+            <a:pPr algn="l"/>
+            <a:r>
+              <a:rPr sz="900" b="0">
+                <a:solidFill>
+                  <a:srgbClr val="404040"/>
+                </a:solidFill>
+                <a:latin typeface="Arial"/>
+              </a:rPr>
+              <a:t>● Enterprise customer base expanding with Fortune 500 clients</a:t>
+            </a:r>
+          </a:p>
+        </p:txBody>
+      </p:sp>
+      <p:sp>
+        <p:nvSpPr>
+          <p:cNvPr id="31" name="Rectangle 30"/>
+          <p:cNvSpPr/>
+          <p:nvPr/>
+        </p:nvSpPr>
+        <p:spPr>
+          <a:xfrm>
+            <a:off x="7498079" y="5120640"/>
+            <a:ext cx="4389120" cy="914400"/>
+          </a:xfrm>
+          <a:prstGeom prst="rect">
+            <a:avLst/>
+          </a:prstGeom>
+          <a:solidFill>
+            <a:srgbClr val="F0FFF0"/>
+          </a:solidFill>
+          <a:ln>
+            <a:noFill/>
+          </a:ln>
+          <a:effectLst/>
+        </p:spPr>
+        <p:style>
+          <a:lnRef idx="1">
+            <a:schemeClr val="accent1"/>
+          </a:lnRef>
+          <a:fillRef idx="3">
+            <a:schemeClr val="accent1"/>
+          </a:fillRef>
+          <a:effectRef idx="2">
+            <a:schemeClr val="accent1"/>
+          </a:effectRef>
+          <a:fontRef idx="minor">
+            <a:schemeClr val="lt1"/>
+          </a:fontRef>
+        </p:style>
+        <p:txBody>
+          <a:bodyPr rtlCol="0" anchor="ctr"/>
+          <a:lstStyle/>
+          <a:p>
+            <a:pPr algn="ctr"/>
+          </a:p>
+        </p:txBody>
+      </p:sp>
+      <p:sp>
+        <p:nvSpPr>
+          <p:cNvPr id="32" name="TextBox 31"/>
+          <p:cNvSpPr txBox="1"/>
+          <p:nvPr/>
+        </p:nvSpPr>
+        <p:spPr>
+          <a:xfrm>
+            <a:off x="7680960" y="5212080"/>
+            <a:ext cx="4023360" cy="137160"/>
+          </a:xfrm>
+          <a:prstGeom prst="rect">
+            <a:avLst/>
+          </a:prstGeom>
+          <a:noFill/>
+          <a:ln>
+            <a:noFill/>
+          </a:ln>
+          <a:effectLst/>
+        </p:spPr>
+        <p:txBody>
+          <a:bodyPr wrap="square">
+            <a:spAutoFit/>
+          </a:bodyPr>
+          <a:lstStyle/>
+          <a:p>
+            <a:pPr algn="l"/>
+            <a:r>
+              <a:rPr sz="1000" b="1">
+                <a:solidFill>
+                  <a:srgbClr val="228B22"/>
+                </a:solidFill>
+                <a:latin typeface="Arial"/>
+              </a:rPr>
+              <a:t>Banker View</a:t>
+            </a:r>
+          </a:p>
+        </p:txBody>
+      </p:sp>
+      <p:sp>
+        <p:nvSpPr>
+          <p:cNvPr id="33" name="TextBox 32"/>
+          <p:cNvSpPr txBox="1"/>
+          <p:nvPr/>
+        </p:nvSpPr>
+        <p:spPr>
+          <a:xfrm>
+            <a:off x="7680960" y="5394960"/>
+            <a:ext cx="4023360" cy="594360"/>
+          </a:xfrm>
+          <a:prstGeom prst="rect">
+            <a:avLst/>
+          </a:prstGeom>
+          <a:noFill/>
+          <a:ln>
+            <a:noFill/>
+          </a:ln>
+          <a:effectLst/>
+        </p:spPr>
+        <p:txBody>
+          <a:bodyPr wrap="square">
+            <a:spAutoFit/>
+          </a:bodyPr>
+          <a:lstStyle/>
+          <a:p>
+            <a:pPr algn="l"/>
+            <a:r>
+              <a:rPr sz="900" b="0">
+                <a:solidFill>
+                  <a:srgbClr val="404040"/>
+                </a:solidFill>
+                <a:latin typeface="Arial"/>
+              </a:rPr>
+              <a:t>High ARR growth, operational leverage, and enterprise traction match leading SaaS benchmarks.</a:t>
+            </a:r>
+          </a:p>
+        </p:txBody>
+      </p:sp>
+      <p:sp>
+        <p:nvSpPr>
+          <p:cNvPr id="34" name="TextBox 33"/>
+          <p:cNvSpPr txBox="1"/>
+          <p:nvPr/>
+        </p:nvSpPr>
+        <p:spPr>
+          <a:xfrm>
+            <a:off x="457200" y="6309360"/>
             <a:ext cx="3657600" cy="182880"/>
           </a:xfrm>
           <a:prstGeom prst="rect">
             <a:avLst/>
           </a:prstGeom>
           <a:noFill/>
-        </p:spPr>
-        <p:txBody>
-          <a:bodyPr wrap="none">
+          <a:ln>
+            <a:noFill/>
+          </a:ln>
+          <a:effectLst/>
+        </p:spPr>
+        <p:txBody>
+          <a:bodyPr wrap="square">
             <a:spAutoFit/>
           </a:bodyPr>
           <a:lstStyle/>
           <a:p>
             <a:pPr algn="l"/>
             <a:r>
-              <a:rPr sz="900">
+              <a:rPr sz="900" b="0">
                 <a:solidFill>
                   <a:srgbClr val="808080"/>
                 </a:solidFill>
@@ -5012,127 +8052,39 @@
       </p:sp>
       <p:sp>
         <p:nvSpPr>
-          <p:cNvPr id="49" name="TextBox 48"/>
-          <p:cNvSpPr txBox="1"/>
-          <p:nvPr/>
-        </p:nvSpPr>
-        <p:spPr>
-          <a:xfrm>
-            <a:off x="8686800" y="6400800"/>
+          <p:cNvPr id="35" name="TextBox 34"/>
+          <p:cNvSpPr txBox="1"/>
+          <p:nvPr/>
+        </p:nvSpPr>
+        <p:spPr>
+          <a:xfrm>
+            <a:off x="8686800" y="6309360"/>
             <a:ext cx="3200400" cy="182880"/>
           </a:xfrm>
           <a:prstGeom prst="rect">
             <a:avLst/>
           </a:prstGeom>
           <a:noFill/>
-        </p:spPr>
-        <p:txBody>
-          <a:bodyPr wrap="none">
+          <a:ln>
+            <a:noFill/>
+          </a:ln>
+          <a:effectLst/>
+        </p:spPr>
+        <p:txBody>
+          <a:bodyPr wrap="square">
             <a:spAutoFit/>
           </a:bodyPr>
           <a:lstStyle/>
           <a:p>
             <a:pPr algn="r"/>
             <a:r>
-              <a:rPr sz="900">
+              <a:rPr sz="900" b="0">
                 <a:solidFill>
                   <a:srgbClr val="808080"/>
                 </a:solidFill>
                 <a:latin typeface="Arial"/>
               </a:rPr>
-              <a:t>TechCorp Solutions</a:t>
-            </a:r>
-          </a:p>
-        </p:txBody>
-      </p:sp>
-    </p:spTree>
-  </p:cSld>
-  <p:clrMapOvr>
-    <a:masterClrMapping/>
-  </p:clrMapOvr>
-</p:sld>
-</file>
-
-<file path=ppt/slides/slide2.xml><?xml version="1.0" encoding="utf-8"?>
-<p:sld xmlns:a="http://schemas.openxmlformats.org/drawingml/2006/main" xmlns:p="http://schemas.openxmlformats.org/presentationml/2006/main" xmlns:r="http://schemas.openxmlformats.org/officeDocument/2006/relationships">
-  <p:cSld>
-    <p:spTree>
-      <p:nvGrpSpPr>
-        <p:cNvPr id="1" name=""/>
-        <p:cNvGrpSpPr/>
-        <p:nvPr/>
-      </p:nvGrpSpPr>
-      <p:grpSpPr/>
-      <p:sp>
-        <p:nvSpPr>
-          <p:cNvPr id="2" name="TextBox 1"/>
-          <p:cNvSpPr txBox="1"/>
-          <p:nvPr/>
-        </p:nvSpPr>
-        <p:spPr>
-          <a:xfrm>
-            <a:off x="457200" y="457200"/>
-            <a:ext cx="10972800" cy="914400"/>
-          </a:xfrm>
-          <a:prstGeom prst="rect">
-            <a:avLst/>
-          </a:prstGeom>
-          <a:noFill/>
-        </p:spPr>
-        <p:txBody>
-          <a:bodyPr wrap="none">
-            <a:spAutoFit/>
-          </a:bodyPr>
-          <a:lstStyle/>
-          <a:p>
-            <a:r>
-              <a:t>[Adapter notice] No renderer found for this template.</a:t>
-            </a:r>
-          </a:p>
-        </p:txBody>
-      </p:sp>
-    </p:spTree>
-  </p:cSld>
-  <p:clrMapOvr>
-    <a:masterClrMapping/>
-  </p:clrMapOvr>
-</p:sld>
-</file>
-
-<file path=ppt/slides/slide3.xml><?xml version="1.0" encoding="utf-8"?>
-<p:sld xmlns:a="http://schemas.openxmlformats.org/drawingml/2006/main" xmlns:p="http://schemas.openxmlformats.org/presentationml/2006/main" xmlns:r="http://schemas.openxmlformats.org/officeDocument/2006/relationships">
-  <p:cSld>
-    <p:spTree>
-      <p:nvGrpSpPr>
-        <p:cNvPr id="1" name=""/>
-        <p:cNvGrpSpPr/>
-        <p:nvPr/>
-      </p:nvGrpSpPr>
-      <p:grpSpPr/>
-      <p:sp>
-        <p:nvSpPr>
-          <p:cNvPr id="2" name="TextBox 1"/>
-          <p:cNvSpPr txBox="1"/>
-          <p:nvPr/>
-        </p:nvSpPr>
-        <p:spPr>
-          <a:xfrm>
-            <a:off x="457200" y="457200"/>
-            <a:ext cx="10972800" cy="914400"/>
-          </a:xfrm>
-          <a:prstGeom prst="rect">
-            <a:avLst/>
-          </a:prstGeom>
-          <a:noFill/>
-        </p:spPr>
-        <p:txBody>
-          <a:bodyPr wrap="none">
-            <a:spAutoFit/>
-          </a:bodyPr>
-          <a:lstStyle/>
-          <a:p>
-            <a:r>
-              <a:t>[Adapter notice] No renderer found for this template.</a:t>
+              <a:t>Sephora Investment Opportunity    6</a:t>
             </a:r>
           </a:p>
         </p:txBody>
@@ -5163,22 +8115,144 @@
         </p:nvSpPr>
         <p:spPr>
           <a:xfrm>
-            <a:off x="457200" y="457200"/>
-            <a:ext cx="10972800" cy="914400"/>
-          </a:xfrm>
-          <a:prstGeom prst="rect">
-            <a:avLst/>
-          </a:prstGeom>
-          <a:noFill/>
-        </p:spPr>
-        <p:txBody>
-          <a:bodyPr wrap="none">
-            <a:spAutoFit/>
-          </a:bodyPr>
-          <a:lstStyle/>
-          <a:p>
-            <a:r>
-              <a:t>[Adapter notice] No renderer found for this template.</a:t>
+            <a:off x="457200" y="274320"/>
+            <a:ext cx="11277295" cy="731520"/>
+          </a:xfrm>
+          <a:prstGeom prst="rect">
+            <a:avLst/>
+          </a:prstGeom>
+          <a:noFill/>
+        </p:spPr>
+        <p:txBody>
+          <a:bodyPr wrap="none" lIns="0" tIns="0" rIns="0" bIns="0">
+            <a:spAutoFit/>
+          </a:bodyPr>
+          <a:lstStyle/>
+          <a:p>
+            <a:pPr algn="l"/>
+            <a:r>
+              <a:rPr sz="2400" b="1">
+                <a:solidFill>
+                  <a:srgbClr val="FFC0CB"/>
+                </a:solidFill>
+                <a:latin typeface="Arial"/>
+              </a:rPr>
+              <a:t>Management Team</a:t>
+            </a:r>
+          </a:p>
+        </p:txBody>
+      </p:sp>
+      <p:sp>
+        <p:nvSpPr>
+          <p:cNvPr id="3" name="Rectangle 2"/>
+          <p:cNvSpPr/>
+          <p:nvPr/>
+        </p:nvSpPr>
+        <p:spPr>
+          <a:xfrm>
+            <a:off x="457200" y="914400"/>
+            <a:ext cx="11277295" cy="45720"/>
+          </a:xfrm>
+          <a:prstGeom prst="rect">
+            <a:avLst/>
+          </a:prstGeom>
+          <a:solidFill>
+            <a:srgbClr val="FFC0CB"/>
+          </a:solidFill>
+          <a:ln>
+            <a:noFill/>
+          </a:ln>
+        </p:spPr>
+        <p:style>
+          <a:lnRef idx="1">
+            <a:schemeClr val="accent1"/>
+          </a:lnRef>
+          <a:fillRef idx="3">
+            <a:schemeClr val="accent1"/>
+          </a:fillRef>
+          <a:effectRef idx="2">
+            <a:schemeClr val="accent1"/>
+          </a:effectRef>
+          <a:fontRef idx="minor">
+            <a:schemeClr val="lt1"/>
+          </a:fontRef>
+        </p:style>
+        <p:txBody>
+          <a:bodyPr rtlCol="0" anchor="ctr"/>
+          <a:lstStyle/>
+          <a:p>
+            <a:pPr algn="ctr"/>
+          </a:p>
+        </p:txBody>
+      </p:sp>
+      <p:sp>
+        <p:nvSpPr>
+          <p:cNvPr id="4" name="TextBox 3"/>
+          <p:cNvSpPr txBox="1"/>
+          <p:nvPr/>
+        </p:nvSpPr>
+        <p:spPr>
+          <a:xfrm>
+            <a:off x="365760" y="6355080"/>
+            <a:ext cx="5486400" cy="365760"/>
+          </a:xfrm>
+          <a:prstGeom prst="rect">
+            <a:avLst/>
+          </a:prstGeom>
+          <a:noFill/>
+        </p:spPr>
+        <p:txBody>
+          <a:bodyPr wrap="none" lIns="45720" rIns="45720" anchor="ctr">
+            <a:spAutoFit/>
+          </a:bodyPr>
+          <a:lstStyle/>
+          <a:p>
+            <a:pPr algn="l">
+              <a:defRPr sz="800">
+                <a:solidFill>
+                  <a:srgbClr val="808080"/>
+                </a:solidFill>
+                <a:latin typeface="Arial"/>
+              </a:defRPr>
+            </a:pPr>
+            <a:r>
+              <a:t>Confidential | September 11, 2025</a:t>
+            </a:r>
+          </a:p>
+        </p:txBody>
+      </p:sp>
+      <p:sp>
+        <p:nvSpPr>
+          <p:cNvPr id="5" name="TextBox 4"/>
+          <p:cNvSpPr txBox="1"/>
+          <p:nvPr/>
+        </p:nvSpPr>
+        <p:spPr>
+          <a:xfrm>
+            <a:off x="8686800" y="6355080"/>
+            <a:ext cx="2926080" cy="365760"/>
+          </a:xfrm>
+          <a:prstGeom prst="rect">
+            <a:avLst/>
+          </a:prstGeom>
+          <a:noFill/>
+        </p:spPr>
+        <p:txBody>
+          <a:bodyPr wrap="none" lIns="45720" rIns="45720" anchor="ctr">
+            <a:spAutoFit/>
+          </a:bodyPr>
+          <a:lstStyle/>
+          <a:p>
+            <a:pPr algn="r">
+              <a:defRPr sz="800">
+                <a:solidFill>
+                  <a:srgbClr val="808080"/>
+                </a:solidFill>
+                <a:latin typeface="Arial"/>
+              </a:defRPr>
+            </a:pPr>
+            <a:r>
+              <a:t>Sephora</a:t>
             </a:r>
           </a:p>
         </p:txBody>
@@ -5209,8 +8283,1060 @@
         </p:nvSpPr>
         <p:spPr>
           <a:xfrm>
-            <a:off x="457200" y="457200"/>
-            <a:ext cx="10972800" cy="914400"/>
+            <a:off x="457200" y="274320"/>
+            <a:ext cx="11277295" cy="731520"/>
+          </a:xfrm>
+          <a:prstGeom prst="rect">
+            <a:avLst/>
+          </a:prstGeom>
+          <a:noFill/>
+        </p:spPr>
+        <p:txBody>
+          <a:bodyPr wrap="none" lIns="0" tIns="0" rIns="0" bIns="0">
+            <a:spAutoFit/>
+          </a:bodyPr>
+          <a:lstStyle/>
+          <a:p>
+            <a:pPr algn="l"/>
+            <a:r>
+              <a:rPr sz="2400" b="1">
+                <a:solidFill>
+                  <a:srgbClr val="FFC0CB"/>
+                </a:solidFill>
+                <a:latin typeface="Arial"/>
+              </a:rPr>
+              <a:t>Growth Strategy &amp; Projections</a:t>
+            </a:r>
+          </a:p>
+        </p:txBody>
+      </p:sp>
+      <p:sp>
+        <p:nvSpPr>
+          <p:cNvPr id="3" name="Rectangle 2"/>
+          <p:cNvSpPr/>
+          <p:nvPr/>
+        </p:nvSpPr>
+        <p:spPr>
+          <a:xfrm>
+            <a:off x="457200" y="914400"/>
+            <a:ext cx="11277295" cy="45720"/>
+          </a:xfrm>
+          <a:prstGeom prst="rect">
+            <a:avLst/>
+          </a:prstGeom>
+          <a:solidFill>
+            <a:srgbClr val="FFC0CB"/>
+          </a:solidFill>
+          <a:ln>
+            <a:noFill/>
+          </a:ln>
+        </p:spPr>
+        <p:style>
+          <a:lnRef idx="1">
+            <a:schemeClr val="accent1"/>
+          </a:lnRef>
+          <a:fillRef idx="3">
+            <a:schemeClr val="accent1"/>
+          </a:fillRef>
+          <a:effectRef idx="2">
+            <a:schemeClr val="accent1"/>
+          </a:effectRef>
+          <a:fontRef idx="minor">
+            <a:schemeClr val="lt1"/>
+          </a:fontRef>
+        </p:style>
+        <p:txBody>
+          <a:bodyPr rtlCol="0" anchor="ctr"/>
+          <a:lstStyle/>
+          <a:p>
+            <a:pPr algn="ctr"/>
+          </a:p>
+        </p:txBody>
+      </p:sp>
+      <p:sp>
+        <p:nvSpPr>
+          <p:cNvPr id="4" name="TextBox 3"/>
+          <p:cNvSpPr txBox="1"/>
+          <p:nvPr/>
+        </p:nvSpPr>
+        <p:spPr>
+          <a:xfrm>
+            <a:off x="457200" y="1280160"/>
+            <a:ext cx="5486400" cy="274320"/>
+          </a:xfrm>
+          <a:prstGeom prst="rect">
+            <a:avLst/>
+          </a:prstGeom>
+          <a:noFill/>
+          <a:ln>
+            <a:noFill/>
+          </a:ln>
+          <a:effectLst/>
+        </p:spPr>
+        <p:txBody>
+          <a:bodyPr wrap="square">
+            <a:spAutoFit/>
+          </a:bodyPr>
+          <a:lstStyle/>
+          <a:p>
+            <a:pPr algn="l"/>
+            <a:r>
+              <a:rPr sz="1400" b="1">
+                <a:solidFill>
+                  <a:srgbClr val="FFC0CB"/>
+                </a:solidFill>
+                <a:latin typeface="Arial"/>
+              </a:rPr>
+              <a:t>Multi-Pronged Growth Strategy</a:t>
+            </a:r>
+          </a:p>
+        </p:txBody>
+      </p:sp>
+      <p:sp>
+        <p:nvSpPr>
+          <p:cNvPr id="5" name="TextBox 4"/>
+          <p:cNvSpPr txBox="1"/>
+          <p:nvPr/>
+        </p:nvSpPr>
+        <p:spPr>
+          <a:xfrm>
+            <a:off x="640080" y="1828800"/>
+            <a:ext cx="5029200" cy="914400"/>
+          </a:xfrm>
+          <a:prstGeom prst="rect">
+            <a:avLst/>
+          </a:prstGeom>
+          <a:noFill/>
+          <a:ln>
+            <a:noFill/>
+          </a:ln>
+          <a:effectLst/>
+        </p:spPr>
+        <p:txBody>
+          <a:bodyPr wrap="square">
+            <a:spAutoFit/>
+          </a:bodyPr>
+          <a:lstStyle/>
+          <a:p>
+            <a:pPr algn="l"/>
+            <a:r>
+              <a:rPr sz="1000" b="0">
+                <a:solidFill>
+                  <a:srgbClr val="404040"/>
+                </a:solidFill>
+                <a:latin typeface="Arial"/>
+              </a:rPr>
+              <a:t>Growth strategies not available.</a:t>
+            </a:r>
+          </a:p>
+          <a:p>
+            <a:pPr algn="l"/>
+          </a:p>
+          <a:p>
+            <a:pPr algn="l"/>
+            <a:r>
+              <a:rPr sz="1000" b="0">
+                <a:solidFill>
+                  <a:srgbClr val="404040"/>
+                </a:solidFill>
+                <a:latin typeface="Arial"/>
+              </a:rPr>
+              <a:t>LLM must generate industry-specific growth initiatives based on company business model and market opportunities.</a:t>
+            </a:r>
+          </a:p>
+        </p:txBody>
+      </p:sp>
+      <p:sp>
+        <p:nvSpPr>
+          <p:cNvPr id="6" name="TextBox 5"/>
+          <p:cNvSpPr txBox="1"/>
+          <p:nvPr/>
+        </p:nvSpPr>
+        <p:spPr>
+          <a:xfrm>
+            <a:off x="6858000" y="1280160"/>
+            <a:ext cx="5029200" cy="274320"/>
+          </a:xfrm>
+          <a:prstGeom prst="rect">
+            <a:avLst/>
+          </a:prstGeom>
+          <a:noFill/>
+          <a:ln>
+            <a:noFill/>
+          </a:ln>
+          <a:effectLst/>
+        </p:spPr>
+        <p:txBody>
+          <a:bodyPr wrap="square">
+            <a:spAutoFit/>
+          </a:bodyPr>
+          <a:lstStyle/>
+          <a:p>
+            <a:pPr algn="l"/>
+            <a:r>
+              <a:rPr sz="1400" b="1">
+                <a:solidFill>
+                  <a:srgbClr val="FFC0CB"/>
+                </a:solidFill>
+                <a:latin typeface="Arial"/>
+              </a:rPr>
+              <a:t>Revenue &amp; EBITDA Projections</a:t>
+            </a:r>
+          </a:p>
+        </p:txBody>
+      </p:sp>
+      <p:sp>
+        <p:nvSpPr>
+          <p:cNvPr id="7" name="TextBox 6"/>
+          <p:cNvSpPr txBox="1"/>
+          <p:nvPr/>
+        </p:nvSpPr>
+        <p:spPr>
+          <a:xfrm>
+            <a:off x="6858000" y="2286000"/>
+            <a:ext cx="5029200" cy="914400"/>
+          </a:xfrm>
+          <a:prstGeom prst="rect">
+            <a:avLst/>
+          </a:prstGeom>
+          <a:noFill/>
+          <a:ln>
+            <a:noFill/>
+          </a:ln>
+          <a:effectLst/>
+        </p:spPr>
+        <p:txBody>
+          <a:bodyPr wrap="square">
+            <a:spAutoFit/>
+          </a:bodyPr>
+          <a:lstStyle/>
+          <a:p>
+            <a:pPr algn="l"/>
+            <a:r>
+              <a:rPr sz="1200" b="0">
+                <a:solidFill>
+                  <a:srgbClr val="404040"/>
+                </a:solidFill>
+                <a:latin typeface="Arial"/>
+              </a:rPr>
+              <a:t>Financial projections chart will be displayed when data is available.</a:t>
+            </a:r>
+          </a:p>
+        </p:txBody>
+      </p:sp>
+      <p:sp>
+        <p:nvSpPr>
+          <p:cNvPr id="8" name="TextBox 7"/>
+          <p:cNvSpPr txBox="1"/>
+          <p:nvPr/>
+        </p:nvSpPr>
+        <p:spPr>
+          <a:xfrm>
+            <a:off x="457200" y="4023360"/>
+            <a:ext cx="11430000" cy="274320"/>
+          </a:xfrm>
+          <a:prstGeom prst="rect">
+            <a:avLst/>
+          </a:prstGeom>
+          <a:noFill/>
+          <a:ln>
+            <a:noFill/>
+          </a:ln>
+          <a:effectLst/>
+        </p:spPr>
+        <p:txBody>
+          <a:bodyPr wrap="square">
+            <a:spAutoFit/>
+          </a:bodyPr>
+          <a:lstStyle/>
+          <a:p>
+            <a:pPr algn="l"/>
+            <a:r>
+              <a:rPr sz="1400" b="1">
+                <a:solidFill>
+                  <a:srgbClr val="FFC0CB"/>
+                </a:solidFill>
+                <a:latin typeface="Arial"/>
+              </a:rPr>
+              <a:t>Key Planning Assumptions</a:t>
+            </a:r>
+          </a:p>
+        </p:txBody>
+      </p:sp>
+      <p:sp>
+        <p:nvSpPr>
+          <p:cNvPr id="9" name="Oval 8"/>
+          <p:cNvSpPr/>
+          <p:nvPr/>
+        </p:nvSpPr>
+        <p:spPr>
+          <a:xfrm>
+            <a:off x="640080" y="4389120"/>
+            <a:ext cx="45720" cy="45720"/>
+          </a:xfrm>
+          <a:prstGeom prst="ellipse">
+            <a:avLst/>
+          </a:prstGeom>
+          <a:solidFill>
+            <a:srgbClr val="B5975B"/>
+          </a:solidFill>
+          <a:ln>
+            <a:noFill/>
+          </a:ln>
+        </p:spPr>
+        <p:style>
+          <a:lnRef idx="1">
+            <a:schemeClr val="accent1"/>
+          </a:lnRef>
+          <a:fillRef idx="3">
+            <a:schemeClr val="accent1"/>
+          </a:fillRef>
+          <a:effectRef idx="2">
+            <a:schemeClr val="accent1"/>
+          </a:effectRef>
+          <a:fontRef idx="minor">
+            <a:schemeClr val="lt1"/>
+          </a:fontRef>
+        </p:style>
+        <p:txBody>
+          <a:bodyPr rtlCol="0" anchor="ctr"/>
+          <a:lstStyle/>
+          <a:p>
+            <a:pPr algn="ctr"/>
+          </a:p>
+        </p:txBody>
+      </p:sp>
+      <p:sp>
+        <p:nvSpPr>
+          <p:cNvPr id="10" name="TextBox 9"/>
+          <p:cNvSpPr txBox="1"/>
+          <p:nvPr/>
+        </p:nvSpPr>
+        <p:spPr>
+          <a:xfrm>
+            <a:off x="777240" y="4343400"/>
+            <a:ext cx="5303520" cy="228600"/>
+          </a:xfrm>
+          <a:prstGeom prst="rect">
+            <a:avLst/>
+          </a:prstGeom>
+          <a:noFill/>
+          <a:ln>
+            <a:noFill/>
+          </a:ln>
+          <a:effectLst/>
+        </p:spPr>
+        <p:txBody>
+          <a:bodyPr wrap="square">
+            <a:spAutoFit/>
+          </a:bodyPr>
+          <a:lstStyle/>
+          <a:p>
+            <a:pPr algn="l"/>
+            <a:r>
+              <a:rPr sz="900" b="0">
+                <a:solidFill>
+                  <a:srgbClr val="404040"/>
+                </a:solidFill>
+                <a:latin typeface="Arial"/>
+              </a:rPr>
+              <a:t>Market growth projections and economic indicators</a:t>
+            </a:r>
+          </a:p>
+        </p:txBody>
+      </p:sp>
+      <p:sp>
+        <p:nvSpPr>
+          <p:cNvPr id="11" name="Oval 10"/>
+          <p:cNvSpPr/>
+          <p:nvPr/>
+        </p:nvSpPr>
+        <p:spPr>
+          <a:xfrm>
+            <a:off x="640080" y="4663440"/>
+            <a:ext cx="45720" cy="45720"/>
+          </a:xfrm>
+          <a:prstGeom prst="ellipse">
+            <a:avLst/>
+          </a:prstGeom>
+          <a:solidFill>
+            <a:srgbClr val="B5975B"/>
+          </a:solidFill>
+          <a:ln>
+            <a:noFill/>
+          </a:ln>
+        </p:spPr>
+        <p:style>
+          <a:lnRef idx="1">
+            <a:schemeClr val="accent1"/>
+          </a:lnRef>
+          <a:fillRef idx="3">
+            <a:schemeClr val="accent1"/>
+          </a:fillRef>
+          <a:effectRef idx="2">
+            <a:schemeClr val="accent1"/>
+          </a:effectRef>
+          <a:fontRef idx="minor">
+            <a:schemeClr val="lt1"/>
+          </a:fontRef>
+        </p:style>
+        <p:txBody>
+          <a:bodyPr rtlCol="0" anchor="ctr"/>
+          <a:lstStyle/>
+          <a:p>
+            <a:pPr algn="ctr"/>
+          </a:p>
+        </p:txBody>
+      </p:sp>
+      <p:sp>
+        <p:nvSpPr>
+          <p:cNvPr id="12" name="TextBox 11"/>
+          <p:cNvSpPr txBox="1"/>
+          <p:nvPr/>
+        </p:nvSpPr>
+        <p:spPr>
+          <a:xfrm>
+            <a:off x="777240" y="4617720"/>
+            <a:ext cx="5303520" cy="228600"/>
+          </a:xfrm>
+          <a:prstGeom prst="rect">
+            <a:avLst/>
+          </a:prstGeom>
+          <a:noFill/>
+          <a:ln>
+            <a:noFill/>
+          </a:ln>
+          <a:effectLst/>
+        </p:spPr>
+        <p:txBody>
+          <a:bodyPr wrap="square">
+            <a:spAutoFit/>
+          </a:bodyPr>
+          <a:lstStyle/>
+          <a:p>
+            <a:pPr algn="l"/>
+            <a:r>
+              <a:rPr sz="900" b="0">
+                <a:solidFill>
+                  <a:srgbClr val="404040"/>
+                </a:solidFill>
+                <a:latin typeface="Arial"/>
+              </a:rPr>
+              <a:t>Regulatory environment and compliance requirements</a:t>
+            </a:r>
+          </a:p>
+        </p:txBody>
+      </p:sp>
+      <p:sp>
+        <p:nvSpPr>
+          <p:cNvPr id="13" name="Oval 12"/>
+          <p:cNvSpPr/>
+          <p:nvPr/>
+        </p:nvSpPr>
+        <p:spPr>
+          <a:xfrm>
+            <a:off x="640080" y="4937759"/>
+            <a:ext cx="45720" cy="45720"/>
+          </a:xfrm>
+          <a:prstGeom prst="ellipse">
+            <a:avLst/>
+          </a:prstGeom>
+          <a:solidFill>
+            <a:srgbClr val="B5975B"/>
+          </a:solidFill>
+          <a:ln>
+            <a:noFill/>
+          </a:ln>
+        </p:spPr>
+        <p:style>
+          <a:lnRef idx="1">
+            <a:schemeClr val="accent1"/>
+          </a:lnRef>
+          <a:fillRef idx="3">
+            <a:schemeClr val="accent1"/>
+          </a:fillRef>
+          <a:effectRef idx="2">
+            <a:schemeClr val="accent1"/>
+          </a:effectRef>
+          <a:fontRef idx="minor">
+            <a:schemeClr val="lt1"/>
+          </a:fontRef>
+        </p:style>
+        <p:txBody>
+          <a:bodyPr rtlCol="0" anchor="ctr"/>
+          <a:lstStyle/>
+          <a:p>
+            <a:pPr algn="ctr"/>
+          </a:p>
+        </p:txBody>
+      </p:sp>
+      <p:sp>
+        <p:nvSpPr>
+          <p:cNvPr id="14" name="TextBox 13"/>
+          <p:cNvSpPr txBox="1"/>
+          <p:nvPr/>
+        </p:nvSpPr>
+        <p:spPr>
+          <a:xfrm>
+            <a:off x="777240" y="4892039"/>
+            <a:ext cx="5303520" cy="228600"/>
+          </a:xfrm>
+          <a:prstGeom prst="rect">
+            <a:avLst/>
+          </a:prstGeom>
+          <a:noFill/>
+          <a:ln>
+            <a:noFill/>
+          </a:ln>
+          <a:effectLst/>
+        </p:spPr>
+        <p:txBody>
+          <a:bodyPr wrap="square">
+            <a:spAutoFit/>
+          </a:bodyPr>
+          <a:lstStyle/>
+          <a:p>
+            <a:pPr algn="l"/>
+            <a:r>
+              <a:rPr sz="900" b="0">
+                <a:solidFill>
+                  <a:srgbClr val="404040"/>
+                </a:solidFill>
+                <a:latin typeface="Arial"/>
+              </a:rPr>
+              <a:t>Technology adoption and digital transformation ROI</a:t>
+            </a:r>
+          </a:p>
+        </p:txBody>
+      </p:sp>
+      <p:sp>
+        <p:nvSpPr>
+          <p:cNvPr id="15" name="Oval 14"/>
+          <p:cNvSpPr/>
+          <p:nvPr/>
+        </p:nvSpPr>
+        <p:spPr>
+          <a:xfrm>
+            <a:off x="6583680" y="4389120"/>
+            <a:ext cx="45720" cy="45720"/>
+          </a:xfrm>
+          <a:prstGeom prst="ellipse">
+            <a:avLst/>
+          </a:prstGeom>
+          <a:solidFill>
+            <a:srgbClr val="B5975B"/>
+          </a:solidFill>
+          <a:ln>
+            <a:noFill/>
+          </a:ln>
+        </p:spPr>
+        <p:style>
+          <a:lnRef idx="1">
+            <a:schemeClr val="accent1"/>
+          </a:lnRef>
+          <a:fillRef idx="3">
+            <a:schemeClr val="accent1"/>
+          </a:fillRef>
+          <a:effectRef idx="2">
+            <a:schemeClr val="accent1"/>
+          </a:effectRef>
+          <a:fontRef idx="minor">
+            <a:schemeClr val="lt1"/>
+          </a:fontRef>
+        </p:style>
+        <p:txBody>
+          <a:bodyPr rtlCol="0" anchor="ctr"/>
+          <a:lstStyle/>
+          <a:p>
+            <a:pPr algn="ctr"/>
+          </a:p>
+        </p:txBody>
+      </p:sp>
+      <p:sp>
+        <p:nvSpPr>
+          <p:cNvPr id="16" name="TextBox 15"/>
+          <p:cNvSpPr txBox="1"/>
+          <p:nvPr/>
+        </p:nvSpPr>
+        <p:spPr>
+          <a:xfrm>
+            <a:off x="6720840" y="4343400"/>
+            <a:ext cx="5303520" cy="228600"/>
+          </a:xfrm>
+          <a:prstGeom prst="rect">
+            <a:avLst/>
+          </a:prstGeom>
+          <a:noFill/>
+          <a:ln>
+            <a:noFill/>
+          </a:ln>
+          <a:effectLst/>
+        </p:spPr>
+        <p:txBody>
+          <a:bodyPr wrap="square">
+            <a:spAutoFit/>
+          </a:bodyPr>
+          <a:lstStyle/>
+          <a:p>
+            <a:pPr algn="l"/>
+            <a:r>
+              <a:rPr sz="900" b="0">
+                <a:solidFill>
+                  <a:srgbClr val="404040"/>
+                </a:solidFill>
+                <a:latin typeface="Arial"/>
+              </a:rPr>
+              <a:t>Capital allocation and investment priorities</a:t>
+            </a:r>
+          </a:p>
+        </p:txBody>
+      </p:sp>
+      <p:sp>
+        <p:nvSpPr>
+          <p:cNvPr id="17" name="Oval 16"/>
+          <p:cNvSpPr/>
+          <p:nvPr/>
+        </p:nvSpPr>
+        <p:spPr>
+          <a:xfrm>
+            <a:off x="6583680" y="4663440"/>
+            <a:ext cx="45720" cy="45720"/>
+          </a:xfrm>
+          <a:prstGeom prst="ellipse">
+            <a:avLst/>
+          </a:prstGeom>
+          <a:solidFill>
+            <a:srgbClr val="B5975B"/>
+          </a:solidFill>
+          <a:ln>
+            <a:noFill/>
+          </a:ln>
+        </p:spPr>
+        <p:style>
+          <a:lnRef idx="1">
+            <a:schemeClr val="accent1"/>
+          </a:lnRef>
+          <a:fillRef idx="3">
+            <a:schemeClr val="accent1"/>
+          </a:fillRef>
+          <a:effectRef idx="2">
+            <a:schemeClr val="accent1"/>
+          </a:effectRef>
+          <a:fontRef idx="minor">
+            <a:schemeClr val="lt1"/>
+          </a:fontRef>
+        </p:style>
+        <p:txBody>
+          <a:bodyPr rtlCol="0" anchor="ctr"/>
+          <a:lstStyle/>
+          <a:p>
+            <a:pPr algn="ctr"/>
+          </a:p>
+        </p:txBody>
+      </p:sp>
+      <p:sp>
+        <p:nvSpPr>
+          <p:cNvPr id="18" name="TextBox 17"/>
+          <p:cNvSpPr txBox="1"/>
+          <p:nvPr/>
+        </p:nvSpPr>
+        <p:spPr>
+          <a:xfrm>
+            <a:off x="6720840" y="4617720"/>
+            <a:ext cx="5303520" cy="228600"/>
+          </a:xfrm>
+          <a:prstGeom prst="rect">
+            <a:avLst/>
+          </a:prstGeom>
+          <a:noFill/>
+          <a:ln>
+            <a:noFill/>
+          </a:ln>
+          <a:effectLst/>
+        </p:spPr>
+        <p:txBody>
+          <a:bodyPr wrap="square">
+            <a:spAutoFit/>
+          </a:bodyPr>
+          <a:lstStyle/>
+          <a:p>
+            <a:pPr algn="l"/>
+            <a:r>
+              <a:rPr sz="900" b="0">
+                <a:solidFill>
+                  <a:srgbClr val="404040"/>
+                </a:solidFill>
+                <a:latin typeface="Arial"/>
+              </a:rPr>
+              <a:t>ESG commitments and sustainability targets</a:t>
+            </a:r>
+          </a:p>
+        </p:txBody>
+      </p:sp>
+      <p:sp>
+        <p:nvSpPr>
+          <p:cNvPr id="19" name="Oval 18"/>
+          <p:cNvSpPr/>
+          <p:nvPr/>
+        </p:nvSpPr>
+        <p:spPr>
+          <a:xfrm>
+            <a:off x="6583680" y="4937759"/>
+            <a:ext cx="45720" cy="45720"/>
+          </a:xfrm>
+          <a:prstGeom prst="ellipse">
+            <a:avLst/>
+          </a:prstGeom>
+          <a:solidFill>
+            <a:srgbClr val="B5975B"/>
+          </a:solidFill>
+          <a:ln>
+            <a:noFill/>
+          </a:ln>
+        </p:spPr>
+        <p:style>
+          <a:lnRef idx="1">
+            <a:schemeClr val="accent1"/>
+          </a:lnRef>
+          <a:fillRef idx="3">
+            <a:schemeClr val="accent1"/>
+          </a:fillRef>
+          <a:effectRef idx="2">
+            <a:schemeClr val="accent1"/>
+          </a:effectRef>
+          <a:fontRef idx="minor">
+            <a:schemeClr val="lt1"/>
+          </a:fontRef>
+        </p:style>
+        <p:txBody>
+          <a:bodyPr rtlCol="0" anchor="ctr"/>
+          <a:lstStyle/>
+          <a:p>
+            <a:pPr algn="ctr"/>
+          </a:p>
+        </p:txBody>
+      </p:sp>
+      <p:sp>
+        <p:nvSpPr>
+          <p:cNvPr id="20" name="TextBox 19"/>
+          <p:cNvSpPr txBox="1"/>
+          <p:nvPr/>
+        </p:nvSpPr>
+        <p:spPr>
+          <a:xfrm>
+            <a:off x="6720840" y="4892039"/>
+            <a:ext cx="5303520" cy="228600"/>
+          </a:xfrm>
+          <a:prstGeom prst="rect">
+            <a:avLst/>
+          </a:prstGeom>
+          <a:noFill/>
+          <a:ln>
+            <a:noFill/>
+          </a:ln>
+          <a:effectLst/>
+        </p:spPr>
+        <p:txBody>
+          <a:bodyPr wrap="square">
+            <a:spAutoFit/>
+          </a:bodyPr>
+          <a:lstStyle/>
+          <a:p>
+            <a:pPr algn="l"/>
+            <a:r>
+              <a:rPr sz="900" b="0">
+                <a:solidFill>
+                  <a:srgbClr val="404040"/>
+                </a:solidFill>
+                <a:latin typeface="Arial"/>
+              </a:rPr>
+              <a:t>Competitive positioning and market dynamics</a:t>
+            </a:r>
+          </a:p>
+        </p:txBody>
+      </p:sp>
+      <p:sp>
+        <p:nvSpPr>
+          <p:cNvPr id="21" name="TextBox 20"/>
+          <p:cNvSpPr txBox="1"/>
+          <p:nvPr/>
+        </p:nvSpPr>
+        <p:spPr>
+          <a:xfrm>
+            <a:off x="457200" y="6400800"/>
+            <a:ext cx="5486400" cy="365760"/>
+          </a:xfrm>
+          <a:prstGeom prst="rect">
+            <a:avLst/>
+          </a:prstGeom>
+          <a:noFill/>
+        </p:spPr>
+        <p:txBody>
+          <a:bodyPr wrap="none" anchor="ctr">
+            <a:spAutoFit/>
+          </a:bodyPr>
+          <a:lstStyle/>
+          <a:p>
+            <a:pPr algn="l">
+              <a:defRPr sz="800">
+                <a:solidFill>
+                  <a:srgbClr val="808080"/>
+                </a:solidFill>
+                <a:latin typeface="Arial"/>
+              </a:defRPr>
+            </a:pPr>
+            <a:r>
+              <a:t>Confidential | September 11, 2025</a:t>
+            </a:r>
+          </a:p>
+        </p:txBody>
+      </p:sp>
+      <p:sp>
+        <p:nvSpPr>
+          <p:cNvPr id="22" name="TextBox 21"/>
+          <p:cNvSpPr txBox="1"/>
+          <p:nvPr/>
+        </p:nvSpPr>
+        <p:spPr>
+          <a:xfrm>
+            <a:off x="9144000" y="6400800"/>
+            <a:ext cx="2743200" cy="365760"/>
+          </a:xfrm>
+          <a:prstGeom prst="rect">
+            <a:avLst/>
+          </a:prstGeom>
+          <a:noFill/>
+        </p:spPr>
+        <p:txBody>
+          <a:bodyPr wrap="none" anchor="ctr">
+            <a:spAutoFit/>
+          </a:bodyPr>
+          <a:lstStyle/>
+          <a:p>
+            <a:pPr algn="r">
+              <a:defRPr sz="800">
+                <a:solidFill>
+                  <a:srgbClr val="808080"/>
+                </a:solidFill>
+                <a:latin typeface="Arial"/>
+              </a:defRPr>
+            </a:pPr>
+            <a:r>
+              <a:t>Sephora</a:t>
+            </a:r>
+          </a:p>
+        </p:txBody>
+      </p:sp>
+    </p:spTree>
+  </p:cSld>
+  <p:clrMapOvr>
+    <a:masterClrMapping/>
+  </p:clrMapOvr>
+</p:sld>
+</file>
+
+<file path=ppt/slides/slide6.xml><?xml version="1.0" encoding="utf-8"?>
+<p:sld xmlns:a="http://schemas.openxmlformats.org/drawingml/2006/main" xmlns:p="http://schemas.openxmlformats.org/presentationml/2006/main" xmlns:r="http://schemas.openxmlformats.org/officeDocument/2006/relationships">
+  <p:cSld>
+    <p:bg>
+      <p:bgPr>
+        <a:solidFill>
+          <a:srgbClr val="FFFFFF"/>
+        </a:solidFill>
+        <a:effectLst/>
+      </p:bgPr>
+    </p:bg>
+    <p:spTree>
+      <p:nvGrpSpPr>
+        <p:cNvPr id="1" name=""/>
+        <p:cNvGrpSpPr/>
+        <p:nvPr/>
+      </p:nvGrpSpPr>
+      <p:grpSpPr/>
+      <p:sp>
+        <p:nvSpPr>
+          <p:cNvPr id="2" name="TextBox 1"/>
+          <p:cNvSpPr txBox="1"/>
+          <p:nvPr/>
+        </p:nvSpPr>
+        <p:spPr>
+          <a:xfrm>
+            <a:off x="457200" y="274320"/>
+            <a:ext cx="11277295" cy="731520"/>
+          </a:xfrm>
+          <a:prstGeom prst="rect">
+            <a:avLst/>
+          </a:prstGeom>
+          <a:noFill/>
+        </p:spPr>
+        <p:txBody>
+          <a:bodyPr wrap="none" lIns="0" tIns="0" rIns="0" bIns="0">
+            <a:spAutoFit/>
+          </a:bodyPr>
+          <a:lstStyle/>
+          <a:p>
+            <a:pPr algn="l"/>
+            <a:r>
+              <a:rPr sz="2400" b="1">
+                <a:solidFill>
+                  <a:srgbClr val="FFC0CB"/>
+                </a:solidFill>
+                <a:latin typeface="Arial"/>
+              </a:rPr>
+              <a:t>Competitive Positioning</a:t>
+            </a:r>
+          </a:p>
+        </p:txBody>
+      </p:sp>
+      <p:sp>
+        <p:nvSpPr>
+          <p:cNvPr id="3" name="Rectangle 2"/>
+          <p:cNvSpPr/>
+          <p:nvPr/>
+        </p:nvSpPr>
+        <p:spPr>
+          <a:xfrm>
+            <a:off x="457200" y="914400"/>
+            <a:ext cx="11277295" cy="45720"/>
+          </a:xfrm>
+          <a:prstGeom prst="rect">
+            <a:avLst/>
+          </a:prstGeom>
+          <a:solidFill>
+            <a:srgbClr val="FFC0CB"/>
+          </a:solidFill>
+          <a:ln>
+            <a:noFill/>
+          </a:ln>
+        </p:spPr>
+        <p:style>
+          <a:lnRef idx="1">
+            <a:schemeClr val="accent1"/>
+          </a:lnRef>
+          <a:fillRef idx="3">
+            <a:schemeClr val="accent1"/>
+          </a:fillRef>
+          <a:effectRef idx="2">
+            <a:schemeClr val="accent1"/>
+          </a:effectRef>
+          <a:fontRef idx="minor">
+            <a:schemeClr val="lt1"/>
+          </a:fontRef>
+        </p:style>
+        <p:txBody>
+          <a:bodyPr rtlCol="0" anchor="ctr"/>
+          <a:lstStyle/>
+          <a:p>
+            <a:pPr algn="ctr"/>
+          </a:p>
+        </p:txBody>
+      </p:sp>
+      <p:sp>
+        <p:nvSpPr>
+          <p:cNvPr id="4" name="TextBox 3"/>
+          <p:cNvSpPr txBox="1"/>
+          <p:nvPr/>
+        </p:nvSpPr>
+        <p:spPr>
+          <a:xfrm>
+            <a:off x="457200" y="1188720"/>
+            <a:ext cx="5486400" cy="274320"/>
+          </a:xfrm>
+          <a:prstGeom prst="rect">
+            <a:avLst/>
+          </a:prstGeom>
+          <a:noFill/>
+          <a:ln>
+            <a:noFill/>
+          </a:ln>
+          <a:effectLst/>
+        </p:spPr>
+        <p:txBody>
+          <a:bodyPr wrap="square">
+            <a:spAutoFit/>
+          </a:bodyPr>
+          <a:lstStyle/>
+          <a:p>
+            <a:pPr algn="l"/>
+            <a:r>
+              <a:rPr sz="1400" b="1">
+                <a:solidFill>
+                  <a:srgbClr val="FFC0CB"/>
+                </a:solidFill>
+                <a:latin typeface="Arial"/>
+              </a:rPr>
+              <a:t>Revenue Comparison vs. Competitors</a:t>
+            </a:r>
+          </a:p>
+        </p:txBody>
+      </p:sp>
+      <p:graphicFrame>
+        <p:nvGraphicFramePr>
+          <p:cNvPr id="5" name="Chart 4"/>
+          <p:cNvGraphicFramePr>
+            <a:graphicFrameLocks noGrp="1"/>
+          </p:cNvGraphicFramePr>
+          <p:nvPr/>
+        </p:nvGraphicFramePr>
+        <p:xfrm>
+          <a:off x="457200" y="1554480"/>
+          <a:ext cx="5486400" cy="2286000"/>
+        </p:xfrm>
+        <a:graphic>
+          <a:graphicData uri="http://schemas.openxmlformats.org/drawingml/2006/chart">
+            <c:chart xmlns:c="http://schemas.openxmlformats.org/drawingml/2006/chart" r:id="rId2"/>
+          </a:graphicData>
+        </a:graphic>
+      </p:graphicFrame>
+      <p:sp>
+        <p:nvSpPr>
+          <p:cNvPr id="6" name="TextBox 5"/>
+          <p:cNvSpPr txBox="1"/>
+          <p:nvPr/>
+        </p:nvSpPr>
+        <p:spPr>
+          <a:xfrm>
+            <a:off x="6858000" y="1188720"/>
+            <a:ext cx="5029200" cy="274320"/>
+          </a:xfrm>
+          <a:prstGeom prst="rect">
+            <a:avLst/>
+          </a:prstGeom>
+          <a:noFill/>
+          <a:ln>
+            <a:noFill/>
+          </a:ln>
+          <a:effectLst/>
+        </p:spPr>
+        <p:txBody>
+          <a:bodyPr wrap="square">
+            <a:spAutoFit/>
+          </a:bodyPr>
+          <a:lstStyle/>
+          <a:p>
+            <a:pPr algn="l"/>
+            <a:r>
+              <a:rPr sz="1400" b="1">
+                <a:solidFill>
+                  <a:srgbClr val="FFC0CB"/>
+                </a:solidFill>
+                <a:latin typeface="Arial"/>
+              </a:rPr>
+              <a:t>Competitive Assessment</a:t>
+            </a:r>
+          </a:p>
+        </p:txBody>
+      </p:sp>
+      <p:sp>
+        <p:nvSpPr>
+          <p:cNvPr id="7" name="TextBox 6"/>
+          <p:cNvSpPr txBox="1"/>
+          <p:nvPr/>
+        </p:nvSpPr>
+        <p:spPr>
+          <a:xfrm>
+            <a:off x="6858000" y="1828800"/>
+            <a:ext cx="5029200" cy="1371600"/>
           </a:xfrm>
           <a:prstGeom prst="rect">
             <a:avLst/>
@@ -5223,8 +9349,1674 @@
           </a:bodyPr>
           <a:lstStyle/>
           <a:p>
-            <a:r>
-              <a:t>[Adapter notice] No renderer found for this template.</a:t>
+            <a:pPr algn="ctr">
+              <a:defRPr sz="1200">
+                <a:solidFill>
+                  <a:srgbClr val="404040"/>
+                </a:solidFill>
+                <a:latin typeface="Arial"/>
+              </a:defRPr>
+            </a:pPr>
+            <a:r>
+              <a:t>Competitive assessment data not available. Please ensure LLM generates comprehensive competitor analysis.</a:t>
+            </a:r>
+          </a:p>
+        </p:txBody>
+      </p:sp>
+    </p:spTree>
+  </p:cSld>
+  <p:clrMapOvr>
+    <a:masterClrMapping/>
+  </p:clrMapOvr>
+</p:sld>
+</file>
+
+<file path=ppt/slides/slide7.xml><?xml version="1.0" encoding="utf-8"?>
+<p:sld xmlns:a="http://schemas.openxmlformats.org/drawingml/2006/main" xmlns:p="http://schemas.openxmlformats.org/presentationml/2006/main" xmlns:r="http://schemas.openxmlformats.org/officeDocument/2006/relationships">
+  <p:cSld>
+    <p:spTree>
+      <p:nvGrpSpPr>
+        <p:cNvPr id="1" name=""/>
+        <p:cNvGrpSpPr/>
+        <p:nvPr/>
+      </p:nvGrpSpPr>
+      <p:grpSpPr/>
+      <p:sp>
+        <p:nvSpPr>
+          <p:cNvPr id="2" name="TextBox 1"/>
+          <p:cNvSpPr txBox="1"/>
+          <p:nvPr/>
+        </p:nvSpPr>
+        <p:spPr>
+          <a:xfrm>
+            <a:off x="457200" y="274320"/>
+            <a:ext cx="11277295" cy="731520"/>
+          </a:xfrm>
+          <a:prstGeom prst="rect">
+            <a:avLst/>
+          </a:prstGeom>
+          <a:noFill/>
+        </p:spPr>
+        <p:txBody>
+          <a:bodyPr wrap="none" lIns="0" tIns="0" rIns="0" bIns="0">
+            <a:spAutoFit/>
+          </a:bodyPr>
+          <a:lstStyle/>
+          <a:p>
+            <a:pPr algn="l"/>
+            <a:r>
+              <a:rPr sz="2400" b="1">
+                <a:solidFill>
+                  <a:srgbClr val="FFC0CB"/>
+                </a:solidFill>
+                <a:latin typeface="Arial"/>
+              </a:rPr>
+              <a:t>Precedent Transactions</a:t>
+            </a:r>
+          </a:p>
+        </p:txBody>
+      </p:sp>
+      <p:sp>
+        <p:nvSpPr>
+          <p:cNvPr id="3" name="Rectangle 2"/>
+          <p:cNvSpPr/>
+          <p:nvPr/>
+        </p:nvSpPr>
+        <p:spPr>
+          <a:xfrm>
+            <a:off x="457200" y="914400"/>
+            <a:ext cx="11277295" cy="45720"/>
+          </a:xfrm>
+          <a:prstGeom prst="rect">
+            <a:avLst/>
+          </a:prstGeom>
+          <a:solidFill>
+            <a:srgbClr val="FFC0CB"/>
+          </a:solidFill>
+          <a:ln>
+            <a:noFill/>
+          </a:ln>
+        </p:spPr>
+        <p:style>
+          <a:lnRef idx="1">
+            <a:schemeClr val="accent1"/>
+          </a:lnRef>
+          <a:fillRef idx="3">
+            <a:schemeClr val="accent1"/>
+          </a:fillRef>
+          <a:effectRef idx="2">
+            <a:schemeClr val="accent1"/>
+          </a:effectRef>
+          <a:fontRef idx="minor">
+            <a:schemeClr val="lt1"/>
+          </a:fontRef>
+        </p:style>
+        <p:txBody>
+          <a:bodyPr rtlCol="0" anchor="ctr"/>
+          <a:lstStyle/>
+          <a:p>
+            <a:pPr algn="ctr"/>
+          </a:p>
+        </p:txBody>
+      </p:sp>
+      <p:sp>
+        <p:nvSpPr>
+          <p:cNvPr id="4" name="TextBox 3"/>
+          <p:cNvSpPr txBox="1"/>
+          <p:nvPr/>
+        </p:nvSpPr>
+        <p:spPr>
+          <a:xfrm>
+            <a:off x="1828800" y="1371600"/>
+            <a:ext cx="8229600" cy="457200"/>
+          </a:xfrm>
+          <a:prstGeom prst="rect">
+            <a:avLst/>
+          </a:prstGeom>
+          <a:noFill/>
+        </p:spPr>
+        <p:txBody>
+          <a:bodyPr wrap="none">
+            <a:spAutoFit/>
+          </a:bodyPr>
+          <a:lstStyle/>
+          <a:p>
+            <a:pPr algn="ctr">
+              <a:defRPr sz="1400" b="1">
+                <a:solidFill>
+                  <a:srgbClr val="FFC0CB"/>
+                </a:solidFill>
+                <a:latin typeface="Arial"/>
+              </a:defRPr>
+            </a:pPr>
+            <a:r>
+              <a:t>EV/Revenue Multiples by Transaction</a:t>
+            </a:r>
+          </a:p>
+        </p:txBody>
+      </p:sp>
+      <p:sp>
+        <p:nvSpPr>
+          <p:cNvPr id="5" name="Rectangle 4"/>
+          <p:cNvSpPr/>
+          <p:nvPr/>
+        </p:nvSpPr>
+        <p:spPr>
+          <a:xfrm>
+            <a:off x="1645920" y="2103120"/>
+            <a:ext cx="2804160" cy="1371600"/>
+          </a:xfrm>
+          <a:prstGeom prst="rect">
+            <a:avLst/>
+          </a:prstGeom>
+          <a:solidFill>
+            <a:srgbClr val="FFC0CB"/>
+          </a:solidFill>
+          <a:ln>
+            <a:noFill/>
+          </a:ln>
+        </p:spPr>
+        <p:style>
+          <a:lnRef idx="1">
+            <a:schemeClr val="accent1"/>
+          </a:lnRef>
+          <a:fillRef idx="3">
+            <a:schemeClr val="accent1"/>
+          </a:fillRef>
+          <a:effectRef idx="2">
+            <a:schemeClr val="accent1"/>
+          </a:effectRef>
+          <a:fontRef idx="minor">
+            <a:schemeClr val="lt1"/>
+          </a:fontRef>
+        </p:style>
+        <p:txBody>
+          <a:bodyPr rtlCol="0" anchor="ctr"/>
+          <a:lstStyle/>
+          <a:p>
+            <a:pPr algn="ctr"/>
+          </a:p>
+        </p:txBody>
+      </p:sp>
+      <p:sp>
+        <p:nvSpPr>
+          <p:cNvPr id="6" name="TextBox 5"/>
+          <p:cNvSpPr txBox="1"/>
+          <p:nvPr/>
+        </p:nvSpPr>
+        <p:spPr>
+          <a:xfrm>
+            <a:off x="1645920" y="1874520"/>
+            <a:ext cx="2804160" cy="182880"/>
+          </a:xfrm>
+          <a:prstGeom prst="rect">
+            <a:avLst/>
+          </a:prstGeom>
+          <a:noFill/>
+        </p:spPr>
+        <p:txBody>
+          <a:bodyPr wrap="none">
+            <a:spAutoFit/>
+          </a:bodyPr>
+          <a:lstStyle/>
+          <a:p>
+            <a:pPr algn="ctr">
+              <a:defRPr sz="900" b="1">
+                <a:latin typeface="Arial"/>
+              </a:defRPr>
+            </a:pPr>
+            <a:r>
+              <a:t>5.0x</a:t>
+            </a:r>
+          </a:p>
+        </p:txBody>
+      </p:sp>
+      <p:sp>
+        <p:nvSpPr>
+          <p:cNvPr id="7" name="TextBox 6"/>
+          <p:cNvSpPr txBox="1"/>
+          <p:nvPr/>
+        </p:nvSpPr>
+        <p:spPr>
+          <a:xfrm>
+            <a:off x="1645920" y="3566160"/>
+            <a:ext cx="2804160" cy="182880"/>
+          </a:xfrm>
+          <a:prstGeom prst="rect">
+            <a:avLst/>
+          </a:prstGeom>
+          <a:noFill/>
+        </p:spPr>
+        <p:txBody>
+          <a:bodyPr wrap="none">
+            <a:spAutoFit/>
+          </a:bodyPr>
+          <a:lstStyle/>
+          <a:p>
+            <a:pPr algn="ctr">
+              <a:defRPr sz="900">
+                <a:latin typeface="Arial"/>
+              </a:defRPr>
+            </a:pPr>
+            <a:r>
+              <a:t>T1</a:t>
+            </a:r>
+          </a:p>
+        </p:txBody>
+      </p:sp>
+      <p:sp>
+        <p:nvSpPr>
+          <p:cNvPr id="8" name="Rectangle 7"/>
+          <p:cNvSpPr/>
+          <p:nvPr/>
+        </p:nvSpPr>
+        <p:spPr>
+          <a:xfrm>
+            <a:off x="4541520" y="2651761"/>
+            <a:ext cx="2804160" cy="822959"/>
+          </a:xfrm>
+          <a:prstGeom prst="rect">
+            <a:avLst/>
+          </a:prstGeom>
+          <a:solidFill>
+            <a:srgbClr val="FFC0CB"/>
+          </a:solidFill>
+          <a:ln>
+            <a:noFill/>
+          </a:ln>
+        </p:spPr>
+        <p:style>
+          <a:lnRef idx="1">
+            <a:schemeClr val="accent1"/>
+          </a:lnRef>
+          <a:fillRef idx="3">
+            <a:schemeClr val="accent1"/>
+          </a:fillRef>
+          <a:effectRef idx="2">
+            <a:schemeClr val="accent1"/>
+          </a:effectRef>
+          <a:fontRef idx="minor">
+            <a:schemeClr val="lt1"/>
+          </a:fontRef>
+        </p:style>
+        <p:txBody>
+          <a:bodyPr rtlCol="0" anchor="ctr"/>
+          <a:lstStyle/>
+          <a:p>
+            <a:pPr algn="ctr"/>
+          </a:p>
+        </p:txBody>
+      </p:sp>
+      <p:sp>
+        <p:nvSpPr>
+          <p:cNvPr id="9" name="TextBox 8"/>
+          <p:cNvSpPr txBox="1"/>
+          <p:nvPr/>
+        </p:nvSpPr>
+        <p:spPr>
+          <a:xfrm>
+            <a:off x="4541520" y="2423161"/>
+            <a:ext cx="2804160" cy="182880"/>
+          </a:xfrm>
+          <a:prstGeom prst="rect">
+            <a:avLst/>
+          </a:prstGeom>
+          <a:noFill/>
+        </p:spPr>
+        <p:txBody>
+          <a:bodyPr wrap="none">
+            <a:spAutoFit/>
+          </a:bodyPr>
+          <a:lstStyle/>
+          <a:p>
+            <a:pPr algn="ctr">
+              <a:defRPr sz="900" b="1">
+                <a:latin typeface="Arial"/>
+              </a:defRPr>
+            </a:pPr>
+            <a:r>
+              <a:t>3.0x</a:t>
+            </a:r>
+          </a:p>
+        </p:txBody>
+      </p:sp>
+      <p:sp>
+        <p:nvSpPr>
+          <p:cNvPr id="10" name="TextBox 9"/>
+          <p:cNvSpPr txBox="1"/>
+          <p:nvPr/>
+        </p:nvSpPr>
+        <p:spPr>
+          <a:xfrm>
+            <a:off x="4541520" y="3566160"/>
+            <a:ext cx="2804160" cy="182880"/>
+          </a:xfrm>
+          <a:prstGeom prst="rect">
+            <a:avLst/>
+          </a:prstGeom>
+          <a:noFill/>
+        </p:spPr>
+        <p:txBody>
+          <a:bodyPr wrap="none">
+            <a:spAutoFit/>
+          </a:bodyPr>
+          <a:lstStyle/>
+          <a:p>
+            <a:pPr algn="ctr">
+              <a:defRPr sz="900">
+                <a:latin typeface="Arial"/>
+              </a:defRPr>
+            </a:pPr>
+            <a:r>
+              <a:t>T2</a:t>
+            </a:r>
+          </a:p>
+        </p:txBody>
+      </p:sp>
+      <p:sp>
+        <p:nvSpPr>
+          <p:cNvPr id="11" name="Rectangle 10"/>
+          <p:cNvSpPr/>
+          <p:nvPr/>
+        </p:nvSpPr>
+        <p:spPr>
+          <a:xfrm>
+            <a:off x="7437120" y="2377440"/>
+            <a:ext cx="2804160" cy="1097280"/>
+          </a:xfrm>
+          <a:prstGeom prst="rect">
+            <a:avLst/>
+          </a:prstGeom>
+          <a:solidFill>
+            <a:srgbClr val="FFC0CB"/>
+          </a:solidFill>
+          <a:ln>
+            <a:noFill/>
+          </a:ln>
+        </p:spPr>
+        <p:style>
+          <a:lnRef idx="1">
+            <a:schemeClr val="accent1"/>
+          </a:lnRef>
+          <a:fillRef idx="3">
+            <a:schemeClr val="accent1"/>
+          </a:fillRef>
+          <a:effectRef idx="2">
+            <a:schemeClr val="accent1"/>
+          </a:effectRef>
+          <a:fontRef idx="minor">
+            <a:schemeClr val="lt1"/>
+          </a:fontRef>
+        </p:style>
+        <p:txBody>
+          <a:bodyPr rtlCol="0" anchor="ctr"/>
+          <a:lstStyle/>
+          <a:p>
+            <a:pPr algn="ctr"/>
+          </a:p>
+        </p:txBody>
+      </p:sp>
+      <p:sp>
+        <p:nvSpPr>
+          <p:cNvPr id="12" name="TextBox 11"/>
+          <p:cNvSpPr txBox="1"/>
+          <p:nvPr/>
+        </p:nvSpPr>
+        <p:spPr>
+          <a:xfrm>
+            <a:off x="7437120" y="2148840"/>
+            <a:ext cx="2804160" cy="182880"/>
+          </a:xfrm>
+          <a:prstGeom prst="rect">
+            <a:avLst/>
+          </a:prstGeom>
+          <a:noFill/>
+        </p:spPr>
+        <p:txBody>
+          <a:bodyPr wrap="none">
+            <a:spAutoFit/>
+          </a:bodyPr>
+          <a:lstStyle/>
+          <a:p>
+            <a:pPr algn="ctr">
+              <a:defRPr sz="900" b="1">
+                <a:latin typeface="Arial"/>
+              </a:defRPr>
+            </a:pPr>
+            <a:r>
+              <a:t>4.0x</a:t>
+            </a:r>
+          </a:p>
+        </p:txBody>
+      </p:sp>
+      <p:sp>
+        <p:nvSpPr>
+          <p:cNvPr id="13" name="TextBox 12"/>
+          <p:cNvSpPr txBox="1"/>
+          <p:nvPr/>
+        </p:nvSpPr>
+        <p:spPr>
+          <a:xfrm>
+            <a:off x="7437120" y="3566160"/>
+            <a:ext cx="2804160" cy="182880"/>
+          </a:xfrm>
+          <a:prstGeom prst="rect">
+            <a:avLst/>
+          </a:prstGeom>
+          <a:noFill/>
+        </p:spPr>
+        <p:txBody>
+          <a:bodyPr wrap="none">
+            <a:spAutoFit/>
+          </a:bodyPr>
+          <a:lstStyle/>
+          <a:p>
+            <a:pPr algn="ctr">
+              <a:defRPr sz="900">
+                <a:latin typeface="Arial"/>
+              </a:defRPr>
+            </a:pPr>
+            <a:r>
+              <a:t>T3</a:t>
+            </a:r>
+          </a:p>
+        </p:txBody>
+      </p:sp>
+      <p:graphicFrame>
+        <p:nvGraphicFramePr>
+          <p:cNvPr id="14" name="Table 13"/>
+          <p:cNvGraphicFramePr>
+            <a:graphicFrameLocks noGrp="1"/>
+          </p:cNvGraphicFramePr>
+          <p:nvPr/>
+        </p:nvGraphicFramePr>
+        <p:xfrm>
+          <a:off x="365760" y="4389120"/>
+          <a:ext cx="1188720" cy="2048256"/>
+        </p:xfrm>
+        <a:graphic>
+          <a:graphicData uri="http://schemas.openxmlformats.org/drawingml/2006/table">
+            <a:tbl>
+              <a:tblPr firstRow="1" bandRow="1">
+                <a:tableStyleId>{5C22544A-7EE6-4342-B048-85BDC9FD1C3A}</a:tableStyleId>
+              </a:tblPr>
+              <a:tblGrid>
+                <a:gridCol w="1188720"/>
+              </a:tblGrid>
+              <a:tr h="292608">
+                <a:tc>
+                  <a:txBody>
+                    <a:bodyPr/>
+                    <a:lstStyle/>
+                    <a:p>
+                      <a:pPr algn="r">
+                        <a:defRPr sz="1200" b="1">
+                          <a:solidFill>
+                            <a:srgbClr val="404040"/>
+                          </a:solidFill>
+                          <a:latin typeface="Arial"/>
+                        </a:defRPr>
+                      </a:pPr>
+                      <a:r>
+                        <a:t>Date</a:t>
+                      </a:r>
+                    </a:p>
+                  </a:txBody>
+                  <a:tcPr anchor="ctr">
+                    <a:solidFill>
+                      <a:srgbClr val="F0F0F0"/>
+                    </a:solidFill>
+                  </a:tcPr>
+                </a:tc>
+              </a:tr>
+              <a:tr h="292608">
+                <a:tc>
+                  <a:txBody>
+                    <a:bodyPr/>
+                    <a:lstStyle/>
+                    <a:p>
+                      <a:pPr algn="r">
+                        <a:defRPr sz="1200" b="1">
+                          <a:solidFill>
+                            <a:srgbClr val="404040"/>
+                          </a:solidFill>
+                          <a:latin typeface="Arial"/>
+                        </a:defRPr>
+                      </a:pPr>
+                      <a:r>
+                        <a:t>Target</a:t>
+                      </a:r>
+                    </a:p>
+                  </a:txBody>
+                  <a:tcPr anchor="ctr">
+                    <a:solidFill>
+                      <a:srgbClr val="F0F0F0"/>
+                    </a:solidFill>
+                  </a:tcPr>
+                </a:tc>
+              </a:tr>
+              <a:tr h="292608">
+                <a:tc>
+                  <a:txBody>
+                    <a:bodyPr/>
+                    <a:lstStyle/>
+                    <a:p>
+                      <a:pPr algn="r">
+                        <a:defRPr sz="1200" b="1">
+                          <a:solidFill>
+                            <a:srgbClr val="404040"/>
+                          </a:solidFill>
+                          <a:latin typeface="Arial"/>
+                        </a:defRPr>
+                      </a:pPr>
+                      <a:r>
+                        <a:t>Acquirer</a:t>
+                      </a:r>
+                    </a:p>
+                  </a:txBody>
+                  <a:tcPr anchor="ctr">
+                    <a:solidFill>
+                      <a:srgbClr val="F0F0F0"/>
+                    </a:solidFill>
+                  </a:tcPr>
+                </a:tc>
+              </a:tr>
+              <a:tr h="292608">
+                <a:tc>
+                  <a:txBody>
+                    <a:bodyPr/>
+                    <a:lstStyle/>
+                    <a:p>
+                      <a:pPr algn="r">
+                        <a:defRPr sz="1200" b="1">
+                          <a:solidFill>
+                            <a:srgbClr val="404040"/>
+                          </a:solidFill>
+                          <a:latin typeface="Arial"/>
+                        </a:defRPr>
+                      </a:pPr>
+                      <a:r>
+                        <a:t>Country</a:t>
+                      </a:r>
+                    </a:p>
+                  </a:txBody>
+                  <a:tcPr anchor="ctr">
+                    <a:solidFill>
+                      <a:srgbClr val="F0F0F0"/>
+                    </a:solidFill>
+                  </a:tcPr>
+                </a:tc>
+              </a:tr>
+              <a:tr h="292608">
+                <a:tc>
+                  <a:txBody>
+                    <a:bodyPr/>
+                    <a:lstStyle/>
+                    <a:p>
+                      <a:pPr algn="r">
+                        <a:defRPr sz="1200" b="1">
+                          <a:solidFill>
+                            <a:srgbClr val="404040"/>
+                          </a:solidFill>
+                          <a:latin typeface="Arial"/>
+                        </a:defRPr>
+                      </a:pPr>
+                      <a:r>
+                        <a:t>EV ($M)</a:t>
+                      </a:r>
+                    </a:p>
+                  </a:txBody>
+                  <a:tcPr anchor="ctr">
+                    <a:solidFill>
+                      <a:srgbClr val="F0F0F0"/>
+                    </a:solidFill>
+                  </a:tcPr>
+                </a:tc>
+              </a:tr>
+              <a:tr h="292608">
+                <a:tc>
+                  <a:txBody>
+                    <a:bodyPr/>
+                    <a:lstStyle/>
+                    <a:p>
+                      <a:pPr algn="r">
+                        <a:defRPr sz="1200" b="1">
+                          <a:solidFill>
+                            <a:srgbClr val="404040"/>
+                          </a:solidFill>
+                          <a:latin typeface="Arial"/>
+                        </a:defRPr>
+                      </a:pPr>
+                      <a:r>
+                        <a:t>Revenue ($M)</a:t>
+                      </a:r>
+                    </a:p>
+                  </a:txBody>
+                  <a:tcPr anchor="ctr">
+                    <a:solidFill>
+                      <a:srgbClr val="F0F0F0"/>
+                    </a:solidFill>
+                  </a:tcPr>
+                </a:tc>
+              </a:tr>
+              <a:tr h="292608">
+                <a:tc>
+                  <a:txBody>
+                    <a:bodyPr/>
+                    <a:lstStyle/>
+                    <a:p>
+                      <a:pPr algn="r">
+                        <a:defRPr sz="1200" b="1">
+                          <a:solidFill>
+                            <a:srgbClr val="404040"/>
+                          </a:solidFill>
+                          <a:latin typeface="Arial"/>
+                        </a:defRPr>
+                      </a:pPr>
+                      <a:r>
+                        <a:t>EV/Revenue</a:t>
+                      </a:r>
+                    </a:p>
+                  </a:txBody>
+                  <a:tcPr anchor="ctr">
+                    <a:solidFill>
+                      <a:srgbClr val="F0F0F0"/>
+                    </a:solidFill>
+                  </a:tcPr>
+                </a:tc>
+              </a:tr>
+            </a:tbl>
+          </a:graphicData>
+        </a:graphic>
+      </p:graphicFrame>
+      <p:graphicFrame>
+        <p:nvGraphicFramePr>
+          <p:cNvPr id="15" name="Table 14"/>
+          <p:cNvGraphicFramePr>
+            <a:graphicFrameLocks noGrp="1"/>
+          </p:cNvGraphicFramePr>
+          <p:nvPr/>
+        </p:nvGraphicFramePr>
+        <p:xfrm>
+          <a:off x="1600200" y="4389120"/>
+          <a:ext cx="8686800" cy="2048256"/>
+        </p:xfrm>
+        <a:graphic>
+          <a:graphicData uri="http://schemas.openxmlformats.org/drawingml/2006/table">
+            <a:tbl>
+              <a:tblPr firstRow="1" bandRow="1">
+                <a:tableStyleId>{5C22544A-7EE6-4342-B048-85BDC9FD1C3A}</a:tableStyleId>
+              </a:tblPr>
+              <a:tblGrid>
+                <a:gridCol w="2895600"/>
+                <a:gridCol w="2895600"/>
+                <a:gridCol w="2895600"/>
+              </a:tblGrid>
+              <a:tr h="292608">
+                <a:tc>
+                  <a:txBody>
+                    <a:bodyPr/>
+                    <a:lstStyle/>
+                    <a:p>
+                      <a:pPr algn="ctr">
+                        <a:defRPr sz="1000">
+                          <a:solidFill>
+                            <a:srgbClr val="404040"/>
+                          </a:solidFill>
+                          <a:latin typeface="Arial"/>
+                        </a:defRPr>
+                      </a:pPr>
+                      <a:r>
+                        <a:t>2023</a:t>
+                      </a:r>
+                    </a:p>
+                  </a:txBody>
+                  <a:tcPr anchor="ctr" marL="45720" marR="45720" marT="27432" marB="27432">
+                    <a:solidFill>
+                      <a:srgbClr val="FFFFFF"/>
+                    </a:solidFill>
+                  </a:tcPr>
+                </a:tc>
+                <a:tc>
+                  <a:txBody>
+                    <a:bodyPr/>
+                    <a:lstStyle/>
+                    <a:p>
+                      <a:pPr algn="ctr">
+                        <a:defRPr sz="1000">
+                          <a:solidFill>
+                            <a:srgbClr val="404040"/>
+                          </a:solidFill>
+                          <a:latin typeface="Arial"/>
+                        </a:defRPr>
+                      </a:pPr>
+                      <a:r>
+                        <a:t>2022</a:t>
+                      </a:r>
+                    </a:p>
+                  </a:txBody>
+                  <a:tcPr anchor="ctr" marL="45720" marR="45720" marT="27432" marB="27432">
+                    <a:solidFill>
+                      <a:srgbClr val="FFFFFF"/>
+                    </a:solidFill>
+                  </a:tcPr>
+                </a:tc>
+                <a:tc>
+                  <a:txBody>
+                    <a:bodyPr/>
+                    <a:lstStyle/>
+                    <a:p>
+                      <a:pPr algn="ctr">
+                        <a:defRPr sz="1000">
+                          <a:solidFill>
+                            <a:srgbClr val="404040"/>
+                          </a:solidFill>
+                          <a:latin typeface="Arial"/>
+                        </a:defRPr>
+                      </a:pPr>
+                      <a:r>
+                        <a:t>2023</a:t>
+                      </a:r>
+                    </a:p>
+                  </a:txBody>
+                  <a:tcPr anchor="ctr" marL="45720" marR="45720" marT="27432" marB="27432">
+                    <a:solidFill>
+                      <a:srgbClr val="FFFFFF"/>
+                    </a:solidFill>
+                  </a:tcPr>
+                </a:tc>
+              </a:tr>
+              <a:tr h="292608">
+                <a:tc>
+                  <a:txBody>
+                    <a:bodyPr/>
+                    <a:lstStyle/>
+                    <a:p>
+                      <a:pPr algn="ctr">
+                        <a:defRPr sz="1000">
+                          <a:solidFill>
+                            <a:srgbClr val="404040"/>
+                          </a:solidFill>
+                          <a:latin typeface="Arial"/>
+                        </a:defRPr>
+                      </a:pPr>
+                      <a:r>
+                        <a:t>Sample Company A</a:t>
+                      </a:r>
+                    </a:p>
+                  </a:txBody>
+                  <a:tcPr anchor="ctr" marL="45720" marR="45720" marT="27432" marB="27432">
+                    <a:solidFill>
+                      <a:srgbClr val="FFFFFF"/>
+                    </a:solidFill>
+                  </a:tcPr>
+                </a:tc>
+                <a:tc>
+                  <a:txBody>
+                    <a:bodyPr/>
+                    <a:lstStyle/>
+                    <a:p>
+                      <a:pPr algn="ctr">
+                        <a:defRPr sz="1000">
+                          <a:solidFill>
+                            <a:srgbClr val="404040"/>
+                          </a:solidFill>
+                          <a:latin typeface="Arial"/>
+                        </a:defRPr>
+                      </a:pPr>
+                      <a:r>
+                        <a:t>Sample Company B</a:t>
+                      </a:r>
+                    </a:p>
+                  </a:txBody>
+                  <a:tcPr anchor="ctr" marL="45720" marR="45720" marT="27432" marB="27432">
+                    <a:solidFill>
+                      <a:srgbClr val="FFFFFF"/>
+                    </a:solidFill>
+                  </a:tcPr>
+                </a:tc>
+                <a:tc>
+                  <a:txBody>
+                    <a:bodyPr/>
+                    <a:lstStyle/>
+                    <a:p>
+                      <a:pPr algn="ctr">
+                        <a:defRPr sz="1000">
+                          <a:solidFill>
+                            <a:srgbClr val="404040"/>
+                          </a:solidFill>
+                          <a:latin typeface="Arial"/>
+                        </a:defRPr>
+                      </a:pPr>
+                      <a:r>
+                        <a:t>Sample Company C</a:t>
+                      </a:r>
+                    </a:p>
+                  </a:txBody>
+                  <a:tcPr anchor="ctr" marL="45720" marR="45720" marT="27432" marB="27432">
+                    <a:solidFill>
+                      <a:srgbClr val="FFFFFF"/>
+                    </a:solidFill>
+                  </a:tcPr>
+                </a:tc>
+              </a:tr>
+              <a:tr h="292608">
+                <a:tc>
+                  <a:txBody>
+                    <a:bodyPr/>
+                    <a:lstStyle/>
+                    <a:p>
+                      <a:pPr algn="ctr">
+                        <a:defRPr sz="1000">
+                          <a:solidFill>
+                            <a:srgbClr val="404040"/>
+                          </a:solidFill>
+                          <a:latin typeface="Arial"/>
+                        </a:defRPr>
+                      </a:pPr>
+                      <a:r>
+                        <a:t>Strategic...</a:t>
+                      </a:r>
+                    </a:p>
+                  </a:txBody>
+                  <a:tcPr anchor="ctr" marL="45720" marR="45720" marT="27432" marB="27432">
+                    <a:solidFill>
+                      <a:srgbClr val="FFFFFF"/>
+                    </a:solidFill>
+                  </a:tcPr>
+                </a:tc>
+                <a:tc>
+                  <a:txBody>
+                    <a:bodyPr/>
+                    <a:lstStyle/>
+                    <a:p>
+                      <a:pPr algn="ctr">
+                        <a:defRPr sz="1000">
+                          <a:solidFill>
+                            <a:srgbClr val="404040"/>
+                          </a:solidFill>
+                          <a:latin typeface="Arial"/>
+                        </a:defRPr>
+                      </a:pPr>
+                      <a:r>
+                        <a:t>Private...</a:t>
+                      </a:r>
+                    </a:p>
+                  </a:txBody>
+                  <a:tcPr anchor="ctr" marL="45720" marR="45720" marT="27432" marB="27432">
+                    <a:solidFill>
+                      <a:srgbClr val="FFFFFF"/>
+                    </a:solidFill>
+                  </a:tcPr>
+                </a:tc>
+                <a:tc>
+                  <a:txBody>
+                    <a:bodyPr/>
+                    <a:lstStyle/>
+                    <a:p>
+                      <a:pPr algn="ctr">
+                        <a:defRPr sz="1000">
+                          <a:solidFill>
+                            <a:srgbClr val="404040"/>
+                          </a:solidFill>
+                          <a:latin typeface="Arial"/>
+                        </a:defRPr>
+                      </a:pPr>
+                      <a:r>
+                        <a:t>Industry...</a:t>
+                      </a:r>
+                    </a:p>
+                  </a:txBody>
+                  <a:tcPr anchor="ctr" marL="45720" marR="45720" marT="27432" marB="27432">
+                    <a:solidFill>
+                      <a:srgbClr val="FFFFFF"/>
+                    </a:solidFill>
+                  </a:tcPr>
+                </a:tc>
+              </a:tr>
+              <a:tr h="292608">
+                <a:tc>
+                  <a:txBody>
+                    <a:bodyPr/>
+                    <a:lstStyle/>
+                    <a:p>
+                      <a:pPr algn="ctr">
+                        <a:defRPr sz="1000">
+                          <a:solidFill>
+                            <a:srgbClr val="404040"/>
+                          </a:solidFill>
+                          <a:latin typeface="Arial"/>
+                        </a:defRPr>
+                      </a:pPr>
+                      <a:r>
+                        <a:t>USA</a:t>
+                      </a:r>
+                    </a:p>
+                  </a:txBody>
+                  <a:tcPr anchor="ctr" marL="45720" marR="45720" marT="27432" marB="27432">
+                    <a:solidFill>
+                      <a:srgbClr val="FFFFFF"/>
+                    </a:solidFill>
+                  </a:tcPr>
+                </a:tc>
+                <a:tc>
+                  <a:txBody>
+                    <a:bodyPr/>
+                    <a:lstStyle/>
+                    <a:p>
+                      <a:pPr algn="ctr">
+                        <a:defRPr sz="1000">
+                          <a:solidFill>
+                            <a:srgbClr val="404040"/>
+                          </a:solidFill>
+                          <a:latin typeface="Arial"/>
+                        </a:defRPr>
+                      </a:pPr>
+                      <a:r>
+                        <a:t>USA</a:t>
+                      </a:r>
+                    </a:p>
+                  </a:txBody>
+                  <a:tcPr anchor="ctr" marL="45720" marR="45720" marT="27432" marB="27432">
+                    <a:solidFill>
+                      <a:srgbClr val="FFFFFF"/>
+                    </a:solidFill>
+                  </a:tcPr>
+                </a:tc>
+                <a:tc>
+                  <a:txBody>
+                    <a:bodyPr/>
+                    <a:lstStyle/>
+                    <a:p>
+                      <a:pPr algn="ctr">
+                        <a:defRPr sz="1000">
+                          <a:solidFill>
+                            <a:srgbClr val="404040"/>
+                          </a:solidFill>
+                          <a:latin typeface="Arial"/>
+                        </a:defRPr>
+                      </a:pPr>
+                      <a:r>
+                        <a:t>USA</a:t>
+                      </a:r>
+                    </a:p>
+                  </a:txBody>
+                  <a:tcPr anchor="ctr" marL="45720" marR="45720" marT="27432" marB="27432">
+                    <a:solidFill>
+                      <a:srgbClr val="FFFFFF"/>
+                    </a:solidFill>
+                  </a:tcPr>
+                </a:tc>
+              </a:tr>
+              <a:tr h="292608">
+                <a:tc>
+                  <a:txBody>
+                    <a:bodyPr/>
+                    <a:lstStyle/>
+                    <a:p>
+                      <a:pPr algn="ctr">
+                        <a:defRPr sz="1000">
+                          <a:solidFill>
+                            <a:srgbClr val="404040"/>
+                          </a:solidFill>
+                          <a:latin typeface="Arial"/>
+                        </a:defRPr>
+                      </a:pPr>
+                      <a:r>
+                        <a:t>$250M</a:t>
+                      </a:r>
+                    </a:p>
+                  </a:txBody>
+                  <a:tcPr anchor="ctr" marL="45720" marR="45720" marT="27432" marB="27432">
+                    <a:solidFill>
+                      <a:srgbClr val="FFFFFF"/>
+                    </a:solidFill>
+                  </a:tcPr>
+                </a:tc>
+                <a:tc>
+                  <a:txBody>
+                    <a:bodyPr/>
+                    <a:lstStyle/>
+                    <a:p>
+                      <a:pPr algn="ctr">
+                        <a:defRPr sz="1000">
+                          <a:solidFill>
+                            <a:srgbClr val="404040"/>
+                          </a:solidFill>
+                          <a:latin typeface="Arial"/>
+                        </a:defRPr>
+                      </a:pPr>
+                      <a:r>
+                        <a:t>$180M</a:t>
+                      </a:r>
+                    </a:p>
+                  </a:txBody>
+                  <a:tcPr anchor="ctr" marL="45720" marR="45720" marT="27432" marB="27432">
+                    <a:solidFill>
+                      <a:srgbClr val="FFFFFF"/>
+                    </a:solidFill>
+                  </a:tcPr>
+                </a:tc>
+                <a:tc>
+                  <a:txBody>
+                    <a:bodyPr/>
+                    <a:lstStyle/>
+                    <a:p>
+                      <a:pPr algn="ctr">
+                        <a:defRPr sz="1000">
+                          <a:solidFill>
+                            <a:srgbClr val="404040"/>
+                          </a:solidFill>
+                          <a:latin typeface="Arial"/>
+                        </a:defRPr>
+                      </a:pPr>
+                      <a:r>
+                        <a:t>$320M</a:t>
+                      </a:r>
+                    </a:p>
+                  </a:txBody>
+                  <a:tcPr anchor="ctr" marL="45720" marR="45720" marT="27432" marB="27432">
+                    <a:solidFill>
+                      <a:srgbClr val="FFFFFF"/>
+                    </a:solidFill>
+                  </a:tcPr>
+                </a:tc>
+              </a:tr>
+              <a:tr h="292608">
+                <a:tc>
+                  <a:txBody>
+                    <a:bodyPr/>
+                    <a:lstStyle/>
+                    <a:p>
+                      <a:pPr algn="ctr">
+                        <a:defRPr sz="1000">
+                          <a:solidFill>
+                            <a:srgbClr val="404040"/>
+                          </a:solidFill>
+                          <a:latin typeface="Arial"/>
+                        </a:defRPr>
+                      </a:pPr>
+                      <a:r>
+                        <a:t>$50M</a:t>
+                      </a:r>
+                    </a:p>
+                  </a:txBody>
+                  <a:tcPr anchor="ctr" marL="45720" marR="45720" marT="27432" marB="27432">
+                    <a:solidFill>
+                      <a:srgbClr val="FFFFFF"/>
+                    </a:solidFill>
+                  </a:tcPr>
+                </a:tc>
+                <a:tc>
+                  <a:txBody>
+                    <a:bodyPr/>
+                    <a:lstStyle/>
+                    <a:p>
+                      <a:pPr algn="ctr">
+                        <a:defRPr sz="1000">
+                          <a:solidFill>
+                            <a:srgbClr val="404040"/>
+                          </a:solidFill>
+                          <a:latin typeface="Arial"/>
+                        </a:defRPr>
+                      </a:pPr>
+                      <a:r>
+                        <a:t>$60M</a:t>
+                      </a:r>
+                    </a:p>
+                  </a:txBody>
+                  <a:tcPr anchor="ctr" marL="45720" marR="45720" marT="27432" marB="27432">
+                    <a:solidFill>
+                      <a:srgbClr val="FFFFFF"/>
+                    </a:solidFill>
+                  </a:tcPr>
+                </a:tc>
+                <a:tc>
+                  <a:txBody>
+                    <a:bodyPr/>
+                    <a:lstStyle/>
+                    <a:p>
+                      <a:pPr algn="ctr">
+                        <a:defRPr sz="1000">
+                          <a:solidFill>
+                            <a:srgbClr val="404040"/>
+                          </a:solidFill>
+                          <a:latin typeface="Arial"/>
+                        </a:defRPr>
+                      </a:pPr>
+                      <a:r>
+                        <a:t>$80M</a:t>
+                      </a:r>
+                    </a:p>
+                  </a:txBody>
+                  <a:tcPr anchor="ctr" marL="45720" marR="45720" marT="27432" marB="27432">
+                    <a:solidFill>
+                      <a:srgbClr val="FFFFFF"/>
+                    </a:solidFill>
+                  </a:tcPr>
+                </a:tc>
+              </a:tr>
+              <a:tr h="292608">
+                <a:tc>
+                  <a:txBody>
+                    <a:bodyPr/>
+                    <a:lstStyle/>
+                    <a:p>
+                      <a:pPr algn="ctr">
+                        <a:defRPr sz="1000">
+                          <a:solidFill>
+                            <a:srgbClr val="404040"/>
+                          </a:solidFill>
+                          <a:latin typeface="Arial"/>
+                        </a:defRPr>
+                      </a:pPr>
+                      <a:r>
+                        <a:t>5.0x</a:t>
+                      </a:r>
+                    </a:p>
+                  </a:txBody>
+                  <a:tcPr anchor="ctr" marL="45720" marR="45720" marT="27432" marB="27432">
+                    <a:solidFill>
+                      <a:srgbClr val="FFFFFF"/>
+                    </a:solidFill>
+                  </a:tcPr>
+                </a:tc>
+                <a:tc>
+                  <a:txBody>
+                    <a:bodyPr/>
+                    <a:lstStyle/>
+                    <a:p>
+                      <a:pPr algn="ctr">
+                        <a:defRPr sz="1000">
+                          <a:solidFill>
+                            <a:srgbClr val="404040"/>
+                          </a:solidFill>
+                          <a:latin typeface="Arial"/>
+                        </a:defRPr>
+                      </a:pPr>
+                      <a:r>
+                        <a:t>3.0x</a:t>
+                      </a:r>
+                    </a:p>
+                  </a:txBody>
+                  <a:tcPr anchor="ctr" marL="45720" marR="45720" marT="27432" marB="27432">
+                    <a:solidFill>
+                      <a:srgbClr val="FFFFFF"/>
+                    </a:solidFill>
+                  </a:tcPr>
+                </a:tc>
+                <a:tc>
+                  <a:txBody>
+                    <a:bodyPr/>
+                    <a:lstStyle/>
+                    <a:p>
+                      <a:pPr algn="ctr">
+                        <a:defRPr sz="1000">
+                          <a:solidFill>
+                            <a:srgbClr val="404040"/>
+                          </a:solidFill>
+                          <a:latin typeface="Arial"/>
+                        </a:defRPr>
+                      </a:pPr>
+                      <a:r>
+                        <a:t>4.0x</a:t>
+                      </a:r>
+                    </a:p>
+                  </a:txBody>
+                  <a:tcPr anchor="ctr" marL="45720" marR="45720" marT="27432" marB="27432">
+                    <a:solidFill>
+                      <a:srgbClr val="FFFFFF"/>
+                    </a:solidFill>
+                  </a:tcPr>
+                </a:tc>
+              </a:tr>
+            </a:tbl>
+          </a:graphicData>
+        </a:graphic>
+      </p:graphicFrame>
+      <p:sp>
+        <p:nvSpPr>
+          <p:cNvPr id="16" name="TextBox 15"/>
+          <p:cNvSpPr txBox="1"/>
+          <p:nvPr/>
+        </p:nvSpPr>
+        <p:spPr>
+          <a:xfrm>
+            <a:off x="457200" y="6400800"/>
+            <a:ext cx="5486400" cy="365760"/>
+          </a:xfrm>
+          <a:prstGeom prst="rect">
+            <a:avLst/>
+          </a:prstGeom>
+          <a:noFill/>
+        </p:spPr>
+        <p:txBody>
+          <a:bodyPr wrap="none">
+            <a:spAutoFit/>
+          </a:bodyPr>
+          <a:lstStyle/>
+          <a:p>
+            <a:pPr>
+              <a:defRPr sz="800">
+                <a:solidFill>
+                  <a:srgbClr val="808080"/>
+                </a:solidFill>
+                <a:latin typeface="Arial"/>
+              </a:defRPr>
+            </a:pPr>
+            <a:r>
+              <a:t>Confidential | September 2025</a:t>
+            </a:r>
+          </a:p>
+        </p:txBody>
+      </p:sp>
+      <p:sp>
+        <p:nvSpPr>
+          <p:cNvPr id="17" name="TextBox 16"/>
+          <p:cNvSpPr txBox="1"/>
+          <p:nvPr/>
+        </p:nvSpPr>
+        <p:spPr>
+          <a:xfrm>
+            <a:off x="6705295" y="6400800"/>
+            <a:ext cx="5486400" cy="365760"/>
+          </a:xfrm>
+          <a:prstGeom prst="rect">
+            <a:avLst/>
+          </a:prstGeom>
+          <a:noFill/>
+        </p:spPr>
+        <p:txBody>
+          <a:bodyPr wrap="none">
+            <a:spAutoFit/>
+          </a:bodyPr>
+          <a:lstStyle/>
+          <a:p>
+            <a:pPr algn="r">
+              <a:defRPr sz="800">
+                <a:solidFill>
+                  <a:srgbClr val="808080"/>
+                </a:solidFill>
+                <a:latin typeface="Arial"/>
+              </a:defRPr>
+            </a:pPr>
+            <a:r>
+              <a:t>Sephora</a:t>
+            </a:r>
+          </a:p>
+        </p:txBody>
+      </p:sp>
+    </p:spTree>
+  </p:cSld>
+  <p:clrMapOvr>
+    <a:masterClrMapping/>
+  </p:clrMapOvr>
+</p:sld>
+</file>
+
+<file path=ppt/slides/slide8.xml><?xml version="1.0" encoding="utf-8"?>
+<p:sld xmlns:a="http://schemas.openxmlformats.org/drawingml/2006/main" xmlns:p="http://schemas.openxmlformats.org/presentationml/2006/main" xmlns:r="http://schemas.openxmlformats.org/officeDocument/2006/relationships">
+  <p:cSld>
+    <p:spTree>
+      <p:nvGrpSpPr>
+        <p:cNvPr id="1" name=""/>
+        <p:cNvGrpSpPr/>
+        <p:nvPr/>
+      </p:nvGrpSpPr>
+      <p:grpSpPr/>
+      <p:sp>
+        <p:nvSpPr>
+          <p:cNvPr id="2" name="TextBox 1"/>
+          <p:cNvSpPr txBox="1"/>
+          <p:nvPr/>
+        </p:nvSpPr>
+        <p:spPr>
+          <a:xfrm>
+            <a:off x="457200" y="274320"/>
+            <a:ext cx="11277295" cy="731520"/>
+          </a:xfrm>
+          <a:prstGeom prst="rect">
+            <a:avLst/>
+          </a:prstGeom>
+          <a:noFill/>
+        </p:spPr>
+        <p:txBody>
+          <a:bodyPr wrap="none" lIns="0" tIns="0" rIns="0" bIns="0">
+            <a:spAutoFit/>
+          </a:bodyPr>
+          <a:lstStyle/>
+          <a:p>
+            <a:pPr algn="l"/>
+            <a:r>
+              <a:rPr sz="2400" b="1">
+                <a:solidFill>
+                  <a:srgbClr val="FFC0CB"/>
+                </a:solidFill>
+                <a:latin typeface="Arial"/>
+              </a:rPr>
+              <a:t>Valuation Overview</a:t>
+            </a:r>
+          </a:p>
+        </p:txBody>
+      </p:sp>
+      <p:sp>
+        <p:nvSpPr>
+          <p:cNvPr id="3" name="Rectangle 2"/>
+          <p:cNvSpPr/>
+          <p:nvPr/>
+        </p:nvSpPr>
+        <p:spPr>
+          <a:xfrm>
+            <a:off x="457200" y="914400"/>
+            <a:ext cx="11277295" cy="45720"/>
+          </a:xfrm>
+          <a:prstGeom prst="rect">
+            <a:avLst/>
+          </a:prstGeom>
+          <a:solidFill>
+            <a:srgbClr val="FFC0CB"/>
+          </a:solidFill>
+          <a:ln>
+            <a:noFill/>
+          </a:ln>
+        </p:spPr>
+        <p:style>
+          <a:lnRef idx="1">
+            <a:schemeClr val="accent1"/>
+          </a:lnRef>
+          <a:fillRef idx="3">
+            <a:schemeClr val="accent1"/>
+          </a:fillRef>
+          <a:effectRef idx="2">
+            <a:schemeClr val="accent1"/>
+          </a:effectRef>
+          <a:fontRef idx="minor">
+            <a:schemeClr val="lt1"/>
+          </a:fontRef>
+        </p:style>
+        <p:txBody>
+          <a:bodyPr rtlCol="0" anchor="ctr"/>
+          <a:lstStyle/>
+          <a:p>
+            <a:pPr algn="ctr"/>
+          </a:p>
+        </p:txBody>
+      </p:sp>
+      <p:sp>
+        <p:nvSpPr>
+          <p:cNvPr id="4" name="TextBox 3"/>
+          <p:cNvSpPr txBox="1"/>
+          <p:nvPr/>
+        </p:nvSpPr>
+        <p:spPr>
+          <a:xfrm>
+            <a:off x="914400" y="1280160"/>
+            <a:ext cx="10058400" cy="274320"/>
+          </a:xfrm>
+          <a:prstGeom prst="rect">
+            <a:avLst/>
+          </a:prstGeom>
+          <a:noFill/>
+        </p:spPr>
+        <p:txBody>
+          <a:bodyPr wrap="none">
+            <a:spAutoFit/>
+          </a:bodyPr>
+          <a:lstStyle/>
+          <a:p>
+            <a:pPr algn="ctr">
+              <a:defRPr sz="1400" b="1">
+                <a:solidFill>
+                  <a:srgbClr val="FFC0CB"/>
+                </a:solidFill>
+                <a:latin typeface="Arial"/>
+              </a:defRPr>
+            </a:pPr>
+            <a:r>
+              <a:t>Implied EV/Post IRFS-16 EBITDA</a:t>
+            </a:r>
+          </a:p>
+        </p:txBody>
+      </p:sp>
+      <p:sp>
+        <p:nvSpPr>
+          <p:cNvPr id="5" name="TextBox 4"/>
+          <p:cNvSpPr txBox="1"/>
+          <p:nvPr/>
+        </p:nvSpPr>
+        <p:spPr>
+          <a:xfrm>
+            <a:off x="1828800" y="2286000"/>
+            <a:ext cx="8229600" cy="914400"/>
+          </a:xfrm>
+          <a:prstGeom prst="rect">
+            <a:avLst/>
+          </a:prstGeom>
+          <a:noFill/>
+        </p:spPr>
+        <p:txBody>
+          <a:bodyPr wrap="none">
+            <a:spAutoFit/>
+          </a:bodyPr>
+          <a:lstStyle/>
+          <a:p>
+            <a:pPr algn="ctr">
+              <a:defRPr sz="1400">
+                <a:solidFill>
+                  <a:srgbClr val="404040"/>
+                </a:solidFill>
+                <a:latin typeface="Arial"/>
+              </a:defRPr>
+            </a:pPr>
+            <a:r>
+              <a:t>Valuation data not found. Available data keys: ['title', 'valuation_data']</a:t>
+            </a:r>
+          </a:p>
+        </p:txBody>
+      </p:sp>
+    </p:spTree>
+  </p:cSld>
+  <p:clrMapOvr>
+    <a:masterClrMapping/>
+  </p:clrMapOvr>
+</p:sld>
+</file>
+
+<file path=ppt/slides/slide9.xml><?xml version="1.0" encoding="utf-8"?>
+<p:sld xmlns:a="http://schemas.openxmlformats.org/drawingml/2006/main" xmlns:p="http://schemas.openxmlformats.org/presentationml/2006/main" xmlns:r="http://schemas.openxmlformats.org/officeDocument/2006/relationships">
+  <p:cSld>
+    <p:spTree>
+      <p:nvGrpSpPr>
+        <p:cNvPr id="1" name=""/>
+        <p:cNvGrpSpPr/>
+        <p:nvPr/>
+      </p:nvGrpSpPr>
+      <p:grpSpPr/>
+      <p:sp>
+        <p:nvSpPr>
+          <p:cNvPr id="2" name="TextBox 1"/>
+          <p:cNvSpPr txBox="1"/>
+          <p:nvPr/>
+        </p:nvSpPr>
+        <p:spPr>
+          <a:xfrm>
+            <a:off x="457200" y="274320"/>
+            <a:ext cx="11277295" cy="731520"/>
+          </a:xfrm>
+          <a:prstGeom prst="rect">
+            <a:avLst/>
+          </a:prstGeom>
+          <a:noFill/>
+        </p:spPr>
+        <p:txBody>
+          <a:bodyPr wrap="none" lIns="0" tIns="0" rIns="0" bIns="0">
+            <a:spAutoFit/>
+          </a:bodyPr>
+          <a:lstStyle/>
+          <a:p>
+            <a:pPr algn="l"/>
+            <a:r>
+              <a:rPr sz="2400" b="1">
+                <a:solidFill>
+                  <a:srgbClr val="FFC0CB"/>
+                </a:solidFill>
+                <a:latin typeface="Arial"/>
+              </a:rPr>
+              <a:t>Strategic Buyer Profiles</a:t>
+            </a:r>
+          </a:p>
+        </p:txBody>
+      </p:sp>
+      <p:sp>
+        <p:nvSpPr>
+          <p:cNvPr id="3" name="Rectangle 2"/>
+          <p:cNvSpPr/>
+          <p:nvPr/>
+        </p:nvSpPr>
+        <p:spPr>
+          <a:xfrm>
+            <a:off x="457200" y="914400"/>
+            <a:ext cx="11277295" cy="45720"/>
+          </a:xfrm>
+          <a:prstGeom prst="rect">
+            <a:avLst/>
+          </a:prstGeom>
+          <a:solidFill>
+            <a:srgbClr val="FFC0CB"/>
+          </a:solidFill>
+          <a:ln>
+            <a:noFill/>
+          </a:ln>
+        </p:spPr>
+        <p:style>
+          <a:lnRef idx="1">
+            <a:schemeClr val="accent1"/>
+          </a:lnRef>
+          <a:fillRef idx="3">
+            <a:schemeClr val="accent1"/>
+          </a:fillRef>
+          <a:effectRef idx="2">
+            <a:schemeClr val="accent1"/>
+          </a:effectRef>
+          <a:fontRef idx="minor">
+            <a:schemeClr val="lt1"/>
+          </a:fontRef>
+        </p:style>
+        <p:txBody>
+          <a:bodyPr rtlCol="0" anchor="ctr"/>
+          <a:lstStyle/>
+          <a:p>
+            <a:pPr algn="ctr"/>
+          </a:p>
+        </p:txBody>
+      </p:sp>
+      <p:sp>
+        <p:nvSpPr>
+          <p:cNvPr id="4" name="TextBox 3"/>
+          <p:cNvSpPr txBox="1"/>
+          <p:nvPr/>
+        </p:nvSpPr>
+        <p:spPr>
+          <a:xfrm>
+            <a:off x="1828800" y="2743200"/>
+            <a:ext cx="8229600" cy="914400"/>
+          </a:xfrm>
+          <a:prstGeom prst="rect">
+            <a:avLst/>
+          </a:prstGeom>
+          <a:noFill/>
+          <a:ln>
+            <a:noFill/>
+          </a:ln>
+          <a:effectLst/>
+        </p:spPr>
+        <p:txBody>
+          <a:bodyPr wrap="square">
+            <a:spAutoFit/>
+          </a:bodyPr>
+          <a:lstStyle/>
+          <a:p>
+            <a:pPr algn="ctr"/>
+            <a:r>
+              <a:rPr sz="1400" b="0">
+                <a:solidFill>
+                  <a:srgbClr val="404040"/>
+                </a:solidFill>
+                <a:latin typeface="Arial"/>
+              </a:rPr>
+              <a:t>Buyer profiles data will be displayed here when available.</a:t>
+            </a:r>
+          </a:p>
+        </p:txBody>
+      </p:sp>
+      <p:sp>
+        <p:nvSpPr>
+          <p:cNvPr id="5" name="TextBox 4"/>
+          <p:cNvSpPr txBox="1"/>
+          <p:nvPr/>
+        </p:nvSpPr>
+        <p:spPr>
+          <a:xfrm>
+            <a:off x="457200" y="6400800"/>
+            <a:ext cx="5486400" cy="365760"/>
+          </a:xfrm>
+          <a:prstGeom prst="rect">
+            <a:avLst/>
+          </a:prstGeom>
+          <a:noFill/>
+        </p:spPr>
+        <p:txBody>
+          <a:bodyPr wrap="none" anchor="ctr">
+            <a:spAutoFit/>
+          </a:bodyPr>
+          <a:lstStyle/>
+          <a:p>
+            <a:pPr algn="l">
+              <a:defRPr sz="800">
+                <a:solidFill>
+                  <a:srgbClr val="808080"/>
+                </a:solidFill>
+                <a:latin typeface="Arial"/>
+              </a:defRPr>
+            </a:pPr>
+            <a:r>
+              <a:t>Confidential | September 11, 2025</a:t>
+            </a:r>
+          </a:p>
+        </p:txBody>
+      </p:sp>
+      <p:sp>
+        <p:nvSpPr>
+          <p:cNvPr id="6" name="TextBox 5"/>
+          <p:cNvSpPr txBox="1"/>
+          <p:nvPr/>
+        </p:nvSpPr>
+        <p:spPr>
+          <a:xfrm>
+            <a:off x="9144000" y="6400800"/>
+            <a:ext cx="2743200" cy="365760"/>
+          </a:xfrm>
+          <a:prstGeom prst="rect">
+            <a:avLst/>
+          </a:prstGeom>
+          <a:noFill/>
+        </p:spPr>
+        <p:txBody>
+          <a:bodyPr wrap="none" anchor="ctr">
+            <a:spAutoFit/>
+          </a:bodyPr>
+          <a:lstStyle/>
+          <a:p>
+            <a:pPr algn="r">
+              <a:defRPr sz="800">
+                <a:solidFill>
+                  <a:srgbClr val="808080"/>
+                </a:solidFill>
+                <a:latin typeface="Arial"/>
+              </a:defRPr>
+            </a:pPr>
+            <a:r>
+              <a:t>Sephora</a:t>
             </a:r>
           </a:p>
         </p:txBody>

--- a/output_presentation.pptx
+++ b/output_presentation.pptx
@@ -19,10 +19,6 @@
     <p:sldId id="267" r:id="rId18"/>
     <p:sldId id="268" r:id="rId19"/>
     <p:sldId id="269" r:id="rId20"/>
-    <p:sldId id="270" r:id="rId21"/>
-    <p:sldId id="271" r:id="rId22"/>
-    <p:sldId id="272" r:id="rId23"/>
-    <p:sldId id="273" r:id="rId24"/>
   </p:sldIdLst>
   <p:sldSz cx="12191695" cy="6858000" type="screen4x3"/>
   <p:notesSz cx="6858000" cy="9144000"/>
@@ -222,19 +218,19 @@
                 <c:formatCode>General</c:formatCode>
                 <c:ptCount val="5"/>
                 <c:pt idx="0">
-                  <c:v>16675.0</c:v>
+                  <c:v>274515.0</c:v>
                 </c:pt>
                 <c:pt idx="1">
-                  <c:v>16675.0</c:v>
+                  <c:v>365817.0</c:v>
                 </c:pt>
                 <c:pt idx="2">
-                  <c:v>26974.0</c:v>
+                  <c:v>394328.0</c:v>
                 </c:pt>
                 <c:pt idx="3">
-                  <c:v>60922.0</c:v>
+                  <c:v>383285.0</c:v>
                 </c:pt>
                 <c:pt idx="4">
-                  <c:v>130500.0</c:v>
+                  <c:v>394000.0</c:v>
                 </c:pt>
               </c:numCache>
             </c:numRef>
@@ -329,19 +325,19 @@
                 <c:formatCode>General</c:formatCode>
                 <c:ptCount val="5"/>
                 <c:pt idx="0">
-                  <c:v>5631.0</c:v>
+                  <c:v>81400.0</c:v>
                 </c:pt>
                 <c:pt idx="1">
-                  <c:v>6180.0</c:v>
+                  <c:v>120233.0</c:v>
                 </c:pt>
                 <c:pt idx="2">
-                  <c:v>12000.0</c:v>
+                  <c:v>130541.0</c:v>
                 </c:pt>
                 <c:pt idx="3">
-                  <c:v>34000.0</c:v>
+                  <c:v>125000.0</c:v>
                 </c:pt>
                 <c:pt idx="4">
-                  <c:v>73000.0</c:v>
+                  <c:v>130000.0</c:v>
                 </c:pt>
               </c:numCache>
             </c:numRef>
@@ -381,7 +377,7 @@
       <c:valAx>
         <c:axId val="-2113994440"/>
         <c:scaling>
-          <c:max val="156600.0"/>
+          <c:max val="473193.0"/>
           <c:min val="0.0"/>
         </c:scaling>
         <c:delete val="0"/>
@@ -487,13 +483,13 @@
                 <c:formatCode>General</c:formatCode>
                 <c:ptCount val="3"/>
                 <c:pt idx="0">
-                  <c:v>46.0</c:v>
+                  <c:v>383285.0</c:v>
                 </c:pt>
                 <c:pt idx="1">
-                  <c:v>130.5</c:v>
+                  <c:v>391035.0</c:v>
                 </c:pt>
                 <c:pt idx="2">
-                  <c:v>180.0</c:v>
+                  <c:v>420000.0</c:v>
                 </c:pt>
               </c:numCache>
             </c:numRef>
@@ -542,13 +538,13 @@
                 <c:formatCode>General</c:formatCode>
                 <c:ptCount val="3"/>
                 <c:pt idx="0">
-                  <c:v>15.0</c:v>
+                  <c:v>112000.0</c:v>
                 </c:pt>
                 <c:pt idx="1">
-                  <c:v>65.0</c:v>
+                  <c:v>115000.0</c:v>
                 </c:pt>
                 <c:pt idx="2">
-                  <c:v>90.0</c:v>
+                  <c:v>124000.0</c:v>
                 </c:pt>
               </c:numCache>
             </c:numRef>
@@ -689,19 +685,19 @@
               <c:strCache>
                 <c:ptCount val="5"/>
                 <c:pt idx="0">
-                  <c:v>NVIDIA</c:v>
+                  <c:v>Apple</c:v>
                 </c:pt>
                 <c:pt idx="1">
-                  <c:v>AMD</c:v>
+                  <c:v>Samsung Electronics</c:v>
                 </c:pt>
                 <c:pt idx="2">
-                  <c:v>Intel</c:v>
+                  <c:v>Microsoft</c:v>
                 </c:pt>
                 <c:pt idx="3">
-                  <c:v>Custom silicon development by cloud providers</c:v>
+                  <c:v>Alphabet (Google)</c:v>
                 </c:pt>
                 <c:pt idx="4">
-                  <c:v>Chinese conglomerates</c:v>
+                  <c:v>Huawei</c:v>
                 </c:pt>
               </c:strCache>
             </c:strRef>
@@ -713,19 +709,19 @@
                 <c:formatCode>General</c:formatCode>
                 <c:ptCount val="5"/>
                 <c:pt idx="0">
-                  <c:v>130500.0</c:v>
+                  <c:v>394000.0</c:v>
                 </c:pt>
                 <c:pt idx="1">
-                  <c:v>50.0</c:v>
+                  <c:v>236.0</c:v>
                 </c:pt>
                 <c:pt idx="2">
-                  <c:v>42.0</c:v>
+                  <c:v>236.0</c:v>
                 </c:pt>
                 <c:pt idx="3">
-                  <c:v>34.0</c:v>
+                  <c:v>307.0</c:v>
                 </c:pt>
                 <c:pt idx="4">
-                  <c:v>26.0</c:v>
+                  <c:v>110.0</c:v>
                 </c:pt>
               </c:numCache>
             </c:numRef>
@@ -765,7 +761,7 @@
       <c:valAx>
         <c:axId val="-2113994440"/>
         <c:scaling>
-          <c:max val="156600.0"/>
+          <c:max val="472800.0"/>
         </c:scaling>
         <c:delete val="0"/>
         <c:axPos val="l"/>
@@ -946,19 +942,19 @@
                 <c:formatCode>General</c:formatCode>
                 <c:ptCount val="5"/>
                 <c:pt idx="0">
-                  <c:v>15.0</c:v>
+                  <c:v>42.5</c:v>
                 </c:pt>
                 <c:pt idx="1">
-                  <c:v>18.5</c:v>
+                  <c:v>44.0</c:v>
                 </c:pt>
                 <c:pt idx="2">
-                  <c:v>22.0</c:v>
+                  <c:v>44.5</c:v>
                 </c:pt>
                 <c:pt idx="3">
-                  <c:v>26.5</c:v>
+                  <c:v>45.0</c:v>
                 </c:pt>
                 <c:pt idx="4">
-                  <c:v>30.0</c:v>
+                  <c:v>46.0</c:v>
                 </c:pt>
               </c:numCache>
             </c:numRef>
@@ -1001,7 +997,7 @@
       <c:valAx>
         <c:axId val="2140495176"/>
         <c:scaling>
-          <c:max val="40.0"/>
+          <c:max val="60.0"/>
         </c:scaling>
         <c:delete val="0"/>
         <c:axPos val="l"/>
@@ -4145,7 +4141,7 @@
                 </a:solidFill>
                 <a:latin typeface="Times New Roman"/>
               </a:rPr>
-              <a:t>NVIDIA is the global leader in AI computing, data center infrastructure, and advanced semiconductor design, commanding over 87% of the AI chip market. Its CUDA software ecosystem and relentless hardware innovation position it as the foundational provider for next-generation AI, cloud, and enterprise workloads, driving industry transformation and outsized growth.[1][2]</a:t>
+              <a:t>Company description not available. LLM must generate industry-specific business overview.</a:t>
             </a:r>
           </a:p>
         </p:txBody>
@@ -4556,7 +4552,7 @@
                 </a:solidFill>
                 <a:latin typeface="Times New Roman"/>
               </a:rPr>
-              <a:t>Unmatched performance and scalability in AI chips and data center GPUs, powering the most demanding workloads.[2]</a:t>
+              <a:t>Deeply integrated ecosystem delivering seamless user experience across devices and services.</a:t>
             </a:r>
           </a:p>
         </p:txBody>
@@ -4638,7 +4634,7 @@
                 </a:solidFill>
                 <a:latin typeface="Times New Roman"/>
               </a:rPr>
-              <a:t>Proprietary CUDA software ecosystem with 3.5 million developers, creating high switching barriers and accelerating AI adoption.[1]</a:t>
+              <a:t>Privacy-first AI and security architecture, building consumer trust and regulatory resilience.</a:t>
             </a:r>
           </a:p>
         </p:txBody>
@@ -4720,7 +4716,7 @@
                 </a:solidFill>
                 <a:latin typeface="Times New Roman"/>
               </a:rPr>
-              <a:t>Strategic partnerships with hyperscalers and OEMs, enabling rapid deployment of AI infrastructure globally.[1][2]</a:t>
+              <a:t>Recurring, high-margin services revenue stream diversifying beyond hardware sales.</a:t>
             </a:r>
           </a:p>
         </p:txBody>
@@ -4766,57 +4762,14 @@
       </p:sp>
       <p:sp>
         <p:nvSpPr>
-          <p:cNvPr id="20" name="Oval 19"/>
-          <p:cNvSpPr/>
-          <p:nvPr/>
-        </p:nvSpPr>
-        <p:spPr>
-          <a:xfrm>
-            <a:off x="822960" y="3182112"/>
-            <a:ext cx="36576" cy="36576"/>
-          </a:xfrm>
-          <a:prstGeom prst="ellipse">
-            <a:avLst/>
-          </a:prstGeom>
-          <a:solidFill>
-            <a:srgbClr val="B5975B"/>
-          </a:solidFill>
-          <a:ln>
-            <a:noFill/>
-          </a:ln>
-        </p:spPr>
-        <p:style>
-          <a:lnRef idx="1">
-            <a:schemeClr val="accent1"/>
-          </a:lnRef>
-          <a:fillRef idx="3">
-            <a:schemeClr val="accent1"/>
-          </a:fillRef>
-          <a:effectRef idx="2">
-            <a:schemeClr val="accent1"/>
-          </a:effectRef>
-          <a:fontRef idx="minor">
-            <a:schemeClr val="lt1"/>
-          </a:fontRef>
-        </p:style>
-        <p:txBody>
-          <a:bodyPr rtlCol="0" anchor="ctr"/>
-          <a:lstStyle/>
-          <a:p>
-            <a:pPr algn="ctr"/>
-          </a:p>
-        </p:txBody>
-      </p:sp>
-      <p:sp>
-        <p:nvSpPr>
-          <p:cNvPr id="21" name="TextBox 20"/>
-          <p:cNvSpPr txBox="1"/>
-          <p:nvPr/>
-        </p:nvSpPr>
-        <p:spPr>
-          <a:xfrm>
-            <a:off x="932688" y="3108960"/>
-            <a:ext cx="3200400" cy="411480"/>
+          <p:cNvPr id="20" name="TextBox 19"/>
+          <p:cNvSpPr txBox="1"/>
+          <p:nvPr/>
+        </p:nvSpPr>
+        <p:spPr>
+          <a:xfrm>
+            <a:off x="731520" y="4572000"/>
+            <a:ext cx="6400800" cy="274320"/>
           </a:xfrm>
           <a:prstGeom prst="rect">
             <a:avLst/>
@@ -4835,70 +4788,27 @@
           <a:p>
             <a:pPr algn="l"/>
             <a:r>
-              <a:rPr sz="900" b="0">
-                <a:solidFill>
-                  <a:srgbClr val="404040"/>
+              <a:rPr sz="1200" b="1">
+                <a:solidFill>
+                  <a:srgbClr val="183A58"/>
                 </a:solidFill>
                 <a:latin typeface="Times New Roman"/>
               </a:rPr>
-              <a:t>AI Data Center GPUs</a:t>
-            </a:r>
-          </a:p>
-        </p:txBody>
-      </p:sp>
-      <p:sp>
-        <p:nvSpPr>
-          <p:cNvPr id="22" name="Oval 21"/>
-          <p:cNvSpPr/>
-          <p:nvPr/>
-        </p:nvSpPr>
-        <p:spPr>
-          <a:xfrm>
-            <a:off x="822960" y="3639312"/>
-            <a:ext cx="36576" cy="36576"/>
-          </a:xfrm>
-          <a:prstGeom prst="ellipse">
-            <a:avLst/>
-          </a:prstGeom>
-          <a:solidFill>
-            <a:srgbClr val="B5975B"/>
-          </a:solidFill>
-          <a:ln>
-            <a:noFill/>
-          </a:ln>
-        </p:spPr>
-        <p:style>
-          <a:lnRef idx="1">
-            <a:schemeClr val="accent1"/>
-          </a:lnRef>
-          <a:fillRef idx="3">
-            <a:schemeClr val="accent1"/>
-          </a:fillRef>
-          <a:effectRef idx="2">
-            <a:schemeClr val="accent1"/>
-          </a:effectRef>
-          <a:fontRef idx="minor">
-            <a:schemeClr val="lt1"/>
-          </a:fontRef>
-        </p:style>
-        <p:txBody>
-          <a:bodyPr rtlCol="0" anchor="ctr"/>
-          <a:lstStyle/>
-          <a:p>
-            <a:pPr algn="ctr"/>
-          </a:p>
-        </p:txBody>
-      </p:sp>
-      <p:sp>
-        <p:nvSpPr>
-          <p:cNvPr id="23" name="TextBox 22"/>
-          <p:cNvSpPr txBox="1"/>
-          <p:nvPr/>
-        </p:nvSpPr>
-        <p:spPr>
-          <a:xfrm>
-            <a:off x="932688" y="3566160"/>
-            <a:ext cx="3200400" cy="411480"/>
+              <a:t>Strategic Market Positioning</a:t>
+            </a:r>
+          </a:p>
+        </p:txBody>
+      </p:sp>
+      <p:sp>
+        <p:nvSpPr>
+          <p:cNvPr id="21" name="TextBox 20"/>
+          <p:cNvSpPr txBox="1"/>
+          <p:nvPr/>
+        </p:nvSpPr>
+        <p:spPr>
+          <a:xfrm>
+            <a:off x="731520" y="4846320"/>
+            <a:ext cx="6400800" cy="548640"/>
           </a:xfrm>
           <a:prstGeom prst="rect">
             <a:avLst/>
@@ -4917,262 +4827,20 @@
           <a:p>
             <a:pPr algn="l"/>
             <a:r>
-              <a:rPr sz="900" b="0">
+              <a:rPr sz="1000" b="0">
                 <a:solidFill>
                   <a:srgbClr val="404040"/>
                 </a:solidFill>
                 <a:latin typeface="Times New Roman"/>
               </a:rPr>
-              <a:t>CUDA Software Ecosystem</a:t>
-            </a:r>
-          </a:p>
-        </p:txBody>
-      </p:sp>
-      <p:sp>
-        <p:nvSpPr>
-          <p:cNvPr id="24" name="Oval 23"/>
-          <p:cNvSpPr/>
-          <p:nvPr/>
-        </p:nvSpPr>
-        <p:spPr>
-          <a:xfrm>
-            <a:off x="3840480" y="3182112"/>
-            <a:ext cx="36576" cy="36576"/>
-          </a:xfrm>
-          <a:prstGeom prst="ellipse">
-            <a:avLst/>
-          </a:prstGeom>
-          <a:solidFill>
-            <a:srgbClr val="B5975B"/>
-          </a:solidFill>
-          <a:ln>
-            <a:noFill/>
-          </a:ln>
-        </p:spPr>
-        <p:style>
-          <a:lnRef idx="1">
-            <a:schemeClr val="accent1"/>
-          </a:lnRef>
-          <a:fillRef idx="3">
-            <a:schemeClr val="accent1"/>
-          </a:fillRef>
-          <a:effectRef idx="2">
-            <a:schemeClr val="accent1"/>
-          </a:effectRef>
-          <a:fontRef idx="minor">
-            <a:schemeClr val="lt1"/>
-          </a:fontRef>
-        </p:style>
-        <p:txBody>
-          <a:bodyPr rtlCol="0" anchor="ctr"/>
-          <a:lstStyle/>
-          <a:p>
-            <a:pPr algn="ctr"/>
-          </a:p>
-        </p:txBody>
-      </p:sp>
-      <p:sp>
-        <p:nvSpPr>
-          <p:cNvPr id="25" name="TextBox 24"/>
-          <p:cNvSpPr txBox="1"/>
-          <p:nvPr/>
-        </p:nvSpPr>
-        <p:spPr>
-          <a:xfrm>
-            <a:off x="3950208" y="3108960"/>
-            <a:ext cx="3200400" cy="411480"/>
-          </a:xfrm>
-          <a:prstGeom prst="rect">
-            <a:avLst/>
-          </a:prstGeom>
-          <a:noFill/>
-          <a:ln>
-            <a:noFill/>
-          </a:ln>
-          <a:effectLst/>
-        </p:spPr>
-        <p:txBody>
-          <a:bodyPr wrap="square">
-            <a:spAutoFit/>
-          </a:bodyPr>
-          <a:lstStyle/>
-          <a:p>
-            <a:pPr algn="l"/>
-            <a:r>
-              <a:rPr sz="900" b="0">
-                <a:solidFill>
-                  <a:srgbClr val="404040"/>
-                </a:solidFill>
-                <a:latin typeface="Times New Roman"/>
-              </a:rPr>
-              <a:t>Automotive AI Platforms</a:t>
-            </a:r>
-          </a:p>
-        </p:txBody>
-      </p:sp>
-      <p:sp>
-        <p:nvSpPr>
-          <p:cNvPr id="26" name="Oval 25"/>
-          <p:cNvSpPr/>
-          <p:nvPr/>
-        </p:nvSpPr>
-        <p:spPr>
-          <a:xfrm>
-            <a:off x="3840480" y="3639312"/>
-            <a:ext cx="36576" cy="36576"/>
-          </a:xfrm>
-          <a:prstGeom prst="ellipse">
-            <a:avLst/>
-          </a:prstGeom>
-          <a:solidFill>
-            <a:srgbClr val="B5975B"/>
-          </a:solidFill>
-          <a:ln>
-            <a:noFill/>
-          </a:ln>
-        </p:spPr>
-        <p:style>
-          <a:lnRef idx="1">
-            <a:schemeClr val="accent1"/>
-          </a:lnRef>
-          <a:fillRef idx="3">
-            <a:schemeClr val="accent1"/>
-          </a:fillRef>
-          <a:effectRef idx="2">
-            <a:schemeClr val="accent1"/>
-          </a:effectRef>
-          <a:fontRef idx="minor">
-            <a:schemeClr val="lt1"/>
-          </a:fontRef>
-        </p:style>
-        <p:txBody>
-          <a:bodyPr rtlCol="0" anchor="ctr"/>
-          <a:lstStyle/>
-          <a:p>
-            <a:pPr algn="ctr"/>
-          </a:p>
-        </p:txBody>
-      </p:sp>
-      <p:sp>
-        <p:nvSpPr>
-          <p:cNvPr id="27" name="TextBox 26"/>
-          <p:cNvSpPr txBox="1"/>
-          <p:nvPr/>
-        </p:nvSpPr>
-        <p:spPr>
-          <a:xfrm>
-            <a:off x="3950208" y="3566160"/>
-            <a:ext cx="3200400" cy="411480"/>
-          </a:xfrm>
-          <a:prstGeom prst="rect">
-            <a:avLst/>
-          </a:prstGeom>
-          <a:noFill/>
-          <a:ln>
-            <a:noFill/>
-          </a:ln>
-          <a:effectLst/>
-        </p:spPr>
-        <p:txBody>
-          <a:bodyPr wrap="square">
-            <a:spAutoFit/>
-          </a:bodyPr>
-          <a:lstStyle/>
-          <a:p>
-            <a:pPr algn="l"/>
-            <a:r>
-              <a:rPr sz="900" b="0">
-                <a:solidFill>
-                  <a:srgbClr val="404040"/>
-                </a:solidFill>
-                <a:latin typeface="Times New Roman"/>
-              </a:rPr>
-              <a:t>Professional Visualization</a:t>
-            </a:r>
-          </a:p>
-        </p:txBody>
-      </p:sp>
-      <p:sp>
-        <p:nvSpPr>
-          <p:cNvPr id="28" name="TextBox 27"/>
-          <p:cNvSpPr txBox="1"/>
-          <p:nvPr/>
-        </p:nvSpPr>
-        <p:spPr>
-          <a:xfrm>
-            <a:off x="731520" y="4572000"/>
-            <a:ext cx="6400800" cy="274320"/>
-          </a:xfrm>
-          <a:prstGeom prst="rect">
-            <a:avLst/>
-          </a:prstGeom>
-          <a:noFill/>
-          <a:ln>
-            <a:noFill/>
-          </a:ln>
-          <a:effectLst/>
-        </p:spPr>
-        <p:txBody>
-          <a:bodyPr wrap="square">
-            <a:spAutoFit/>
-          </a:bodyPr>
-          <a:lstStyle/>
-          <a:p>
-            <a:pPr algn="l"/>
-            <a:r>
-              <a:rPr sz="1200" b="1">
-                <a:solidFill>
-                  <a:srgbClr val="183A58"/>
-                </a:solidFill>
-                <a:latin typeface="Times New Roman"/>
-              </a:rPr>
-              <a:t>Strategic Market Positioning</a:t>
-            </a:r>
-          </a:p>
-        </p:txBody>
-      </p:sp>
-      <p:sp>
-        <p:nvSpPr>
-          <p:cNvPr id="29" name="TextBox 28"/>
-          <p:cNvSpPr txBox="1"/>
-          <p:nvPr/>
-        </p:nvSpPr>
-        <p:spPr>
-          <a:xfrm>
-            <a:off x="731520" y="4846320"/>
-            <a:ext cx="6400800" cy="548640"/>
-          </a:xfrm>
-          <a:prstGeom prst="rect">
-            <a:avLst/>
-          </a:prstGeom>
-          <a:noFill/>
-          <a:ln>
-            <a:noFill/>
-          </a:ln>
-          <a:effectLst/>
-        </p:spPr>
-        <p:txBody>
-          <a:bodyPr wrap="square">
-            <a:spAutoFit/>
-          </a:bodyPr>
-          <a:lstStyle/>
-          <a:p>
-            <a:pPr algn="l"/>
-            <a:r>
-              <a:rPr sz="1000" b="0">
-                <a:solidFill>
-                  <a:srgbClr val="404040"/>
-                </a:solidFill>
-                <a:latin typeface="Times New Roman"/>
-              </a:rPr>
-              <a:t>NVIDIA is the global leader in AI computing, data center infrastructure, and advanced semiconductor design, commanding over 87% of the AI chip market. Its CUDA software ecosystem and relentless hardware innovation position it as the foundational provider for next-generation AI, cloud, and enterprise workloads, driving industry transformation and outsized growth.[1][2]</a:t>
-            </a:r>
-          </a:p>
-        </p:txBody>
-      </p:sp>
-      <p:sp>
-        <p:nvSpPr>
-          <p:cNvPr id="30" name="TextBox 29"/>
+              <a:t>Apple commands the premium technology ecosystem by integrating proprietary hardware, software, and services, leveraging privacy-centric AI and seamless device interoperability to differentiate from competitors and drive high-margin, recurring revenue streams in a rapidly evolving digital landscape.[1][2] The company maintains competitive differentiation through operational excellence and strategic market focus.</a:t>
+            </a:r>
+          </a:p>
+        </p:txBody>
+      </p:sp>
+      <p:sp>
+        <p:nvSpPr>
+          <p:cNvPr id="22" name="TextBox 21"/>
           <p:cNvSpPr txBox="1"/>
           <p:nvPr/>
         </p:nvSpPr>
@@ -5207,7 +4875,7 @@
       </p:sp>
       <p:sp>
         <p:nvSpPr>
-          <p:cNvPr id="31" name="TextBox 30"/>
+          <p:cNvPr id="23" name="TextBox 22"/>
           <p:cNvSpPr txBox="1"/>
           <p:nvPr/>
         </p:nvSpPr>
@@ -5235,7 +4903,7 @@
                 </a:solidFill>
                 <a:latin typeface="Times New Roman"/>
               </a:rPr>
-              <a:t>NVIDIA</a:t>
+              <a:t>Apple</a:t>
             </a:r>
           </a:p>
         </p:txBody>
@@ -5249,1303 +4917,6 @@
 </file>
 
 <file path=ppt/slides/slide10.xml><?xml version="1.0" encoding="utf-8"?>
-<p:sld xmlns:a="http://schemas.openxmlformats.org/drawingml/2006/main" xmlns:p="http://schemas.openxmlformats.org/presentationml/2006/main" xmlns:r="http://schemas.openxmlformats.org/officeDocument/2006/relationships">
-  <p:cSld>
-    <p:spTree>
-      <p:nvGrpSpPr>
-        <p:cNvPr id="1" name=""/>
-        <p:cNvGrpSpPr/>
-        <p:nvPr/>
-      </p:nvGrpSpPr>
-      <p:grpSpPr/>
-      <p:sp>
-        <p:nvSpPr>
-          <p:cNvPr id="2" name="TextBox 1"/>
-          <p:cNvSpPr txBox="1"/>
-          <p:nvPr/>
-        </p:nvSpPr>
-        <p:spPr>
-          <a:xfrm>
-            <a:off x="640080" y="731520"/>
-            <a:ext cx="10515600" cy="1371600"/>
-          </a:xfrm>
-          <a:prstGeom prst="rect">
-            <a:avLst/>
-          </a:prstGeom>
-          <a:noFill/>
-        </p:spPr>
-        <p:txBody>
-          <a:bodyPr wrap="none">
-            <a:spAutoFit/>
-          </a:bodyPr>
-          <a:lstStyle/>
-          <a:p>
-            <a:pPr algn="l"/>
-            <a:r>
-              <a:rPr sz="1400"/>
-              <a:t>Renderer error for render_precedent_transactions_slide: object of type 'NoneType' has no len()</a:t>
-            </a:r>
-          </a:p>
-        </p:txBody>
-      </p:sp>
-    </p:spTree>
-  </p:cSld>
-  <p:clrMapOvr>
-    <a:masterClrMapping/>
-  </p:clrMapOvr>
-</p:sld>
-</file>
-
-<file path=ppt/slides/slide11.xml><?xml version="1.0" encoding="utf-8"?>
-<p:sld xmlns:a="http://schemas.openxmlformats.org/drawingml/2006/main" xmlns:p="http://schemas.openxmlformats.org/presentationml/2006/main" xmlns:r="http://schemas.openxmlformats.org/officeDocument/2006/relationships">
-  <p:cSld>
-    <p:spTree>
-      <p:nvGrpSpPr>
-        <p:cNvPr id="1" name=""/>
-        <p:cNvGrpSpPr/>
-        <p:nvPr/>
-      </p:nvGrpSpPr>
-      <p:grpSpPr/>
-      <p:sp>
-        <p:nvSpPr>
-          <p:cNvPr id="2" name="TextBox 1"/>
-          <p:cNvSpPr txBox="1"/>
-          <p:nvPr/>
-        </p:nvSpPr>
-        <p:spPr>
-          <a:xfrm>
-            <a:off x="457200" y="274320"/>
-            <a:ext cx="11277295" cy="731520"/>
-          </a:xfrm>
-          <a:prstGeom prst="rect">
-            <a:avLst/>
-          </a:prstGeom>
-          <a:noFill/>
-        </p:spPr>
-        <p:txBody>
-          <a:bodyPr wrap="none" lIns="0" tIns="0" rIns="0" bIns="0">
-            <a:spAutoFit/>
-          </a:bodyPr>
-          <a:lstStyle/>
-          <a:p>
-            <a:pPr algn="l"/>
-            <a:r>
-              <a:rPr sz="2600" b="1">
-                <a:solidFill>
-                  <a:srgbClr val="183A58"/>
-                </a:solidFill>
-                <a:latin typeface="Times New Roman"/>
-              </a:rPr>
-              <a:t>Valuation Overview</a:t>
-            </a:r>
-          </a:p>
-        </p:txBody>
-      </p:sp>
-      <p:sp>
-        <p:nvSpPr>
-          <p:cNvPr id="3" name="Rectangle 2"/>
-          <p:cNvSpPr/>
-          <p:nvPr/>
-        </p:nvSpPr>
-        <p:spPr>
-          <a:xfrm>
-            <a:off x="457200" y="914400"/>
-            <a:ext cx="11277295" cy="45720"/>
-          </a:xfrm>
-          <a:prstGeom prst="rect">
-            <a:avLst/>
-          </a:prstGeom>
-          <a:solidFill>
-            <a:srgbClr val="183A58"/>
-          </a:solidFill>
-          <a:ln>
-            <a:noFill/>
-          </a:ln>
-        </p:spPr>
-        <p:style>
-          <a:lnRef idx="1">
-            <a:schemeClr val="accent1"/>
-          </a:lnRef>
-          <a:fillRef idx="3">
-            <a:schemeClr val="accent1"/>
-          </a:fillRef>
-          <a:effectRef idx="2">
-            <a:schemeClr val="accent1"/>
-          </a:effectRef>
-          <a:fontRef idx="minor">
-            <a:schemeClr val="lt1"/>
-          </a:fontRef>
-        </p:style>
-        <p:txBody>
-          <a:bodyPr rtlCol="0" anchor="ctr"/>
-          <a:lstStyle/>
-          <a:p>
-            <a:pPr algn="ctr"/>
-          </a:p>
-        </p:txBody>
-      </p:sp>
-      <p:sp>
-        <p:nvSpPr>
-          <p:cNvPr id="4" name="TextBox 3"/>
-          <p:cNvSpPr txBox="1"/>
-          <p:nvPr/>
-        </p:nvSpPr>
-        <p:spPr>
-          <a:xfrm>
-            <a:off x="914400" y="1280160"/>
-            <a:ext cx="10058400" cy="274320"/>
-          </a:xfrm>
-          <a:prstGeom prst="rect">
-            <a:avLst/>
-          </a:prstGeom>
-          <a:noFill/>
-        </p:spPr>
-        <p:txBody>
-          <a:bodyPr wrap="none">
-            <a:spAutoFit/>
-          </a:bodyPr>
-          <a:lstStyle/>
-          <a:p>
-            <a:pPr algn="ctr">
-              <a:defRPr sz="1400" b="1">
-                <a:solidFill>
-                  <a:srgbClr val="183A58"/>
-                </a:solidFill>
-                <a:latin typeface="Times New Roman"/>
-              </a:defRPr>
-            </a:pPr>
-            <a:r>
-              <a:t>Implied EV/Post IRFS-16 EBITDA</a:t>
-            </a:r>
-          </a:p>
-        </p:txBody>
-      </p:sp>
-      <p:graphicFrame>
-        <p:nvGraphicFramePr>
-          <p:cNvPr id="5" name="Table 4"/>
-          <p:cNvGraphicFramePr>
-            <a:graphicFrameLocks noGrp="1"/>
-          </p:cNvGraphicFramePr>
-          <p:nvPr/>
-        </p:nvGraphicFramePr>
-        <p:xfrm>
-          <a:off x="457200" y="1645920"/>
-          <a:ext cx="11247120" cy="4114800"/>
-        </p:xfrm>
-        <a:graphic>
-          <a:graphicData uri="http://schemas.openxmlformats.org/drawingml/2006/table">
-            <a:tbl>
-              <a:tblPr firstRow="1" bandRow="1">
-                <a:tableStyleId>{5C22544A-7EE6-4342-B048-85BDC9FD1C3A}</a:tableStyleId>
-              </a:tblPr>
-              <a:tblGrid>
-                <a:gridCol w="1828800"/>
-                <a:gridCol w="4114800"/>
-                <a:gridCol w="1828800"/>
-                <a:gridCol w="1371600"/>
-                <a:gridCol w="2103120"/>
-              </a:tblGrid>
-              <a:tr h="2057400">
-                <a:tc>
-                  <a:txBody>
-                    <a:bodyPr/>
-                    <a:lstStyle/>
-                    <a:p>
-                      <a:pPr algn="ctr"/>
-                      <a:r>
-                        <a:rPr sz="1000" b="1">
-                          <a:solidFill>
-                            <a:srgbClr val="FFFFFF"/>
-                          </a:solidFill>
-                          <a:latin typeface="Times New Roman"/>
-                        </a:rPr>
-                        <a:t>Methodology</a:t>
-                      </a:r>
-                    </a:p>
-                  </a:txBody>
-                  <a:tcPr>
-                    <a:solidFill>
-                      <a:srgbClr val="183A58"/>
-                    </a:solidFill>
-                  </a:tcPr>
-                </a:tc>
-                <a:tc>
-                  <a:txBody>
-                    <a:bodyPr/>
-                    <a:lstStyle/>
-                    <a:p>
-                      <a:pPr algn="ctr"/>
-                      <a:r>
-                        <a:rPr sz="1000" b="1">
-                          <a:solidFill>
-                            <a:srgbClr val="FFFFFF"/>
-                          </a:solidFill>
-                          <a:latin typeface="Times New Roman"/>
-                        </a:rPr>
-                        <a:t>Commentary</a:t>
-                      </a:r>
-                    </a:p>
-                  </a:txBody>
-                  <a:tcPr>
-                    <a:solidFill>
-                      <a:srgbClr val="183A58"/>
-                    </a:solidFill>
-                  </a:tcPr>
-                </a:tc>
-                <a:tc>
-                  <a:txBody>
-                    <a:bodyPr/>
-                    <a:lstStyle/>
-                    <a:p>
-                      <a:pPr algn="ctr"/>
-                      <a:r>
-                        <a:rPr sz="1000" b="1">
-                          <a:solidFill>
-                            <a:srgbClr val="FFFFFF"/>
-                          </a:solidFill>
-                          <a:latin typeface="Times New Roman"/>
-                        </a:rPr>
-                        <a:t>Enterprise Value</a:t>
-                      </a:r>
-                    </a:p>
-                  </a:txBody>
-                  <a:tcPr>
-                    <a:solidFill>
-                      <a:srgbClr val="183A58"/>
-                    </a:solidFill>
-                  </a:tcPr>
-                </a:tc>
-                <a:tc>
-                  <a:txBody>
-                    <a:bodyPr/>
-                    <a:lstStyle/>
-                    <a:p>
-                      <a:pPr algn="ctr"/>
-                      <a:r>
-                        <a:rPr sz="1000" b="1">
-                          <a:solidFill>
-                            <a:srgbClr val="FFFFFF"/>
-                          </a:solidFill>
-                          <a:latin typeface="Times New Roman"/>
-                        </a:rPr>
-                        <a:t>Metric</a:t>
-                      </a:r>
-                    </a:p>
-                  </a:txBody>
-                  <a:tcPr>
-                    <a:solidFill>
-                      <a:srgbClr val="183A58"/>
-                    </a:solidFill>
-                  </a:tcPr>
-                </a:tc>
-                <a:tc>
-                  <a:txBody>
-                    <a:bodyPr/>
-                    <a:lstStyle/>
-                    <a:p>
-                      <a:pPr algn="ctr"/>
-                      <a:r>
-                        <a:rPr sz="1000" b="1">
-                          <a:solidFill>
-                            <a:srgbClr val="FFFFFF"/>
-                          </a:solidFill>
-                          <a:latin typeface="Times New Roman"/>
-                        </a:rPr>
-                        <a:t>22A' / 23E (Rev)</a:t>
-                      </a:r>
-                    </a:p>
-                  </a:txBody>
-                  <a:tcPr>
-                    <a:solidFill>
-                      <a:srgbClr val="183A58"/>
-                    </a:solidFill>
-                  </a:tcPr>
-                </a:tc>
-              </a:tr>
-              <a:tr h="2057400">
-                <a:tc>
-                  <a:txBody>
-                    <a:bodyPr/>
-                    <a:lstStyle/>
-                    <a:p>
-                      <a:pPr algn="ctr"/>
-                      <a:r>
-                        <a:rPr sz="900">
-                          <a:solidFill>
-                            <a:srgbClr val="404040"/>
-                          </a:solidFill>
-                          <a:latin typeface="Times New Roman"/>
-                        </a:rPr>
-                        <a:t>Precedent Transactions</a:t>
-                      </a:r>
-                    </a:p>
-                  </a:txBody>
-                  <a:tcPr>
-                    <a:solidFill>
-                      <a:srgbClr val="F0F0F0"/>
-                    </a:solidFill>
-                  </a:tcPr>
-                </a:tc>
-                <a:tc>
-                  <a:txBody>
-                    <a:bodyPr/>
-                    <a:lstStyle/>
-                    <a:p>
-                      <a:pPr algn="l"/>
-                      <a:r>
-                        <a:rPr sz="900">
-                          <a:solidFill>
-                            <a:srgbClr val="404040"/>
-                          </a:solidFill>
-                          <a:latin typeface="Times New Roman"/>
-                        </a:rPr>
-                        <a:t>Used as benchmark for scale comparison; NVIDIA is 50-60x larger than largest PE transaction in history</a:t>
-                      </a:r>
-                    </a:p>
-                  </a:txBody>
-                  <a:tcPr>
-                    <a:solidFill>
-                      <a:srgbClr val="FFFFFF"/>
-                    </a:solidFill>
-                  </a:tcPr>
-                </a:tc>
-                <a:tc>
-                  <a:txBody>
-                    <a:bodyPr/>
-                    <a:lstStyle/>
-                    <a:p>
-                      <a:pPr algn="ctr"/>
-                      <a:r>
-                        <a:rPr sz="900">
-                          <a:solidFill>
-                            <a:srgbClr val="404040"/>
-                          </a:solidFill>
-                          <a:latin typeface="Times New Roman"/>
-                        </a:rPr>
-                        <a:t>$45B (Energy Future Holdings, 2007)</a:t>
-                      </a:r>
-                    </a:p>
-                  </a:txBody>
-                  <a:tcPr>
-                    <a:solidFill>
-                      <a:srgbClr val="FFFFFF"/>
-                    </a:solidFill>
-                  </a:tcPr>
-                </a:tc>
-                <a:tc>
-                  <a:txBody>
-                    <a:bodyPr/>
-                    <a:lstStyle/>
-                    <a:p>
-                      <a:pPr algn="ctr"/>
-                      <a:r>
-                        <a:rPr sz="900">
-                          <a:solidFill>
-                            <a:srgbClr val="404040"/>
-                          </a:solidFill>
-                          <a:latin typeface="Times New Roman"/>
-                        </a:rPr>
-                        <a:t>EV/Revenue</a:t>
-                      </a:r>
-                    </a:p>
-                  </a:txBody>
-                  <a:tcPr>
-                    <a:solidFill>
-                      <a:srgbClr val="FFFFFF"/>
-                    </a:solidFill>
-                  </a:tcPr>
-                </a:tc>
-                <a:tc>
-                  <a:txBody>
-                    <a:bodyPr/>
-                    <a:lstStyle/>
-                    <a:p>
-                      <a:pPr algn="ctr"/>
-                      <a:r>
-                        <a:rPr sz="900">
-                          <a:solidFill>
-                            <a:srgbClr val="404040"/>
-                          </a:solidFill>
-                          <a:latin typeface="Times New Roman"/>
-                        </a:rPr>
-                        <a:t>NoneNone</a:t>
-                      </a:r>
-                    </a:p>
-                  </a:txBody>
-                  <a:tcPr>
-                    <a:solidFill>
-                      <a:srgbClr val="FFFFFF"/>
-                    </a:solidFill>
-                  </a:tcPr>
-                </a:tc>
-              </a:tr>
-            </a:tbl>
-          </a:graphicData>
-        </a:graphic>
-      </p:graphicFrame>
-      <p:sp>
-        <p:nvSpPr>
-          <p:cNvPr id="6" name="TextBox 5"/>
-          <p:cNvSpPr txBox="1"/>
-          <p:nvPr/>
-        </p:nvSpPr>
-        <p:spPr>
-          <a:xfrm>
-            <a:off x="457200" y="6400800"/>
-            <a:ext cx="5486400" cy="365760"/>
-          </a:xfrm>
-          <a:prstGeom prst="rect">
-            <a:avLst/>
-          </a:prstGeom>
-          <a:noFill/>
-        </p:spPr>
-        <p:txBody>
-          <a:bodyPr wrap="none">
-            <a:spAutoFit/>
-          </a:bodyPr>
-          <a:lstStyle/>
-          <a:p>
-            <a:pPr algn="l">
-              <a:defRPr sz="800">
-                <a:solidFill>
-                  <a:srgbClr val="808080"/>
-                </a:solidFill>
-                <a:latin typeface="Times New Roman"/>
-              </a:defRPr>
-            </a:pPr>
-            <a:r>
-              <a:t>Confidential | September 2025</a:t>
-            </a:r>
-          </a:p>
-        </p:txBody>
-      </p:sp>
-      <p:sp>
-        <p:nvSpPr>
-          <p:cNvPr id="7" name="TextBox 6"/>
-          <p:cNvSpPr txBox="1"/>
-          <p:nvPr/>
-        </p:nvSpPr>
-        <p:spPr>
-          <a:xfrm>
-            <a:off x="6705295" y="6400800"/>
-            <a:ext cx="5486400" cy="365760"/>
-          </a:xfrm>
-          <a:prstGeom prst="rect">
-            <a:avLst/>
-          </a:prstGeom>
-          <a:noFill/>
-        </p:spPr>
-        <p:txBody>
-          <a:bodyPr wrap="none">
-            <a:spAutoFit/>
-          </a:bodyPr>
-          <a:lstStyle/>
-          <a:p>
-            <a:pPr algn="r">
-              <a:defRPr sz="800">
-                <a:solidFill>
-                  <a:srgbClr val="808080"/>
-                </a:solidFill>
-                <a:latin typeface="Times New Roman"/>
-              </a:defRPr>
-            </a:pPr>
-            <a:r>
-              <a:t>NVIDIA</a:t>
-            </a:r>
-          </a:p>
-        </p:txBody>
-      </p:sp>
-    </p:spTree>
-  </p:cSld>
-  <p:clrMapOvr>
-    <a:masterClrMapping/>
-  </p:clrMapOvr>
-</p:sld>
-</file>
-
-<file path=ppt/slides/slide12.xml><?xml version="1.0" encoding="utf-8"?>
-<p:sld xmlns:a="http://schemas.openxmlformats.org/drawingml/2006/main" xmlns:p="http://schemas.openxmlformats.org/presentationml/2006/main" xmlns:r="http://schemas.openxmlformats.org/officeDocument/2006/relationships">
-  <p:cSld>
-    <p:spTree>
-      <p:nvGrpSpPr>
-        <p:cNvPr id="1" name=""/>
-        <p:cNvGrpSpPr/>
-        <p:nvPr/>
-      </p:nvGrpSpPr>
-      <p:grpSpPr/>
-      <p:sp>
-        <p:nvSpPr>
-          <p:cNvPr id="2" name="TextBox 1"/>
-          <p:cNvSpPr txBox="1"/>
-          <p:nvPr/>
-        </p:nvSpPr>
-        <p:spPr>
-          <a:xfrm>
-            <a:off x="457200" y="274320"/>
-            <a:ext cx="11277295" cy="731520"/>
-          </a:xfrm>
-          <a:prstGeom prst="rect">
-            <a:avLst/>
-          </a:prstGeom>
-          <a:noFill/>
-        </p:spPr>
-        <p:txBody>
-          <a:bodyPr wrap="none" lIns="0" tIns="0" rIns="0" bIns="0">
-            <a:spAutoFit/>
-          </a:bodyPr>
-          <a:lstStyle/>
-          <a:p>
-            <a:pPr algn="l"/>
-            <a:r>
-              <a:rPr sz="2600" b="1">
-                <a:solidFill>
-                  <a:srgbClr val="183A58"/>
-                </a:solidFill>
-                <a:latin typeface="Times New Roman"/>
-              </a:rPr>
-              <a:t>Strategic Buyer Profiles</a:t>
-            </a:r>
-          </a:p>
-        </p:txBody>
-      </p:sp>
-      <p:sp>
-        <p:nvSpPr>
-          <p:cNvPr id="3" name="Rectangle 2"/>
-          <p:cNvSpPr/>
-          <p:nvPr/>
-        </p:nvSpPr>
-        <p:spPr>
-          <a:xfrm>
-            <a:off x="457200" y="914400"/>
-            <a:ext cx="11277295" cy="45720"/>
-          </a:xfrm>
-          <a:prstGeom prst="rect">
-            <a:avLst/>
-          </a:prstGeom>
-          <a:solidFill>
-            <a:srgbClr val="183A58"/>
-          </a:solidFill>
-          <a:ln>
-            <a:noFill/>
-          </a:ln>
-        </p:spPr>
-        <p:style>
-          <a:lnRef idx="1">
-            <a:schemeClr val="accent1"/>
-          </a:lnRef>
-          <a:fillRef idx="3">
-            <a:schemeClr val="accent1"/>
-          </a:fillRef>
-          <a:effectRef idx="2">
-            <a:schemeClr val="accent1"/>
-          </a:effectRef>
-          <a:fontRef idx="minor">
-            <a:schemeClr val="lt1"/>
-          </a:fontRef>
-        </p:style>
-        <p:txBody>
-          <a:bodyPr rtlCol="0" anchor="ctr"/>
-          <a:lstStyle/>
-          <a:p>
-            <a:pPr algn="ctr"/>
-          </a:p>
-        </p:txBody>
-      </p:sp>
-      <p:graphicFrame>
-        <p:nvGraphicFramePr>
-          <p:cNvPr id="4" name="Table 3"/>
-          <p:cNvGraphicFramePr>
-            <a:graphicFrameLocks noGrp="1"/>
-          </p:cNvGraphicFramePr>
-          <p:nvPr/>
-        </p:nvGraphicFramePr>
-        <p:xfrm>
-          <a:off x="457200" y="1463040"/>
-          <a:ext cx="10515600" cy="2743200"/>
-        </p:xfrm>
-        <a:graphic>
-          <a:graphicData uri="http://schemas.openxmlformats.org/drawingml/2006/table">
-            <a:tbl>
-              <a:tblPr firstRow="1" bandRow="1">
-                <a:tableStyleId>{5C22544A-7EE6-4342-B048-85BDC9FD1C3A}</a:tableStyleId>
-              </a:tblPr>
-              <a:tblGrid>
-                <a:gridCol w="2560320"/>
-                <a:gridCol w="2286000"/>
-                <a:gridCol w="2286000"/>
-                <a:gridCol w="2011680"/>
-                <a:gridCol w="1371600"/>
-              </a:tblGrid>
-              <a:tr h="548640">
-                <a:tc>
-                  <a:txBody>
-                    <a:bodyPr/>
-                    <a:lstStyle/>
-                    <a:p>
-                      <a:pPr algn="ctr"/>
-                      <a:r>
-                        <a:rPr sz="1200" b="1">
-                          <a:solidFill>
-                            <a:srgbClr val="FFFFFF"/>
-                          </a:solidFill>
-                          <a:latin typeface="Times New Roman"/>
-                        </a:rPr>
-                        <a:t>Buyer Name</a:t>
-                      </a:r>
-                    </a:p>
-                  </a:txBody>
-                  <a:tcPr marL="45720" marR="45720" marT="45720" marB="45720">
-                    <a:solidFill>
-                      <a:srgbClr val="183A58"/>
-                    </a:solidFill>
-                  </a:tcPr>
-                </a:tc>
-                <a:tc>
-                  <a:txBody>
-                    <a:bodyPr/>
-                    <a:lstStyle/>
-                    <a:p>
-                      <a:pPr algn="ctr"/>
-                      <a:r>
-                        <a:rPr sz="1200" b="1">
-                          <a:solidFill>
-                            <a:srgbClr val="FFFFFF"/>
-                          </a:solidFill>
-                          <a:latin typeface="Times New Roman"/>
-                        </a:rPr>
-                        <a:t>Description</a:t>
-                      </a:r>
-                    </a:p>
-                  </a:txBody>
-                  <a:tcPr marL="45720" marR="45720" marT="45720" marB="45720">
-                    <a:solidFill>
-                      <a:srgbClr val="183A58"/>
-                    </a:solidFill>
-                  </a:tcPr>
-                </a:tc>
-                <a:tc>
-                  <a:txBody>
-                    <a:bodyPr/>
-                    <a:lstStyle/>
-                    <a:p>
-                      <a:pPr algn="ctr"/>
-                      <a:r>
-                        <a:rPr sz="1200" b="1">
-                          <a:solidFill>
-                            <a:srgbClr val="FFFFFF"/>
-                          </a:solidFill>
-                          <a:latin typeface="Times New Roman"/>
-                        </a:rPr>
-                        <a:t>Strategic Rationale</a:t>
-                      </a:r>
-                    </a:p>
-                  </a:txBody>
-                  <a:tcPr marL="45720" marR="45720" marT="45720" marB="45720">
-                    <a:solidFill>
-                      <a:srgbClr val="183A58"/>
-                    </a:solidFill>
-                  </a:tcPr>
-                </a:tc>
-                <a:tc>
-                  <a:txBody>
-                    <a:bodyPr/>
-                    <a:lstStyle/>
-                    <a:p>
-                      <a:pPr algn="ctr"/>
-                      <a:r>
-                        <a:rPr sz="1200" b="1">
-                          <a:solidFill>
-                            <a:srgbClr val="FFFFFF"/>
-                          </a:solidFill>
-                          <a:latin typeface="Times New Roman"/>
-                        </a:rPr>
-                        <a:t>Key Synergies</a:t>
-                      </a:r>
-                    </a:p>
-                  </a:txBody>
-                  <a:tcPr marL="45720" marR="45720" marT="45720" marB="45720">
-                    <a:solidFill>
-                      <a:srgbClr val="183A58"/>
-                    </a:solidFill>
-                  </a:tcPr>
-                </a:tc>
-                <a:tc>
-                  <a:txBody>
-                    <a:bodyPr/>
-                    <a:lstStyle/>
-                    <a:p>
-                      <a:pPr algn="ctr"/>
-                      <a:r>
-                        <a:rPr sz="1200" b="1">
-                          <a:solidFill>
-                            <a:srgbClr val="FFFFFF"/>
-                          </a:solidFill>
-                          <a:latin typeface="Times New Roman"/>
-                        </a:rPr>
-                        <a:t>Fit</a:t>
-                      </a:r>
-                    </a:p>
-                  </a:txBody>
-                  <a:tcPr marL="45720" marR="45720" marT="45720" marB="45720">
-                    <a:solidFill>
-                      <a:srgbClr val="183A58"/>
-                    </a:solidFill>
-                  </a:tcPr>
-                </a:tc>
-              </a:tr>
-              <a:tr h="548640">
-                <a:tc>
-                  <a:txBody>
-                    <a:bodyPr wrap="square"/>
-                    <a:lstStyle/>
-                    <a:p>
-                      <a:pPr algn="l"/>
-                      <a:r>
-                        <a:rPr sz="1100" b="1">
-                          <a:solidFill>
-                            <a:srgbClr val="404040"/>
-                          </a:solidFill>
-                          <a:latin typeface="Times New Roman"/>
-                        </a:rPr>
-                        <a:t>Microsoft Corporation</a:t>
-                      </a:r>
-                    </a:p>
-                  </a:txBody>
-                  <a:tcPr marL="45720" marR="45720" marT="45720" marB="45720">
-                    <a:solidFill>
-                      <a:srgbClr val="FFFFFF"/>
-                    </a:solidFill>
-                  </a:tcPr>
-                </a:tc>
-                <a:tc>
-                  <a:txBody>
-                    <a:bodyPr wrap="square"/>
-                    <a:lstStyle/>
-                    <a:p>
-                      <a:pPr algn="l"/>
-                      <a:r>
-                        <a:rPr sz="1100">
-                          <a:solidFill>
-                            <a:srgbClr val="404040"/>
-                          </a:solidFill>
-                          <a:latin typeface="Times New Roman"/>
-                        </a:rPr>
-                        <a:t>Global technology leader in cloud computing, enterprise software, and AI infrastructure.</a:t>
-                      </a:r>
-                    </a:p>
-                  </a:txBody>
-                  <a:tcPr marL="45720" marR="45720" marT="45720" marB="45720">
-                    <a:solidFill>
-                      <a:srgbClr val="FFFFFF"/>
-                    </a:solidFill>
-                  </a:tcPr>
-                </a:tc>
-                <a:tc>
-                  <a:txBody>
-                    <a:bodyPr wrap="square"/>
-                    <a:lstStyle/>
-                    <a:p>
-                      <a:pPr algn="l"/>
-                      <a:r>
-                        <a:rPr sz="1100">
-                          <a:solidFill>
-                            <a:srgbClr val="404040"/>
-                          </a:solidFill>
-                          <a:latin typeface="Times New Roman"/>
-                        </a:rPr>
-                        <a:t>Microsoft is aggressively expanding its AI and cloud capabilities, relying heavily on NVIDIA GPUs for Azure and Copilot. Acquiring NVIDIA would secure supply, deepen vertical integration, and accelerate AI platform leadership.</a:t>
-                      </a:r>
-                    </a:p>
-                  </a:txBody>
-                  <a:tcPr marL="45720" marR="45720" marT="45720" marB="45720">
-                    <a:solidFill>
-                      <a:srgbClr val="FFFFFF"/>
-                    </a:solidFill>
-                  </a:tcPr>
-                </a:tc>
-                <a:tc>
-                  <a:txBody>
-                    <a:bodyPr wrap="square"/>
-                    <a:lstStyle/>
-                    <a:p>
-                      <a:pPr algn="l"/>
-                      <a:r>
-                        <a:rPr sz="1100">
-                          <a:solidFill>
-                            <a:srgbClr val="404040"/>
-                          </a:solidFill>
-                          <a:latin typeface="Times New Roman"/>
-                        </a:rPr>
-                        <a:t>End-to-end AI stack integration, exclusive hardware/software optimization, enhanced cloud margins, and accelerated enterprise AI adoption.</a:t>
-                      </a:r>
-                    </a:p>
-                  </a:txBody>
-                  <a:tcPr marL="45720" marR="45720" marT="45720" marB="45720">
-                    <a:solidFill>
-                      <a:srgbClr val="FFFFFF"/>
-                    </a:solidFill>
-                  </a:tcPr>
-                </a:tc>
-                <a:tc>
-                  <a:txBody>
-                    <a:bodyPr wrap="square"/>
-                    <a:lstStyle/>
-                    <a:p>
-                      <a:pPr algn="l"/>
-                      <a:r>
-                        <a:rPr sz="1100">
-                          <a:solidFill>
-                            <a:srgbClr val="404040"/>
-                          </a:solidFill>
-                          <a:latin typeface="Times New Roman"/>
-                        </a:rPr>
-                        <a:t>High (9/10)</a:t>
-                      </a:r>
-                    </a:p>
-                  </a:txBody>
-                  <a:tcPr marL="45720" marR="45720" marT="45720" marB="45720">
-                    <a:solidFill>
-                      <a:srgbClr val="FFFFFF"/>
-                    </a:solidFill>
-                  </a:tcPr>
-                </a:tc>
-              </a:tr>
-              <a:tr h="548640">
-                <a:tc>
-                  <a:txBody>
-                    <a:bodyPr wrap="square"/>
-                    <a:lstStyle/>
-                    <a:p>
-                      <a:pPr algn="l"/>
-                      <a:r>
-                        <a:rPr sz="1100" b="1">
-                          <a:solidFill>
-                            <a:srgbClr val="404040"/>
-                          </a:solidFill>
-                          <a:latin typeface="Times New Roman"/>
-                        </a:rPr>
-                        <a:t>Amazon.com, Inc. (AWS)</a:t>
-                      </a:r>
-                    </a:p>
-                  </a:txBody>
-                  <a:tcPr marL="45720" marR="45720" marT="45720" marB="45720">
-                    <a:solidFill>
-                      <a:srgbClr val="F0F0F0"/>
-                    </a:solidFill>
-                  </a:tcPr>
-                </a:tc>
-                <a:tc>
-                  <a:txBody>
-                    <a:bodyPr wrap="square"/>
-                    <a:lstStyle/>
-                    <a:p>
-                      <a:pPr algn="l"/>
-                      <a:r>
-                        <a:rPr sz="1100">
-                          <a:solidFill>
-                            <a:srgbClr val="404040"/>
-                          </a:solidFill>
-                          <a:latin typeface="Times New Roman"/>
-                        </a:rPr>
-                        <a:t>World’s largest cloud services provider, with major investments in AI, ML, and custom silicon.</a:t>
-                      </a:r>
-                    </a:p>
-                  </a:txBody>
-                  <a:tcPr marL="45720" marR="45720" marT="45720" marB="45720">
-                    <a:solidFill>
-                      <a:srgbClr val="F0F0F0"/>
-                    </a:solidFill>
-                  </a:tcPr>
-                </a:tc>
-                <a:tc>
-                  <a:txBody>
-                    <a:bodyPr wrap="square"/>
-                    <a:lstStyle/>
-                    <a:p>
-                      <a:pPr algn="l"/>
-                      <a:r>
-                        <a:rPr sz="1100">
-                          <a:solidFill>
-                            <a:srgbClr val="404040"/>
-                          </a:solidFill>
-                          <a:latin typeface="Times New Roman"/>
-                        </a:rPr>
-                        <a:t>AWS is a top buyer of NVIDIA chips for its cloud AI offerings. Acquisition would ensure supply chain control, differentiate AWS AI services, and enable proprietary hardware/software innovation.</a:t>
-                      </a:r>
-                    </a:p>
-                  </a:txBody>
-                  <a:tcPr marL="45720" marR="45720" marT="45720" marB="45720">
-                    <a:solidFill>
-                      <a:srgbClr val="F0F0F0"/>
-                    </a:solidFill>
-                  </a:tcPr>
-                </a:tc>
-                <a:tc>
-                  <a:txBody>
-                    <a:bodyPr wrap="square"/>
-                    <a:lstStyle/>
-                    <a:p>
-                      <a:pPr algn="l"/>
-                      <a:r>
-                        <a:rPr sz="1100">
-                          <a:solidFill>
-                            <a:srgbClr val="404040"/>
-                          </a:solidFill>
-                          <a:latin typeface="Times New Roman"/>
-                        </a:rPr>
-                        <a:t>Cloud infrastructure dominance, proprietary AI hardware, cost efficiencies, and expanded enterprise AI solutions.</a:t>
-                      </a:r>
-                    </a:p>
-                  </a:txBody>
-                  <a:tcPr marL="45720" marR="45720" marT="45720" marB="45720">
-                    <a:solidFill>
-                      <a:srgbClr val="F0F0F0"/>
-                    </a:solidFill>
-                  </a:tcPr>
-                </a:tc>
-                <a:tc>
-                  <a:txBody>
-                    <a:bodyPr wrap="square"/>
-                    <a:lstStyle/>
-                    <a:p>
-                      <a:pPr algn="l"/>
-                      <a:r>
-                        <a:rPr sz="1100">
-                          <a:solidFill>
-                            <a:srgbClr val="404040"/>
-                          </a:solidFill>
-                          <a:latin typeface="Times New Roman"/>
-                        </a:rPr>
-                        <a:t>High (8/10)</a:t>
-                      </a:r>
-                    </a:p>
-                  </a:txBody>
-                  <a:tcPr marL="45720" marR="45720" marT="45720" marB="45720">
-                    <a:solidFill>
-                      <a:srgbClr val="F0F0F0"/>
-                    </a:solidFill>
-                  </a:tcPr>
-                </a:tc>
-              </a:tr>
-              <a:tr h="548640">
-                <a:tc>
-                  <a:txBody>
-                    <a:bodyPr wrap="square"/>
-                    <a:lstStyle/>
-                    <a:p>
-                      <a:pPr algn="l"/>
-                      <a:r>
-                        <a:rPr sz="1100" b="1">
-                          <a:solidFill>
-                            <a:srgbClr val="404040"/>
-                          </a:solidFill>
-                          <a:latin typeface="Times New Roman"/>
-                        </a:rPr>
-                        <a:t>Apple Inc.</a:t>
-                      </a:r>
-                    </a:p>
-                  </a:txBody>
-                  <a:tcPr marL="45720" marR="45720" marT="45720" marB="45720">
-                    <a:solidFill>
-                      <a:srgbClr val="FFFFFF"/>
-                    </a:solidFill>
-                  </a:tcPr>
-                </a:tc>
-                <a:tc>
-                  <a:txBody>
-                    <a:bodyPr wrap="square"/>
-                    <a:lstStyle/>
-                    <a:p>
-                      <a:pPr algn="l"/>
-                      <a:r>
-                        <a:rPr sz="1100">
-                          <a:solidFill>
-                            <a:srgbClr val="404040"/>
-                          </a:solidFill>
-                          <a:latin typeface="Times New Roman"/>
-                        </a:rPr>
-                        <a:t>Global leader in consumer electronics, software, and custom silicon design.</a:t>
-                      </a:r>
-                    </a:p>
-                  </a:txBody>
-                  <a:tcPr marL="45720" marR="45720" marT="45720" marB="45720">
-                    <a:solidFill>
-                      <a:srgbClr val="FFFFFF"/>
-                    </a:solidFill>
-                  </a:tcPr>
-                </a:tc>
-                <a:tc>
-                  <a:txBody>
-                    <a:bodyPr wrap="square"/>
-                    <a:lstStyle/>
-                    <a:p>
-                      <a:pPr algn="l"/>
-                      <a:r>
-                        <a:rPr sz="1100">
-                          <a:solidFill>
-                            <a:srgbClr val="404040"/>
-                          </a:solidFill>
-                          <a:latin typeface="Times New Roman"/>
-                        </a:rPr>
-                        <a:t>Apple’s push into on-device AI and custom silicon could benefit from NVIDIA’s GPU and AI expertise, enabling next-gen devices and services.</a:t>
-                      </a:r>
-                    </a:p>
-                  </a:txBody>
-                  <a:tcPr marL="45720" marR="45720" marT="45720" marB="45720">
-                    <a:solidFill>
-                      <a:srgbClr val="FFFFFF"/>
-                    </a:solidFill>
-                  </a:tcPr>
-                </a:tc>
-                <a:tc>
-                  <a:txBody>
-                    <a:bodyPr wrap="square"/>
-                    <a:lstStyle/>
-                    <a:p>
-                      <a:pPr algn="l"/>
-                      <a:r>
-                        <a:rPr sz="1100">
-                          <a:solidFill>
-                            <a:srgbClr val="404040"/>
-                          </a:solidFill>
-                          <a:latin typeface="Times New Roman"/>
-                        </a:rPr>
-                        <a:t>Advanced silicon R&amp;D, AI/ML integration in devices, supply chain leverage, and ecosystem expansion.</a:t>
-                      </a:r>
-                    </a:p>
-                  </a:txBody>
-                  <a:tcPr marL="45720" marR="45720" marT="45720" marB="45720">
-                    <a:solidFill>
-                      <a:srgbClr val="FFFFFF"/>
-                    </a:solidFill>
-                  </a:tcPr>
-                </a:tc>
-                <a:tc>
-                  <a:txBody>
-                    <a:bodyPr wrap="square"/>
-                    <a:lstStyle/>
-                    <a:p>
-                      <a:pPr algn="l"/>
-                      <a:r>
-                        <a:rPr sz="1100">
-                          <a:solidFill>
-                            <a:srgbClr val="404040"/>
-                          </a:solidFill>
-                          <a:latin typeface="Times New Roman"/>
-                        </a:rPr>
-                        <a:t>Medium-High (8/10)</a:t>
-                      </a:r>
-                    </a:p>
-                  </a:txBody>
-                  <a:tcPr marL="45720" marR="45720" marT="45720" marB="45720">
-                    <a:solidFill>
-                      <a:srgbClr val="FFFFFF"/>
-                    </a:solidFill>
-                  </a:tcPr>
-                </a:tc>
-              </a:tr>
-              <a:tr h="548640">
-                <a:tc>
-                  <a:txBody>
-                    <a:bodyPr wrap="square"/>
-                    <a:lstStyle/>
-                    <a:p>
-                      <a:pPr algn="l"/>
-                      <a:r>
-                        <a:rPr sz="1100" b="1">
-                          <a:solidFill>
-                            <a:srgbClr val="404040"/>
-                          </a:solidFill>
-                          <a:latin typeface="Times New Roman"/>
-                        </a:rPr>
-                        <a:t>Intel Corporation</a:t>
-                      </a:r>
-                    </a:p>
-                  </a:txBody>
-                  <a:tcPr marL="45720" marR="45720" marT="45720" marB="45720">
-                    <a:solidFill>
-                      <a:srgbClr val="F0F0F0"/>
-                    </a:solidFill>
-                  </a:tcPr>
-                </a:tc>
-                <a:tc>
-                  <a:txBody>
-                    <a:bodyPr wrap="square"/>
-                    <a:lstStyle/>
-                    <a:p>
-                      <a:pPr algn="l"/>
-                      <a:r>
-                        <a:rPr sz="1100">
-                          <a:solidFill>
-                            <a:srgbClr val="404040"/>
-                          </a:solidFill>
-                          <a:latin typeface="Times New Roman"/>
-                        </a:rPr>
-                        <a:t>Major semiconductor manufacturer with a focus on CPUs, GPUs, and data center solutions.</a:t>
-                      </a:r>
-                    </a:p>
-                  </a:txBody>
-                  <a:tcPr marL="45720" marR="45720" marT="45720" marB="45720">
-                    <a:solidFill>
-                      <a:srgbClr val="F0F0F0"/>
-                    </a:solidFill>
-                  </a:tcPr>
-                </a:tc>
-                <a:tc>
-                  <a:txBody>
-                    <a:bodyPr wrap="square"/>
-                    <a:lstStyle/>
-                    <a:p>
-                      <a:pPr algn="l"/>
-                      <a:r>
-                        <a:rPr sz="1100">
-                          <a:solidFill>
-                            <a:srgbClr val="404040"/>
-                          </a:solidFill>
-                          <a:latin typeface="Times New Roman"/>
-                        </a:rPr>
-                        <a:t>Intel seeks to regain leadership in AI and data center hardware. Acquiring NVIDIA would transform its product portfolio and competitive position.</a:t>
-                      </a:r>
-                    </a:p>
-                  </a:txBody>
-                  <a:tcPr marL="45720" marR="45720" marT="45720" marB="45720">
-                    <a:solidFill>
-                      <a:srgbClr val="F0F0F0"/>
-                    </a:solidFill>
-                  </a:tcPr>
-                </a:tc>
-                <a:tc>
-                  <a:txBody>
-                    <a:bodyPr wrap="square"/>
-                    <a:lstStyle/>
-                    <a:p>
-                      <a:pPr algn="l"/>
-                      <a:r>
-                        <a:rPr sz="1100">
-                          <a:solidFill>
-                            <a:srgbClr val="404040"/>
-                          </a:solidFill>
-                          <a:latin typeface="Times New Roman"/>
-                        </a:rPr>
-                        <a:t>Product portfolio expansion, manufacturing scale, AI platform integration, and competitive repositioning.</a:t>
-                      </a:r>
-                    </a:p>
-                  </a:txBody>
-                  <a:tcPr marL="45720" marR="45720" marT="45720" marB="45720">
-                    <a:solidFill>
-                      <a:srgbClr val="F0F0F0"/>
-                    </a:solidFill>
-                  </a:tcPr>
-                </a:tc>
-                <a:tc>
-                  <a:txBody>
-                    <a:bodyPr wrap="square"/>
-                    <a:lstStyle/>
-                    <a:p>
-                      <a:pPr algn="l"/>
-                      <a:r>
-                        <a:rPr sz="1100">
-                          <a:solidFill>
-                            <a:srgbClr val="404040"/>
-                          </a:solidFill>
-                          <a:latin typeface="Times New Roman"/>
-                        </a:rPr>
-                        <a:t>Medium (7/10)</a:t>
-                      </a:r>
-                    </a:p>
-                  </a:txBody>
-                  <a:tcPr marL="45720" marR="45720" marT="45720" marB="45720">
-                    <a:solidFill>
-                      <a:srgbClr val="F0F0F0"/>
-                    </a:solidFill>
-                  </a:tcPr>
-                </a:tc>
-              </a:tr>
-            </a:tbl>
-          </a:graphicData>
-        </a:graphic>
-      </p:graphicFrame>
-      <p:sp>
-        <p:nvSpPr>
-          <p:cNvPr id="5" name="TextBox 4"/>
-          <p:cNvSpPr txBox="1"/>
-          <p:nvPr/>
-        </p:nvSpPr>
-        <p:spPr>
-          <a:xfrm>
-            <a:off x="457200" y="6400800"/>
-            <a:ext cx="5486400" cy="365760"/>
-          </a:xfrm>
-          <a:prstGeom prst="rect">
-            <a:avLst/>
-          </a:prstGeom>
-          <a:noFill/>
-        </p:spPr>
-        <p:txBody>
-          <a:bodyPr wrap="none" anchor="ctr">
-            <a:spAutoFit/>
-          </a:bodyPr>
-          <a:lstStyle/>
-          <a:p>
-            <a:pPr algn="l">
-              <a:defRPr sz="1000">
-                <a:solidFill>
-                  <a:srgbClr val="808080"/>
-                </a:solidFill>
-                <a:latin typeface="Times New Roman"/>
-              </a:defRPr>
-            </a:pPr>
-            <a:r>
-              <a:t>Confidential | September 12, 2025</a:t>
-            </a:r>
-          </a:p>
-        </p:txBody>
-      </p:sp>
-      <p:sp>
-        <p:nvSpPr>
-          <p:cNvPr id="6" name="TextBox 5"/>
-          <p:cNvSpPr txBox="1"/>
-          <p:nvPr/>
-        </p:nvSpPr>
-        <p:spPr>
-          <a:xfrm>
-            <a:off x="9144000" y="6400800"/>
-            <a:ext cx="2743200" cy="365760"/>
-          </a:xfrm>
-          <a:prstGeom prst="rect">
-            <a:avLst/>
-          </a:prstGeom>
-          <a:noFill/>
-        </p:spPr>
-        <p:txBody>
-          <a:bodyPr wrap="none" anchor="ctr">
-            <a:spAutoFit/>
-          </a:bodyPr>
-          <a:lstStyle/>
-          <a:p>
-            <a:pPr algn="r">
-              <a:defRPr sz="1000">
-                <a:solidFill>
-                  <a:srgbClr val="808080"/>
-                </a:solidFill>
-                <a:latin typeface="Times New Roman"/>
-              </a:defRPr>
-            </a:pPr>
-            <a:r>
-              <a:t>NVIDIA</a:t>
-            </a:r>
-          </a:p>
-        </p:txBody>
-      </p:sp>
-    </p:spTree>
-  </p:cSld>
-  <p:clrMapOvr>
-    <a:masterClrMapping/>
-  </p:clrMapOvr>
-</p:sld>
-</file>
-
-<file path=ppt/slides/slide13.xml><?xml version="1.0" encoding="utf-8"?>
 <p:sld xmlns:a="http://schemas.openxmlformats.org/drawingml/2006/main" xmlns:p="http://schemas.openxmlformats.org/presentationml/2006/main" xmlns:r="http://schemas.openxmlformats.org/officeDocument/2006/relationships">
   <p:cSld>
     <p:spTree>
@@ -6812,7 +5183,7 @@
                           </a:solidFill>
                           <a:latin typeface="Times New Roman"/>
                         </a:rPr>
-                        <a:t>Global private equity leader with deep experience in technology and infrastructure.</a:t>
+                        <a:t>World's largest alternative asset manager, focusing on large-scale buyouts and technology investments.</a:t>
                       </a:r>
                     </a:p>
                   </a:txBody>
@@ -6835,7 +5206,7 @@
                           </a:solidFill>
                           <a:latin typeface="Times New Roman"/>
                         </a:rPr>
-                        <a:t>Blackstone targets high-growth, market-leading tech assets. NVIDIA’s AI dominance and cash flow profile fit its large-cap investment strategy.</a:t>
+                        <a:t>Investment in Apple would provide stable cash flows, global brand exposure, and opportunities for operational optimization.</a:t>
                       </a:r>
                     </a:p>
                   </a:txBody>
@@ -6858,7 +5229,7 @@
                           </a:solidFill>
                           <a:latin typeface="Times New Roman"/>
                         </a:rPr>
-                        <a:t>Operational optimization, capital structure enhancement, strategic partnerships, and global expansion.</a:t>
+                        <a:t>Capital structure optimization, global expansion, and leveraging Blackstone's operational expertise.</a:t>
                       </a:r>
                     </a:p>
                   </a:txBody>
@@ -6906,7 +5277,7 @@
                           </a:solidFill>
                           <a:latin typeface="Times New Roman"/>
                         </a:rPr>
-                        <a:t>KKR &amp; Co.</a:t>
+                        <a:t>KKR &amp; Co. Inc.</a:t>
                       </a:r>
                     </a:p>
                   </a:txBody>
@@ -6929,7 +5300,7 @@
                           </a:solidFill>
                           <a:latin typeface="Times New Roman"/>
                         </a:rPr>
-                        <a:t>Global investment firm with focus on technology, infrastructure, and growth equity.</a:t>
+                        <a:t>Global investment firm with a focus on large-cap technology and consumer companies.</a:t>
                       </a:r>
                     </a:p>
                   </a:txBody>
@@ -6952,7 +5323,7 @@
                           </a:solidFill>
                           <a:latin typeface="Times New Roman"/>
                         </a:rPr>
-                        <a:t>KKR seeks scalable tech platforms with strong competitive moats. NVIDIA’s AI ecosystem and diversified revenue streams align with its thesis.</a:t>
+                        <a:t>Apple offers a unique opportunity for long-term value creation through innovation and global scale.</a:t>
                       </a:r>
                     </a:p>
                   </a:txBody>
@@ -6975,7 +5346,7 @@
                           </a:solidFill>
                           <a:latin typeface="Times New Roman"/>
                         </a:rPr>
-                        <a:t>Growth acceleration, platform scaling, M&amp;A execution, and governance improvement.</a:t>
+                        <a:t>Operational improvements, digital transformation, and expansion into new markets.</a:t>
                       </a:r>
                     </a:p>
                   </a:txBody>
@@ -7023,7 +5394,7 @@
                           </a:solidFill>
                           <a:latin typeface="Times New Roman"/>
                         </a:rPr>
-                        <a:t>Silver Lake Partners</a:t>
+                        <a:t>CVC Capital Partners</a:t>
                       </a:r>
                     </a:p>
                   </a:txBody>
@@ -7046,7 +5417,7 @@
                           </a:solidFill>
                           <a:latin typeface="Times New Roman"/>
                         </a:rPr>
-                        <a:t>Leading technology-focused private equity firm.</a:t>
+                        <a:t>Leading private equity and investment advisory firm with a global portfolio.</a:t>
                       </a:r>
                     </a:p>
                   </a:txBody>
@@ -7069,7 +5440,7 @@
                           </a:solidFill>
                           <a:latin typeface="Times New Roman"/>
                         </a:rPr>
-                        <a:t>Silver Lake specializes in transformative tech investments. NVIDIA’s leadership in AI and semiconductors offers unique value creation opportunities.</a:t>
+                        <a:t>Apple's strong cash flow and brand make it an attractive anchor investment for technology-focused funds.</a:t>
                       </a:r>
                     </a:p>
                   </a:txBody>
@@ -7092,7 +5463,7 @@
                           </a:solidFill>
                           <a:latin typeface="Times New Roman"/>
                         </a:rPr>
-                        <a:t>Strategic partnerships, digital transformation, operational scaling, and global market access.</a:t>
+                        <a:t>Portfolio integration, cost optimization, and leveraging CVC's global network.</a:t>
                       </a:r>
                     </a:p>
                   </a:txBody>
@@ -7140,7 +5511,7 @@
                           </a:solidFill>
                           <a:latin typeface="Times New Roman"/>
                         </a:rPr>
-                        <a:t>TPG Capital</a:t>
+                        <a:t>Temasek Holdings</a:t>
                       </a:r>
                     </a:p>
                   </a:txBody>
@@ -7163,7 +5534,7 @@
                           </a:solidFill>
                           <a:latin typeface="Times New Roman"/>
                         </a:rPr>
-                        <a:t>Global alternative asset manager with a focus on technology and growth.</a:t>
+                        <a:t>Singaporean sovereign wealth fund with significant investments in technology and consumer sectors.</a:t>
                       </a:r>
                     </a:p>
                   </a:txBody>
@@ -7186,7 +5557,7 @@
                           </a:solidFill>
                           <a:latin typeface="Times New Roman"/>
                         </a:rPr>
-                        <a:t>TPG targets high-growth tech companies with strong market positions. NVIDIA’s AI and data center dominance fit its investment profile.</a:t>
+                        <a:t>Apple aligns with Temasek's focus on innovation, sustainability, and global growth.</a:t>
                       </a:r>
                     </a:p>
                   </a:txBody>
@@ -7209,7 +5580,7 @@
                           </a:solidFill>
                           <a:latin typeface="Times New Roman"/>
                         </a:rPr>
-                        <a:t>Growth capital, operational improvement, international expansion, and strategic M&amp;A.</a:t>
+                        <a:t>Access to Asian markets, sustainability initiatives, and long-term capital support.</a:t>
                       </a:r>
                     </a:p>
                   </a:txBody>
@@ -7314,7 +5685,7 @@
               </a:defRPr>
             </a:pPr>
             <a:r>
-              <a:t>NVIDIA</a:t>
+              <a:t>Apple</a:t>
             </a:r>
           </a:p>
         </p:txBody>
@@ -7327,7 +5698,7 @@
 </p:sld>
 </file>
 
-<file path=ppt/slides/slide14.xml><?xml version="1.0" encoding="utf-8"?>
+<file path=ppt/slides/slide11.xml><?xml version="1.0" encoding="utf-8"?>
 <p:sld xmlns:a="http://schemas.openxmlformats.org/drawingml/2006/main" xmlns:p="http://schemas.openxmlformats.org/presentationml/2006/main" xmlns:r="http://schemas.openxmlformats.org/officeDocument/2006/relationships">
   <p:cSld>
     <p:spTree>
@@ -7425,7 +5796,7 @@
         </p:nvGraphicFramePr>
         <p:xfrm>
           <a:off x="457200" y="1371600"/>
-          <a:ext cx="11277295" cy="4572000"/>
+          <a:ext cx="11277295" cy="3566160"/>
         </p:xfrm>
         <a:graphic>
           <a:graphicData uri="http://schemas.openxmlformats.org/drawingml/2006/table">
@@ -7602,7 +5973,7 @@
                         </a:defRPr>
                       </a:pPr>
                       <a:r>
-                        <a:t>Company Name Required</a:t>
+                        <a:t>Samsung Group</a:t>
                       </a:r>
                     </a:p>
                   </a:txBody>
@@ -7626,7 +5997,7 @@
                         </a:defRPr>
                       </a:pPr>
                       <a:r>
-                        <a:t>Country Required</a:t>
+                        <a:t>South Korea</a:t>
                       </a:r>
                     </a:p>
                   </a:txBody>
@@ -7650,7 +6021,7 @@
                         </a:defRPr>
                       </a:pPr>
                       <a:r>
-                        <a:t>Conglomerate active in Technology (AI computing, semiconductors, software) sector</a:t>
+                        <a:t>Diversified conglomerate with businesses in electronics, semiconductors, construction, and financial services.</a:t>
                       </a:r>
                     </a:p>
                   </a:txBody>
@@ -7674,7 +6045,7 @@
                         </a:defRPr>
                       </a:pPr>
                       <a:r>
-                        <a:t>Shareholders Required</a:t>
+                        <a:t>Lee family, institutional investors</a:t>
                       </a:r>
                     </a:p>
                   </a:txBody>
@@ -7698,7 +6069,7 @@
                         </a:defRPr>
                       </a:pPr>
                       <a:r>
-                        <a:t>Financials Required</a:t>
+                        <a:t>2024 revenue: ~$220B; Market cap: ~$400B</a:t>
                       </a:r>
                     </a:p>
                   </a:txBody>
@@ -7722,7 +6093,7 @@
                         </a:defRPr>
                       </a:pPr>
                       <a:r>
-                        <a:t>Contact Required</a:t>
+                        <a:t>N/A</a:t>
                       </a:r>
                     </a:p>
                   </a:txBody>
@@ -7748,7 +6119,7 @@
                         </a:defRPr>
                       </a:pPr>
                       <a:r>
-                        <a:t>Company Name Required</a:t>
+                        <a:t>Tencent Holdings</a:t>
                       </a:r>
                     </a:p>
                   </a:txBody>
@@ -7772,7 +6143,7 @@
                         </a:defRPr>
                       </a:pPr>
                       <a:r>
-                        <a:t>Country Required</a:t>
+                        <a:t>China</a:t>
                       </a:r>
                     </a:p>
                   </a:txBody>
@@ -7796,7 +6167,7 @@
                         </a:defRPr>
                       </a:pPr>
                       <a:r>
-                        <a:t>Conglomerate active in Technology (AI computing, semiconductors, software) sector</a:t>
+                        <a:t>Leading technology conglomerate with interests in social media, gaming, fintech, and cloud computing.</a:t>
                       </a:r>
                     </a:p>
                   </a:txBody>
@@ -7820,7 +6191,7 @@
                         </a:defRPr>
                       </a:pPr>
                       <a:r>
-                        <a:t>Shareholders Required</a:t>
+                        <a:t>Pony Ma (founder), institutional investors</a:t>
                       </a:r>
                     </a:p>
                   </a:txBody>
@@ -7844,7 +6215,7 @@
                         </a:defRPr>
                       </a:pPr>
                       <a:r>
-                        <a:t>Financials Required</a:t>
+                        <a:t>2024 revenue: ~$90B; Market cap: ~$400B</a:t>
                       </a:r>
                     </a:p>
                   </a:txBody>
@@ -7868,7 +6239,7 @@
                         </a:defRPr>
                       </a:pPr>
                       <a:r>
-                        <a:t>Contact Required</a:t>
+                        <a:t>N/A</a:t>
                       </a:r>
                     </a:p>
                   </a:txBody>
@@ -7894,7 +6265,7 @@
                         </a:defRPr>
                       </a:pPr>
                       <a:r>
-                        <a:t>Company Name Required</a:t>
+                        <a:t>SoftBank Group</a:t>
                       </a:r>
                     </a:p>
                   </a:txBody>
@@ -7918,7 +6289,7 @@
                         </a:defRPr>
                       </a:pPr>
                       <a:r>
-                        <a:t>Country Required</a:t>
+                        <a:t>Japan</a:t>
                       </a:r>
                     </a:p>
                   </a:txBody>
@@ -7942,7 +6313,7 @@
                         </a:defRPr>
                       </a:pPr>
                       <a:r>
-                        <a:t>Conglomerate active in Technology (AI computing, semiconductors, software) sector</a:t>
+                        <a:t>Global conglomerate with investments in technology, telecommunications, and venture capital.</a:t>
                       </a:r>
                     </a:p>
                   </a:txBody>
@@ -7966,7 +6337,7 @@
                         </a:defRPr>
                       </a:pPr>
                       <a:r>
-                        <a:t>Shareholders Required</a:t>
+                        <a:t>Masayoshi Son (founder), institutional investors</a:t>
                       </a:r>
                     </a:p>
                   </a:txBody>
@@ -7990,7 +6361,7 @@
                         </a:defRPr>
                       </a:pPr>
                       <a:r>
-                        <a:t>Financials Required</a:t>
+                        <a:t>2024 revenue: ~$50B; Market cap: ~$70B</a:t>
                       </a:r>
                     </a:p>
                   </a:txBody>
@@ -8014,153 +6385,7 @@
                         </a:defRPr>
                       </a:pPr>
                       <a:r>
-                        <a:t>Contact Required</a:t>
-                      </a:r>
-                    </a:p>
-                  </a:txBody>
-                  <a:tcPr>
-                    <a:solidFill>
-                      <a:srgbClr val="FFFFFF"/>
-                    </a:solidFill>
-                  </a:tcPr>
-                </a:tc>
-              </a:tr>
-              <a:tr h="1005840">
-                <a:tc>
-                  <a:txBody>
-                    <a:bodyPr wrap="square"/>
-                    <a:lstStyle/>
-                    <a:p>
-                      <a:pPr algn="l">
-                        <a:defRPr sz="1200" b="0">
-                          <a:solidFill>
-                            <a:srgbClr val="404040"/>
-                          </a:solidFill>
-                          <a:latin typeface="Times New Roman"/>
-                        </a:defRPr>
-                      </a:pPr>
-                      <a:r>
-                        <a:t>Company Name Required</a:t>
-                      </a:r>
-                    </a:p>
-                  </a:txBody>
-                  <a:tcPr>
-                    <a:solidFill>
-                      <a:srgbClr val="FFFFFF"/>
-                    </a:solidFill>
-                  </a:tcPr>
-                </a:tc>
-                <a:tc>
-                  <a:txBody>
-                    <a:bodyPr wrap="square"/>
-                    <a:lstStyle/>
-                    <a:p>
-                      <a:pPr algn="l">
-                        <a:defRPr sz="1200" b="0">
-                          <a:solidFill>
-                            <a:srgbClr val="404040"/>
-                          </a:solidFill>
-                          <a:latin typeface="Times New Roman"/>
-                        </a:defRPr>
-                      </a:pPr>
-                      <a:r>
-                        <a:t>Country Required</a:t>
-                      </a:r>
-                    </a:p>
-                  </a:txBody>
-                  <a:tcPr>
-                    <a:solidFill>
-                      <a:srgbClr val="FFFFFF"/>
-                    </a:solidFill>
-                  </a:tcPr>
-                </a:tc>
-                <a:tc>
-                  <a:txBody>
-                    <a:bodyPr wrap="square"/>
-                    <a:lstStyle/>
-                    <a:p>
-                      <a:pPr algn="l">
-                        <a:defRPr sz="1200" b="0">
-                          <a:solidFill>
-                            <a:srgbClr val="404040"/>
-                          </a:solidFill>
-                          <a:latin typeface="Times New Roman"/>
-                        </a:defRPr>
-                      </a:pPr>
-                      <a:r>
-                        <a:t>Conglomerate active in Technology (AI computing, semiconductors, software) sector</a:t>
-                      </a:r>
-                    </a:p>
-                  </a:txBody>
-                  <a:tcPr>
-                    <a:solidFill>
-                      <a:srgbClr val="FFFFFF"/>
-                    </a:solidFill>
-                  </a:tcPr>
-                </a:tc>
-                <a:tc>
-                  <a:txBody>
-                    <a:bodyPr wrap="square"/>
-                    <a:lstStyle/>
-                    <a:p>
-                      <a:pPr algn="l">
-                        <a:defRPr sz="1200" b="0">
-                          <a:solidFill>
-                            <a:srgbClr val="404040"/>
-                          </a:solidFill>
-                          <a:latin typeface="Times New Roman"/>
-                        </a:defRPr>
-                      </a:pPr>
-                      <a:r>
-                        <a:t>Shareholders Required</a:t>
-                      </a:r>
-                    </a:p>
-                  </a:txBody>
-                  <a:tcPr>
-                    <a:solidFill>
-                      <a:srgbClr val="FFFFFF"/>
-                    </a:solidFill>
-                  </a:tcPr>
-                </a:tc>
-                <a:tc>
-                  <a:txBody>
-                    <a:bodyPr wrap="square"/>
-                    <a:lstStyle/>
-                    <a:p>
-                      <a:pPr algn="l">
-                        <a:defRPr sz="1200" b="0">
-                          <a:solidFill>
-                            <a:srgbClr val="404040"/>
-                          </a:solidFill>
-                          <a:latin typeface="Times New Roman"/>
-                        </a:defRPr>
-                      </a:pPr>
-                      <a:r>
-                        <a:t>Financials Required</a:t>
-                      </a:r>
-                    </a:p>
-                  </a:txBody>
-                  <a:tcPr>
-                    <a:solidFill>
-                      <a:srgbClr val="FFFFFF"/>
-                    </a:solidFill>
-                  </a:tcPr>
-                </a:tc>
-                <a:tc>
-                  <a:txBody>
-                    <a:bodyPr wrap="square"/>
-                    <a:lstStyle/>
-                    <a:p>
-                      <a:pPr algn="l">
-                        <a:defRPr sz="1200" b="0">
-                          <a:solidFill>
-                            <a:srgbClr val="404040"/>
-                          </a:solidFill>
-                          <a:latin typeface="Times New Roman"/>
-                        </a:defRPr>
-                      </a:pPr>
-                      <a:r>
-                        <a:t>Contact Required</a:t>
+                        <a:t>N/A</a:t>
                       </a:r>
                     </a:p>
                   </a:txBody>
@@ -8242,7 +6467,7 @@
               </a:defRPr>
             </a:pPr>
             <a:r>
-              <a:t>NVIDIA</a:t>
+              <a:t>Apple</a:t>
             </a:r>
           </a:p>
         </p:txBody>
@@ -8255,935 +6480,7 @@
 </p:sld>
 </file>
 
-<file path=ppt/slides/slide15.xml><?xml version="1.0" encoding="utf-8"?>
-<p:sld xmlns:a="http://schemas.openxmlformats.org/drawingml/2006/main" xmlns:p="http://schemas.openxmlformats.org/presentationml/2006/main" xmlns:r="http://schemas.openxmlformats.org/officeDocument/2006/relationships">
-  <p:cSld>
-    <p:spTree>
-      <p:nvGrpSpPr>
-        <p:cNvPr id="1" name=""/>
-        <p:cNvGrpSpPr/>
-        <p:nvPr/>
-      </p:nvGrpSpPr>
-      <p:grpSpPr/>
-      <p:sp>
-        <p:nvSpPr>
-          <p:cNvPr id="2" name="TextBox 1"/>
-          <p:cNvSpPr txBox="1"/>
-          <p:nvPr/>
-        </p:nvSpPr>
-        <p:spPr>
-          <a:xfrm>
-            <a:off x="457200" y="274320"/>
-            <a:ext cx="11277295" cy="731520"/>
-          </a:xfrm>
-          <a:prstGeom prst="rect">
-            <a:avLst/>
-          </a:prstGeom>
-          <a:noFill/>
-        </p:spPr>
-        <p:txBody>
-          <a:bodyPr wrap="none" lIns="0" tIns="0" rIns="0" bIns="0">
-            <a:spAutoFit/>
-          </a:bodyPr>
-          <a:lstStyle/>
-          <a:p>
-            <a:pPr algn="l"/>
-            <a:r>
-              <a:rPr sz="2600" b="1">
-                <a:solidFill>
-                  <a:srgbClr val="183A58"/>
-                </a:solidFill>
-                <a:latin typeface="Times New Roman"/>
-              </a:rPr>
-              <a:t>SEA Conglomerate Strategic Buyers (cont'd)</a:t>
-            </a:r>
-          </a:p>
-        </p:txBody>
-      </p:sp>
-      <p:sp>
-        <p:nvSpPr>
-          <p:cNvPr id="3" name="Rectangle 2"/>
-          <p:cNvSpPr/>
-          <p:nvPr/>
-        </p:nvSpPr>
-        <p:spPr>
-          <a:xfrm>
-            <a:off x="457200" y="914400"/>
-            <a:ext cx="11277295" cy="45720"/>
-          </a:xfrm>
-          <a:prstGeom prst="rect">
-            <a:avLst/>
-          </a:prstGeom>
-          <a:solidFill>
-            <a:srgbClr val="183A58"/>
-          </a:solidFill>
-          <a:ln>
-            <a:noFill/>
-          </a:ln>
-        </p:spPr>
-        <p:style>
-          <a:lnRef idx="1">
-            <a:schemeClr val="accent1"/>
-          </a:lnRef>
-          <a:fillRef idx="3">
-            <a:schemeClr val="accent1"/>
-          </a:fillRef>
-          <a:effectRef idx="2">
-            <a:schemeClr val="accent1"/>
-          </a:effectRef>
-          <a:fontRef idx="minor">
-            <a:schemeClr val="lt1"/>
-          </a:fontRef>
-        </p:style>
-        <p:txBody>
-          <a:bodyPr rtlCol="0" anchor="ctr"/>
-          <a:lstStyle/>
-          <a:p>
-            <a:pPr algn="ctr"/>
-          </a:p>
-        </p:txBody>
-      </p:sp>
-      <p:graphicFrame>
-        <p:nvGraphicFramePr>
-          <p:cNvPr id="4" name="Table 3"/>
-          <p:cNvGraphicFramePr>
-            <a:graphicFrameLocks noGrp="1"/>
-          </p:cNvGraphicFramePr>
-          <p:nvPr/>
-        </p:nvGraphicFramePr>
-        <p:xfrm>
-          <a:off x="457200" y="1371600"/>
-          <a:ext cx="11277295" cy="4572000"/>
-        </p:xfrm>
-        <a:graphic>
-          <a:graphicData uri="http://schemas.openxmlformats.org/drawingml/2006/table">
-            <a:tbl>
-              <a:tblPr firstRow="1" bandRow="1">
-                <a:tableStyleId>{5C22544A-7EE6-4342-B048-85BDC9FD1C3A}</a:tableStyleId>
-              </a:tblPr>
-              <a:tblGrid>
-                <a:gridCol w="1645920"/>
-                <a:gridCol w="914400"/>
-                <a:gridCol w="3840480"/>
-                <a:gridCol w="2011680"/>
-                <a:gridCol w="1645920"/>
-                <a:gridCol w="1218895"/>
-              </a:tblGrid>
-              <a:tr h="548640">
-                <a:tc>
-                  <a:txBody>
-                    <a:bodyPr/>
-                    <a:lstStyle/>
-                    <a:p>
-                      <a:pPr algn="ctr">
-                        <a:defRPr sz="1500" b="1">
-                          <a:solidFill>
-                            <a:srgbClr val="FFFFFF"/>
-                          </a:solidFill>
-                          <a:latin typeface="Times New Roman"/>
-                        </a:defRPr>
-                      </a:pPr>
-                      <a:r>
-                        <a:t>Name</a:t>
-                      </a:r>
-                    </a:p>
-                  </a:txBody>
-                  <a:tcPr>
-                    <a:solidFill>
-                      <a:srgbClr val="183A58"/>
-                    </a:solidFill>
-                  </a:tcPr>
-                </a:tc>
-                <a:tc>
-                  <a:txBody>
-                    <a:bodyPr/>
-                    <a:lstStyle/>
-                    <a:p>
-                      <a:pPr algn="ctr">
-                        <a:defRPr sz="1500" b="1">
-                          <a:solidFill>
-                            <a:srgbClr val="FFFFFF"/>
-                          </a:solidFill>
-                          <a:latin typeface="Times New Roman"/>
-                        </a:defRPr>
-                      </a:pPr>
-                      <a:r>
-                        <a:t>Country</a:t>
-                      </a:r>
-                    </a:p>
-                  </a:txBody>
-                  <a:tcPr>
-                    <a:solidFill>
-                      <a:srgbClr val="183A58"/>
-                    </a:solidFill>
-                  </a:tcPr>
-                </a:tc>
-                <a:tc>
-                  <a:txBody>
-                    <a:bodyPr/>
-                    <a:lstStyle/>
-                    <a:p>
-                      <a:pPr algn="ctr">
-                        <a:defRPr sz="1500" b="1">
-                          <a:solidFill>
-                            <a:srgbClr val="FFFFFF"/>
-                          </a:solidFill>
-                          <a:latin typeface="Times New Roman"/>
-                        </a:defRPr>
-                      </a:pPr>
-                      <a:r>
-                        <a:t>Description</a:t>
-                      </a:r>
-                    </a:p>
-                  </a:txBody>
-                  <a:tcPr>
-                    <a:solidFill>
-                      <a:srgbClr val="183A58"/>
-                    </a:solidFill>
-                  </a:tcPr>
-                </a:tc>
-                <a:tc>
-                  <a:txBody>
-                    <a:bodyPr/>
-                    <a:lstStyle/>
-                    <a:p>
-                      <a:pPr algn="ctr">
-                        <a:defRPr sz="1500" b="1">
-                          <a:solidFill>
-                            <a:srgbClr val="FFFFFF"/>
-                          </a:solidFill>
-                          <a:latin typeface="Times New Roman"/>
-                        </a:defRPr>
-                      </a:pPr>
-                      <a:r>
-                        <a:t>Key shareholders</a:t>
-                      </a:r>
-                    </a:p>
-                  </a:txBody>
-                  <a:tcPr>
-                    <a:solidFill>
-                      <a:srgbClr val="183A58"/>
-                    </a:solidFill>
-                  </a:tcPr>
-                </a:tc>
-                <a:tc>
-                  <a:txBody>
-                    <a:bodyPr/>
-                    <a:lstStyle/>
-                    <a:p>
-                      <a:pPr algn="ctr">
-                        <a:defRPr sz="1500" b="1">
-                          <a:solidFill>
-                            <a:srgbClr val="FFFFFF"/>
-                          </a:solidFill>
-                          <a:latin typeface="Times New Roman"/>
-                        </a:defRPr>
-                      </a:pPr>
-                      <a:r>
-                        <a:t>Key financials (US$m)</a:t>
-                      </a:r>
-                    </a:p>
-                  </a:txBody>
-                  <a:tcPr>
-                    <a:solidFill>
-                      <a:srgbClr val="183A58"/>
-                    </a:solidFill>
-                  </a:tcPr>
-                </a:tc>
-                <a:tc>
-                  <a:txBody>
-                    <a:bodyPr/>
-                    <a:lstStyle/>
-                    <a:p>
-                      <a:pPr algn="ctr">
-                        <a:defRPr sz="1500" b="1">
-                          <a:solidFill>
-                            <a:srgbClr val="FFFFFF"/>
-                          </a:solidFill>
-                          <a:latin typeface="Times New Roman"/>
-                        </a:defRPr>
-                      </a:pPr>
-                      <a:r>
-                        <a:t>Contact</a:t>
-                      </a:r>
-                    </a:p>
-                  </a:txBody>
-                  <a:tcPr>
-                    <a:solidFill>
-                      <a:srgbClr val="183A58"/>
-                    </a:solidFill>
-                  </a:tcPr>
-                </a:tc>
-              </a:tr>
-              <a:tr h="1005840">
-                <a:tc>
-                  <a:txBody>
-                    <a:bodyPr wrap="square"/>
-                    <a:lstStyle/>
-                    <a:p>
-                      <a:pPr algn="l">
-                        <a:defRPr sz="1200" b="0">
-                          <a:solidFill>
-                            <a:srgbClr val="404040"/>
-                          </a:solidFill>
-                          <a:latin typeface="Times New Roman"/>
-                        </a:defRPr>
-                      </a:pPr>
-                      <a:r>
-                        <a:t>Company Name Required</a:t>
-                      </a:r>
-                    </a:p>
-                  </a:txBody>
-                  <a:tcPr>
-                    <a:solidFill>
-                      <a:srgbClr val="FFFFFF"/>
-                    </a:solidFill>
-                  </a:tcPr>
-                </a:tc>
-                <a:tc>
-                  <a:txBody>
-                    <a:bodyPr wrap="square"/>
-                    <a:lstStyle/>
-                    <a:p>
-                      <a:pPr algn="l">
-                        <a:defRPr sz="1200" b="0">
-                          <a:solidFill>
-                            <a:srgbClr val="404040"/>
-                          </a:solidFill>
-                          <a:latin typeface="Times New Roman"/>
-                        </a:defRPr>
-                      </a:pPr>
-                      <a:r>
-                        <a:t>Country Required</a:t>
-                      </a:r>
-                    </a:p>
-                  </a:txBody>
-                  <a:tcPr>
-                    <a:solidFill>
-                      <a:srgbClr val="FFFFFF"/>
-                    </a:solidFill>
-                  </a:tcPr>
-                </a:tc>
-                <a:tc>
-                  <a:txBody>
-                    <a:bodyPr wrap="square"/>
-                    <a:lstStyle/>
-                    <a:p>
-                      <a:pPr algn="l">
-                        <a:defRPr sz="1200" b="0">
-                          <a:solidFill>
-                            <a:srgbClr val="404040"/>
-                          </a:solidFill>
-                          <a:latin typeface="Times New Roman"/>
-                        </a:defRPr>
-                      </a:pPr>
-                      <a:r>
-                        <a:t>Conglomerate active in Technology (AI computing, semiconductors, software) sector</a:t>
-                      </a:r>
-                    </a:p>
-                  </a:txBody>
-                  <a:tcPr>
-                    <a:solidFill>
-                      <a:srgbClr val="FFFFFF"/>
-                    </a:solidFill>
-                  </a:tcPr>
-                </a:tc>
-                <a:tc>
-                  <a:txBody>
-                    <a:bodyPr wrap="square"/>
-                    <a:lstStyle/>
-                    <a:p>
-                      <a:pPr algn="l">
-                        <a:defRPr sz="1200" b="0">
-                          <a:solidFill>
-                            <a:srgbClr val="404040"/>
-                          </a:solidFill>
-                          <a:latin typeface="Times New Roman"/>
-                        </a:defRPr>
-                      </a:pPr>
-                      <a:r>
-                        <a:t>Shareholders Required</a:t>
-                      </a:r>
-                    </a:p>
-                  </a:txBody>
-                  <a:tcPr>
-                    <a:solidFill>
-                      <a:srgbClr val="FFFFFF"/>
-                    </a:solidFill>
-                  </a:tcPr>
-                </a:tc>
-                <a:tc>
-                  <a:txBody>
-                    <a:bodyPr wrap="square"/>
-                    <a:lstStyle/>
-                    <a:p>
-                      <a:pPr algn="l">
-                        <a:defRPr sz="1200" b="0">
-                          <a:solidFill>
-                            <a:srgbClr val="404040"/>
-                          </a:solidFill>
-                          <a:latin typeface="Times New Roman"/>
-                        </a:defRPr>
-                      </a:pPr>
-                      <a:r>
-                        <a:t>Financials Required</a:t>
-                      </a:r>
-                    </a:p>
-                  </a:txBody>
-                  <a:tcPr>
-                    <a:solidFill>
-                      <a:srgbClr val="FFFFFF"/>
-                    </a:solidFill>
-                  </a:tcPr>
-                </a:tc>
-                <a:tc>
-                  <a:txBody>
-                    <a:bodyPr wrap="square"/>
-                    <a:lstStyle/>
-                    <a:p>
-                      <a:pPr algn="l">
-                        <a:defRPr sz="1200" b="0">
-                          <a:solidFill>
-                            <a:srgbClr val="404040"/>
-                          </a:solidFill>
-                          <a:latin typeface="Times New Roman"/>
-                        </a:defRPr>
-                      </a:pPr>
-                      <a:r>
-                        <a:t>Contact Required</a:t>
-                      </a:r>
-                    </a:p>
-                  </a:txBody>
-                  <a:tcPr>
-                    <a:solidFill>
-                      <a:srgbClr val="FFFFFF"/>
-                    </a:solidFill>
-                  </a:tcPr>
-                </a:tc>
-              </a:tr>
-              <a:tr h="1005840">
-                <a:tc>
-                  <a:txBody>
-                    <a:bodyPr wrap="square"/>
-                    <a:lstStyle/>
-                    <a:p>
-                      <a:pPr algn="l">
-                        <a:defRPr sz="1200" b="0">
-                          <a:solidFill>
-                            <a:srgbClr val="404040"/>
-                          </a:solidFill>
-                          <a:latin typeface="Times New Roman"/>
-                        </a:defRPr>
-                      </a:pPr>
-                      <a:r>
-                        <a:t>Company Name Required</a:t>
-                      </a:r>
-                    </a:p>
-                  </a:txBody>
-                  <a:tcPr>
-                    <a:solidFill>
-                      <a:srgbClr val="FFFFFF"/>
-                    </a:solidFill>
-                  </a:tcPr>
-                </a:tc>
-                <a:tc>
-                  <a:txBody>
-                    <a:bodyPr wrap="square"/>
-                    <a:lstStyle/>
-                    <a:p>
-                      <a:pPr algn="l">
-                        <a:defRPr sz="1200" b="0">
-                          <a:solidFill>
-                            <a:srgbClr val="404040"/>
-                          </a:solidFill>
-                          <a:latin typeface="Times New Roman"/>
-                        </a:defRPr>
-                      </a:pPr>
-                      <a:r>
-                        <a:t>Country Required</a:t>
-                      </a:r>
-                    </a:p>
-                  </a:txBody>
-                  <a:tcPr>
-                    <a:solidFill>
-                      <a:srgbClr val="FFFFFF"/>
-                    </a:solidFill>
-                  </a:tcPr>
-                </a:tc>
-                <a:tc>
-                  <a:txBody>
-                    <a:bodyPr wrap="square"/>
-                    <a:lstStyle/>
-                    <a:p>
-                      <a:pPr algn="l">
-                        <a:defRPr sz="1200" b="0">
-                          <a:solidFill>
-                            <a:srgbClr val="404040"/>
-                          </a:solidFill>
-                          <a:latin typeface="Times New Roman"/>
-                        </a:defRPr>
-                      </a:pPr>
-                      <a:r>
-                        <a:t>Strategic conglomerate with Technology (AI computing, semiconductors, software) interests</a:t>
-                      </a:r>
-                    </a:p>
-                  </a:txBody>
-                  <a:tcPr>
-                    <a:solidFill>
-                      <a:srgbClr val="FFFFFF"/>
-                    </a:solidFill>
-                  </a:tcPr>
-                </a:tc>
-                <a:tc>
-                  <a:txBody>
-                    <a:bodyPr wrap="square"/>
-                    <a:lstStyle/>
-                    <a:p>
-                      <a:pPr algn="l">
-                        <a:defRPr sz="1200" b="0">
-                          <a:solidFill>
-                            <a:srgbClr val="404040"/>
-                          </a:solidFill>
-                          <a:latin typeface="Times New Roman"/>
-                        </a:defRPr>
-                      </a:pPr>
-                      <a:r>
-                        <a:t>Shareholders Required</a:t>
-                      </a:r>
-                    </a:p>
-                  </a:txBody>
-                  <a:tcPr>
-                    <a:solidFill>
-                      <a:srgbClr val="FFFFFF"/>
-                    </a:solidFill>
-                  </a:tcPr>
-                </a:tc>
-                <a:tc>
-                  <a:txBody>
-                    <a:bodyPr wrap="square"/>
-                    <a:lstStyle/>
-                    <a:p>
-                      <a:pPr algn="l">
-                        <a:defRPr sz="1200" b="0">
-                          <a:solidFill>
-                            <a:srgbClr val="404040"/>
-                          </a:solidFill>
-                          <a:latin typeface="Times New Roman"/>
-                        </a:defRPr>
-                      </a:pPr>
-                      <a:r>
-                        <a:t>Financials Required</a:t>
-                      </a:r>
-                    </a:p>
-                  </a:txBody>
-                  <a:tcPr>
-                    <a:solidFill>
-                      <a:srgbClr val="FFFFFF"/>
-                    </a:solidFill>
-                  </a:tcPr>
-                </a:tc>
-                <a:tc>
-                  <a:txBody>
-                    <a:bodyPr wrap="square"/>
-                    <a:lstStyle/>
-                    <a:p>
-                      <a:pPr algn="l">
-                        <a:defRPr sz="1200" b="0">
-                          <a:solidFill>
-                            <a:srgbClr val="404040"/>
-                          </a:solidFill>
-                          <a:latin typeface="Times New Roman"/>
-                        </a:defRPr>
-                      </a:pPr>
-                      <a:r>
-                        <a:t>Contact Required</a:t>
-                      </a:r>
-                    </a:p>
-                  </a:txBody>
-                  <a:tcPr>
-                    <a:solidFill>
-                      <a:srgbClr val="FFFFFF"/>
-                    </a:solidFill>
-                  </a:tcPr>
-                </a:tc>
-              </a:tr>
-              <a:tr h="1005840">
-                <a:tc>
-                  <a:txBody>
-                    <a:bodyPr wrap="square"/>
-                    <a:lstStyle/>
-                    <a:p>
-                      <a:pPr algn="l">
-                        <a:defRPr sz="1200" b="0">
-                          <a:solidFill>
-                            <a:srgbClr val="404040"/>
-                          </a:solidFill>
-                          <a:latin typeface="Times New Roman"/>
-                        </a:defRPr>
-                      </a:pPr>
-                      <a:r>
-                        <a:t>Company Name Required</a:t>
-                      </a:r>
-                    </a:p>
-                  </a:txBody>
-                  <a:tcPr>
-                    <a:solidFill>
-                      <a:srgbClr val="FFFFFF"/>
-                    </a:solidFill>
-                  </a:tcPr>
-                </a:tc>
-                <a:tc>
-                  <a:txBody>
-                    <a:bodyPr wrap="square"/>
-                    <a:lstStyle/>
-                    <a:p>
-                      <a:pPr algn="l">
-                        <a:defRPr sz="1200" b="0">
-                          <a:solidFill>
-                            <a:srgbClr val="404040"/>
-                          </a:solidFill>
-                          <a:latin typeface="Times New Roman"/>
-                        </a:defRPr>
-                      </a:pPr>
-                      <a:r>
-                        <a:t>Country Required</a:t>
-                      </a:r>
-                    </a:p>
-                  </a:txBody>
-                  <a:tcPr>
-                    <a:solidFill>
-                      <a:srgbClr val="FFFFFF"/>
-                    </a:solidFill>
-                  </a:tcPr>
-                </a:tc>
-                <a:tc>
-                  <a:txBody>
-                    <a:bodyPr wrap="square"/>
-                    <a:lstStyle/>
-                    <a:p>
-                      <a:pPr algn="l">
-                        <a:defRPr sz="1200" b="0">
-                          <a:solidFill>
-                            <a:srgbClr val="404040"/>
-                          </a:solidFill>
-                          <a:latin typeface="Times New Roman"/>
-                        </a:defRPr>
-                      </a:pPr>
-                      <a:r>
-                        <a:t>Strategic conglomerate with Technology (AI computing, semiconductors, software) interests</a:t>
-                      </a:r>
-                    </a:p>
-                  </a:txBody>
-                  <a:tcPr>
-                    <a:solidFill>
-                      <a:srgbClr val="FFFFFF"/>
-                    </a:solidFill>
-                  </a:tcPr>
-                </a:tc>
-                <a:tc>
-                  <a:txBody>
-                    <a:bodyPr wrap="square"/>
-                    <a:lstStyle/>
-                    <a:p>
-                      <a:pPr algn="l">
-                        <a:defRPr sz="1200" b="0">
-                          <a:solidFill>
-                            <a:srgbClr val="404040"/>
-                          </a:solidFill>
-                          <a:latin typeface="Times New Roman"/>
-                        </a:defRPr>
-                      </a:pPr>
-                      <a:r>
-                        <a:t>Shareholders Required</a:t>
-                      </a:r>
-                    </a:p>
-                  </a:txBody>
-                  <a:tcPr>
-                    <a:solidFill>
-                      <a:srgbClr val="FFFFFF"/>
-                    </a:solidFill>
-                  </a:tcPr>
-                </a:tc>
-                <a:tc>
-                  <a:txBody>
-                    <a:bodyPr wrap="square"/>
-                    <a:lstStyle/>
-                    <a:p>
-                      <a:pPr algn="l">
-                        <a:defRPr sz="1200" b="0">
-                          <a:solidFill>
-                            <a:srgbClr val="404040"/>
-                          </a:solidFill>
-                          <a:latin typeface="Times New Roman"/>
-                        </a:defRPr>
-                      </a:pPr>
-                      <a:r>
-                        <a:t>Financials Required</a:t>
-                      </a:r>
-                    </a:p>
-                  </a:txBody>
-                  <a:tcPr>
-                    <a:solidFill>
-                      <a:srgbClr val="FFFFFF"/>
-                    </a:solidFill>
-                  </a:tcPr>
-                </a:tc>
-                <a:tc>
-                  <a:txBody>
-                    <a:bodyPr wrap="square"/>
-                    <a:lstStyle/>
-                    <a:p>
-                      <a:pPr algn="l">
-                        <a:defRPr sz="1200" b="0">
-                          <a:solidFill>
-                            <a:srgbClr val="404040"/>
-                          </a:solidFill>
-                          <a:latin typeface="Times New Roman"/>
-                        </a:defRPr>
-                      </a:pPr>
-                      <a:r>
-                        <a:t>Contact Required</a:t>
-                      </a:r>
-                    </a:p>
-                  </a:txBody>
-                  <a:tcPr>
-                    <a:solidFill>
-                      <a:srgbClr val="FFFFFF"/>
-                    </a:solidFill>
-                  </a:tcPr>
-                </a:tc>
-              </a:tr>
-              <a:tr h="1005840">
-                <a:tc>
-                  <a:txBody>
-                    <a:bodyPr wrap="square"/>
-                    <a:lstStyle/>
-                    <a:p>
-                      <a:pPr algn="l">
-                        <a:defRPr sz="1200" b="0">
-                          <a:solidFill>
-                            <a:srgbClr val="404040"/>
-                          </a:solidFill>
-                          <a:latin typeface="Times New Roman"/>
-                        </a:defRPr>
-                      </a:pPr>
-                      <a:r>
-                        <a:t>Company Name Required</a:t>
-                      </a:r>
-                    </a:p>
-                  </a:txBody>
-                  <a:tcPr>
-                    <a:solidFill>
-                      <a:srgbClr val="FFFFFF"/>
-                    </a:solidFill>
-                  </a:tcPr>
-                </a:tc>
-                <a:tc>
-                  <a:txBody>
-                    <a:bodyPr wrap="square"/>
-                    <a:lstStyle/>
-                    <a:p>
-                      <a:pPr algn="l">
-                        <a:defRPr sz="1200" b="0">
-                          <a:solidFill>
-                            <a:srgbClr val="404040"/>
-                          </a:solidFill>
-                          <a:latin typeface="Times New Roman"/>
-                        </a:defRPr>
-                      </a:pPr>
-                      <a:r>
-                        <a:t>Country Required</a:t>
-                      </a:r>
-                    </a:p>
-                  </a:txBody>
-                  <a:tcPr>
-                    <a:solidFill>
-                      <a:srgbClr val="FFFFFF"/>
-                    </a:solidFill>
-                  </a:tcPr>
-                </a:tc>
-                <a:tc>
-                  <a:txBody>
-                    <a:bodyPr wrap="square"/>
-                    <a:lstStyle/>
-                    <a:p>
-                      <a:pPr algn="l">
-                        <a:defRPr sz="1200" b="0">
-                          <a:solidFill>
-                            <a:srgbClr val="404040"/>
-                          </a:solidFill>
-                          <a:latin typeface="Times New Roman"/>
-                        </a:defRPr>
-                      </a:pPr>
-                      <a:r>
-                        <a:t>Strategic conglomerate with Technology (AI computing, semiconductors, software) interests</a:t>
-                      </a:r>
-                    </a:p>
-                  </a:txBody>
-                  <a:tcPr>
-                    <a:solidFill>
-                      <a:srgbClr val="FFFFFF"/>
-                    </a:solidFill>
-                  </a:tcPr>
-                </a:tc>
-                <a:tc>
-                  <a:txBody>
-                    <a:bodyPr wrap="square"/>
-                    <a:lstStyle/>
-                    <a:p>
-                      <a:pPr algn="l">
-                        <a:defRPr sz="1200" b="0">
-                          <a:solidFill>
-                            <a:srgbClr val="404040"/>
-                          </a:solidFill>
-                          <a:latin typeface="Times New Roman"/>
-                        </a:defRPr>
-                      </a:pPr>
-                      <a:r>
-                        <a:t>Shareholders Required</a:t>
-                      </a:r>
-                    </a:p>
-                  </a:txBody>
-                  <a:tcPr>
-                    <a:solidFill>
-                      <a:srgbClr val="FFFFFF"/>
-                    </a:solidFill>
-                  </a:tcPr>
-                </a:tc>
-                <a:tc>
-                  <a:txBody>
-                    <a:bodyPr wrap="square"/>
-                    <a:lstStyle/>
-                    <a:p>
-                      <a:pPr algn="l">
-                        <a:defRPr sz="1200" b="0">
-                          <a:solidFill>
-                            <a:srgbClr val="404040"/>
-                          </a:solidFill>
-                          <a:latin typeface="Times New Roman"/>
-                        </a:defRPr>
-                      </a:pPr>
-                      <a:r>
-                        <a:t>Financials Required</a:t>
-                      </a:r>
-                    </a:p>
-                  </a:txBody>
-                  <a:tcPr>
-                    <a:solidFill>
-                      <a:srgbClr val="FFFFFF"/>
-                    </a:solidFill>
-                  </a:tcPr>
-                </a:tc>
-                <a:tc>
-                  <a:txBody>
-                    <a:bodyPr wrap="square"/>
-                    <a:lstStyle/>
-                    <a:p>
-                      <a:pPr algn="l">
-                        <a:defRPr sz="1200" b="0">
-                          <a:solidFill>
-                            <a:srgbClr val="404040"/>
-                          </a:solidFill>
-                          <a:latin typeface="Times New Roman"/>
-                        </a:defRPr>
-                      </a:pPr>
-                      <a:r>
-                        <a:t>Contact Required</a:t>
-                      </a:r>
-                    </a:p>
-                  </a:txBody>
-                  <a:tcPr>
-                    <a:solidFill>
-                      <a:srgbClr val="FFFFFF"/>
-                    </a:solidFill>
-                  </a:tcPr>
-                </a:tc>
-              </a:tr>
-            </a:tbl>
-          </a:graphicData>
-        </a:graphic>
-      </p:graphicFrame>
-      <p:sp>
-        <p:nvSpPr>
-          <p:cNvPr id="5" name="TextBox 4"/>
-          <p:cNvSpPr txBox="1"/>
-          <p:nvPr/>
-        </p:nvSpPr>
-        <p:spPr>
-          <a:xfrm>
-            <a:off x="457200" y="6400800"/>
-            <a:ext cx="5486400" cy="365760"/>
-          </a:xfrm>
-          <a:prstGeom prst="rect">
-            <a:avLst/>
-          </a:prstGeom>
-          <a:noFill/>
-        </p:spPr>
-        <p:txBody>
-          <a:bodyPr wrap="none" anchor="ctr">
-            <a:spAutoFit/>
-          </a:bodyPr>
-          <a:lstStyle/>
-          <a:p>
-            <a:pPr algn="l">
-              <a:defRPr sz="1000">
-                <a:solidFill>
-                  <a:srgbClr val="808080"/>
-                </a:solidFill>
-                <a:latin typeface="Times New Roman"/>
-              </a:defRPr>
-            </a:pPr>
-            <a:r>
-              <a:t>Confidential | September 12, 2025</a:t>
-            </a:r>
-          </a:p>
-        </p:txBody>
-      </p:sp>
-      <p:sp>
-        <p:nvSpPr>
-          <p:cNvPr id="6" name="TextBox 5"/>
-          <p:cNvSpPr txBox="1"/>
-          <p:nvPr/>
-        </p:nvSpPr>
-        <p:spPr>
-          <a:xfrm>
-            <a:off x="9144000" y="6400800"/>
-            <a:ext cx="2743200" cy="365760"/>
-          </a:xfrm>
-          <a:prstGeom prst="rect">
-            <a:avLst/>
-          </a:prstGeom>
-          <a:noFill/>
-        </p:spPr>
-        <p:txBody>
-          <a:bodyPr wrap="none" anchor="ctr">
-            <a:spAutoFit/>
-          </a:bodyPr>
-          <a:lstStyle/>
-          <a:p>
-            <a:pPr algn="r">
-              <a:defRPr sz="1000">
-                <a:solidFill>
-                  <a:srgbClr val="808080"/>
-                </a:solidFill>
-                <a:latin typeface="Times New Roman"/>
-              </a:defRPr>
-            </a:pPr>
-            <a:r>
-              <a:t>NVIDIA</a:t>
-            </a:r>
-          </a:p>
-        </p:txBody>
-      </p:sp>
-    </p:spTree>
-  </p:cSld>
-  <p:clrMapOvr>
-    <a:masterClrMapping/>
-  </p:clrMapOvr>
-</p:sld>
-</file>
-
-<file path=ppt/slides/slide16.xml><?xml version="1.0" encoding="utf-8"?>
+<file path=ppt/slides/slide12.xml><?xml version="1.0" encoding="utf-8"?>
 <p:sld xmlns:a="http://schemas.openxmlformats.org/drawingml/2006/main" xmlns:p="http://schemas.openxmlformats.org/presentationml/2006/main" xmlns:r="http://schemas.openxmlformats.org/officeDocument/2006/relationships">
   <p:cSld>
     <p:spTree>
@@ -9484,7 +6781,7 @@
                 </a:solidFill>
                 <a:latin typeface="Times New Roman"/>
               </a:rPr>
-              <a:t>Long-term wafer supply agreements</a:t>
+              <a:t>Apple Silicon Vertical Integration</a:t>
             </a:r>
           </a:p>
         </p:txBody>
@@ -9523,7 +6820,7 @@
                 </a:solidFill>
                 <a:latin typeface="Times New Roman"/>
               </a:rPr>
-              <a:t>Secures capacity and pricing stability for advanced node manufacturing.</a:t>
+              <a:t>In-house chip design reduces dependency on third parties, improves performance, and lowers long-term costs.</a:t>
             </a:r>
           </a:p>
         </p:txBody>
@@ -9606,7 +6903,7 @@
                 </a:solidFill>
                 <a:latin typeface="Times New Roman"/>
               </a:rPr>
-              <a:t>Premium product mix</a:t>
+              <a:t>Supply Chain Diversification</a:t>
             </a:r>
           </a:p>
         </p:txBody>
@@ -9645,7 +6942,7 @@
                 </a:solidFill>
                 <a:latin typeface="Times New Roman"/>
               </a:rPr>
-              <a:t>Focus on high-margin data center and AI chips to sustain gross margin expansion.</a:t>
+              <a:t>Expanding manufacturing footprint in India and Vietnam to mitigate geopolitical and logistics risks.</a:t>
             </a:r>
           </a:p>
         </p:txBody>
@@ -9728,7 +7025,7 @@
                 </a:solidFill>
                 <a:latin typeface="Times New Roman"/>
               </a:rPr>
-              <a:t>Operational efficiency initiatives</a:t>
+              <a:t>Operational Automation</a:t>
             </a:r>
           </a:p>
         </p:txBody>
@@ -9767,7 +7064,7 @@
                 </a:solidFill>
                 <a:latin typeface="Times New Roman"/>
               </a:rPr>
-              <a:t>Automation and supply chain optimization to reduce overhead and logistics costs.</a:t>
+              <a:t>Investing in robotics and AI-driven logistics to enhance efficiency and reduce labor costs.</a:t>
             </a:r>
           </a:p>
         </p:txBody>
@@ -9972,7 +7269,7 @@
                 </a:solidFill>
                 <a:latin typeface="Times New Roman"/>
               </a:rPr>
-              <a:t>Maintain technological leadership and ecosystem lock-in through aggressive R&amp;D investment and strategic partnerships, ensuring resilience against competitive and regulatory threats.[1][2]</a:t>
+              <a:t>Proactive investment in supply chain resilience, regulatory compliance, and continuous innovation to sustain margins and minimize operational disruptions.</a:t>
             </a:r>
           </a:p>
         </p:txBody>
@@ -10322,7 +7619,7 @@
               </a:defRPr>
             </a:pPr>
             <a:r>
-              <a:t>NVIDIA</a:t>
+              <a:t>Apple</a:t>
             </a:r>
           </a:p>
         </p:txBody>
@@ -10335,7 +7632,7 @@
 </p:sld>
 </file>
 
-<file path=ppt/slides/slide17.xml><?xml version="1.0" encoding="utf-8"?>
+<file path=ppt/slides/slide13.xml><?xml version="1.0" encoding="utf-8"?>
 <p:sld xmlns:a="http://schemas.openxmlformats.org/drawingml/2006/main" xmlns:p="http://schemas.openxmlformats.org/presentationml/2006/main" xmlns:r="http://schemas.openxmlformats.org/officeDocument/2006/relationships">
   <p:cSld>
     <p:spTree>
@@ -10605,7 +7902,7 @@
               </a:defRPr>
             </a:pPr>
             <a:r>
-              <a:t>Geopolitical and regulatory risks (export controls, China exposure)</a:t>
+              <a:t>Slowing iPhone demand and device replacement cycles</a:t>
             </a:r>
           </a:p>
         </p:txBody>
@@ -10720,7 +8017,7 @@
               </a:defRPr>
             </a:pPr>
             <a:r>
-              <a:t>Diversified global partnerships and sovereign cloud initiatives</a:t>
+              <a:t>Accelerate services and recurring revenue streams</a:t>
             </a:r>
           </a:p>
         </p:txBody>
@@ -10835,7 +8132,7 @@
               </a:defRPr>
             </a:pPr>
             <a:r>
-              <a:t>Supply chain bottlenecks and wafer capacity constraints</a:t>
+              <a:t>Intensifying competition from Samsung and Chinese OEMs</a:t>
             </a:r>
           </a:p>
         </p:txBody>
@@ -10950,7 +8247,7 @@
               </a:defRPr>
             </a:pPr>
             <a:r>
-              <a:t>Long-term supply agreements and multi-sourcing strategies</a:t>
+              <a:t>Invest in differentiated AI and ecosystem integration</a:t>
             </a:r>
           </a:p>
         </p:txBody>
@@ -11065,7 +8362,7 @@
               </a:defRPr>
             </a:pPr>
             <a:r>
-              <a:t>Emergence of custom AI chips by hyperscalers</a:t>
+              <a:t>Regulatory scrutiny on App Store and data privacy</a:t>
             </a:r>
           </a:p>
         </p:txBody>
@@ -11180,7 +8477,7 @@
               </a:defRPr>
             </a:pPr>
             <a:r>
-              <a:t>Continued R&amp;D investment and ecosystem expansion</a:t>
+              <a:t>Enhance compliance and transparency in digital markets</a:t>
             </a:r>
           </a:p>
         </p:txBody>
@@ -11295,7 +8592,7 @@
               </a:defRPr>
             </a:pPr>
             <a:r>
-              <a:t>Rapid technology cycles and obsolescence risk</a:t>
+              <a:t>Supply chain disruptions and geopolitical risks</a:t>
             </a:r>
           </a:p>
         </p:txBody>
@@ -11410,7 +8707,7 @@
               </a:defRPr>
             </a:pPr>
             <a:r>
-              <a:t>Software platform stickiness (CUDA, AI Enterprise)</a:t>
+              <a:t>Diversify suppliers and localize manufacturing</a:t>
             </a:r>
           </a:p>
         </p:txBody>
@@ -11525,7 +8822,7 @@
               </a:defRPr>
             </a:pPr>
             <a:r>
-              <a:t>Customer concentration in cloud/data center segment</a:t>
+              <a:t>Execution risk in AI and new product launches</a:t>
             </a:r>
           </a:p>
         </p:txBody>
@@ -11640,7 +8937,7 @@
               </a:defRPr>
             </a:pPr>
             <a:r>
-              <a:t>Broadened vertical exposure (automotive, robotics, healthcare)</a:t>
+              <a:t>Maintain robust R&amp;D and product innovation pipeline</a:t>
             </a:r>
           </a:p>
         </p:txBody>
@@ -11712,7 +9009,7 @@
               </a:defRPr>
             </a:pPr>
             <a:r>
-              <a:t>NVIDIA</a:t>
+              <a:t>Apple</a:t>
             </a:r>
           </a:p>
         </p:txBody>
@@ -11725,7 +9022,7 @@
 </p:sld>
 </file>
 
-<file path=ppt/slides/slide18.xml><?xml version="1.0" encoding="utf-8"?>
+<file path=ppt/slides/slide14.xml><?xml version="1.0" encoding="utf-8"?>
 <p:sld xmlns:a="http://schemas.openxmlformats.org/drawingml/2006/main" xmlns:p="http://schemas.openxmlformats.org/presentationml/2006/main" xmlns:r="http://schemas.openxmlformats.org/officeDocument/2006/relationships">
   <p:cSld>
     <p:spTree>
@@ -11933,7 +9230,7 @@
                 </a:solidFill>
                 <a:latin typeface="Times New Roman"/>
               </a:rPr>
-              <a:t>Technology roadmap and competitive differentiation (Blackwell, Rubin, CUDA)</a:t>
+              <a:t>AI and silicon innovation pipeline</a:t>
             </a:r>
           </a:p>
         </p:txBody>
@@ -12017,7 +9314,7 @@
                 </a:solidFill>
                 <a:latin typeface="Times New Roman"/>
               </a:rPr>
-              <a:t>Supply chain resilience and long-term wafer agreements</a:t>
+              <a:t>Services revenue diversification and growth</a:t>
             </a:r>
           </a:p>
         </p:txBody>
@@ -12101,7 +9398,7 @@
                 </a:solidFill>
                 <a:latin typeface="Times New Roman"/>
               </a:rPr>
-              <a:t>Regulatory risks (export controls, antitrust)</a:t>
+              <a:t>Global supply chain resilience and ESG compliance</a:t>
             </a:r>
           </a:p>
         </p:txBody>
@@ -12185,7 +9482,7 @@
                 </a:solidFill>
                 <a:latin typeface="Times New Roman"/>
               </a:rPr>
-              <a:t>Customer concentration and hyperscaler dependency</a:t>
+              <a:t>Competitive positioning in premium and emerging markets</a:t>
             </a:r>
           </a:p>
         </p:txBody>
@@ -13023,7 +10320,7 @@
                 </a:solidFill>
                 <a:latin typeface="Times New Roman"/>
               </a:rPr>
-              <a:t>Integration with cloud and enterprise AI platforms</a:t>
+              <a:t>Cross-selling services to device install base</a:t>
             </a:r>
           </a:p>
         </p:txBody>
@@ -13107,7 +10404,7 @@
                 </a:solidFill>
                 <a:latin typeface="Times New Roman"/>
               </a:rPr>
-              <a:t>Expansion into edge AI and robotics verticals</a:t>
+              <a:t>Leveraging AI platform for new product categories</a:t>
             </a:r>
           </a:p>
         </p:txBody>
@@ -13191,7 +10488,7 @@
                 </a:solidFill>
                 <a:latin typeface="Times New Roman"/>
               </a:rPr>
-              <a:t>Cross-licensing and joint R&amp;D with strategic partners</a:t>
+              <a:t>Expanding health and wellness ecosystem partnerships</a:t>
             </a:r>
           </a:p>
         </p:txBody>
@@ -13316,7 +10613,7 @@
                 </a:solidFill>
                 <a:latin typeface="Times New Roman"/>
               </a:rPr>
-              <a:t>Phase 1: Initial screening and NDA execution (Week 1-2)</a:t>
+              <a:t>Phase 1: Initial screening and NDA execution (Weeks 1-2)</a:t>
             </a:r>
           </a:p>
         </p:txBody>
@@ -13400,7 +10697,7 @@
                 </a:solidFill>
                 <a:latin typeface="Times New Roman"/>
               </a:rPr>
-              <a:t>Phase 2: Deep-dive diligence (technology, financials, legal) and management meetings (Week 3-6)</a:t>
+              <a:t>Phase 2: Deep dive diligence—financials, technology, and market (Weeks 3-6)</a:t>
             </a:r>
           </a:p>
         </p:txBody>
@@ -13484,7 +10781,7 @@
                 </a:solidFill>
                 <a:latin typeface="Times New Roman"/>
               </a:rPr>
-              <a:t>Phase 3: Final investment committee review and closing (Week 7-8)</a:t>
+              <a:t>Phase 3: Final negotiations, approvals, and closing (Weeks 7-10)</a:t>
             </a:r>
           </a:p>
         </p:txBody>
@@ -13556,7 +10853,7 @@
               </a:defRPr>
             </a:pPr>
             <a:r>
-              <a:t>NVIDIA</a:t>
+              <a:t>Apple</a:t>
             </a:r>
           </a:p>
         </p:txBody>
@@ -13742,7 +11039,7 @@
                 </a:solidFill>
                 <a:latin typeface="Times New Roman"/>
               </a:rPr>
-              <a:t>AI Data Center GPUs</a:t>
+              <a:t>{'title'</a:t>
             </a:r>
           </a:p>
         </p:txBody>
@@ -13781,7 +11078,7 @@
                 </a:solidFill>
                 <a:latin typeface="Times New Roman"/>
               </a:rPr>
-              <a:t>Blackwell and Rubin architectures deliver industry-leading performance for training and inference of large language models and generative AI workloads.</a:t>
+              <a:t>'iPhone (Flagship Devices)', 'desc': 'Industry-leading smartphones with proprietary silicon (A19 Pro), advanced AI, and camera systems, commanding 62% of the global premium segment and setting benchmarks for device integration and user experience.[1][3]'}</a:t>
             </a:r>
           </a:p>
         </p:txBody>
@@ -13863,7 +11160,7 @@
                 </a:solidFill>
                 <a:latin typeface="Times New Roman"/>
               </a:rPr>
-              <a:t>CUDA Software Ecosystem</a:t>
+              <a:t>{'title'</a:t>
             </a:r>
           </a:p>
         </p:txBody>
@@ -13902,7 +11199,7 @@
                 </a:solidFill>
                 <a:latin typeface="Times New Roman"/>
               </a:rPr>
-              <a:t>Proprietary parallel computing platform and API suite enabling accelerated AI development and deployment across industries.</a:t>
+              <a:t>'Apple Services', 'desc': 'Comprehensive digital ecosystem including App Store, Music, TV+, iCloud, and AppleCare, generating $78.4B in annual revenue and driving high-margin, recurring income.[2]'}</a:t>
             </a:r>
           </a:p>
         </p:txBody>
@@ -13984,7 +11281,7 @@
                 </a:solidFill>
                 <a:latin typeface="Times New Roman"/>
               </a:rPr>
-              <a:t>Automotive AI Platforms</a:t>
+              <a:t>{'title'</a:t>
             </a:r>
           </a:p>
         </p:txBody>
@@ -14023,7 +11320,7 @@
                 </a:solidFill>
                 <a:latin typeface="Times New Roman"/>
               </a:rPr>
-              <a:t>End-to-end solutions for ADAS, autonomous driving, and in-vehicle infotainment powered by NVIDIA DRIVE.</a:t>
+              <a:t>'Mac and iPad', 'desc': 'Premium computing devices powered by Apple Silicon (M4), offering superior performance, security, and seamless cross-device functionality for creative and professional users.'}</a:t>
             </a:r>
           </a:p>
         </p:txBody>
@@ -14105,7 +11402,7 @@
                 </a:solidFill>
                 <a:latin typeface="Times New Roman"/>
               </a:rPr>
-              <a:t>Professional Visualization</a:t>
+              <a:t>{'title'</a:t>
             </a:r>
           </a:p>
         </p:txBody>
@@ -14144,21 +11441,64 @@
                 </a:solidFill>
                 <a:latin typeface="Times New Roman"/>
               </a:rPr>
-              <a:t>Advanced GPUs and software for rendering, simulation, and digital twins in design, engineering, and media.</a:t>
-            </a:r>
-          </a:p>
-        </p:txBody>
-      </p:sp>
-      <p:sp>
-        <p:nvSpPr>
-          <p:cNvPr id="16" name="TextBox 15"/>
-          <p:cNvSpPr txBox="1"/>
-          <p:nvPr/>
-        </p:nvSpPr>
-        <p:spPr>
-          <a:xfrm>
-            <a:off x="6583680" y="1280160"/>
-            <a:ext cx="5029200" cy="274320"/>
+              <a:t>'Wearables &amp; Health (Apple Watch, AirPods)', 'desc': 'Market-leading wearables integrating health, fitness, and connectivity features, expanding Apple’s reach into wellness and personal technology verticals.'}</a:t>
+            </a:r>
+          </a:p>
+        </p:txBody>
+      </p:sp>
+      <p:sp>
+        <p:nvSpPr>
+          <p:cNvPr id="16" name="Oval 15"/>
+          <p:cNvSpPr/>
+          <p:nvPr/>
+        </p:nvSpPr>
+        <p:spPr>
+          <a:xfrm>
+            <a:off x="731520" y="4389120"/>
+            <a:ext cx="274320" cy="274320"/>
+          </a:xfrm>
+          <a:prstGeom prst="ellipse">
+            <a:avLst/>
+          </a:prstGeom>
+          <a:solidFill>
+            <a:srgbClr val="B5975B"/>
+          </a:solidFill>
+          <a:ln>
+            <a:noFill/>
+          </a:ln>
+        </p:spPr>
+        <p:style>
+          <a:lnRef idx="1">
+            <a:schemeClr val="accent1"/>
+          </a:lnRef>
+          <a:fillRef idx="3">
+            <a:schemeClr val="accent1"/>
+          </a:fillRef>
+          <a:effectRef idx="2">
+            <a:schemeClr val="accent1"/>
+          </a:effectRef>
+          <a:fontRef idx="minor">
+            <a:schemeClr val="lt1"/>
+          </a:fontRef>
+        </p:style>
+        <p:txBody>
+          <a:bodyPr rtlCol="0" anchor="ctr"/>
+          <a:lstStyle/>
+          <a:p>
+            <a:pPr algn="ctr"/>
+          </a:p>
+        </p:txBody>
+      </p:sp>
+      <p:sp>
+        <p:nvSpPr>
+          <p:cNvPr id="17" name="TextBox 16"/>
+          <p:cNvSpPr txBox="1"/>
+          <p:nvPr/>
+        </p:nvSpPr>
+        <p:spPr>
+          <a:xfrm>
+            <a:off x="1097280" y="4389120"/>
+            <a:ext cx="5029200" cy="228600"/>
           </a:xfrm>
           <a:prstGeom prst="rect">
             <a:avLst/>
@@ -14175,6 +11515,84 @@
           </a:bodyPr>
           <a:lstStyle/>
           <a:p>
+            <a:pPr algn="l"/>
+            <a:r>
+              <a:rPr sz="1200" b="1">
+                <a:solidFill>
+                  <a:srgbClr val="183A58"/>
+                </a:solidFill>
+                <a:latin typeface="Times New Roman"/>
+              </a:rPr>
+              <a:t>{'title'</a:t>
+            </a:r>
+          </a:p>
+        </p:txBody>
+      </p:sp>
+      <p:sp>
+        <p:nvSpPr>
+          <p:cNvPr id="18" name="TextBox 17"/>
+          <p:cNvSpPr txBox="1"/>
+          <p:nvPr/>
+        </p:nvSpPr>
+        <p:spPr>
+          <a:xfrm>
+            <a:off x="1097280" y="4617720"/>
+            <a:ext cx="5029200" cy="502920"/>
+          </a:xfrm>
+          <a:prstGeom prst="rect">
+            <a:avLst/>
+          </a:prstGeom>
+          <a:noFill/>
+          <a:ln>
+            <a:noFill/>
+          </a:ln>
+          <a:effectLst/>
+        </p:spPr>
+        <p:txBody>
+          <a:bodyPr wrap="square">
+            <a:spAutoFit/>
+          </a:bodyPr>
+          <a:lstStyle/>
+          <a:p>
+            <a:pPr algn="l"/>
+            <a:r>
+              <a:rPr sz="1000" b="0">
+                <a:solidFill>
+                  <a:srgbClr val="404040"/>
+                </a:solidFill>
+                <a:latin typeface="Times New Roman"/>
+              </a:rPr>
+              <a:t>'Apple Intelligence (AI Platform)', 'desc': 'Privacy-centric AI platform embedded across devices and services, enabling on-device machine learning, contextual awareness, and generative capabilities, differentiating Apple from cloud-first competitors.[1][2]'}</a:t>
+            </a:r>
+          </a:p>
+        </p:txBody>
+      </p:sp>
+      <p:sp>
+        <p:nvSpPr>
+          <p:cNvPr id="19" name="TextBox 18"/>
+          <p:cNvSpPr txBox="1"/>
+          <p:nvPr/>
+        </p:nvSpPr>
+        <p:spPr>
+          <a:xfrm>
+            <a:off x="6583680" y="1280160"/>
+            <a:ext cx="5029200" cy="274320"/>
+          </a:xfrm>
+          <a:prstGeom prst="rect">
+            <a:avLst/>
+          </a:prstGeom>
+          <a:noFill/>
+          <a:ln>
+            <a:noFill/>
+          </a:ln>
+          <a:effectLst/>
+        </p:spPr>
+        <p:txBody>
+          <a:bodyPr wrap="square">
+            <a:spAutoFit/>
+          </a:bodyPr>
+          <a:lstStyle/>
+          <a:p>
             <a:pPr algn="ctr"/>
             <a:r>
               <a:rPr sz="1400" b="1">
@@ -14190,7 +11608,7 @@
       </p:sp>
       <p:graphicFrame>
         <p:nvGraphicFramePr>
-          <p:cNvPr id="17" name="Table 16"/>
+          <p:cNvPr id="20" name="Table 19"/>
           <p:cNvGraphicFramePr>
             <a:graphicFrameLocks noGrp="1"/>
           </p:cNvGraphicFramePr>
@@ -14198,7 +11616,7 @@
         </p:nvGraphicFramePr>
         <p:xfrm>
           <a:off x="6583680" y="1645920"/>
-          <a:ext cx="1828800" cy="2560320"/>
+          <a:ext cx="5029200" cy="2560320"/>
         </p:xfrm>
         <a:graphic>
           <a:graphicData uri="http://schemas.openxmlformats.org/drawingml/2006/table">
@@ -14207,10 +11625,12 @@
                 <a:tableStyleId>{5C22544A-7EE6-4342-B048-85BDC9FD1C3A}</a:tableStyleId>
               </a:tblPr>
               <a:tblGrid>
-                <a:gridCol w="1097280"/>
-                <a:gridCol w="731520"/>
+                <a:gridCol w="1737360"/>
+                <a:gridCol w="1280160"/>
+                <a:gridCol w="1005840"/>
+                <a:gridCol w="1005840"/>
               </a:tblGrid>
-              <a:tr h="853440">
+              <a:tr h="512064">
                 <a:tc>
                   <a:txBody>
                     <a:bodyPr/>
@@ -14224,7 +11644,7 @@
                           </a:solidFill>
                           <a:latin typeface="Times New Roman"/>
                         </a:rPr>
-                        <a:t>Region</a:t>
+                        <a:t>Market Segment</a:t>
                       </a:r>
                     </a:p>
                   </a:txBody>
@@ -14247,7 +11667,53 @@
                           </a:solidFill>
                           <a:latin typeface="Times New Roman"/>
                         </a:rPr>
-                        <a:t>Status</a:t>
+                        <a:t>Revenue Contribution</a:t>
+                      </a:r>
+                    </a:p>
+                  </a:txBody>
+                  <a:tcPr marL="45720" marR="45720" marT="45720" marB="45720">
+                    <a:solidFill>
+                      <a:srgbClr val="183A58"/>
+                    </a:solidFill>
+                  </a:tcPr>
+                </a:tc>
+                <a:tc>
+                  <a:txBody>
+                    <a:bodyPr/>
+                    <a:lstStyle/>
+                    <a:p>
+                      <a:pPr algn="ctr"/>
+                      <a:r>
+                        <a:rPr sz="900" b="1">
+                          <a:solidFill>
+                            <a:srgbClr val="FFFFFF"/>
+                          </a:solidFill>
+                          <a:latin typeface="Times New Roman"/>
+                        </a:rPr>
+                        <a:t>Growth Rate</a:t>
+                      </a:r>
+                    </a:p>
+                  </a:txBody>
+                  <a:tcPr marL="45720" marR="45720" marT="45720" marB="45720">
+                    <a:solidFill>
+                      <a:srgbClr val="183A58"/>
+                    </a:solidFill>
+                  </a:tcPr>
+                </a:tc>
+                <a:tc>
+                  <a:txBody>
+                    <a:bodyPr/>
+                    <a:lstStyle/>
+                    <a:p>
+                      <a:pPr algn="ctr"/>
+                      <a:r>
+                        <a:rPr sz="900" b="1">
+                          <a:solidFill>
+                            <a:srgbClr val="FFFFFF"/>
+                          </a:solidFill>
+                          <a:latin typeface="Times New Roman"/>
+                        </a:rPr>
+                        <a:t>Strategic Priority</a:t>
                       </a:r>
                     </a:p>
                   </a:txBody>
@@ -14258,7 +11724,7 @@
                   </a:tcPr>
                 </a:tc>
               </a:tr>
-              <a:tr h="853440">
+              <a:tr h="512064">
                 <a:tc>
                   <a:txBody>
                     <a:bodyPr/>
@@ -14272,7 +11738,7 @@
                           </a:solidFill>
                           <a:latin typeface="Times New Roman"/>
                         </a:rPr>
-                        <a:t>No data</a:t>
+                        <a:t>Premium Smartphones</a:t>
                       </a:r>
                     </a:p>
                   </a:txBody>
@@ -14295,7 +11761,7 @@
                           </a:solidFill>
                           <a:latin typeface="Times New Roman"/>
                         </a:rPr>
-                        <a:t>Please provide</a:t>
+                        <a:t>$210.0B</a:t>
                       </a:r>
                     </a:p>
                   </a:txBody>
@@ -14305,8 +11771,6 @@
                     </a:solidFill>
                   </a:tcPr>
                 </a:tc>
-              </a:tr>
-              <a:tr h="853440">
                 <a:tc>
                   <a:txBody>
                     <a:bodyPr/>
@@ -14320,7 +11784,55 @@
                           </a:solidFill>
                           <a:latin typeface="Times New Roman"/>
                         </a:rPr>
-                        <a:t>coverage_table</a:t>
+                        <a:t>3.5% YoY</a:t>
+                      </a:r>
+                    </a:p>
+                  </a:txBody>
+                  <a:tcPr marL="45720" marR="45720" marT="45720" marB="45720">
+                    <a:solidFill>
+                      <a:srgbClr val="FFFFFF"/>
+                    </a:solidFill>
+                  </a:tcPr>
+                </a:tc>
+                <a:tc>
+                  <a:txBody>
+                    <a:bodyPr/>
+                    <a:lstStyle/>
+                    <a:p>
+                      <a:pPr algn="ctr"/>
+                      <a:r>
+                        <a:rPr sz="900">
+                          <a:solidFill>
+                            <a:srgbClr val="404040"/>
+                          </a:solidFill>
+                          <a:latin typeface="Times New Roman"/>
+                        </a:rPr>
+                        <a:t>Core Revenue Driver</a:t>
+                      </a:r>
+                    </a:p>
+                  </a:txBody>
+                  <a:tcPr marL="45720" marR="45720" marT="45720" marB="45720">
+                    <a:solidFill>
+                      <a:srgbClr val="FFFFFF"/>
+                    </a:solidFill>
+                  </a:tcPr>
+                </a:tc>
+              </a:tr>
+              <a:tr h="512064">
+                <a:tc>
+                  <a:txBody>
+                    <a:bodyPr/>
+                    <a:lstStyle/>
+                    <a:p>
+                      <a:pPr algn="ctr"/>
+                      <a:r>
+                        <a:rPr sz="900">
+                          <a:solidFill>
+                            <a:srgbClr val="404040"/>
+                          </a:solidFill>
+                          <a:latin typeface="Times New Roman"/>
+                        </a:rPr>
+                        <a:t>Digital Services</a:t>
                       </a:r>
                     </a:p>
                   </a:txBody>
@@ -14343,7 +11855,241 @@
                           </a:solidFill>
                           <a:latin typeface="Times New Roman"/>
                         </a:rPr>
-                        <a:t>in JSON data</a:t>
+                        <a:t>$78.4B</a:t>
+                      </a:r>
+                    </a:p>
+                  </a:txBody>
+                  <a:tcPr marL="45720" marR="45720" marT="45720" marB="45720">
+                    <a:solidFill>
+                      <a:srgbClr val="F0F0F0"/>
+                    </a:solidFill>
+                  </a:tcPr>
+                </a:tc>
+                <a:tc>
+                  <a:txBody>
+                    <a:bodyPr/>
+                    <a:lstStyle/>
+                    <a:p>
+                      <a:pPr algn="ctr"/>
+                      <a:r>
+                        <a:rPr sz="900">
+                          <a:solidFill>
+                            <a:srgbClr val="404040"/>
+                          </a:solidFill>
+                          <a:latin typeface="Times New Roman"/>
+                        </a:rPr>
+                        <a:t>12% YoY</a:t>
+                      </a:r>
+                    </a:p>
+                  </a:txBody>
+                  <a:tcPr marL="45720" marR="45720" marT="45720" marB="45720">
+                    <a:solidFill>
+                      <a:srgbClr val="F0F0F0"/>
+                    </a:solidFill>
+                  </a:tcPr>
+                </a:tc>
+                <a:tc>
+                  <a:txBody>
+                    <a:bodyPr/>
+                    <a:lstStyle/>
+                    <a:p>
+                      <a:pPr algn="ctr"/>
+                      <a:r>
+                        <a:rPr sz="900">
+                          <a:solidFill>
+                            <a:srgbClr val="404040"/>
+                          </a:solidFill>
+                          <a:latin typeface="Times New Roman"/>
+                        </a:rPr>
+                        <a:t>Margin Expansion</a:t>
+                      </a:r>
+                    </a:p>
+                  </a:txBody>
+                  <a:tcPr marL="45720" marR="45720" marT="45720" marB="45720">
+                    <a:solidFill>
+                      <a:srgbClr val="F0F0F0"/>
+                    </a:solidFill>
+                  </a:tcPr>
+                </a:tc>
+              </a:tr>
+              <a:tr h="512064">
+                <a:tc>
+                  <a:txBody>
+                    <a:bodyPr/>
+                    <a:lstStyle/>
+                    <a:p>
+                      <a:pPr algn="ctr"/>
+                      <a:r>
+                        <a:rPr sz="900">
+                          <a:solidFill>
+                            <a:srgbClr val="404040"/>
+                          </a:solidFill>
+                          <a:latin typeface="Times New Roman"/>
+                        </a:rPr>
+                        <a:t>Wearables &amp; Health</a:t>
+                      </a:r>
+                    </a:p>
+                  </a:txBody>
+                  <a:tcPr marL="45720" marR="45720" marT="45720" marB="45720">
+                    <a:solidFill>
+                      <a:srgbClr val="FFFFFF"/>
+                    </a:solidFill>
+                  </a:tcPr>
+                </a:tc>
+                <a:tc>
+                  <a:txBody>
+                    <a:bodyPr/>
+                    <a:lstStyle/>
+                    <a:p>
+                      <a:pPr algn="ctr"/>
+                      <a:r>
+                        <a:rPr sz="900">
+                          <a:solidFill>
+                            <a:srgbClr val="404040"/>
+                          </a:solidFill>
+                          <a:latin typeface="Times New Roman"/>
+                        </a:rPr>
+                        <a:t>$45.0B</a:t>
+                      </a:r>
+                    </a:p>
+                  </a:txBody>
+                  <a:tcPr marL="45720" marR="45720" marT="45720" marB="45720">
+                    <a:solidFill>
+                      <a:srgbClr val="FFFFFF"/>
+                    </a:solidFill>
+                  </a:tcPr>
+                </a:tc>
+                <a:tc>
+                  <a:txBody>
+                    <a:bodyPr/>
+                    <a:lstStyle/>
+                    <a:p>
+                      <a:pPr algn="ctr"/>
+                      <a:r>
+                        <a:rPr sz="900">
+                          <a:solidFill>
+                            <a:srgbClr val="404040"/>
+                          </a:solidFill>
+                          <a:latin typeface="Times New Roman"/>
+                        </a:rPr>
+                        <a:t>8% YoY</a:t>
+                      </a:r>
+                    </a:p>
+                  </a:txBody>
+                  <a:tcPr marL="45720" marR="45720" marT="45720" marB="45720">
+                    <a:solidFill>
+                      <a:srgbClr val="FFFFFF"/>
+                    </a:solidFill>
+                  </a:tcPr>
+                </a:tc>
+                <a:tc>
+                  <a:txBody>
+                    <a:bodyPr/>
+                    <a:lstStyle/>
+                    <a:p>
+                      <a:pPr algn="ctr"/>
+                      <a:r>
+                        <a:rPr sz="900">
+                          <a:solidFill>
+                            <a:srgbClr val="404040"/>
+                          </a:solidFill>
+                          <a:latin typeface="Times New Roman"/>
+                        </a:rPr>
+                        <a:t>Adjacency Growth</a:t>
+                      </a:r>
+                    </a:p>
+                  </a:txBody>
+                  <a:tcPr marL="45720" marR="45720" marT="45720" marB="45720">
+                    <a:solidFill>
+                      <a:srgbClr val="FFFFFF"/>
+                    </a:solidFill>
+                  </a:tcPr>
+                </a:tc>
+              </a:tr>
+              <a:tr h="512064">
+                <a:tc>
+                  <a:txBody>
+                    <a:bodyPr/>
+                    <a:lstStyle/>
+                    <a:p>
+                      <a:pPr algn="ctr"/>
+                      <a:r>
+                        <a:rPr sz="900">
+                          <a:solidFill>
+                            <a:srgbClr val="404040"/>
+                          </a:solidFill>
+                          <a:latin typeface="Times New Roman"/>
+                        </a:rPr>
+                        <a:t>Emerging Markets</a:t>
+                      </a:r>
+                    </a:p>
+                  </a:txBody>
+                  <a:tcPr marL="45720" marR="45720" marT="45720" marB="45720">
+                    <a:solidFill>
+                      <a:srgbClr val="F0F0F0"/>
+                    </a:solidFill>
+                  </a:tcPr>
+                </a:tc>
+                <a:tc>
+                  <a:txBody>
+                    <a:bodyPr/>
+                    <a:lstStyle/>
+                    <a:p>
+                      <a:pPr algn="ctr"/>
+                      <a:r>
+                        <a:rPr sz="900">
+                          <a:solidFill>
+                            <a:srgbClr val="404040"/>
+                          </a:solidFill>
+                          <a:latin typeface="Times New Roman"/>
+                        </a:rPr>
+                        <a:t>$25.0B</a:t>
+                      </a:r>
+                    </a:p>
+                  </a:txBody>
+                  <a:tcPr marL="45720" marR="45720" marT="45720" marB="45720">
+                    <a:solidFill>
+                      <a:srgbClr val="F0F0F0"/>
+                    </a:solidFill>
+                  </a:tcPr>
+                </a:tc>
+                <a:tc>
+                  <a:txBody>
+                    <a:bodyPr/>
+                    <a:lstStyle/>
+                    <a:p>
+                      <a:pPr algn="ctr"/>
+                      <a:r>
+                        <a:rPr sz="900">
+                          <a:solidFill>
+                            <a:srgbClr val="404040"/>
+                          </a:solidFill>
+                          <a:latin typeface="Times New Roman"/>
+                        </a:rPr>
+                        <a:t>15% YoY</a:t>
+                      </a:r>
+                    </a:p>
+                  </a:txBody>
+                  <a:tcPr marL="45720" marR="45720" marT="45720" marB="45720">
+                    <a:solidFill>
+                      <a:srgbClr val="F0F0F0"/>
+                    </a:solidFill>
+                  </a:tcPr>
+                </a:tc>
+                <a:tc>
+                  <a:txBody>
+                    <a:bodyPr/>
+                    <a:lstStyle/>
+                    <a:p>
+                      <a:pPr algn="ctr"/>
+                      <a:r>
+                        <a:rPr sz="900">
+                          <a:solidFill>
+                            <a:srgbClr val="404040"/>
+                          </a:solidFill>
+                          <a:latin typeface="Times New Roman"/>
+                        </a:rPr>
+                        <a:t>Market Penetration</a:t>
                       </a:r>
                     </a:p>
                   </a:txBody>
@@ -14360,7 +12106,7 @@
       </p:graphicFrame>
       <p:sp>
         <p:nvSpPr>
-          <p:cNvPr id="18" name="TextBox 17"/>
+          <p:cNvPr id="21" name="TextBox 20"/>
           <p:cNvSpPr txBox="1"/>
           <p:nvPr/>
         </p:nvSpPr>
@@ -14399,7 +12145,7 @@
       </p:sp>
       <p:sp>
         <p:nvSpPr>
-          <p:cNvPr id="19" name="Rectangle 18"/>
+          <p:cNvPr id="22" name="Rectangle 21"/>
           <p:cNvSpPr/>
           <p:nvPr/>
         </p:nvSpPr>
@@ -14442,14 +12188,14 @@
       </p:sp>
       <p:sp>
         <p:nvSpPr>
-          <p:cNvPr id="20" name="TextBox 19"/>
-          <p:cNvSpPr txBox="1"/>
-          <p:nvPr/>
-        </p:nvSpPr>
-        <p:spPr>
-          <a:xfrm>
-            <a:off x="6858000" y="5394960"/>
-            <a:ext cx="4480560" cy="365760"/>
+          <p:cNvPr id="23" name="TextBox 22"/>
+          <p:cNvSpPr txBox="1"/>
+          <p:nvPr/>
+        </p:nvSpPr>
+        <p:spPr>
+          <a:xfrm>
+            <a:off x="6766560" y="4846320"/>
+            <a:ext cx="1828800" cy="164592"/>
           </a:xfrm>
           <a:prstGeom prst="rect">
             <a:avLst/>
@@ -14466,22 +12212,295 @@
           </a:bodyPr>
           <a:lstStyle/>
           <a:p>
-            <a:pPr algn="ctr"/>
-            <a:r>
-              <a:rPr sz="1200" b="0">
+            <a:pPr algn="l"/>
+            <a:r>
+              <a:rPr sz="900" b="0">
                 <a:solidFill>
                   <a:srgbClr val="404040"/>
                 </a:solidFill>
                 <a:latin typeface="Times New Roman"/>
               </a:rPr>
-              <a:t>Key operational metrics will be displayed here when data is available.</a:t>
-            </a:r>
-          </a:p>
-        </p:txBody>
-      </p:sp>
-      <p:sp>
-        <p:nvSpPr>
-          <p:cNvPr id="21" name="TextBox 20"/>
+              <a:t>Annual Revenue (Fy2024)</a:t>
+            </a:r>
+          </a:p>
+        </p:txBody>
+      </p:sp>
+      <p:sp>
+        <p:nvSpPr>
+          <p:cNvPr id="24" name="TextBox 23"/>
+          <p:cNvSpPr txBox="1"/>
+          <p:nvPr/>
+        </p:nvSpPr>
+        <p:spPr>
+          <a:xfrm>
+            <a:off x="6766560" y="5010912"/>
+            <a:ext cx="1828800" cy="201168"/>
+          </a:xfrm>
+          <a:prstGeom prst="rect">
+            <a:avLst/>
+          </a:prstGeom>
+          <a:noFill/>
+          <a:ln>
+            <a:noFill/>
+          </a:ln>
+          <a:effectLst/>
+        </p:spPr>
+        <p:txBody>
+          <a:bodyPr wrap="square">
+            <a:spAutoFit/>
+          </a:bodyPr>
+          <a:lstStyle/>
+          <a:p>
+            <a:pPr algn="l"/>
+            <a:r>
+              <a:rPr sz="1600" b="1">
+                <a:solidFill>
+                  <a:srgbClr val="183A58"/>
+                </a:solidFill>
+                <a:latin typeface="Times New Roman"/>
+              </a:rPr>
+              <a:t>$391.0B</a:t>
+            </a:r>
+          </a:p>
+        </p:txBody>
+      </p:sp>
+      <p:sp>
+        <p:nvSpPr>
+          <p:cNvPr id="25" name="TextBox 24"/>
+          <p:cNvSpPr txBox="1"/>
+          <p:nvPr/>
+        </p:nvSpPr>
+        <p:spPr>
+          <a:xfrm>
+            <a:off x="6766560" y="5394960"/>
+            <a:ext cx="1828800" cy="164592"/>
+          </a:xfrm>
+          <a:prstGeom prst="rect">
+            <a:avLst/>
+          </a:prstGeom>
+          <a:noFill/>
+          <a:ln>
+            <a:noFill/>
+          </a:ln>
+          <a:effectLst/>
+        </p:spPr>
+        <p:txBody>
+          <a:bodyPr wrap="square">
+            <a:spAutoFit/>
+          </a:bodyPr>
+          <a:lstStyle/>
+          <a:p>
+            <a:pPr algn="l"/>
+            <a:r>
+              <a:rPr sz="900" b="0">
+                <a:solidFill>
+                  <a:srgbClr val="404040"/>
+                </a:solidFill>
+                <a:latin typeface="Times New Roman"/>
+              </a:rPr>
+              <a:t>Gross Margin On Premium Products</a:t>
+            </a:r>
+          </a:p>
+        </p:txBody>
+      </p:sp>
+      <p:sp>
+        <p:nvSpPr>
+          <p:cNvPr id="26" name="TextBox 25"/>
+          <p:cNvSpPr txBox="1"/>
+          <p:nvPr/>
+        </p:nvSpPr>
+        <p:spPr>
+          <a:xfrm>
+            <a:off x="6766560" y="5559552"/>
+            <a:ext cx="1828800" cy="201168"/>
+          </a:xfrm>
+          <a:prstGeom prst="rect">
+            <a:avLst/>
+          </a:prstGeom>
+          <a:noFill/>
+          <a:ln>
+            <a:noFill/>
+          </a:ln>
+          <a:effectLst/>
+        </p:spPr>
+        <p:txBody>
+          <a:bodyPr wrap="square">
+            <a:spAutoFit/>
+          </a:bodyPr>
+          <a:lstStyle/>
+          <a:p>
+            <a:pPr algn="l"/>
+            <a:r>
+              <a:rPr sz="1600" b="1">
+                <a:solidFill>
+                  <a:srgbClr val="183A58"/>
+                </a:solidFill>
+                <a:latin typeface="Times New Roman"/>
+              </a:rPr>
+              <a:t>90%+</a:t>
+            </a:r>
+          </a:p>
+        </p:txBody>
+      </p:sp>
+      <p:sp>
+        <p:nvSpPr>
+          <p:cNvPr id="27" name="TextBox 26"/>
+          <p:cNvSpPr txBox="1"/>
+          <p:nvPr/>
+        </p:nvSpPr>
+        <p:spPr>
+          <a:xfrm>
+            <a:off x="9509760" y="4846320"/>
+            <a:ext cx="1828800" cy="164592"/>
+          </a:xfrm>
+          <a:prstGeom prst="rect">
+            <a:avLst/>
+          </a:prstGeom>
+          <a:noFill/>
+          <a:ln>
+            <a:noFill/>
+          </a:ln>
+          <a:effectLst/>
+        </p:spPr>
+        <p:txBody>
+          <a:bodyPr wrap="square">
+            <a:spAutoFit/>
+          </a:bodyPr>
+          <a:lstStyle/>
+          <a:p>
+            <a:pPr algn="l"/>
+            <a:r>
+              <a:rPr sz="900" b="0">
+                <a:solidFill>
+                  <a:srgbClr val="404040"/>
+                </a:solidFill>
+                <a:latin typeface="Times New Roman"/>
+              </a:rPr>
+              <a:t>Developer Ecosystem Size</a:t>
+            </a:r>
+          </a:p>
+        </p:txBody>
+      </p:sp>
+      <p:sp>
+        <p:nvSpPr>
+          <p:cNvPr id="28" name="TextBox 27"/>
+          <p:cNvSpPr txBox="1"/>
+          <p:nvPr/>
+        </p:nvSpPr>
+        <p:spPr>
+          <a:xfrm>
+            <a:off x="9509760" y="5010912"/>
+            <a:ext cx="1828800" cy="201168"/>
+          </a:xfrm>
+          <a:prstGeom prst="rect">
+            <a:avLst/>
+          </a:prstGeom>
+          <a:noFill/>
+          <a:ln>
+            <a:noFill/>
+          </a:ln>
+          <a:effectLst/>
+        </p:spPr>
+        <p:txBody>
+          <a:bodyPr wrap="square">
+            <a:spAutoFit/>
+          </a:bodyPr>
+          <a:lstStyle/>
+          <a:p>
+            <a:pPr algn="l"/>
+            <a:r>
+              <a:rPr sz="1600" b="1">
+                <a:solidFill>
+                  <a:srgbClr val="183A58"/>
+                </a:solidFill>
+                <a:latin typeface="Times New Roman"/>
+              </a:rPr>
+              <a:t>3.5M+ developers</a:t>
+            </a:r>
+          </a:p>
+        </p:txBody>
+      </p:sp>
+      <p:sp>
+        <p:nvSpPr>
+          <p:cNvPr id="29" name="TextBox 28"/>
+          <p:cNvSpPr txBox="1"/>
+          <p:nvPr/>
+        </p:nvSpPr>
+        <p:spPr>
+          <a:xfrm>
+            <a:off x="9509760" y="5394960"/>
+            <a:ext cx="1828800" cy="164592"/>
+          </a:xfrm>
+          <a:prstGeom prst="rect">
+            <a:avLst/>
+          </a:prstGeom>
+          <a:noFill/>
+          <a:ln>
+            <a:noFill/>
+          </a:ln>
+          <a:effectLst/>
+        </p:spPr>
+        <p:txBody>
+          <a:bodyPr wrap="square">
+            <a:spAutoFit/>
+          </a:bodyPr>
+          <a:lstStyle/>
+          <a:p>
+            <a:pPr algn="l"/>
+            <a:r>
+              <a:rPr sz="900" b="0">
+                <a:solidFill>
+                  <a:srgbClr val="404040"/>
+                </a:solidFill>
+                <a:latin typeface="Times New Roman"/>
+              </a:rPr>
+              <a:t>Services Revenue Growth (Yoy)</a:t>
+            </a:r>
+          </a:p>
+        </p:txBody>
+      </p:sp>
+      <p:sp>
+        <p:nvSpPr>
+          <p:cNvPr id="30" name="TextBox 29"/>
+          <p:cNvSpPr txBox="1"/>
+          <p:nvPr/>
+        </p:nvSpPr>
+        <p:spPr>
+          <a:xfrm>
+            <a:off x="9509760" y="5559552"/>
+            <a:ext cx="1828800" cy="201168"/>
+          </a:xfrm>
+          <a:prstGeom prst="rect">
+            <a:avLst/>
+          </a:prstGeom>
+          <a:noFill/>
+          <a:ln>
+            <a:noFill/>
+          </a:ln>
+          <a:effectLst/>
+        </p:spPr>
+        <p:txBody>
+          <a:bodyPr wrap="square">
+            <a:spAutoFit/>
+          </a:bodyPr>
+          <a:lstStyle/>
+          <a:p>
+            <a:pPr algn="l"/>
+            <a:r>
+              <a:rPr sz="1600" b="1">
+                <a:solidFill>
+                  <a:srgbClr val="183A58"/>
+                </a:solidFill>
+                <a:latin typeface="Times New Roman"/>
+              </a:rPr>
+              <a:t>12%</a:t>
+            </a:r>
+          </a:p>
+        </p:txBody>
+      </p:sp>
+      <p:sp>
+        <p:nvSpPr>
+          <p:cNvPr id="31" name="TextBox 30"/>
           <p:cNvSpPr txBox="1"/>
           <p:nvPr/>
         </p:nvSpPr>
@@ -14517,7 +12536,7 @@
       </p:sp>
       <p:sp>
         <p:nvSpPr>
-          <p:cNvPr id="22" name="TextBox 21"/>
+          <p:cNvPr id="32" name="TextBox 31"/>
           <p:cNvSpPr txBox="1"/>
           <p:nvPr/>
         </p:nvSpPr>
@@ -14546,7 +12565,7 @@
               </a:defRPr>
             </a:pPr>
             <a:r>
-              <a:t>NVIDIA</a:t>
+              <a:t>Apple</a:t>
             </a:r>
           </a:p>
         </p:txBody>
@@ -14868,7 +12887,7 @@
                 </a:solidFill>
                 <a:latin typeface="Times New Roman"/>
               </a:rPr>
-              <a:t>120%</a:t>
+              <a:t>9%</a:t>
             </a:r>
           </a:p>
         </p:txBody>
@@ -14946,7 +12965,7 @@
                 </a:solidFill>
                 <a:latin typeface="Times New Roman"/>
               </a:rPr>
-              <a:t>Exceptional growth trajectory</a:t>
+              <a:t>Compound annual growth rate</a:t>
             </a:r>
           </a:p>
         </p:txBody>
@@ -15029,7 +13048,7 @@
                 </a:solidFill>
                 <a:latin typeface="Times New Roman"/>
               </a:rPr>
-              <a:t>Current ARR</a:t>
+              <a:t>Annual Revenue</a:t>
             </a:r>
           </a:p>
         </p:txBody>
@@ -15068,7 +13087,7 @@
                 </a:solidFill>
                 <a:latin typeface="Times New Roman"/>
               </a:rPr>
-              <a:t>$130500M</a:t>
+              <a:t>$394.0B</a:t>
             </a:r>
           </a:p>
         </p:txBody>
@@ -15146,7 +13165,7 @@
                 </a:solidFill>
                 <a:latin typeface="Times New Roman"/>
               </a:rPr>
-              <a:t>Annualized revenue run-rate</a:t>
+              <a:t>Current revenue run-rate</a:t>
             </a:r>
           </a:p>
         </p:txBody>
@@ -15268,7 +13287,7 @@
                 </a:solidFill>
                 <a:latin typeface="Times New Roman"/>
               </a:rPr>
-              <a:t>$73000M</a:t>
+              <a:t>$130.0B</a:t>
             </a:r>
           </a:p>
         </p:txBody>
@@ -15346,7 +13365,7 @@
                 </a:solidFill>
                 <a:latin typeface="Times New Roman"/>
               </a:rPr>
-              <a:t>Path to profitability</a:t>
+              <a:t>Sustained profitability</a:t>
             </a:r>
           </a:p>
         </p:txBody>
@@ -15429,7 +13448,7 @@
                 </a:solidFill>
                 <a:latin typeface="Times New Roman"/>
               </a:rPr>
-              <a:t>Global Subscribers</a:t>
+              <a:t>Market Position</a:t>
             </a:r>
           </a:p>
         </p:txBody>
@@ -15468,7 +13487,7 @@
                 </a:solidFill>
                 <a:latin typeface="Times New Roman"/>
               </a:rPr>
-              <a:t>260M+</a:t>
+              <a:t>Data not available</a:t>
             </a:r>
           </a:p>
         </p:txBody>
@@ -15500,15 +13519,6 @@
           <a:lstStyle/>
           <a:p>
             <a:pPr algn="l"/>
-            <a:r>
-              <a:rPr sz="900" b="0">
-                <a:solidFill>
-                  <a:srgbClr val="404040"/>
-                </a:solidFill>
-                <a:latin typeface="Times New Roman"/>
-              </a:rPr>
-              <a:t>(2024E)</a:t>
-            </a:r>
           </a:p>
         </p:txBody>
       </p:sp>
@@ -15546,7 +13556,7 @@
                 </a:solidFill>
                 <a:latin typeface="Times New Roman"/>
               </a:rPr>
-              <a:t>Worldwide streaming subscribers</a:t>
+              <a:t>Requires operational metrics</a:t>
             </a:r>
           </a:p>
         </p:txBody>
@@ -15902,7 +13912,7 @@
                 </a:solidFill>
                 <a:latin typeface="Times New Roman"/>
               </a:rPr>
-              <a:t>NVIDIA Investment Opportunity    6</a:t>
+              <a:t>Apple Investment Opportunity    6</a:t>
             </a:r>
           </a:p>
         </p:txBody>
@@ -16034,11 +14044,11 @@
               </a:defRPr>
             </a:pPr>
             <a:r>
-              <a:t>Jensen Huang</a:t>
+              <a:t>Tim Cook</a:t>
             </a:r>
             <a:br/>
             <a:r>
-              <a:t>President, CEO, and Co-Founder</a:t>
+              <a:t>Chief Executive Officer</a:t>
             </a:r>
           </a:p>
         </p:txBody>
@@ -16075,7 +14085,7 @@
               </a:defRPr>
             </a:pPr>
             <a:r>
-              <a:t>• Founded NVIDIA in 1993; led company to global AI and GPU leadership</a:t>
+              <a:t>• CEO of Apple since 2011</a:t>
             </a:r>
           </a:p>
         </p:txBody>
@@ -16112,7 +14122,7 @@
               </a:defRPr>
             </a:pPr>
             <a:r>
-              <a:t>• Pioneered CUDA platform and accelerated computing ecosystem</a:t>
+              <a:t>• Joined Apple in 1998 as Senior Vice President for Worldwide Operations</a:t>
             </a:r>
           </a:p>
         </p:txBody>
@@ -16149,7 +14159,7 @@
               </a:defRPr>
             </a:pPr>
             <a:r>
-              <a:t>• Recognized as one of the most influential leaders in technology</a:t>
+              <a:t>• Previously served as COO, overseeing global sales and operations</a:t>
             </a:r>
           </a:p>
         </p:txBody>
@@ -16186,7 +14196,7 @@
               </a:defRPr>
             </a:pPr>
             <a:r>
-              <a:t>• Bachelor’s in Electrical Engineering from Oregon State University; Master’s from Stanford</a:t>
+              <a:t>• Background in supply chain management at Compaq and IBM</a:t>
             </a:r>
           </a:p>
         </p:txBody>
@@ -16223,7 +14233,7 @@
               </a:defRPr>
             </a:pPr>
             <a:r>
-              <a:t>• Named Fortune’s Businessperson of the Year (2017); Time 100 Most Influential People (2021)</a:t>
+              <a:t>• MBA from Duke University, B.S. in Industrial Engineering from Auburn University</a:t>
             </a:r>
           </a:p>
         </p:txBody>
@@ -16259,11 +14269,11 @@
               </a:defRPr>
             </a:pPr>
             <a:r>
-              <a:t>Colette Kress</a:t>
+              <a:t>Kevan Parekh</a:t>
             </a:r>
             <a:br/>
             <a:r>
-              <a:t>Executive Vice President and CFO</a:t>
+              <a:t>Chief Financial Officer</a:t>
             </a:r>
           </a:p>
         </p:txBody>
@@ -16300,7 +14310,7 @@
               </a:defRPr>
             </a:pPr>
             <a:r>
-              <a:t>• Joined NVIDIA in 2013; oversees global finance, accounting, and investor relations</a:t>
+              <a:t>• Appointed CFO of Apple in 2024</a:t>
             </a:r>
           </a:p>
         </p:txBody>
@@ -16337,7 +14347,7 @@
               </a:defRPr>
             </a:pPr>
             <a:r>
-              <a:t>• Previously SVP and CFO of Business Technology at Cisco</a:t>
+              <a:t>• Previously served as VP of Finance at Apple</a:t>
             </a:r>
           </a:p>
         </p:txBody>
@@ -16374,7 +14384,7 @@
               </a:defRPr>
             </a:pPr>
             <a:r>
-              <a:t>• Held senior finance roles at Microsoft and Texas Instruments</a:t>
+              <a:t>• Expertise in global financial operations and capital allocation</a:t>
             </a:r>
           </a:p>
         </p:txBody>
@@ -16411,7 +14421,7 @@
               </a:defRPr>
             </a:pPr>
             <a:r>
-              <a:t>• Bachelor’s in Finance from University of Arizona; MBA from Southern Methodist University</a:t>
+              <a:t>• Led major share repurchase and dividend programs</a:t>
             </a:r>
           </a:p>
         </p:txBody>
@@ -16448,7 +14458,7 @@
               </a:defRPr>
             </a:pPr>
             <a:r>
-              <a:t>• Instrumental in NVIDIA’s capital allocation, M&amp;A, and financial strategy</a:t>
+              <a:t>• MBA from Stanford Graduate School of Business</a:t>
             </a:r>
           </a:p>
         </p:txBody>
@@ -16484,11 +14494,11 @@
               </a:defRPr>
             </a:pPr>
             <a:r>
-              <a:t>Debora Shoquist</a:t>
+              <a:t>Jeff Williams</a:t>
             </a:r>
             <a:br/>
             <a:r>
-              <a:t>Executive Vice President, Operations</a:t>
+              <a:t>Chief Operating Officer</a:t>
             </a:r>
           </a:p>
         </p:txBody>
@@ -16525,7 +14535,7 @@
               </a:defRPr>
             </a:pPr>
             <a:r>
-              <a:t>• Joined NVIDIA in 2007; leads global operations, supply chain, and manufacturing</a:t>
+              <a:t>• COO of Apple since 2015</a:t>
             </a:r>
           </a:p>
         </p:txBody>
@@ -16562,7 +14572,7 @@
               </a:defRPr>
             </a:pPr>
             <a:r>
-              <a:t>• Previously COO at JDS Uniphase and Quantum</a:t>
+              <a:t>• Joined Apple in 1998, held various operations leadership roles</a:t>
             </a:r>
           </a:p>
         </p:txBody>
@@ -16599,7 +14609,7 @@
               </a:defRPr>
             </a:pPr>
             <a:r>
-              <a:t>• Expert in scaling high-tech manufacturing and operational efficiency</a:t>
+              <a:t>• Oversaw development of Apple Watch and health initiatives</a:t>
             </a:r>
           </a:p>
         </p:txBody>
@@ -16636,7 +14646,7 @@
               </a:defRPr>
             </a:pPr>
             <a:r>
-              <a:t>• Bachelor’s in Electrical Engineering from Kansas State University</a:t>
+              <a:t>• Background in engineering and supply chain management</a:t>
             </a:r>
           </a:p>
         </p:txBody>
@@ -16673,7 +14683,7 @@
               </a:defRPr>
             </a:pPr>
             <a:r>
-              <a:t>• Key driver of NVIDIA’s fabless model and supply chain resilience</a:t>
+              <a:t>• MBA from Duke University</a:t>
             </a:r>
           </a:p>
         </p:txBody>
@@ -16709,11 +14719,11 @@
               </a:defRPr>
             </a:pPr>
             <a:r>
-              <a:t>Tim Teter</a:t>
+              <a:t>John Ternus</a:t>
             </a:r>
             <a:br/>
             <a:r>
-              <a:t>Executive Vice President, General Counsel and Secretary</a:t>
+              <a:t>Senior Vice President, Hardware Engineering</a:t>
             </a:r>
           </a:p>
         </p:txBody>
@@ -16750,7 +14760,7 @@
               </a:defRPr>
             </a:pPr>
             <a:r>
-              <a:t>• Joined NVIDIA in 2017; oversees legal, compliance, and corporate governance</a:t>
+              <a:t>• Leads hardware engineering for all Apple products</a:t>
             </a:r>
           </a:p>
         </p:txBody>
@@ -16787,7 +14797,7 @@
               </a:defRPr>
             </a:pPr>
             <a:r>
-              <a:t>• Former partner at Cooley LLP, specializing in technology law</a:t>
+              <a:t>• Joined Apple in 2001</a:t>
             </a:r>
           </a:p>
         </p:txBody>
@@ -16824,7 +14834,7 @@
               </a:defRPr>
             </a:pPr>
             <a:r>
-              <a:t>• J.D. from Stanford Law School</a:t>
+              <a:t>• Key architect of iPhone, iPad, and Mac hardware</a:t>
             </a:r>
           </a:p>
         </p:txBody>
@@ -16861,7 +14871,7 @@
               </a:defRPr>
             </a:pPr>
             <a:r>
-              <a:t>• Expert in IP, M&amp;A, and regulatory strategy</a:t>
+              <a:t>• Expertise in product design and manufacturing</a:t>
             </a:r>
           </a:p>
         </p:txBody>
@@ -16898,7 +14908,7 @@
               </a:defRPr>
             </a:pPr>
             <a:r>
-              <a:t>• Leads NVIDIA’s global legal and compliance initiatives</a:t>
+              <a:t>• B.S. in Mechanical Engineering from University of Pennsylvania</a:t>
             </a:r>
           </a:p>
         </p:txBody>
@@ -16970,7 +14980,7 @@
               </a:defRPr>
             </a:pPr>
             <a:r>
-              <a:t>NVIDIA</a:t>
+              <a:t>Apple</a:t>
             </a:r>
           </a:p>
         </p:txBody>
@@ -17188,7 +15198,7 @@
                 </a:solidFill>
                 <a:latin typeface="Times New Roman"/>
               </a:rPr>
-              <a:t>Accelerate next-generation GPU and AI accelerator launches (Blackwell, Rubin) to maintain technological leadership.[2]</a:t>
+              <a:t>Accelerate AI integration across all hardware and services, leveraging proprietary silicon for on-device intelligence.[1][2]</a:t>
             </a:r>
           </a:p>
         </p:txBody>
@@ -17271,7 +15281,7 @@
                 </a:solidFill>
                 <a:latin typeface="Times New Roman"/>
               </a:rPr>
-              <a:t>Expand data center solutions and AI infrastructure partnerships with hyperscalers (AWS, Google, Microsoft) and sovereign cloud initiatives.[1][2]</a:t>
+              <a:t>Expand premium device portfolio (iPhone, Mac, iPad) with differentiated features targeting high-value segments.[3]</a:t>
             </a:r>
           </a:p>
         </p:txBody>
@@ -17354,7 +15364,7 @@
                 </a:solidFill>
                 <a:latin typeface="Times New Roman"/>
               </a:rPr>
-              <a:t>Broaden software monetization via CUDA, AI Enterprise, and vertical-specific platforms for healthcare, automotive, and robotics.[1]</a:t>
+              <a:t>Scale Apple Services (App Store, Music, TV+, iCloud) to drive recurring revenue and ecosystem lock-in.[2]</a:t>
             </a:r>
           </a:p>
         </p:txBody>
@@ -17437,7 +15447,7 @@
                 </a:solidFill>
                 <a:latin typeface="Times New Roman"/>
               </a:rPr>
-              <a:t>Invest $23B+ annually in R&amp;D to advance neuromorphic, edge AI, and robotics architectures.[1]</a:t>
+              <a:t>Penetrate emerging markets (India, Southeast Asia) through localized offerings and strategic partnerships.[1]</a:t>
             </a:r>
           </a:p>
         </p:txBody>
@@ -17520,7 +15530,7 @@
                 </a:solidFill>
                 <a:latin typeface="Times New Roman"/>
               </a:rPr>
-              <a:t>Drive adoption in automotive (ADAS, autonomous driving) and industrial automation through tailored AI platforms.[1]</a:t>
+              <a:t>Invest in health, wellness, and wearables to capture adjacent growth verticals.</a:t>
             </a:r>
           </a:p>
         </p:txBody>
@@ -17603,7 +15613,7 @@
                 </a:solidFill>
                 <a:latin typeface="Times New Roman"/>
               </a:rPr>
-              <a:t>Pursue strategic M&amp;A and ecosystem investments to reinforce developer engagement and accelerate platform stickiness.</a:t>
+              <a:t>Advance sustainability initiatives and supply chain resilience to meet regulatory and consumer expectations.</a:t>
             </a:r>
           </a:p>
         </p:txBody>
@@ -18302,7 +16312,7 @@
               </a:defRPr>
             </a:pPr>
             <a:r>
-              <a:t>NVIDIA</a:t>
+              <a:t>Apple</a:t>
             </a:r>
           </a:p>
         </p:txBody>
@@ -18532,7 +16542,7 @@
                 <a:gridCol w="822960"/>
                 <a:gridCol w="731520"/>
               </a:tblGrid>
-              <a:tr h="1371600">
+              <a:tr h="274320">
                 <a:tc>
                   <a:txBody>
                     <a:bodyPr/>
@@ -18569,7 +16579,7 @@
                           </a:solidFill>
                           <a:latin typeface="Times New Roman"/>
                         </a:rPr>
-                        <a:t>Market Focus</a:t>
+                        <a:t>Integrated Hardware-Software Ecosystem</a:t>
                       </a:r>
                     </a:p>
                   </a:txBody>
@@ -18592,7 +16602,7 @@
                           </a:solidFill>
                           <a:latin typeface="Times New Roman"/>
                         </a:rPr>
-                        <a:t>Product Quality</a:t>
+                        <a:t>Global Brand Loyalty &amp; Installed Base</a:t>
                       </a:r>
                     </a:p>
                   </a:txBody>
@@ -18615,7 +16625,7 @@
                           </a:solidFill>
                           <a:latin typeface="Times New Roman"/>
                         </a:rPr>
-                        <a:t>Enterprise Adoption</a:t>
+                        <a:t>Services Revenue Growth &amp; Recurring Margins</a:t>
                       </a:r>
                     </a:p>
                   </a:txBody>
@@ -18638,7 +16648,7 @@
                           </a:solidFill>
                           <a:latin typeface="Times New Roman"/>
                         </a:rPr>
-                        <a:t>Innovation</a:t>
+                        <a:t>Innovation in AI &amp; Silicon</a:t>
                       </a:r>
                     </a:p>
                   </a:txBody>
@@ -18649,6 +16659,454 @@
                   </a:tcPr>
                 </a:tc>
               </a:tr>
+              <a:tr h="274320">
+                <a:tc>
+                  <a:txBody>
+                    <a:bodyPr/>
+                    <a:lstStyle/>
+                    <a:p>
+                      <a:pPr algn="ctr"/>
+                      <a:r>
+                        <a:rPr sz="800">
+                          <a:solidFill>
+                            <a:srgbClr val="183A58"/>
+                          </a:solidFill>
+                          <a:latin typeface="Times New Roman"/>
+                        </a:rPr>
+                        <a:t>Apple</a:t>
+                      </a:r>
+                    </a:p>
+                  </a:txBody>
+                  <a:tcPr marL="45720" marR="45720" marT="45720" marB="45720">
+                    <a:solidFill>
+                      <a:srgbClr val="F0F0F0"/>
+                    </a:solidFill>
+                  </a:tcPr>
+                </a:tc>
+                <a:tc>
+                  <a:txBody>
+                    <a:bodyPr/>
+                    <a:lstStyle/>
+                    <a:p>
+                      <a:pPr algn="ctr"/>
+                      <a:r>
+                        <a:rPr sz="800">
+                          <a:solidFill>
+                            <a:srgbClr val="183A58"/>
+                          </a:solidFill>
+                          <a:latin typeface="Times New Roman"/>
+                        </a:rPr>
+                        <a:t>⭐⭐⭐⭐⭐</a:t>
+                      </a:r>
+                    </a:p>
+                  </a:txBody>
+                  <a:tcPr marL="45720" marR="45720" marT="45720" marB="45720">
+                    <a:solidFill>
+                      <a:srgbClr val="F0F0F0"/>
+                    </a:solidFill>
+                  </a:tcPr>
+                </a:tc>
+                <a:tc>
+                  <a:txBody>
+                    <a:bodyPr/>
+                    <a:lstStyle/>
+                    <a:p>
+                      <a:pPr algn="ctr"/>
+                      <a:r>
+                        <a:rPr sz="800">
+                          <a:solidFill>
+                            <a:srgbClr val="183A58"/>
+                          </a:solidFill>
+                          <a:latin typeface="Times New Roman"/>
+                        </a:rPr>
+                        <a:t>⭐⭐⭐⭐⭐</a:t>
+                      </a:r>
+                    </a:p>
+                  </a:txBody>
+                  <a:tcPr marL="45720" marR="45720" marT="45720" marB="45720">
+                    <a:solidFill>
+                      <a:srgbClr val="F0F0F0"/>
+                    </a:solidFill>
+                  </a:tcPr>
+                </a:tc>
+                <a:tc>
+                  <a:txBody>
+                    <a:bodyPr/>
+                    <a:lstStyle/>
+                    <a:p>
+                      <a:pPr algn="ctr"/>
+                      <a:r>
+                        <a:rPr sz="800">
+                          <a:solidFill>
+                            <a:srgbClr val="183A58"/>
+                          </a:solidFill>
+                          <a:latin typeface="Times New Roman"/>
+                        </a:rPr>
+                        <a:t>⭐⭐⭐⭐⭐</a:t>
+                      </a:r>
+                    </a:p>
+                  </a:txBody>
+                  <a:tcPr marL="45720" marR="45720" marT="45720" marB="45720">
+                    <a:solidFill>
+                      <a:srgbClr val="F0F0F0"/>
+                    </a:solidFill>
+                  </a:tcPr>
+                </a:tc>
+                <a:tc>
+                  <a:txBody>
+                    <a:bodyPr/>
+                    <a:lstStyle/>
+                    <a:p>
+                      <a:pPr algn="ctr"/>
+                      <a:r>
+                        <a:rPr sz="800">
+                          <a:solidFill>
+                            <a:srgbClr val="183A58"/>
+                          </a:solidFill>
+                          <a:latin typeface="Times New Roman"/>
+                        </a:rPr>
+                        <a:t>⭐⭐⭐⭐⭐</a:t>
+                      </a:r>
+                    </a:p>
+                  </a:txBody>
+                  <a:tcPr marL="45720" marR="45720" marT="45720" marB="45720">
+                    <a:solidFill>
+                      <a:srgbClr val="F0F0F0"/>
+                    </a:solidFill>
+                  </a:tcPr>
+                </a:tc>
+              </a:tr>
+              <a:tr h="274320">
+                <a:tc>
+                  <a:txBody>
+                    <a:bodyPr/>
+                    <a:lstStyle/>
+                    <a:p>
+                      <a:pPr algn="ctr"/>
+                      <a:r>
+                        <a:rPr sz="800">
+                          <a:solidFill>
+                            <a:srgbClr val="404040"/>
+                          </a:solidFill>
+                          <a:latin typeface="Times New Roman"/>
+                        </a:rPr>
+                        <a:t>Samsung Electronics</a:t>
+                      </a:r>
+                    </a:p>
+                  </a:txBody>
+                  <a:tcPr marL="45720" marR="45720" marT="45720" marB="45720">
+                    <a:solidFill>
+                      <a:srgbClr val="F0F0F0"/>
+                    </a:solidFill>
+                  </a:tcPr>
+                </a:tc>
+                <a:tc>
+                  <a:txBody>
+                    <a:bodyPr/>
+                    <a:lstStyle/>
+                    <a:p>
+                      <a:pPr algn="ctr"/>
+                      <a:r>
+                        <a:rPr sz="800">
+                          <a:solidFill>
+                            <a:srgbClr val="404040"/>
+                          </a:solidFill>
+                          <a:latin typeface="Times New Roman"/>
+                        </a:rPr>
+                        <a:t>⭐⭐⭐⭐</a:t>
+                      </a:r>
+                    </a:p>
+                  </a:txBody>
+                  <a:tcPr marL="45720" marR="45720" marT="45720" marB="45720">
+                    <a:solidFill>
+                      <a:srgbClr val="F0F0F0"/>
+                    </a:solidFill>
+                  </a:tcPr>
+                </a:tc>
+                <a:tc>
+                  <a:txBody>
+                    <a:bodyPr/>
+                    <a:lstStyle/>
+                    <a:p>
+                      <a:pPr algn="ctr"/>
+                      <a:r>
+                        <a:rPr sz="800">
+                          <a:solidFill>
+                            <a:srgbClr val="404040"/>
+                          </a:solidFill>
+                          <a:latin typeface="Times New Roman"/>
+                        </a:rPr>
+                        <a:t>⭐⭐⭐</a:t>
+                      </a:r>
+                    </a:p>
+                  </a:txBody>
+                  <a:tcPr marL="45720" marR="45720" marT="45720" marB="45720">
+                    <a:solidFill>
+                      <a:srgbClr val="F0F0F0"/>
+                    </a:solidFill>
+                  </a:tcPr>
+                </a:tc>
+                <a:tc>
+                  <a:txBody>
+                    <a:bodyPr/>
+                    <a:lstStyle/>
+                    <a:p>
+                      <a:pPr algn="ctr"/>
+                      <a:r>
+                        <a:rPr sz="800">
+                          <a:solidFill>
+                            <a:srgbClr val="404040"/>
+                          </a:solidFill>
+                          <a:latin typeface="Times New Roman"/>
+                        </a:rPr>
+                        <a:t>⭐⭐⭐</a:t>
+                      </a:r>
+                    </a:p>
+                  </a:txBody>
+                  <a:tcPr marL="45720" marR="45720" marT="45720" marB="45720">
+                    <a:solidFill>
+                      <a:srgbClr val="F0F0F0"/>
+                    </a:solidFill>
+                  </a:tcPr>
+                </a:tc>
+                <a:tc>
+                  <a:txBody>
+                    <a:bodyPr/>
+                    <a:lstStyle/>
+                    <a:p>
+                      <a:pPr algn="ctr"/>
+                      <a:r>
+                        <a:rPr sz="800">
+                          <a:solidFill>
+                            <a:srgbClr val="404040"/>
+                          </a:solidFill>
+                          <a:latin typeface="Times New Roman"/>
+                        </a:rPr>
+                        <a:t>⭐⭐⭐</a:t>
+                      </a:r>
+                    </a:p>
+                  </a:txBody>
+                  <a:tcPr marL="45720" marR="45720" marT="45720" marB="45720">
+                    <a:solidFill>
+                      <a:srgbClr val="F0F0F0"/>
+                    </a:solidFill>
+                  </a:tcPr>
+                </a:tc>
+              </a:tr>
+              <a:tr h="274320">
+                <a:tc>
+                  <a:txBody>
+                    <a:bodyPr/>
+                    <a:lstStyle/>
+                    <a:p>
+                      <a:pPr algn="ctr"/>
+                      <a:r>
+                        <a:rPr sz="800">
+                          <a:solidFill>
+                            <a:srgbClr val="404040"/>
+                          </a:solidFill>
+                          <a:latin typeface="Times New Roman"/>
+                        </a:rPr>
+                        <a:t>Microsoft</a:t>
+                      </a:r>
+                    </a:p>
+                  </a:txBody>
+                  <a:tcPr marL="45720" marR="45720" marT="45720" marB="45720"/>
+                </a:tc>
+                <a:tc>
+                  <a:txBody>
+                    <a:bodyPr/>
+                    <a:lstStyle/>
+                    <a:p>
+                      <a:pPr algn="ctr"/>
+                      <a:r>
+                        <a:rPr sz="800">
+                          <a:solidFill>
+                            <a:srgbClr val="404040"/>
+                          </a:solidFill>
+                          <a:latin typeface="Times New Roman"/>
+                        </a:rPr>
+                        <a:t>⭐⭐⭐</a:t>
+                      </a:r>
+                    </a:p>
+                  </a:txBody>
+                  <a:tcPr marL="45720" marR="45720" marT="45720" marB="45720"/>
+                </a:tc>
+                <a:tc>
+                  <a:txBody>
+                    <a:bodyPr/>
+                    <a:lstStyle/>
+                    <a:p>
+                      <a:pPr algn="ctr"/>
+                      <a:r>
+                        <a:rPr sz="800">
+                          <a:solidFill>
+                            <a:srgbClr val="404040"/>
+                          </a:solidFill>
+                          <a:latin typeface="Times New Roman"/>
+                        </a:rPr>
+                        <a:t>⭐⭐⭐⭐</a:t>
+                      </a:r>
+                    </a:p>
+                  </a:txBody>
+                  <a:tcPr marL="45720" marR="45720" marT="45720" marB="45720"/>
+                </a:tc>
+                <a:tc>
+                  <a:txBody>
+                    <a:bodyPr/>
+                    <a:lstStyle/>
+                    <a:p>
+                      <a:pPr algn="ctr"/>
+                      <a:r>
+                        <a:rPr sz="800">
+                          <a:solidFill>
+                            <a:srgbClr val="404040"/>
+                          </a:solidFill>
+                          <a:latin typeface="Times New Roman"/>
+                        </a:rPr>
+                        <a:t>⭐⭐⭐⭐</a:t>
+                      </a:r>
+                    </a:p>
+                  </a:txBody>
+                  <a:tcPr marL="45720" marR="45720" marT="45720" marB="45720"/>
+                </a:tc>
+                <a:tc>
+                  <a:txBody>
+                    <a:bodyPr/>
+                    <a:lstStyle/>
+                    <a:p>
+                      <a:pPr algn="ctr"/>
+                      <a:r>
+                        <a:rPr sz="800">
+                          <a:solidFill>
+                            <a:srgbClr val="404040"/>
+                          </a:solidFill>
+                          <a:latin typeface="Times New Roman"/>
+                        </a:rPr>
+                        <a:t>⭐⭐⭐</a:t>
+                      </a:r>
+                    </a:p>
+                  </a:txBody>
+                  <a:tcPr marL="45720" marR="45720" marT="45720" marB="45720"/>
+                </a:tc>
+              </a:tr>
+              <a:tr h="274320">
+                <a:tc>
+                  <a:txBody>
+                    <a:bodyPr/>
+                    <a:lstStyle/>
+                    <a:p>
+                      <a:pPr algn="ctr"/>
+                      <a:r>
+                        <a:rPr sz="800">
+                          <a:solidFill>
+                            <a:srgbClr val="404040"/>
+                          </a:solidFill>
+                          <a:latin typeface="Times New Roman"/>
+                        </a:rPr>
+                        <a:t>Alphabet (Google)</a:t>
+                      </a:r>
+                    </a:p>
+                  </a:txBody>
+                  <a:tcPr marL="45720" marR="45720" marT="45720" marB="45720">
+                    <a:solidFill>
+                      <a:srgbClr val="F0F0F0"/>
+                    </a:solidFill>
+                  </a:tcPr>
+                </a:tc>
+                <a:tc>
+                  <a:txBody>
+                    <a:bodyPr/>
+                    <a:lstStyle/>
+                    <a:p>
+                      <a:pPr algn="ctr"/>
+                      <a:r>
+                        <a:rPr sz="800">
+                          <a:solidFill>
+                            <a:srgbClr val="404040"/>
+                          </a:solidFill>
+                          <a:latin typeface="Times New Roman"/>
+                        </a:rPr>
+                        <a:t>⭐⭐⭐</a:t>
+                      </a:r>
+                    </a:p>
+                  </a:txBody>
+                  <a:tcPr marL="45720" marR="45720" marT="45720" marB="45720">
+                    <a:solidFill>
+                      <a:srgbClr val="F0F0F0"/>
+                    </a:solidFill>
+                  </a:tcPr>
+                </a:tc>
+                <a:tc>
+                  <a:txBody>
+                    <a:bodyPr/>
+                    <a:lstStyle/>
+                    <a:p>
+                      <a:pPr algn="ctr"/>
+                      <a:r>
+                        <a:rPr sz="800">
+                          <a:solidFill>
+                            <a:srgbClr val="404040"/>
+                          </a:solidFill>
+                          <a:latin typeface="Times New Roman"/>
+                        </a:rPr>
+                        <a:t>⭐⭐⭐</a:t>
+                      </a:r>
+                    </a:p>
+                  </a:txBody>
+                  <a:tcPr marL="45720" marR="45720" marT="45720" marB="45720">
+                    <a:solidFill>
+                      <a:srgbClr val="F0F0F0"/>
+                    </a:solidFill>
+                  </a:tcPr>
+                </a:tc>
+                <a:tc>
+                  <a:txBody>
+                    <a:bodyPr/>
+                    <a:lstStyle/>
+                    <a:p>
+                      <a:pPr algn="ctr"/>
+                      <a:r>
+                        <a:rPr sz="800">
+                          <a:solidFill>
+                            <a:srgbClr val="404040"/>
+                          </a:solidFill>
+                          <a:latin typeface="Times New Roman"/>
+                        </a:rPr>
+                        <a:t>⭐⭐⭐⭐</a:t>
+                      </a:r>
+                    </a:p>
+                  </a:txBody>
+                  <a:tcPr marL="45720" marR="45720" marT="45720" marB="45720">
+                    <a:solidFill>
+                      <a:srgbClr val="F0F0F0"/>
+                    </a:solidFill>
+                  </a:tcPr>
+                </a:tc>
+                <a:tc>
+                  <a:txBody>
+                    <a:bodyPr/>
+                    <a:lstStyle/>
+                    <a:p>
+                      <a:pPr algn="ctr"/>
+                      <a:r>
+                        <a:rPr sz="800">
+                          <a:solidFill>
+                            <a:srgbClr val="404040"/>
+                          </a:solidFill>
+                          <a:latin typeface="Times New Roman"/>
+                        </a:rPr>
+                        <a:t>⭐⭐⭐⭐</a:t>
+                      </a:r>
+                    </a:p>
+                  </a:txBody>
+                  <a:tcPr marL="45720" marR="45720" marT="45720" marB="45720">
+                    <a:solidFill>
+                      <a:srgbClr val="F0F0F0"/>
+                    </a:solidFill>
+                  </a:tcPr>
+                </a:tc>
+              </a:tr>
             </a:tbl>
           </a:graphicData>
         </a:graphic>
@@ -18808,59 +17266,20 @@
                 </a:solidFill>
                 <a:latin typeface="Times New Roman"/>
               </a:rPr>
-              <a:t>Market Position Strong competitive positioning in market</a:t>
-            </a:r>
-          </a:p>
-        </p:txBody>
-      </p:sp>
-      <p:sp>
-        <p:nvSpPr>
-          <p:cNvPr id="12" name="TextBox 11"/>
-          <p:cNvSpPr txBox="1"/>
-          <p:nvPr/>
-        </p:nvSpPr>
-        <p:spPr>
-          <a:xfrm>
-            <a:off x="6858000" y="3474720"/>
-            <a:ext cx="5029200" cy="274320"/>
-          </a:xfrm>
-          <a:prstGeom prst="rect">
-            <a:avLst/>
-          </a:prstGeom>
-          <a:noFill/>
-          <a:ln>
-            <a:noFill/>
-          </a:ln>
-          <a:effectLst/>
-        </p:spPr>
-        <p:txBody>
-          <a:bodyPr wrap="square">
-            <a:spAutoFit/>
-          </a:bodyPr>
-          <a:lstStyle/>
-          <a:p>
-            <a:pPr algn="l"/>
-            <a:r>
-              <a:rPr sz="1400" b="1">
-                <a:solidFill>
-                  <a:srgbClr val="183A58"/>
-                </a:solidFill>
-                <a:latin typeface="Times New Roman"/>
-              </a:rPr>
-              <a:t>Company's Unique Advantages</a:t>
-            </a:r>
-          </a:p>
-        </p:txBody>
-      </p:sp>
-      <p:sp>
-        <p:nvSpPr>
-          <p:cNvPr id="13" name="Oval 12"/>
+              <a:t>Patent Protection &amp; Proprietary Technology Apple's extensive patent portfolio and proprietary silicon (Apple Silicon) create significant legal and technical hurdles for new entrants.</a:t>
+            </a:r>
+          </a:p>
+        </p:txBody>
+      </p:sp>
+      <p:sp>
+        <p:nvSpPr>
+          <p:cNvPr id="12" name="Oval 11"/>
           <p:cNvSpPr/>
           <p:nvPr/>
         </p:nvSpPr>
         <p:spPr>
           <a:xfrm>
-            <a:off x="7040880" y="3840480"/>
+            <a:off x="640080" y="4800600"/>
             <a:ext cx="54864" cy="54864"/>
           </a:xfrm>
           <a:prstGeom prst="ellipse">
@@ -18897,14 +17316,14 @@
       </p:sp>
       <p:sp>
         <p:nvSpPr>
-          <p:cNvPr id="14" name="TextBox 13"/>
-          <p:cNvSpPr txBox="1"/>
-          <p:nvPr/>
-        </p:nvSpPr>
-        <p:spPr>
-          <a:xfrm>
-            <a:off x="7178040" y="3794760"/>
-            <a:ext cx="4572000" cy="274320"/>
+          <p:cNvPr id="13" name="TextBox 12"/>
+          <p:cNvSpPr txBox="1"/>
+          <p:nvPr/>
+        </p:nvSpPr>
+        <p:spPr>
+          <a:xfrm>
+            <a:off x="777240" y="4754880"/>
+            <a:ext cx="5029200" cy="274320"/>
           </a:xfrm>
           <a:prstGeom prst="rect">
             <a:avLst/>
@@ -18929,8 +17348,51 @@
                 </a:solidFill>
                 <a:latin typeface="Times New Roman"/>
               </a:rPr>
-              <a:t>Competitive Edge Key differentiators from conversation analysis</a:t>
-            </a:r>
+              <a:t>Ecosystem Lock-In &amp; Switching Costs Apple's tightly integrated ecosystem (hardware, software, services) increases user switching costs and makes it difficult for competitors to replicate the seamless experience.</a:t>
+            </a:r>
+          </a:p>
+        </p:txBody>
+      </p:sp>
+      <p:sp>
+        <p:nvSpPr>
+          <p:cNvPr id="14" name="Oval 13"/>
+          <p:cNvSpPr/>
+          <p:nvPr/>
+        </p:nvSpPr>
+        <p:spPr>
+          <a:xfrm>
+            <a:off x="640080" y="5120640"/>
+            <a:ext cx="54864" cy="54864"/>
+          </a:xfrm>
+          <a:prstGeom prst="ellipse">
+            <a:avLst/>
+          </a:prstGeom>
+          <a:solidFill>
+            <a:srgbClr val="B5975B"/>
+          </a:solidFill>
+          <a:ln>
+            <a:noFill/>
+          </a:ln>
+        </p:spPr>
+        <p:style>
+          <a:lnRef idx="1">
+            <a:schemeClr val="accent1"/>
+          </a:lnRef>
+          <a:fillRef idx="3">
+            <a:schemeClr val="accent1"/>
+          </a:fillRef>
+          <a:effectRef idx="2">
+            <a:schemeClr val="accent1"/>
+          </a:effectRef>
+          <a:fontRef idx="minor">
+            <a:schemeClr val="lt1"/>
+          </a:fontRef>
+        </p:style>
+        <p:txBody>
+          <a:bodyPr rtlCol="0" anchor="ctr"/>
+          <a:lstStyle/>
+          <a:p>
+            <a:pPr algn="ctr"/>
           </a:p>
         </p:txBody>
       </p:sp>
@@ -18942,8 +17404,8 @@
         </p:nvSpPr>
         <p:spPr>
           <a:xfrm>
-            <a:off x="457200" y="3931920"/>
-            <a:ext cx="5486400" cy="137160"/>
+            <a:off x="777240" y="5074920"/>
+            <a:ext cx="5029200" cy="274320"/>
           </a:xfrm>
           <a:prstGeom prst="rect">
             <a:avLst/>
@@ -18962,6 +17424,494 @@
           <a:p>
             <a:pPr algn="l"/>
             <a:r>
+              <a:rPr sz="900" b="0">
+                <a:solidFill>
+                  <a:srgbClr val="404040"/>
+                </a:solidFill>
+                <a:latin typeface="Times New Roman"/>
+              </a:rPr>
+              <a:t>Scale of R&amp;D and Capital Investment Apple's massive annual R&amp;D spend and capital investments in supply chain, manufacturing, and retail infrastructure are prohibitive for new entrants.</a:t>
+            </a:r>
+          </a:p>
+        </p:txBody>
+      </p:sp>
+      <p:sp>
+        <p:nvSpPr>
+          <p:cNvPr id="16" name="Oval 15"/>
+          <p:cNvSpPr/>
+          <p:nvPr/>
+        </p:nvSpPr>
+        <p:spPr>
+          <a:xfrm>
+            <a:off x="640080" y="5440679"/>
+            <a:ext cx="54864" cy="54864"/>
+          </a:xfrm>
+          <a:prstGeom prst="ellipse">
+            <a:avLst/>
+          </a:prstGeom>
+          <a:solidFill>
+            <a:srgbClr val="B5975B"/>
+          </a:solidFill>
+          <a:ln>
+            <a:noFill/>
+          </a:ln>
+        </p:spPr>
+        <p:style>
+          <a:lnRef idx="1">
+            <a:schemeClr val="accent1"/>
+          </a:lnRef>
+          <a:fillRef idx="3">
+            <a:schemeClr val="accent1"/>
+          </a:fillRef>
+          <a:effectRef idx="2">
+            <a:schemeClr val="accent1"/>
+          </a:effectRef>
+          <a:fontRef idx="minor">
+            <a:schemeClr val="lt1"/>
+          </a:fontRef>
+        </p:style>
+        <p:txBody>
+          <a:bodyPr rtlCol="0" anchor="ctr"/>
+          <a:lstStyle/>
+          <a:p>
+            <a:pPr algn="ctr"/>
+          </a:p>
+        </p:txBody>
+      </p:sp>
+      <p:sp>
+        <p:nvSpPr>
+          <p:cNvPr id="17" name="TextBox 16"/>
+          <p:cNvSpPr txBox="1"/>
+          <p:nvPr/>
+        </p:nvSpPr>
+        <p:spPr>
+          <a:xfrm>
+            <a:off x="777240" y="5394959"/>
+            <a:ext cx="5029200" cy="274320"/>
+          </a:xfrm>
+          <a:prstGeom prst="rect">
+            <a:avLst/>
+          </a:prstGeom>
+          <a:noFill/>
+          <a:ln>
+            <a:noFill/>
+          </a:ln>
+          <a:effectLst/>
+        </p:spPr>
+        <p:txBody>
+          <a:bodyPr wrap="square">
+            <a:spAutoFit/>
+          </a:bodyPr>
+          <a:lstStyle/>
+          <a:p>
+            <a:pPr algn="l"/>
+            <a:r>
+              <a:rPr sz="900" b="0">
+                <a:solidFill>
+                  <a:srgbClr val="404040"/>
+                </a:solidFill>
+                <a:latin typeface="Times New Roman"/>
+              </a:rPr>
+              <a:t>Global Brand Loyalty &amp; Distribution Apple's global brand recognition, loyal customer base, and exclusive retail/distribution channels present formidable barriers to market entry.</a:t>
+            </a:r>
+          </a:p>
+        </p:txBody>
+      </p:sp>
+      <p:sp>
+        <p:nvSpPr>
+          <p:cNvPr id="18" name="TextBox 17"/>
+          <p:cNvSpPr txBox="1"/>
+          <p:nvPr/>
+        </p:nvSpPr>
+        <p:spPr>
+          <a:xfrm>
+            <a:off x="6858000" y="3474720"/>
+            <a:ext cx="5029200" cy="274320"/>
+          </a:xfrm>
+          <a:prstGeom prst="rect">
+            <a:avLst/>
+          </a:prstGeom>
+          <a:noFill/>
+          <a:ln>
+            <a:noFill/>
+          </a:ln>
+          <a:effectLst/>
+        </p:spPr>
+        <p:txBody>
+          <a:bodyPr wrap="square">
+            <a:spAutoFit/>
+          </a:bodyPr>
+          <a:lstStyle/>
+          <a:p>
+            <a:pPr algn="l"/>
+            <a:r>
+              <a:rPr sz="1400" b="1">
+                <a:solidFill>
+                  <a:srgbClr val="183A58"/>
+                </a:solidFill>
+                <a:latin typeface="Times New Roman"/>
+              </a:rPr>
+              <a:t>Company's Unique Advantages</a:t>
+            </a:r>
+          </a:p>
+        </p:txBody>
+      </p:sp>
+      <p:sp>
+        <p:nvSpPr>
+          <p:cNvPr id="19" name="Oval 18"/>
+          <p:cNvSpPr/>
+          <p:nvPr/>
+        </p:nvSpPr>
+        <p:spPr>
+          <a:xfrm>
+            <a:off x="7040880" y="3840480"/>
+            <a:ext cx="54864" cy="54864"/>
+          </a:xfrm>
+          <a:prstGeom prst="ellipse">
+            <a:avLst/>
+          </a:prstGeom>
+          <a:solidFill>
+            <a:srgbClr val="B5975B"/>
+          </a:solidFill>
+          <a:ln>
+            <a:noFill/>
+          </a:ln>
+        </p:spPr>
+        <p:style>
+          <a:lnRef idx="1">
+            <a:schemeClr val="accent1"/>
+          </a:lnRef>
+          <a:fillRef idx="3">
+            <a:schemeClr val="accent1"/>
+          </a:fillRef>
+          <a:effectRef idx="2">
+            <a:schemeClr val="accent1"/>
+          </a:effectRef>
+          <a:fontRef idx="minor">
+            <a:schemeClr val="lt1"/>
+          </a:fontRef>
+        </p:style>
+        <p:txBody>
+          <a:bodyPr rtlCol="0" anchor="ctr"/>
+          <a:lstStyle/>
+          <a:p>
+            <a:pPr algn="ctr"/>
+          </a:p>
+        </p:txBody>
+      </p:sp>
+      <p:sp>
+        <p:nvSpPr>
+          <p:cNvPr id="20" name="TextBox 19"/>
+          <p:cNvSpPr txBox="1"/>
+          <p:nvPr/>
+        </p:nvSpPr>
+        <p:spPr>
+          <a:xfrm>
+            <a:off x="7178040" y="3794760"/>
+            <a:ext cx="4572000" cy="274320"/>
+          </a:xfrm>
+          <a:prstGeom prst="rect">
+            <a:avLst/>
+          </a:prstGeom>
+          <a:noFill/>
+          <a:ln>
+            <a:noFill/>
+          </a:ln>
+          <a:effectLst/>
+        </p:spPr>
+        <p:txBody>
+          <a:bodyPr wrap="square">
+            <a:spAutoFit/>
+          </a:bodyPr>
+          <a:lstStyle/>
+          <a:p>
+            <a:pPr algn="l"/>
+            <a:r>
+              <a:rPr sz="900" b="0">
+                <a:solidFill>
+                  <a:srgbClr val="404040"/>
+                </a:solidFill>
+                <a:latin typeface="Times New Roman"/>
+              </a:rPr>
+              <a:t>Integrated Hardware-Software Ecosystem Apple controls both hardware and software, enabling seamless user experiences and rapid innovation across devices.</a:t>
+            </a:r>
+          </a:p>
+        </p:txBody>
+      </p:sp>
+      <p:sp>
+        <p:nvSpPr>
+          <p:cNvPr id="21" name="Oval 20"/>
+          <p:cNvSpPr/>
+          <p:nvPr/>
+        </p:nvSpPr>
+        <p:spPr>
+          <a:xfrm>
+            <a:off x="7040880" y="4160520"/>
+            <a:ext cx="54864" cy="54864"/>
+          </a:xfrm>
+          <a:prstGeom prst="ellipse">
+            <a:avLst/>
+          </a:prstGeom>
+          <a:solidFill>
+            <a:srgbClr val="B5975B"/>
+          </a:solidFill>
+          <a:ln>
+            <a:noFill/>
+          </a:ln>
+        </p:spPr>
+        <p:style>
+          <a:lnRef idx="1">
+            <a:schemeClr val="accent1"/>
+          </a:lnRef>
+          <a:fillRef idx="3">
+            <a:schemeClr val="accent1"/>
+          </a:fillRef>
+          <a:effectRef idx="2">
+            <a:schemeClr val="accent1"/>
+          </a:effectRef>
+          <a:fontRef idx="minor">
+            <a:schemeClr val="lt1"/>
+          </a:fontRef>
+        </p:style>
+        <p:txBody>
+          <a:bodyPr rtlCol="0" anchor="ctr"/>
+          <a:lstStyle/>
+          <a:p>
+            <a:pPr algn="ctr"/>
+          </a:p>
+        </p:txBody>
+      </p:sp>
+      <p:sp>
+        <p:nvSpPr>
+          <p:cNvPr id="22" name="TextBox 21"/>
+          <p:cNvSpPr txBox="1"/>
+          <p:nvPr/>
+        </p:nvSpPr>
+        <p:spPr>
+          <a:xfrm>
+            <a:off x="7178040" y="4114800"/>
+            <a:ext cx="4572000" cy="274320"/>
+          </a:xfrm>
+          <a:prstGeom prst="rect">
+            <a:avLst/>
+          </a:prstGeom>
+          <a:noFill/>
+          <a:ln>
+            <a:noFill/>
+          </a:ln>
+          <a:effectLst/>
+        </p:spPr>
+        <p:txBody>
+          <a:bodyPr wrap="square">
+            <a:spAutoFit/>
+          </a:bodyPr>
+          <a:lstStyle/>
+          <a:p>
+            <a:pPr algn="l"/>
+            <a:r>
+              <a:rPr sz="900" b="0">
+                <a:solidFill>
+                  <a:srgbClr val="404040"/>
+                </a:solidFill>
+                <a:latin typeface="Times New Roman"/>
+              </a:rPr>
+              <a:t>Brand Strength &amp; Customer Loyalty Apple's brand is among the most valuable globally, driving repeat purchases and premium pricing power.</a:t>
+            </a:r>
+          </a:p>
+        </p:txBody>
+      </p:sp>
+      <p:sp>
+        <p:nvSpPr>
+          <p:cNvPr id="23" name="Oval 22"/>
+          <p:cNvSpPr/>
+          <p:nvPr/>
+        </p:nvSpPr>
+        <p:spPr>
+          <a:xfrm>
+            <a:off x="7040880" y="4480560"/>
+            <a:ext cx="54864" cy="54864"/>
+          </a:xfrm>
+          <a:prstGeom prst="ellipse">
+            <a:avLst/>
+          </a:prstGeom>
+          <a:solidFill>
+            <a:srgbClr val="B5975B"/>
+          </a:solidFill>
+          <a:ln>
+            <a:noFill/>
+          </a:ln>
+        </p:spPr>
+        <p:style>
+          <a:lnRef idx="1">
+            <a:schemeClr val="accent1"/>
+          </a:lnRef>
+          <a:fillRef idx="3">
+            <a:schemeClr val="accent1"/>
+          </a:fillRef>
+          <a:effectRef idx="2">
+            <a:schemeClr val="accent1"/>
+          </a:effectRef>
+          <a:fontRef idx="minor">
+            <a:schemeClr val="lt1"/>
+          </a:fontRef>
+        </p:style>
+        <p:txBody>
+          <a:bodyPr rtlCol="0" anchor="ctr"/>
+          <a:lstStyle/>
+          <a:p>
+            <a:pPr algn="ctr"/>
+          </a:p>
+        </p:txBody>
+      </p:sp>
+      <p:sp>
+        <p:nvSpPr>
+          <p:cNvPr id="24" name="TextBox 23"/>
+          <p:cNvSpPr txBox="1"/>
+          <p:nvPr/>
+        </p:nvSpPr>
+        <p:spPr>
+          <a:xfrm>
+            <a:off x="7178040" y="4434840"/>
+            <a:ext cx="4572000" cy="274320"/>
+          </a:xfrm>
+          <a:prstGeom prst="rect">
+            <a:avLst/>
+          </a:prstGeom>
+          <a:noFill/>
+          <a:ln>
+            <a:noFill/>
+          </a:ln>
+          <a:effectLst/>
+        </p:spPr>
+        <p:txBody>
+          <a:bodyPr wrap="square">
+            <a:spAutoFit/>
+          </a:bodyPr>
+          <a:lstStyle/>
+          <a:p>
+            <a:pPr algn="l"/>
+            <a:r>
+              <a:rPr sz="900" b="0">
+                <a:solidFill>
+                  <a:srgbClr val="404040"/>
+                </a:solidFill>
+                <a:latin typeface="Times New Roman"/>
+              </a:rPr>
+              <a:t>Recurring Services Revenue &amp; Margins Apple's services segment (App Store, iCloud, Apple Music, etc.) delivers high-margin, recurring revenue, now at all-time highs[1][2][3].</a:t>
+            </a:r>
+          </a:p>
+        </p:txBody>
+      </p:sp>
+      <p:sp>
+        <p:nvSpPr>
+          <p:cNvPr id="25" name="Oval 24"/>
+          <p:cNvSpPr/>
+          <p:nvPr/>
+        </p:nvSpPr>
+        <p:spPr>
+          <a:xfrm>
+            <a:off x="7040880" y="4800599"/>
+            <a:ext cx="54864" cy="54864"/>
+          </a:xfrm>
+          <a:prstGeom prst="ellipse">
+            <a:avLst/>
+          </a:prstGeom>
+          <a:solidFill>
+            <a:srgbClr val="B5975B"/>
+          </a:solidFill>
+          <a:ln>
+            <a:noFill/>
+          </a:ln>
+        </p:spPr>
+        <p:style>
+          <a:lnRef idx="1">
+            <a:schemeClr val="accent1"/>
+          </a:lnRef>
+          <a:fillRef idx="3">
+            <a:schemeClr val="accent1"/>
+          </a:fillRef>
+          <a:effectRef idx="2">
+            <a:schemeClr val="accent1"/>
+          </a:effectRef>
+          <a:fontRef idx="minor">
+            <a:schemeClr val="lt1"/>
+          </a:fontRef>
+        </p:style>
+        <p:txBody>
+          <a:bodyPr rtlCol="0" anchor="ctr"/>
+          <a:lstStyle/>
+          <a:p>
+            <a:pPr algn="ctr"/>
+          </a:p>
+        </p:txBody>
+      </p:sp>
+      <p:sp>
+        <p:nvSpPr>
+          <p:cNvPr id="26" name="TextBox 25"/>
+          <p:cNvSpPr txBox="1"/>
+          <p:nvPr/>
+        </p:nvSpPr>
+        <p:spPr>
+          <a:xfrm>
+            <a:off x="7178040" y="4754879"/>
+            <a:ext cx="4572000" cy="274320"/>
+          </a:xfrm>
+          <a:prstGeom prst="rect">
+            <a:avLst/>
+          </a:prstGeom>
+          <a:noFill/>
+          <a:ln>
+            <a:noFill/>
+          </a:ln>
+          <a:effectLst/>
+        </p:spPr>
+        <p:txBody>
+          <a:bodyPr wrap="square">
+            <a:spAutoFit/>
+          </a:bodyPr>
+          <a:lstStyle/>
+          <a:p>
+            <a:pPr algn="l"/>
+            <a:r>
+              <a:rPr sz="900" b="0">
+                <a:solidFill>
+                  <a:srgbClr val="404040"/>
+                </a:solidFill>
+                <a:latin typeface="Times New Roman"/>
+              </a:rPr>
+              <a:t>Innovation in AI &amp; Custom Silicon Apple leads in custom silicon (Apple Silicon) and is rapidly advancing in AI features (Apple Intelligence), differentiating its products and services[2][3].</a:t>
+            </a:r>
+          </a:p>
+        </p:txBody>
+      </p:sp>
+      <p:sp>
+        <p:nvSpPr>
+          <p:cNvPr id="27" name="TextBox 26"/>
+          <p:cNvSpPr txBox="1"/>
+          <p:nvPr/>
+        </p:nvSpPr>
+        <p:spPr>
+          <a:xfrm>
+            <a:off x="457200" y="3931920"/>
+            <a:ext cx="5486400" cy="137160"/>
+          </a:xfrm>
+          <a:prstGeom prst="rect">
+            <a:avLst/>
+          </a:prstGeom>
+          <a:noFill/>
+          <a:ln>
+            <a:noFill/>
+          </a:ln>
+          <a:effectLst/>
+        </p:spPr>
+        <p:txBody>
+          <a:bodyPr wrap="square">
+            <a:spAutoFit/>
+          </a:bodyPr>
+          <a:lstStyle/>
+          <a:p>
+            <a:pPr algn="l"/>
+            <a:r>
               <a:rPr sz="800" b="0">
                 <a:solidFill>
                   <a:srgbClr val="404040"/>
@@ -18975,7 +17925,7 @@
       </p:sp>
       <p:sp>
         <p:nvSpPr>
-          <p:cNvPr id="16" name="TextBox 15"/>
+          <p:cNvPr id="28" name="TextBox 27"/>
           <p:cNvSpPr txBox="1"/>
           <p:nvPr/>
         </p:nvSpPr>
@@ -19011,7 +17961,7 @@
       </p:sp>
       <p:sp>
         <p:nvSpPr>
-          <p:cNvPr id="17" name="TextBox 16"/>
+          <p:cNvPr id="29" name="TextBox 28"/>
           <p:cNvSpPr txBox="1"/>
           <p:nvPr/>
         </p:nvSpPr>
@@ -19040,7 +17990,7 @@
               </a:defRPr>
             </a:pPr>
             <a:r>
-              <a:t>NVIDIA</a:t>
+              <a:t>Apple</a:t>
             </a:r>
           </a:p>
         </p:txBody>
@@ -19093,7 +18043,7 @@
                 </a:solidFill>
                 <a:latin typeface="Times New Roman"/>
               </a:rPr>
-              <a:t>Precedent Transactions</a:t>
+              <a:t>Precedent Transactions Analysis</a:t>
             </a:r>
           </a:p>
         </p:txBody>
@@ -19185,8 +18135,8 @@
         </p:nvSpPr>
         <p:spPr>
           <a:xfrm>
-            <a:off x="1645920" y="3383280"/>
-            <a:ext cx="8595360" cy="91440"/>
+            <a:off x="1645920" y="2103120"/>
+            <a:ext cx="2080260" cy="1371600"/>
           </a:xfrm>
           <a:prstGeom prst="rect">
             <a:avLst/>
@@ -19228,8 +18178,8 @@
         </p:nvSpPr>
         <p:spPr>
           <a:xfrm>
-            <a:off x="1645920" y="3566160"/>
-            <a:ext cx="8595360" cy="182880"/>
+            <a:off x="1645920" y="1874520"/>
+            <a:ext cx="2080260" cy="182880"/>
           </a:xfrm>
           <a:prstGeom prst="rect">
             <a:avLst/>
@@ -19243,19 +18193,379 @@
           <a:lstStyle/>
           <a:p>
             <a:pPr algn="ctr">
-              <a:defRPr sz="900">
+              <a:defRPr sz="900" b="1">
                 <a:latin typeface="Times New Roman"/>
               </a:defRPr>
             </a:pPr>
             <a:r>
+              <a:t>7.5x</a:t>
+            </a:r>
+          </a:p>
+        </p:txBody>
+      </p:sp>
+      <p:sp>
+        <p:nvSpPr>
+          <p:cNvPr id="7" name="TextBox 6"/>
+          <p:cNvSpPr txBox="1"/>
+          <p:nvPr/>
+        </p:nvSpPr>
+        <p:spPr>
+          <a:xfrm>
+            <a:off x="1645920" y="3566160"/>
+            <a:ext cx="2080260" cy="182880"/>
+          </a:xfrm>
+          <a:prstGeom prst="rect">
+            <a:avLst/>
+          </a:prstGeom>
+          <a:noFill/>
+        </p:spPr>
+        <p:txBody>
+          <a:bodyPr wrap="none">
+            <a:spAutoFit/>
+          </a:bodyPr>
+          <a:lstStyle/>
+          <a:p>
+            <a:pPr algn="ctr">
+              <a:defRPr sz="900">
+                <a:latin typeface="Times New Roman"/>
+              </a:defRPr>
+            </a:pPr>
+            <a:r>
               <a:t>T1</a:t>
+            </a:r>
+          </a:p>
+        </p:txBody>
+      </p:sp>
+      <p:sp>
+        <p:nvSpPr>
+          <p:cNvPr id="8" name="Rectangle 7"/>
+          <p:cNvSpPr/>
+          <p:nvPr/>
+        </p:nvSpPr>
+        <p:spPr>
+          <a:xfrm>
+            <a:off x="3817620" y="2139696"/>
+            <a:ext cx="2080260" cy="1335024"/>
+          </a:xfrm>
+          <a:prstGeom prst="rect">
+            <a:avLst/>
+          </a:prstGeom>
+          <a:solidFill>
+            <a:srgbClr val="183A58"/>
+          </a:solidFill>
+          <a:ln>
+            <a:noFill/>
+          </a:ln>
+        </p:spPr>
+        <p:style>
+          <a:lnRef idx="1">
+            <a:schemeClr val="accent1"/>
+          </a:lnRef>
+          <a:fillRef idx="3">
+            <a:schemeClr val="accent1"/>
+          </a:fillRef>
+          <a:effectRef idx="2">
+            <a:schemeClr val="accent1"/>
+          </a:effectRef>
+          <a:fontRef idx="minor">
+            <a:schemeClr val="lt1"/>
+          </a:fontRef>
+        </p:style>
+        <p:txBody>
+          <a:bodyPr rtlCol="0" anchor="ctr"/>
+          <a:lstStyle/>
+          <a:p>
+            <a:pPr algn="ctr"/>
+          </a:p>
+        </p:txBody>
+      </p:sp>
+      <p:sp>
+        <p:nvSpPr>
+          <p:cNvPr id="9" name="TextBox 8"/>
+          <p:cNvSpPr txBox="1"/>
+          <p:nvPr/>
+        </p:nvSpPr>
+        <p:spPr>
+          <a:xfrm>
+            <a:off x="3817620" y="1911096"/>
+            <a:ext cx="2080260" cy="182880"/>
+          </a:xfrm>
+          <a:prstGeom prst="rect">
+            <a:avLst/>
+          </a:prstGeom>
+          <a:noFill/>
+        </p:spPr>
+        <p:txBody>
+          <a:bodyPr wrap="none">
+            <a:spAutoFit/>
+          </a:bodyPr>
+          <a:lstStyle/>
+          <a:p>
+            <a:pPr algn="ctr">
+              <a:defRPr sz="900" b="1">
+                <a:latin typeface="Times New Roman"/>
+              </a:defRPr>
+            </a:pPr>
+            <a:r>
+              <a:t>7.3x</a:t>
+            </a:r>
+          </a:p>
+        </p:txBody>
+      </p:sp>
+      <p:sp>
+        <p:nvSpPr>
+          <p:cNvPr id="10" name="TextBox 9"/>
+          <p:cNvSpPr txBox="1"/>
+          <p:nvPr/>
+        </p:nvSpPr>
+        <p:spPr>
+          <a:xfrm>
+            <a:off x="3817620" y="3566160"/>
+            <a:ext cx="2080260" cy="182880"/>
+          </a:xfrm>
+          <a:prstGeom prst="rect">
+            <a:avLst/>
+          </a:prstGeom>
+          <a:noFill/>
+        </p:spPr>
+        <p:txBody>
+          <a:bodyPr wrap="none">
+            <a:spAutoFit/>
+          </a:bodyPr>
+          <a:lstStyle/>
+          <a:p>
+            <a:pPr algn="ctr">
+              <a:defRPr sz="900">
+                <a:latin typeface="Times New Roman"/>
+              </a:defRPr>
+            </a:pPr>
+            <a:r>
+              <a:t>T2</a:t>
+            </a:r>
+          </a:p>
+        </p:txBody>
+      </p:sp>
+      <p:sp>
+        <p:nvSpPr>
+          <p:cNvPr id="11" name="Rectangle 10"/>
+          <p:cNvSpPr/>
+          <p:nvPr/>
+        </p:nvSpPr>
+        <p:spPr>
+          <a:xfrm>
+            <a:off x="5989320" y="2249425"/>
+            <a:ext cx="2080260" cy="1225295"/>
+          </a:xfrm>
+          <a:prstGeom prst="rect">
+            <a:avLst/>
+          </a:prstGeom>
+          <a:solidFill>
+            <a:srgbClr val="183A58"/>
+          </a:solidFill>
+          <a:ln>
+            <a:noFill/>
+          </a:ln>
+        </p:spPr>
+        <p:style>
+          <a:lnRef idx="1">
+            <a:schemeClr val="accent1"/>
+          </a:lnRef>
+          <a:fillRef idx="3">
+            <a:schemeClr val="accent1"/>
+          </a:fillRef>
+          <a:effectRef idx="2">
+            <a:schemeClr val="accent1"/>
+          </a:effectRef>
+          <a:fontRef idx="minor">
+            <a:schemeClr val="lt1"/>
+          </a:fontRef>
+        </p:style>
+        <p:txBody>
+          <a:bodyPr rtlCol="0" anchor="ctr"/>
+          <a:lstStyle/>
+          <a:p>
+            <a:pPr algn="ctr"/>
+          </a:p>
+        </p:txBody>
+      </p:sp>
+      <p:sp>
+        <p:nvSpPr>
+          <p:cNvPr id="12" name="TextBox 11"/>
+          <p:cNvSpPr txBox="1"/>
+          <p:nvPr/>
+        </p:nvSpPr>
+        <p:spPr>
+          <a:xfrm>
+            <a:off x="5989320" y="2020825"/>
+            <a:ext cx="2080260" cy="182880"/>
+          </a:xfrm>
+          <a:prstGeom prst="rect">
+            <a:avLst/>
+          </a:prstGeom>
+          <a:noFill/>
+        </p:spPr>
+        <p:txBody>
+          <a:bodyPr wrap="none">
+            <a:spAutoFit/>
+          </a:bodyPr>
+          <a:lstStyle/>
+          <a:p>
+            <a:pPr algn="ctr">
+              <a:defRPr sz="900" b="1">
+                <a:latin typeface="Times New Roman"/>
+              </a:defRPr>
+            </a:pPr>
+            <a:r>
+              <a:t>6.7x</a:t>
+            </a:r>
+          </a:p>
+        </p:txBody>
+      </p:sp>
+      <p:sp>
+        <p:nvSpPr>
+          <p:cNvPr id="13" name="TextBox 12"/>
+          <p:cNvSpPr txBox="1"/>
+          <p:nvPr/>
+        </p:nvSpPr>
+        <p:spPr>
+          <a:xfrm>
+            <a:off x="5989320" y="3566160"/>
+            <a:ext cx="2080260" cy="182880"/>
+          </a:xfrm>
+          <a:prstGeom prst="rect">
+            <a:avLst/>
+          </a:prstGeom>
+          <a:noFill/>
+        </p:spPr>
+        <p:txBody>
+          <a:bodyPr wrap="none">
+            <a:spAutoFit/>
+          </a:bodyPr>
+          <a:lstStyle/>
+          <a:p>
+            <a:pPr algn="ctr">
+              <a:defRPr sz="900">
+                <a:latin typeface="Times New Roman"/>
+              </a:defRPr>
+            </a:pPr>
+            <a:r>
+              <a:t>T3</a:t>
+            </a:r>
+          </a:p>
+        </p:txBody>
+      </p:sp>
+      <p:sp>
+        <p:nvSpPr>
+          <p:cNvPr id="14" name="Rectangle 13"/>
+          <p:cNvSpPr/>
+          <p:nvPr/>
+        </p:nvSpPr>
+        <p:spPr>
+          <a:xfrm>
+            <a:off x="8161020" y="2212848"/>
+            <a:ext cx="2080260" cy="1261872"/>
+          </a:xfrm>
+          <a:prstGeom prst="rect">
+            <a:avLst/>
+          </a:prstGeom>
+          <a:solidFill>
+            <a:srgbClr val="183A58"/>
+          </a:solidFill>
+          <a:ln>
+            <a:noFill/>
+          </a:ln>
+        </p:spPr>
+        <p:style>
+          <a:lnRef idx="1">
+            <a:schemeClr val="accent1"/>
+          </a:lnRef>
+          <a:fillRef idx="3">
+            <a:schemeClr val="accent1"/>
+          </a:fillRef>
+          <a:effectRef idx="2">
+            <a:schemeClr val="accent1"/>
+          </a:effectRef>
+          <a:fontRef idx="minor">
+            <a:schemeClr val="lt1"/>
+          </a:fontRef>
+        </p:style>
+        <p:txBody>
+          <a:bodyPr rtlCol="0" anchor="ctr"/>
+          <a:lstStyle/>
+          <a:p>
+            <a:pPr algn="ctr"/>
+          </a:p>
+        </p:txBody>
+      </p:sp>
+      <p:sp>
+        <p:nvSpPr>
+          <p:cNvPr id="15" name="TextBox 14"/>
+          <p:cNvSpPr txBox="1"/>
+          <p:nvPr/>
+        </p:nvSpPr>
+        <p:spPr>
+          <a:xfrm>
+            <a:off x="8161020" y="1984248"/>
+            <a:ext cx="2080260" cy="182880"/>
+          </a:xfrm>
+          <a:prstGeom prst="rect">
+            <a:avLst/>
+          </a:prstGeom>
+          <a:noFill/>
+        </p:spPr>
+        <p:txBody>
+          <a:bodyPr wrap="none">
+            <a:spAutoFit/>
+          </a:bodyPr>
+          <a:lstStyle/>
+          <a:p>
+            <a:pPr algn="ctr">
+              <a:defRPr sz="900" b="1">
+                <a:latin typeface="Times New Roman"/>
+              </a:defRPr>
+            </a:pPr>
+            <a:r>
+              <a:t>6.9x</a:t>
+            </a:r>
+          </a:p>
+        </p:txBody>
+      </p:sp>
+      <p:sp>
+        <p:nvSpPr>
+          <p:cNvPr id="16" name="TextBox 15"/>
+          <p:cNvSpPr txBox="1"/>
+          <p:nvPr/>
+        </p:nvSpPr>
+        <p:spPr>
+          <a:xfrm>
+            <a:off x="8161020" y="3566160"/>
+            <a:ext cx="2080260" cy="182880"/>
+          </a:xfrm>
+          <a:prstGeom prst="rect">
+            <a:avLst/>
+          </a:prstGeom>
+          <a:noFill/>
+        </p:spPr>
+        <p:txBody>
+          <a:bodyPr wrap="none">
+            <a:spAutoFit/>
+          </a:bodyPr>
+          <a:lstStyle/>
+          <a:p>
+            <a:pPr algn="ctr">
+              <a:defRPr sz="900">
+                <a:latin typeface="Times New Roman"/>
+              </a:defRPr>
+            </a:pPr>
+            <a:r>
+              <a:t>T4</a:t>
             </a:r>
           </a:p>
         </p:txBody>
       </p:sp>
       <p:graphicFrame>
         <p:nvGraphicFramePr>
-          <p:cNvPr id="7" name="Table 6"/>
+          <p:cNvPr id="17" name="Table 16"/>
           <p:cNvGraphicFramePr>
             <a:graphicFrameLocks noGrp="1"/>
           </p:cNvGraphicFramePr>
@@ -19462,7 +18772,7 @@
       </p:graphicFrame>
       <p:graphicFrame>
         <p:nvGraphicFramePr>
-          <p:cNvPr id="8" name="Table 7"/>
+          <p:cNvPr id="18" name="Table 17"/>
           <p:cNvGraphicFramePr>
             <a:graphicFrameLocks noGrp="1"/>
           </p:cNvGraphicFramePr>
@@ -19479,16 +18789,107 @@
                 <a:tableStyleId>{5C22544A-7EE6-4342-B048-85BDC9FD1C3A}</a:tableStyleId>
               </a:tblPr>
               <a:tblGrid>
-                <a:gridCol w="8686800"/>
+                <a:gridCol w="2171700"/>
+                <a:gridCol w="2171700"/>
+                <a:gridCol w="2171700"/>
+                <a:gridCol w="2171700"/>
               </a:tblGrid>
               <a:tr h="292608">
                 <a:tc>
                   <a:txBody>
                     <a:bodyPr/>
                     <a:lstStyle/>
-                    <a:p/>
+                    <a:p>
+                      <a:pPr algn="ctr">
+                        <a:defRPr sz="1000">
+                          <a:solidFill>
+                            <a:srgbClr val="404040"/>
+                          </a:solidFill>
+                          <a:latin typeface="Times New Roman"/>
+                        </a:defRPr>
+                      </a:pPr>
+                      <a:r>
+                        <a:t>2024</a:t>
+                      </a:r>
+                    </a:p>
                   </a:txBody>
-                  <a:tcPr/>
+                  <a:tcPr anchor="ctr" marL="45720" marR="45720" marT="27432" marB="27432">
+                    <a:solidFill>
+                      <a:srgbClr val="FFFFFF"/>
+                    </a:solidFill>
+                  </a:tcPr>
+                </a:tc>
+                <a:tc>
+                  <a:txBody>
+                    <a:bodyPr/>
+                    <a:lstStyle/>
+                    <a:p>
+                      <a:pPr algn="ctr">
+                        <a:defRPr sz="1000">
+                          <a:solidFill>
+                            <a:srgbClr val="404040"/>
+                          </a:solidFill>
+                          <a:latin typeface="Times New Roman"/>
+                        </a:defRPr>
+                      </a:pPr>
+                      <a:r>
+                        <a:t>2023</a:t>
+                      </a:r>
+                    </a:p>
+                  </a:txBody>
+                  <a:tcPr anchor="ctr" marL="45720" marR="45720" marT="27432" marB="27432">
+                    <a:solidFill>
+                      <a:srgbClr val="FFFFFF"/>
+                    </a:solidFill>
+                  </a:tcPr>
+                </a:tc>
+                <a:tc>
+                  <a:txBody>
+                    <a:bodyPr/>
+                    <a:lstStyle/>
+                    <a:p>
+                      <a:pPr algn="ctr">
+                        <a:defRPr sz="1000">
+                          <a:solidFill>
+                            <a:srgbClr val="404040"/>
+                          </a:solidFill>
+                          <a:latin typeface="Times New Roman"/>
+                        </a:defRPr>
+                      </a:pPr>
+                      <a:r>
+                        <a:t>2023</a:t>
+                      </a:r>
+                    </a:p>
+                  </a:txBody>
+                  <a:tcPr anchor="ctr" marL="45720" marR="45720" marT="27432" marB="27432">
+                    <a:solidFill>
+                      <a:srgbClr val="FFFFFF"/>
+                    </a:solidFill>
+                  </a:tcPr>
+                </a:tc>
+                <a:tc>
+                  <a:txBody>
+                    <a:bodyPr/>
+                    <a:lstStyle/>
+                    <a:p>
+                      <a:pPr algn="ctr">
+                        <a:defRPr sz="1000">
+                          <a:solidFill>
+                            <a:srgbClr val="404040"/>
+                          </a:solidFill>
+                          <a:latin typeface="Times New Roman"/>
+                        </a:defRPr>
+                      </a:pPr>
+                      <a:r>
+                        <a:t>2022</a:t>
+                      </a:r>
+                    </a:p>
+                  </a:txBody>
+                  <a:tcPr anchor="ctr" marL="45720" marR="45720" marT="27432" marB="27432">
+                    <a:solidFill>
+                      <a:srgbClr val="FFFFFF"/>
+                    </a:solidFill>
+                  </a:tcPr>
                 </a:tc>
               </a:tr>
               <a:tr h="292608">
@@ -19496,9 +18897,97 @@
                   <a:txBody>
                     <a:bodyPr/>
                     <a:lstStyle/>
-                    <a:p/>
+                    <a:p>
+                      <a:pPr algn="ctr">
+                        <a:defRPr sz="1000">
+                          <a:solidFill>
+                            <a:srgbClr val="404040"/>
+                          </a:solidFill>
+                          <a:latin typeface="Times New Roman"/>
+                        </a:defRPr>
+                      </a:pPr>
+                      <a:r>
+                        <a:t>Figma</a:t>
+                      </a:r>
+                    </a:p>
                   </a:txBody>
-                  <a:tcPr/>
+                  <a:tcPr anchor="ctr" marL="45720" marR="45720" marT="27432" marB="27432">
+                    <a:solidFill>
+                      <a:srgbClr val="FFFFFF"/>
+                    </a:solidFill>
+                  </a:tcPr>
+                </a:tc>
+                <a:tc>
+                  <a:txBody>
+                    <a:bodyPr/>
+                    <a:lstStyle/>
+                    <a:p>
+                      <a:pPr algn="ctr">
+                        <a:defRPr sz="1000">
+                          <a:solidFill>
+                            <a:srgbClr val="404040"/>
+                          </a:solidFill>
+                          <a:latin typeface="Times New Roman"/>
+                        </a:defRPr>
+                      </a:pPr>
+                      <a:r>
+                        <a:t>Mandiant</a:t>
+                      </a:r>
+                    </a:p>
+                  </a:txBody>
+                  <a:tcPr anchor="ctr" marL="45720" marR="45720" marT="27432" marB="27432">
+                    <a:solidFill>
+                      <a:srgbClr val="FFFFFF"/>
+                    </a:solidFill>
+                  </a:tcPr>
+                </a:tc>
+                <a:tc>
+                  <a:txBody>
+                    <a:bodyPr/>
+                    <a:lstStyle/>
+                    <a:p>
+                      <a:pPr algn="ctr">
+                        <a:defRPr sz="1000">
+                          <a:solidFill>
+                            <a:srgbClr val="404040"/>
+                          </a:solidFill>
+                          <a:latin typeface="Times New Roman"/>
+                        </a:defRPr>
+                      </a:pPr>
+                      <a:r>
+                        <a:t>TeamViewer</a:t>
+                      </a:r>
+                    </a:p>
+                  </a:txBody>
+                  <a:tcPr anchor="ctr" marL="45720" marR="45720" marT="27432" marB="27432">
+                    <a:solidFill>
+                      <a:srgbClr val="FFFFFF"/>
+                    </a:solidFill>
+                  </a:tcPr>
+                </a:tc>
+                <a:tc>
+                  <a:txBody>
+                    <a:bodyPr/>
+                    <a:lstStyle/>
+                    <a:p>
+                      <a:pPr algn="ctr">
+                        <a:defRPr sz="1000">
+                          <a:solidFill>
+                            <a:srgbClr val="404040"/>
+                          </a:solidFill>
+                          <a:latin typeface="Times New Roman"/>
+                        </a:defRPr>
+                      </a:pPr>
+                      <a:r>
+                        <a:t>Splunk</a:t>
+                      </a:r>
+                    </a:p>
+                  </a:txBody>
+                  <a:tcPr anchor="ctr" marL="45720" marR="45720" marT="27432" marB="27432">
+                    <a:solidFill>
+                      <a:srgbClr val="FFFFFF"/>
+                    </a:solidFill>
+                  </a:tcPr>
                 </a:tc>
               </a:tr>
               <a:tr h="292608">
@@ -19506,9 +18995,97 @@
                   <a:txBody>
                     <a:bodyPr/>
                     <a:lstStyle/>
-                    <a:p/>
+                    <a:p>
+                      <a:pPr algn="ctr">
+                        <a:defRPr sz="1000">
+                          <a:solidFill>
+                            <a:srgbClr val="404040"/>
+                          </a:solidFill>
+                          <a:latin typeface="Times New Roman"/>
+                        </a:defRPr>
+                      </a:pPr>
+                      <a:r>
+                        <a:t>Adobe</a:t>
+                      </a:r>
+                    </a:p>
                   </a:txBody>
-                  <a:tcPr/>
+                  <a:tcPr anchor="ctr" marL="45720" marR="45720" marT="27432" marB="27432">
+                    <a:solidFill>
+                      <a:srgbClr val="FFFFFF"/>
+                    </a:solidFill>
+                  </a:tcPr>
+                </a:tc>
+                <a:tc>
+                  <a:txBody>
+                    <a:bodyPr/>
+                    <a:lstStyle/>
+                    <a:p>
+                      <a:pPr algn="ctr">
+                        <a:defRPr sz="1000">
+                          <a:solidFill>
+                            <a:srgbClr val="404040"/>
+                          </a:solidFill>
+                          <a:latin typeface="Times New Roman"/>
+                        </a:defRPr>
+                      </a:pPr>
+                      <a:r>
+                        <a:t>Google</a:t>
+                      </a:r>
+                    </a:p>
+                  </a:txBody>
+                  <a:tcPr anchor="ctr" marL="45720" marR="45720" marT="27432" marB="27432">
+                    <a:solidFill>
+                      <a:srgbClr val="FFFFFF"/>
+                    </a:solidFill>
+                  </a:tcPr>
+                </a:tc>
+                <a:tc>
+                  <a:txBody>
+                    <a:bodyPr/>
+                    <a:lstStyle/>
+                    <a:p>
+                      <a:pPr algn="ctr">
+                        <a:defRPr sz="1000">
+                          <a:solidFill>
+                            <a:srgbClr val="404040"/>
+                          </a:solidFill>
+                          <a:latin typeface="Times New Roman"/>
+                        </a:defRPr>
+                      </a:pPr>
+                      <a:r>
+                        <a:t>Siemens</a:t>
+                      </a:r>
+                    </a:p>
+                  </a:txBody>
+                  <a:tcPr anchor="ctr" marL="45720" marR="45720" marT="27432" marB="27432">
+                    <a:solidFill>
+                      <a:srgbClr val="FFFFFF"/>
+                    </a:solidFill>
+                  </a:tcPr>
+                </a:tc>
+                <a:tc>
+                  <a:txBody>
+                    <a:bodyPr/>
+                    <a:lstStyle/>
+                    <a:p>
+                      <a:pPr algn="ctr">
+                        <a:defRPr sz="1000">
+                          <a:solidFill>
+                            <a:srgbClr val="404040"/>
+                          </a:solidFill>
+                          <a:latin typeface="Times New Roman"/>
+                        </a:defRPr>
+                      </a:pPr>
+                      <a:r>
+                        <a:t>Cisco</a:t>
+                      </a:r>
+                    </a:p>
+                  </a:txBody>
+                  <a:tcPr anchor="ctr" marL="45720" marR="45720" marT="27432" marB="27432">
+                    <a:solidFill>
+                      <a:srgbClr val="FFFFFF"/>
+                    </a:solidFill>
+                  </a:tcPr>
                 </a:tc>
               </a:tr>
               <a:tr h="292608">
@@ -19516,9 +19093,97 @@
                   <a:txBody>
                     <a:bodyPr/>
                     <a:lstStyle/>
-                    <a:p/>
+                    <a:p>
+                      <a:pPr algn="ctr">
+                        <a:defRPr sz="1000">
+                          <a:solidFill>
+                            <a:srgbClr val="404040"/>
+                          </a:solidFill>
+                          <a:latin typeface="Times New Roman"/>
+                        </a:defRPr>
+                      </a:pPr>
+                      <a:r>
+                        <a:t>USA</a:t>
+                      </a:r>
+                    </a:p>
                   </a:txBody>
-                  <a:tcPr/>
+                  <a:tcPr anchor="ctr" marL="45720" marR="45720" marT="27432" marB="27432">
+                    <a:solidFill>
+                      <a:srgbClr val="FFFFFF"/>
+                    </a:solidFill>
+                  </a:tcPr>
+                </a:tc>
+                <a:tc>
+                  <a:txBody>
+                    <a:bodyPr/>
+                    <a:lstStyle/>
+                    <a:p>
+                      <a:pPr algn="ctr">
+                        <a:defRPr sz="1000">
+                          <a:solidFill>
+                            <a:srgbClr val="404040"/>
+                          </a:solidFill>
+                          <a:latin typeface="Times New Roman"/>
+                        </a:defRPr>
+                      </a:pPr>
+                      <a:r>
+                        <a:t>USA</a:t>
+                      </a:r>
+                    </a:p>
+                  </a:txBody>
+                  <a:tcPr anchor="ctr" marL="45720" marR="45720" marT="27432" marB="27432">
+                    <a:solidFill>
+                      <a:srgbClr val="FFFFFF"/>
+                    </a:solidFill>
+                  </a:tcPr>
+                </a:tc>
+                <a:tc>
+                  <a:txBody>
+                    <a:bodyPr/>
+                    <a:lstStyle/>
+                    <a:p>
+                      <a:pPr algn="ctr">
+                        <a:defRPr sz="1000">
+                          <a:solidFill>
+                            <a:srgbClr val="404040"/>
+                          </a:solidFill>
+                          <a:latin typeface="Times New Roman"/>
+                        </a:defRPr>
+                      </a:pPr>
+                      <a:r>
+                        <a:t>Europe</a:t>
+                      </a:r>
+                    </a:p>
+                  </a:txBody>
+                  <a:tcPr anchor="ctr" marL="45720" marR="45720" marT="27432" marB="27432">
+                    <a:solidFill>
+                      <a:srgbClr val="FFFFFF"/>
+                    </a:solidFill>
+                  </a:tcPr>
+                </a:tc>
+                <a:tc>
+                  <a:txBody>
+                    <a:bodyPr/>
+                    <a:lstStyle/>
+                    <a:p>
+                      <a:pPr algn="ctr">
+                        <a:defRPr sz="1000">
+                          <a:solidFill>
+                            <a:srgbClr val="404040"/>
+                          </a:solidFill>
+                          <a:latin typeface="Times New Roman"/>
+                        </a:defRPr>
+                      </a:pPr>
+                      <a:r>
+                        <a:t>USA</a:t>
+                      </a:r>
+                    </a:p>
+                  </a:txBody>
+                  <a:tcPr anchor="ctr" marL="45720" marR="45720" marT="27432" marB="27432">
+                    <a:solidFill>
+                      <a:srgbClr val="FFFFFF"/>
+                    </a:solidFill>
+                  </a:tcPr>
                 </a:tc>
               </a:tr>
               <a:tr h="292608">
@@ -19526,9 +19191,97 @@
                   <a:txBody>
                     <a:bodyPr/>
                     <a:lstStyle/>
-                    <a:p/>
+                    <a:p>
+                      <a:pPr algn="ctr">
+                        <a:defRPr sz="1000">
+                          <a:solidFill>
+                            <a:srgbClr val="404040"/>
+                          </a:solidFill>
+                          <a:latin typeface="Times New Roman"/>
+                        </a:defRPr>
+                      </a:pPr>
+                      <a:r>
+                        <a:t>$1.5B</a:t>
+                      </a:r>
+                    </a:p>
                   </a:txBody>
-                  <a:tcPr/>
+                  <a:tcPr anchor="ctr" marL="45720" marR="45720" marT="27432" marB="27432">
+                    <a:solidFill>
+                      <a:srgbClr val="FFFFFF"/>
+                    </a:solidFill>
+                  </a:tcPr>
+                </a:tc>
+                <a:tc>
+                  <a:txBody>
+                    <a:bodyPr/>
+                    <a:lstStyle/>
+                    <a:p>
+                      <a:pPr algn="ctr">
+                        <a:defRPr sz="1000">
+                          <a:solidFill>
+                            <a:srgbClr val="404040"/>
+                          </a:solidFill>
+                          <a:latin typeface="Times New Roman"/>
+                        </a:defRPr>
+                      </a:pPr>
+                      <a:r>
+                        <a:t>$2.2B</a:t>
+                      </a:r>
+                    </a:p>
+                  </a:txBody>
+                  <a:tcPr anchor="ctr" marL="45720" marR="45720" marT="27432" marB="27432">
+                    <a:solidFill>
+                      <a:srgbClr val="FFFFFF"/>
+                    </a:solidFill>
+                  </a:tcPr>
+                </a:tc>
+                <a:tc>
+                  <a:txBody>
+                    <a:bodyPr/>
+                    <a:lstStyle/>
+                    <a:p>
+                      <a:pPr algn="ctr">
+                        <a:defRPr sz="1000">
+                          <a:solidFill>
+                            <a:srgbClr val="404040"/>
+                          </a:solidFill>
+                          <a:latin typeface="Times New Roman"/>
+                        </a:defRPr>
+                      </a:pPr>
+                      <a:r>
+                        <a:t>$800M</a:t>
+                      </a:r>
+                    </a:p>
+                  </a:txBody>
+                  <a:tcPr anchor="ctr" marL="45720" marR="45720" marT="27432" marB="27432">
+                    <a:solidFill>
+                      <a:srgbClr val="FFFFFF"/>
+                    </a:solidFill>
+                  </a:tcPr>
+                </a:tc>
+                <a:tc>
+                  <a:txBody>
+                    <a:bodyPr/>
+                    <a:lstStyle/>
+                    <a:p>
+                      <a:pPr algn="ctr">
+                        <a:defRPr sz="1000">
+                          <a:solidFill>
+                            <a:srgbClr val="404040"/>
+                          </a:solidFill>
+                          <a:latin typeface="Times New Roman"/>
+                        </a:defRPr>
+                      </a:pPr>
+                      <a:r>
+                        <a:t>$3.1B</a:t>
+                      </a:r>
+                    </a:p>
+                  </a:txBody>
+                  <a:tcPr anchor="ctr" marL="45720" marR="45720" marT="27432" marB="27432">
+                    <a:solidFill>
+                      <a:srgbClr val="FFFFFF"/>
+                    </a:solidFill>
+                  </a:tcPr>
                 </a:tc>
               </a:tr>
               <a:tr h="292608">
@@ -19536,9 +19289,97 @@
                   <a:txBody>
                     <a:bodyPr/>
                     <a:lstStyle/>
-                    <a:p/>
+                    <a:p>
+                      <a:pPr algn="ctr">
+                        <a:defRPr sz="1000">
+                          <a:solidFill>
+                            <a:srgbClr val="404040"/>
+                          </a:solidFill>
+                          <a:latin typeface="Times New Roman"/>
+                        </a:defRPr>
+                      </a:pPr>
+                      <a:r>
+                        <a:t>$200M</a:t>
+                      </a:r>
+                    </a:p>
                   </a:txBody>
-                  <a:tcPr/>
+                  <a:tcPr anchor="ctr" marL="45720" marR="45720" marT="27432" marB="27432">
+                    <a:solidFill>
+                      <a:srgbClr val="FFFFFF"/>
+                    </a:solidFill>
+                  </a:tcPr>
+                </a:tc>
+                <a:tc>
+                  <a:txBody>
+                    <a:bodyPr/>
+                    <a:lstStyle/>
+                    <a:p>
+                      <a:pPr algn="ctr">
+                        <a:defRPr sz="1000">
+                          <a:solidFill>
+                            <a:srgbClr val="404040"/>
+                          </a:solidFill>
+                          <a:latin typeface="Times New Roman"/>
+                        </a:defRPr>
+                      </a:pPr>
+                      <a:r>
+                        <a:t>$300M</a:t>
+                      </a:r>
+                    </a:p>
+                  </a:txBody>
+                  <a:tcPr anchor="ctr" marL="45720" marR="45720" marT="27432" marB="27432">
+                    <a:solidFill>
+                      <a:srgbClr val="FFFFFF"/>
+                    </a:solidFill>
+                  </a:tcPr>
+                </a:tc>
+                <a:tc>
+                  <a:txBody>
+                    <a:bodyPr/>
+                    <a:lstStyle/>
+                    <a:p>
+                      <a:pPr algn="ctr">
+                        <a:defRPr sz="1000">
+                          <a:solidFill>
+                            <a:srgbClr val="404040"/>
+                          </a:solidFill>
+                          <a:latin typeface="Times New Roman"/>
+                        </a:defRPr>
+                      </a:pPr>
+                      <a:r>
+                        <a:t>$120M</a:t>
+                      </a:r>
+                    </a:p>
+                  </a:txBody>
+                  <a:tcPr anchor="ctr" marL="45720" marR="45720" marT="27432" marB="27432">
+                    <a:solidFill>
+                      <a:srgbClr val="FFFFFF"/>
+                    </a:solidFill>
+                  </a:tcPr>
+                </a:tc>
+                <a:tc>
+                  <a:txBody>
+                    <a:bodyPr/>
+                    <a:lstStyle/>
+                    <a:p>
+                      <a:pPr algn="ctr">
+                        <a:defRPr sz="1000">
+                          <a:solidFill>
+                            <a:srgbClr val="404040"/>
+                          </a:solidFill>
+                          <a:latin typeface="Times New Roman"/>
+                        </a:defRPr>
+                      </a:pPr>
+                      <a:r>
+                        <a:t>$450M</a:t>
+                      </a:r>
+                    </a:p>
+                  </a:txBody>
+                  <a:tcPr anchor="ctr" marL="45720" marR="45720" marT="27432" marB="27432">
+                    <a:solidFill>
+                      <a:srgbClr val="FFFFFF"/>
+                    </a:solidFill>
+                  </a:tcPr>
                 </a:tc>
               </a:tr>
               <a:tr h="292608">
@@ -19546,15 +19387,175 @@
                   <a:txBody>
                     <a:bodyPr/>
                     <a:lstStyle/>
-                    <a:p/>
+                    <a:p>
+                      <a:pPr algn="ctr">
+                        <a:defRPr sz="1000">
+                          <a:solidFill>
+                            <a:srgbClr val="404040"/>
+                          </a:solidFill>
+                          <a:latin typeface="Times New Roman"/>
+                        </a:defRPr>
+                      </a:pPr>
+                      <a:r>
+                        <a:t>7.5x</a:t>
+                      </a:r>
+                    </a:p>
                   </a:txBody>
-                  <a:tcPr/>
+                  <a:tcPr anchor="ctr" marL="45720" marR="45720" marT="27432" marB="27432">
+                    <a:solidFill>
+                      <a:srgbClr val="FFFFFF"/>
+                    </a:solidFill>
+                  </a:tcPr>
+                </a:tc>
+                <a:tc>
+                  <a:txBody>
+                    <a:bodyPr/>
+                    <a:lstStyle/>
+                    <a:p>
+                      <a:pPr algn="ctr">
+                        <a:defRPr sz="1000">
+                          <a:solidFill>
+                            <a:srgbClr val="404040"/>
+                          </a:solidFill>
+                          <a:latin typeface="Times New Roman"/>
+                        </a:defRPr>
+                      </a:pPr>
+                      <a:r>
+                        <a:t>7.3x</a:t>
+                      </a:r>
+                    </a:p>
+                  </a:txBody>
+                  <a:tcPr anchor="ctr" marL="45720" marR="45720" marT="27432" marB="27432">
+                    <a:solidFill>
+                      <a:srgbClr val="FFFFFF"/>
+                    </a:solidFill>
+                  </a:tcPr>
+                </a:tc>
+                <a:tc>
+                  <a:txBody>
+                    <a:bodyPr/>
+                    <a:lstStyle/>
+                    <a:p>
+                      <a:pPr algn="ctr">
+                        <a:defRPr sz="1000">
+                          <a:solidFill>
+                            <a:srgbClr val="404040"/>
+                          </a:solidFill>
+                          <a:latin typeface="Times New Roman"/>
+                        </a:defRPr>
+                      </a:pPr>
+                      <a:r>
+                        <a:t>6.7x</a:t>
+                      </a:r>
+                    </a:p>
+                  </a:txBody>
+                  <a:tcPr anchor="ctr" marL="45720" marR="45720" marT="27432" marB="27432">
+                    <a:solidFill>
+                      <a:srgbClr val="FFFFFF"/>
+                    </a:solidFill>
+                  </a:tcPr>
+                </a:tc>
+                <a:tc>
+                  <a:txBody>
+                    <a:bodyPr/>
+                    <a:lstStyle/>
+                    <a:p>
+                      <a:pPr algn="ctr">
+                        <a:defRPr sz="1000">
+                          <a:solidFill>
+                            <a:srgbClr val="404040"/>
+                          </a:solidFill>
+                          <a:latin typeface="Times New Roman"/>
+                        </a:defRPr>
+                      </a:pPr>
+                      <a:r>
+                        <a:t>6.9x</a:t>
+                      </a:r>
+                    </a:p>
+                  </a:txBody>
+                  <a:tcPr anchor="ctr" marL="45720" marR="45720" marT="27432" marB="27432">
+                    <a:solidFill>
+                      <a:srgbClr val="FFFFFF"/>
+                    </a:solidFill>
+                  </a:tcPr>
                 </a:tc>
               </a:tr>
             </a:tbl>
           </a:graphicData>
         </a:graphic>
       </p:graphicFrame>
+      <p:sp>
+        <p:nvSpPr>
+          <p:cNvPr id="19" name="TextBox 18"/>
+          <p:cNvSpPr txBox="1"/>
+          <p:nvPr/>
+        </p:nvSpPr>
+        <p:spPr>
+          <a:xfrm>
+            <a:off x="457200" y="6400800"/>
+            <a:ext cx="5486400" cy="365760"/>
+          </a:xfrm>
+          <a:prstGeom prst="rect">
+            <a:avLst/>
+          </a:prstGeom>
+          <a:noFill/>
+        </p:spPr>
+        <p:txBody>
+          <a:bodyPr wrap="none">
+            <a:spAutoFit/>
+          </a:bodyPr>
+          <a:lstStyle/>
+          <a:p>
+            <a:pPr>
+              <a:defRPr sz="1000">
+                <a:solidFill>
+                  <a:srgbClr val="808080"/>
+                </a:solidFill>
+                <a:latin typeface="Times New Roman"/>
+              </a:defRPr>
+            </a:pPr>
+            <a:r>
+              <a:t>Confidential | September 2025</a:t>
+            </a:r>
+          </a:p>
+        </p:txBody>
+      </p:sp>
+      <p:sp>
+        <p:nvSpPr>
+          <p:cNvPr id="20" name="TextBox 19"/>
+          <p:cNvSpPr txBox="1"/>
+          <p:nvPr/>
+        </p:nvSpPr>
+        <p:spPr>
+          <a:xfrm>
+            <a:off x="6705295" y="6400800"/>
+            <a:ext cx="5486400" cy="365760"/>
+          </a:xfrm>
+          <a:prstGeom prst="rect">
+            <a:avLst/>
+          </a:prstGeom>
+          <a:noFill/>
+        </p:spPr>
+        <p:txBody>
+          <a:bodyPr wrap="none">
+            <a:spAutoFit/>
+          </a:bodyPr>
+          <a:lstStyle/>
+          <a:p>
+            <a:pPr algn="r">
+              <a:defRPr sz="1000">
+                <a:solidFill>
+                  <a:srgbClr val="808080"/>
+                </a:solidFill>
+                <a:latin typeface="Times New Roman"/>
+              </a:defRPr>
+            </a:pPr>
+            <a:r>
+              <a:t>Apple</a:t>
+            </a:r>
+          </a:p>
+        </p:txBody>
+      </p:sp>
     </p:spTree>
   </p:cSld>
   <p:clrMapOvr>
@@ -19603,7 +19604,7 @@
                 </a:solidFill>
                 <a:latin typeface="Times New Roman"/>
               </a:rPr>
-              <a:t>Precedent Transactions</a:t>
+              <a:t>Valuation Overview</a:t>
             </a:r>
           </a:p>
         </p:txBody>
@@ -19659,8 +19660,8 @@
         </p:nvSpPr>
         <p:spPr>
           <a:xfrm>
-            <a:off x="1828800" y="1371600"/>
-            <a:ext cx="8229600" cy="457200"/>
+            <a:off x="914400" y="1280160"/>
+            <a:ext cx="10058400" cy="274320"/>
           </a:xfrm>
           <a:prstGeom prst="rect">
             <a:avLst/>
@@ -19682,98 +19683,22 @@
               </a:defRPr>
             </a:pPr>
             <a:r>
-              <a:t>EV/Revenue Multiples by Transaction</a:t>
-            </a:r>
-          </a:p>
-        </p:txBody>
-      </p:sp>
-      <p:sp>
-        <p:nvSpPr>
-          <p:cNvPr id="5" name="Rectangle 4"/>
-          <p:cNvSpPr/>
-          <p:nvPr/>
-        </p:nvSpPr>
-        <p:spPr>
-          <a:xfrm>
-            <a:off x="1645920" y="3383280"/>
-            <a:ext cx="8595360" cy="91440"/>
-          </a:xfrm>
-          <a:prstGeom prst="rect">
-            <a:avLst/>
-          </a:prstGeom>
-          <a:solidFill>
-            <a:srgbClr val="183A58"/>
-          </a:solidFill>
-          <a:ln>
-            <a:noFill/>
-          </a:ln>
-        </p:spPr>
-        <p:style>
-          <a:lnRef idx="1">
-            <a:schemeClr val="accent1"/>
-          </a:lnRef>
-          <a:fillRef idx="3">
-            <a:schemeClr val="accent1"/>
-          </a:fillRef>
-          <a:effectRef idx="2">
-            <a:schemeClr val="accent1"/>
-          </a:effectRef>
-          <a:fontRef idx="minor">
-            <a:schemeClr val="lt1"/>
-          </a:fontRef>
-        </p:style>
-        <p:txBody>
-          <a:bodyPr rtlCol="0" anchor="ctr"/>
-          <a:lstStyle/>
-          <a:p>
-            <a:pPr algn="ctr"/>
-          </a:p>
-        </p:txBody>
-      </p:sp>
-      <p:sp>
-        <p:nvSpPr>
-          <p:cNvPr id="6" name="TextBox 5"/>
-          <p:cNvSpPr txBox="1"/>
-          <p:nvPr/>
-        </p:nvSpPr>
-        <p:spPr>
-          <a:xfrm>
-            <a:off x="1645920" y="3566160"/>
-            <a:ext cx="8595360" cy="182880"/>
-          </a:xfrm>
-          <a:prstGeom prst="rect">
-            <a:avLst/>
-          </a:prstGeom>
-          <a:noFill/>
-        </p:spPr>
-        <p:txBody>
-          <a:bodyPr wrap="none">
-            <a:spAutoFit/>
-          </a:bodyPr>
-          <a:lstStyle/>
-          <a:p>
-            <a:pPr algn="ctr">
-              <a:defRPr sz="900">
-                <a:latin typeface="Times New Roman"/>
-              </a:defRPr>
-            </a:pPr>
-            <a:r>
-              <a:t>T1</a:t>
+              <a:t>Implied EV/Revenue Multiples</a:t>
             </a:r>
           </a:p>
         </p:txBody>
       </p:sp>
       <p:graphicFrame>
         <p:nvGraphicFramePr>
-          <p:cNvPr id="7" name="Table 6"/>
+          <p:cNvPr id="5" name="Table 4"/>
           <p:cNvGraphicFramePr>
             <a:graphicFrameLocks noGrp="1"/>
           </p:cNvGraphicFramePr>
           <p:nvPr/>
         </p:nvGraphicFramePr>
         <p:xfrm>
-          <a:off x="365760" y="4389120"/>
-          <a:ext cx="1188720" cy="2048256"/>
+          <a:off x="457200" y="1645920"/>
+          <a:ext cx="11247120" cy="4114800"/>
         </p:xfrm>
         <a:graphic>
           <a:graphicData uri="http://schemas.openxmlformats.org/drawingml/2006/table">
@@ -19782,186 +19707,476 @@
                 <a:tableStyleId>{5C22544A-7EE6-4342-B048-85BDC9FD1C3A}</a:tableStyleId>
               </a:tblPr>
               <a:tblGrid>
-                <a:gridCol w="1188720"/>
+                <a:gridCol w="1828800"/>
+                <a:gridCol w="4114800"/>
+                <a:gridCol w="1828800"/>
+                <a:gridCol w="1371600"/>
+                <a:gridCol w="2103120"/>
               </a:tblGrid>
-              <a:tr h="292608">
+              <a:tr h="1028700">
                 <a:tc>
                   <a:txBody>
                     <a:bodyPr/>
                     <a:lstStyle/>
                     <a:p>
-                      <a:pPr algn="r">
-                        <a:defRPr sz="1200" b="1">
+                      <a:pPr algn="ctr"/>
+                      <a:r>
+                        <a:rPr sz="1000" b="1">
+                          <a:solidFill>
+                            <a:srgbClr val="FFFFFF"/>
+                          </a:solidFill>
+                          <a:latin typeface="Times New Roman"/>
+                        </a:rPr>
+                        <a:t>Methodology</a:t>
+                      </a:r>
+                    </a:p>
+                  </a:txBody>
+                  <a:tcPr>
+                    <a:solidFill>
+                      <a:srgbClr val="183A58"/>
+                    </a:solidFill>
+                  </a:tcPr>
+                </a:tc>
+                <a:tc>
+                  <a:txBody>
+                    <a:bodyPr/>
+                    <a:lstStyle/>
+                    <a:p>
+                      <a:pPr algn="ctr"/>
+                      <a:r>
+                        <a:rPr sz="1000" b="1">
+                          <a:solidFill>
+                            <a:srgbClr val="FFFFFF"/>
+                          </a:solidFill>
+                          <a:latin typeface="Times New Roman"/>
+                        </a:rPr>
+                        <a:t>Commentary</a:t>
+                      </a:r>
+                    </a:p>
+                  </a:txBody>
+                  <a:tcPr>
+                    <a:solidFill>
+                      <a:srgbClr val="183A58"/>
+                    </a:solidFill>
+                  </a:tcPr>
+                </a:tc>
+                <a:tc>
+                  <a:txBody>
+                    <a:bodyPr/>
+                    <a:lstStyle/>
+                    <a:p>
+                      <a:pPr algn="ctr"/>
+                      <a:r>
+                        <a:rPr sz="1000" b="1">
+                          <a:solidFill>
+                            <a:srgbClr val="FFFFFF"/>
+                          </a:solidFill>
+                          <a:latin typeface="Times New Roman"/>
+                        </a:rPr>
+                        <a:t>Enterprise Value</a:t>
+                      </a:r>
+                    </a:p>
+                  </a:txBody>
+                  <a:tcPr>
+                    <a:solidFill>
+                      <a:srgbClr val="183A58"/>
+                    </a:solidFill>
+                  </a:tcPr>
+                </a:tc>
+                <a:tc>
+                  <a:txBody>
+                    <a:bodyPr/>
+                    <a:lstStyle/>
+                    <a:p>
+                      <a:pPr algn="ctr"/>
+                      <a:r>
+                        <a:rPr sz="1000" b="1">
+                          <a:solidFill>
+                            <a:srgbClr val="FFFFFF"/>
+                          </a:solidFill>
+                          <a:latin typeface="Times New Roman"/>
+                        </a:rPr>
+                        <a:t>Metric</a:t>
+                      </a:r>
+                    </a:p>
+                  </a:txBody>
+                  <a:tcPr>
+                    <a:solidFill>
+                      <a:srgbClr val="183A58"/>
+                    </a:solidFill>
+                  </a:tcPr>
+                </a:tc>
+                <a:tc>
+                  <a:txBody>
+                    <a:bodyPr/>
+                    <a:lstStyle/>
+                    <a:p>
+                      <a:pPr algn="ctr"/>
+                      <a:r>
+                        <a:rPr sz="1000" b="1">
+                          <a:solidFill>
+                            <a:srgbClr val="FFFFFF"/>
+                          </a:solidFill>
+                          <a:latin typeface="Times New Roman"/>
+                        </a:rPr>
+                        <a:t>22A' / 23E (Rev)</a:t>
+                      </a:r>
+                    </a:p>
+                  </a:txBody>
+                  <a:tcPr>
+                    <a:solidFill>
+                      <a:srgbClr val="183A58"/>
+                    </a:solidFill>
+                  </a:tcPr>
+                </a:tc>
+              </a:tr>
+              <a:tr h="1028700">
+                <a:tc>
+                  <a:txBody>
+                    <a:bodyPr/>
+                    <a:lstStyle/>
+                    <a:p>
+                      <a:pPr algn="ctr"/>
+                      <a:r>
+                        <a:rPr sz="900">
                           <a:solidFill>
                             <a:srgbClr val="404040"/>
                           </a:solidFill>
                           <a:latin typeface="Times New Roman"/>
-                        </a:defRPr>
-                      </a:pPr>
-                      <a:r>
-                        <a:t>Date</a:t>
+                        </a:rPr>
+                        <a:t>DCF Analysis</a:t>
                       </a:r>
                     </a:p>
                   </a:txBody>
-                  <a:tcPr anchor="ctr">
+                  <a:tcPr>
                     <a:solidFill>
                       <a:srgbClr val="F0F0F0"/>
                     </a:solidFill>
                   </a:tcPr>
                 </a:tc>
-              </a:tr>
-              <a:tr h="292608">
                 <a:tc>
                   <a:txBody>
                     <a:bodyPr/>
                     <a:lstStyle/>
                     <a:p>
-                      <a:pPr algn="r">
-                        <a:defRPr sz="1200" b="1">
+                      <a:pPr algn="l"/>
+                      <a:r>
+                        <a:rPr sz="900">
                           <a:solidFill>
                             <a:srgbClr val="404040"/>
                           </a:solidFill>
                           <a:latin typeface="Times New Roman"/>
-                        </a:defRPr>
-                      </a:pPr>
-                      <a:r>
-                        <a:t>Target</a:t>
+                        </a:rPr>
+                        <a:t>Discounted cash flow based on projected revenues and margins</a:t>
                       </a:r>
                     </a:p>
                   </a:txBody>
-                  <a:tcPr anchor="ctr">
+                  <a:tcPr>
+                    <a:solidFill>
+                      <a:srgbClr val="FFFFFF"/>
+                    </a:solidFill>
+                  </a:tcPr>
+                </a:tc>
+                <a:tc>
+                  <a:txBody>
+                    <a:bodyPr/>
+                    <a:lstStyle/>
+                    <a:p>
+                      <a:pPr algn="ctr"/>
+                      <a:r>
+                        <a:rPr sz="900">
+                          <a:solidFill>
+                            <a:srgbClr val="404040"/>
+                          </a:solidFill>
+                          <a:latin typeface="Times New Roman"/>
+                        </a:rPr>
+                        <a:t>$2.5B-$3.0B</a:t>
+                      </a:r>
+                    </a:p>
+                  </a:txBody>
+                  <a:tcPr>
+                    <a:solidFill>
+                      <a:srgbClr val="FFFFFF"/>
+                    </a:solidFill>
+                  </a:tcPr>
+                </a:tc>
+                <a:tc>
+                  <a:txBody>
+                    <a:bodyPr/>
+                    <a:lstStyle/>
+                    <a:p>
+                      <a:pPr algn="ctr"/>
+                      <a:r>
+                        <a:rPr sz="900">
+                          <a:solidFill>
+                            <a:srgbClr val="404040"/>
+                          </a:solidFill>
+                          <a:latin typeface="Times New Roman"/>
+                        </a:rPr>
+                        <a:t>NPV</a:t>
+                      </a:r>
+                    </a:p>
+                  </a:txBody>
+                  <a:tcPr>
+                    <a:solidFill>
+                      <a:srgbClr val="FFFFFF"/>
+                    </a:solidFill>
+                  </a:tcPr>
+                </a:tc>
+                <a:tc>
+                  <a:txBody>
+                    <a:bodyPr/>
+                    <a:lstStyle/>
+                    <a:p>
+                      <a:pPr algn="ctr"/>
+                      <a:r>
+                        <a:rPr sz="900">
+                          <a:solidFill>
+                            <a:srgbClr val="404040"/>
+                          </a:solidFill>
+                          <a:latin typeface="Times New Roman"/>
+                        </a:rPr>
+                        <a:t>NoneNone</a:t>
+                      </a:r>
+                    </a:p>
+                  </a:txBody>
+                  <a:tcPr>
+                    <a:solidFill>
+                      <a:srgbClr val="FFFFFF"/>
+                    </a:solidFill>
+                  </a:tcPr>
+                </a:tc>
+              </a:tr>
+              <a:tr h="1028700">
+                <a:tc>
+                  <a:txBody>
+                    <a:bodyPr/>
+                    <a:lstStyle/>
+                    <a:p>
+                      <a:pPr algn="ctr"/>
+                      <a:r>
+                        <a:rPr sz="900">
+                          <a:solidFill>
+                            <a:srgbClr val="404040"/>
+                          </a:solidFill>
+                          <a:latin typeface="Times New Roman"/>
+                        </a:rPr>
+                        <a:t>Trading Multiples</a:t>
+                      </a:r>
+                    </a:p>
+                  </a:txBody>
+                  <a:tcPr>
                     <a:solidFill>
                       <a:srgbClr val="F0F0F0"/>
                     </a:solidFill>
                   </a:tcPr>
                 </a:tc>
-              </a:tr>
-              <a:tr h="292608">
                 <a:tc>
                   <a:txBody>
                     <a:bodyPr/>
                     <a:lstStyle/>
                     <a:p>
-                      <a:pPr algn="r">
-                        <a:defRPr sz="1200" b="1">
+                      <a:pPr algn="l"/>
+                      <a:r>
+                        <a:rPr sz="900">
                           <a:solidFill>
                             <a:srgbClr val="404040"/>
                           </a:solidFill>
                           <a:latin typeface="Times New Roman"/>
-                        </a:defRPr>
-                      </a:pPr>
-                      <a:r>
-                        <a:t>Acquirer</a:t>
+                        </a:rPr>
+                        <a:t>Based on public company trading comparables</a:t>
                       </a:r>
                     </a:p>
                   </a:txBody>
-                  <a:tcPr anchor="ctr">
+                  <a:tcPr>
+                    <a:solidFill>
+                      <a:srgbClr val="FFFFFF"/>
+                    </a:solidFill>
+                  </a:tcPr>
+                </a:tc>
+                <a:tc>
+                  <a:txBody>
+                    <a:bodyPr/>
+                    <a:lstStyle/>
+                    <a:p>
+                      <a:pPr algn="ctr"/>
+                      <a:r>
+                        <a:rPr sz="900">
+                          <a:solidFill>
+                            <a:srgbClr val="404040"/>
+                          </a:solidFill>
+                          <a:latin typeface="Times New Roman"/>
+                        </a:rPr>
+                        <a:t>$2.8B-$3.5B</a:t>
+                      </a:r>
+                    </a:p>
+                  </a:txBody>
+                  <a:tcPr>
+                    <a:solidFill>
+                      <a:srgbClr val="FFFFFF"/>
+                    </a:solidFill>
+                  </a:tcPr>
+                </a:tc>
+                <a:tc>
+                  <a:txBody>
+                    <a:bodyPr/>
+                    <a:lstStyle/>
+                    <a:p>
+                      <a:pPr algn="ctr"/>
+                      <a:r>
+                        <a:rPr sz="900">
+                          <a:solidFill>
+                            <a:srgbClr val="404040"/>
+                          </a:solidFill>
+                          <a:latin typeface="Times New Roman"/>
+                        </a:rPr>
+                        <a:t>EV/Revenue</a:t>
+                      </a:r>
+                    </a:p>
+                  </a:txBody>
+                  <a:tcPr>
+                    <a:solidFill>
+                      <a:srgbClr val="FFFFFF"/>
+                    </a:solidFill>
+                  </a:tcPr>
+                </a:tc>
+                <a:tc>
+                  <a:txBody>
+                    <a:bodyPr/>
+                    <a:lstStyle/>
+                    <a:p>
+                      <a:pPr algn="ctr"/>
+                      <a:r>
+                        <a:rPr sz="900">
+                          <a:solidFill>
+                            <a:srgbClr val="404040"/>
+                          </a:solidFill>
+                          <a:latin typeface="Times New Roman"/>
+                        </a:rPr>
+                        <a:t>15.2x / 12.1x</a:t>
+                      </a:r>
+                    </a:p>
+                  </a:txBody>
+                  <a:tcPr>
+                    <a:solidFill>
+                      <a:srgbClr val="FFFFFF"/>
+                    </a:solidFill>
+                  </a:tcPr>
+                </a:tc>
+              </a:tr>
+              <a:tr h="1028700">
+                <a:tc>
+                  <a:txBody>
+                    <a:bodyPr/>
+                    <a:lstStyle/>
+                    <a:p>
+                      <a:pPr algn="ctr"/>
+                      <a:r>
+                        <a:rPr sz="900">
+                          <a:solidFill>
+                            <a:srgbClr val="404040"/>
+                          </a:solidFill>
+                          <a:latin typeface="Times New Roman"/>
+                        </a:rPr>
+                        <a:t>Precedent Transactions</a:t>
+                      </a:r>
+                    </a:p>
+                  </a:txBody>
+                  <a:tcPr>
                     <a:solidFill>
                       <a:srgbClr val="F0F0F0"/>
                     </a:solidFill>
                   </a:tcPr>
                 </a:tc>
-              </a:tr>
-              <a:tr h="292608">
                 <a:tc>
                   <a:txBody>
                     <a:bodyPr/>
                     <a:lstStyle/>
                     <a:p>
-                      <a:pPr algn="r">
-                        <a:defRPr sz="1200" b="1">
+                      <a:pPr algn="l"/>
+                      <a:r>
+                        <a:rPr sz="900">
                           <a:solidFill>
                             <a:srgbClr val="404040"/>
                           </a:solidFill>
                           <a:latin typeface="Times New Roman"/>
-                        </a:defRPr>
-                      </a:pPr>
-                      <a:r>
-                        <a:t>Country</a:t>
+                        </a:rPr>
+                        <a:t>Based on recent M&amp;A transactions in the industry</a:t>
                       </a:r>
                     </a:p>
                   </a:txBody>
-                  <a:tcPr anchor="ctr">
+                  <a:tcPr>
                     <a:solidFill>
-                      <a:srgbClr val="F0F0F0"/>
+                      <a:srgbClr val="FFFFFF"/>
                     </a:solidFill>
                   </a:tcPr>
                 </a:tc>
-              </a:tr>
-              <a:tr h="292608">
                 <a:tc>
                   <a:txBody>
                     <a:bodyPr/>
                     <a:lstStyle/>
                     <a:p>
-                      <a:pPr algn="r">
-                        <a:defRPr sz="1200" b="1">
+                      <a:pPr algn="ctr"/>
+                      <a:r>
+                        <a:rPr sz="900">
                           <a:solidFill>
                             <a:srgbClr val="404040"/>
                           </a:solidFill>
                           <a:latin typeface="Times New Roman"/>
-                        </a:defRPr>
-                      </a:pPr>
-                      <a:r>
-                        <a:t>EV ($M)</a:t>
+                        </a:rPr>
+                        <a:t>$3.0B-$3.8B</a:t>
                       </a:r>
                     </a:p>
                   </a:txBody>
-                  <a:tcPr anchor="ctr">
+                  <a:tcPr>
                     <a:solidFill>
-                      <a:srgbClr val="F0F0F0"/>
+                      <a:srgbClr val="FFFFFF"/>
                     </a:solidFill>
                   </a:tcPr>
                 </a:tc>
-              </a:tr>
-              <a:tr h="292608">
                 <a:tc>
                   <a:txBody>
                     <a:bodyPr/>
                     <a:lstStyle/>
                     <a:p>
-                      <a:pPr algn="r">
-                        <a:defRPr sz="1200" b="1">
+                      <a:pPr algn="ctr"/>
+                      <a:r>
+                        <a:rPr sz="900">
                           <a:solidFill>
                             <a:srgbClr val="404040"/>
                           </a:solidFill>
                           <a:latin typeface="Times New Roman"/>
-                        </a:defRPr>
-                      </a:pPr>
-                      <a:r>
-                        <a:t>Revenue ($M)</a:t>
+                        </a:rPr>
+                        <a:t>EV/Revenue</a:t>
                       </a:r>
                     </a:p>
                   </a:txBody>
-                  <a:tcPr anchor="ctr">
+                  <a:tcPr>
                     <a:solidFill>
-                      <a:srgbClr val="F0F0F0"/>
+                      <a:srgbClr val="FFFFFF"/>
                     </a:solidFill>
                   </a:tcPr>
                 </a:tc>
-              </a:tr>
-              <a:tr h="292608">
                 <a:tc>
                   <a:txBody>
                     <a:bodyPr/>
                     <a:lstStyle/>
                     <a:p>
-                      <a:pPr algn="r">
-                        <a:defRPr sz="1200" b="1">
+                      <a:pPr algn="ctr"/>
+                      <a:r>
+                        <a:rPr sz="900">
                           <a:solidFill>
                             <a:srgbClr val="404040"/>
                           </a:solidFill>
                           <a:latin typeface="Times New Roman"/>
-                        </a:defRPr>
-                      </a:pPr>
-                      <a:r>
-                        <a:t>EV/Revenue</a:t>
+                        </a:rPr>
+                        <a:t>18.5xNone</a:t>
                       </a:r>
                     </a:p>
                   </a:txBody>
-                  <a:tcPr anchor="ctr">
+                  <a:tcPr>
                     <a:solidFill>
-                      <a:srgbClr val="F0F0F0"/>
+                      <a:srgbClr val="FFFFFF"/>
                     </a:solidFill>
                   </a:tcPr>
                 </a:tc>
@@ -19970,101 +20185,78 @@
           </a:graphicData>
         </a:graphic>
       </p:graphicFrame>
-      <p:graphicFrame>
-        <p:nvGraphicFramePr>
-          <p:cNvPr id="8" name="Table 7"/>
-          <p:cNvGraphicFramePr>
-            <a:graphicFrameLocks noGrp="1"/>
-          </p:cNvGraphicFramePr>
-          <p:nvPr/>
-        </p:nvGraphicFramePr>
-        <p:xfrm>
-          <a:off x="1600200" y="4389120"/>
-          <a:ext cx="8686800" cy="2048256"/>
-        </p:xfrm>
-        <a:graphic>
-          <a:graphicData uri="http://schemas.openxmlformats.org/drawingml/2006/table">
-            <a:tbl>
-              <a:tblPr firstRow="1" bandRow="1">
-                <a:tableStyleId>{5C22544A-7EE6-4342-B048-85BDC9FD1C3A}</a:tableStyleId>
-              </a:tblPr>
-              <a:tblGrid>
-                <a:gridCol w="8686800"/>
-              </a:tblGrid>
-              <a:tr h="292608">
-                <a:tc>
-                  <a:txBody>
-                    <a:bodyPr/>
-                    <a:lstStyle/>
-                    <a:p/>
-                  </a:txBody>
-                  <a:tcPr/>
-                </a:tc>
-              </a:tr>
-              <a:tr h="292608">
-                <a:tc>
-                  <a:txBody>
-                    <a:bodyPr/>
-                    <a:lstStyle/>
-                    <a:p/>
-                  </a:txBody>
-                  <a:tcPr/>
-                </a:tc>
-              </a:tr>
-              <a:tr h="292608">
-                <a:tc>
-                  <a:txBody>
-                    <a:bodyPr/>
-                    <a:lstStyle/>
-                    <a:p/>
-                  </a:txBody>
-                  <a:tcPr/>
-                </a:tc>
-              </a:tr>
-              <a:tr h="292608">
-                <a:tc>
-                  <a:txBody>
-                    <a:bodyPr/>
-                    <a:lstStyle/>
-                    <a:p/>
-                  </a:txBody>
-                  <a:tcPr/>
-                </a:tc>
-              </a:tr>
-              <a:tr h="292608">
-                <a:tc>
-                  <a:txBody>
-                    <a:bodyPr/>
-                    <a:lstStyle/>
-                    <a:p/>
-                  </a:txBody>
-                  <a:tcPr/>
-                </a:tc>
-              </a:tr>
-              <a:tr h="292608">
-                <a:tc>
-                  <a:txBody>
-                    <a:bodyPr/>
-                    <a:lstStyle/>
-                    <a:p/>
-                  </a:txBody>
-                  <a:tcPr/>
-                </a:tc>
-              </a:tr>
-              <a:tr h="292608">
-                <a:tc>
-                  <a:txBody>
-                    <a:bodyPr/>
-                    <a:lstStyle/>
-                    <a:p/>
-                  </a:txBody>
-                  <a:tcPr/>
-                </a:tc>
-              </a:tr>
-            </a:tbl>
-          </a:graphicData>
-        </a:graphic>
-      </p:graphicFrame>
+      <p:sp>
+        <p:nvSpPr>
+          <p:cNvPr id="6" name="TextBox 5"/>
+          <p:cNvSpPr txBox="1"/>
+          <p:nvPr/>
+        </p:nvSpPr>
+        <p:spPr>
+          <a:xfrm>
+            <a:off x="457200" y="6400800"/>
+            <a:ext cx="5486400" cy="365760"/>
+          </a:xfrm>
+          <a:prstGeom prst="rect">
+            <a:avLst/>
+          </a:prstGeom>
+          <a:noFill/>
+        </p:spPr>
+        <p:txBody>
+          <a:bodyPr wrap="none">
+            <a:spAutoFit/>
+          </a:bodyPr>
+          <a:lstStyle/>
+          <a:p>
+            <a:pPr algn="l">
+              <a:defRPr sz="800">
+                <a:solidFill>
+                  <a:srgbClr val="808080"/>
+                </a:solidFill>
+                <a:latin typeface="Times New Roman"/>
+              </a:defRPr>
+            </a:pPr>
+            <a:r>
+              <a:t>Confidential | September 2025</a:t>
+            </a:r>
+          </a:p>
+        </p:txBody>
+      </p:sp>
+      <p:sp>
+        <p:nvSpPr>
+          <p:cNvPr id="7" name="TextBox 6"/>
+          <p:cNvSpPr txBox="1"/>
+          <p:nvPr/>
+        </p:nvSpPr>
+        <p:spPr>
+          <a:xfrm>
+            <a:off x="6705295" y="6400800"/>
+            <a:ext cx="5486400" cy="365760"/>
+          </a:xfrm>
+          <a:prstGeom prst="rect">
+            <a:avLst/>
+          </a:prstGeom>
+          <a:noFill/>
+        </p:spPr>
+        <p:txBody>
+          <a:bodyPr wrap="none">
+            <a:spAutoFit/>
+          </a:bodyPr>
+          <a:lstStyle/>
+          <a:p>
+            <a:pPr algn="r">
+              <a:defRPr sz="800">
+                <a:solidFill>
+                  <a:srgbClr val="808080"/>
+                </a:solidFill>
+                <a:latin typeface="Times New Roman"/>
+              </a:defRPr>
+            </a:pPr>
+            <a:r>
+              <a:t>Apple</a:t>
+            </a:r>
+          </a:p>
+        </p:txBody>
+      </p:sp>
     </p:spTree>
   </p:cSld>
   <p:clrMapOvr>
@@ -20113,7 +20305,7 @@
                 </a:solidFill>
                 <a:latin typeface="Times New Roman"/>
               </a:rPr>
-              <a:t>Precedent Transactions</a:t>
+              <a:t>Strategic Buyer Profiles</a:t>
             </a:r>
           </a:p>
         </p:txBody>
@@ -20161,129 +20353,17 @@
           </a:p>
         </p:txBody>
       </p:sp>
-      <p:sp>
-        <p:nvSpPr>
-          <p:cNvPr id="4" name="TextBox 3"/>
-          <p:cNvSpPr txBox="1"/>
-          <p:nvPr/>
-        </p:nvSpPr>
-        <p:spPr>
-          <a:xfrm>
-            <a:off x="1828800" y="1371600"/>
-            <a:ext cx="8229600" cy="457200"/>
-          </a:xfrm>
-          <a:prstGeom prst="rect">
-            <a:avLst/>
-          </a:prstGeom>
-          <a:noFill/>
-        </p:spPr>
-        <p:txBody>
-          <a:bodyPr wrap="none">
-            <a:spAutoFit/>
-          </a:bodyPr>
-          <a:lstStyle/>
-          <a:p>
-            <a:pPr algn="ctr">
-              <a:defRPr sz="1400" b="1">
-                <a:solidFill>
-                  <a:srgbClr val="183A58"/>
-                </a:solidFill>
-                <a:latin typeface="Times New Roman"/>
-              </a:defRPr>
-            </a:pPr>
-            <a:r>
-              <a:t>EV/Revenue Multiples by Transaction</a:t>
-            </a:r>
-          </a:p>
-        </p:txBody>
-      </p:sp>
-      <p:sp>
-        <p:nvSpPr>
-          <p:cNvPr id="5" name="Rectangle 4"/>
-          <p:cNvSpPr/>
-          <p:nvPr/>
-        </p:nvSpPr>
-        <p:spPr>
-          <a:xfrm>
-            <a:off x="1645920" y="3383280"/>
-            <a:ext cx="8595360" cy="91440"/>
-          </a:xfrm>
-          <a:prstGeom prst="rect">
-            <a:avLst/>
-          </a:prstGeom>
-          <a:solidFill>
-            <a:srgbClr val="183A58"/>
-          </a:solidFill>
-          <a:ln>
-            <a:noFill/>
-          </a:ln>
-        </p:spPr>
-        <p:style>
-          <a:lnRef idx="1">
-            <a:schemeClr val="accent1"/>
-          </a:lnRef>
-          <a:fillRef idx="3">
-            <a:schemeClr val="accent1"/>
-          </a:fillRef>
-          <a:effectRef idx="2">
-            <a:schemeClr val="accent1"/>
-          </a:effectRef>
-          <a:fontRef idx="minor">
-            <a:schemeClr val="lt1"/>
-          </a:fontRef>
-        </p:style>
-        <p:txBody>
-          <a:bodyPr rtlCol="0" anchor="ctr"/>
-          <a:lstStyle/>
-          <a:p>
-            <a:pPr algn="ctr"/>
-          </a:p>
-        </p:txBody>
-      </p:sp>
-      <p:sp>
-        <p:nvSpPr>
-          <p:cNvPr id="6" name="TextBox 5"/>
-          <p:cNvSpPr txBox="1"/>
-          <p:nvPr/>
-        </p:nvSpPr>
-        <p:spPr>
-          <a:xfrm>
-            <a:off x="1645920" y="3566160"/>
-            <a:ext cx="8595360" cy="182880"/>
-          </a:xfrm>
-          <a:prstGeom prst="rect">
-            <a:avLst/>
-          </a:prstGeom>
-          <a:noFill/>
-        </p:spPr>
-        <p:txBody>
-          <a:bodyPr wrap="none">
-            <a:spAutoFit/>
-          </a:bodyPr>
-          <a:lstStyle/>
-          <a:p>
-            <a:pPr algn="ctr">
-              <a:defRPr sz="900">
-                <a:latin typeface="Times New Roman"/>
-              </a:defRPr>
-            </a:pPr>
-            <a:r>
-              <a:t>T1</a:t>
-            </a:r>
-          </a:p>
-        </p:txBody>
-      </p:sp>
       <p:graphicFrame>
         <p:nvGraphicFramePr>
-          <p:cNvPr id="7" name="Table 6"/>
+          <p:cNvPr id="4" name="Table 3"/>
           <p:cNvGraphicFramePr>
             <a:graphicFrameLocks noGrp="1"/>
           </p:cNvGraphicFramePr>
           <p:nvPr/>
         </p:nvGraphicFramePr>
         <p:xfrm>
-          <a:off x="365760" y="4389120"/>
-          <a:ext cx="1188720" cy="2048256"/>
+          <a:off x="457200" y="1463040"/>
+          <a:ext cx="10515600" cy="2743200"/>
         </p:xfrm>
         <a:graphic>
           <a:graphicData uri="http://schemas.openxmlformats.org/drawingml/2006/table">
@@ -20292,184 +20372,591 @@
                 <a:tableStyleId>{5C22544A-7EE6-4342-B048-85BDC9FD1C3A}</a:tableStyleId>
               </a:tblPr>
               <a:tblGrid>
-                <a:gridCol w="1188720"/>
+                <a:gridCol w="2560320"/>
+                <a:gridCol w="2286000"/>
+                <a:gridCol w="2286000"/>
+                <a:gridCol w="2011680"/>
+                <a:gridCol w="1371600"/>
               </a:tblGrid>
-              <a:tr h="292608">
+              <a:tr h="548640">
                 <a:tc>
                   <a:txBody>
                     <a:bodyPr/>
                     <a:lstStyle/>
                     <a:p>
-                      <a:pPr algn="r">
-                        <a:defRPr sz="1200" b="1">
+                      <a:pPr algn="ctr"/>
+                      <a:r>
+                        <a:rPr sz="1200" b="1">
+                          <a:solidFill>
+                            <a:srgbClr val="FFFFFF"/>
+                          </a:solidFill>
+                          <a:latin typeface="Times New Roman"/>
+                        </a:rPr>
+                        <a:t>Buyer Name</a:t>
+                      </a:r>
+                    </a:p>
+                  </a:txBody>
+                  <a:tcPr marL="45720" marR="45720" marT="45720" marB="45720">
+                    <a:solidFill>
+                      <a:srgbClr val="183A58"/>
+                    </a:solidFill>
+                  </a:tcPr>
+                </a:tc>
+                <a:tc>
+                  <a:txBody>
+                    <a:bodyPr/>
+                    <a:lstStyle/>
+                    <a:p>
+                      <a:pPr algn="ctr"/>
+                      <a:r>
+                        <a:rPr sz="1200" b="1">
+                          <a:solidFill>
+                            <a:srgbClr val="FFFFFF"/>
+                          </a:solidFill>
+                          <a:latin typeface="Times New Roman"/>
+                        </a:rPr>
+                        <a:t>Description</a:t>
+                      </a:r>
+                    </a:p>
+                  </a:txBody>
+                  <a:tcPr marL="45720" marR="45720" marT="45720" marB="45720">
+                    <a:solidFill>
+                      <a:srgbClr val="183A58"/>
+                    </a:solidFill>
+                  </a:tcPr>
+                </a:tc>
+                <a:tc>
+                  <a:txBody>
+                    <a:bodyPr/>
+                    <a:lstStyle/>
+                    <a:p>
+                      <a:pPr algn="ctr"/>
+                      <a:r>
+                        <a:rPr sz="1200" b="1">
+                          <a:solidFill>
+                            <a:srgbClr val="FFFFFF"/>
+                          </a:solidFill>
+                          <a:latin typeface="Times New Roman"/>
+                        </a:rPr>
+                        <a:t>Strategic Rationale</a:t>
+                      </a:r>
+                    </a:p>
+                  </a:txBody>
+                  <a:tcPr marL="45720" marR="45720" marT="45720" marB="45720">
+                    <a:solidFill>
+                      <a:srgbClr val="183A58"/>
+                    </a:solidFill>
+                  </a:tcPr>
+                </a:tc>
+                <a:tc>
+                  <a:txBody>
+                    <a:bodyPr/>
+                    <a:lstStyle/>
+                    <a:p>
+                      <a:pPr algn="ctr"/>
+                      <a:r>
+                        <a:rPr sz="1200" b="1">
+                          <a:solidFill>
+                            <a:srgbClr val="FFFFFF"/>
+                          </a:solidFill>
+                          <a:latin typeface="Times New Roman"/>
+                        </a:rPr>
+                        <a:t>Key Synergies</a:t>
+                      </a:r>
+                    </a:p>
+                  </a:txBody>
+                  <a:tcPr marL="45720" marR="45720" marT="45720" marB="45720">
+                    <a:solidFill>
+                      <a:srgbClr val="183A58"/>
+                    </a:solidFill>
+                  </a:tcPr>
+                </a:tc>
+                <a:tc>
+                  <a:txBody>
+                    <a:bodyPr/>
+                    <a:lstStyle/>
+                    <a:p>
+                      <a:pPr algn="ctr"/>
+                      <a:r>
+                        <a:rPr sz="1200" b="1">
+                          <a:solidFill>
+                            <a:srgbClr val="FFFFFF"/>
+                          </a:solidFill>
+                          <a:latin typeface="Times New Roman"/>
+                        </a:rPr>
+                        <a:t>Fit</a:t>
+                      </a:r>
+                    </a:p>
+                  </a:txBody>
+                  <a:tcPr marL="45720" marR="45720" marT="45720" marB="45720">
+                    <a:solidFill>
+                      <a:srgbClr val="183A58"/>
+                    </a:solidFill>
+                  </a:tcPr>
+                </a:tc>
+              </a:tr>
+              <a:tr h="548640">
+                <a:tc>
+                  <a:txBody>
+                    <a:bodyPr wrap="square"/>
+                    <a:lstStyle/>
+                    <a:p>
+                      <a:pPr algn="l"/>
+                      <a:r>
+                        <a:rPr sz="1100" b="1">
                           <a:solidFill>
                             <a:srgbClr val="404040"/>
                           </a:solidFill>
                           <a:latin typeface="Times New Roman"/>
-                        </a:defRPr>
-                      </a:pPr>
-                      <a:r>
-                        <a:t>Date</a:t>
+                        </a:rPr>
+                        <a:t>Microsoft Corporation</a:t>
                       </a:r>
                     </a:p>
                   </a:txBody>
-                  <a:tcPr anchor="ctr">
+                  <a:tcPr marL="45720" marR="45720" marT="45720" marB="45720">
+                    <a:solidFill>
+                      <a:srgbClr val="FFFFFF"/>
+                    </a:solidFill>
+                  </a:tcPr>
+                </a:tc>
+                <a:tc>
+                  <a:txBody>
+                    <a:bodyPr wrap="square"/>
+                    <a:lstStyle/>
+                    <a:p>
+                      <a:pPr algn="l"/>
+                      <a:r>
+                        <a:rPr sz="1100">
+                          <a:solidFill>
+                            <a:srgbClr val="404040"/>
+                          </a:solidFill>
+                          <a:latin typeface="Times New Roman"/>
+                        </a:rPr>
+                        <a:t>Global technology leader specializing in software, cloud computing, and hardware solutions.</a:t>
+                      </a:r>
+                    </a:p>
+                  </a:txBody>
+                  <a:tcPr marL="45720" marR="45720" marT="45720" marB="45720">
+                    <a:solidFill>
+                      <a:srgbClr val="FFFFFF"/>
+                    </a:solidFill>
+                  </a:tcPr>
+                </a:tc>
+                <a:tc>
+                  <a:txBody>
+                    <a:bodyPr wrap="square"/>
+                    <a:lstStyle/>
+                    <a:p>
+                      <a:pPr algn="l"/>
+                      <a:r>
+                        <a:rPr sz="1100">
+                          <a:solidFill>
+                            <a:srgbClr val="404040"/>
+                          </a:solidFill>
+                          <a:latin typeface="Times New Roman"/>
+                        </a:rPr>
+                        <a:t>Acquiring Apple would consolidate Microsoft's dominance in consumer and enterprise technology, expand its hardware footprint, and create the largest ecosystem of devices and services.</a:t>
+                      </a:r>
+                    </a:p>
+                  </a:txBody>
+                  <a:tcPr marL="45720" marR="45720" marT="45720" marB="45720">
+                    <a:solidFill>
+                      <a:srgbClr val="FFFFFF"/>
+                    </a:solidFill>
+                  </a:tcPr>
+                </a:tc>
+                <a:tc>
+                  <a:txBody>
+                    <a:bodyPr wrap="square"/>
+                    <a:lstStyle/>
+                    <a:p>
+                      <a:pPr algn="l"/>
+                      <a:r>
+                        <a:rPr sz="1100">
+                          <a:solidFill>
+                            <a:srgbClr val="404040"/>
+                          </a:solidFill>
+                          <a:latin typeface="Times New Roman"/>
+                        </a:rPr>
+                        <a:t>Integration of Apple and Microsoft ecosystems, cross-selling of services (Azure, Office 365, Apple Services), supply chain efficiencies, and enhanced R&amp;D capabilities.</a:t>
+                      </a:r>
+                    </a:p>
+                  </a:txBody>
+                  <a:tcPr marL="45720" marR="45720" marT="45720" marB="45720">
+                    <a:solidFill>
+                      <a:srgbClr val="FFFFFF"/>
+                    </a:solidFill>
+                  </a:tcPr>
+                </a:tc>
+                <a:tc>
+                  <a:txBody>
+                    <a:bodyPr wrap="square"/>
+                    <a:lstStyle/>
+                    <a:p>
+                      <a:pPr algn="l"/>
+                      <a:r>
+                        <a:rPr sz="1100">
+                          <a:solidFill>
+                            <a:srgbClr val="404040"/>
+                          </a:solidFill>
+                          <a:latin typeface="Times New Roman"/>
+                        </a:rPr>
+                        <a:t>High (9/10)</a:t>
+                      </a:r>
+                    </a:p>
+                  </a:txBody>
+                  <a:tcPr marL="45720" marR="45720" marT="45720" marB="45720">
+                    <a:solidFill>
+                      <a:srgbClr val="FFFFFF"/>
+                    </a:solidFill>
+                  </a:tcPr>
+                </a:tc>
+              </a:tr>
+              <a:tr h="548640">
+                <a:tc>
+                  <a:txBody>
+                    <a:bodyPr wrap="square"/>
+                    <a:lstStyle/>
+                    <a:p>
+                      <a:pPr algn="l"/>
+                      <a:r>
+                        <a:rPr sz="1100" b="1">
+                          <a:solidFill>
+                            <a:srgbClr val="404040"/>
+                          </a:solidFill>
+                          <a:latin typeface="Times New Roman"/>
+                        </a:rPr>
+                        <a:t>Alphabet Inc. (Google)</a:t>
+                      </a:r>
+                    </a:p>
+                  </a:txBody>
+                  <a:tcPr marL="45720" marR="45720" marT="45720" marB="45720">
+                    <a:solidFill>
+                      <a:srgbClr val="F0F0F0"/>
+                    </a:solidFill>
+                  </a:tcPr>
+                </a:tc>
+                <a:tc>
+                  <a:txBody>
+                    <a:bodyPr wrap="square"/>
+                    <a:lstStyle/>
+                    <a:p>
+                      <a:pPr algn="l"/>
+                      <a:r>
+                        <a:rPr sz="1100">
+                          <a:solidFill>
+                            <a:srgbClr val="404040"/>
+                          </a:solidFill>
+                          <a:latin typeface="Times New Roman"/>
+                        </a:rPr>
+                        <a:t>Parent company of Google, specializing in internet services, advertising, cloud, and consumer electronics.</a:t>
+                      </a:r>
+                    </a:p>
+                  </a:txBody>
+                  <a:tcPr marL="45720" marR="45720" marT="45720" marB="45720">
+                    <a:solidFill>
+                      <a:srgbClr val="F0F0F0"/>
+                    </a:solidFill>
+                  </a:tcPr>
+                </a:tc>
+                <a:tc>
+                  <a:txBody>
+                    <a:bodyPr wrap="square"/>
+                    <a:lstStyle/>
+                    <a:p>
+                      <a:pPr algn="l"/>
+                      <a:r>
+                        <a:rPr sz="1100">
+                          <a:solidFill>
+                            <a:srgbClr val="404040"/>
+                          </a:solidFill>
+                          <a:latin typeface="Times New Roman"/>
+                        </a:rPr>
+                        <a:t>A merger would create the world's largest consumer tech platform, combining Android and iOS, and strengthening positions in hardware, AI, and digital services.</a:t>
+                      </a:r>
+                    </a:p>
+                  </a:txBody>
+                  <a:tcPr marL="45720" marR="45720" marT="45720" marB="45720">
+                    <a:solidFill>
+                      <a:srgbClr val="F0F0F0"/>
+                    </a:solidFill>
+                  </a:tcPr>
+                </a:tc>
+                <a:tc>
+                  <a:txBody>
+                    <a:bodyPr wrap="square"/>
+                    <a:lstStyle/>
+                    <a:p>
+                      <a:pPr algn="l"/>
+                      <a:r>
+                        <a:rPr sz="1100">
+                          <a:solidFill>
+                            <a:srgbClr val="404040"/>
+                          </a:solidFill>
+                          <a:latin typeface="Times New Roman"/>
+                        </a:rPr>
+                        <a:t>Unified app ecosystems, combined AI and cloud infrastructure, advertising reach, and global distribution.</a:t>
+                      </a:r>
+                    </a:p>
+                  </a:txBody>
+                  <a:tcPr marL="45720" marR="45720" marT="45720" marB="45720">
+                    <a:solidFill>
+                      <a:srgbClr val="F0F0F0"/>
+                    </a:solidFill>
+                  </a:tcPr>
+                </a:tc>
+                <a:tc>
+                  <a:txBody>
+                    <a:bodyPr wrap="square"/>
+                    <a:lstStyle/>
+                    <a:p>
+                      <a:pPr algn="l"/>
+                      <a:r>
+                        <a:rPr sz="1100">
+                          <a:solidFill>
+                            <a:srgbClr val="404040"/>
+                          </a:solidFill>
+                          <a:latin typeface="Times New Roman"/>
+                        </a:rPr>
+                        <a:t>High (8/10)</a:t>
+                      </a:r>
+                    </a:p>
+                  </a:txBody>
+                  <a:tcPr marL="45720" marR="45720" marT="45720" marB="45720">
                     <a:solidFill>
                       <a:srgbClr val="F0F0F0"/>
                     </a:solidFill>
                   </a:tcPr>
                 </a:tc>
               </a:tr>
-              <a:tr h="292608">
+              <a:tr h="548640">
                 <a:tc>
                   <a:txBody>
-                    <a:bodyPr/>
+                    <a:bodyPr wrap="square"/>
                     <a:lstStyle/>
                     <a:p>
-                      <a:pPr algn="r">
-                        <a:defRPr sz="1200" b="1">
+                      <a:pPr algn="l"/>
+                      <a:r>
+                        <a:rPr sz="1100" b="1">
                           <a:solidFill>
                             <a:srgbClr val="404040"/>
                           </a:solidFill>
                           <a:latin typeface="Times New Roman"/>
-                        </a:defRPr>
-                      </a:pPr>
-                      <a:r>
-                        <a:t>Target</a:t>
+                        </a:rPr>
+                        <a:t>Amazon.com, Inc.</a:t>
                       </a:r>
                     </a:p>
                   </a:txBody>
-                  <a:tcPr anchor="ctr">
+                  <a:tcPr marL="45720" marR="45720" marT="45720" marB="45720">
+                    <a:solidFill>
+                      <a:srgbClr val="FFFFFF"/>
+                    </a:solidFill>
+                  </a:tcPr>
+                </a:tc>
+                <a:tc>
+                  <a:txBody>
+                    <a:bodyPr wrap="square"/>
+                    <a:lstStyle/>
+                    <a:p>
+                      <a:pPr algn="l"/>
+                      <a:r>
+                        <a:rPr sz="1100">
+                          <a:solidFill>
+                            <a:srgbClr val="404040"/>
+                          </a:solidFill>
+                          <a:latin typeface="Times New Roman"/>
+                        </a:rPr>
+                        <a:t>Global e-commerce, cloud computing, and digital services leader.</a:t>
+                      </a:r>
+                    </a:p>
+                  </a:txBody>
+                  <a:tcPr marL="45720" marR="45720" marT="45720" marB="45720">
+                    <a:solidFill>
+                      <a:srgbClr val="FFFFFF"/>
+                    </a:solidFill>
+                  </a:tcPr>
+                </a:tc>
+                <a:tc>
+                  <a:txBody>
+                    <a:bodyPr wrap="square"/>
+                    <a:lstStyle/>
+                    <a:p>
+                      <a:pPr algn="l"/>
+                      <a:r>
+                        <a:rPr sz="1100">
+                          <a:solidFill>
+                            <a:srgbClr val="404040"/>
+                          </a:solidFill>
+                          <a:latin typeface="Times New Roman"/>
+                        </a:rPr>
+                        <a:t>Acquiring Apple would allow Amazon to dominate consumer electronics, expand its device ecosystem, and leverage Apple's retail and services network.</a:t>
+                      </a:r>
+                    </a:p>
+                  </a:txBody>
+                  <a:tcPr marL="45720" marR="45720" marT="45720" marB="45720">
+                    <a:solidFill>
+                      <a:srgbClr val="FFFFFF"/>
+                    </a:solidFill>
+                  </a:tcPr>
+                </a:tc>
+                <a:tc>
+                  <a:txBody>
+                    <a:bodyPr wrap="square"/>
+                    <a:lstStyle/>
+                    <a:p>
+                      <a:pPr algn="l"/>
+                      <a:r>
+                        <a:rPr sz="1100">
+                          <a:solidFill>
+                            <a:srgbClr val="404040"/>
+                          </a:solidFill>
+                          <a:latin typeface="Times New Roman"/>
+                        </a:rPr>
+                        <a:t>Integration of Apple devices with Amazon services (Prime, Alexa), retail and logistics optimization, and expanded digital content offerings.</a:t>
+                      </a:r>
+                    </a:p>
+                  </a:txBody>
+                  <a:tcPr marL="45720" marR="45720" marT="45720" marB="45720">
+                    <a:solidFill>
+                      <a:srgbClr val="FFFFFF"/>
+                    </a:solidFill>
+                  </a:tcPr>
+                </a:tc>
+                <a:tc>
+                  <a:txBody>
+                    <a:bodyPr wrap="square"/>
+                    <a:lstStyle/>
+                    <a:p>
+                      <a:pPr algn="l"/>
+                      <a:r>
+                        <a:rPr sz="1100">
+                          <a:solidFill>
+                            <a:srgbClr val="404040"/>
+                          </a:solidFill>
+                          <a:latin typeface="Times New Roman"/>
+                        </a:rPr>
+                        <a:t>Medium-High (8/10)</a:t>
+                      </a:r>
+                    </a:p>
+                  </a:txBody>
+                  <a:tcPr marL="45720" marR="45720" marT="45720" marB="45720">
+                    <a:solidFill>
+                      <a:srgbClr val="FFFFFF"/>
+                    </a:solidFill>
+                  </a:tcPr>
+                </a:tc>
+              </a:tr>
+              <a:tr h="548640">
+                <a:tc>
+                  <a:txBody>
+                    <a:bodyPr wrap="square"/>
+                    <a:lstStyle/>
+                    <a:p>
+                      <a:pPr algn="l"/>
+                      <a:r>
+                        <a:rPr sz="1100" b="1">
+                          <a:solidFill>
+                            <a:srgbClr val="404040"/>
+                          </a:solidFill>
+                          <a:latin typeface="Times New Roman"/>
+                        </a:rPr>
+                        <a:t>Samsung Electronics Co., Ltd.</a:t>
+                      </a:r>
+                    </a:p>
+                  </a:txBody>
+                  <a:tcPr marL="45720" marR="45720" marT="45720" marB="45720">
                     <a:solidFill>
                       <a:srgbClr val="F0F0F0"/>
                     </a:solidFill>
                   </a:tcPr>
                 </a:tc>
-              </a:tr>
-              <a:tr h="292608">
                 <a:tc>
                   <a:txBody>
-                    <a:bodyPr/>
+                    <a:bodyPr wrap="square"/>
                     <a:lstStyle/>
                     <a:p>
-                      <a:pPr algn="r">
-                        <a:defRPr sz="1200" b="1">
+                      <a:pPr algn="l"/>
+                      <a:r>
+                        <a:rPr sz="1100">
                           <a:solidFill>
                             <a:srgbClr val="404040"/>
                           </a:solidFill>
                           <a:latin typeface="Times New Roman"/>
-                        </a:defRPr>
-                      </a:pPr>
-                      <a:r>
-                        <a:t>Acquirer</a:t>
+                        </a:rPr>
+                        <a:t>South Korean multinational electronics company, leading in smartphones, semiconductors, and displays.</a:t>
                       </a:r>
                     </a:p>
                   </a:txBody>
-                  <a:tcPr anchor="ctr">
+                  <a:tcPr marL="45720" marR="45720" marT="45720" marB="45720">
                     <a:solidFill>
                       <a:srgbClr val="F0F0F0"/>
                     </a:solidFill>
                   </a:tcPr>
                 </a:tc>
-              </a:tr>
-              <a:tr h="292608">
                 <a:tc>
                   <a:txBody>
-                    <a:bodyPr/>
+                    <a:bodyPr wrap="square"/>
                     <a:lstStyle/>
                     <a:p>
-                      <a:pPr algn="r">
-                        <a:defRPr sz="1200" b="1">
+                      <a:pPr algn="l"/>
+                      <a:r>
+                        <a:rPr sz="1100">
                           <a:solidFill>
                             <a:srgbClr val="404040"/>
                           </a:solidFill>
                           <a:latin typeface="Times New Roman"/>
-                        </a:defRPr>
-                      </a:pPr>
-                      <a:r>
-                        <a:t>Country</a:t>
+                        </a:rPr>
+                        <a:t>A combination would create the largest global consumer electronics company, with unmatched scale in hardware innovation and manufacturing.</a:t>
                       </a:r>
                     </a:p>
                   </a:txBody>
-                  <a:tcPr anchor="ctr">
+                  <a:tcPr marL="45720" marR="45720" marT="45720" marB="45720">
                     <a:solidFill>
                       <a:srgbClr val="F0F0F0"/>
                     </a:solidFill>
                   </a:tcPr>
                 </a:tc>
-              </a:tr>
-              <a:tr h="292608">
                 <a:tc>
                   <a:txBody>
-                    <a:bodyPr/>
+                    <a:bodyPr wrap="square"/>
                     <a:lstStyle/>
                     <a:p>
-                      <a:pPr algn="r">
-                        <a:defRPr sz="1200" b="1">
+                      <a:pPr algn="l"/>
+                      <a:r>
+                        <a:rPr sz="1100">
                           <a:solidFill>
                             <a:srgbClr val="404040"/>
                           </a:solidFill>
                           <a:latin typeface="Times New Roman"/>
-                        </a:defRPr>
-                      </a:pPr>
-                      <a:r>
-                        <a:t>EV ($M)</a:t>
+                        </a:rPr>
+                        <a:t>Supply chain integration, R&amp;D collaboration, and expanded global market reach.</a:t>
                       </a:r>
                     </a:p>
                   </a:txBody>
-                  <a:tcPr anchor="ctr">
+                  <a:tcPr marL="45720" marR="45720" marT="45720" marB="45720">
                     <a:solidFill>
                       <a:srgbClr val="F0F0F0"/>
                     </a:solidFill>
                   </a:tcPr>
                 </a:tc>
-              </a:tr>
-              <a:tr h="292608">
                 <a:tc>
                   <a:txBody>
-                    <a:bodyPr/>
+                    <a:bodyPr wrap="square"/>
                     <a:lstStyle/>
                     <a:p>
-                      <a:pPr algn="r">
-                        <a:defRPr sz="1200" b="1">
+                      <a:pPr algn="l"/>
+                      <a:r>
+                        <a:rPr sz="1100">
                           <a:solidFill>
                             <a:srgbClr val="404040"/>
                           </a:solidFill>
                           <a:latin typeface="Times New Roman"/>
-                        </a:defRPr>
-                      </a:pPr>
-                      <a:r>
-                        <a:t>Revenue ($M)</a:t>
+                        </a:rPr>
+                        <a:t>Medium (7/10)</a:t>
                       </a:r>
                     </a:p>
                   </a:txBody>
-                  <a:tcPr anchor="ctr">
-                    <a:solidFill>
-                      <a:srgbClr val="F0F0F0"/>
-                    </a:solidFill>
-                  </a:tcPr>
-                </a:tc>
-              </a:tr>
-              <a:tr h="292608">
-                <a:tc>
-                  <a:txBody>
-                    <a:bodyPr/>
-                    <a:lstStyle/>
-                    <a:p>
-                      <a:pPr algn="r">
-                        <a:defRPr sz="1200" b="1">
-                          <a:solidFill>
-                            <a:srgbClr val="404040"/>
-                          </a:solidFill>
-                          <a:latin typeface="Times New Roman"/>
-                        </a:defRPr>
-                      </a:pPr>
-                      <a:r>
-                        <a:t>EV/Revenue</a:t>
-                      </a:r>
-                    </a:p>
-                  </a:txBody>
-                  <a:tcPr anchor="ctr">
+                  <a:tcPr marL="45720" marR="45720" marT="45720" marB="45720">
                     <a:solidFill>
                       <a:srgbClr val="F0F0F0"/>
                     </a:solidFill>
@@ -20480,101 +20967,78 @@
           </a:graphicData>
         </a:graphic>
       </p:graphicFrame>
-      <p:graphicFrame>
-        <p:nvGraphicFramePr>
-          <p:cNvPr id="8" name="Table 7"/>
-          <p:cNvGraphicFramePr>
-            <a:graphicFrameLocks noGrp="1"/>
-          </p:cNvGraphicFramePr>
-          <p:nvPr/>
-        </p:nvGraphicFramePr>
-        <p:xfrm>
-          <a:off x="1600200" y="4389120"/>
-          <a:ext cx="8686800" cy="2048256"/>
-        </p:xfrm>
-        <a:graphic>
-          <a:graphicData uri="http://schemas.openxmlformats.org/drawingml/2006/table">
-            <a:tbl>
-              <a:tblPr firstRow="1" bandRow="1">
-                <a:tableStyleId>{5C22544A-7EE6-4342-B048-85BDC9FD1C3A}</a:tableStyleId>
-              </a:tblPr>
-              <a:tblGrid>
-                <a:gridCol w="8686800"/>
-              </a:tblGrid>
-              <a:tr h="292608">
-                <a:tc>
-                  <a:txBody>
-                    <a:bodyPr/>
-                    <a:lstStyle/>
-                    <a:p/>
-                  </a:txBody>
-                  <a:tcPr/>
-                </a:tc>
-              </a:tr>
-              <a:tr h="292608">
-                <a:tc>
-                  <a:txBody>
-                    <a:bodyPr/>
-                    <a:lstStyle/>
-                    <a:p/>
-                  </a:txBody>
-                  <a:tcPr/>
-                </a:tc>
-              </a:tr>
-              <a:tr h="292608">
-                <a:tc>
-                  <a:txBody>
-                    <a:bodyPr/>
-                    <a:lstStyle/>
-                    <a:p/>
-                  </a:txBody>
-                  <a:tcPr/>
-                </a:tc>
-              </a:tr>
-              <a:tr h="292608">
-                <a:tc>
-                  <a:txBody>
-                    <a:bodyPr/>
-                    <a:lstStyle/>
-                    <a:p/>
-                  </a:txBody>
-                  <a:tcPr/>
-                </a:tc>
-              </a:tr>
-              <a:tr h="292608">
-                <a:tc>
-                  <a:txBody>
-                    <a:bodyPr/>
-                    <a:lstStyle/>
-                    <a:p/>
-                  </a:txBody>
-                  <a:tcPr/>
-                </a:tc>
-              </a:tr>
-              <a:tr h="292608">
-                <a:tc>
-                  <a:txBody>
-                    <a:bodyPr/>
-                    <a:lstStyle/>
-                    <a:p/>
-                  </a:txBody>
-                  <a:tcPr/>
-                </a:tc>
-              </a:tr>
-              <a:tr h="292608">
-                <a:tc>
-                  <a:txBody>
-                    <a:bodyPr/>
-                    <a:lstStyle/>
-                    <a:p/>
-                  </a:txBody>
-                  <a:tcPr/>
-                </a:tc>
-              </a:tr>
-            </a:tbl>
-          </a:graphicData>
-        </a:graphic>
-      </p:graphicFrame>
+      <p:sp>
+        <p:nvSpPr>
+          <p:cNvPr id="5" name="TextBox 4"/>
+          <p:cNvSpPr txBox="1"/>
+          <p:nvPr/>
+        </p:nvSpPr>
+        <p:spPr>
+          <a:xfrm>
+            <a:off x="457200" y="6400800"/>
+            <a:ext cx="5486400" cy="365760"/>
+          </a:xfrm>
+          <a:prstGeom prst="rect">
+            <a:avLst/>
+          </a:prstGeom>
+          <a:noFill/>
+        </p:spPr>
+        <p:txBody>
+          <a:bodyPr wrap="none" anchor="ctr">
+            <a:spAutoFit/>
+          </a:bodyPr>
+          <a:lstStyle/>
+          <a:p>
+            <a:pPr algn="l">
+              <a:defRPr sz="1000">
+                <a:solidFill>
+                  <a:srgbClr val="808080"/>
+                </a:solidFill>
+                <a:latin typeface="Times New Roman"/>
+              </a:defRPr>
+            </a:pPr>
+            <a:r>
+              <a:t>Confidential | September 12, 2025</a:t>
+            </a:r>
+          </a:p>
+        </p:txBody>
+      </p:sp>
+      <p:sp>
+        <p:nvSpPr>
+          <p:cNvPr id="6" name="TextBox 5"/>
+          <p:cNvSpPr txBox="1"/>
+          <p:nvPr/>
+        </p:nvSpPr>
+        <p:spPr>
+          <a:xfrm>
+            <a:off x="9144000" y="6400800"/>
+            <a:ext cx="2743200" cy="365760"/>
+          </a:xfrm>
+          <a:prstGeom prst="rect">
+            <a:avLst/>
+          </a:prstGeom>
+          <a:noFill/>
+        </p:spPr>
+        <p:txBody>
+          <a:bodyPr wrap="none" anchor="ctr">
+            <a:spAutoFit/>
+          </a:bodyPr>
+          <a:lstStyle/>
+          <a:p>
+            <a:pPr algn="r">
+              <a:defRPr sz="1000">
+                <a:solidFill>
+                  <a:srgbClr val="808080"/>
+                </a:solidFill>
+                <a:latin typeface="Times New Roman"/>
+              </a:defRPr>
+            </a:pPr>
+            <a:r>
+              <a:t>Apple</a:t>
+            </a:r>
+          </a:p>
+        </p:txBody>
+      </p:sp>
     </p:spTree>
   </p:cSld>
   <p:clrMapOvr>
